--- a/IHP_2024/20240524/2段構成TIAの検討.pptx
+++ b/IHP_2024/20240524/2段構成TIAの検討.pptx
@@ -202,7 +202,7 @@
           <a:p>
             <a:fld id="{F8456487-DC86-474A-B4EE-F658698A396D}" type="datetimeFigureOut">
               <a:rPr kumimoji="1" lang="ja-JP" altLang="en-US" smtClean="0"/>
-              <a:t>2024/5/20</a:t>
+              <a:t>2024/5/21</a:t>
             </a:fld>
             <a:endParaRPr kumimoji="1" lang="ja-JP" altLang="en-US"/>
           </a:p>
@@ -8479,8 +8479,8 @@
           </p:txBody>
         </p:sp>
       </p:grpSp>
-      <mc:AlternateContent xmlns:mc="http://schemas.openxmlformats.org/markup-compatibility/2006">
-        <mc:Choice xmlns:a14="http://schemas.microsoft.com/office/drawing/2010/main" Requires="a14">
+      <mc:AlternateContent xmlns:mc="http://schemas.openxmlformats.org/markup-compatibility/2006" xmlns:a14="http://schemas.microsoft.com/office/drawing/2010/main">
+        <mc:Choice Requires="a14">
           <p:sp>
             <p:nvSpPr>
               <p:cNvPr id="12" name="テキスト ボックス 11">
@@ -9839,7 +9839,7 @@
             </p:txBody>
           </p:sp>
         </mc:Choice>
-        <mc:Fallback>
+        <mc:Fallback xmlns="">
           <p:sp>
             <p:nvSpPr>
               <p:cNvPr id="12" name="テキスト ボックス 11">
@@ -9933,8 +9933,8 @@
           </a:p>
         </p:txBody>
       </p:sp>
-      <mc:AlternateContent xmlns:mc="http://schemas.openxmlformats.org/markup-compatibility/2006">
-        <mc:Choice xmlns:a14="http://schemas.microsoft.com/office/drawing/2010/main" Requires="a14">
+      <mc:AlternateContent xmlns:mc="http://schemas.openxmlformats.org/markup-compatibility/2006" xmlns:a14="http://schemas.microsoft.com/office/drawing/2010/main">
+        <mc:Choice Requires="a14">
           <p:sp>
             <p:nvSpPr>
               <p:cNvPr id="7" name="テキスト ボックス 6">
@@ -10235,7 +10235,7 @@
                     <m:sSub>
                       <m:sSubPr>
                         <m:ctrlPr>
-                          <a:rPr lang="en-US" altLang="ja-JP" b="0" i="0" smtClean="0">
+                          <a:rPr lang="en-US" altLang="ja-JP" b="0" i="1" smtClean="0">
                             <a:latin typeface="Cambria Math" panose="02040503050406030204" pitchFamily="18" charset="0"/>
                           </a:rPr>
                         </m:ctrlPr>
@@ -10533,7 +10533,7 @@
             </p:txBody>
           </p:sp>
         </mc:Choice>
-        <mc:Fallback>
+        <mc:Fallback xmlns="">
           <p:sp>
             <p:nvSpPr>
               <p:cNvPr id="7" name="テキスト ボックス 6">
@@ -10578,8 +10578,8 @@
           </p:sp>
         </mc:Fallback>
       </mc:AlternateContent>
-      <mc:AlternateContent xmlns:mc="http://schemas.openxmlformats.org/markup-compatibility/2006">
-        <mc:Choice xmlns:a14="http://schemas.microsoft.com/office/drawing/2010/main" Requires="a14">
+      <mc:AlternateContent xmlns:mc="http://schemas.openxmlformats.org/markup-compatibility/2006" xmlns:a14="http://schemas.microsoft.com/office/drawing/2010/main">
+        <mc:Choice Requires="a14">
           <p:sp>
             <p:nvSpPr>
               <p:cNvPr id="8" name="テキスト ボックス 7">
@@ -11190,6 +11190,7 @@
                 </a:endParaRPr>
               </a:p>
               <a:p>
+                <a:pPr/>
                 <a14:m>
                   <m:oMathPara xmlns:m="http://schemas.openxmlformats.org/officeDocument/2006/math">
                     <m:oMathParaPr>
@@ -11507,7 +11508,7 @@
             </p:txBody>
           </p:sp>
         </mc:Choice>
-        <mc:Fallback>
+        <mc:Fallback xmlns="">
           <p:sp>
             <p:nvSpPr>
               <p:cNvPr id="8" name="テキスト ボックス 7">
@@ -11713,8 +11714,8 @@
             </p:nvSpPr>
             <p:spPr>
               <a:xfrm>
-                <a:off x="266700" y="1248770"/>
-                <a:ext cx="11658600" cy="2193677"/>
+                <a:off x="133350" y="1515470"/>
+                <a:ext cx="11925300" cy="2331792"/>
               </a:xfrm>
               <a:prstGeom prst="rect">
                 <a:avLst/>
@@ -11727,6 +11728,7 @@
               </a:bodyPr>
               <a:lstStyle/>
               <a:p>
+                <a:pPr/>
                 <a14:m>
                   <m:oMathPara xmlns:m="http://schemas.openxmlformats.org/officeDocument/2006/math">
                     <m:oMathParaPr>
@@ -11734,13 +11736,13 @@
                     </m:oMathParaPr>
                     <m:oMath xmlns:m="http://schemas.openxmlformats.org/officeDocument/2006/math">
                       <m:r>
-                        <a:rPr kumimoji="1" lang="en-US" altLang="ja-JP" b="0" i="1" smtClean="0">
+                        <a:rPr kumimoji="1" lang="en-US" altLang="ja-JP" sz="1200" b="0" i="1" smtClean="0">
                           <a:latin typeface="Cambria Math" panose="02040503050406030204" pitchFamily="18" charset="0"/>
                         </a:rPr>
                         <m:t>𝑗</m:t>
                       </m:r>
                       <m:r>
-                        <a:rPr kumimoji="1" lang="en-US" altLang="ja-JP" b="0" i="1" smtClean="0">
+                        <a:rPr kumimoji="1" lang="en-US" altLang="ja-JP" sz="1200" b="0" i="1" smtClean="0">
                           <a:latin typeface="Cambria Math" panose="02040503050406030204" pitchFamily="18" charset="0"/>
                         </a:rPr>
                         <m:t>𝜔</m:t>
@@ -11748,14 +11750,14 @@
                       <m:sSub>
                         <m:sSubPr>
                           <m:ctrlPr>
-                            <a:rPr kumimoji="1" lang="en-US" altLang="ja-JP" b="0" i="1" smtClean="0">
+                            <a:rPr kumimoji="1" lang="en-US" altLang="ja-JP" sz="1200" b="0" i="1" smtClean="0">
                               <a:latin typeface="Cambria Math" panose="02040503050406030204" pitchFamily="18" charset="0"/>
                             </a:rPr>
                           </m:ctrlPr>
                         </m:sSubPr>
                         <m:e>
                           <m:r>
-                            <a:rPr kumimoji="1" lang="en-US" altLang="ja-JP" b="0" i="1" smtClean="0">
+                            <a:rPr kumimoji="1" lang="en-US" altLang="ja-JP" sz="1200" b="0" i="1" smtClean="0">
                               <a:latin typeface="Cambria Math" panose="02040503050406030204" pitchFamily="18" charset="0"/>
                             </a:rPr>
                             <m:t>𝐶</m:t>
@@ -11763,13 +11765,13 @@
                         </m:e>
                         <m:sub>
                           <m:r>
-                            <a:rPr kumimoji="1" lang="en-US" altLang="ja-JP" b="0" i="1" smtClean="0">
+                            <a:rPr kumimoji="1" lang="en-US" altLang="ja-JP" sz="1200" b="0" i="1" smtClean="0">
                               <a:latin typeface="Cambria Math" panose="02040503050406030204" pitchFamily="18" charset="0"/>
                             </a:rPr>
                             <m:t>𝑗𝑐</m:t>
                           </m:r>
                           <m:r>
-                            <a:rPr kumimoji="1" lang="en-US" altLang="ja-JP" b="0" i="1" smtClean="0">
+                            <a:rPr kumimoji="1" lang="en-US" altLang="ja-JP" sz="1200" b="0" i="1" smtClean="0">
                               <a:latin typeface="Cambria Math" panose="02040503050406030204" pitchFamily="18" charset="0"/>
                             </a:rPr>
                             <m:t>2</m:t>
@@ -11779,14 +11781,14 @@
                       <m:sSub>
                         <m:sSubPr>
                           <m:ctrlPr>
-                            <a:rPr kumimoji="1" lang="en-US" altLang="ja-JP" b="0" i="1" smtClean="0">
+                            <a:rPr kumimoji="1" lang="en-US" altLang="ja-JP" sz="1200" b="0" i="1" smtClean="0">
                               <a:latin typeface="Cambria Math" panose="02040503050406030204" pitchFamily="18" charset="0"/>
                             </a:rPr>
                           </m:ctrlPr>
                         </m:sSubPr>
                         <m:e>
                           <m:r>
-                            <a:rPr kumimoji="1" lang="en-US" altLang="ja-JP" b="0" i="1" smtClean="0">
+                            <a:rPr kumimoji="1" lang="en-US" altLang="ja-JP" sz="1200" b="0" i="1" smtClean="0">
                               <a:latin typeface="Cambria Math" panose="02040503050406030204" pitchFamily="18" charset="0"/>
                             </a:rPr>
                             <m:t>𝑣</m:t>
@@ -11794,7 +11796,7 @@
                         </m:e>
                         <m:sub>
                           <m:r>
-                            <a:rPr kumimoji="1" lang="en-US" altLang="ja-JP" b="0" i="1" smtClean="0">
+                            <a:rPr kumimoji="1" lang="en-US" altLang="ja-JP" sz="1200" b="0" i="1" smtClean="0">
                               <a:latin typeface="Cambria Math" panose="02040503050406030204" pitchFamily="18" charset="0"/>
                             </a:rPr>
                             <m:t>𝑜𝑢𝑡</m:t>
@@ -11802,7 +11804,7 @@
                         </m:sub>
                       </m:sSub>
                       <m:r>
-                        <a:rPr kumimoji="1" lang="en-US" altLang="ja-JP" b="0" i="1" smtClean="0">
+                        <a:rPr kumimoji="1" lang="en-US" altLang="ja-JP" sz="1200" b="0" i="1" smtClean="0">
                           <a:latin typeface="Cambria Math" panose="02040503050406030204" pitchFamily="18" charset="0"/>
                         </a:rPr>
                         <m:t>=</m:t>
@@ -11811,7 +11813,7 @@
                         <m:dPr>
                           <m:begChr m:val=""/>
                           <m:ctrlPr>
-                            <a:rPr lang="en-US" altLang="ja-JP" i="1">
+                            <a:rPr lang="en-US" altLang="ja-JP" sz="1200" i="1">
                               <a:latin typeface="Cambria Math" panose="02040503050406030204" pitchFamily="18" charset="0"/>
                             </a:rPr>
                           </m:ctrlPr>
@@ -11821,7 +11823,7 @@
                             <m:dPr>
                               <m:endChr m:val=""/>
                               <m:ctrlPr>
-                                <a:rPr lang="en-US" altLang="ja-JP" i="1">
+                                <a:rPr lang="en-US" altLang="ja-JP" sz="1200" i="1">
                                   <a:latin typeface="Cambria Math" panose="02040503050406030204" pitchFamily="18" charset="0"/>
                                 </a:rPr>
                               </m:ctrlPr>
@@ -11830,14 +11832,14 @@
                               <m:sSub>
                                 <m:sSubPr>
                                   <m:ctrlPr>
-                                    <a:rPr lang="en-US" altLang="ja-JP" i="1">
+                                    <a:rPr lang="en-US" altLang="ja-JP" sz="1200" i="1">
                                       <a:latin typeface="Cambria Math" panose="02040503050406030204" pitchFamily="18" charset="0"/>
                                     </a:rPr>
                                   </m:ctrlPr>
                                 </m:sSubPr>
                                 <m:e>
                                   <m:r>
-                                    <a:rPr lang="en-US" altLang="ja-JP" i="1">
+                                    <a:rPr lang="en-US" altLang="ja-JP" sz="1200" i="1">
                                       <a:latin typeface="Cambria Math" panose="02040503050406030204" pitchFamily="18" charset="0"/>
                                     </a:rPr>
                                     <m:t>𝐺</m:t>
@@ -11845,7 +11847,7 @@
                                 </m:e>
                                 <m:sub>
                                   <m:r>
-                                    <a:rPr lang="en-US" altLang="ja-JP" i="1">
+                                    <a:rPr lang="en-US" altLang="ja-JP" sz="1200" i="1">
                                       <a:latin typeface="Cambria Math" panose="02040503050406030204" pitchFamily="18" charset="0"/>
                                     </a:rPr>
                                     <m:t>2</m:t>
@@ -11853,19 +11855,19 @@
                                 </m:sub>
                               </m:sSub>
                               <m:r>
-                                <a:rPr lang="en-US" altLang="ja-JP" i="1">
+                                <a:rPr lang="en-US" altLang="ja-JP" sz="1200" i="1">
                                   <a:latin typeface="Cambria Math" panose="02040503050406030204" pitchFamily="18" charset="0"/>
                                 </a:rPr>
                                 <m:t>+</m:t>
                               </m:r>
                               <m:r>
-                                <a:rPr lang="en-US" altLang="ja-JP" i="1">
+                                <a:rPr lang="en-US" altLang="ja-JP" sz="1200" i="1">
                                   <a:latin typeface="Cambria Math" panose="02040503050406030204" pitchFamily="18" charset="0"/>
                                 </a:rPr>
                                 <m:t>𝑗</m:t>
                               </m:r>
                               <m:r>
-                                <a:rPr lang="en-US" altLang="ja-JP" i="1">
+                                <a:rPr lang="en-US" altLang="ja-JP" sz="1200" i="1">
                                   <a:latin typeface="Cambria Math" panose="02040503050406030204" pitchFamily="18" charset="0"/>
                                 </a:rPr>
                                 <m:t>𝜔</m:t>
@@ -11873,14 +11875,14 @@
                               <m:sSub>
                                 <m:sSubPr>
                                   <m:ctrlPr>
-                                    <a:rPr lang="en-US" altLang="ja-JP" i="1">
+                                    <a:rPr lang="en-US" altLang="ja-JP" sz="1200" i="1">
                                       <a:latin typeface="Cambria Math" panose="02040503050406030204" pitchFamily="18" charset="0"/>
                                     </a:rPr>
                                   </m:ctrlPr>
                                 </m:sSubPr>
                                 <m:e>
                                   <m:r>
-                                    <a:rPr lang="en-US" altLang="ja-JP" i="1">
+                                    <a:rPr lang="en-US" altLang="ja-JP" sz="1200" i="1">
                                       <a:latin typeface="Cambria Math" panose="02040503050406030204" pitchFamily="18" charset="0"/>
                                     </a:rPr>
                                     <m:t>𝐶</m:t>
@@ -11888,7 +11890,7 @@
                                 </m:e>
                                 <m:sub>
                                   <m:r>
-                                    <a:rPr lang="en-US" altLang="ja-JP" i="1">
+                                    <a:rPr lang="en-US" altLang="ja-JP" sz="1200" i="1">
                                       <a:latin typeface="Cambria Math" panose="02040503050406030204" pitchFamily="18" charset="0"/>
                                     </a:rPr>
                                     <m:t>2</m:t>
@@ -11902,14 +11904,14 @@
                       <m:sSub>
                         <m:sSubPr>
                           <m:ctrlPr>
-                            <a:rPr lang="en-US" altLang="ja-JP" b="0" i="1" smtClean="0">
+                            <a:rPr lang="en-US" altLang="ja-JP" sz="1200" b="0" i="1" smtClean="0">
                               <a:latin typeface="Cambria Math" panose="02040503050406030204" pitchFamily="18" charset="0"/>
                             </a:rPr>
                           </m:ctrlPr>
                         </m:sSubPr>
                         <m:e>
                           <m:r>
-                            <a:rPr lang="en-US" altLang="ja-JP" b="0" i="1" smtClean="0">
+                            <a:rPr lang="en-US" altLang="ja-JP" sz="1200" b="0" i="1" smtClean="0">
                               <a:latin typeface="Cambria Math" panose="02040503050406030204" pitchFamily="18" charset="0"/>
                             </a:rPr>
                             <m:t>𝑣</m:t>
@@ -11917,7 +11919,7 @@
                         </m:e>
                         <m:sub>
                           <m:r>
-                            <a:rPr lang="en-US" altLang="ja-JP" b="0" i="1" smtClean="0">
+                            <a:rPr lang="en-US" altLang="ja-JP" sz="1200" b="0" i="1" smtClean="0">
                               <a:latin typeface="Cambria Math" panose="02040503050406030204" pitchFamily="18" charset="0"/>
                             </a:rPr>
                             <m:t>𝑚</m:t>
@@ -11925,7 +11927,7 @@
                         </m:sub>
                       </m:sSub>
                       <m:r>
-                        <a:rPr lang="en-US" altLang="ja-JP" b="0" i="1" smtClean="0">
+                        <a:rPr lang="en-US" altLang="ja-JP" sz="1200" b="0" i="1" smtClean="0">
                           <a:latin typeface="Cambria Math" panose="02040503050406030204" pitchFamily="18" charset="0"/>
                         </a:rPr>
                         <m:t>−</m:t>
@@ -11933,7 +11935,7 @@
                       <m:f>
                         <m:fPr>
                           <m:ctrlPr>
-                            <a:rPr lang="en-US" altLang="ja-JP" b="0" i="1" smtClean="0">
+                            <a:rPr lang="en-US" altLang="ja-JP" sz="1200" b="0" i="1" smtClean="0">
                               <a:latin typeface="Cambria Math" panose="02040503050406030204" pitchFamily="18" charset="0"/>
                             </a:rPr>
                           </m:ctrlPr>
@@ -11942,14 +11944,14 @@
                           <m:sSub>
                             <m:sSubPr>
                               <m:ctrlPr>
-                                <a:rPr lang="en-US" altLang="ja-JP" b="0" i="1" smtClean="0">
+                                <a:rPr lang="en-US" altLang="ja-JP" sz="1200" b="0" i="1" smtClean="0">
                                   <a:latin typeface="Cambria Math" panose="02040503050406030204" pitchFamily="18" charset="0"/>
                                 </a:rPr>
                               </m:ctrlPr>
                             </m:sSubPr>
                             <m:e>
                               <m:r>
-                                <a:rPr lang="en-US" altLang="ja-JP" b="0" i="1" smtClean="0">
+                                <a:rPr lang="en-US" altLang="ja-JP" sz="1200" b="0" i="1" smtClean="0">
                                   <a:latin typeface="Cambria Math" panose="02040503050406030204" pitchFamily="18" charset="0"/>
                                 </a:rPr>
                                 <m:t>𝑔</m:t>
@@ -11957,13 +11959,13 @@
                             </m:e>
                             <m:sub>
                               <m:r>
-                                <a:rPr lang="en-US" altLang="ja-JP" b="0" i="1" smtClean="0">
+                                <a:rPr lang="en-US" altLang="ja-JP" sz="1200" b="0" i="1" smtClean="0">
                                   <a:latin typeface="Cambria Math" panose="02040503050406030204" pitchFamily="18" charset="0"/>
                                 </a:rPr>
                                 <m:t>𝑐</m:t>
                               </m:r>
                               <m:r>
-                                <a:rPr lang="en-US" altLang="ja-JP" b="0" i="1" smtClean="0">
+                                <a:rPr lang="en-US" altLang="ja-JP" sz="1200" b="0" i="1" smtClean="0">
                                   <a:latin typeface="Cambria Math" panose="02040503050406030204" pitchFamily="18" charset="0"/>
                                 </a:rPr>
                                 <m:t>1</m:t>
@@ -11973,7 +11975,7 @@
                           <m:d>
                             <m:dPr>
                               <m:ctrlPr>
-                                <a:rPr lang="en-US" altLang="ja-JP" b="0" i="1" smtClean="0">
+                                <a:rPr lang="en-US" altLang="ja-JP" sz="1200" b="0" i="1" smtClean="0">
                                   <a:latin typeface="Cambria Math" panose="02040503050406030204" pitchFamily="18" charset="0"/>
                                 </a:rPr>
                               </m:ctrlPr>
@@ -11982,14 +11984,14 @@
                               <m:sSub>
                                 <m:sSubPr>
                                   <m:ctrlPr>
-                                    <a:rPr lang="en-US" altLang="ja-JP" i="1">
+                                    <a:rPr lang="en-US" altLang="ja-JP" sz="1200" i="1">
                                       <a:latin typeface="Cambria Math" panose="02040503050406030204" pitchFamily="18" charset="0"/>
                                     </a:rPr>
                                   </m:ctrlPr>
                                 </m:sSubPr>
                                 <m:e>
                                   <m:r>
-                                    <a:rPr lang="en-US" altLang="ja-JP" i="1">
+                                    <a:rPr lang="en-US" altLang="ja-JP" sz="1200" i="1">
                                       <a:latin typeface="Cambria Math" panose="02040503050406030204" pitchFamily="18" charset="0"/>
                                     </a:rPr>
                                     <m:t>𝑔</m:t>
@@ -11997,13 +11999,13 @@
                                 </m:e>
                                 <m:sub>
                                   <m:r>
-                                    <a:rPr lang="en-US" altLang="ja-JP" i="1">
+                                    <a:rPr lang="en-US" altLang="ja-JP" sz="1200" i="1">
                                       <a:latin typeface="Cambria Math" panose="02040503050406030204" pitchFamily="18" charset="0"/>
                                     </a:rPr>
                                     <m:t>𝑚</m:t>
                                   </m:r>
                                   <m:r>
-                                    <a:rPr lang="en-US" altLang="ja-JP" i="1">
+                                    <a:rPr lang="en-US" altLang="ja-JP" sz="1200" i="1">
                                       <a:latin typeface="Cambria Math" panose="02040503050406030204" pitchFamily="18" charset="0"/>
                                     </a:rPr>
                                     <m:t>1</m:t>
@@ -12011,7 +12013,7 @@
                                 </m:sub>
                               </m:sSub>
                               <m:r>
-                                <a:rPr lang="en-US" altLang="ja-JP" i="1">
+                                <a:rPr lang="en-US" altLang="ja-JP" sz="1200" i="1">
                                   <a:latin typeface="Cambria Math" panose="02040503050406030204" pitchFamily="18" charset="0"/>
                                 </a:rPr>
                                 <m:t>+</m:t>
@@ -12019,14 +12021,14 @@
                               <m:sSub>
                                 <m:sSubPr>
                                   <m:ctrlPr>
-                                    <a:rPr lang="en-US" altLang="ja-JP" i="1">
+                                    <a:rPr lang="en-US" altLang="ja-JP" sz="1200" i="1">
                                       <a:latin typeface="Cambria Math" panose="02040503050406030204" pitchFamily="18" charset="0"/>
                                     </a:rPr>
                                   </m:ctrlPr>
                                 </m:sSubPr>
                                 <m:e>
                                   <m:r>
-                                    <a:rPr lang="en-US" altLang="ja-JP" i="1">
+                                    <a:rPr lang="en-US" altLang="ja-JP" sz="1200" i="1">
                                       <a:latin typeface="Cambria Math" panose="02040503050406030204" pitchFamily="18" charset="0"/>
                                     </a:rPr>
                                     <m:t>𝑔</m:t>
@@ -12034,13 +12036,13 @@
                                 </m:e>
                                 <m:sub>
                                   <m:r>
-                                    <a:rPr lang="en-US" altLang="ja-JP" i="1">
+                                    <a:rPr lang="en-US" altLang="ja-JP" sz="1200" i="1">
                                       <a:latin typeface="Cambria Math" panose="02040503050406030204" pitchFamily="18" charset="0"/>
                                     </a:rPr>
                                     <m:t>𝑐𝑒</m:t>
                                   </m:r>
                                   <m:r>
-                                    <a:rPr lang="en-US" altLang="ja-JP" i="1">
+                                    <a:rPr lang="en-US" altLang="ja-JP" sz="1200" i="1">
                                       <a:latin typeface="Cambria Math" panose="02040503050406030204" pitchFamily="18" charset="0"/>
                                     </a:rPr>
                                     <m:t>1</m:t>
@@ -12054,14 +12056,14 @@
                           <m:sSub>
                             <m:sSubPr>
                               <m:ctrlPr>
-                                <a:rPr lang="en-US" altLang="ja-JP" b="0" i="1" smtClean="0">
+                                <a:rPr lang="en-US" altLang="ja-JP" sz="1200" b="0" i="1" smtClean="0">
                                   <a:latin typeface="Cambria Math" panose="02040503050406030204" pitchFamily="18" charset="0"/>
                                 </a:rPr>
                               </m:ctrlPr>
                             </m:sSubPr>
                             <m:e>
                               <m:r>
-                                <a:rPr lang="en-US" altLang="ja-JP" b="0" i="1" smtClean="0">
+                                <a:rPr lang="en-US" altLang="ja-JP" sz="1200" b="0" i="1" smtClean="0">
                                   <a:latin typeface="Cambria Math" panose="02040503050406030204" pitchFamily="18" charset="0"/>
                                 </a:rPr>
                                 <m:t>𝐺</m:t>
@@ -12069,7 +12071,7 @@
                             </m:e>
                             <m:sub>
                               <m:r>
-                                <a:rPr lang="en-US" altLang="ja-JP" b="0" i="1" smtClean="0">
+                                <a:rPr lang="en-US" altLang="ja-JP" sz="1200" b="0" i="1" smtClean="0">
                                   <a:latin typeface="Cambria Math" panose="02040503050406030204" pitchFamily="18" charset="0"/>
                                 </a:rPr>
                                 <m:t>1</m:t>
@@ -12077,19 +12079,19 @@
                             </m:sub>
                           </m:sSub>
                           <m:r>
-                            <a:rPr lang="en-US" altLang="ja-JP" b="0" i="1" smtClean="0">
+                            <a:rPr lang="en-US" altLang="ja-JP" sz="1200" b="0" i="1" smtClean="0">
                               <a:latin typeface="Cambria Math" panose="02040503050406030204" pitchFamily="18" charset="0"/>
                             </a:rPr>
                             <m:t>+</m:t>
                           </m:r>
                           <m:r>
-                            <a:rPr lang="en-US" altLang="ja-JP" b="0" i="1" smtClean="0">
+                            <a:rPr lang="en-US" altLang="ja-JP" sz="1200" b="0" i="1" smtClean="0">
                               <a:latin typeface="Cambria Math" panose="02040503050406030204" pitchFamily="18" charset="0"/>
                             </a:rPr>
                             <m:t>𝑗</m:t>
                           </m:r>
                           <m:r>
-                            <a:rPr lang="en-US" altLang="ja-JP" b="0" i="1" smtClean="0">
+                            <a:rPr lang="en-US" altLang="ja-JP" sz="1200" b="0" i="1" smtClean="0">
                               <a:latin typeface="Cambria Math" panose="02040503050406030204" pitchFamily="18" charset="0"/>
                             </a:rPr>
                             <m:t>𝜔</m:t>
@@ -12097,14 +12099,14 @@
                           <m:sSub>
                             <m:sSubPr>
                               <m:ctrlPr>
-                                <a:rPr lang="en-US" altLang="ja-JP" b="0" i="1" smtClean="0">
+                                <a:rPr lang="en-US" altLang="ja-JP" sz="1200" b="0" i="1" smtClean="0">
                                   <a:latin typeface="Cambria Math" panose="02040503050406030204" pitchFamily="18" charset="0"/>
                                 </a:rPr>
                               </m:ctrlPr>
                             </m:sSubPr>
                             <m:e>
                               <m:r>
-                                <a:rPr lang="en-US" altLang="ja-JP" b="0" i="1" smtClean="0">
+                                <a:rPr lang="en-US" altLang="ja-JP" sz="1200" b="0" i="1" smtClean="0">
                                   <a:latin typeface="Cambria Math" panose="02040503050406030204" pitchFamily="18" charset="0"/>
                                 </a:rPr>
                                 <m:t>𝐶</m:t>
@@ -12112,7 +12114,7 @@
                             </m:e>
                             <m:sub>
                               <m:r>
-                                <a:rPr lang="en-US" altLang="ja-JP" b="0" i="1" smtClean="0">
+                                <a:rPr lang="en-US" altLang="ja-JP" sz="1200" b="0" i="1" smtClean="0">
                                   <a:latin typeface="Cambria Math" panose="02040503050406030204" pitchFamily="18" charset="0"/>
                                 </a:rPr>
                                 <m:t>1</m:t>
@@ -12124,14 +12126,14 @@
                       <m:sSub>
                         <m:sSubPr>
                           <m:ctrlPr>
-                            <a:rPr lang="en-US" altLang="ja-JP" b="0" i="1" smtClean="0">
+                            <a:rPr lang="en-US" altLang="ja-JP" sz="1200" b="0" i="1" smtClean="0">
                               <a:latin typeface="Cambria Math" panose="02040503050406030204" pitchFamily="18" charset="0"/>
                             </a:rPr>
                           </m:ctrlPr>
                         </m:sSubPr>
                         <m:e>
                           <m:r>
-                            <a:rPr lang="en-US" altLang="ja-JP" b="0" i="1" smtClean="0">
+                            <a:rPr lang="en-US" altLang="ja-JP" sz="1200" b="0" i="1" smtClean="0">
                               <a:latin typeface="Cambria Math" panose="02040503050406030204" pitchFamily="18" charset="0"/>
                             </a:rPr>
                             <m:t>𝑣</m:t>
@@ -12139,7 +12141,7 @@
                         </m:e>
                         <m:sub>
                           <m:r>
-                            <a:rPr lang="en-US" altLang="ja-JP" b="0" i="1" smtClean="0">
+                            <a:rPr lang="en-US" altLang="ja-JP" sz="1200" b="0" i="1" smtClean="0">
                               <a:latin typeface="Cambria Math" panose="02040503050406030204" pitchFamily="18" charset="0"/>
                             </a:rPr>
                             <m:t>𝑚</m:t>
@@ -12147,7 +12149,7 @@
                         </m:sub>
                       </m:sSub>
                       <m:r>
-                        <a:rPr lang="en-US" altLang="ja-JP" b="0" i="1" smtClean="0">
+                        <a:rPr lang="en-US" altLang="ja-JP" sz="1200" b="0" i="1" smtClean="0">
                           <a:latin typeface="Cambria Math" panose="02040503050406030204" pitchFamily="18" charset="0"/>
                         </a:rPr>
                         <m:t>+</m:t>
@@ -12155,7 +12157,7 @@
                       <m:f>
                         <m:fPr>
                           <m:ctrlPr>
-                            <a:rPr lang="en-US" altLang="ja-JP" b="0" i="1" smtClean="0">
+                            <a:rPr lang="en-US" altLang="ja-JP" sz="1200" b="0" i="1" smtClean="0">
                               <a:latin typeface="Cambria Math" panose="02040503050406030204" pitchFamily="18" charset="0"/>
                             </a:rPr>
                           </m:ctrlPr>
@@ -12164,14 +12166,14 @@
                           <m:sSub>
                             <m:sSubPr>
                               <m:ctrlPr>
-                                <a:rPr lang="en-US" altLang="ja-JP" b="0" i="1" smtClean="0">
+                                <a:rPr lang="en-US" altLang="ja-JP" sz="1200" b="0" i="1" smtClean="0">
                                   <a:latin typeface="Cambria Math" panose="02040503050406030204" pitchFamily="18" charset="0"/>
                                 </a:rPr>
                               </m:ctrlPr>
                             </m:sSubPr>
                             <m:e>
                               <m:r>
-                                <a:rPr lang="en-US" altLang="ja-JP" b="0" i="1" smtClean="0">
+                                <a:rPr lang="en-US" altLang="ja-JP" sz="1200" b="0" i="1" smtClean="0">
                                   <a:latin typeface="Cambria Math" panose="02040503050406030204" pitchFamily="18" charset="0"/>
                                 </a:rPr>
                                 <m:t>𝑔</m:t>
@@ -12179,13 +12181,13 @@
                             </m:e>
                             <m:sub>
                               <m:r>
-                                <a:rPr lang="en-US" altLang="ja-JP" b="0" i="1" smtClean="0">
+                                <a:rPr lang="en-US" altLang="ja-JP" sz="1200" b="0" i="1" smtClean="0">
                                   <a:latin typeface="Cambria Math" panose="02040503050406030204" pitchFamily="18" charset="0"/>
                                 </a:rPr>
                                 <m:t>𝑚</m:t>
                               </m:r>
                               <m:r>
-                                <a:rPr lang="en-US" altLang="ja-JP" b="0" i="1" smtClean="0">
+                                <a:rPr lang="en-US" altLang="ja-JP" sz="1200" b="0" i="1" smtClean="0">
                                   <a:latin typeface="Cambria Math" panose="02040503050406030204" pitchFamily="18" charset="0"/>
                                 </a:rPr>
                                 <m:t>1</m:t>
@@ -12193,7 +12195,7 @@
                             </m:sub>
                           </m:sSub>
                           <m:r>
-                            <a:rPr lang="en-US" altLang="ja-JP" b="0" i="1" smtClean="0">
+                            <a:rPr lang="en-US" altLang="ja-JP" sz="1200" b="0" i="1" smtClean="0">
                               <a:latin typeface="Cambria Math" panose="02040503050406030204" pitchFamily="18" charset="0"/>
                             </a:rPr>
                             <m:t>+</m:t>
@@ -12201,14 +12203,14 @@
                           <m:sSub>
                             <m:sSubPr>
                               <m:ctrlPr>
-                                <a:rPr lang="en-US" altLang="ja-JP" b="0" i="1" smtClean="0">
+                                <a:rPr lang="en-US" altLang="ja-JP" sz="1200" b="0" i="1" smtClean="0">
                                   <a:latin typeface="Cambria Math" panose="02040503050406030204" pitchFamily="18" charset="0"/>
                                 </a:rPr>
                               </m:ctrlPr>
                             </m:sSubPr>
                             <m:e>
                               <m:r>
-                                <a:rPr lang="en-US" altLang="ja-JP" b="0" i="1" smtClean="0">
+                                <a:rPr lang="en-US" altLang="ja-JP" sz="1200" b="0" i="1" smtClean="0">
                                   <a:latin typeface="Cambria Math" panose="02040503050406030204" pitchFamily="18" charset="0"/>
                                 </a:rPr>
                                 <m:t>𝑔</m:t>
@@ -12216,13 +12218,13 @@
                             </m:e>
                             <m:sub>
                               <m:r>
-                                <a:rPr lang="en-US" altLang="ja-JP" b="0" i="1" smtClean="0">
+                                <a:rPr lang="en-US" altLang="ja-JP" sz="1200" b="0" i="1" smtClean="0">
                                   <a:latin typeface="Cambria Math" panose="02040503050406030204" pitchFamily="18" charset="0"/>
                                 </a:rPr>
                                 <m:t>𝑐𝑒</m:t>
                               </m:r>
                               <m:r>
-                                <a:rPr lang="en-US" altLang="ja-JP" b="0" i="1" smtClean="0">
+                                <a:rPr lang="en-US" altLang="ja-JP" sz="1200" b="0" i="1" smtClean="0">
                                   <a:latin typeface="Cambria Math" panose="02040503050406030204" pitchFamily="18" charset="0"/>
                                 </a:rPr>
                                 <m:t>1</m:t>
@@ -12234,14 +12236,14 @@
                           <m:sSub>
                             <m:sSubPr>
                               <m:ctrlPr>
-                                <a:rPr lang="en-US" altLang="ja-JP" b="0" i="1" smtClean="0">
+                                <a:rPr lang="en-US" altLang="ja-JP" sz="1200" b="0" i="1" smtClean="0">
                                   <a:latin typeface="Cambria Math" panose="02040503050406030204" pitchFamily="18" charset="0"/>
                                 </a:rPr>
                               </m:ctrlPr>
                             </m:sSubPr>
                             <m:e>
                               <m:r>
-                                <a:rPr lang="en-US" altLang="ja-JP" b="0" i="1" smtClean="0">
+                                <a:rPr lang="en-US" altLang="ja-JP" sz="1200" b="0" i="1" smtClean="0">
                                   <a:latin typeface="Cambria Math" panose="02040503050406030204" pitchFamily="18" charset="0"/>
                                 </a:rPr>
                                 <m:t>𝐺</m:t>
@@ -12249,7 +12251,7 @@
                             </m:e>
                             <m:sub>
                               <m:r>
-                                <a:rPr lang="en-US" altLang="ja-JP" b="0" i="1" smtClean="0">
+                                <a:rPr lang="en-US" altLang="ja-JP" sz="1200" b="0" i="1" smtClean="0">
                                   <a:latin typeface="Cambria Math" panose="02040503050406030204" pitchFamily="18" charset="0"/>
                                 </a:rPr>
                                 <m:t>1</m:t>
@@ -12257,19 +12259,19 @@
                             </m:sub>
                           </m:sSub>
                           <m:r>
-                            <a:rPr lang="en-US" altLang="ja-JP" b="0" i="1" smtClean="0">
+                            <a:rPr lang="en-US" altLang="ja-JP" sz="1200" b="0" i="1" smtClean="0">
                               <a:latin typeface="Cambria Math" panose="02040503050406030204" pitchFamily="18" charset="0"/>
                             </a:rPr>
                             <m:t>+</m:t>
                           </m:r>
                           <m:r>
-                            <a:rPr lang="en-US" altLang="ja-JP" b="0" i="1" smtClean="0">
+                            <a:rPr lang="en-US" altLang="ja-JP" sz="1200" b="0" i="1" smtClean="0">
                               <a:latin typeface="Cambria Math" panose="02040503050406030204" pitchFamily="18" charset="0"/>
                             </a:rPr>
                             <m:t>𝑗</m:t>
                           </m:r>
                           <m:r>
-                            <a:rPr lang="en-US" altLang="ja-JP" b="0" i="1" smtClean="0">
+                            <a:rPr lang="en-US" altLang="ja-JP" sz="1200" b="0" i="1" smtClean="0">
                               <a:latin typeface="Cambria Math" panose="02040503050406030204" pitchFamily="18" charset="0"/>
                             </a:rPr>
                             <m:t>𝜔</m:t>
@@ -12277,14 +12279,14 @@
                           <m:sSub>
                             <m:sSubPr>
                               <m:ctrlPr>
-                                <a:rPr lang="en-US" altLang="ja-JP" b="0" i="1" smtClean="0">
+                                <a:rPr lang="en-US" altLang="ja-JP" sz="1200" b="0" i="1" smtClean="0">
                                   <a:latin typeface="Cambria Math" panose="02040503050406030204" pitchFamily="18" charset="0"/>
                                 </a:rPr>
                               </m:ctrlPr>
                             </m:sSubPr>
                             <m:e>
                               <m:r>
-                                <a:rPr lang="en-US" altLang="ja-JP" b="0" i="1" smtClean="0">
+                                <a:rPr lang="en-US" altLang="ja-JP" sz="1200" b="0" i="1" smtClean="0">
                                   <a:latin typeface="Cambria Math" panose="02040503050406030204" pitchFamily="18" charset="0"/>
                                 </a:rPr>
                                 <m:t>𝐶</m:t>
@@ -12292,7 +12294,7 @@
                             </m:e>
                             <m:sub>
                               <m:r>
-                                <a:rPr lang="en-US" altLang="ja-JP" b="0" i="1" smtClean="0">
+                                <a:rPr lang="en-US" altLang="ja-JP" sz="1200" b="0" i="1" smtClean="0">
                                   <a:latin typeface="Cambria Math" panose="02040503050406030204" pitchFamily="18" charset="0"/>
                                 </a:rPr>
                                 <m:t>1</m:t>
@@ -12304,14 +12306,14 @@
                       <m:sSub>
                         <m:sSubPr>
                           <m:ctrlPr>
-                            <a:rPr lang="en-US" altLang="ja-JP" b="0" i="1" smtClean="0">
+                            <a:rPr lang="en-US" altLang="ja-JP" sz="1200" b="0" i="1" smtClean="0">
                               <a:latin typeface="Cambria Math" panose="02040503050406030204" pitchFamily="18" charset="0"/>
                             </a:rPr>
                           </m:ctrlPr>
                         </m:sSubPr>
                         <m:e>
                           <m:r>
-                            <a:rPr lang="en-US" altLang="ja-JP" b="0" i="1" smtClean="0">
+                            <a:rPr lang="en-US" altLang="ja-JP" sz="1200" b="0" i="1" smtClean="0">
                               <a:latin typeface="Cambria Math" panose="02040503050406030204" pitchFamily="18" charset="0"/>
                             </a:rPr>
                             <m:t>𝑖</m:t>
@@ -12319,7 +12321,7 @@
                         </m:e>
                         <m:sub>
                           <m:r>
-                            <a:rPr lang="en-US" altLang="ja-JP" b="0" i="1" smtClean="0">
+                            <a:rPr lang="en-US" altLang="ja-JP" sz="1200" b="0" i="1" smtClean="0">
                               <a:latin typeface="Cambria Math" panose="02040503050406030204" pitchFamily="18" charset="0"/>
                             </a:rPr>
                             <m:t>𝑖𝑛</m:t>
@@ -12329,7 +12331,2344 @@
                     </m:oMath>
                   </m:oMathPara>
                 </a14:m>
-                <a:endParaRPr lang="en-US" altLang="ja-JP" b="0" dirty="0">
+                <a:endParaRPr lang="en-US" altLang="ja-JP" sz="1200" b="0" dirty="0">
+                  <a:latin typeface="Times Newer Roman" panose="00000500000000000000" pitchFamily="50" charset="0"/>
+                </a:endParaRPr>
+              </a:p>
+              <a:p>
+                <a:pPr/>
+                <a14:m>
+                  <m:oMathPara xmlns:m="http://schemas.openxmlformats.org/officeDocument/2006/math">
+                    <m:oMathParaPr>
+                      <m:jc m:val="centerGroup"/>
+                    </m:oMathParaPr>
+                    <m:oMath xmlns:m="http://schemas.openxmlformats.org/officeDocument/2006/math">
+                      <m:f>
+                        <m:fPr>
+                          <m:ctrlPr>
+                            <a:rPr kumimoji="1" lang="en-US" altLang="ja-JP" sz="1200" b="0" i="1" smtClean="0">
+                              <a:latin typeface="Cambria Math" panose="02040503050406030204" pitchFamily="18" charset="0"/>
+                            </a:rPr>
+                          </m:ctrlPr>
+                        </m:fPr>
+                        <m:num>
+                          <m:sSub>
+                            <m:sSubPr>
+                              <m:ctrlPr>
+                                <a:rPr kumimoji="1" lang="en-US" altLang="ja-JP" sz="1200" b="0" i="1" smtClean="0">
+                                  <a:latin typeface="Cambria Math" panose="02040503050406030204" pitchFamily="18" charset="0"/>
+                                </a:rPr>
+                              </m:ctrlPr>
+                            </m:sSubPr>
+                            <m:e>
+                              <m:r>
+                                <a:rPr kumimoji="1" lang="en-US" altLang="ja-JP" sz="1200" b="0" i="1" smtClean="0">
+                                  <a:latin typeface="Cambria Math" panose="02040503050406030204" pitchFamily="18" charset="0"/>
+                                </a:rPr>
+                                <m:t>𝑔</m:t>
+                              </m:r>
+                            </m:e>
+                            <m:sub>
+                              <m:r>
+                                <a:rPr kumimoji="1" lang="en-US" altLang="ja-JP" sz="1200" b="0" i="1" smtClean="0">
+                                  <a:latin typeface="Cambria Math" panose="02040503050406030204" pitchFamily="18" charset="0"/>
+                                </a:rPr>
+                                <m:t>𝑐</m:t>
+                              </m:r>
+                              <m:r>
+                                <a:rPr kumimoji="1" lang="en-US" altLang="ja-JP" sz="1200" b="0" i="1" smtClean="0">
+                                  <a:latin typeface="Cambria Math" panose="02040503050406030204" pitchFamily="18" charset="0"/>
+                                </a:rPr>
+                                <m:t>1</m:t>
+                              </m:r>
+                            </m:sub>
+                          </m:sSub>
+                          <m:d>
+                            <m:dPr>
+                              <m:ctrlPr>
+                                <a:rPr kumimoji="1" lang="en-US" altLang="ja-JP" sz="1200" b="0" i="1" smtClean="0">
+                                  <a:latin typeface="Cambria Math" panose="02040503050406030204" pitchFamily="18" charset="0"/>
+                                </a:rPr>
+                              </m:ctrlPr>
+                            </m:dPr>
+                            <m:e>
+                              <m:sSub>
+                                <m:sSubPr>
+                                  <m:ctrlPr>
+                                    <a:rPr kumimoji="1" lang="en-US" altLang="ja-JP" sz="1200" b="0" i="1" smtClean="0">
+                                      <a:latin typeface="Cambria Math" panose="02040503050406030204" pitchFamily="18" charset="0"/>
+                                    </a:rPr>
+                                  </m:ctrlPr>
+                                </m:sSubPr>
+                                <m:e>
+                                  <m:r>
+                                    <a:rPr kumimoji="1" lang="en-US" altLang="ja-JP" sz="1200" b="0" i="1" smtClean="0">
+                                      <a:latin typeface="Cambria Math" panose="02040503050406030204" pitchFamily="18" charset="0"/>
+                                    </a:rPr>
+                                    <m:t>𝑔</m:t>
+                                  </m:r>
+                                </m:e>
+                                <m:sub>
+                                  <m:r>
+                                    <a:rPr kumimoji="1" lang="en-US" altLang="ja-JP" sz="1200" b="0" i="1" smtClean="0">
+                                      <a:latin typeface="Cambria Math" panose="02040503050406030204" pitchFamily="18" charset="0"/>
+                                    </a:rPr>
+                                    <m:t>𝑚</m:t>
+                                  </m:r>
+                                  <m:r>
+                                    <a:rPr kumimoji="1" lang="en-US" altLang="ja-JP" sz="1200" b="0" i="1" smtClean="0">
+                                      <a:latin typeface="Cambria Math" panose="02040503050406030204" pitchFamily="18" charset="0"/>
+                                    </a:rPr>
+                                    <m:t>1</m:t>
+                                  </m:r>
+                                </m:sub>
+                              </m:sSub>
+                              <m:r>
+                                <a:rPr kumimoji="1" lang="en-US" altLang="ja-JP" sz="1200" b="0" i="1" smtClean="0">
+                                  <a:latin typeface="Cambria Math" panose="02040503050406030204" pitchFamily="18" charset="0"/>
+                                </a:rPr>
+                                <m:t>+</m:t>
+                              </m:r>
+                              <m:sSub>
+                                <m:sSubPr>
+                                  <m:ctrlPr>
+                                    <a:rPr kumimoji="1" lang="en-US" altLang="ja-JP" sz="1200" b="0" i="1" smtClean="0">
+                                      <a:latin typeface="Cambria Math" panose="02040503050406030204" pitchFamily="18" charset="0"/>
+                                    </a:rPr>
+                                  </m:ctrlPr>
+                                </m:sSubPr>
+                                <m:e>
+                                  <m:r>
+                                    <a:rPr kumimoji="1" lang="en-US" altLang="ja-JP" sz="1200" b="0" i="1" smtClean="0">
+                                      <a:latin typeface="Cambria Math" panose="02040503050406030204" pitchFamily="18" charset="0"/>
+                                    </a:rPr>
+                                    <m:t>𝑔</m:t>
+                                  </m:r>
+                                </m:e>
+                                <m:sub>
+                                  <m:r>
+                                    <a:rPr kumimoji="1" lang="en-US" altLang="ja-JP" sz="1200" b="0" i="1" smtClean="0">
+                                      <a:latin typeface="Cambria Math" panose="02040503050406030204" pitchFamily="18" charset="0"/>
+                                    </a:rPr>
+                                    <m:t>𝑐𝑒</m:t>
+                                  </m:r>
+                                  <m:r>
+                                    <a:rPr kumimoji="1" lang="en-US" altLang="ja-JP" sz="1200" b="0" i="1" smtClean="0">
+                                      <a:latin typeface="Cambria Math" panose="02040503050406030204" pitchFamily="18" charset="0"/>
+                                    </a:rPr>
+                                    <m:t>1</m:t>
+                                  </m:r>
+                                </m:sub>
+                              </m:sSub>
+                            </m:e>
+                          </m:d>
+                          <m:r>
+                            <a:rPr kumimoji="1" lang="en-US" altLang="ja-JP" sz="1200" b="0" i="1" smtClean="0">
+                              <a:latin typeface="Cambria Math" panose="02040503050406030204" pitchFamily="18" charset="0"/>
+                            </a:rPr>
+                            <m:t>−</m:t>
+                          </m:r>
+                          <m:sSub>
+                            <m:sSubPr>
+                              <m:ctrlPr>
+                                <a:rPr kumimoji="1" lang="en-US" altLang="ja-JP" sz="1200" b="0" i="1" smtClean="0">
+                                  <a:latin typeface="Cambria Math" panose="02040503050406030204" pitchFamily="18" charset="0"/>
+                                </a:rPr>
+                              </m:ctrlPr>
+                            </m:sSubPr>
+                            <m:e>
+                              <m:r>
+                                <a:rPr kumimoji="1" lang="en-US" altLang="ja-JP" sz="1200" b="0" i="1" smtClean="0">
+                                  <a:latin typeface="Cambria Math" panose="02040503050406030204" pitchFamily="18" charset="0"/>
+                                </a:rPr>
+                                <m:t>𝐺</m:t>
+                              </m:r>
+                            </m:e>
+                            <m:sub>
+                              <m:r>
+                                <a:rPr kumimoji="1" lang="en-US" altLang="ja-JP" sz="1200" b="0" i="1" smtClean="0">
+                                  <a:latin typeface="Cambria Math" panose="02040503050406030204" pitchFamily="18" charset="0"/>
+                                </a:rPr>
+                                <m:t>1</m:t>
+                              </m:r>
+                            </m:sub>
+                          </m:sSub>
+                          <m:sSub>
+                            <m:sSubPr>
+                              <m:ctrlPr>
+                                <a:rPr kumimoji="1" lang="en-US" altLang="ja-JP" sz="1200" b="0" i="1" smtClean="0">
+                                  <a:latin typeface="Cambria Math" panose="02040503050406030204" pitchFamily="18" charset="0"/>
+                                </a:rPr>
+                              </m:ctrlPr>
+                            </m:sSubPr>
+                            <m:e>
+                              <m:r>
+                                <a:rPr kumimoji="1" lang="en-US" altLang="ja-JP" sz="1200" b="0" i="1" smtClean="0">
+                                  <a:latin typeface="Cambria Math" panose="02040503050406030204" pitchFamily="18" charset="0"/>
+                                </a:rPr>
+                                <m:t>𝐺</m:t>
+                              </m:r>
+                            </m:e>
+                            <m:sub>
+                              <m:r>
+                                <a:rPr kumimoji="1" lang="en-US" altLang="ja-JP" sz="1200" b="0" i="1" smtClean="0">
+                                  <a:latin typeface="Cambria Math" panose="02040503050406030204" pitchFamily="18" charset="0"/>
+                                </a:rPr>
+                                <m:t>2</m:t>
+                              </m:r>
+                            </m:sub>
+                          </m:sSub>
+                          <m:r>
+                            <a:rPr kumimoji="1" lang="en-US" altLang="ja-JP" sz="1200" b="0" i="1" smtClean="0">
+                              <a:latin typeface="Cambria Math" panose="02040503050406030204" pitchFamily="18" charset="0"/>
+                            </a:rPr>
+                            <m:t>−</m:t>
+                          </m:r>
+                          <m:sSup>
+                            <m:sSupPr>
+                              <m:ctrlPr>
+                                <a:rPr kumimoji="1" lang="en-US" altLang="ja-JP" sz="1200" b="0" i="1" smtClean="0">
+                                  <a:latin typeface="Cambria Math" panose="02040503050406030204" pitchFamily="18" charset="0"/>
+                                </a:rPr>
+                              </m:ctrlPr>
+                            </m:sSupPr>
+                            <m:e>
+                              <m:r>
+                                <a:rPr kumimoji="1" lang="en-US" altLang="ja-JP" sz="1200" b="0" i="1" smtClean="0">
+                                  <a:latin typeface="Cambria Math" panose="02040503050406030204" pitchFamily="18" charset="0"/>
+                                </a:rPr>
+                                <m:t>𝜔</m:t>
+                              </m:r>
+                            </m:e>
+                            <m:sup>
+                              <m:r>
+                                <a:rPr kumimoji="1" lang="en-US" altLang="ja-JP" sz="1200" b="0" i="1" smtClean="0">
+                                  <a:latin typeface="Cambria Math" panose="02040503050406030204" pitchFamily="18" charset="0"/>
+                                </a:rPr>
+                                <m:t>2</m:t>
+                              </m:r>
+                            </m:sup>
+                          </m:sSup>
+                          <m:sSub>
+                            <m:sSubPr>
+                              <m:ctrlPr>
+                                <a:rPr kumimoji="1" lang="en-US" altLang="ja-JP" sz="1200" b="0" i="1" smtClean="0">
+                                  <a:latin typeface="Cambria Math" panose="02040503050406030204" pitchFamily="18" charset="0"/>
+                                </a:rPr>
+                              </m:ctrlPr>
+                            </m:sSubPr>
+                            <m:e>
+                              <m:r>
+                                <a:rPr kumimoji="1" lang="en-US" altLang="ja-JP" sz="1200" b="0" i="1" smtClean="0">
+                                  <a:latin typeface="Cambria Math" panose="02040503050406030204" pitchFamily="18" charset="0"/>
+                                </a:rPr>
+                                <m:t>𝐶</m:t>
+                              </m:r>
+                            </m:e>
+                            <m:sub>
+                              <m:r>
+                                <a:rPr kumimoji="1" lang="en-US" altLang="ja-JP" sz="1200" b="0" i="1" smtClean="0">
+                                  <a:latin typeface="Cambria Math" panose="02040503050406030204" pitchFamily="18" charset="0"/>
+                                </a:rPr>
+                                <m:t>1</m:t>
+                              </m:r>
+                            </m:sub>
+                          </m:sSub>
+                          <m:sSub>
+                            <m:sSubPr>
+                              <m:ctrlPr>
+                                <a:rPr kumimoji="1" lang="en-US" altLang="ja-JP" sz="1200" b="0" i="1" smtClean="0">
+                                  <a:latin typeface="Cambria Math" panose="02040503050406030204" pitchFamily="18" charset="0"/>
+                                </a:rPr>
+                              </m:ctrlPr>
+                            </m:sSubPr>
+                            <m:e>
+                              <m:r>
+                                <a:rPr kumimoji="1" lang="en-US" altLang="ja-JP" sz="1200" b="0" i="1" smtClean="0">
+                                  <a:latin typeface="Cambria Math" panose="02040503050406030204" pitchFamily="18" charset="0"/>
+                                </a:rPr>
+                                <m:t>𝐶</m:t>
+                              </m:r>
+                            </m:e>
+                            <m:sub>
+                              <m:r>
+                                <a:rPr kumimoji="1" lang="en-US" altLang="ja-JP" sz="1200" b="0" i="1" smtClean="0">
+                                  <a:latin typeface="Cambria Math" panose="02040503050406030204" pitchFamily="18" charset="0"/>
+                                </a:rPr>
+                                <m:t>2</m:t>
+                              </m:r>
+                            </m:sub>
+                          </m:sSub>
+                          <m:r>
+                            <a:rPr kumimoji="1" lang="en-US" altLang="ja-JP" sz="1200" b="0" i="1" smtClean="0">
+                              <a:latin typeface="Cambria Math" panose="02040503050406030204" pitchFamily="18" charset="0"/>
+                            </a:rPr>
+                            <m:t>−</m:t>
+                          </m:r>
+                          <m:r>
+                            <a:rPr kumimoji="1" lang="en-US" altLang="ja-JP" sz="1200" b="0" i="1" smtClean="0">
+                              <a:latin typeface="Cambria Math" panose="02040503050406030204" pitchFamily="18" charset="0"/>
+                            </a:rPr>
+                            <m:t>𝑗</m:t>
+                          </m:r>
+                          <m:r>
+                            <a:rPr kumimoji="1" lang="en-US" altLang="ja-JP" sz="1200" b="0" i="1" smtClean="0">
+                              <a:latin typeface="Cambria Math" panose="02040503050406030204" pitchFamily="18" charset="0"/>
+                            </a:rPr>
+                            <m:t>𝜔</m:t>
+                          </m:r>
+                          <m:d>
+                            <m:dPr>
+                              <m:ctrlPr>
+                                <a:rPr kumimoji="1" lang="en-US" altLang="ja-JP" sz="1200" b="0" i="1" smtClean="0">
+                                  <a:latin typeface="Cambria Math" panose="02040503050406030204" pitchFamily="18" charset="0"/>
+                                </a:rPr>
+                              </m:ctrlPr>
+                            </m:dPr>
+                            <m:e>
+                              <m:sSub>
+                                <m:sSubPr>
+                                  <m:ctrlPr>
+                                    <a:rPr kumimoji="1" lang="en-US" altLang="ja-JP" sz="1200" b="0" i="1" smtClean="0">
+                                      <a:latin typeface="Cambria Math" panose="02040503050406030204" pitchFamily="18" charset="0"/>
+                                    </a:rPr>
+                                  </m:ctrlPr>
+                                </m:sSubPr>
+                                <m:e>
+                                  <m:r>
+                                    <a:rPr kumimoji="1" lang="en-US" altLang="ja-JP" sz="1200" b="0" i="1" smtClean="0">
+                                      <a:latin typeface="Cambria Math" panose="02040503050406030204" pitchFamily="18" charset="0"/>
+                                    </a:rPr>
+                                    <m:t>𝐶</m:t>
+                                  </m:r>
+                                </m:e>
+                                <m:sub>
+                                  <m:r>
+                                    <a:rPr kumimoji="1" lang="en-US" altLang="ja-JP" sz="1200" b="0" i="1" smtClean="0">
+                                      <a:latin typeface="Cambria Math" panose="02040503050406030204" pitchFamily="18" charset="0"/>
+                                    </a:rPr>
+                                    <m:t>1</m:t>
+                                  </m:r>
+                                </m:sub>
+                              </m:sSub>
+                              <m:sSub>
+                                <m:sSubPr>
+                                  <m:ctrlPr>
+                                    <a:rPr kumimoji="1" lang="en-US" altLang="ja-JP" sz="1200" b="0" i="1" smtClean="0">
+                                      <a:latin typeface="Cambria Math" panose="02040503050406030204" pitchFamily="18" charset="0"/>
+                                    </a:rPr>
+                                  </m:ctrlPr>
+                                </m:sSubPr>
+                                <m:e>
+                                  <m:r>
+                                    <a:rPr kumimoji="1" lang="en-US" altLang="ja-JP" sz="1200" b="0" i="1" smtClean="0">
+                                      <a:latin typeface="Cambria Math" panose="02040503050406030204" pitchFamily="18" charset="0"/>
+                                    </a:rPr>
+                                    <m:t>𝐺</m:t>
+                                  </m:r>
+                                </m:e>
+                                <m:sub>
+                                  <m:r>
+                                    <a:rPr kumimoji="1" lang="en-US" altLang="ja-JP" sz="1200" b="0" i="1" smtClean="0">
+                                      <a:latin typeface="Cambria Math" panose="02040503050406030204" pitchFamily="18" charset="0"/>
+                                    </a:rPr>
+                                    <m:t>2</m:t>
+                                  </m:r>
+                                </m:sub>
+                              </m:sSub>
+                              <m:r>
+                                <a:rPr kumimoji="1" lang="en-US" altLang="ja-JP" sz="1200" b="0" i="1" smtClean="0">
+                                  <a:latin typeface="Cambria Math" panose="02040503050406030204" pitchFamily="18" charset="0"/>
+                                </a:rPr>
+                                <m:t>+</m:t>
+                              </m:r>
+                              <m:sSub>
+                                <m:sSubPr>
+                                  <m:ctrlPr>
+                                    <a:rPr kumimoji="1" lang="en-US" altLang="ja-JP" sz="1200" b="0" i="1" smtClean="0">
+                                      <a:latin typeface="Cambria Math" panose="02040503050406030204" pitchFamily="18" charset="0"/>
+                                    </a:rPr>
+                                  </m:ctrlPr>
+                                </m:sSubPr>
+                                <m:e>
+                                  <m:r>
+                                    <a:rPr kumimoji="1" lang="en-US" altLang="ja-JP" sz="1200" b="0" i="1" smtClean="0">
+                                      <a:latin typeface="Cambria Math" panose="02040503050406030204" pitchFamily="18" charset="0"/>
+                                    </a:rPr>
+                                    <m:t>𝐶</m:t>
+                                  </m:r>
+                                </m:e>
+                                <m:sub>
+                                  <m:r>
+                                    <a:rPr kumimoji="1" lang="en-US" altLang="ja-JP" sz="1200" b="0" i="1" smtClean="0">
+                                      <a:latin typeface="Cambria Math" panose="02040503050406030204" pitchFamily="18" charset="0"/>
+                                    </a:rPr>
+                                    <m:t>2</m:t>
+                                  </m:r>
+                                </m:sub>
+                              </m:sSub>
+                              <m:sSub>
+                                <m:sSubPr>
+                                  <m:ctrlPr>
+                                    <a:rPr kumimoji="1" lang="en-US" altLang="ja-JP" sz="1200" b="0" i="1" smtClean="0">
+                                      <a:latin typeface="Cambria Math" panose="02040503050406030204" pitchFamily="18" charset="0"/>
+                                    </a:rPr>
+                                  </m:ctrlPr>
+                                </m:sSubPr>
+                                <m:e>
+                                  <m:r>
+                                    <a:rPr kumimoji="1" lang="en-US" altLang="ja-JP" sz="1200" b="0" i="1" smtClean="0">
+                                      <a:latin typeface="Cambria Math" panose="02040503050406030204" pitchFamily="18" charset="0"/>
+                                    </a:rPr>
+                                    <m:t>𝑔</m:t>
+                                  </m:r>
+                                </m:e>
+                                <m:sub>
+                                  <m:r>
+                                    <a:rPr kumimoji="1" lang="en-US" altLang="ja-JP" sz="1200" b="0" i="1" smtClean="0">
+                                      <a:latin typeface="Cambria Math" panose="02040503050406030204" pitchFamily="18" charset="0"/>
+                                    </a:rPr>
+                                    <m:t>𝑐𝑒</m:t>
+                                  </m:r>
+                                  <m:r>
+                                    <a:rPr kumimoji="1" lang="en-US" altLang="ja-JP" sz="1200" b="0" i="1" smtClean="0">
+                                      <a:latin typeface="Cambria Math" panose="02040503050406030204" pitchFamily="18" charset="0"/>
+                                    </a:rPr>
+                                    <m:t>1</m:t>
+                                  </m:r>
+                                </m:sub>
+                              </m:sSub>
+                            </m:e>
+                          </m:d>
+                        </m:num>
+                        <m:den>
+                          <m:sSub>
+                            <m:sSubPr>
+                              <m:ctrlPr>
+                                <a:rPr kumimoji="1" lang="en-US" altLang="ja-JP" sz="1200" b="0" i="1" smtClean="0">
+                                  <a:latin typeface="Cambria Math" panose="02040503050406030204" pitchFamily="18" charset="0"/>
+                                </a:rPr>
+                              </m:ctrlPr>
+                            </m:sSubPr>
+                            <m:e>
+                              <m:r>
+                                <a:rPr kumimoji="1" lang="en-US" altLang="ja-JP" sz="1200" b="0" i="1" smtClean="0">
+                                  <a:latin typeface="Cambria Math" panose="02040503050406030204" pitchFamily="18" charset="0"/>
+                                </a:rPr>
+                                <m:t>𝐺</m:t>
+                              </m:r>
+                            </m:e>
+                            <m:sub>
+                              <m:r>
+                                <a:rPr kumimoji="1" lang="en-US" altLang="ja-JP" sz="1200" b="0" i="1" smtClean="0">
+                                  <a:latin typeface="Cambria Math" panose="02040503050406030204" pitchFamily="18" charset="0"/>
+                                </a:rPr>
+                                <m:t>1</m:t>
+                              </m:r>
+                            </m:sub>
+                          </m:sSub>
+                          <m:r>
+                            <a:rPr kumimoji="1" lang="en-US" altLang="ja-JP" sz="1200" b="0" i="1" smtClean="0">
+                              <a:latin typeface="Cambria Math" panose="02040503050406030204" pitchFamily="18" charset="0"/>
+                            </a:rPr>
+                            <m:t>+</m:t>
+                          </m:r>
+                          <m:r>
+                            <a:rPr kumimoji="1" lang="en-US" altLang="ja-JP" sz="1200" b="0" i="1" smtClean="0">
+                              <a:latin typeface="Cambria Math" panose="02040503050406030204" pitchFamily="18" charset="0"/>
+                            </a:rPr>
+                            <m:t>𝑗</m:t>
+                          </m:r>
+                          <m:r>
+                            <a:rPr kumimoji="1" lang="en-US" altLang="ja-JP" sz="1200" b="0" i="1" smtClean="0">
+                              <a:latin typeface="Cambria Math" panose="02040503050406030204" pitchFamily="18" charset="0"/>
+                            </a:rPr>
+                            <m:t>𝜔</m:t>
+                          </m:r>
+                          <m:sSub>
+                            <m:sSubPr>
+                              <m:ctrlPr>
+                                <a:rPr kumimoji="1" lang="en-US" altLang="ja-JP" sz="1200" b="0" i="1" smtClean="0">
+                                  <a:latin typeface="Cambria Math" panose="02040503050406030204" pitchFamily="18" charset="0"/>
+                                </a:rPr>
+                              </m:ctrlPr>
+                            </m:sSubPr>
+                            <m:e>
+                              <m:r>
+                                <a:rPr kumimoji="1" lang="en-US" altLang="ja-JP" sz="1200" b="0" i="1" smtClean="0">
+                                  <a:latin typeface="Cambria Math" panose="02040503050406030204" pitchFamily="18" charset="0"/>
+                                </a:rPr>
+                                <m:t>𝐶</m:t>
+                              </m:r>
+                            </m:e>
+                            <m:sub>
+                              <m:r>
+                                <a:rPr kumimoji="1" lang="en-US" altLang="ja-JP" sz="1200" b="0" i="1" smtClean="0">
+                                  <a:latin typeface="Cambria Math" panose="02040503050406030204" pitchFamily="18" charset="0"/>
+                                </a:rPr>
+                                <m:t>1</m:t>
+                              </m:r>
+                            </m:sub>
+                          </m:sSub>
+                        </m:den>
+                      </m:f>
+                      <m:sSub>
+                        <m:sSubPr>
+                          <m:ctrlPr>
+                            <a:rPr kumimoji="1" lang="en-US" altLang="ja-JP" sz="1200" b="0" i="1" smtClean="0">
+                              <a:latin typeface="Cambria Math" panose="02040503050406030204" pitchFamily="18" charset="0"/>
+                            </a:rPr>
+                          </m:ctrlPr>
+                        </m:sSubPr>
+                        <m:e>
+                          <m:r>
+                            <a:rPr kumimoji="1" lang="en-US" altLang="ja-JP" sz="1200" b="0" i="1" smtClean="0">
+                              <a:latin typeface="Cambria Math" panose="02040503050406030204" pitchFamily="18" charset="0"/>
+                            </a:rPr>
+                            <m:t>𝑣</m:t>
+                          </m:r>
+                        </m:e>
+                        <m:sub>
+                          <m:r>
+                            <a:rPr kumimoji="1" lang="en-US" altLang="ja-JP" sz="1200" b="0" i="1" smtClean="0">
+                              <a:latin typeface="Cambria Math" panose="02040503050406030204" pitchFamily="18" charset="0"/>
+                            </a:rPr>
+                            <m:t>𝑚</m:t>
+                          </m:r>
+                        </m:sub>
+                      </m:sSub>
+                      <m:r>
+                        <a:rPr kumimoji="1" lang="en-US" altLang="ja-JP" sz="1200" b="0" i="1" smtClean="0">
+                          <a:latin typeface="Cambria Math" panose="02040503050406030204" pitchFamily="18" charset="0"/>
+                        </a:rPr>
+                        <m:t>+</m:t>
+                      </m:r>
+                      <m:r>
+                        <a:rPr kumimoji="1" lang="en-US" altLang="ja-JP" sz="1200" b="0" i="1" smtClean="0">
+                          <a:latin typeface="Cambria Math" panose="02040503050406030204" pitchFamily="18" charset="0"/>
+                        </a:rPr>
+                        <m:t>𝑗</m:t>
+                      </m:r>
+                      <m:r>
+                        <a:rPr kumimoji="1" lang="en-US" altLang="ja-JP" sz="1200" b="0" i="1" smtClean="0">
+                          <a:latin typeface="Cambria Math" panose="02040503050406030204" pitchFamily="18" charset="0"/>
+                        </a:rPr>
+                        <m:t>𝜔</m:t>
+                      </m:r>
+                      <m:sSub>
+                        <m:sSubPr>
+                          <m:ctrlPr>
+                            <a:rPr kumimoji="1" lang="en-US" altLang="ja-JP" sz="1200" b="0" i="1" smtClean="0">
+                              <a:latin typeface="Cambria Math" panose="02040503050406030204" pitchFamily="18" charset="0"/>
+                            </a:rPr>
+                          </m:ctrlPr>
+                        </m:sSubPr>
+                        <m:e>
+                          <m:r>
+                            <a:rPr kumimoji="1" lang="en-US" altLang="ja-JP" sz="1200" b="0" i="1" smtClean="0">
+                              <a:latin typeface="Cambria Math" panose="02040503050406030204" pitchFamily="18" charset="0"/>
+                            </a:rPr>
+                            <m:t>𝐶</m:t>
+                          </m:r>
+                        </m:e>
+                        <m:sub>
+                          <m:r>
+                            <a:rPr kumimoji="1" lang="en-US" altLang="ja-JP" sz="1200" b="0" i="1" smtClean="0">
+                              <a:latin typeface="Cambria Math" panose="02040503050406030204" pitchFamily="18" charset="0"/>
+                            </a:rPr>
+                            <m:t>𝑗𝑐</m:t>
+                          </m:r>
+                          <m:r>
+                            <a:rPr kumimoji="1" lang="en-US" altLang="ja-JP" sz="1200" b="0" i="1" smtClean="0">
+                              <a:latin typeface="Cambria Math" panose="02040503050406030204" pitchFamily="18" charset="0"/>
+                            </a:rPr>
+                            <m:t>2</m:t>
+                          </m:r>
+                        </m:sub>
+                      </m:sSub>
+                      <m:sSub>
+                        <m:sSubPr>
+                          <m:ctrlPr>
+                            <a:rPr kumimoji="1" lang="en-US" altLang="ja-JP" sz="1200" b="0" i="1" smtClean="0">
+                              <a:latin typeface="Cambria Math" panose="02040503050406030204" pitchFamily="18" charset="0"/>
+                            </a:rPr>
+                          </m:ctrlPr>
+                        </m:sSubPr>
+                        <m:e>
+                          <m:r>
+                            <a:rPr kumimoji="1" lang="en-US" altLang="ja-JP" sz="1200" b="0" i="1" smtClean="0">
+                              <a:latin typeface="Cambria Math" panose="02040503050406030204" pitchFamily="18" charset="0"/>
+                            </a:rPr>
+                            <m:t>𝑣</m:t>
+                          </m:r>
+                        </m:e>
+                        <m:sub>
+                          <m:r>
+                            <a:rPr kumimoji="1" lang="en-US" altLang="ja-JP" sz="1200" b="0" i="1" smtClean="0">
+                              <a:latin typeface="Cambria Math" panose="02040503050406030204" pitchFamily="18" charset="0"/>
+                            </a:rPr>
+                            <m:t>𝑜𝑢𝑡</m:t>
+                          </m:r>
+                        </m:sub>
+                      </m:sSub>
+                      <m:r>
+                        <a:rPr kumimoji="1" lang="en-US" altLang="ja-JP" sz="1200" b="0" i="1" smtClean="0">
+                          <a:latin typeface="Cambria Math" panose="02040503050406030204" pitchFamily="18" charset="0"/>
+                        </a:rPr>
+                        <m:t>=</m:t>
+                      </m:r>
+                      <m:f>
+                        <m:fPr>
+                          <m:ctrlPr>
+                            <a:rPr lang="en-US" altLang="ja-JP" sz="1200" i="1">
+                              <a:latin typeface="Cambria Math" panose="02040503050406030204" pitchFamily="18" charset="0"/>
+                            </a:rPr>
+                          </m:ctrlPr>
+                        </m:fPr>
+                        <m:num>
+                          <m:sSub>
+                            <m:sSubPr>
+                              <m:ctrlPr>
+                                <a:rPr lang="en-US" altLang="ja-JP" sz="1200" i="1">
+                                  <a:latin typeface="Cambria Math" panose="02040503050406030204" pitchFamily="18" charset="0"/>
+                                </a:rPr>
+                              </m:ctrlPr>
+                            </m:sSubPr>
+                            <m:e>
+                              <m:r>
+                                <a:rPr lang="en-US" altLang="ja-JP" sz="1200" i="1">
+                                  <a:latin typeface="Cambria Math" panose="02040503050406030204" pitchFamily="18" charset="0"/>
+                                </a:rPr>
+                                <m:t>𝑔</m:t>
+                              </m:r>
+                            </m:e>
+                            <m:sub>
+                              <m:r>
+                                <a:rPr lang="en-US" altLang="ja-JP" sz="1200" i="1">
+                                  <a:latin typeface="Cambria Math" panose="02040503050406030204" pitchFamily="18" charset="0"/>
+                                </a:rPr>
+                                <m:t>𝑚</m:t>
+                              </m:r>
+                              <m:r>
+                                <a:rPr lang="en-US" altLang="ja-JP" sz="1200" i="1">
+                                  <a:latin typeface="Cambria Math" panose="02040503050406030204" pitchFamily="18" charset="0"/>
+                                </a:rPr>
+                                <m:t>1</m:t>
+                              </m:r>
+                            </m:sub>
+                          </m:sSub>
+                          <m:r>
+                            <a:rPr lang="en-US" altLang="ja-JP" sz="1200" i="1">
+                              <a:latin typeface="Cambria Math" panose="02040503050406030204" pitchFamily="18" charset="0"/>
+                            </a:rPr>
+                            <m:t>+</m:t>
+                          </m:r>
+                          <m:sSub>
+                            <m:sSubPr>
+                              <m:ctrlPr>
+                                <a:rPr lang="en-US" altLang="ja-JP" sz="1200" i="1">
+                                  <a:latin typeface="Cambria Math" panose="02040503050406030204" pitchFamily="18" charset="0"/>
+                                </a:rPr>
+                              </m:ctrlPr>
+                            </m:sSubPr>
+                            <m:e>
+                              <m:r>
+                                <a:rPr lang="en-US" altLang="ja-JP" sz="1200" i="1">
+                                  <a:latin typeface="Cambria Math" panose="02040503050406030204" pitchFamily="18" charset="0"/>
+                                </a:rPr>
+                                <m:t>𝑔</m:t>
+                              </m:r>
+                            </m:e>
+                            <m:sub>
+                              <m:r>
+                                <a:rPr lang="en-US" altLang="ja-JP" sz="1200" i="1">
+                                  <a:latin typeface="Cambria Math" panose="02040503050406030204" pitchFamily="18" charset="0"/>
+                                </a:rPr>
+                                <m:t>𝑐𝑒</m:t>
+                              </m:r>
+                              <m:r>
+                                <a:rPr lang="en-US" altLang="ja-JP" sz="1200" i="1">
+                                  <a:latin typeface="Cambria Math" panose="02040503050406030204" pitchFamily="18" charset="0"/>
+                                </a:rPr>
+                                <m:t>1</m:t>
+                              </m:r>
+                            </m:sub>
+                          </m:sSub>
+                        </m:num>
+                        <m:den>
+                          <m:sSub>
+                            <m:sSubPr>
+                              <m:ctrlPr>
+                                <a:rPr lang="en-US" altLang="ja-JP" sz="1200" i="1">
+                                  <a:latin typeface="Cambria Math" panose="02040503050406030204" pitchFamily="18" charset="0"/>
+                                </a:rPr>
+                              </m:ctrlPr>
+                            </m:sSubPr>
+                            <m:e>
+                              <m:r>
+                                <a:rPr lang="en-US" altLang="ja-JP" sz="1200" i="1">
+                                  <a:latin typeface="Cambria Math" panose="02040503050406030204" pitchFamily="18" charset="0"/>
+                                </a:rPr>
+                                <m:t>𝐺</m:t>
+                              </m:r>
+                            </m:e>
+                            <m:sub>
+                              <m:r>
+                                <a:rPr lang="en-US" altLang="ja-JP" sz="1200" i="1">
+                                  <a:latin typeface="Cambria Math" panose="02040503050406030204" pitchFamily="18" charset="0"/>
+                                </a:rPr>
+                                <m:t>1</m:t>
+                              </m:r>
+                            </m:sub>
+                          </m:sSub>
+                          <m:r>
+                            <a:rPr lang="en-US" altLang="ja-JP" sz="1200" i="1">
+                              <a:latin typeface="Cambria Math" panose="02040503050406030204" pitchFamily="18" charset="0"/>
+                            </a:rPr>
+                            <m:t>+</m:t>
+                          </m:r>
+                          <m:r>
+                            <a:rPr lang="en-US" altLang="ja-JP" sz="1200" i="1">
+                              <a:latin typeface="Cambria Math" panose="02040503050406030204" pitchFamily="18" charset="0"/>
+                            </a:rPr>
+                            <m:t>𝑗</m:t>
+                          </m:r>
+                          <m:r>
+                            <a:rPr lang="en-US" altLang="ja-JP" sz="1200" i="1">
+                              <a:latin typeface="Cambria Math" panose="02040503050406030204" pitchFamily="18" charset="0"/>
+                            </a:rPr>
+                            <m:t>𝜔</m:t>
+                          </m:r>
+                          <m:sSub>
+                            <m:sSubPr>
+                              <m:ctrlPr>
+                                <a:rPr lang="en-US" altLang="ja-JP" sz="1200" i="1">
+                                  <a:latin typeface="Cambria Math" panose="02040503050406030204" pitchFamily="18" charset="0"/>
+                                </a:rPr>
+                              </m:ctrlPr>
+                            </m:sSubPr>
+                            <m:e>
+                              <m:r>
+                                <a:rPr lang="en-US" altLang="ja-JP" sz="1200" i="1">
+                                  <a:latin typeface="Cambria Math" panose="02040503050406030204" pitchFamily="18" charset="0"/>
+                                </a:rPr>
+                                <m:t>𝐶</m:t>
+                              </m:r>
+                            </m:e>
+                            <m:sub>
+                              <m:r>
+                                <a:rPr lang="en-US" altLang="ja-JP" sz="1200" i="1">
+                                  <a:latin typeface="Cambria Math" panose="02040503050406030204" pitchFamily="18" charset="0"/>
+                                </a:rPr>
+                                <m:t>1</m:t>
+                              </m:r>
+                            </m:sub>
+                          </m:sSub>
+                        </m:den>
+                      </m:f>
+                      <m:sSub>
+                        <m:sSubPr>
+                          <m:ctrlPr>
+                            <a:rPr lang="en-US" altLang="ja-JP" sz="1200" i="1">
+                              <a:latin typeface="Cambria Math" panose="02040503050406030204" pitchFamily="18" charset="0"/>
+                            </a:rPr>
+                          </m:ctrlPr>
+                        </m:sSubPr>
+                        <m:e>
+                          <m:r>
+                            <a:rPr lang="en-US" altLang="ja-JP" sz="1200" i="1">
+                              <a:latin typeface="Cambria Math" panose="02040503050406030204" pitchFamily="18" charset="0"/>
+                            </a:rPr>
+                            <m:t>𝑖</m:t>
+                          </m:r>
+                        </m:e>
+                        <m:sub>
+                          <m:r>
+                            <a:rPr lang="en-US" altLang="ja-JP" sz="1200" i="1">
+                              <a:latin typeface="Cambria Math" panose="02040503050406030204" pitchFamily="18" charset="0"/>
+                            </a:rPr>
+                            <m:t>𝑖𝑛</m:t>
+                          </m:r>
+                        </m:sub>
+                      </m:sSub>
+                    </m:oMath>
+                  </m:oMathPara>
+                </a14:m>
+                <a:endParaRPr kumimoji="1" lang="en-US" altLang="ja-JP" sz="1200" dirty="0">
+                  <a:latin typeface="Times Newer Roman" panose="00000500000000000000" pitchFamily="50" charset="0"/>
+                </a:endParaRPr>
+              </a:p>
+              <a:p>
+                <a:pPr/>
+                <a14:m>
+                  <m:oMathPara xmlns:m="http://schemas.openxmlformats.org/officeDocument/2006/math">
+                    <m:oMathParaPr>
+                      <m:jc m:val="centerGroup"/>
+                    </m:oMathParaPr>
+                    <m:oMath xmlns:m="http://schemas.openxmlformats.org/officeDocument/2006/math">
+                      <m:f>
+                        <m:fPr>
+                          <m:ctrlPr>
+                            <a:rPr kumimoji="1" lang="en-US" altLang="ja-JP" sz="1200" b="0" i="1" smtClean="0">
+                              <a:latin typeface="Cambria Math" panose="02040503050406030204" pitchFamily="18" charset="0"/>
+                            </a:rPr>
+                          </m:ctrlPr>
+                        </m:fPr>
+                        <m:num>
+                          <m:sSub>
+                            <m:sSubPr>
+                              <m:ctrlPr>
+                                <a:rPr kumimoji="1" lang="en-US" altLang="ja-JP" sz="1200" b="0" i="1" smtClean="0">
+                                  <a:latin typeface="Cambria Math" panose="02040503050406030204" pitchFamily="18" charset="0"/>
+                                </a:rPr>
+                              </m:ctrlPr>
+                            </m:sSubPr>
+                            <m:e>
+                              <m:r>
+                                <a:rPr kumimoji="1" lang="en-US" altLang="ja-JP" sz="1200" b="0" i="1" smtClean="0">
+                                  <a:latin typeface="Cambria Math" panose="02040503050406030204" pitchFamily="18" charset="0"/>
+                                </a:rPr>
+                                <m:t>𝑔</m:t>
+                              </m:r>
+                            </m:e>
+                            <m:sub>
+                              <m:r>
+                                <a:rPr kumimoji="1" lang="en-US" altLang="ja-JP" sz="1200" b="0" i="1" smtClean="0">
+                                  <a:latin typeface="Cambria Math" panose="02040503050406030204" pitchFamily="18" charset="0"/>
+                                </a:rPr>
+                                <m:t>𝑐</m:t>
+                              </m:r>
+                              <m:r>
+                                <a:rPr kumimoji="1" lang="en-US" altLang="ja-JP" sz="1200" b="0" i="1" smtClean="0">
+                                  <a:latin typeface="Cambria Math" panose="02040503050406030204" pitchFamily="18" charset="0"/>
+                                </a:rPr>
+                                <m:t>1</m:t>
+                              </m:r>
+                            </m:sub>
+                          </m:sSub>
+                          <m:d>
+                            <m:dPr>
+                              <m:ctrlPr>
+                                <a:rPr kumimoji="1" lang="en-US" altLang="ja-JP" sz="1200" b="0" i="1" smtClean="0">
+                                  <a:latin typeface="Cambria Math" panose="02040503050406030204" pitchFamily="18" charset="0"/>
+                                </a:rPr>
+                              </m:ctrlPr>
+                            </m:dPr>
+                            <m:e>
+                              <m:sSub>
+                                <m:sSubPr>
+                                  <m:ctrlPr>
+                                    <a:rPr kumimoji="1" lang="en-US" altLang="ja-JP" sz="1200" b="0" i="1" smtClean="0">
+                                      <a:latin typeface="Cambria Math" panose="02040503050406030204" pitchFamily="18" charset="0"/>
+                                    </a:rPr>
+                                  </m:ctrlPr>
+                                </m:sSubPr>
+                                <m:e>
+                                  <m:r>
+                                    <a:rPr kumimoji="1" lang="en-US" altLang="ja-JP" sz="1200" b="0" i="1" smtClean="0">
+                                      <a:latin typeface="Cambria Math" panose="02040503050406030204" pitchFamily="18" charset="0"/>
+                                    </a:rPr>
+                                    <m:t>𝑔</m:t>
+                                  </m:r>
+                                </m:e>
+                                <m:sub>
+                                  <m:r>
+                                    <a:rPr kumimoji="1" lang="en-US" altLang="ja-JP" sz="1200" b="0" i="1" smtClean="0">
+                                      <a:latin typeface="Cambria Math" panose="02040503050406030204" pitchFamily="18" charset="0"/>
+                                    </a:rPr>
+                                    <m:t>𝑚</m:t>
+                                  </m:r>
+                                  <m:r>
+                                    <a:rPr kumimoji="1" lang="en-US" altLang="ja-JP" sz="1200" b="0" i="1" smtClean="0">
+                                      <a:latin typeface="Cambria Math" panose="02040503050406030204" pitchFamily="18" charset="0"/>
+                                    </a:rPr>
+                                    <m:t>1</m:t>
+                                  </m:r>
+                                </m:sub>
+                              </m:sSub>
+                              <m:r>
+                                <a:rPr kumimoji="1" lang="en-US" altLang="ja-JP" sz="1200" b="0" i="1" smtClean="0">
+                                  <a:latin typeface="Cambria Math" panose="02040503050406030204" pitchFamily="18" charset="0"/>
+                                </a:rPr>
+                                <m:t>+</m:t>
+                              </m:r>
+                              <m:sSub>
+                                <m:sSubPr>
+                                  <m:ctrlPr>
+                                    <a:rPr kumimoji="1" lang="en-US" altLang="ja-JP" sz="1200" b="0" i="1" smtClean="0">
+                                      <a:latin typeface="Cambria Math" panose="02040503050406030204" pitchFamily="18" charset="0"/>
+                                    </a:rPr>
+                                  </m:ctrlPr>
+                                </m:sSubPr>
+                                <m:e>
+                                  <m:r>
+                                    <a:rPr kumimoji="1" lang="en-US" altLang="ja-JP" sz="1200" b="0" i="1" smtClean="0">
+                                      <a:latin typeface="Cambria Math" panose="02040503050406030204" pitchFamily="18" charset="0"/>
+                                    </a:rPr>
+                                    <m:t>𝑔</m:t>
+                                  </m:r>
+                                </m:e>
+                                <m:sub>
+                                  <m:r>
+                                    <a:rPr kumimoji="1" lang="en-US" altLang="ja-JP" sz="1200" b="0" i="1" smtClean="0">
+                                      <a:latin typeface="Cambria Math" panose="02040503050406030204" pitchFamily="18" charset="0"/>
+                                    </a:rPr>
+                                    <m:t>𝑐𝑒</m:t>
+                                  </m:r>
+                                  <m:r>
+                                    <a:rPr kumimoji="1" lang="en-US" altLang="ja-JP" sz="1200" b="0" i="1" smtClean="0">
+                                      <a:latin typeface="Cambria Math" panose="02040503050406030204" pitchFamily="18" charset="0"/>
+                                    </a:rPr>
+                                    <m:t>1</m:t>
+                                  </m:r>
+                                </m:sub>
+                              </m:sSub>
+                            </m:e>
+                          </m:d>
+                          <m:r>
+                            <a:rPr kumimoji="1" lang="en-US" altLang="ja-JP" sz="1200" b="0" i="1" smtClean="0">
+                              <a:latin typeface="Cambria Math" panose="02040503050406030204" pitchFamily="18" charset="0"/>
+                            </a:rPr>
+                            <m:t>−</m:t>
+                          </m:r>
+                          <m:sSub>
+                            <m:sSubPr>
+                              <m:ctrlPr>
+                                <a:rPr kumimoji="1" lang="en-US" altLang="ja-JP" sz="1200" b="0" i="1" smtClean="0">
+                                  <a:latin typeface="Cambria Math" panose="02040503050406030204" pitchFamily="18" charset="0"/>
+                                </a:rPr>
+                              </m:ctrlPr>
+                            </m:sSubPr>
+                            <m:e>
+                              <m:r>
+                                <a:rPr kumimoji="1" lang="en-US" altLang="ja-JP" sz="1200" b="0" i="1" smtClean="0">
+                                  <a:latin typeface="Cambria Math" panose="02040503050406030204" pitchFamily="18" charset="0"/>
+                                </a:rPr>
+                                <m:t>𝐺</m:t>
+                              </m:r>
+                            </m:e>
+                            <m:sub>
+                              <m:r>
+                                <a:rPr kumimoji="1" lang="en-US" altLang="ja-JP" sz="1200" b="0" i="1" smtClean="0">
+                                  <a:latin typeface="Cambria Math" panose="02040503050406030204" pitchFamily="18" charset="0"/>
+                                </a:rPr>
+                                <m:t>1</m:t>
+                              </m:r>
+                            </m:sub>
+                          </m:sSub>
+                          <m:sSub>
+                            <m:sSubPr>
+                              <m:ctrlPr>
+                                <a:rPr kumimoji="1" lang="en-US" altLang="ja-JP" sz="1200" b="0" i="1" smtClean="0">
+                                  <a:latin typeface="Cambria Math" panose="02040503050406030204" pitchFamily="18" charset="0"/>
+                                </a:rPr>
+                              </m:ctrlPr>
+                            </m:sSubPr>
+                            <m:e>
+                              <m:r>
+                                <a:rPr kumimoji="1" lang="en-US" altLang="ja-JP" sz="1200" b="0" i="1" smtClean="0">
+                                  <a:latin typeface="Cambria Math" panose="02040503050406030204" pitchFamily="18" charset="0"/>
+                                </a:rPr>
+                                <m:t>𝐺</m:t>
+                              </m:r>
+                            </m:e>
+                            <m:sub>
+                              <m:r>
+                                <a:rPr kumimoji="1" lang="en-US" altLang="ja-JP" sz="1200" b="0" i="1" smtClean="0">
+                                  <a:latin typeface="Cambria Math" panose="02040503050406030204" pitchFamily="18" charset="0"/>
+                                </a:rPr>
+                                <m:t>2</m:t>
+                              </m:r>
+                            </m:sub>
+                          </m:sSub>
+                          <m:r>
+                            <a:rPr kumimoji="1" lang="en-US" altLang="ja-JP" sz="1200" b="0" i="1" smtClean="0">
+                              <a:latin typeface="Cambria Math" panose="02040503050406030204" pitchFamily="18" charset="0"/>
+                            </a:rPr>
+                            <m:t>−</m:t>
+                          </m:r>
+                          <m:sSup>
+                            <m:sSupPr>
+                              <m:ctrlPr>
+                                <a:rPr kumimoji="1" lang="en-US" altLang="ja-JP" sz="1200" b="0" i="1" smtClean="0">
+                                  <a:latin typeface="Cambria Math" panose="02040503050406030204" pitchFamily="18" charset="0"/>
+                                </a:rPr>
+                              </m:ctrlPr>
+                            </m:sSupPr>
+                            <m:e>
+                              <m:r>
+                                <a:rPr kumimoji="1" lang="en-US" altLang="ja-JP" sz="1200" b="0" i="1" smtClean="0">
+                                  <a:latin typeface="Cambria Math" panose="02040503050406030204" pitchFamily="18" charset="0"/>
+                                </a:rPr>
+                                <m:t>𝜔</m:t>
+                              </m:r>
+                            </m:e>
+                            <m:sup>
+                              <m:r>
+                                <a:rPr kumimoji="1" lang="en-US" altLang="ja-JP" sz="1200" b="0" i="1" smtClean="0">
+                                  <a:latin typeface="Cambria Math" panose="02040503050406030204" pitchFamily="18" charset="0"/>
+                                </a:rPr>
+                                <m:t>2</m:t>
+                              </m:r>
+                            </m:sup>
+                          </m:sSup>
+                          <m:sSub>
+                            <m:sSubPr>
+                              <m:ctrlPr>
+                                <a:rPr kumimoji="1" lang="en-US" altLang="ja-JP" sz="1200" b="0" i="1" smtClean="0">
+                                  <a:latin typeface="Cambria Math" panose="02040503050406030204" pitchFamily="18" charset="0"/>
+                                </a:rPr>
+                              </m:ctrlPr>
+                            </m:sSubPr>
+                            <m:e>
+                              <m:r>
+                                <a:rPr kumimoji="1" lang="en-US" altLang="ja-JP" sz="1200" b="0" i="1" smtClean="0">
+                                  <a:latin typeface="Cambria Math" panose="02040503050406030204" pitchFamily="18" charset="0"/>
+                                </a:rPr>
+                                <m:t>𝐶</m:t>
+                              </m:r>
+                            </m:e>
+                            <m:sub>
+                              <m:r>
+                                <a:rPr kumimoji="1" lang="en-US" altLang="ja-JP" sz="1200" b="0" i="1" smtClean="0">
+                                  <a:latin typeface="Cambria Math" panose="02040503050406030204" pitchFamily="18" charset="0"/>
+                                </a:rPr>
+                                <m:t>1</m:t>
+                              </m:r>
+                            </m:sub>
+                          </m:sSub>
+                          <m:sSub>
+                            <m:sSubPr>
+                              <m:ctrlPr>
+                                <a:rPr kumimoji="1" lang="en-US" altLang="ja-JP" sz="1200" b="0" i="1" smtClean="0">
+                                  <a:latin typeface="Cambria Math" panose="02040503050406030204" pitchFamily="18" charset="0"/>
+                                </a:rPr>
+                              </m:ctrlPr>
+                            </m:sSubPr>
+                            <m:e>
+                              <m:r>
+                                <a:rPr kumimoji="1" lang="en-US" altLang="ja-JP" sz="1200" b="0" i="1" smtClean="0">
+                                  <a:latin typeface="Cambria Math" panose="02040503050406030204" pitchFamily="18" charset="0"/>
+                                </a:rPr>
+                                <m:t>𝐶</m:t>
+                              </m:r>
+                            </m:e>
+                            <m:sub>
+                              <m:r>
+                                <a:rPr kumimoji="1" lang="en-US" altLang="ja-JP" sz="1200" b="0" i="1" smtClean="0">
+                                  <a:latin typeface="Cambria Math" panose="02040503050406030204" pitchFamily="18" charset="0"/>
+                                </a:rPr>
+                                <m:t>2</m:t>
+                              </m:r>
+                            </m:sub>
+                          </m:sSub>
+                          <m:r>
+                            <a:rPr kumimoji="1" lang="en-US" altLang="ja-JP" sz="1200" b="0" i="1" smtClean="0">
+                              <a:latin typeface="Cambria Math" panose="02040503050406030204" pitchFamily="18" charset="0"/>
+                            </a:rPr>
+                            <m:t>−</m:t>
+                          </m:r>
+                          <m:r>
+                            <a:rPr kumimoji="1" lang="en-US" altLang="ja-JP" sz="1200" b="0" i="1" smtClean="0">
+                              <a:latin typeface="Cambria Math" panose="02040503050406030204" pitchFamily="18" charset="0"/>
+                            </a:rPr>
+                            <m:t>𝑗</m:t>
+                          </m:r>
+                          <m:r>
+                            <a:rPr kumimoji="1" lang="en-US" altLang="ja-JP" sz="1200" b="0" i="1" smtClean="0">
+                              <a:latin typeface="Cambria Math" panose="02040503050406030204" pitchFamily="18" charset="0"/>
+                            </a:rPr>
+                            <m:t>𝜔</m:t>
+                          </m:r>
+                          <m:d>
+                            <m:dPr>
+                              <m:ctrlPr>
+                                <a:rPr kumimoji="1" lang="en-US" altLang="ja-JP" sz="1200" b="0" i="1" smtClean="0">
+                                  <a:latin typeface="Cambria Math" panose="02040503050406030204" pitchFamily="18" charset="0"/>
+                                </a:rPr>
+                              </m:ctrlPr>
+                            </m:dPr>
+                            <m:e>
+                              <m:sSub>
+                                <m:sSubPr>
+                                  <m:ctrlPr>
+                                    <a:rPr kumimoji="1" lang="en-US" altLang="ja-JP" sz="1200" b="0" i="1" smtClean="0">
+                                      <a:latin typeface="Cambria Math" panose="02040503050406030204" pitchFamily="18" charset="0"/>
+                                    </a:rPr>
+                                  </m:ctrlPr>
+                                </m:sSubPr>
+                                <m:e>
+                                  <m:r>
+                                    <a:rPr kumimoji="1" lang="en-US" altLang="ja-JP" sz="1200" b="0" i="1" smtClean="0">
+                                      <a:latin typeface="Cambria Math" panose="02040503050406030204" pitchFamily="18" charset="0"/>
+                                    </a:rPr>
+                                    <m:t>𝐶</m:t>
+                                  </m:r>
+                                </m:e>
+                                <m:sub>
+                                  <m:r>
+                                    <a:rPr kumimoji="1" lang="en-US" altLang="ja-JP" sz="1200" b="0" i="1" smtClean="0">
+                                      <a:latin typeface="Cambria Math" panose="02040503050406030204" pitchFamily="18" charset="0"/>
+                                    </a:rPr>
+                                    <m:t>1</m:t>
+                                  </m:r>
+                                </m:sub>
+                              </m:sSub>
+                              <m:sSub>
+                                <m:sSubPr>
+                                  <m:ctrlPr>
+                                    <a:rPr kumimoji="1" lang="en-US" altLang="ja-JP" sz="1200" b="0" i="1" smtClean="0">
+                                      <a:latin typeface="Cambria Math" panose="02040503050406030204" pitchFamily="18" charset="0"/>
+                                    </a:rPr>
+                                  </m:ctrlPr>
+                                </m:sSubPr>
+                                <m:e>
+                                  <m:r>
+                                    <a:rPr kumimoji="1" lang="en-US" altLang="ja-JP" sz="1200" b="0" i="1" smtClean="0">
+                                      <a:latin typeface="Cambria Math" panose="02040503050406030204" pitchFamily="18" charset="0"/>
+                                    </a:rPr>
+                                    <m:t>𝐺</m:t>
+                                  </m:r>
+                                </m:e>
+                                <m:sub>
+                                  <m:r>
+                                    <a:rPr kumimoji="1" lang="en-US" altLang="ja-JP" sz="1200" b="0" i="1" smtClean="0">
+                                      <a:latin typeface="Cambria Math" panose="02040503050406030204" pitchFamily="18" charset="0"/>
+                                    </a:rPr>
+                                    <m:t>2</m:t>
+                                  </m:r>
+                                </m:sub>
+                              </m:sSub>
+                              <m:r>
+                                <a:rPr kumimoji="1" lang="en-US" altLang="ja-JP" sz="1200" b="0" i="1" smtClean="0">
+                                  <a:latin typeface="Cambria Math" panose="02040503050406030204" pitchFamily="18" charset="0"/>
+                                </a:rPr>
+                                <m:t>+</m:t>
+                              </m:r>
+                              <m:sSub>
+                                <m:sSubPr>
+                                  <m:ctrlPr>
+                                    <a:rPr kumimoji="1" lang="en-US" altLang="ja-JP" sz="1200" b="0" i="1" smtClean="0">
+                                      <a:latin typeface="Cambria Math" panose="02040503050406030204" pitchFamily="18" charset="0"/>
+                                    </a:rPr>
+                                  </m:ctrlPr>
+                                </m:sSubPr>
+                                <m:e>
+                                  <m:r>
+                                    <a:rPr kumimoji="1" lang="en-US" altLang="ja-JP" sz="1200" b="0" i="1" smtClean="0">
+                                      <a:latin typeface="Cambria Math" panose="02040503050406030204" pitchFamily="18" charset="0"/>
+                                    </a:rPr>
+                                    <m:t>𝐶</m:t>
+                                  </m:r>
+                                </m:e>
+                                <m:sub>
+                                  <m:r>
+                                    <a:rPr kumimoji="1" lang="en-US" altLang="ja-JP" sz="1200" b="0" i="1" smtClean="0">
+                                      <a:latin typeface="Cambria Math" panose="02040503050406030204" pitchFamily="18" charset="0"/>
+                                    </a:rPr>
+                                    <m:t>2</m:t>
+                                  </m:r>
+                                </m:sub>
+                              </m:sSub>
+                              <m:sSub>
+                                <m:sSubPr>
+                                  <m:ctrlPr>
+                                    <a:rPr kumimoji="1" lang="en-US" altLang="ja-JP" sz="1200" b="0" i="1" smtClean="0">
+                                      <a:latin typeface="Cambria Math" panose="02040503050406030204" pitchFamily="18" charset="0"/>
+                                    </a:rPr>
+                                  </m:ctrlPr>
+                                </m:sSubPr>
+                                <m:e>
+                                  <m:r>
+                                    <a:rPr kumimoji="1" lang="en-US" altLang="ja-JP" sz="1200" b="0" i="1" smtClean="0">
+                                      <a:latin typeface="Cambria Math" panose="02040503050406030204" pitchFamily="18" charset="0"/>
+                                    </a:rPr>
+                                    <m:t>𝑔</m:t>
+                                  </m:r>
+                                </m:e>
+                                <m:sub>
+                                  <m:r>
+                                    <a:rPr kumimoji="1" lang="en-US" altLang="ja-JP" sz="1200" b="0" i="1" smtClean="0">
+                                      <a:latin typeface="Cambria Math" panose="02040503050406030204" pitchFamily="18" charset="0"/>
+                                    </a:rPr>
+                                    <m:t>𝑐𝑒</m:t>
+                                  </m:r>
+                                  <m:r>
+                                    <a:rPr kumimoji="1" lang="en-US" altLang="ja-JP" sz="1200" b="0" i="1" smtClean="0">
+                                      <a:latin typeface="Cambria Math" panose="02040503050406030204" pitchFamily="18" charset="0"/>
+                                    </a:rPr>
+                                    <m:t>1</m:t>
+                                  </m:r>
+                                </m:sub>
+                              </m:sSub>
+                            </m:e>
+                          </m:d>
+                        </m:num>
+                        <m:den>
+                          <m:sSub>
+                            <m:sSubPr>
+                              <m:ctrlPr>
+                                <a:rPr kumimoji="1" lang="en-US" altLang="ja-JP" sz="1200" b="0" i="1" smtClean="0">
+                                  <a:latin typeface="Cambria Math" panose="02040503050406030204" pitchFamily="18" charset="0"/>
+                                </a:rPr>
+                              </m:ctrlPr>
+                            </m:sSubPr>
+                            <m:e>
+                              <m:r>
+                                <a:rPr kumimoji="1" lang="en-US" altLang="ja-JP" sz="1200" b="0" i="1" smtClean="0">
+                                  <a:latin typeface="Cambria Math" panose="02040503050406030204" pitchFamily="18" charset="0"/>
+                                </a:rPr>
+                                <m:t>𝐺</m:t>
+                              </m:r>
+                            </m:e>
+                            <m:sub>
+                              <m:r>
+                                <a:rPr kumimoji="1" lang="en-US" altLang="ja-JP" sz="1200" b="0" i="1" smtClean="0">
+                                  <a:latin typeface="Cambria Math" panose="02040503050406030204" pitchFamily="18" charset="0"/>
+                                </a:rPr>
+                                <m:t>1</m:t>
+                              </m:r>
+                            </m:sub>
+                          </m:sSub>
+                          <m:r>
+                            <a:rPr kumimoji="1" lang="en-US" altLang="ja-JP" sz="1200" b="0" i="1" smtClean="0">
+                              <a:latin typeface="Cambria Math" panose="02040503050406030204" pitchFamily="18" charset="0"/>
+                            </a:rPr>
+                            <m:t>+</m:t>
+                          </m:r>
+                          <m:r>
+                            <a:rPr kumimoji="1" lang="en-US" altLang="ja-JP" sz="1200" b="0" i="1" smtClean="0">
+                              <a:latin typeface="Cambria Math" panose="02040503050406030204" pitchFamily="18" charset="0"/>
+                            </a:rPr>
+                            <m:t>𝑗</m:t>
+                          </m:r>
+                          <m:r>
+                            <a:rPr kumimoji="1" lang="en-US" altLang="ja-JP" sz="1200" b="0" i="1" smtClean="0">
+                              <a:latin typeface="Cambria Math" panose="02040503050406030204" pitchFamily="18" charset="0"/>
+                            </a:rPr>
+                            <m:t>𝜔</m:t>
+                          </m:r>
+                          <m:sSub>
+                            <m:sSubPr>
+                              <m:ctrlPr>
+                                <a:rPr kumimoji="1" lang="en-US" altLang="ja-JP" sz="1200" b="0" i="1" smtClean="0">
+                                  <a:latin typeface="Cambria Math" panose="02040503050406030204" pitchFamily="18" charset="0"/>
+                                </a:rPr>
+                              </m:ctrlPr>
+                            </m:sSubPr>
+                            <m:e>
+                              <m:r>
+                                <a:rPr kumimoji="1" lang="en-US" altLang="ja-JP" sz="1200" b="0" i="1" smtClean="0">
+                                  <a:latin typeface="Cambria Math" panose="02040503050406030204" pitchFamily="18" charset="0"/>
+                                </a:rPr>
+                                <m:t>𝐶</m:t>
+                              </m:r>
+                            </m:e>
+                            <m:sub>
+                              <m:r>
+                                <a:rPr kumimoji="1" lang="en-US" altLang="ja-JP" sz="1200" b="0" i="1" smtClean="0">
+                                  <a:latin typeface="Cambria Math" panose="02040503050406030204" pitchFamily="18" charset="0"/>
+                                </a:rPr>
+                                <m:t>1</m:t>
+                              </m:r>
+                            </m:sub>
+                          </m:sSub>
+                        </m:den>
+                      </m:f>
+                      <m:r>
+                        <a:rPr kumimoji="1" lang="en-US" altLang="ja-JP" sz="1200" b="0" i="1" smtClean="0">
+                          <a:latin typeface="Cambria Math" panose="02040503050406030204" pitchFamily="18" charset="0"/>
+                        </a:rPr>
+                        <m:t>⋅</m:t>
+                      </m:r>
+                      <m:f>
+                        <m:fPr>
+                          <m:ctrlPr>
+                            <a:rPr lang="en-US" altLang="ja-JP" sz="1200" i="1">
+                              <a:latin typeface="Cambria Math" panose="02040503050406030204" pitchFamily="18" charset="0"/>
+                            </a:rPr>
+                          </m:ctrlPr>
+                        </m:fPr>
+                        <m:num>
+                          <m:sSub>
+                            <m:sSubPr>
+                              <m:ctrlPr>
+                                <a:rPr lang="en-US" altLang="ja-JP" sz="1200" i="1">
+                                  <a:latin typeface="Cambria Math" panose="02040503050406030204" pitchFamily="18" charset="0"/>
+                                </a:rPr>
+                              </m:ctrlPr>
+                            </m:sSubPr>
+                            <m:e>
+                              <m:r>
+                                <a:rPr lang="en-US" altLang="ja-JP" sz="1200" i="1">
+                                  <a:latin typeface="Cambria Math" panose="02040503050406030204" pitchFamily="18" charset="0"/>
+                                </a:rPr>
+                                <m:t>𝐺</m:t>
+                              </m:r>
+                            </m:e>
+                            <m:sub>
+                              <m:r>
+                                <a:rPr lang="en-US" altLang="ja-JP" sz="1200" i="1">
+                                  <a:latin typeface="Cambria Math" panose="02040503050406030204" pitchFamily="18" charset="0"/>
+                                </a:rPr>
+                                <m:t>𝐶</m:t>
+                              </m:r>
+                              <m:r>
+                                <a:rPr lang="en-US" altLang="ja-JP" sz="1200" i="1">
+                                  <a:latin typeface="Cambria Math" panose="02040503050406030204" pitchFamily="18" charset="0"/>
+                                </a:rPr>
+                                <m:t>2</m:t>
+                              </m:r>
+                            </m:sub>
+                          </m:sSub>
+                          <m:r>
+                            <a:rPr lang="en-US" altLang="ja-JP" sz="1200" i="1">
+                              <a:latin typeface="Cambria Math" panose="02040503050406030204" pitchFamily="18" charset="0"/>
+                            </a:rPr>
+                            <m:t>+</m:t>
+                          </m:r>
+                          <m:sSub>
+                            <m:sSubPr>
+                              <m:ctrlPr>
+                                <a:rPr lang="en-US" altLang="ja-JP" sz="1200" i="1">
+                                  <a:latin typeface="Cambria Math" panose="02040503050406030204" pitchFamily="18" charset="0"/>
+                                </a:rPr>
+                              </m:ctrlPr>
+                            </m:sSubPr>
+                            <m:e>
+                              <m:r>
+                                <a:rPr lang="en-US" altLang="ja-JP" sz="1200" i="1">
+                                  <a:latin typeface="Cambria Math" panose="02040503050406030204" pitchFamily="18" charset="0"/>
+                                </a:rPr>
+                                <m:t>𝑔</m:t>
+                              </m:r>
+                            </m:e>
+                            <m:sub>
+                              <m:r>
+                                <a:rPr lang="en-US" altLang="ja-JP" sz="1200" i="1">
+                                  <a:latin typeface="Cambria Math" panose="02040503050406030204" pitchFamily="18" charset="0"/>
+                                </a:rPr>
+                                <m:t>𝑐𝑒</m:t>
+                              </m:r>
+                              <m:r>
+                                <a:rPr lang="en-US" altLang="ja-JP" sz="1200" i="1">
+                                  <a:latin typeface="Cambria Math" panose="02040503050406030204" pitchFamily="18" charset="0"/>
+                                </a:rPr>
+                                <m:t>2</m:t>
+                              </m:r>
+                            </m:sub>
+                          </m:sSub>
+                          <m:r>
+                            <a:rPr lang="en-US" altLang="ja-JP" sz="1200" i="1">
+                              <a:latin typeface="Cambria Math" panose="02040503050406030204" pitchFamily="18" charset="0"/>
+                            </a:rPr>
+                            <m:t>+</m:t>
+                          </m:r>
+                          <m:r>
+                            <a:rPr lang="en-US" altLang="ja-JP" sz="1200" i="1">
+                              <a:latin typeface="Cambria Math" panose="02040503050406030204" pitchFamily="18" charset="0"/>
+                            </a:rPr>
+                            <m:t>𝑗</m:t>
+                          </m:r>
+                          <m:r>
+                            <a:rPr lang="en-US" altLang="ja-JP" sz="1200" i="1">
+                              <a:latin typeface="Cambria Math" panose="02040503050406030204" pitchFamily="18" charset="0"/>
+                            </a:rPr>
+                            <m:t>𝜔</m:t>
+                          </m:r>
+                          <m:sSub>
+                            <m:sSubPr>
+                              <m:ctrlPr>
+                                <a:rPr lang="en-US" altLang="ja-JP" sz="1200" i="1">
+                                  <a:latin typeface="Cambria Math" panose="02040503050406030204" pitchFamily="18" charset="0"/>
+                                </a:rPr>
+                              </m:ctrlPr>
+                            </m:sSubPr>
+                            <m:e>
+                              <m:r>
+                                <a:rPr lang="en-US" altLang="ja-JP" sz="1200" i="1">
+                                  <a:latin typeface="Cambria Math" panose="02040503050406030204" pitchFamily="18" charset="0"/>
+                                </a:rPr>
+                                <m:t>𝐶</m:t>
+                              </m:r>
+                            </m:e>
+                            <m:sub>
+                              <m:r>
+                                <a:rPr lang="en-US" altLang="ja-JP" sz="1200" i="1">
+                                  <a:latin typeface="Cambria Math" panose="02040503050406030204" pitchFamily="18" charset="0"/>
+                                </a:rPr>
+                                <m:t>𝑗𝑐</m:t>
+                              </m:r>
+                              <m:r>
+                                <a:rPr lang="en-US" altLang="ja-JP" sz="1200" i="1">
+                                  <a:latin typeface="Cambria Math" panose="02040503050406030204" pitchFamily="18" charset="0"/>
+                                </a:rPr>
+                                <m:t>2</m:t>
+                              </m:r>
+                            </m:sub>
+                          </m:sSub>
+                        </m:num>
+                        <m:den>
+                          <m:r>
+                            <a:rPr lang="en-US" altLang="ja-JP" sz="1200" i="1">
+                              <a:latin typeface="Cambria Math" panose="02040503050406030204" pitchFamily="18" charset="0"/>
+                            </a:rPr>
+                            <m:t>−</m:t>
+                          </m:r>
+                          <m:sSub>
+                            <m:sSubPr>
+                              <m:ctrlPr>
+                                <a:rPr lang="en-US" altLang="ja-JP" sz="1200" i="1">
+                                  <a:latin typeface="Cambria Math" panose="02040503050406030204" pitchFamily="18" charset="0"/>
+                                </a:rPr>
+                              </m:ctrlPr>
+                            </m:sSubPr>
+                            <m:e>
+                              <m:r>
+                                <a:rPr lang="en-US" altLang="ja-JP" sz="1200" i="1">
+                                  <a:latin typeface="Cambria Math" panose="02040503050406030204" pitchFamily="18" charset="0"/>
+                                </a:rPr>
+                                <m:t>𝑔</m:t>
+                              </m:r>
+                            </m:e>
+                            <m:sub>
+                              <m:r>
+                                <a:rPr lang="en-US" altLang="ja-JP" sz="1200" i="1">
+                                  <a:latin typeface="Cambria Math" panose="02040503050406030204" pitchFamily="18" charset="0"/>
+                                </a:rPr>
+                                <m:t>𝑚</m:t>
+                              </m:r>
+                              <m:r>
+                                <a:rPr lang="en-US" altLang="ja-JP" sz="1200" i="1">
+                                  <a:latin typeface="Cambria Math" panose="02040503050406030204" pitchFamily="18" charset="0"/>
+                                </a:rPr>
+                                <m:t>2</m:t>
+                              </m:r>
+                            </m:sub>
+                          </m:sSub>
+                          <m:r>
+                            <a:rPr lang="en-US" altLang="ja-JP" sz="1200" i="1">
+                              <a:latin typeface="Cambria Math" panose="02040503050406030204" pitchFamily="18" charset="0"/>
+                            </a:rPr>
+                            <m:t>+</m:t>
+                          </m:r>
+                          <m:r>
+                            <a:rPr lang="en-US" altLang="ja-JP" sz="1200" i="1">
+                              <a:latin typeface="Cambria Math" panose="02040503050406030204" pitchFamily="18" charset="0"/>
+                            </a:rPr>
+                            <m:t>𝑗</m:t>
+                          </m:r>
+                          <m:r>
+                            <a:rPr lang="en-US" altLang="ja-JP" sz="1200" i="1">
+                              <a:latin typeface="Cambria Math" panose="02040503050406030204" pitchFamily="18" charset="0"/>
+                            </a:rPr>
+                            <m:t>𝜔</m:t>
+                          </m:r>
+                          <m:sSub>
+                            <m:sSubPr>
+                              <m:ctrlPr>
+                                <a:rPr lang="en-US" altLang="ja-JP" sz="1200" i="1">
+                                  <a:latin typeface="Cambria Math" panose="02040503050406030204" pitchFamily="18" charset="0"/>
+                                </a:rPr>
+                              </m:ctrlPr>
+                            </m:sSubPr>
+                            <m:e>
+                              <m:r>
+                                <a:rPr lang="en-US" altLang="ja-JP" sz="1200" i="1">
+                                  <a:latin typeface="Cambria Math" panose="02040503050406030204" pitchFamily="18" charset="0"/>
+                                </a:rPr>
+                                <m:t>𝐶</m:t>
+                              </m:r>
+                            </m:e>
+                            <m:sub>
+                              <m:r>
+                                <a:rPr lang="en-US" altLang="ja-JP" sz="1200" i="1">
+                                  <a:latin typeface="Cambria Math" panose="02040503050406030204" pitchFamily="18" charset="0"/>
+                                </a:rPr>
+                                <m:t>𝑗𝑐</m:t>
+                              </m:r>
+                              <m:r>
+                                <a:rPr lang="en-US" altLang="ja-JP" sz="1200" i="1">
+                                  <a:latin typeface="Cambria Math" panose="02040503050406030204" pitchFamily="18" charset="0"/>
+                                </a:rPr>
+                                <m:t>2</m:t>
+                              </m:r>
+                            </m:sub>
+                          </m:sSub>
+                        </m:den>
+                      </m:f>
+                      <m:sSub>
+                        <m:sSubPr>
+                          <m:ctrlPr>
+                            <a:rPr lang="en-US" altLang="ja-JP" sz="1200" b="0" i="1" smtClean="0">
+                              <a:latin typeface="Cambria Math" panose="02040503050406030204" pitchFamily="18" charset="0"/>
+                            </a:rPr>
+                          </m:ctrlPr>
+                        </m:sSubPr>
+                        <m:e>
+                          <m:r>
+                            <a:rPr lang="en-US" altLang="ja-JP" sz="1200" b="0" i="1" smtClean="0">
+                              <a:latin typeface="Cambria Math" panose="02040503050406030204" pitchFamily="18" charset="0"/>
+                            </a:rPr>
+                            <m:t>𝑣</m:t>
+                          </m:r>
+                        </m:e>
+                        <m:sub>
+                          <m:r>
+                            <a:rPr lang="en-US" altLang="ja-JP" sz="1200" b="0" i="1" smtClean="0">
+                              <a:latin typeface="Cambria Math" panose="02040503050406030204" pitchFamily="18" charset="0"/>
+                            </a:rPr>
+                            <m:t>𝑜𝑢𝑡</m:t>
+                          </m:r>
+                        </m:sub>
+                      </m:sSub>
+                      <m:r>
+                        <a:rPr kumimoji="1" lang="en-US" altLang="ja-JP" sz="1200" b="0" i="1" smtClean="0">
+                          <a:latin typeface="Cambria Math" panose="02040503050406030204" pitchFamily="18" charset="0"/>
+                        </a:rPr>
+                        <m:t>+</m:t>
+                      </m:r>
+                      <m:r>
+                        <a:rPr kumimoji="1" lang="en-US" altLang="ja-JP" sz="1200" b="0" i="1" smtClean="0">
+                          <a:latin typeface="Cambria Math" panose="02040503050406030204" pitchFamily="18" charset="0"/>
+                        </a:rPr>
+                        <m:t>𝑗</m:t>
+                      </m:r>
+                      <m:r>
+                        <a:rPr kumimoji="1" lang="en-US" altLang="ja-JP" sz="1200" b="0" i="1" smtClean="0">
+                          <a:latin typeface="Cambria Math" panose="02040503050406030204" pitchFamily="18" charset="0"/>
+                        </a:rPr>
+                        <m:t>𝜔</m:t>
+                      </m:r>
+                      <m:sSub>
+                        <m:sSubPr>
+                          <m:ctrlPr>
+                            <a:rPr kumimoji="1" lang="en-US" altLang="ja-JP" sz="1200" b="0" i="1" smtClean="0">
+                              <a:latin typeface="Cambria Math" panose="02040503050406030204" pitchFamily="18" charset="0"/>
+                            </a:rPr>
+                          </m:ctrlPr>
+                        </m:sSubPr>
+                        <m:e>
+                          <m:r>
+                            <a:rPr kumimoji="1" lang="en-US" altLang="ja-JP" sz="1200" b="0" i="1" smtClean="0">
+                              <a:latin typeface="Cambria Math" panose="02040503050406030204" pitchFamily="18" charset="0"/>
+                            </a:rPr>
+                            <m:t>𝐶</m:t>
+                          </m:r>
+                        </m:e>
+                        <m:sub>
+                          <m:r>
+                            <a:rPr kumimoji="1" lang="en-US" altLang="ja-JP" sz="1200" b="0" i="1" smtClean="0">
+                              <a:latin typeface="Cambria Math" panose="02040503050406030204" pitchFamily="18" charset="0"/>
+                            </a:rPr>
+                            <m:t>𝑗𝑐</m:t>
+                          </m:r>
+                          <m:r>
+                            <a:rPr kumimoji="1" lang="en-US" altLang="ja-JP" sz="1200" b="0" i="1" smtClean="0">
+                              <a:latin typeface="Cambria Math" panose="02040503050406030204" pitchFamily="18" charset="0"/>
+                            </a:rPr>
+                            <m:t>2</m:t>
+                          </m:r>
+                        </m:sub>
+                      </m:sSub>
+                      <m:sSub>
+                        <m:sSubPr>
+                          <m:ctrlPr>
+                            <a:rPr kumimoji="1" lang="en-US" altLang="ja-JP" sz="1200" b="0" i="1" smtClean="0">
+                              <a:latin typeface="Cambria Math" panose="02040503050406030204" pitchFamily="18" charset="0"/>
+                            </a:rPr>
+                          </m:ctrlPr>
+                        </m:sSubPr>
+                        <m:e>
+                          <m:r>
+                            <a:rPr kumimoji="1" lang="en-US" altLang="ja-JP" sz="1200" b="0" i="1" smtClean="0">
+                              <a:latin typeface="Cambria Math" panose="02040503050406030204" pitchFamily="18" charset="0"/>
+                            </a:rPr>
+                            <m:t>𝑣</m:t>
+                          </m:r>
+                        </m:e>
+                        <m:sub>
+                          <m:r>
+                            <a:rPr kumimoji="1" lang="en-US" altLang="ja-JP" sz="1200" b="0" i="1" smtClean="0">
+                              <a:latin typeface="Cambria Math" panose="02040503050406030204" pitchFamily="18" charset="0"/>
+                            </a:rPr>
+                            <m:t>𝑜𝑢𝑡</m:t>
+                          </m:r>
+                        </m:sub>
+                      </m:sSub>
+                      <m:r>
+                        <a:rPr kumimoji="1" lang="en-US" altLang="ja-JP" sz="1200" b="0" i="1" smtClean="0">
+                          <a:latin typeface="Cambria Math" panose="02040503050406030204" pitchFamily="18" charset="0"/>
+                        </a:rPr>
+                        <m:t>=</m:t>
+                      </m:r>
+                      <m:f>
+                        <m:fPr>
+                          <m:ctrlPr>
+                            <a:rPr lang="en-US" altLang="ja-JP" sz="1200" i="1">
+                              <a:latin typeface="Cambria Math" panose="02040503050406030204" pitchFamily="18" charset="0"/>
+                            </a:rPr>
+                          </m:ctrlPr>
+                        </m:fPr>
+                        <m:num>
+                          <m:sSub>
+                            <m:sSubPr>
+                              <m:ctrlPr>
+                                <a:rPr lang="en-US" altLang="ja-JP" sz="1200" i="1">
+                                  <a:latin typeface="Cambria Math" panose="02040503050406030204" pitchFamily="18" charset="0"/>
+                                </a:rPr>
+                              </m:ctrlPr>
+                            </m:sSubPr>
+                            <m:e>
+                              <m:r>
+                                <a:rPr lang="en-US" altLang="ja-JP" sz="1200" i="1">
+                                  <a:latin typeface="Cambria Math" panose="02040503050406030204" pitchFamily="18" charset="0"/>
+                                </a:rPr>
+                                <m:t>𝑔</m:t>
+                              </m:r>
+                            </m:e>
+                            <m:sub>
+                              <m:r>
+                                <a:rPr lang="en-US" altLang="ja-JP" sz="1200" i="1">
+                                  <a:latin typeface="Cambria Math" panose="02040503050406030204" pitchFamily="18" charset="0"/>
+                                </a:rPr>
+                                <m:t>𝑚</m:t>
+                              </m:r>
+                              <m:r>
+                                <a:rPr lang="en-US" altLang="ja-JP" sz="1200" i="1">
+                                  <a:latin typeface="Cambria Math" panose="02040503050406030204" pitchFamily="18" charset="0"/>
+                                </a:rPr>
+                                <m:t>1</m:t>
+                              </m:r>
+                            </m:sub>
+                          </m:sSub>
+                          <m:r>
+                            <a:rPr lang="en-US" altLang="ja-JP" sz="1200" i="1">
+                              <a:latin typeface="Cambria Math" panose="02040503050406030204" pitchFamily="18" charset="0"/>
+                            </a:rPr>
+                            <m:t>+</m:t>
+                          </m:r>
+                          <m:sSub>
+                            <m:sSubPr>
+                              <m:ctrlPr>
+                                <a:rPr lang="en-US" altLang="ja-JP" sz="1200" i="1">
+                                  <a:latin typeface="Cambria Math" panose="02040503050406030204" pitchFamily="18" charset="0"/>
+                                </a:rPr>
+                              </m:ctrlPr>
+                            </m:sSubPr>
+                            <m:e>
+                              <m:r>
+                                <a:rPr lang="en-US" altLang="ja-JP" sz="1200" i="1">
+                                  <a:latin typeface="Cambria Math" panose="02040503050406030204" pitchFamily="18" charset="0"/>
+                                </a:rPr>
+                                <m:t>𝑔</m:t>
+                              </m:r>
+                            </m:e>
+                            <m:sub>
+                              <m:r>
+                                <a:rPr lang="en-US" altLang="ja-JP" sz="1200" i="1">
+                                  <a:latin typeface="Cambria Math" panose="02040503050406030204" pitchFamily="18" charset="0"/>
+                                </a:rPr>
+                                <m:t>𝑐𝑒</m:t>
+                              </m:r>
+                              <m:r>
+                                <a:rPr lang="en-US" altLang="ja-JP" sz="1200" i="1">
+                                  <a:latin typeface="Cambria Math" panose="02040503050406030204" pitchFamily="18" charset="0"/>
+                                </a:rPr>
+                                <m:t>1</m:t>
+                              </m:r>
+                            </m:sub>
+                          </m:sSub>
+                        </m:num>
+                        <m:den>
+                          <m:sSub>
+                            <m:sSubPr>
+                              <m:ctrlPr>
+                                <a:rPr lang="en-US" altLang="ja-JP" sz="1200" i="1">
+                                  <a:latin typeface="Cambria Math" panose="02040503050406030204" pitchFamily="18" charset="0"/>
+                                </a:rPr>
+                              </m:ctrlPr>
+                            </m:sSubPr>
+                            <m:e>
+                              <m:r>
+                                <a:rPr lang="en-US" altLang="ja-JP" sz="1200" i="1">
+                                  <a:latin typeface="Cambria Math" panose="02040503050406030204" pitchFamily="18" charset="0"/>
+                                </a:rPr>
+                                <m:t>𝐺</m:t>
+                              </m:r>
+                            </m:e>
+                            <m:sub>
+                              <m:r>
+                                <a:rPr lang="en-US" altLang="ja-JP" sz="1200" i="1">
+                                  <a:latin typeface="Cambria Math" panose="02040503050406030204" pitchFamily="18" charset="0"/>
+                                </a:rPr>
+                                <m:t>1</m:t>
+                              </m:r>
+                            </m:sub>
+                          </m:sSub>
+                          <m:r>
+                            <a:rPr lang="en-US" altLang="ja-JP" sz="1200" i="1">
+                              <a:latin typeface="Cambria Math" panose="02040503050406030204" pitchFamily="18" charset="0"/>
+                            </a:rPr>
+                            <m:t>+</m:t>
+                          </m:r>
+                          <m:r>
+                            <a:rPr lang="en-US" altLang="ja-JP" sz="1200" i="1">
+                              <a:latin typeface="Cambria Math" panose="02040503050406030204" pitchFamily="18" charset="0"/>
+                            </a:rPr>
+                            <m:t>𝑗</m:t>
+                          </m:r>
+                          <m:r>
+                            <a:rPr lang="en-US" altLang="ja-JP" sz="1200" i="1">
+                              <a:latin typeface="Cambria Math" panose="02040503050406030204" pitchFamily="18" charset="0"/>
+                            </a:rPr>
+                            <m:t>𝜔</m:t>
+                          </m:r>
+                          <m:sSub>
+                            <m:sSubPr>
+                              <m:ctrlPr>
+                                <a:rPr lang="en-US" altLang="ja-JP" sz="1200" i="1">
+                                  <a:latin typeface="Cambria Math" panose="02040503050406030204" pitchFamily="18" charset="0"/>
+                                </a:rPr>
+                              </m:ctrlPr>
+                            </m:sSubPr>
+                            <m:e>
+                              <m:r>
+                                <a:rPr lang="en-US" altLang="ja-JP" sz="1200" i="1">
+                                  <a:latin typeface="Cambria Math" panose="02040503050406030204" pitchFamily="18" charset="0"/>
+                                </a:rPr>
+                                <m:t>𝐶</m:t>
+                              </m:r>
+                            </m:e>
+                            <m:sub>
+                              <m:r>
+                                <a:rPr lang="en-US" altLang="ja-JP" sz="1200" i="1">
+                                  <a:latin typeface="Cambria Math" panose="02040503050406030204" pitchFamily="18" charset="0"/>
+                                </a:rPr>
+                                <m:t>1</m:t>
+                              </m:r>
+                            </m:sub>
+                          </m:sSub>
+                        </m:den>
+                      </m:f>
+                      <m:sSub>
+                        <m:sSubPr>
+                          <m:ctrlPr>
+                            <a:rPr lang="en-US" altLang="ja-JP" sz="1200" i="1">
+                              <a:latin typeface="Cambria Math" panose="02040503050406030204" pitchFamily="18" charset="0"/>
+                            </a:rPr>
+                          </m:ctrlPr>
+                        </m:sSubPr>
+                        <m:e>
+                          <m:r>
+                            <a:rPr lang="en-US" altLang="ja-JP" sz="1200" i="1">
+                              <a:latin typeface="Cambria Math" panose="02040503050406030204" pitchFamily="18" charset="0"/>
+                            </a:rPr>
+                            <m:t>𝑖</m:t>
+                          </m:r>
+                        </m:e>
+                        <m:sub>
+                          <m:r>
+                            <a:rPr lang="en-US" altLang="ja-JP" sz="1200" i="1">
+                              <a:latin typeface="Cambria Math" panose="02040503050406030204" pitchFamily="18" charset="0"/>
+                            </a:rPr>
+                            <m:t>𝑖𝑛</m:t>
+                          </m:r>
+                        </m:sub>
+                      </m:sSub>
+                    </m:oMath>
+                  </m:oMathPara>
+                </a14:m>
+                <a:endParaRPr kumimoji="1" lang="en-US" altLang="ja-JP" sz="1200" dirty="0">
+                  <a:latin typeface="Times Newer Roman" panose="00000500000000000000" pitchFamily="50" charset="0"/>
+                </a:endParaRPr>
+              </a:p>
+              <a:p>
+                <a:endParaRPr kumimoji="1" lang="en-US" altLang="ja-JP" sz="1200" dirty="0">
+                  <a:latin typeface="Times Newer Roman" panose="00000500000000000000" pitchFamily="50" charset="0"/>
+                </a:endParaRPr>
+              </a:p>
+              <a:p>
+                <a14:m>
+                  <m:oMathPara xmlns:m="http://schemas.openxmlformats.org/officeDocument/2006/math">
+                    <m:oMathParaPr>
+                      <m:jc m:val="centerGroup"/>
+                    </m:oMathParaPr>
+                    <m:oMath xmlns:m="http://schemas.openxmlformats.org/officeDocument/2006/math">
+                      <m:sSub>
+                        <m:sSubPr>
+                          <m:ctrlPr>
+                            <a:rPr kumimoji="1" lang="en-US" altLang="ja-JP" sz="1200" b="0" i="1" smtClean="0">
+                              <a:latin typeface="Cambria Math" panose="02040503050406030204" pitchFamily="18" charset="0"/>
+                            </a:rPr>
+                          </m:ctrlPr>
+                        </m:sSubPr>
+                        <m:e>
+                          <m:r>
+                            <a:rPr kumimoji="1" lang="en-US" altLang="ja-JP" sz="1200" b="0" i="1" smtClean="0">
+                              <a:latin typeface="Cambria Math" panose="02040503050406030204" pitchFamily="18" charset="0"/>
+                            </a:rPr>
+                            <m:t>𝐺</m:t>
+                          </m:r>
+                        </m:e>
+                        <m:sub>
+                          <m:r>
+                            <a:rPr kumimoji="1" lang="en-US" altLang="ja-JP" sz="1200" b="0" i="1" smtClean="0">
+                              <a:latin typeface="Cambria Math" panose="02040503050406030204" pitchFamily="18" charset="0"/>
+                            </a:rPr>
+                            <m:t>3</m:t>
+                          </m:r>
+                        </m:sub>
+                      </m:sSub>
+                      <m:r>
+                        <a:rPr kumimoji="1" lang="en-US" altLang="ja-JP" sz="1200" b="0" i="1" smtClean="0">
+                          <a:latin typeface="Cambria Math" panose="02040503050406030204" pitchFamily="18" charset="0"/>
+                        </a:rPr>
+                        <m:t>≔</m:t>
+                      </m:r>
+                      <m:sSub>
+                        <m:sSubPr>
+                          <m:ctrlPr>
+                            <a:rPr lang="en-US" altLang="ja-JP" sz="1200" i="1">
+                              <a:latin typeface="Cambria Math" panose="02040503050406030204" pitchFamily="18" charset="0"/>
+                            </a:rPr>
+                          </m:ctrlPr>
+                        </m:sSubPr>
+                        <m:e>
+                          <m:r>
+                            <a:rPr lang="en-US" altLang="ja-JP" sz="1200" i="1">
+                              <a:latin typeface="Cambria Math" panose="02040503050406030204" pitchFamily="18" charset="0"/>
+                            </a:rPr>
+                            <m:t>𝑔</m:t>
+                          </m:r>
+                        </m:e>
+                        <m:sub>
+                          <m:r>
+                            <a:rPr lang="en-US" altLang="ja-JP" sz="1200" i="1">
+                              <a:latin typeface="Cambria Math" panose="02040503050406030204" pitchFamily="18" charset="0"/>
+                            </a:rPr>
+                            <m:t>𝑐</m:t>
+                          </m:r>
+                          <m:r>
+                            <a:rPr lang="en-US" altLang="ja-JP" sz="1200" i="1">
+                              <a:latin typeface="Cambria Math" panose="02040503050406030204" pitchFamily="18" charset="0"/>
+                            </a:rPr>
+                            <m:t>1</m:t>
+                          </m:r>
+                        </m:sub>
+                      </m:sSub>
+                      <m:d>
+                        <m:dPr>
+                          <m:ctrlPr>
+                            <a:rPr lang="en-US" altLang="ja-JP" sz="1200" i="1">
+                              <a:latin typeface="Cambria Math" panose="02040503050406030204" pitchFamily="18" charset="0"/>
+                            </a:rPr>
+                          </m:ctrlPr>
+                        </m:dPr>
+                        <m:e>
+                          <m:sSub>
+                            <m:sSubPr>
+                              <m:ctrlPr>
+                                <a:rPr lang="en-US" altLang="ja-JP" sz="1200" i="1">
+                                  <a:latin typeface="Cambria Math" panose="02040503050406030204" pitchFamily="18" charset="0"/>
+                                </a:rPr>
+                              </m:ctrlPr>
+                            </m:sSubPr>
+                            <m:e>
+                              <m:r>
+                                <a:rPr lang="en-US" altLang="ja-JP" sz="1200" i="1">
+                                  <a:latin typeface="Cambria Math" panose="02040503050406030204" pitchFamily="18" charset="0"/>
+                                </a:rPr>
+                                <m:t>𝑔</m:t>
+                              </m:r>
+                            </m:e>
+                            <m:sub>
+                              <m:r>
+                                <a:rPr lang="en-US" altLang="ja-JP" sz="1200" i="1">
+                                  <a:latin typeface="Cambria Math" panose="02040503050406030204" pitchFamily="18" charset="0"/>
+                                </a:rPr>
+                                <m:t>𝑚</m:t>
+                              </m:r>
+                              <m:r>
+                                <a:rPr lang="en-US" altLang="ja-JP" sz="1200" i="1">
+                                  <a:latin typeface="Cambria Math" panose="02040503050406030204" pitchFamily="18" charset="0"/>
+                                </a:rPr>
+                                <m:t>1</m:t>
+                              </m:r>
+                            </m:sub>
+                          </m:sSub>
+                          <m:r>
+                            <a:rPr lang="en-US" altLang="ja-JP" sz="1200" i="1">
+                              <a:latin typeface="Cambria Math" panose="02040503050406030204" pitchFamily="18" charset="0"/>
+                            </a:rPr>
+                            <m:t>+</m:t>
+                          </m:r>
+                          <m:sSub>
+                            <m:sSubPr>
+                              <m:ctrlPr>
+                                <a:rPr lang="en-US" altLang="ja-JP" sz="1200" i="1">
+                                  <a:latin typeface="Cambria Math" panose="02040503050406030204" pitchFamily="18" charset="0"/>
+                                </a:rPr>
+                              </m:ctrlPr>
+                            </m:sSubPr>
+                            <m:e>
+                              <m:r>
+                                <a:rPr lang="en-US" altLang="ja-JP" sz="1200" i="1">
+                                  <a:latin typeface="Cambria Math" panose="02040503050406030204" pitchFamily="18" charset="0"/>
+                                </a:rPr>
+                                <m:t>𝑔</m:t>
+                              </m:r>
+                            </m:e>
+                            <m:sub>
+                              <m:r>
+                                <a:rPr lang="en-US" altLang="ja-JP" sz="1200" i="1">
+                                  <a:latin typeface="Cambria Math" panose="02040503050406030204" pitchFamily="18" charset="0"/>
+                                </a:rPr>
+                                <m:t>𝑐𝑒</m:t>
+                              </m:r>
+                              <m:r>
+                                <a:rPr lang="en-US" altLang="ja-JP" sz="1200" i="1">
+                                  <a:latin typeface="Cambria Math" panose="02040503050406030204" pitchFamily="18" charset="0"/>
+                                </a:rPr>
+                                <m:t>1</m:t>
+                              </m:r>
+                            </m:sub>
+                          </m:sSub>
+                        </m:e>
+                      </m:d>
+                      <m:r>
+                        <a:rPr lang="en-US" altLang="ja-JP" sz="1200" i="1">
+                          <a:latin typeface="Cambria Math" panose="02040503050406030204" pitchFamily="18" charset="0"/>
+                        </a:rPr>
+                        <m:t>−</m:t>
+                      </m:r>
+                      <m:sSub>
+                        <m:sSubPr>
+                          <m:ctrlPr>
+                            <a:rPr lang="en-US" altLang="ja-JP" sz="1200" i="1">
+                              <a:latin typeface="Cambria Math" panose="02040503050406030204" pitchFamily="18" charset="0"/>
+                            </a:rPr>
+                          </m:ctrlPr>
+                        </m:sSubPr>
+                        <m:e>
+                          <m:r>
+                            <a:rPr lang="en-US" altLang="ja-JP" sz="1200" i="1">
+                              <a:latin typeface="Cambria Math" panose="02040503050406030204" pitchFamily="18" charset="0"/>
+                            </a:rPr>
+                            <m:t>𝐺</m:t>
+                          </m:r>
+                        </m:e>
+                        <m:sub>
+                          <m:r>
+                            <a:rPr lang="en-US" altLang="ja-JP" sz="1200" i="1">
+                              <a:latin typeface="Cambria Math" panose="02040503050406030204" pitchFamily="18" charset="0"/>
+                            </a:rPr>
+                            <m:t>1</m:t>
+                          </m:r>
+                        </m:sub>
+                      </m:sSub>
+                      <m:sSub>
+                        <m:sSubPr>
+                          <m:ctrlPr>
+                            <a:rPr lang="en-US" altLang="ja-JP" sz="1200" i="1">
+                              <a:latin typeface="Cambria Math" panose="02040503050406030204" pitchFamily="18" charset="0"/>
+                            </a:rPr>
+                          </m:ctrlPr>
+                        </m:sSubPr>
+                        <m:e>
+                          <m:r>
+                            <a:rPr lang="en-US" altLang="ja-JP" sz="1200" i="1">
+                              <a:latin typeface="Cambria Math" panose="02040503050406030204" pitchFamily="18" charset="0"/>
+                            </a:rPr>
+                            <m:t>𝐺</m:t>
+                          </m:r>
+                        </m:e>
+                        <m:sub>
+                          <m:r>
+                            <a:rPr lang="en-US" altLang="ja-JP" sz="1200" i="1">
+                              <a:latin typeface="Cambria Math" panose="02040503050406030204" pitchFamily="18" charset="0"/>
+                            </a:rPr>
+                            <m:t>2</m:t>
+                          </m:r>
+                        </m:sub>
+                      </m:sSub>
+                      <m:r>
+                        <a:rPr kumimoji="1" lang="en-US" altLang="ja-JP" sz="1200" b="0" i="0" smtClean="0">
+                          <a:latin typeface="Cambria Math" panose="02040503050406030204" pitchFamily="18" charset="0"/>
+                        </a:rPr>
+                        <m:t>,  </m:t>
+                      </m:r>
+                      <m:sSub>
+                        <m:sSubPr>
+                          <m:ctrlPr>
+                            <a:rPr kumimoji="1" lang="en-US" altLang="ja-JP" sz="1200" b="0" i="0" smtClean="0">
+                              <a:latin typeface="Cambria Math" panose="02040503050406030204" pitchFamily="18" charset="0"/>
+                            </a:rPr>
+                          </m:ctrlPr>
+                        </m:sSubPr>
+                        <m:e>
+                          <m:r>
+                            <m:rPr>
+                              <m:sty m:val="p"/>
+                            </m:rPr>
+                            <a:rPr kumimoji="1" lang="en-US" altLang="ja-JP" sz="1200" b="0" i="0" smtClean="0">
+                              <a:latin typeface="Cambria Math" panose="02040503050406030204" pitchFamily="18" charset="0"/>
+                            </a:rPr>
+                            <m:t>G</m:t>
+                          </m:r>
+                        </m:e>
+                        <m:sub>
+                          <m:r>
+                            <a:rPr kumimoji="1" lang="en-US" altLang="ja-JP" sz="1200" b="0" i="0" smtClean="0">
+                              <a:latin typeface="Cambria Math" panose="02040503050406030204" pitchFamily="18" charset="0"/>
+                            </a:rPr>
+                            <m:t>4</m:t>
+                          </m:r>
+                        </m:sub>
+                      </m:sSub>
+                      <m:r>
+                        <a:rPr kumimoji="1" lang="en-US" altLang="ja-JP" sz="1200" b="0" i="0" smtClean="0">
+                          <a:latin typeface="Cambria Math" panose="02040503050406030204" pitchFamily="18" charset="0"/>
+                        </a:rPr>
+                        <m:t>≔</m:t>
+                      </m:r>
+                      <m:sSub>
+                        <m:sSubPr>
+                          <m:ctrlPr>
+                            <a:rPr lang="en-US" altLang="ja-JP" sz="1200" i="1">
+                              <a:latin typeface="Cambria Math" panose="02040503050406030204" pitchFamily="18" charset="0"/>
+                            </a:rPr>
+                          </m:ctrlPr>
+                        </m:sSubPr>
+                        <m:e>
+                          <m:r>
+                            <m:rPr>
+                              <m:sty m:val="p"/>
+                            </m:rPr>
+                            <a:rPr lang="en-US" altLang="ja-JP" sz="1200">
+                              <a:latin typeface="Cambria Math" panose="02040503050406030204" pitchFamily="18" charset="0"/>
+                            </a:rPr>
+                            <m:t>C</m:t>
+                          </m:r>
+                        </m:e>
+                        <m:sub>
+                          <m:r>
+                            <a:rPr lang="en-US" altLang="ja-JP" sz="1200">
+                              <a:latin typeface="Cambria Math" panose="02040503050406030204" pitchFamily="18" charset="0"/>
+                            </a:rPr>
+                            <m:t>1</m:t>
+                          </m:r>
+                        </m:sub>
+                      </m:sSub>
+                      <m:sSub>
+                        <m:sSubPr>
+                          <m:ctrlPr>
+                            <a:rPr lang="en-US" altLang="ja-JP" sz="1200" i="1">
+                              <a:latin typeface="Cambria Math" panose="02040503050406030204" pitchFamily="18" charset="0"/>
+                            </a:rPr>
+                          </m:ctrlPr>
+                        </m:sSubPr>
+                        <m:e>
+                          <m:r>
+                            <m:rPr>
+                              <m:sty m:val="p"/>
+                            </m:rPr>
+                            <a:rPr lang="en-US" altLang="ja-JP" sz="1200">
+                              <a:latin typeface="Cambria Math" panose="02040503050406030204" pitchFamily="18" charset="0"/>
+                            </a:rPr>
+                            <m:t>C</m:t>
+                          </m:r>
+                        </m:e>
+                        <m:sub>
+                          <m:r>
+                            <a:rPr lang="en-US" altLang="ja-JP" sz="1200">
+                              <a:latin typeface="Cambria Math" panose="02040503050406030204" pitchFamily="18" charset="0"/>
+                            </a:rPr>
+                            <m:t>2</m:t>
+                          </m:r>
+                        </m:sub>
+                      </m:sSub>
+                      <m:d>
+                        <m:dPr>
+                          <m:ctrlPr>
+                            <a:rPr kumimoji="1" lang="en-US" altLang="ja-JP" sz="1200" b="0" i="0" smtClean="0">
+                              <a:latin typeface="Cambria Math" panose="02040503050406030204" pitchFamily="18" charset="0"/>
+                            </a:rPr>
+                          </m:ctrlPr>
+                        </m:dPr>
+                        <m:e>
+                          <m:sSub>
+                            <m:sSubPr>
+                              <m:ctrlPr>
+                                <a:rPr kumimoji="1" lang="en-US" altLang="ja-JP" sz="1200" b="0" i="0" smtClean="0">
+                                  <a:latin typeface="Cambria Math" panose="02040503050406030204" pitchFamily="18" charset="0"/>
+                                </a:rPr>
+                              </m:ctrlPr>
+                            </m:sSubPr>
+                            <m:e>
+                              <m:r>
+                                <m:rPr>
+                                  <m:sty m:val="p"/>
+                                </m:rPr>
+                                <a:rPr kumimoji="1" lang="en-US" altLang="ja-JP" sz="1200" b="0" i="0" smtClean="0">
+                                  <a:latin typeface="Cambria Math" panose="02040503050406030204" pitchFamily="18" charset="0"/>
+                                </a:rPr>
+                                <m:t>G</m:t>
+                              </m:r>
+                            </m:e>
+                            <m:sub>
+                              <m:r>
+                                <m:rPr>
+                                  <m:sty m:val="p"/>
+                                </m:rPr>
+                                <a:rPr kumimoji="1" lang="en-US" altLang="ja-JP" sz="1200" b="0" i="0" smtClean="0">
+                                  <a:latin typeface="Cambria Math" panose="02040503050406030204" pitchFamily="18" charset="0"/>
+                                </a:rPr>
+                                <m:t>c</m:t>
+                              </m:r>
+                              <m:r>
+                                <a:rPr kumimoji="1" lang="en-US" altLang="ja-JP" sz="1200" b="0" i="0" smtClean="0">
+                                  <a:latin typeface="Cambria Math" panose="02040503050406030204" pitchFamily="18" charset="0"/>
+                                </a:rPr>
+                                <m:t>2</m:t>
+                              </m:r>
+                            </m:sub>
+                          </m:sSub>
+                          <m:r>
+                            <a:rPr kumimoji="1" lang="en-US" altLang="ja-JP" sz="1200" b="0" i="0" smtClean="0">
+                              <a:latin typeface="Cambria Math" panose="02040503050406030204" pitchFamily="18" charset="0"/>
+                            </a:rPr>
+                            <m:t>+</m:t>
+                          </m:r>
+                          <m:sSub>
+                            <m:sSubPr>
+                              <m:ctrlPr>
+                                <a:rPr kumimoji="1" lang="en-US" altLang="ja-JP" sz="1200" b="0" i="0" smtClean="0">
+                                  <a:latin typeface="Cambria Math" panose="02040503050406030204" pitchFamily="18" charset="0"/>
+                                </a:rPr>
+                              </m:ctrlPr>
+                            </m:sSubPr>
+                            <m:e>
+                              <m:r>
+                                <m:rPr>
+                                  <m:sty m:val="p"/>
+                                </m:rPr>
+                                <a:rPr kumimoji="1" lang="en-US" altLang="ja-JP" sz="1200" b="0" i="0" smtClean="0">
+                                  <a:latin typeface="Cambria Math" panose="02040503050406030204" pitchFamily="18" charset="0"/>
+                                </a:rPr>
+                                <m:t>g</m:t>
+                              </m:r>
+                            </m:e>
+                            <m:sub>
+                              <m:r>
+                                <m:rPr>
+                                  <m:sty m:val="p"/>
+                                </m:rPr>
+                                <a:rPr kumimoji="1" lang="en-US" altLang="ja-JP" sz="1200" b="0" i="0" smtClean="0">
+                                  <a:latin typeface="Cambria Math" panose="02040503050406030204" pitchFamily="18" charset="0"/>
+                                </a:rPr>
+                                <m:t>ce</m:t>
+                              </m:r>
+                              <m:r>
+                                <a:rPr kumimoji="1" lang="en-US" altLang="ja-JP" sz="1200" b="0" i="0" smtClean="0">
+                                  <a:latin typeface="Cambria Math" panose="02040503050406030204" pitchFamily="18" charset="0"/>
+                                </a:rPr>
+                                <m:t>2</m:t>
+                              </m:r>
+                            </m:sub>
+                          </m:sSub>
+                        </m:e>
+                      </m:d>
+                      <m:r>
+                        <a:rPr kumimoji="1" lang="en-US" altLang="ja-JP" sz="1200" b="0" i="0" smtClean="0">
+                          <a:latin typeface="Cambria Math" panose="02040503050406030204" pitchFamily="18" charset="0"/>
+                        </a:rPr>
+                        <m:t>+</m:t>
+                      </m:r>
+                      <m:sSub>
+                        <m:sSubPr>
+                          <m:ctrlPr>
+                            <a:rPr kumimoji="1" lang="en-US" altLang="ja-JP" sz="1200" b="0" i="0" smtClean="0">
+                              <a:latin typeface="Cambria Math" panose="02040503050406030204" pitchFamily="18" charset="0"/>
+                            </a:rPr>
+                          </m:ctrlPr>
+                        </m:sSubPr>
+                        <m:e>
+                          <m:r>
+                            <m:rPr>
+                              <m:sty m:val="p"/>
+                            </m:rPr>
+                            <a:rPr kumimoji="1" lang="en-US" altLang="ja-JP" sz="1200" b="0" i="0" smtClean="0">
+                              <a:latin typeface="Cambria Math" panose="02040503050406030204" pitchFamily="18" charset="0"/>
+                            </a:rPr>
+                            <m:t>C</m:t>
+                          </m:r>
+                        </m:e>
+                        <m:sub>
+                          <m:r>
+                            <m:rPr>
+                              <m:sty m:val="p"/>
+                            </m:rPr>
+                            <a:rPr kumimoji="1" lang="en-US" altLang="ja-JP" sz="1200" b="0" i="0" smtClean="0">
+                              <a:latin typeface="Cambria Math" panose="02040503050406030204" pitchFamily="18" charset="0"/>
+                            </a:rPr>
+                            <m:t>jc</m:t>
+                          </m:r>
+                          <m:r>
+                            <a:rPr kumimoji="1" lang="en-US" altLang="ja-JP" sz="1200" b="0" i="0" smtClean="0">
+                              <a:latin typeface="Cambria Math" panose="02040503050406030204" pitchFamily="18" charset="0"/>
+                            </a:rPr>
+                            <m:t>2</m:t>
+                          </m:r>
+                        </m:sub>
+                      </m:sSub>
+                      <m:d>
+                        <m:dPr>
+                          <m:ctrlPr>
+                            <a:rPr kumimoji="1" lang="en-US" altLang="ja-JP" sz="1200" b="0" i="0" smtClean="0">
+                              <a:latin typeface="Cambria Math" panose="02040503050406030204" pitchFamily="18" charset="0"/>
+                            </a:rPr>
+                          </m:ctrlPr>
+                        </m:dPr>
+                        <m:e>
+                          <m:sSub>
+                            <m:sSubPr>
+                              <m:ctrlPr>
+                                <a:rPr kumimoji="1" lang="en-US" altLang="ja-JP" sz="1200" b="0" i="0" smtClean="0">
+                                  <a:latin typeface="Cambria Math" panose="02040503050406030204" pitchFamily="18" charset="0"/>
+                                </a:rPr>
+                              </m:ctrlPr>
+                            </m:sSubPr>
+                            <m:e>
+                              <m:r>
+                                <m:rPr>
+                                  <m:sty m:val="p"/>
+                                </m:rPr>
+                                <a:rPr kumimoji="1" lang="en-US" altLang="ja-JP" sz="1200" b="0" i="0" smtClean="0">
+                                  <a:latin typeface="Cambria Math" panose="02040503050406030204" pitchFamily="18" charset="0"/>
+                                </a:rPr>
+                                <m:t>C</m:t>
+                              </m:r>
+                            </m:e>
+                            <m:sub>
+                              <m:r>
+                                <a:rPr kumimoji="1" lang="en-US" altLang="ja-JP" sz="1200" b="0" i="0" smtClean="0">
+                                  <a:latin typeface="Cambria Math" panose="02040503050406030204" pitchFamily="18" charset="0"/>
+                                </a:rPr>
+                                <m:t>1</m:t>
+                              </m:r>
+                            </m:sub>
+                          </m:sSub>
+                          <m:sSub>
+                            <m:sSubPr>
+                              <m:ctrlPr>
+                                <a:rPr kumimoji="1" lang="en-US" altLang="ja-JP" sz="1200" b="0" i="0" smtClean="0">
+                                  <a:latin typeface="Cambria Math" panose="02040503050406030204" pitchFamily="18" charset="0"/>
+                                </a:rPr>
+                              </m:ctrlPr>
+                            </m:sSubPr>
+                            <m:e>
+                              <m:r>
+                                <m:rPr>
+                                  <m:sty m:val="p"/>
+                                </m:rPr>
+                                <a:rPr kumimoji="1" lang="en-US" altLang="ja-JP" sz="1200" b="0" i="0" smtClean="0">
+                                  <a:latin typeface="Cambria Math" panose="02040503050406030204" pitchFamily="18" charset="0"/>
+                                </a:rPr>
+                                <m:t>G</m:t>
+                              </m:r>
+                            </m:e>
+                            <m:sub>
+                              <m:r>
+                                <a:rPr kumimoji="1" lang="en-US" altLang="ja-JP" sz="1200" b="0" i="0" smtClean="0">
+                                  <a:latin typeface="Cambria Math" panose="02040503050406030204" pitchFamily="18" charset="0"/>
+                                </a:rPr>
+                                <m:t>2</m:t>
+                              </m:r>
+                            </m:sub>
+                          </m:sSub>
+                          <m:r>
+                            <a:rPr kumimoji="1" lang="en-US" altLang="ja-JP" sz="1200" b="0" i="0" smtClean="0">
+                              <a:latin typeface="Cambria Math" panose="02040503050406030204" pitchFamily="18" charset="0"/>
+                            </a:rPr>
+                            <m:t>+</m:t>
+                          </m:r>
+                          <m:sSub>
+                            <m:sSubPr>
+                              <m:ctrlPr>
+                                <a:rPr kumimoji="1" lang="en-US" altLang="ja-JP" sz="1200" b="0" i="0" smtClean="0">
+                                  <a:latin typeface="Cambria Math" panose="02040503050406030204" pitchFamily="18" charset="0"/>
+                                </a:rPr>
+                              </m:ctrlPr>
+                            </m:sSubPr>
+                            <m:e>
+                              <m:r>
+                                <m:rPr>
+                                  <m:sty m:val="p"/>
+                                </m:rPr>
+                                <a:rPr kumimoji="1" lang="en-US" altLang="ja-JP" sz="1200" b="0" i="0" smtClean="0">
+                                  <a:latin typeface="Cambria Math" panose="02040503050406030204" pitchFamily="18" charset="0"/>
+                                </a:rPr>
+                                <m:t>C</m:t>
+                              </m:r>
+                            </m:e>
+                            <m:sub>
+                              <m:r>
+                                <a:rPr kumimoji="1" lang="en-US" altLang="ja-JP" sz="1200" b="0" i="0" smtClean="0">
+                                  <a:latin typeface="Cambria Math" panose="02040503050406030204" pitchFamily="18" charset="0"/>
+                                </a:rPr>
+                                <m:t>2</m:t>
+                              </m:r>
+                            </m:sub>
+                          </m:sSub>
+                          <m:sSub>
+                            <m:sSubPr>
+                              <m:ctrlPr>
+                                <a:rPr kumimoji="1" lang="en-US" altLang="ja-JP" sz="1200" b="0" i="0" smtClean="0">
+                                  <a:latin typeface="Cambria Math" panose="02040503050406030204" pitchFamily="18" charset="0"/>
+                                </a:rPr>
+                              </m:ctrlPr>
+                            </m:sSubPr>
+                            <m:e>
+                              <m:r>
+                                <m:rPr>
+                                  <m:sty m:val="p"/>
+                                </m:rPr>
+                                <a:rPr kumimoji="1" lang="en-US" altLang="ja-JP" sz="1200" b="0" i="0" smtClean="0">
+                                  <a:latin typeface="Cambria Math" panose="02040503050406030204" pitchFamily="18" charset="0"/>
+                                </a:rPr>
+                                <m:t>g</m:t>
+                              </m:r>
+                            </m:e>
+                            <m:sub>
+                              <m:r>
+                                <m:rPr>
+                                  <m:sty m:val="p"/>
+                                </m:rPr>
+                                <a:rPr kumimoji="1" lang="en-US" altLang="ja-JP" sz="1200" b="0" i="0" smtClean="0">
+                                  <a:latin typeface="Cambria Math" panose="02040503050406030204" pitchFamily="18" charset="0"/>
+                                </a:rPr>
+                                <m:t>ce</m:t>
+                              </m:r>
+                              <m:r>
+                                <a:rPr kumimoji="1" lang="en-US" altLang="ja-JP" sz="1200" b="0" i="0" smtClean="0">
+                                  <a:latin typeface="Cambria Math" panose="02040503050406030204" pitchFamily="18" charset="0"/>
+                                </a:rPr>
+                                <m:t>1</m:t>
+                              </m:r>
+                            </m:sub>
+                          </m:sSub>
+                        </m:e>
+                      </m:d>
+                    </m:oMath>
+                  </m:oMathPara>
+                </a14:m>
+                <a:endParaRPr kumimoji="1" lang="en-US" altLang="ja-JP" sz="1200" dirty="0">
+                  <a:latin typeface="Times Newer Roman" panose="00000500000000000000" pitchFamily="50" charset="0"/>
+                </a:endParaRPr>
+              </a:p>
+              <a:p>
+                <a:endParaRPr kumimoji="1" lang="en-US" altLang="ja-JP" sz="1200" dirty="0">
                   <a:latin typeface="Times Newer Roman" panose="00000500000000000000" pitchFamily="50" charset="0"/>
                 </a:endParaRPr>
               </a:p>
@@ -12343,7 +14682,7 @@
                       <m:f>
                         <m:fPr>
                           <m:ctrlPr>
-                            <a:rPr kumimoji="1" lang="en-US" altLang="ja-JP" b="0" i="1" smtClean="0">
+                            <a:rPr kumimoji="1" lang="en-US" altLang="ja-JP" sz="1200" b="0" i="1" smtClean="0">
                               <a:latin typeface="Cambria Math" panose="02040503050406030204" pitchFamily="18" charset="0"/>
                             </a:rPr>
                           </m:ctrlPr>
@@ -12352,54 +14691,549 @@
                           <m:sSub>
                             <m:sSubPr>
                               <m:ctrlPr>
-                                <a:rPr kumimoji="1" lang="en-US" altLang="ja-JP" b="0" i="1" smtClean="0">
+                                <a:rPr lang="en-US" altLang="ja-JP" sz="1200" i="1">
                                   <a:latin typeface="Cambria Math" panose="02040503050406030204" pitchFamily="18" charset="0"/>
                                 </a:rPr>
                               </m:ctrlPr>
                             </m:sSubPr>
                             <m:e>
                               <m:r>
-                                <a:rPr kumimoji="1" lang="en-US" altLang="ja-JP" b="0" i="1" smtClean="0">
-                                  <a:latin typeface="Cambria Math" panose="02040503050406030204" pitchFamily="18" charset="0"/>
-                                </a:rPr>
-                                <m:t>𝑔</m:t>
+                                <a:rPr lang="en-US" altLang="ja-JP" sz="1200" i="1">
+                                  <a:latin typeface="Cambria Math" panose="02040503050406030204" pitchFamily="18" charset="0"/>
+                                </a:rPr>
+                                <m:t>𝐺</m:t>
                               </m:r>
                             </m:e>
                             <m:sub>
                               <m:r>
-                                <a:rPr kumimoji="1" lang="en-US" altLang="ja-JP" b="0" i="1" smtClean="0">
-                                  <a:latin typeface="Cambria Math" panose="02040503050406030204" pitchFamily="18" charset="0"/>
-                                </a:rPr>
-                                <m:t>𝑐</m:t>
-                              </m:r>
-                              <m:r>
-                                <a:rPr kumimoji="1" lang="en-US" altLang="ja-JP" b="0" i="1" smtClean="0">
-                                  <a:latin typeface="Cambria Math" panose="02040503050406030204" pitchFamily="18" charset="0"/>
-                                </a:rPr>
-                                <m:t>1</m:t>
+                                <a:rPr lang="en-US" altLang="ja-JP" sz="1200" i="1">
+                                  <a:latin typeface="Cambria Math" panose="02040503050406030204" pitchFamily="18" charset="0"/>
+                                </a:rPr>
+                                <m:t>3</m:t>
                               </m:r>
                             </m:sub>
                           </m:sSub>
+                          <m:r>
+                            <a:rPr lang="en-US" altLang="ja-JP" sz="1200" i="1">
+                              <a:latin typeface="Cambria Math" panose="02040503050406030204" pitchFamily="18" charset="0"/>
+                            </a:rPr>
+                            <m:t>−</m:t>
+                          </m:r>
+                          <m:r>
+                            <a:rPr lang="en-US" altLang="ja-JP" sz="1200" i="1">
+                              <a:latin typeface="Cambria Math" panose="02040503050406030204" pitchFamily="18" charset="0"/>
+                            </a:rPr>
+                            <m:t>𝑗</m:t>
+                          </m:r>
+                          <m:r>
+                            <a:rPr lang="en-US" altLang="ja-JP" sz="1200" i="1">
+                              <a:latin typeface="Cambria Math" panose="02040503050406030204" pitchFamily="18" charset="0"/>
+                            </a:rPr>
+                            <m:t>𝜔</m:t>
+                          </m:r>
                           <m:d>
                             <m:dPr>
+                              <m:begChr m:val=""/>
+                              <m:endChr m:val="]"/>
                               <m:ctrlPr>
-                                <a:rPr kumimoji="1" lang="en-US" altLang="ja-JP" b="0" i="1" smtClean="0">
+                                <a:rPr lang="en-US" altLang="ja-JP" sz="1200" i="1">
                                   <a:latin typeface="Cambria Math" panose="02040503050406030204" pitchFamily="18" charset="0"/>
                                 </a:rPr>
                               </m:ctrlPr>
                             </m:dPr>
                             <m:e>
+                              <m:d>
+                                <m:dPr>
+                                  <m:begChr m:val="["/>
+                                  <m:endChr m:val=""/>
+                                  <m:ctrlPr>
+                                    <a:rPr lang="en-US" altLang="ja-JP" sz="1200" i="1">
+                                      <a:latin typeface="Cambria Math" panose="02040503050406030204" pitchFamily="18" charset="0"/>
+                                    </a:rPr>
+                                  </m:ctrlPr>
+                                </m:dPr>
+                                <m:e>
+                                  <m:d>
+                                    <m:dPr>
+                                      <m:ctrlPr>
+                                        <a:rPr lang="en-US" altLang="ja-JP" sz="1200" i="1">
+                                          <a:latin typeface="Cambria Math" panose="02040503050406030204" pitchFamily="18" charset="0"/>
+                                        </a:rPr>
+                                      </m:ctrlPr>
+                                    </m:dPr>
+                                    <m:e>
+                                      <m:sSub>
+                                        <m:sSubPr>
+                                          <m:ctrlPr>
+                                            <a:rPr lang="en-US" altLang="ja-JP" sz="1200" i="1">
+                                              <a:latin typeface="Cambria Math" panose="02040503050406030204" pitchFamily="18" charset="0"/>
+                                            </a:rPr>
+                                          </m:ctrlPr>
+                                        </m:sSubPr>
+                                        <m:e>
+                                          <m:r>
+                                            <a:rPr lang="en-US" altLang="ja-JP" sz="1200" i="1">
+                                              <a:latin typeface="Cambria Math" panose="02040503050406030204" pitchFamily="18" charset="0"/>
+                                            </a:rPr>
+                                            <m:t>𝐺</m:t>
+                                          </m:r>
+                                        </m:e>
+                                        <m:sub>
+                                          <m:r>
+                                            <a:rPr lang="en-US" altLang="ja-JP" sz="1200" i="1">
+                                              <a:latin typeface="Cambria Math" panose="02040503050406030204" pitchFamily="18" charset="0"/>
+                                            </a:rPr>
+                                            <m:t>𝑐</m:t>
+                                          </m:r>
+                                          <m:r>
+                                            <a:rPr lang="en-US" altLang="ja-JP" sz="1200" i="1">
+                                              <a:latin typeface="Cambria Math" panose="02040503050406030204" pitchFamily="18" charset="0"/>
+                                            </a:rPr>
+                                            <m:t>2</m:t>
+                                          </m:r>
+                                        </m:sub>
+                                      </m:sSub>
+                                      <m:r>
+                                        <a:rPr lang="en-US" altLang="ja-JP" sz="1200" i="1">
+                                          <a:latin typeface="Cambria Math" panose="02040503050406030204" pitchFamily="18" charset="0"/>
+                                        </a:rPr>
+                                        <m:t>+</m:t>
+                                      </m:r>
+                                      <m:sSub>
+                                        <m:sSubPr>
+                                          <m:ctrlPr>
+                                            <a:rPr lang="en-US" altLang="ja-JP" sz="1200" i="1">
+                                              <a:latin typeface="Cambria Math" panose="02040503050406030204" pitchFamily="18" charset="0"/>
+                                            </a:rPr>
+                                          </m:ctrlPr>
+                                        </m:sSubPr>
+                                        <m:e>
+                                          <m:r>
+                                            <a:rPr lang="en-US" altLang="ja-JP" sz="1200" i="1">
+                                              <a:latin typeface="Cambria Math" panose="02040503050406030204" pitchFamily="18" charset="0"/>
+                                            </a:rPr>
+                                            <m:t>𝑔</m:t>
+                                          </m:r>
+                                        </m:e>
+                                        <m:sub>
+                                          <m:r>
+                                            <a:rPr lang="en-US" altLang="ja-JP" sz="1200" i="1">
+                                              <a:latin typeface="Cambria Math" panose="02040503050406030204" pitchFamily="18" charset="0"/>
+                                            </a:rPr>
+                                            <m:t>𝑐𝑒</m:t>
+                                          </m:r>
+                                          <m:r>
+                                            <a:rPr lang="en-US" altLang="ja-JP" sz="1200" i="1">
+                                              <a:latin typeface="Cambria Math" panose="02040503050406030204" pitchFamily="18" charset="0"/>
+                                            </a:rPr>
+                                            <m:t>2</m:t>
+                                          </m:r>
+                                        </m:sub>
+                                      </m:sSub>
+                                    </m:e>
+                                  </m:d>
+                                  <m:d>
+                                    <m:dPr>
+                                      <m:ctrlPr>
+                                        <a:rPr lang="en-US" altLang="ja-JP" sz="1200" i="1">
+                                          <a:latin typeface="Cambria Math" panose="02040503050406030204" pitchFamily="18" charset="0"/>
+                                        </a:rPr>
+                                      </m:ctrlPr>
+                                    </m:dPr>
+                                    <m:e>
+                                      <m:sSub>
+                                        <m:sSubPr>
+                                          <m:ctrlPr>
+                                            <a:rPr lang="en-US" altLang="ja-JP" sz="1200" i="1">
+                                              <a:latin typeface="Cambria Math" panose="02040503050406030204" pitchFamily="18" charset="0"/>
+                                            </a:rPr>
+                                          </m:ctrlPr>
+                                        </m:sSubPr>
+                                        <m:e>
+                                          <m:r>
+                                            <a:rPr lang="en-US" altLang="ja-JP" sz="1200" i="1">
+                                              <a:latin typeface="Cambria Math" panose="02040503050406030204" pitchFamily="18" charset="0"/>
+                                            </a:rPr>
+                                            <m:t>𝐶</m:t>
+                                          </m:r>
+                                        </m:e>
+                                        <m:sub>
+                                          <m:r>
+                                            <a:rPr lang="en-US" altLang="ja-JP" sz="1200" i="1">
+                                              <a:latin typeface="Cambria Math" panose="02040503050406030204" pitchFamily="18" charset="0"/>
+                                            </a:rPr>
+                                            <m:t>1</m:t>
+                                          </m:r>
+                                        </m:sub>
+                                      </m:sSub>
+                                      <m:sSub>
+                                        <m:sSubPr>
+                                          <m:ctrlPr>
+                                            <a:rPr lang="en-US" altLang="ja-JP" sz="1200" i="1">
+                                              <a:latin typeface="Cambria Math" panose="02040503050406030204" pitchFamily="18" charset="0"/>
+                                            </a:rPr>
+                                          </m:ctrlPr>
+                                        </m:sSubPr>
+                                        <m:e>
+                                          <m:r>
+                                            <a:rPr lang="en-US" altLang="ja-JP" sz="1200" i="1">
+                                              <a:latin typeface="Cambria Math" panose="02040503050406030204" pitchFamily="18" charset="0"/>
+                                            </a:rPr>
+                                            <m:t>𝐺</m:t>
+                                          </m:r>
+                                        </m:e>
+                                        <m:sub>
+                                          <m:r>
+                                            <a:rPr lang="en-US" altLang="ja-JP" sz="1200" i="1">
+                                              <a:latin typeface="Cambria Math" panose="02040503050406030204" pitchFamily="18" charset="0"/>
+                                            </a:rPr>
+                                            <m:t>2</m:t>
+                                          </m:r>
+                                        </m:sub>
+                                      </m:sSub>
+                                      <m:r>
+                                        <a:rPr lang="en-US" altLang="ja-JP" sz="1200" i="1">
+                                          <a:latin typeface="Cambria Math" panose="02040503050406030204" pitchFamily="18" charset="0"/>
+                                        </a:rPr>
+                                        <m:t>+</m:t>
+                                      </m:r>
+                                      <m:sSub>
+                                        <m:sSubPr>
+                                          <m:ctrlPr>
+                                            <a:rPr lang="en-US" altLang="ja-JP" sz="1200" i="1">
+                                              <a:latin typeface="Cambria Math" panose="02040503050406030204" pitchFamily="18" charset="0"/>
+                                            </a:rPr>
+                                          </m:ctrlPr>
+                                        </m:sSubPr>
+                                        <m:e>
+                                          <m:r>
+                                            <a:rPr lang="en-US" altLang="ja-JP" sz="1200" i="1">
+                                              <a:latin typeface="Cambria Math" panose="02040503050406030204" pitchFamily="18" charset="0"/>
+                                            </a:rPr>
+                                            <m:t>𝐶</m:t>
+                                          </m:r>
+                                        </m:e>
+                                        <m:sub>
+                                          <m:r>
+                                            <a:rPr lang="en-US" altLang="ja-JP" sz="1200" i="1">
+                                              <a:latin typeface="Cambria Math" panose="02040503050406030204" pitchFamily="18" charset="0"/>
+                                            </a:rPr>
+                                            <m:t>2</m:t>
+                                          </m:r>
+                                        </m:sub>
+                                      </m:sSub>
+                                      <m:sSub>
+                                        <m:sSubPr>
+                                          <m:ctrlPr>
+                                            <a:rPr lang="en-US" altLang="ja-JP" sz="1200" i="1">
+                                              <a:latin typeface="Cambria Math" panose="02040503050406030204" pitchFamily="18" charset="0"/>
+                                            </a:rPr>
+                                          </m:ctrlPr>
+                                        </m:sSubPr>
+                                        <m:e>
+                                          <m:r>
+                                            <a:rPr lang="en-US" altLang="ja-JP" sz="1200" i="1">
+                                              <a:latin typeface="Cambria Math" panose="02040503050406030204" pitchFamily="18" charset="0"/>
+                                            </a:rPr>
+                                            <m:t>𝑔</m:t>
+                                          </m:r>
+                                        </m:e>
+                                        <m:sub>
+                                          <m:r>
+                                            <a:rPr lang="en-US" altLang="ja-JP" sz="1200" i="1">
+                                              <a:latin typeface="Cambria Math" panose="02040503050406030204" pitchFamily="18" charset="0"/>
+                                            </a:rPr>
+                                            <m:t>𝑐𝑒</m:t>
+                                          </m:r>
+                                          <m:r>
+                                            <a:rPr lang="en-US" altLang="ja-JP" sz="1200" i="1">
+                                              <a:latin typeface="Cambria Math" panose="02040503050406030204" pitchFamily="18" charset="0"/>
+                                            </a:rPr>
+                                            <m:t>1</m:t>
+                                          </m:r>
+                                        </m:sub>
+                                      </m:sSub>
+                                    </m:e>
+                                  </m:d>
+                                  <m:r>
+                                    <a:rPr lang="en-US" altLang="ja-JP" sz="1200" i="1">
+                                      <a:latin typeface="Cambria Math" panose="02040503050406030204" pitchFamily="18" charset="0"/>
+                                    </a:rPr>
+                                    <m:t>+</m:t>
+                                  </m:r>
+                                  <m:sSub>
+                                    <m:sSubPr>
+                                      <m:ctrlPr>
+                                        <a:rPr lang="en-US" altLang="ja-JP" sz="1200" i="1">
+                                          <a:latin typeface="Cambria Math" panose="02040503050406030204" pitchFamily="18" charset="0"/>
+                                        </a:rPr>
+                                      </m:ctrlPr>
+                                    </m:sSubPr>
+                                    <m:e>
+                                      <m:r>
+                                        <a:rPr lang="en-US" altLang="ja-JP" sz="1200" i="1">
+                                          <a:latin typeface="Cambria Math" panose="02040503050406030204" pitchFamily="18" charset="0"/>
+                                        </a:rPr>
+                                        <m:t>𝐶</m:t>
+                                      </m:r>
+                                    </m:e>
+                                    <m:sub>
+                                      <m:r>
+                                        <a:rPr lang="en-US" altLang="ja-JP" sz="1200" i="1">
+                                          <a:latin typeface="Cambria Math" panose="02040503050406030204" pitchFamily="18" charset="0"/>
+                                        </a:rPr>
+                                        <m:t>𝑗𝑐</m:t>
+                                      </m:r>
+                                      <m:r>
+                                        <a:rPr lang="en-US" altLang="ja-JP" sz="1200" i="1">
+                                          <a:latin typeface="Cambria Math" panose="02040503050406030204" pitchFamily="18" charset="0"/>
+                                        </a:rPr>
+                                        <m:t>2</m:t>
+                                      </m:r>
+                                    </m:sub>
+                                  </m:sSub>
+                                  <m:d>
+                                    <m:dPr>
+                                      <m:begChr m:val=""/>
+                                      <m:endChr m:val="}"/>
+                                      <m:ctrlPr>
+                                        <a:rPr lang="en-US" altLang="ja-JP" sz="1200" i="1">
+                                          <a:latin typeface="Cambria Math" panose="02040503050406030204" pitchFamily="18" charset="0"/>
+                                        </a:rPr>
+                                      </m:ctrlPr>
+                                    </m:dPr>
+                                    <m:e>
+                                      <m:d>
+                                        <m:dPr>
+                                          <m:begChr m:val="{"/>
+                                          <m:endChr m:val=""/>
+                                          <m:ctrlPr>
+                                            <a:rPr lang="en-US" altLang="ja-JP" sz="1200" i="1">
+                                              <a:latin typeface="Cambria Math" panose="02040503050406030204" pitchFamily="18" charset="0"/>
+                                            </a:rPr>
+                                          </m:ctrlPr>
+                                        </m:dPr>
+                                        <m:e>
+                                          <m:sSub>
+                                            <m:sSubPr>
+                                              <m:ctrlPr>
+                                                <a:rPr lang="en-US" altLang="ja-JP" sz="1200" i="1">
+                                                  <a:latin typeface="Cambria Math" panose="02040503050406030204" pitchFamily="18" charset="0"/>
+                                                </a:rPr>
+                                              </m:ctrlPr>
+                                            </m:sSubPr>
+                                            <m:e>
+                                              <m:r>
+                                                <a:rPr lang="en-US" altLang="ja-JP" sz="1200" i="1">
+                                                  <a:latin typeface="Cambria Math" panose="02040503050406030204" pitchFamily="18" charset="0"/>
+                                                </a:rPr>
+                                                <m:t>𝑔</m:t>
+                                              </m:r>
+                                            </m:e>
+                                            <m:sub>
+                                              <m:r>
+                                                <a:rPr lang="en-US" altLang="ja-JP" sz="1200" i="1">
+                                                  <a:latin typeface="Cambria Math" panose="02040503050406030204" pitchFamily="18" charset="0"/>
+                                                </a:rPr>
+                                                <m:t>𝑐</m:t>
+                                              </m:r>
+                                              <m:r>
+                                                <a:rPr lang="en-US" altLang="ja-JP" sz="1200" i="1">
+                                                  <a:latin typeface="Cambria Math" panose="02040503050406030204" pitchFamily="18" charset="0"/>
+                                                </a:rPr>
+                                                <m:t>1</m:t>
+                                              </m:r>
+                                            </m:sub>
+                                          </m:sSub>
+                                          <m:d>
+                                            <m:dPr>
+                                              <m:ctrlPr>
+                                                <a:rPr lang="en-US" altLang="ja-JP" sz="1200" i="1">
+                                                  <a:latin typeface="Cambria Math" panose="02040503050406030204" pitchFamily="18" charset="0"/>
+                                                </a:rPr>
+                                              </m:ctrlPr>
+                                            </m:dPr>
+                                            <m:e>
+                                              <m:sSub>
+                                                <m:sSubPr>
+                                                  <m:ctrlPr>
+                                                    <a:rPr lang="en-US" altLang="ja-JP" sz="1200" i="1">
+                                                      <a:latin typeface="Cambria Math" panose="02040503050406030204" pitchFamily="18" charset="0"/>
+                                                    </a:rPr>
+                                                  </m:ctrlPr>
+                                                </m:sSubPr>
+                                                <m:e>
+                                                  <m:r>
+                                                    <a:rPr lang="en-US" altLang="ja-JP" sz="1200" i="1">
+                                                      <a:latin typeface="Cambria Math" panose="02040503050406030204" pitchFamily="18" charset="0"/>
+                                                    </a:rPr>
+                                                    <m:t>𝑔</m:t>
+                                                  </m:r>
+                                                </m:e>
+                                                <m:sub>
+                                                  <m:r>
+                                                    <a:rPr lang="en-US" altLang="ja-JP" sz="1200" i="1">
+                                                      <a:latin typeface="Cambria Math" panose="02040503050406030204" pitchFamily="18" charset="0"/>
+                                                    </a:rPr>
+                                                    <m:t>𝑚</m:t>
+                                                  </m:r>
+                                                  <m:r>
+                                                    <a:rPr lang="en-US" altLang="ja-JP" sz="1200" i="1">
+                                                      <a:latin typeface="Cambria Math" panose="02040503050406030204" pitchFamily="18" charset="0"/>
+                                                    </a:rPr>
+                                                    <m:t>1</m:t>
+                                                  </m:r>
+                                                </m:sub>
+                                              </m:sSub>
+                                              <m:r>
+                                                <a:rPr lang="en-US" altLang="ja-JP" sz="1200" i="1">
+                                                  <a:latin typeface="Cambria Math" panose="02040503050406030204" pitchFamily="18" charset="0"/>
+                                                </a:rPr>
+                                                <m:t>+</m:t>
+                                              </m:r>
+                                              <m:sSub>
+                                                <m:sSubPr>
+                                                  <m:ctrlPr>
+                                                    <a:rPr lang="en-US" altLang="ja-JP" sz="1200" i="1">
+                                                      <a:latin typeface="Cambria Math" panose="02040503050406030204" pitchFamily="18" charset="0"/>
+                                                    </a:rPr>
+                                                  </m:ctrlPr>
+                                                </m:sSubPr>
+                                                <m:e>
+                                                  <m:r>
+                                                    <a:rPr lang="en-US" altLang="ja-JP" sz="1200" i="1">
+                                                      <a:latin typeface="Cambria Math" panose="02040503050406030204" pitchFamily="18" charset="0"/>
+                                                    </a:rPr>
+                                                    <m:t>𝑔</m:t>
+                                                  </m:r>
+                                                </m:e>
+                                                <m:sub>
+                                                  <m:r>
+                                                    <a:rPr lang="en-US" altLang="ja-JP" sz="1200" i="1">
+                                                      <a:latin typeface="Cambria Math" panose="02040503050406030204" pitchFamily="18" charset="0"/>
+                                                    </a:rPr>
+                                                    <m:t>𝑐𝑒</m:t>
+                                                  </m:r>
+                                                  <m:r>
+                                                    <a:rPr lang="en-US" altLang="ja-JP" sz="1200" i="1">
+                                                      <a:latin typeface="Cambria Math" panose="02040503050406030204" pitchFamily="18" charset="0"/>
+                                                    </a:rPr>
+                                                    <m:t>1</m:t>
+                                                  </m:r>
+                                                </m:sub>
+                                              </m:sSub>
+                                            </m:e>
+                                          </m:d>
+                                          <m:r>
+                                            <a:rPr lang="en-US" altLang="ja-JP" sz="1200" i="1">
+                                              <a:latin typeface="Cambria Math" panose="02040503050406030204" pitchFamily="18" charset="0"/>
+                                            </a:rPr>
+                                            <m:t>−</m:t>
+                                          </m:r>
+                                          <m:sSub>
+                                            <m:sSubPr>
+                                              <m:ctrlPr>
+                                                <a:rPr lang="en-US" altLang="ja-JP" sz="1200" i="1">
+                                                  <a:latin typeface="Cambria Math" panose="02040503050406030204" pitchFamily="18" charset="0"/>
+                                                </a:rPr>
+                                              </m:ctrlPr>
+                                            </m:sSubPr>
+                                            <m:e>
+                                              <m:r>
+                                                <a:rPr lang="en-US" altLang="ja-JP" sz="1200" i="1">
+                                                  <a:latin typeface="Cambria Math" panose="02040503050406030204" pitchFamily="18" charset="0"/>
+                                                </a:rPr>
+                                                <m:t>𝐺</m:t>
+                                              </m:r>
+                                            </m:e>
+                                            <m:sub>
+                                              <m:r>
+                                                <a:rPr lang="en-US" altLang="ja-JP" sz="1200" i="1">
+                                                  <a:latin typeface="Cambria Math" panose="02040503050406030204" pitchFamily="18" charset="0"/>
+                                                </a:rPr>
+                                                <m:t>1</m:t>
+                                              </m:r>
+                                            </m:sub>
+                                          </m:sSub>
+                                          <m:sSub>
+                                            <m:sSubPr>
+                                              <m:ctrlPr>
+                                                <a:rPr lang="en-US" altLang="ja-JP" sz="1200" i="1">
+                                                  <a:latin typeface="Cambria Math" panose="02040503050406030204" pitchFamily="18" charset="0"/>
+                                                </a:rPr>
+                                              </m:ctrlPr>
+                                            </m:sSubPr>
+                                            <m:e>
+                                              <m:r>
+                                                <a:rPr lang="en-US" altLang="ja-JP" sz="1200" i="1">
+                                                  <a:latin typeface="Cambria Math" panose="02040503050406030204" pitchFamily="18" charset="0"/>
+                                                </a:rPr>
+                                                <m:t>𝐺</m:t>
+                                              </m:r>
+                                            </m:e>
+                                            <m:sub>
+                                              <m:r>
+                                                <a:rPr lang="en-US" altLang="ja-JP" sz="1200" i="1">
+                                                  <a:latin typeface="Cambria Math" panose="02040503050406030204" pitchFamily="18" charset="0"/>
+                                                </a:rPr>
+                                                <m:t>2</m:t>
+                                              </m:r>
+                                            </m:sub>
+                                          </m:sSub>
+                                        </m:e>
+                                      </m:d>
+                                    </m:e>
+                                  </m:d>
+                                </m:e>
+                              </m:d>
+                              <m:r>
+                                <a:rPr lang="en-US" altLang="ja-JP" sz="1200" i="1">
+                                  <a:latin typeface="Cambria Math" panose="02040503050406030204" pitchFamily="18" charset="0"/>
+                                </a:rPr>
+                                <m:t>−</m:t>
+                              </m:r>
                               <m:sSub>
                                 <m:sSubPr>
                                   <m:ctrlPr>
-                                    <a:rPr kumimoji="1" lang="en-US" altLang="ja-JP" b="0" i="1" smtClean="0">
+                                    <a:rPr lang="en-US" altLang="ja-JP" sz="1200" i="1">
                                       <a:latin typeface="Cambria Math" panose="02040503050406030204" pitchFamily="18" charset="0"/>
                                     </a:rPr>
                                   </m:ctrlPr>
                                 </m:sSubPr>
                                 <m:e>
                                   <m:r>
-                                    <a:rPr kumimoji="1" lang="en-US" altLang="ja-JP" b="0" i="1" smtClean="0">
+                                    <a:rPr lang="en-US" altLang="ja-JP" sz="1200" i="1">
+                                      <a:latin typeface="Cambria Math" panose="02040503050406030204" pitchFamily="18" charset="0"/>
+                                    </a:rPr>
+                                    <m:t>𝐶</m:t>
+                                  </m:r>
+                                </m:e>
+                                <m:sub>
+                                  <m:r>
+                                    <a:rPr lang="en-US" altLang="ja-JP" sz="1200" i="1">
+                                      <a:latin typeface="Cambria Math" panose="02040503050406030204" pitchFamily="18" charset="0"/>
+                                    </a:rPr>
+                                    <m:t>𝑗𝑐</m:t>
+                                  </m:r>
+                                  <m:r>
+                                    <a:rPr lang="en-US" altLang="ja-JP" sz="1200" i="1">
+                                      <a:latin typeface="Cambria Math" panose="02040503050406030204" pitchFamily="18" charset="0"/>
+                                    </a:rPr>
+                                    <m:t>2</m:t>
+                                  </m:r>
+                                </m:sub>
+                              </m:sSub>
+                              <m:sSub>
+                                <m:sSubPr>
+                                  <m:ctrlPr>
+                                    <a:rPr lang="en-US" altLang="ja-JP" sz="1200" i="1">
+                                      <a:latin typeface="Cambria Math" panose="02040503050406030204" pitchFamily="18" charset="0"/>
+                                    </a:rPr>
+                                  </m:ctrlPr>
+                                </m:sSubPr>
+                                <m:e>
+                                  <m:r>
+                                    <a:rPr lang="en-US" altLang="ja-JP" sz="1200" i="1">
                                       <a:latin typeface="Cambria Math" panose="02040503050406030204" pitchFamily="18" charset="0"/>
                                     </a:rPr>
                                     <m:t>𝑔</m:t>
@@ -12407,50 +15241,38 @@
                                 </m:e>
                                 <m:sub>
                                   <m:r>
-                                    <a:rPr kumimoji="1" lang="en-US" altLang="ja-JP" b="0" i="1" smtClean="0">
+                                    <a:rPr lang="en-US" altLang="ja-JP" sz="1200" i="1">
                                       <a:latin typeface="Cambria Math" panose="02040503050406030204" pitchFamily="18" charset="0"/>
                                     </a:rPr>
                                     <m:t>𝑚</m:t>
                                   </m:r>
                                   <m:r>
-                                    <a:rPr kumimoji="1" lang="en-US" altLang="ja-JP" b="0" i="1" smtClean="0">
+                                    <a:rPr lang="en-US" altLang="ja-JP" sz="1200" i="1">
                                       <a:latin typeface="Cambria Math" panose="02040503050406030204" pitchFamily="18" charset="0"/>
                                     </a:rPr>
-                                    <m:t>1</m:t>
+                                    <m:t>2</m:t>
                                   </m:r>
                                 </m:sub>
                               </m:sSub>
-                              <m:r>
-                                <a:rPr kumimoji="1" lang="en-US" altLang="ja-JP" b="0" i="1" smtClean="0">
-                                  <a:latin typeface="Cambria Math" panose="02040503050406030204" pitchFamily="18" charset="0"/>
-                                </a:rPr>
-                                <m:t>+</m:t>
-                              </m:r>
                               <m:sSub>
                                 <m:sSubPr>
                                   <m:ctrlPr>
-                                    <a:rPr kumimoji="1" lang="en-US" altLang="ja-JP" b="0" i="1" smtClean="0">
+                                    <a:rPr lang="en-US" altLang="ja-JP" sz="1200" i="1">
                                       <a:latin typeface="Cambria Math" panose="02040503050406030204" pitchFamily="18" charset="0"/>
                                     </a:rPr>
                                   </m:ctrlPr>
                                 </m:sSubPr>
                                 <m:e>
                                   <m:r>
-                                    <a:rPr kumimoji="1" lang="en-US" altLang="ja-JP" b="0" i="1" smtClean="0">
+                                    <a:rPr lang="en-US" altLang="ja-JP" sz="1200" i="1">
                                       <a:latin typeface="Cambria Math" panose="02040503050406030204" pitchFamily="18" charset="0"/>
                                     </a:rPr>
-                                    <m:t>𝑔</m:t>
+                                    <m:t>𝐺</m:t>
                                   </m:r>
                                 </m:e>
                                 <m:sub>
                                   <m:r>
-                                    <a:rPr kumimoji="1" lang="en-US" altLang="ja-JP" b="0" i="1" smtClean="0">
-                                      <a:latin typeface="Cambria Math" panose="02040503050406030204" pitchFamily="18" charset="0"/>
-                                    </a:rPr>
-                                    <m:t>𝑐𝑒</m:t>
-                                  </m:r>
-                                  <m:r>
-                                    <a:rPr kumimoji="1" lang="en-US" altLang="ja-JP" b="0" i="1" smtClean="0">
+                                    <a:rPr lang="en-US" altLang="ja-JP" sz="1200" i="1">
                                       <a:latin typeface="Cambria Math" panose="02040503050406030204" pitchFamily="18" charset="0"/>
                                     </a:rPr>
                                     <m:t>1</m:t>
@@ -12460,30 +15282,309 @@
                             </m:e>
                           </m:d>
                           <m:r>
-                            <a:rPr kumimoji="1" lang="en-US" altLang="ja-JP" b="0" i="1" smtClean="0">
+                            <a:rPr lang="en-US" altLang="ja-JP" sz="1200" i="1">
                               <a:latin typeface="Cambria Math" panose="02040503050406030204" pitchFamily="18" charset="0"/>
                             </a:rPr>
                             <m:t>−</m:t>
                           </m:r>
+                          <m:sSup>
+                            <m:sSupPr>
+                              <m:ctrlPr>
+                                <a:rPr lang="en-US" altLang="ja-JP" sz="1200" i="1">
+                                  <a:latin typeface="Cambria Math" panose="02040503050406030204" pitchFamily="18" charset="0"/>
+                                </a:rPr>
+                              </m:ctrlPr>
+                            </m:sSupPr>
+                            <m:e>
+                              <m:r>
+                                <a:rPr lang="en-US" altLang="ja-JP" sz="1200" i="1">
+                                  <a:latin typeface="Cambria Math" panose="02040503050406030204" pitchFamily="18" charset="0"/>
+                                </a:rPr>
+                                <m:t>𝜔</m:t>
+                              </m:r>
+                            </m:e>
+                            <m:sup>
+                              <m:r>
+                                <a:rPr lang="en-US" altLang="ja-JP" sz="1200" i="1">
+                                  <a:latin typeface="Cambria Math" panose="02040503050406030204" pitchFamily="18" charset="0"/>
+                                </a:rPr>
+                                <m:t>2</m:t>
+                              </m:r>
+                            </m:sup>
+                          </m:sSup>
+                          <m:d>
+                            <m:dPr>
+                              <m:begChr m:val=""/>
+                              <m:endChr m:val="}"/>
+                              <m:ctrlPr>
+                                <a:rPr lang="en-US" altLang="ja-JP" sz="1200" i="1">
+                                  <a:latin typeface="Cambria Math" panose="02040503050406030204" pitchFamily="18" charset="0"/>
+                                </a:rPr>
+                              </m:ctrlPr>
+                            </m:dPr>
+                            <m:e>
+                              <m:d>
+                                <m:dPr>
+                                  <m:begChr m:val="{"/>
+                                  <m:endChr m:val=""/>
+                                  <m:ctrlPr>
+                                    <a:rPr lang="en-US" altLang="ja-JP" sz="1200" i="1">
+                                      <a:latin typeface="Cambria Math" panose="02040503050406030204" pitchFamily="18" charset="0"/>
+                                    </a:rPr>
+                                  </m:ctrlPr>
+                                </m:dPr>
+                                <m:e>
+                                  <m:sSub>
+                                    <m:sSubPr>
+                                      <m:ctrlPr>
+                                        <a:rPr lang="en-US" altLang="ja-JP" sz="1200" i="1">
+                                          <a:latin typeface="Cambria Math" panose="02040503050406030204" pitchFamily="18" charset="0"/>
+                                        </a:rPr>
+                                      </m:ctrlPr>
+                                    </m:sSubPr>
+                                    <m:e>
+                                      <m:r>
+                                        <a:rPr lang="en-US" altLang="ja-JP" sz="1200" i="1">
+                                          <a:latin typeface="Cambria Math" panose="02040503050406030204" pitchFamily="18" charset="0"/>
+                                        </a:rPr>
+                                        <m:t>𝐺</m:t>
+                                      </m:r>
+                                    </m:e>
+                                    <m:sub>
+                                      <m:r>
+                                        <a:rPr lang="en-US" altLang="ja-JP" sz="1200" i="1">
+                                          <a:latin typeface="Cambria Math" panose="02040503050406030204" pitchFamily="18" charset="0"/>
+                                        </a:rPr>
+                                        <m:t>4</m:t>
+                                      </m:r>
+                                    </m:sub>
+                                  </m:sSub>
+                                  <m:r>
+                                    <a:rPr lang="en-US" altLang="ja-JP" sz="1200" i="1">
+                                      <a:latin typeface="Cambria Math" panose="02040503050406030204" pitchFamily="18" charset="0"/>
+                                    </a:rPr>
+                                    <m:t>+</m:t>
+                                  </m:r>
+                                  <m:sSub>
+                                    <m:sSubPr>
+                                      <m:ctrlPr>
+                                        <a:rPr lang="en-US" altLang="ja-JP" sz="1200" i="1">
+                                          <a:latin typeface="Cambria Math" panose="02040503050406030204" pitchFamily="18" charset="0"/>
+                                        </a:rPr>
+                                      </m:ctrlPr>
+                                    </m:sSubPr>
+                                    <m:e>
+                                      <m:r>
+                                        <a:rPr lang="en-US" altLang="ja-JP" sz="1200" i="1">
+                                          <a:latin typeface="Cambria Math" panose="02040503050406030204" pitchFamily="18" charset="0"/>
+                                        </a:rPr>
+                                        <m:t>𝐶</m:t>
+                                      </m:r>
+                                    </m:e>
+                                    <m:sub>
+                                      <m:r>
+                                        <a:rPr lang="en-US" altLang="ja-JP" sz="1200" i="1">
+                                          <a:latin typeface="Cambria Math" panose="02040503050406030204" pitchFamily="18" charset="0"/>
+                                        </a:rPr>
+                                        <m:t>𝑗𝑐</m:t>
+                                      </m:r>
+                                      <m:r>
+                                        <a:rPr lang="en-US" altLang="ja-JP" sz="1200" i="1">
+                                          <a:latin typeface="Cambria Math" panose="02040503050406030204" pitchFamily="18" charset="0"/>
+                                        </a:rPr>
+                                        <m:t>2</m:t>
+                                      </m:r>
+                                    </m:sub>
+                                  </m:sSub>
+                                  <m:d>
+                                    <m:dPr>
+                                      <m:ctrlPr>
+                                        <a:rPr lang="en-US" altLang="ja-JP" sz="1200" i="1">
+                                          <a:latin typeface="Cambria Math" panose="02040503050406030204" pitchFamily="18" charset="0"/>
+                                        </a:rPr>
+                                      </m:ctrlPr>
+                                    </m:dPr>
+                                    <m:e>
+                                      <m:sSub>
+                                        <m:sSubPr>
+                                          <m:ctrlPr>
+                                            <a:rPr lang="en-US" altLang="ja-JP" sz="1200" i="1">
+                                              <a:latin typeface="Cambria Math" panose="02040503050406030204" pitchFamily="18" charset="0"/>
+                                            </a:rPr>
+                                          </m:ctrlPr>
+                                        </m:sSubPr>
+                                        <m:e>
+                                          <m:r>
+                                            <a:rPr lang="en-US" altLang="ja-JP" sz="1200" i="1">
+                                              <a:latin typeface="Cambria Math" panose="02040503050406030204" pitchFamily="18" charset="0"/>
+                                            </a:rPr>
+                                            <m:t>𝐺</m:t>
+                                          </m:r>
+                                        </m:e>
+                                        <m:sub>
+                                          <m:r>
+                                            <a:rPr lang="en-US" altLang="ja-JP" sz="1200" i="1">
+                                              <a:latin typeface="Cambria Math" panose="02040503050406030204" pitchFamily="18" charset="0"/>
+                                            </a:rPr>
+                                            <m:t>1</m:t>
+                                          </m:r>
+                                        </m:sub>
+                                      </m:sSub>
+                                      <m:sSub>
+                                        <m:sSubPr>
+                                          <m:ctrlPr>
+                                            <a:rPr lang="en-US" altLang="ja-JP" sz="1200" i="1">
+                                              <a:latin typeface="Cambria Math" panose="02040503050406030204" pitchFamily="18" charset="0"/>
+                                            </a:rPr>
+                                          </m:ctrlPr>
+                                        </m:sSubPr>
+                                        <m:e>
+                                          <m:r>
+                                            <a:rPr lang="en-US" altLang="ja-JP" sz="1200" i="1">
+                                              <a:latin typeface="Cambria Math" panose="02040503050406030204" pitchFamily="18" charset="0"/>
+                                            </a:rPr>
+                                            <m:t>𝐶</m:t>
+                                          </m:r>
+                                        </m:e>
+                                        <m:sub>
+                                          <m:r>
+                                            <a:rPr lang="en-US" altLang="ja-JP" sz="1200" i="1">
+                                              <a:latin typeface="Cambria Math" panose="02040503050406030204" pitchFamily="18" charset="0"/>
+                                            </a:rPr>
+                                            <m:t>𝑗𝑐</m:t>
+                                          </m:r>
+                                          <m:r>
+                                            <a:rPr lang="en-US" altLang="ja-JP" sz="1200" i="1">
+                                              <a:latin typeface="Cambria Math" panose="02040503050406030204" pitchFamily="18" charset="0"/>
+                                            </a:rPr>
+                                            <m:t>2</m:t>
+                                          </m:r>
+                                        </m:sub>
+                                      </m:sSub>
+                                      <m:r>
+                                        <a:rPr lang="en-US" altLang="ja-JP" sz="1200" i="1">
+                                          <a:latin typeface="Cambria Math" panose="02040503050406030204" pitchFamily="18" charset="0"/>
+                                        </a:rPr>
+                                        <m:t>−</m:t>
+                                      </m:r>
+                                      <m:sSub>
+                                        <m:sSubPr>
+                                          <m:ctrlPr>
+                                            <a:rPr lang="en-US" altLang="ja-JP" sz="1200" i="1">
+                                              <a:latin typeface="Cambria Math" panose="02040503050406030204" pitchFamily="18" charset="0"/>
+                                            </a:rPr>
+                                          </m:ctrlPr>
+                                        </m:sSubPr>
+                                        <m:e>
+                                          <m:r>
+                                            <a:rPr lang="en-US" altLang="ja-JP" sz="1200" i="1">
+                                              <a:latin typeface="Cambria Math" panose="02040503050406030204" pitchFamily="18" charset="0"/>
+                                            </a:rPr>
+                                            <m:t>𝑔</m:t>
+                                          </m:r>
+                                        </m:e>
+                                        <m:sub>
+                                          <m:r>
+                                            <a:rPr lang="en-US" altLang="ja-JP" sz="1200" i="1">
+                                              <a:latin typeface="Cambria Math" panose="02040503050406030204" pitchFamily="18" charset="0"/>
+                                            </a:rPr>
+                                            <m:t>𝑚</m:t>
+                                          </m:r>
+                                          <m:r>
+                                            <a:rPr lang="en-US" altLang="ja-JP" sz="1200" i="1">
+                                              <a:latin typeface="Cambria Math" panose="02040503050406030204" pitchFamily="18" charset="0"/>
+                                            </a:rPr>
+                                            <m:t>2</m:t>
+                                          </m:r>
+                                        </m:sub>
+                                      </m:sSub>
+                                      <m:sSub>
+                                        <m:sSubPr>
+                                          <m:ctrlPr>
+                                            <a:rPr lang="en-US" altLang="ja-JP" sz="1200" i="1">
+                                              <a:latin typeface="Cambria Math" panose="02040503050406030204" pitchFamily="18" charset="0"/>
+                                            </a:rPr>
+                                          </m:ctrlPr>
+                                        </m:sSubPr>
+                                        <m:e>
+                                          <m:r>
+                                            <a:rPr lang="en-US" altLang="ja-JP" sz="1200" i="1">
+                                              <a:latin typeface="Cambria Math" panose="02040503050406030204" pitchFamily="18" charset="0"/>
+                                            </a:rPr>
+                                            <m:t>𝐶</m:t>
+                                          </m:r>
+                                        </m:e>
+                                        <m:sub>
+                                          <m:r>
+                                            <a:rPr lang="en-US" altLang="ja-JP" sz="1200" i="1">
+                                              <a:latin typeface="Cambria Math" panose="02040503050406030204" pitchFamily="18" charset="0"/>
+                                            </a:rPr>
+                                            <m:t>1</m:t>
+                                          </m:r>
+                                        </m:sub>
+                                      </m:sSub>
+                                    </m:e>
+                                  </m:d>
+                                </m:e>
+                              </m:d>
+                            </m:e>
+                          </m:d>
+                          <m:r>
+                            <a:rPr lang="en-US" altLang="ja-JP" sz="1200" i="1">
+                              <a:latin typeface="Cambria Math" panose="02040503050406030204" pitchFamily="18" charset="0"/>
+                            </a:rPr>
+                            <m:t>−</m:t>
+                          </m:r>
+                          <m:r>
+                            <a:rPr lang="en-US" altLang="ja-JP" sz="1200" i="1">
+                              <a:latin typeface="Cambria Math" panose="02040503050406030204" pitchFamily="18" charset="0"/>
+                            </a:rPr>
+                            <m:t>𝑗</m:t>
+                          </m:r>
+                          <m:sSup>
+                            <m:sSupPr>
+                              <m:ctrlPr>
+                                <a:rPr lang="en-US" altLang="ja-JP" sz="1200" i="1">
+                                  <a:latin typeface="Cambria Math" panose="02040503050406030204" pitchFamily="18" charset="0"/>
+                                </a:rPr>
+                              </m:ctrlPr>
+                            </m:sSupPr>
+                            <m:e>
+                              <m:r>
+                                <a:rPr lang="en-US" altLang="ja-JP" sz="1200" i="1">
+                                  <a:latin typeface="Cambria Math" panose="02040503050406030204" pitchFamily="18" charset="0"/>
+                                </a:rPr>
+                                <m:t>𝜔</m:t>
+                              </m:r>
+                            </m:e>
+                            <m:sup>
+                              <m:r>
+                                <a:rPr lang="en-US" altLang="ja-JP" sz="1200" i="1">
+                                  <a:latin typeface="Cambria Math" panose="02040503050406030204" pitchFamily="18" charset="0"/>
+                                </a:rPr>
+                                <m:t>3</m:t>
+                              </m:r>
+                            </m:sup>
+                          </m:sSup>
                           <m:sSub>
                             <m:sSubPr>
                               <m:ctrlPr>
-                                <a:rPr kumimoji="1" lang="en-US" altLang="ja-JP" b="0" i="1" smtClean="0">
+                                <a:rPr lang="en-US" altLang="ja-JP" sz="1200" i="1">
                                   <a:latin typeface="Cambria Math" panose="02040503050406030204" pitchFamily="18" charset="0"/>
                                 </a:rPr>
                               </m:ctrlPr>
                             </m:sSubPr>
                             <m:e>
                               <m:r>
-                                <a:rPr kumimoji="1" lang="en-US" altLang="ja-JP" b="0" i="1" smtClean="0">
-                                  <a:latin typeface="Cambria Math" panose="02040503050406030204" pitchFamily="18" charset="0"/>
-                                </a:rPr>
-                                <m:t>𝐺</m:t>
+                                <a:rPr lang="en-US" altLang="ja-JP" sz="1200" i="1">
+                                  <a:latin typeface="Cambria Math" panose="02040503050406030204" pitchFamily="18" charset="0"/>
+                                </a:rPr>
+                                <m:t>𝐶</m:t>
                               </m:r>
                             </m:e>
                             <m:sub>
                               <m:r>
-                                <a:rPr kumimoji="1" lang="en-US" altLang="ja-JP" b="0" i="1" smtClean="0">
+                                <a:rPr lang="en-US" altLang="ja-JP" sz="1200" i="1">
                                   <a:latin typeface="Cambria Math" panose="02040503050406030204" pitchFamily="18" charset="0"/>
                                 </a:rPr>
                                 <m:t>1</m:t>
@@ -12493,22 +15594,28 @@
                           <m:sSub>
                             <m:sSubPr>
                               <m:ctrlPr>
-                                <a:rPr kumimoji="1" lang="en-US" altLang="ja-JP" b="0" i="1" smtClean="0">
+                                <a:rPr lang="en-US" altLang="ja-JP" sz="1200" i="1">
                                   <a:latin typeface="Cambria Math" panose="02040503050406030204" pitchFamily="18" charset="0"/>
                                 </a:rPr>
                               </m:ctrlPr>
                             </m:sSubPr>
                             <m:e>
                               <m:r>
-                                <a:rPr kumimoji="1" lang="en-US" altLang="ja-JP" b="0" i="1" smtClean="0">
-                                  <a:latin typeface="Cambria Math" panose="02040503050406030204" pitchFamily="18" charset="0"/>
-                                </a:rPr>
-                                <m:t>𝐺</m:t>
+                                <a:rPr lang="en-US" altLang="ja-JP" sz="1200" i="1">
+                                  <a:latin typeface="Cambria Math" panose="02040503050406030204" pitchFamily="18" charset="0"/>
+                                </a:rPr>
+                                <m:t>𝐶</m:t>
                               </m:r>
                             </m:e>
                             <m:sub>
                               <m:r>
-                                <a:rPr kumimoji="1" lang="en-US" altLang="ja-JP" b="0" i="1" smtClean="0">
+                                <a:rPr lang="en-US" altLang="ja-JP" sz="1200" i="1">
+                                  <a:latin typeface="Cambria Math" panose="02040503050406030204" pitchFamily="18" charset="0"/>
+                                </a:rPr>
+                                <m:t>𝑗𝑐</m:t>
+                              </m:r>
+                              <m:r>
+                                <a:rPr lang="en-US" altLang="ja-JP" sz="1200" i="1">
                                   <a:latin typeface="Cambria Math" panose="02040503050406030204" pitchFamily="18" charset="0"/>
                                 </a:rPr>
                                 <m:t>2</m:t>
@@ -12516,47 +15623,22 @@
                             </m:sub>
                           </m:sSub>
                           <m:r>
-                            <a:rPr kumimoji="1" lang="en-US" altLang="ja-JP" b="0" i="1" smtClean="0">
-                              <a:latin typeface="Cambria Math" panose="02040503050406030204" pitchFamily="18" charset="0"/>
-                            </a:rPr>
-                            <m:t>−</m:t>
-                          </m:r>
-                          <m:sSup>
-                            <m:sSupPr>
-                              <m:ctrlPr>
-                                <a:rPr kumimoji="1" lang="en-US" altLang="ja-JP" b="0" i="1" smtClean="0">
-                                  <a:latin typeface="Cambria Math" panose="02040503050406030204" pitchFamily="18" charset="0"/>
-                                </a:rPr>
-                              </m:ctrlPr>
-                            </m:sSupPr>
-                            <m:e>
-                              <m:r>
-                                <a:rPr kumimoji="1" lang="en-US" altLang="ja-JP" b="0" i="1" smtClean="0">
-                                  <a:latin typeface="Cambria Math" panose="02040503050406030204" pitchFamily="18" charset="0"/>
-                                </a:rPr>
-                                <m:t>𝜔</m:t>
-                              </m:r>
-                            </m:e>
-                            <m:sup>
-                              <m:r>
-                                <a:rPr kumimoji="1" lang="en-US" altLang="ja-JP" b="0" i="1" smtClean="0">
-                                  <a:latin typeface="Cambria Math" panose="02040503050406030204" pitchFamily="18" charset="0"/>
-                                </a:rPr>
-                                <m:t>2</m:t>
-                              </m:r>
-                            </m:sup>
-                          </m:sSup>
+                            <a:rPr lang="en-US" altLang="ja-JP" sz="1200" b="0" i="1" smtClean="0">
+                              <a:latin typeface="Cambria Math" panose="02040503050406030204" pitchFamily="18" charset="0"/>
+                            </a:rPr>
+                            <m:t>(</m:t>
+                          </m:r>
                           <m:sSub>
                             <m:sSubPr>
                               <m:ctrlPr>
-                                <a:rPr kumimoji="1" lang="en-US" altLang="ja-JP" b="0" i="1" smtClean="0">
+                                <a:rPr lang="en-US" altLang="ja-JP" sz="1200" b="0" i="1" smtClean="0">
                                   <a:latin typeface="Cambria Math" panose="02040503050406030204" pitchFamily="18" charset="0"/>
                                 </a:rPr>
                               </m:ctrlPr>
                             </m:sSubPr>
                             <m:e>
                               <m:r>
-                                <a:rPr kumimoji="1" lang="en-US" altLang="ja-JP" b="0" i="1" smtClean="0">
+                                <a:rPr lang="en-US" altLang="ja-JP" sz="1200" b="0" i="1" smtClean="0">
                                   <a:latin typeface="Cambria Math" panose="02040503050406030204" pitchFamily="18" charset="0"/>
                                 </a:rPr>
                                 <m:t>𝐶</m:t>
@@ -12564,52 +15646,134 @@
                             </m:e>
                             <m:sub>
                               <m:r>
-                                <a:rPr kumimoji="1" lang="en-US" altLang="ja-JP" b="0" i="1" smtClean="0">
-                                  <a:latin typeface="Cambria Math" panose="02040503050406030204" pitchFamily="18" charset="0"/>
-                                </a:rPr>
-                                <m:t>1</m:t>
+                                <a:rPr lang="en-US" altLang="ja-JP" sz="1200" b="0" i="1" smtClean="0">
+                                  <a:latin typeface="Cambria Math" panose="02040503050406030204" pitchFamily="18" charset="0"/>
+                                </a:rPr>
+                                <m:t>2</m:t>
+                              </m:r>
+                            </m:sub>
+                          </m:sSub>
+                          <m:r>
+                            <a:rPr lang="en-US" altLang="ja-JP" sz="1200" b="0" i="1" smtClean="0">
+                              <a:latin typeface="Cambria Math" panose="02040503050406030204" pitchFamily="18" charset="0"/>
+                            </a:rPr>
+                            <m:t>−</m:t>
+                          </m:r>
+                          <m:sSub>
+                            <m:sSubPr>
+                              <m:ctrlPr>
+                                <a:rPr lang="en-US" altLang="ja-JP" sz="1200" b="0" i="1" smtClean="0">
+                                  <a:latin typeface="Cambria Math" panose="02040503050406030204" pitchFamily="18" charset="0"/>
+                                </a:rPr>
+                              </m:ctrlPr>
+                            </m:sSubPr>
+                            <m:e>
+                              <m:r>
+                                <a:rPr lang="en-US" altLang="ja-JP" sz="1200" b="0" i="1" smtClean="0">
+                                  <a:latin typeface="Cambria Math" panose="02040503050406030204" pitchFamily="18" charset="0"/>
+                                </a:rPr>
+                                <m:t>𝐶</m:t>
+                              </m:r>
+                            </m:e>
+                            <m:sub>
+                              <m:r>
+                                <a:rPr lang="en-US" altLang="ja-JP" sz="1200" b="0" i="1" smtClean="0">
+                                  <a:latin typeface="Cambria Math" panose="02040503050406030204" pitchFamily="18" charset="0"/>
+                                </a:rPr>
+                                <m:t>𝑗𝑐</m:t>
+                              </m:r>
+                              <m:r>
+                                <a:rPr lang="en-US" altLang="ja-JP" sz="1200" b="0" i="1" smtClean="0">
+                                  <a:latin typeface="Cambria Math" panose="02040503050406030204" pitchFamily="18" charset="0"/>
+                                </a:rPr>
+                                <m:t>2</m:t>
+                              </m:r>
+                            </m:sub>
+                          </m:sSub>
+                          <m:r>
+                            <a:rPr lang="en-US" altLang="ja-JP" sz="1200" b="0" i="1" smtClean="0">
+                              <a:latin typeface="Cambria Math" panose="02040503050406030204" pitchFamily="18" charset="0"/>
+                            </a:rPr>
+                            <m:t>)</m:t>
+                          </m:r>
+                        </m:num>
+                        <m:den>
+                          <m:r>
+                            <a:rPr lang="en-US" altLang="ja-JP" sz="1200" i="1">
+                              <a:latin typeface="Cambria Math" panose="02040503050406030204" pitchFamily="18" charset="0"/>
+                            </a:rPr>
+                            <m:t>−</m:t>
+                          </m:r>
+                          <m:sSub>
+                            <m:sSubPr>
+                              <m:ctrlPr>
+                                <a:rPr lang="en-US" altLang="ja-JP" sz="1200" i="1">
+                                  <a:latin typeface="Cambria Math" panose="02040503050406030204" pitchFamily="18" charset="0"/>
+                                </a:rPr>
+                              </m:ctrlPr>
+                            </m:sSubPr>
+                            <m:e>
+                              <m:r>
+                                <a:rPr lang="en-US" altLang="ja-JP" sz="1200" i="1">
+                                  <a:latin typeface="Cambria Math" panose="02040503050406030204" pitchFamily="18" charset="0"/>
+                                </a:rPr>
+                                <m:t>𝑔</m:t>
+                              </m:r>
+                            </m:e>
+                            <m:sub>
+                              <m:r>
+                                <a:rPr lang="en-US" altLang="ja-JP" sz="1200" i="1">
+                                  <a:latin typeface="Cambria Math" panose="02040503050406030204" pitchFamily="18" charset="0"/>
+                                </a:rPr>
+                                <m:t>𝑚</m:t>
+                              </m:r>
+                              <m:r>
+                                <a:rPr lang="en-US" altLang="ja-JP" sz="1200" i="1">
+                                  <a:latin typeface="Cambria Math" panose="02040503050406030204" pitchFamily="18" charset="0"/>
+                                </a:rPr>
+                                <m:t>2</m:t>
                               </m:r>
                             </m:sub>
                           </m:sSub>
                           <m:sSub>
                             <m:sSubPr>
                               <m:ctrlPr>
-                                <a:rPr kumimoji="1" lang="en-US" altLang="ja-JP" b="0" i="1" smtClean="0">
+                                <a:rPr lang="en-US" altLang="ja-JP" sz="1200" i="1">
                                   <a:latin typeface="Cambria Math" panose="02040503050406030204" pitchFamily="18" charset="0"/>
                                 </a:rPr>
                               </m:ctrlPr>
                             </m:sSubPr>
                             <m:e>
                               <m:r>
-                                <a:rPr kumimoji="1" lang="en-US" altLang="ja-JP" b="0" i="1" smtClean="0">
-                                  <a:latin typeface="Cambria Math" panose="02040503050406030204" pitchFamily="18" charset="0"/>
-                                </a:rPr>
-                                <m:t>𝐶</m:t>
+                                <a:rPr lang="en-US" altLang="ja-JP" sz="1200" i="1">
+                                  <a:latin typeface="Cambria Math" panose="02040503050406030204" pitchFamily="18" charset="0"/>
+                                </a:rPr>
+                                <m:t>𝐺</m:t>
                               </m:r>
                             </m:e>
                             <m:sub>
                               <m:r>
-                                <a:rPr kumimoji="1" lang="en-US" altLang="ja-JP" b="0" i="1" smtClean="0">
-                                  <a:latin typeface="Cambria Math" panose="02040503050406030204" pitchFamily="18" charset="0"/>
-                                </a:rPr>
-                                <m:t>2</m:t>
+                                <a:rPr lang="en-US" altLang="ja-JP" sz="1200" i="1">
+                                  <a:latin typeface="Cambria Math" panose="02040503050406030204" pitchFamily="18" charset="0"/>
+                                </a:rPr>
+                                <m:t>1</m:t>
                               </m:r>
                             </m:sub>
                           </m:sSub>
                           <m:r>
-                            <a:rPr kumimoji="1" lang="en-US" altLang="ja-JP" b="0" i="1" smtClean="0">
-                              <a:latin typeface="Cambria Math" panose="02040503050406030204" pitchFamily="18" charset="0"/>
-                            </a:rPr>
-                            <m:t>−</m:t>
-                          </m:r>
-                          <m:r>
-                            <a:rPr kumimoji="1" lang="en-US" altLang="ja-JP" b="0" i="1" smtClean="0">
+                            <a:rPr lang="en-US" altLang="ja-JP" sz="1200" i="1">
+                              <a:latin typeface="Cambria Math" panose="02040503050406030204" pitchFamily="18" charset="0"/>
+                            </a:rPr>
+                            <m:t>+</m:t>
+                          </m:r>
+                          <m:r>
+                            <a:rPr lang="en-US" altLang="ja-JP" sz="1200" i="1">
                               <a:latin typeface="Cambria Math" panose="02040503050406030204" pitchFamily="18" charset="0"/>
                             </a:rPr>
                             <m:t>𝑗</m:t>
                           </m:r>
                           <m:r>
-                            <a:rPr kumimoji="1" lang="en-US" altLang="ja-JP" b="0" i="1" smtClean="0">
+                            <a:rPr lang="en-US" altLang="ja-JP" sz="1200" i="1">
                               <a:latin typeface="Cambria Math" panose="02040503050406030204" pitchFamily="18" charset="0"/>
                             </a:rPr>
                             <m:t>𝜔</m:t>
@@ -12617,7 +15781,7 @@
                           <m:d>
                             <m:dPr>
                               <m:ctrlPr>
-                                <a:rPr kumimoji="1" lang="en-US" altLang="ja-JP" b="0" i="1" smtClean="0">
+                                <a:rPr lang="en-US" altLang="ja-JP" sz="1200" i="1">
                                   <a:latin typeface="Cambria Math" panose="02040503050406030204" pitchFamily="18" charset="0"/>
                                 </a:rPr>
                               </m:ctrlPr>
@@ -12626,22 +15790,22 @@
                               <m:sSub>
                                 <m:sSubPr>
                                   <m:ctrlPr>
-                                    <a:rPr kumimoji="1" lang="en-US" altLang="ja-JP" b="0" i="1" smtClean="0">
+                                    <a:rPr lang="en-US" altLang="ja-JP" sz="1200" i="1">
                                       <a:latin typeface="Cambria Math" panose="02040503050406030204" pitchFamily="18" charset="0"/>
                                     </a:rPr>
                                   </m:ctrlPr>
                                 </m:sSubPr>
                                 <m:e>
                                   <m:r>
-                                    <a:rPr kumimoji="1" lang="en-US" altLang="ja-JP" b="0" i="1" smtClean="0">
+                                    <a:rPr lang="en-US" altLang="ja-JP" sz="1200" i="1">
                                       <a:latin typeface="Cambria Math" panose="02040503050406030204" pitchFamily="18" charset="0"/>
                                     </a:rPr>
-                                    <m:t>𝐶</m:t>
+                                    <m:t>𝐺</m:t>
                                   </m:r>
                                 </m:e>
                                 <m:sub>
                                   <m:r>
-                                    <a:rPr kumimoji="1" lang="en-US" altLang="ja-JP" b="0" i="1" smtClean="0">
+                                    <a:rPr lang="en-US" altLang="ja-JP" sz="1200" i="1">
                                       <a:latin typeface="Cambria Math" panose="02040503050406030204" pitchFamily="18" charset="0"/>
                                     </a:rPr>
                                     <m:t>1</m:t>
@@ -12651,45 +15815,14 @@
                               <m:sSub>
                                 <m:sSubPr>
                                   <m:ctrlPr>
-                                    <a:rPr kumimoji="1" lang="en-US" altLang="ja-JP" b="0" i="1" smtClean="0">
+                                    <a:rPr lang="en-US" altLang="ja-JP" sz="1200" i="1">
                                       <a:latin typeface="Cambria Math" panose="02040503050406030204" pitchFamily="18" charset="0"/>
                                     </a:rPr>
                                   </m:ctrlPr>
                                 </m:sSubPr>
                                 <m:e>
                                   <m:r>
-                                    <a:rPr kumimoji="1" lang="en-US" altLang="ja-JP" b="0" i="1" smtClean="0">
-                                      <a:latin typeface="Cambria Math" panose="02040503050406030204" pitchFamily="18" charset="0"/>
-                                    </a:rPr>
-                                    <m:t>𝐺</m:t>
-                                  </m:r>
-                                </m:e>
-                                <m:sub>
-                                  <m:r>
-                                    <a:rPr kumimoji="1" lang="en-US" altLang="ja-JP" b="0" i="1" smtClean="0">
-                                      <a:latin typeface="Cambria Math" panose="02040503050406030204" pitchFamily="18" charset="0"/>
-                                    </a:rPr>
-                                    <m:t>2</m:t>
-                                  </m:r>
-                                </m:sub>
-                              </m:sSub>
-                              <m:r>
-                                <a:rPr kumimoji="1" lang="en-US" altLang="ja-JP" b="0" i="1" smtClean="0">
-                                  <a:latin typeface="Cambria Math" panose="02040503050406030204" pitchFamily="18" charset="0"/>
-                                </a:rPr>
-                                <m:t>+</m:t>
-                              </m:r>
-                              <m:sSub>
-                                <m:sSubPr>
-                                  <m:ctrlPr>
-                                    <a:rPr kumimoji="1" lang="en-US" altLang="ja-JP" b="0" i="1" smtClean="0">
-                                      <a:latin typeface="Cambria Math" panose="02040503050406030204" pitchFamily="18" charset="0"/>
-                                    </a:rPr>
-                                  </m:ctrlPr>
-                                </m:sSubPr>
-                                <m:e>
-                                  <m:r>
-                                    <a:rPr kumimoji="1" lang="en-US" altLang="ja-JP" b="0" i="1" smtClean="0">
+                                    <a:rPr lang="en-US" altLang="ja-JP" sz="1200" i="1">
                                       <a:latin typeface="Cambria Math" panose="02040503050406030204" pitchFamily="18" charset="0"/>
                                     </a:rPr>
                                     <m:t>𝐶</m:t>
@@ -12697,7 +15830,50 @@
                                 </m:e>
                                 <m:sub>
                                   <m:r>
-                                    <a:rPr kumimoji="1" lang="en-US" altLang="ja-JP" b="0" i="1" smtClean="0">
+                                    <a:rPr lang="en-US" altLang="ja-JP" sz="1200" i="1">
+                                      <a:latin typeface="Cambria Math" panose="02040503050406030204" pitchFamily="18" charset="0"/>
+                                    </a:rPr>
+                                    <m:t>𝑗𝑐</m:t>
+                                  </m:r>
+                                  <m:r>
+                                    <a:rPr lang="en-US" altLang="ja-JP" sz="1200" i="1">
+                                      <a:latin typeface="Cambria Math" panose="02040503050406030204" pitchFamily="18" charset="0"/>
+                                    </a:rPr>
+                                    <m:t>2</m:t>
+                                  </m:r>
+                                </m:sub>
+                              </m:sSub>
+                              <m:r>
+                                <a:rPr lang="en-US" altLang="ja-JP" sz="1200" i="1">
+                                  <a:latin typeface="Cambria Math" panose="02040503050406030204" pitchFamily="18" charset="0"/>
+                                </a:rPr>
+                                <m:t>−</m:t>
+                              </m:r>
+                              <m:sSub>
+                                <m:sSubPr>
+                                  <m:ctrlPr>
+                                    <a:rPr lang="en-US" altLang="ja-JP" sz="1200" i="1">
+                                      <a:latin typeface="Cambria Math" panose="02040503050406030204" pitchFamily="18" charset="0"/>
+                                    </a:rPr>
+                                  </m:ctrlPr>
+                                </m:sSubPr>
+                                <m:e>
+                                  <m:r>
+                                    <a:rPr lang="en-US" altLang="ja-JP" sz="1200" i="1">
+                                      <a:latin typeface="Cambria Math" panose="02040503050406030204" pitchFamily="18" charset="0"/>
+                                    </a:rPr>
+                                    <m:t>𝑔</m:t>
+                                  </m:r>
+                                </m:e>
+                                <m:sub>
+                                  <m:r>
+                                    <a:rPr lang="en-US" altLang="ja-JP" sz="1200" i="1">
+                                      <a:latin typeface="Cambria Math" panose="02040503050406030204" pitchFamily="18" charset="0"/>
+                                    </a:rPr>
+                                    <m:t>𝑚</m:t>
+                                  </m:r>
+                                  <m:r>
+                                    <a:rPr lang="en-US" altLang="ja-JP" sz="1200" i="1">
                                       <a:latin typeface="Cambria Math" panose="02040503050406030204" pitchFamily="18" charset="0"/>
                                     </a:rPr>
                                     <m:t>2</m:t>
@@ -12707,28 +15883,22 @@
                               <m:sSub>
                                 <m:sSubPr>
                                   <m:ctrlPr>
-                                    <a:rPr kumimoji="1" lang="en-US" altLang="ja-JP" b="0" i="1" smtClean="0">
+                                    <a:rPr lang="en-US" altLang="ja-JP" sz="1200" i="1">
                                       <a:latin typeface="Cambria Math" panose="02040503050406030204" pitchFamily="18" charset="0"/>
                                     </a:rPr>
                                   </m:ctrlPr>
                                 </m:sSubPr>
                                 <m:e>
                                   <m:r>
-                                    <a:rPr kumimoji="1" lang="en-US" altLang="ja-JP" b="0" i="1" smtClean="0">
+                                    <a:rPr lang="en-US" altLang="ja-JP" sz="1200" i="1">
                                       <a:latin typeface="Cambria Math" panose="02040503050406030204" pitchFamily="18" charset="0"/>
                                     </a:rPr>
-                                    <m:t>𝑔</m:t>
+                                    <m:t>𝐶</m:t>
                                   </m:r>
                                 </m:e>
                                 <m:sub>
                                   <m:r>
-                                    <a:rPr kumimoji="1" lang="en-US" altLang="ja-JP" b="0" i="1" smtClean="0">
-                                      <a:latin typeface="Cambria Math" panose="02040503050406030204" pitchFamily="18" charset="0"/>
-                                    </a:rPr>
-                                    <m:t>𝑐𝑒</m:t>
-                                  </m:r>
-                                  <m:r>
-                                    <a:rPr kumimoji="1" lang="en-US" altLang="ja-JP" b="0" i="1" smtClean="0">
+                                    <a:rPr lang="en-US" altLang="ja-JP" sz="1200" i="1">
                                       <a:latin typeface="Cambria Math" panose="02040503050406030204" pitchFamily="18" charset="0"/>
                                     </a:rPr>
                                     <m:t>1</m:t>
@@ -12737,62 +15907,73 @@
                               </m:sSub>
                             </m:e>
                           </m:d>
-                        </m:num>
-                        <m:den>
+                          <m:r>
+                            <a:rPr lang="en-US" altLang="ja-JP" sz="1200" i="1">
+                              <a:latin typeface="Cambria Math" panose="02040503050406030204" pitchFamily="18" charset="0"/>
+                            </a:rPr>
+                            <m:t>−</m:t>
+                          </m:r>
+                          <m:sSup>
+                            <m:sSupPr>
+                              <m:ctrlPr>
+                                <a:rPr lang="en-US" altLang="ja-JP" sz="1200" i="1">
+                                  <a:latin typeface="Cambria Math" panose="02040503050406030204" pitchFamily="18" charset="0"/>
+                                </a:rPr>
+                              </m:ctrlPr>
+                            </m:sSupPr>
+                            <m:e>
+                              <m:r>
+                                <a:rPr lang="en-US" altLang="ja-JP" sz="1200" i="1">
+                                  <a:latin typeface="Cambria Math" panose="02040503050406030204" pitchFamily="18" charset="0"/>
+                                </a:rPr>
+                                <m:t>𝜔</m:t>
+                              </m:r>
+                            </m:e>
+                            <m:sup>
+                              <m:r>
+                                <a:rPr lang="en-US" altLang="ja-JP" sz="1200" i="1">
+                                  <a:latin typeface="Cambria Math" panose="02040503050406030204" pitchFamily="18" charset="0"/>
+                                </a:rPr>
+                                <m:t>2</m:t>
+                              </m:r>
+                            </m:sup>
+                          </m:sSup>
                           <m:sSub>
                             <m:sSubPr>
                               <m:ctrlPr>
-                                <a:rPr kumimoji="1" lang="en-US" altLang="ja-JP" b="0" i="1" smtClean="0">
+                                <a:rPr lang="en-US" altLang="ja-JP" sz="1200" i="1">
                                   <a:latin typeface="Cambria Math" panose="02040503050406030204" pitchFamily="18" charset="0"/>
                                 </a:rPr>
                               </m:ctrlPr>
                             </m:sSubPr>
                             <m:e>
                               <m:r>
-                                <a:rPr kumimoji="1" lang="en-US" altLang="ja-JP" b="0" i="1" smtClean="0">
-                                  <a:latin typeface="Cambria Math" panose="02040503050406030204" pitchFamily="18" charset="0"/>
-                                </a:rPr>
-                                <m:t>𝐺</m:t>
+                                <a:rPr lang="en-US" altLang="ja-JP" sz="1200" i="1">
+                                  <a:latin typeface="Cambria Math" panose="02040503050406030204" pitchFamily="18" charset="0"/>
+                                </a:rPr>
+                                <m:t>𝐶</m:t>
                               </m:r>
                             </m:e>
                             <m:sub>
                               <m:r>
-                                <a:rPr kumimoji="1" lang="en-US" altLang="ja-JP" b="0" i="1" smtClean="0">
+                                <a:rPr lang="en-US" altLang="ja-JP" sz="1200" i="1">
                                   <a:latin typeface="Cambria Math" panose="02040503050406030204" pitchFamily="18" charset="0"/>
                                 </a:rPr>
                                 <m:t>1</m:t>
                               </m:r>
                             </m:sub>
                           </m:sSub>
-                          <m:r>
-                            <a:rPr kumimoji="1" lang="en-US" altLang="ja-JP" b="0" i="1" smtClean="0">
-                              <a:latin typeface="Cambria Math" panose="02040503050406030204" pitchFamily="18" charset="0"/>
-                            </a:rPr>
-                            <m:t>+</m:t>
-                          </m:r>
-                          <m:r>
-                            <a:rPr kumimoji="1" lang="en-US" altLang="ja-JP" b="0" i="1" smtClean="0">
-                              <a:latin typeface="Cambria Math" panose="02040503050406030204" pitchFamily="18" charset="0"/>
-                            </a:rPr>
-                            <m:t>𝑗</m:t>
-                          </m:r>
-                          <m:r>
-                            <a:rPr kumimoji="1" lang="en-US" altLang="ja-JP" b="0" i="1" smtClean="0">
-                              <a:latin typeface="Cambria Math" panose="02040503050406030204" pitchFamily="18" charset="0"/>
-                            </a:rPr>
-                            <m:t>𝜔</m:t>
-                          </m:r>
                           <m:sSub>
                             <m:sSubPr>
                               <m:ctrlPr>
-                                <a:rPr kumimoji="1" lang="en-US" altLang="ja-JP" b="0" i="1" smtClean="0">
+                                <a:rPr lang="en-US" altLang="ja-JP" sz="1200" i="1">
                                   <a:latin typeface="Cambria Math" panose="02040503050406030204" pitchFamily="18" charset="0"/>
                                 </a:rPr>
                               </m:ctrlPr>
                             </m:sSubPr>
                             <m:e>
                               <m:r>
-                                <a:rPr kumimoji="1" lang="en-US" altLang="ja-JP" b="0" i="1" smtClean="0">
+                                <a:rPr lang="en-US" altLang="ja-JP" sz="1200" i="1">
                                   <a:latin typeface="Cambria Math" panose="02040503050406030204" pitchFamily="18" charset="0"/>
                                 </a:rPr>
                                 <m:t>𝐶</m:t>
@@ -12800,10 +15981,16 @@
                             </m:e>
                             <m:sub>
                               <m:r>
-                                <a:rPr kumimoji="1" lang="en-US" altLang="ja-JP" b="0" i="1" smtClean="0">
-                                  <a:latin typeface="Cambria Math" panose="02040503050406030204" pitchFamily="18" charset="0"/>
-                                </a:rPr>
-                                <m:t>1</m:t>
+                                <a:rPr lang="en-US" altLang="ja-JP" sz="1200" i="1">
+                                  <a:latin typeface="Cambria Math" panose="02040503050406030204" pitchFamily="18" charset="0"/>
+                                </a:rPr>
+                                <m:t>𝑗𝑐</m:t>
+                              </m:r>
+                              <m:r>
+                                <a:rPr lang="en-US" altLang="ja-JP" sz="1200" i="1">
+                                  <a:latin typeface="Cambria Math" panose="02040503050406030204" pitchFamily="18" charset="0"/>
+                                </a:rPr>
+                                <m:t>2</m:t>
                               </m:r>
                             </m:sub>
                           </m:sSub>
@@ -12812,14 +15999,14 @@
                       <m:sSub>
                         <m:sSubPr>
                           <m:ctrlPr>
-                            <a:rPr kumimoji="1" lang="en-US" altLang="ja-JP" b="0" i="1" smtClean="0">
+                            <a:rPr kumimoji="1" lang="en-US" altLang="ja-JP" sz="1200" b="0" i="1" smtClean="0">
                               <a:latin typeface="Cambria Math" panose="02040503050406030204" pitchFamily="18" charset="0"/>
                             </a:rPr>
                           </m:ctrlPr>
                         </m:sSubPr>
                         <m:e>
                           <m:r>
-                            <a:rPr kumimoji="1" lang="en-US" altLang="ja-JP" b="0" i="1" smtClean="0">
+                            <a:rPr kumimoji="1" lang="en-US" altLang="ja-JP" sz="1200" b="0" i="1" smtClean="0">
                               <a:latin typeface="Cambria Math" panose="02040503050406030204" pitchFamily="18" charset="0"/>
                             </a:rPr>
                             <m:t>𝑣</m:t>
@@ -12827,89 +16014,15 @@
                         </m:e>
                         <m:sub>
                           <m:r>
-                            <a:rPr kumimoji="1" lang="en-US" altLang="ja-JP" b="0" i="1" smtClean="0">
-                              <a:latin typeface="Cambria Math" panose="02040503050406030204" pitchFamily="18" charset="0"/>
-                            </a:rPr>
-                            <m:t>𝑚</m:t>
+                            <a:rPr kumimoji="1" lang="en-US" altLang="ja-JP" sz="1200" b="0" i="1" smtClean="0">
+                              <a:latin typeface="Cambria Math" panose="02040503050406030204" pitchFamily="18" charset="0"/>
+                            </a:rPr>
+                            <m:t>𝑜𝑢𝑡</m:t>
                           </m:r>
                         </m:sub>
                       </m:sSub>
                       <m:r>
-                        <a:rPr kumimoji="1" lang="en-US" altLang="ja-JP" b="0" i="1" smtClean="0">
-                          <a:latin typeface="Cambria Math" panose="02040503050406030204" pitchFamily="18" charset="0"/>
-                        </a:rPr>
-                        <m:t>+</m:t>
-                      </m:r>
-                      <m:r>
-                        <a:rPr kumimoji="1" lang="en-US" altLang="ja-JP" b="0" i="1" smtClean="0">
-                          <a:latin typeface="Cambria Math" panose="02040503050406030204" pitchFamily="18" charset="0"/>
-                        </a:rPr>
-                        <m:t>𝑗</m:t>
-                      </m:r>
-                      <m:r>
-                        <a:rPr kumimoji="1" lang="en-US" altLang="ja-JP" b="0" i="1" smtClean="0">
-                          <a:latin typeface="Cambria Math" panose="02040503050406030204" pitchFamily="18" charset="0"/>
-                        </a:rPr>
-                        <m:t>𝜔</m:t>
-                      </m:r>
-                      <m:sSub>
-                        <m:sSubPr>
-                          <m:ctrlPr>
-                            <a:rPr kumimoji="1" lang="en-US" altLang="ja-JP" b="0" i="1" smtClean="0">
-                              <a:latin typeface="Cambria Math" panose="02040503050406030204" pitchFamily="18" charset="0"/>
-                            </a:rPr>
-                          </m:ctrlPr>
-                        </m:sSubPr>
-                        <m:e>
-                          <m:r>
-                            <a:rPr kumimoji="1" lang="en-US" altLang="ja-JP" b="0" i="1" smtClean="0">
-                              <a:latin typeface="Cambria Math" panose="02040503050406030204" pitchFamily="18" charset="0"/>
-                            </a:rPr>
-                            <m:t>𝐶</m:t>
-                          </m:r>
-                        </m:e>
-                        <m:sub>
-                          <m:r>
-                            <a:rPr kumimoji="1" lang="en-US" altLang="ja-JP" b="0" i="1" smtClean="0">
-                              <a:latin typeface="Cambria Math" panose="02040503050406030204" pitchFamily="18" charset="0"/>
-                            </a:rPr>
-                            <m:t>𝑗𝑐</m:t>
-                          </m:r>
-                          <m:r>
-                            <a:rPr kumimoji="1" lang="en-US" altLang="ja-JP" b="0" i="1" smtClean="0">
-                              <a:latin typeface="Cambria Math" panose="02040503050406030204" pitchFamily="18" charset="0"/>
-                            </a:rPr>
-                            <m:t>2</m:t>
-                          </m:r>
-                        </m:sub>
-                      </m:sSub>
-                      <m:sSub>
-                        <m:sSubPr>
-                          <m:ctrlPr>
-                            <a:rPr kumimoji="1" lang="en-US" altLang="ja-JP" b="0" i="1" smtClean="0">
-                              <a:latin typeface="Cambria Math" panose="02040503050406030204" pitchFamily="18" charset="0"/>
-                            </a:rPr>
-                          </m:ctrlPr>
-                        </m:sSubPr>
-                        <m:e>
-                          <m:r>
-                            <a:rPr kumimoji="1" lang="en-US" altLang="ja-JP" b="0" i="1" smtClean="0">
-                              <a:latin typeface="Cambria Math" panose="02040503050406030204" pitchFamily="18" charset="0"/>
-                            </a:rPr>
-                            <m:t>𝑣</m:t>
-                          </m:r>
-                        </m:e>
-                        <m:sub>
-                          <m:r>
-                            <a:rPr kumimoji="1" lang="en-US" altLang="ja-JP" b="0" i="1" smtClean="0">
-                              <a:latin typeface="Cambria Math" panose="02040503050406030204" pitchFamily="18" charset="0"/>
-                            </a:rPr>
-                            <m:t>𝑜𝑢𝑡</m:t>
-                          </m:r>
-                        </m:sub>
-                      </m:sSub>
-                      <m:r>
-                        <a:rPr kumimoji="1" lang="en-US" altLang="ja-JP" b="0" i="1" smtClean="0">
+                        <a:rPr kumimoji="1" lang="en-US" altLang="ja-JP" sz="1200" b="0" i="1" smtClean="0">
                           <a:latin typeface="Cambria Math" panose="02040503050406030204" pitchFamily="18" charset="0"/>
                         </a:rPr>
                         <m:t>=</m:t>
@@ -12917,7 +16030,7 @@
                       <m:f>
                         <m:fPr>
                           <m:ctrlPr>
-                            <a:rPr lang="en-US" altLang="ja-JP" i="1">
+                            <a:rPr lang="en-US" altLang="ja-JP" sz="1200" i="1">
                               <a:latin typeface="Cambria Math" panose="02040503050406030204" pitchFamily="18" charset="0"/>
                             </a:rPr>
                           </m:ctrlPr>
@@ -12926,14 +16039,14 @@
                           <m:sSub>
                             <m:sSubPr>
                               <m:ctrlPr>
-                                <a:rPr lang="en-US" altLang="ja-JP" i="1">
+                                <a:rPr lang="en-US" altLang="ja-JP" sz="1200" i="1">
                                   <a:latin typeface="Cambria Math" panose="02040503050406030204" pitchFamily="18" charset="0"/>
                                 </a:rPr>
                               </m:ctrlPr>
                             </m:sSubPr>
                             <m:e>
                               <m:r>
-                                <a:rPr lang="en-US" altLang="ja-JP" i="1">
+                                <a:rPr lang="en-US" altLang="ja-JP" sz="1200" i="1">
                                   <a:latin typeface="Cambria Math" panose="02040503050406030204" pitchFamily="18" charset="0"/>
                                 </a:rPr>
                                 <m:t>𝑔</m:t>
@@ -12941,13 +16054,13 @@
                             </m:e>
                             <m:sub>
                               <m:r>
-                                <a:rPr lang="en-US" altLang="ja-JP" i="1">
+                                <a:rPr lang="en-US" altLang="ja-JP" sz="1200" i="1">
                                   <a:latin typeface="Cambria Math" panose="02040503050406030204" pitchFamily="18" charset="0"/>
                                 </a:rPr>
                                 <m:t>𝑚</m:t>
                               </m:r>
                               <m:r>
-                                <a:rPr lang="en-US" altLang="ja-JP" i="1">
+                                <a:rPr lang="en-US" altLang="ja-JP" sz="1200" i="1">
                                   <a:latin typeface="Cambria Math" panose="02040503050406030204" pitchFamily="18" charset="0"/>
                                 </a:rPr>
                                 <m:t>1</m:t>
@@ -12955,7 +16068,7 @@
                             </m:sub>
                           </m:sSub>
                           <m:r>
-                            <a:rPr lang="en-US" altLang="ja-JP" i="1">
+                            <a:rPr lang="en-US" altLang="ja-JP" sz="1200" i="1">
                               <a:latin typeface="Cambria Math" panose="02040503050406030204" pitchFamily="18" charset="0"/>
                             </a:rPr>
                             <m:t>+</m:t>
@@ -12963,14 +16076,14 @@
                           <m:sSub>
                             <m:sSubPr>
                               <m:ctrlPr>
-                                <a:rPr lang="en-US" altLang="ja-JP" i="1">
+                                <a:rPr lang="en-US" altLang="ja-JP" sz="1200" i="1">
                                   <a:latin typeface="Cambria Math" panose="02040503050406030204" pitchFamily="18" charset="0"/>
                                 </a:rPr>
                               </m:ctrlPr>
                             </m:sSubPr>
                             <m:e>
                               <m:r>
-                                <a:rPr lang="en-US" altLang="ja-JP" i="1">
+                                <a:rPr lang="en-US" altLang="ja-JP" sz="1200" i="1">
                                   <a:latin typeface="Cambria Math" panose="02040503050406030204" pitchFamily="18" charset="0"/>
                                 </a:rPr>
                                 <m:t>𝑔</m:t>
@@ -12978,13 +16091,13 @@
                             </m:e>
                             <m:sub>
                               <m:r>
-                                <a:rPr lang="en-US" altLang="ja-JP" i="1">
+                                <a:rPr lang="en-US" altLang="ja-JP" sz="1200" i="1">
                                   <a:latin typeface="Cambria Math" panose="02040503050406030204" pitchFamily="18" charset="0"/>
                                 </a:rPr>
                                 <m:t>𝑐𝑒</m:t>
                               </m:r>
                               <m:r>
-                                <a:rPr lang="en-US" altLang="ja-JP" i="1">
+                                <a:rPr lang="en-US" altLang="ja-JP" sz="1200" i="1">
                                   <a:latin typeface="Cambria Math" panose="02040503050406030204" pitchFamily="18" charset="0"/>
                                 </a:rPr>
                                 <m:t>1</m:t>
@@ -12996,14 +16109,14 @@
                           <m:sSub>
                             <m:sSubPr>
                               <m:ctrlPr>
-                                <a:rPr lang="en-US" altLang="ja-JP" i="1">
+                                <a:rPr lang="en-US" altLang="ja-JP" sz="1200" i="1">
                                   <a:latin typeface="Cambria Math" panose="02040503050406030204" pitchFamily="18" charset="0"/>
                                 </a:rPr>
                               </m:ctrlPr>
                             </m:sSubPr>
                             <m:e>
                               <m:r>
-                                <a:rPr lang="en-US" altLang="ja-JP" i="1">
+                                <a:rPr lang="en-US" altLang="ja-JP" sz="1200" i="1">
                                   <a:latin typeface="Cambria Math" panose="02040503050406030204" pitchFamily="18" charset="0"/>
                                 </a:rPr>
                                 <m:t>𝐺</m:t>
@@ -13011,7 +16124,7 @@
                             </m:e>
                             <m:sub>
                               <m:r>
-                                <a:rPr lang="en-US" altLang="ja-JP" i="1">
+                                <a:rPr lang="en-US" altLang="ja-JP" sz="1200" i="1">
                                   <a:latin typeface="Cambria Math" panose="02040503050406030204" pitchFamily="18" charset="0"/>
                                 </a:rPr>
                                 <m:t>1</m:t>
@@ -13019,19 +16132,19 @@
                             </m:sub>
                           </m:sSub>
                           <m:r>
-                            <a:rPr lang="en-US" altLang="ja-JP" i="1">
+                            <a:rPr lang="en-US" altLang="ja-JP" sz="1200" i="1">
                               <a:latin typeface="Cambria Math" panose="02040503050406030204" pitchFamily="18" charset="0"/>
                             </a:rPr>
                             <m:t>+</m:t>
                           </m:r>
                           <m:r>
-                            <a:rPr lang="en-US" altLang="ja-JP" i="1">
+                            <a:rPr lang="en-US" altLang="ja-JP" sz="1200" i="1">
                               <a:latin typeface="Cambria Math" panose="02040503050406030204" pitchFamily="18" charset="0"/>
                             </a:rPr>
                             <m:t>𝑗</m:t>
                           </m:r>
                           <m:r>
-                            <a:rPr lang="en-US" altLang="ja-JP" i="1">
+                            <a:rPr lang="en-US" altLang="ja-JP" sz="1200" i="1">
                               <a:latin typeface="Cambria Math" panose="02040503050406030204" pitchFamily="18" charset="0"/>
                             </a:rPr>
                             <m:t>𝜔</m:t>
@@ -13039,14 +16152,14 @@
                           <m:sSub>
                             <m:sSubPr>
                               <m:ctrlPr>
-                                <a:rPr lang="en-US" altLang="ja-JP" i="1">
+                                <a:rPr lang="en-US" altLang="ja-JP" sz="1200" i="1">
                                   <a:latin typeface="Cambria Math" panose="02040503050406030204" pitchFamily="18" charset="0"/>
                                 </a:rPr>
                               </m:ctrlPr>
                             </m:sSubPr>
                             <m:e>
                               <m:r>
-                                <a:rPr lang="en-US" altLang="ja-JP" i="1">
+                                <a:rPr lang="en-US" altLang="ja-JP" sz="1200" i="1">
                                   <a:latin typeface="Cambria Math" panose="02040503050406030204" pitchFamily="18" charset="0"/>
                                 </a:rPr>
                                 <m:t>𝐶</m:t>
@@ -13054,7 +16167,7 @@
                             </m:e>
                             <m:sub>
                               <m:r>
-                                <a:rPr lang="en-US" altLang="ja-JP" i="1">
+                                <a:rPr lang="en-US" altLang="ja-JP" sz="1200" i="1">
                                   <a:latin typeface="Cambria Math" panose="02040503050406030204" pitchFamily="18" charset="0"/>
                                 </a:rPr>
                                 <m:t>1</m:t>
@@ -13066,14 +16179,14 @@
                       <m:sSub>
                         <m:sSubPr>
                           <m:ctrlPr>
-                            <a:rPr lang="en-US" altLang="ja-JP" i="1">
+                            <a:rPr lang="en-US" altLang="ja-JP" sz="1200" i="1">
                               <a:latin typeface="Cambria Math" panose="02040503050406030204" pitchFamily="18" charset="0"/>
                             </a:rPr>
                           </m:ctrlPr>
                         </m:sSubPr>
                         <m:e>
                           <m:r>
-                            <a:rPr lang="en-US" altLang="ja-JP" i="1">
+                            <a:rPr lang="en-US" altLang="ja-JP" sz="1200" i="1">
                               <a:latin typeface="Cambria Math" panose="02040503050406030204" pitchFamily="18" charset="0"/>
                             </a:rPr>
                             <m:t>𝑖</m:t>
@@ -13081,7 +16194,7 @@
                         </m:e>
                         <m:sub>
                           <m:r>
-                            <a:rPr lang="en-US" altLang="ja-JP" i="1">
+                            <a:rPr lang="en-US" altLang="ja-JP" sz="1200" i="1">
                               <a:latin typeface="Cambria Math" panose="02040503050406030204" pitchFamily="18" charset="0"/>
                             </a:rPr>
                             <m:t>𝑖𝑛</m:t>
@@ -13091,996 +16204,7 @@
                     </m:oMath>
                   </m:oMathPara>
                 </a14:m>
-                <a:endParaRPr kumimoji="1" lang="en-US" altLang="ja-JP" dirty="0">
-                  <a:latin typeface="Times Newer Roman" panose="00000500000000000000" pitchFamily="50" charset="0"/>
-                </a:endParaRPr>
-              </a:p>
-              <a:p>
-                <a14:m>
-                  <m:oMathPara xmlns:m="http://schemas.openxmlformats.org/officeDocument/2006/math">
-                    <m:oMathParaPr>
-                      <m:jc m:val="centerGroup"/>
-                    </m:oMathParaPr>
-                    <m:oMath xmlns:m="http://schemas.openxmlformats.org/officeDocument/2006/math">
-                      <m:f>
-                        <m:fPr>
-                          <m:ctrlPr>
-                            <a:rPr kumimoji="1" lang="en-US" altLang="ja-JP" b="0" i="1" smtClean="0">
-                              <a:latin typeface="Cambria Math" panose="02040503050406030204" pitchFamily="18" charset="0"/>
-                            </a:rPr>
-                          </m:ctrlPr>
-                        </m:fPr>
-                        <m:num>
-                          <m:sSub>
-                            <m:sSubPr>
-                              <m:ctrlPr>
-                                <a:rPr kumimoji="1" lang="en-US" altLang="ja-JP" b="0" i="1" smtClean="0">
-                                  <a:latin typeface="Cambria Math" panose="02040503050406030204" pitchFamily="18" charset="0"/>
-                                </a:rPr>
-                              </m:ctrlPr>
-                            </m:sSubPr>
-                            <m:e>
-                              <m:r>
-                                <a:rPr kumimoji="1" lang="en-US" altLang="ja-JP" b="0" i="1" smtClean="0">
-                                  <a:latin typeface="Cambria Math" panose="02040503050406030204" pitchFamily="18" charset="0"/>
-                                </a:rPr>
-                                <m:t>𝑔</m:t>
-                              </m:r>
-                            </m:e>
-                            <m:sub>
-                              <m:r>
-                                <a:rPr kumimoji="1" lang="en-US" altLang="ja-JP" b="0" i="1" smtClean="0">
-                                  <a:latin typeface="Cambria Math" panose="02040503050406030204" pitchFamily="18" charset="0"/>
-                                </a:rPr>
-                                <m:t>𝑐</m:t>
-                              </m:r>
-                              <m:r>
-                                <a:rPr kumimoji="1" lang="en-US" altLang="ja-JP" b="0" i="1" smtClean="0">
-                                  <a:latin typeface="Cambria Math" panose="02040503050406030204" pitchFamily="18" charset="0"/>
-                                </a:rPr>
-                                <m:t>1</m:t>
-                              </m:r>
-                            </m:sub>
-                          </m:sSub>
-                          <m:d>
-                            <m:dPr>
-                              <m:ctrlPr>
-                                <a:rPr kumimoji="1" lang="en-US" altLang="ja-JP" b="0" i="1" smtClean="0">
-                                  <a:latin typeface="Cambria Math" panose="02040503050406030204" pitchFamily="18" charset="0"/>
-                                </a:rPr>
-                              </m:ctrlPr>
-                            </m:dPr>
-                            <m:e>
-                              <m:sSub>
-                                <m:sSubPr>
-                                  <m:ctrlPr>
-                                    <a:rPr kumimoji="1" lang="en-US" altLang="ja-JP" b="0" i="1" smtClean="0">
-                                      <a:latin typeface="Cambria Math" panose="02040503050406030204" pitchFamily="18" charset="0"/>
-                                    </a:rPr>
-                                  </m:ctrlPr>
-                                </m:sSubPr>
-                                <m:e>
-                                  <m:r>
-                                    <a:rPr kumimoji="1" lang="en-US" altLang="ja-JP" b="0" i="1" smtClean="0">
-                                      <a:latin typeface="Cambria Math" panose="02040503050406030204" pitchFamily="18" charset="0"/>
-                                    </a:rPr>
-                                    <m:t>𝑔</m:t>
-                                  </m:r>
-                                </m:e>
-                                <m:sub>
-                                  <m:r>
-                                    <a:rPr kumimoji="1" lang="en-US" altLang="ja-JP" b="0" i="1" smtClean="0">
-                                      <a:latin typeface="Cambria Math" panose="02040503050406030204" pitchFamily="18" charset="0"/>
-                                    </a:rPr>
-                                    <m:t>𝑚</m:t>
-                                  </m:r>
-                                  <m:r>
-                                    <a:rPr kumimoji="1" lang="en-US" altLang="ja-JP" b="0" i="1" smtClean="0">
-                                      <a:latin typeface="Cambria Math" panose="02040503050406030204" pitchFamily="18" charset="0"/>
-                                    </a:rPr>
-                                    <m:t>1</m:t>
-                                  </m:r>
-                                </m:sub>
-                              </m:sSub>
-                              <m:r>
-                                <a:rPr kumimoji="1" lang="en-US" altLang="ja-JP" b="0" i="1" smtClean="0">
-                                  <a:latin typeface="Cambria Math" panose="02040503050406030204" pitchFamily="18" charset="0"/>
-                                </a:rPr>
-                                <m:t>+</m:t>
-                              </m:r>
-                              <m:sSub>
-                                <m:sSubPr>
-                                  <m:ctrlPr>
-                                    <a:rPr kumimoji="1" lang="en-US" altLang="ja-JP" b="0" i="1" smtClean="0">
-                                      <a:latin typeface="Cambria Math" panose="02040503050406030204" pitchFamily="18" charset="0"/>
-                                    </a:rPr>
-                                  </m:ctrlPr>
-                                </m:sSubPr>
-                                <m:e>
-                                  <m:r>
-                                    <a:rPr kumimoji="1" lang="en-US" altLang="ja-JP" b="0" i="1" smtClean="0">
-                                      <a:latin typeface="Cambria Math" panose="02040503050406030204" pitchFamily="18" charset="0"/>
-                                    </a:rPr>
-                                    <m:t>𝑔</m:t>
-                                  </m:r>
-                                </m:e>
-                                <m:sub>
-                                  <m:r>
-                                    <a:rPr kumimoji="1" lang="en-US" altLang="ja-JP" b="0" i="1" smtClean="0">
-                                      <a:latin typeface="Cambria Math" panose="02040503050406030204" pitchFamily="18" charset="0"/>
-                                    </a:rPr>
-                                    <m:t>𝑐𝑒</m:t>
-                                  </m:r>
-                                  <m:r>
-                                    <a:rPr kumimoji="1" lang="en-US" altLang="ja-JP" b="0" i="1" smtClean="0">
-                                      <a:latin typeface="Cambria Math" panose="02040503050406030204" pitchFamily="18" charset="0"/>
-                                    </a:rPr>
-                                    <m:t>1</m:t>
-                                  </m:r>
-                                </m:sub>
-                              </m:sSub>
-                            </m:e>
-                          </m:d>
-                          <m:r>
-                            <a:rPr kumimoji="1" lang="en-US" altLang="ja-JP" b="0" i="1" smtClean="0">
-                              <a:latin typeface="Cambria Math" panose="02040503050406030204" pitchFamily="18" charset="0"/>
-                            </a:rPr>
-                            <m:t>−</m:t>
-                          </m:r>
-                          <m:sSub>
-                            <m:sSubPr>
-                              <m:ctrlPr>
-                                <a:rPr kumimoji="1" lang="en-US" altLang="ja-JP" b="0" i="1" smtClean="0">
-                                  <a:latin typeface="Cambria Math" panose="02040503050406030204" pitchFamily="18" charset="0"/>
-                                </a:rPr>
-                              </m:ctrlPr>
-                            </m:sSubPr>
-                            <m:e>
-                              <m:r>
-                                <a:rPr kumimoji="1" lang="en-US" altLang="ja-JP" b="0" i="1" smtClean="0">
-                                  <a:latin typeface="Cambria Math" panose="02040503050406030204" pitchFamily="18" charset="0"/>
-                                </a:rPr>
-                                <m:t>𝐺</m:t>
-                              </m:r>
-                            </m:e>
-                            <m:sub>
-                              <m:r>
-                                <a:rPr kumimoji="1" lang="en-US" altLang="ja-JP" b="0" i="1" smtClean="0">
-                                  <a:latin typeface="Cambria Math" panose="02040503050406030204" pitchFamily="18" charset="0"/>
-                                </a:rPr>
-                                <m:t>1</m:t>
-                              </m:r>
-                            </m:sub>
-                          </m:sSub>
-                          <m:sSub>
-                            <m:sSubPr>
-                              <m:ctrlPr>
-                                <a:rPr kumimoji="1" lang="en-US" altLang="ja-JP" b="0" i="1" smtClean="0">
-                                  <a:latin typeface="Cambria Math" panose="02040503050406030204" pitchFamily="18" charset="0"/>
-                                </a:rPr>
-                              </m:ctrlPr>
-                            </m:sSubPr>
-                            <m:e>
-                              <m:r>
-                                <a:rPr kumimoji="1" lang="en-US" altLang="ja-JP" b="0" i="1" smtClean="0">
-                                  <a:latin typeface="Cambria Math" panose="02040503050406030204" pitchFamily="18" charset="0"/>
-                                </a:rPr>
-                                <m:t>𝐺</m:t>
-                              </m:r>
-                            </m:e>
-                            <m:sub>
-                              <m:r>
-                                <a:rPr kumimoji="1" lang="en-US" altLang="ja-JP" b="0" i="1" smtClean="0">
-                                  <a:latin typeface="Cambria Math" panose="02040503050406030204" pitchFamily="18" charset="0"/>
-                                </a:rPr>
-                                <m:t>2</m:t>
-                              </m:r>
-                            </m:sub>
-                          </m:sSub>
-                          <m:r>
-                            <a:rPr kumimoji="1" lang="en-US" altLang="ja-JP" b="0" i="1" smtClean="0">
-                              <a:latin typeface="Cambria Math" panose="02040503050406030204" pitchFamily="18" charset="0"/>
-                            </a:rPr>
-                            <m:t>−</m:t>
-                          </m:r>
-                          <m:sSup>
-                            <m:sSupPr>
-                              <m:ctrlPr>
-                                <a:rPr kumimoji="1" lang="en-US" altLang="ja-JP" b="0" i="1" smtClean="0">
-                                  <a:latin typeface="Cambria Math" panose="02040503050406030204" pitchFamily="18" charset="0"/>
-                                </a:rPr>
-                              </m:ctrlPr>
-                            </m:sSupPr>
-                            <m:e>
-                              <m:r>
-                                <a:rPr kumimoji="1" lang="en-US" altLang="ja-JP" b="0" i="1" smtClean="0">
-                                  <a:latin typeface="Cambria Math" panose="02040503050406030204" pitchFamily="18" charset="0"/>
-                                </a:rPr>
-                                <m:t>𝜔</m:t>
-                              </m:r>
-                            </m:e>
-                            <m:sup>
-                              <m:r>
-                                <a:rPr kumimoji="1" lang="en-US" altLang="ja-JP" b="0" i="1" smtClean="0">
-                                  <a:latin typeface="Cambria Math" panose="02040503050406030204" pitchFamily="18" charset="0"/>
-                                </a:rPr>
-                                <m:t>2</m:t>
-                              </m:r>
-                            </m:sup>
-                          </m:sSup>
-                          <m:sSub>
-                            <m:sSubPr>
-                              <m:ctrlPr>
-                                <a:rPr kumimoji="1" lang="en-US" altLang="ja-JP" b="0" i="1" smtClean="0">
-                                  <a:latin typeface="Cambria Math" panose="02040503050406030204" pitchFamily="18" charset="0"/>
-                                </a:rPr>
-                              </m:ctrlPr>
-                            </m:sSubPr>
-                            <m:e>
-                              <m:r>
-                                <a:rPr kumimoji="1" lang="en-US" altLang="ja-JP" b="0" i="1" smtClean="0">
-                                  <a:latin typeface="Cambria Math" panose="02040503050406030204" pitchFamily="18" charset="0"/>
-                                </a:rPr>
-                                <m:t>𝐶</m:t>
-                              </m:r>
-                            </m:e>
-                            <m:sub>
-                              <m:r>
-                                <a:rPr kumimoji="1" lang="en-US" altLang="ja-JP" b="0" i="1" smtClean="0">
-                                  <a:latin typeface="Cambria Math" panose="02040503050406030204" pitchFamily="18" charset="0"/>
-                                </a:rPr>
-                                <m:t>1</m:t>
-                              </m:r>
-                            </m:sub>
-                          </m:sSub>
-                          <m:sSub>
-                            <m:sSubPr>
-                              <m:ctrlPr>
-                                <a:rPr kumimoji="1" lang="en-US" altLang="ja-JP" b="0" i="1" smtClean="0">
-                                  <a:latin typeface="Cambria Math" panose="02040503050406030204" pitchFamily="18" charset="0"/>
-                                </a:rPr>
-                              </m:ctrlPr>
-                            </m:sSubPr>
-                            <m:e>
-                              <m:r>
-                                <a:rPr kumimoji="1" lang="en-US" altLang="ja-JP" b="0" i="1" smtClean="0">
-                                  <a:latin typeface="Cambria Math" panose="02040503050406030204" pitchFamily="18" charset="0"/>
-                                </a:rPr>
-                                <m:t>𝐶</m:t>
-                              </m:r>
-                            </m:e>
-                            <m:sub>
-                              <m:r>
-                                <a:rPr kumimoji="1" lang="en-US" altLang="ja-JP" b="0" i="1" smtClean="0">
-                                  <a:latin typeface="Cambria Math" panose="02040503050406030204" pitchFamily="18" charset="0"/>
-                                </a:rPr>
-                                <m:t>2</m:t>
-                              </m:r>
-                            </m:sub>
-                          </m:sSub>
-                          <m:r>
-                            <a:rPr kumimoji="1" lang="en-US" altLang="ja-JP" b="0" i="1" smtClean="0">
-                              <a:latin typeface="Cambria Math" panose="02040503050406030204" pitchFamily="18" charset="0"/>
-                            </a:rPr>
-                            <m:t>−</m:t>
-                          </m:r>
-                          <m:r>
-                            <a:rPr kumimoji="1" lang="en-US" altLang="ja-JP" b="0" i="1" smtClean="0">
-                              <a:latin typeface="Cambria Math" panose="02040503050406030204" pitchFamily="18" charset="0"/>
-                            </a:rPr>
-                            <m:t>𝑗</m:t>
-                          </m:r>
-                          <m:r>
-                            <a:rPr kumimoji="1" lang="en-US" altLang="ja-JP" b="0" i="1" smtClean="0">
-                              <a:latin typeface="Cambria Math" panose="02040503050406030204" pitchFamily="18" charset="0"/>
-                            </a:rPr>
-                            <m:t>𝜔</m:t>
-                          </m:r>
-                          <m:d>
-                            <m:dPr>
-                              <m:ctrlPr>
-                                <a:rPr kumimoji="1" lang="en-US" altLang="ja-JP" b="0" i="1" smtClean="0">
-                                  <a:latin typeface="Cambria Math" panose="02040503050406030204" pitchFamily="18" charset="0"/>
-                                </a:rPr>
-                              </m:ctrlPr>
-                            </m:dPr>
-                            <m:e>
-                              <m:sSub>
-                                <m:sSubPr>
-                                  <m:ctrlPr>
-                                    <a:rPr kumimoji="1" lang="en-US" altLang="ja-JP" b="0" i="1" smtClean="0">
-                                      <a:latin typeface="Cambria Math" panose="02040503050406030204" pitchFamily="18" charset="0"/>
-                                    </a:rPr>
-                                  </m:ctrlPr>
-                                </m:sSubPr>
-                                <m:e>
-                                  <m:r>
-                                    <a:rPr kumimoji="1" lang="en-US" altLang="ja-JP" b="0" i="1" smtClean="0">
-                                      <a:latin typeface="Cambria Math" panose="02040503050406030204" pitchFamily="18" charset="0"/>
-                                    </a:rPr>
-                                    <m:t>𝐶</m:t>
-                                  </m:r>
-                                </m:e>
-                                <m:sub>
-                                  <m:r>
-                                    <a:rPr kumimoji="1" lang="en-US" altLang="ja-JP" b="0" i="1" smtClean="0">
-                                      <a:latin typeface="Cambria Math" panose="02040503050406030204" pitchFamily="18" charset="0"/>
-                                    </a:rPr>
-                                    <m:t>1</m:t>
-                                  </m:r>
-                                </m:sub>
-                              </m:sSub>
-                              <m:sSub>
-                                <m:sSubPr>
-                                  <m:ctrlPr>
-                                    <a:rPr kumimoji="1" lang="en-US" altLang="ja-JP" b="0" i="1" smtClean="0">
-                                      <a:latin typeface="Cambria Math" panose="02040503050406030204" pitchFamily="18" charset="0"/>
-                                    </a:rPr>
-                                  </m:ctrlPr>
-                                </m:sSubPr>
-                                <m:e>
-                                  <m:r>
-                                    <a:rPr kumimoji="1" lang="en-US" altLang="ja-JP" b="0" i="1" smtClean="0">
-                                      <a:latin typeface="Cambria Math" panose="02040503050406030204" pitchFamily="18" charset="0"/>
-                                    </a:rPr>
-                                    <m:t>𝐺</m:t>
-                                  </m:r>
-                                </m:e>
-                                <m:sub>
-                                  <m:r>
-                                    <a:rPr kumimoji="1" lang="en-US" altLang="ja-JP" b="0" i="1" smtClean="0">
-                                      <a:latin typeface="Cambria Math" panose="02040503050406030204" pitchFamily="18" charset="0"/>
-                                    </a:rPr>
-                                    <m:t>2</m:t>
-                                  </m:r>
-                                </m:sub>
-                              </m:sSub>
-                              <m:r>
-                                <a:rPr kumimoji="1" lang="en-US" altLang="ja-JP" b="0" i="1" smtClean="0">
-                                  <a:latin typeface="Cambria Math" panose="02040503050406030204" pitchFamily="18" charset="0"/>
-                                </a:rPr>
-                                <m:t>+</m:t>
-                              </m:r>
-                              <m:sSub>
-                                <m:sSubPr>
-                                  <m:ctrlPr>
-                                    <a:rPr kumimoji="1" lang="en-US" altLang="ja-JP" b="0" i="1" smtClean="0">
-                                      <a:latin typeface="Cambria Math" panose="02040503050406030204" pitchFamily="18" charset="0"/>
-                                    </a:rPr>
-                                  </m:ctrlPr>
-                                </m:sSubPr>
-                                <m:e>
-                                  <m:r>
-                                    <a:rPr kumimoji="1" lang="en-US" altLang="ja-JP" b="0" i="1" smtClean="0">
-                                      <a:latin typeface="Cambria Math" panose="02040503050406030204" pitchFamily="18" charset="0"/>
-                                    </a:rPr>
-                                    <m:t>𝐶</m:t>
-                                  </m:r>
-                                </m:e>
-                                <m:sub>
-                                  <m:r>
-                                    <a:rPr kumimoji="1" lang="en-US" altLang="ja-JP" b="0" i="1" smtClean="0">
-                                      <a:latin typeface="Cambria Math" panose="02040503050406030204" pitchFamily="18" charset="0"/>
-                                    </a:rPr>
-                                    <m:t>2</m:t>
-                                  </m:r>
-                                </m:sub>
-                              </m:sSub>
-                              <m:sSub>
-                                <m:sSubPr>
-                                  <m:ctrlPr>
-                                    <a:rPr kumimoji="1" lang="en-US" altLang="ja-JP" b="0" i="1" smtClean="0">
-                                      <a:latin typeface="Cambria Math" panose="02040503050406030204" pitchFamily="18" charset="0"/>
-                                    </a:rPr>
-                                  </m:ctrlPr>
-                                </m:sSubPr>
-                                <m:e>
-                                  <m:r>
-                                    <a:rPr kumimoji="1" lang="en-US" altLang="ja-JP" b="0" i="1" smtClean="0">
-                                      <a:latin typeface="Cambria Math" panose="02040503050406030204" pitchFamily="18" charset="0"/>
-                                    </a:rPr>
-                                    <m:t>𝑔</m:t>
-                                  </m:r>
-                                </m:e>
-                                <m:sub>
-                                  <m:r>
-                                    <a:rPr kumimoji="1" lang="en-US" altLang="ja-JP" b="0" i="1" smtClean="0">
-                                      <a:latin typeface="Cambria Math" panose="02040503050406030204" pitchFamily="18" charset="0"/>
-                                    </a:rPr>
-                                    <m:t>𝑐𝑒</m:t>
-                                  </m:r>
-                                  <m:r>
-                                    <a:rPr kumimoji="1" lang="en-US" altLang="ja-JP" b="0" i="1" smtClean="0">
-                                      <a:latin typeface="Cambria Math" panose="02040503050406030204" pitchFamily="18" charset="0"/>
-                                    </a:rPr>
-                                    <m:t>1</m:t>
-                                  </m:r>
-                                </m:sub>
-                              </m:sSub>
-                            </m:e>
-                          </m:d>
-                        </m:num>
-                        <m:den>
-                          <m:sSub>
-                            <m:sSubPr>
-                              <m:ctrlPr>
-                                <a:rPr kumimoji="1" lang="en-US" altLang="ja-JP" b="0" i="1" smtClean="0">
-                                  <a:latin typeface="Cambria Math" panose="02040503050406030204" pitchFamily="18" charset="0"/>
-                                </a:rPr>
-                              </m:ctrlPr>
-                            </m:sSubPr>
-                            <m:e>
-                              <m:r>
-                                <a:rPr kumimoji="1" lang="en-US" altLang="ja-JP" b="0" i="1" smtClean="0">
-                                  <a:latin typeface="Cambria Math" panose="02040503050406030204" pitchFamily="18" charset="0"/>
-                                </a:rPr>
-                                <m:t>𝐺</m:t>
-                              </m:r>
-                            </m:e>
-                            <m:sub>
-                              <m:r>
-                                <a:rPr kumimoji="1" lang="en-US" altLang="ja-JP" b="0" i="1" smtClean="0">
-                                  <a:latin typeface="Cambria Math" panose="02040503050406030204" pitchFamily="18" charset="0"/>
-                                </a:rPr>
-                                <m:t>1</m:t>
-                              </m:r>
-                            </m:sub>
-                          </m:sSub>
-                          <m:r>
-                            <a:rPr kumimoji="1" lang="en-US" altLang="ja-JP" b="0" i="1" smtClean="0">
-                              <a:latin typeface="Cambria Math" panose="02040503050406030204" pitchFamily="18" charset="0"/>
-                            </a:rPr>
-                            <m:t>+</m:t>
-                          </m:r>
-                          <m:r>
-                            <a:rPr kumimoji="1" lang="en-US" altLang="ja-JP" b="0" i="1" smtClean="0">
-                              <a:latin typeface="Cambria Math" panose="02040503050406030204" pitchFamily="18" charset="0"/>
-                            </a:rPr>
-                            <m:t>𝑗</m:t>
-                          </m:r>
-                          <m:r>
-                            <a:rPr kumimoji="1" lang="en-US" altLang="ja-JP" b="0" i="1" smtClean="0">
-                              <a:latin typeface="Cambria Math" panose="02040503050406030204" pitchFamily="18" charset="0"/>
-                            </a:rPr>
-                            <m:t>𝜔</m:t>
-                          </m:r>
-                          <m:sSub>
-                            <m:sSubPr>
-                              <m:ctrlPr>
-                                <a:rPr kumimoji="1" lang="en-US" altLang="ja-JP" b="0" i="1" smtClean="0">
-                                  <a:latin typeface="Cambria Math" panose="02040503050406030204" pitchFamily="18" charset="0"/>
-                                </a:rPr>
-                              </m:ctrlPr>
-                            </m:sSubPr>
-                            <m:e>
-                              <m:r>
-                                <a:rPr kumimoji="1" lang="en-US" altLang="ja-JP" b="0" i="1" smtClean="0">
-                                  <a:latin typeface="Cambria Math" panose="02040503050406030204" pitchFamily="18" charset="0"/>
-                                </a:rPr>
-                                <m:t>𝐶</m:t>
-                              </m:r>
-                            </m:e>
-                            <m:sub>
-                              <m:r>
-                                <a:rPr kumimoji="1" lang="en-US" altLang="ja-JP" b="0" i="1" smtClean="0">
-                                  <a:latin typeface="Cambria Math" panose="02040503050406030204" pitchFamily="18" charset="0"/>
-                                </a:rPr>
-                                <m:t>1</m:t>
-                              </m:r>
-                            </m:sub>
-                          </m:sSub>
-                        </m:den>
-                      </m:f>
-                      <m:r>
-                        <a:rPr kumimoji="1" lang="en-US" altLang="ja-JP" b="0" i="1" smtClean="0">
-                          <a:latin typeface="Cambria Math" panose="02040503050406030204" pitchFamily="18" charset="0"/>
-                        </a:rPr>
-                        <m:t>⋅</m:t>
-                      </m:r>
-                      <m:f>
-                        <m:fPr>
-                          <m:ctrlPr>
-                            <a:rPr lang="en-US" altLang="ja-JP" i="1">
-                              <a:latin typeface="Cambria Math" panose="02040503050406030204" pitchFamily="18" charset="0"/>
-                            </a:rPr>
-                          </m:ctrlPr>
-                        </m:fPr>
-                        <m:num>
-                          <m:sSub>
-                            <m:sSubPr>
-                              <m:ctrlPr>
-                                <a:rPr lang="en-US" altLang="ja-JP" i="1">
-                                  <a:latin typeface="Cambria Math" panose="02040503050406030204" pitchFamily="18" charset="0"/>
-                                </a:rPr>
-                              </m:ctrlPr>
-                            </m:sSubPr>
-                            <m:e>
-                              <m:r>
-                                <a:rPr lang="en-US" altLang="ja-JP" i="1">
-                                  <a:latin typeface="Cambria Math" panose="02040503050406030204" pitchFamily="18" charset="0"/>
-                                </a:rPr>
-                                <m:t>𝐺</m:t>
-                              </m:r>
-                            </m:e>
-                            <m:sub>
-                              <m:r>
-                                <a:rPr lang="en-US" altLang="ja-JP" i="1">
-                                  <a:latin typeface="Cambria Math" panose="02040503050406030204" pitchFamily="18" charset="0"/>
-                                </a:rPr>
-                                <m:t>𝐶</m:t>
-                              </m:r>
-                              <m:r>
-                                <a:rPr lang="en-US" altLang="ja-JP" i="1">
-                                  <a:latin typeface="Cambria Math" panose="02040503050406030204" pitchFamily="18" charset="0"/>
-                                </a:rPr>
-                                <m:t>2</m:t>
-                              </m:r>
-                            </m:sub>
-                          </m:sSub>
-                          <m:r>
-                            <a:rPr lang="en-US" altLang="ja-JP" i="1">
-                              <a:latin typeface="Cambria Math" panose="02040503050406030204" pitchFamily="18" charset="0"/>
-                            </a:rPr>
-                            <m:t>+</m:t>
-                          </m:r>
-                          <m:sSub>
-                            <m:sSubPr>
-                              <m:ctrlPr>
-                                <a:rPr lang="en-US" altLang="ja-JP" i="1">
-                                  <a:latin typeface="Cambria Math" panose="02040503050406030204" pitchFamily="18" charset="0"/>
-                                </a:rPr>
-                              </m:ctrlPr>
-                            </m:sSubPr>
-                            <m:e>
-                              <m:r>
-                                <a:rPr lang="en-US" altLang="ja-JP" i="1">
-                                  <a:latin typeface="Cambria Math" panose="02040503050406030204" pitchFamily="18" charset="0"/>
-                                </a:rPr>
-                                <m:t>𝑔</m:t>
-                              </m:r>
-                            </m:e>
-                            <m:sub>
-                              <m:r>
-                                <a:rPr lang="en-US" altLang="ja-JP" i="1">
-                                  <a:latin typeface="Cambria Math" panose="02040503050406030204" pitchFamily="18" charset="0"/>
-                                </a:rPr>
-                                <m:t>𝑐𝑒</m:t>
-                              </m:r>
-                              <m:r>
-                                <a:rPr lang="en-US" altLang="ja-JP" i="1">
-                                  <a:latin typeface="Cambria Math" panose="02040503050406030204" pitchFamily="18" charset="0"/>
-                                </a:rPr>
-                                <m:t>2</m:t>
-                              </m:r>
-                            </m:sub>
-                          </m:sSub>
-                          <m:r>
-                            <a:rPr lang="en-US" altLang="ja-JP" i="1">
-                              <a:latin typeface="Cambria Math" panose="02040503050406030204" pitchFamily="18" charset="0"/>
-                            </a:rPr>
-                            <m:t>+</m:t>
-                          </m:r>
-                          <m:r>
-                            <a:rPr lang="en-US" altLang="ja-JP" i="1">
-                              <a:latin typeface="Cambria Math" panose="02040503050406030204" pitchFamily="18" charset="0"/>
-                            </a:rPr>
-                            <m:t>𝑗</m:t>
-                          </m:r>
-                          <m:r>
-                            <a:rPr lang="en-US" altLang="ja-JP" i="1">
-                              <a:latin typeface="Cambria Math" panose="02040503050406030204" pitchFamily="18" charset="0"/>
-                            </a:rPr>
-                            <m:t>𝜔</m:t>
-                          </m:r>
-                          <m:sSub>
-                            <m:sSubPr>
-                              <m:ctrlPr>
-                                <a:rPr lang="en-US" altLang="ja-JP" i="1">
-                                  <a:latin typeface="Cambria Math" panose="02040503050406030204" pitchFamily="18" charset="0"/>
-                                </a:rPr>
-                              </m:ctrlPr>
-                            </m:sSubPr>
-                            <m:e>
-                              <m:r>
-                                <a:rPr lang="en-US" altLang="ja-JP" i="1">
-                                  <a:latin typeface="Cambria Math" panose="02040503050406030204" pitchFamily="18" charset="0"/>
-                                </a:rPr>
-                                <m:t>𝐶</m:t>
-                              </m:r>
-                            </m:e>
-                            <m:sub>
-                              <m:r>
-                                <a:rPr lang="en-US" altLang="ja-JP" i="1">
-                                  <a:latin typeface="Cambria Math" panose="02040503050406030204" pitchFamily="18" charset="0"/>
-                                </a:rPr>
-                                <m:t>𝑗𝑐</m:t>
-                              </m:r>
-                              <m:r>
-                                <a:rPr lang="en-US" altLang="ja-JP" i="1">
-                                  <a:latin typeface="Cambria Math" panose="02040503050406030204" pitchFamily="18" charset="0"/>
-                                </a:rPr>
-                                <m:t>2</m:t>
-                              </m:r>
-                            </m:sub>
-                          </m:sSub>
-                        </m:num>
-                        <m:den>
-                          <m:r>
-                            <a:rPr lang="en-US" altLang="ja-JP" i="1">
-                              <a:latin typeface="Cambria Math" panose="02040503050406030204" pitchFamily="18" charset="0"/>
-                            </a:rPr>
-                            <m:t>−</m:t>
-                          </m:r>
-                          <m:sSub>
-                            <m:sSubPr>
-                              <m:ctrlPr>
-                                <a:rPr lang="en-US" altLang="ja-JP" i="1">
-                                  <a:latin typeface="Cambria Math" panose="02040503050406030204" pitchFamily="18" charset="0"/>
-                                </a:rPr>
-                              </m:ctrlPr>
-                            </m:sSubPr>
-                            <m:e>
-                              <m:r>
-                                <a:rPr lang="en-US" altLang="ja-JP" i="1">
-                                  <a:latin typeface="Cambria Math" panose="02040503050406030204" pitchFamily="18" charset="0"/>
-                                </a:rPr>
-                                <m:t>𝑔</m:t>
-                              </m:r>
-                            </m:e>
-                            <m:sub>
-                              <m:r>
-                                <a:rPr lang="en-US" altLang="ja-JP" i="1">
-                                  <a:latin typeface="Cambria Math" panose="02040503050406030204" pitchFamily="18" charset="0"/>
-                                </a:rPr>
-                                <m:t>𝑚</m:t>
-                              </m:r>
-                              <m:r>
-                                <a:rPr lang="en-US" altLang="ja-JP" i="1">
-                                  <a:latin typeface="Cambria Math" panose="02040503050406030204" pitchFamily="18" charset="0"/>
-                                </a:rPr>
-                                <m:t>2</m:t>
-                              </m:r>
-                            </m:sub>
-                          </m:sSub>
-                          <m:r>
-                            <a:rPr lang="en-US" altLang="ja-JP" i="1">
-                              <a:latin typeface="Cambria Math" panose="02040503050406030204" pitchFamily="18" charset="0"/>
-                            </a:rPr>
-                            <m:t>+</m:t>
-                          </m:r>
-                          <m:r>
-                            <a:rPr lang="en-US" altLang="ja-JP" i="1">
-                              <a:latin typeface="Cambria Math" panose="02040503050406030204" pitchFamily="18" charset="0"/>
-                            </a:rPr>
-                            <m:t>𝑗</m:t>
-                          </m:r>
-                          <m:r>
-                            <a:rPr lang="en-US" altLang="ja-JP" i="1">
-                              <a:latin typeface="Cambria Math" panose="02040503050406030204" pitchFamily="18" charset="0"/>
-                            </a:rPr>
-                            <m:t>𝜔</m:t>
-                          </m:r>
-                          <m:sSub>
-                            <m:sSubPr>
-                              <m:ctrlPr>
-                                <a:rPr lang="en-US" altLang="ja-JP" i="1">
-                                  <a:latin typeface="Cambria Math" panose="02040503050406030204" pitchFamily="18" charset="0"/>
-                                </a:rPr>
-                              </m:ctrlPr>
-                            </m:sSubPr>
-                            <m:e>
-                              <m:r>
-                                <a:rPr lang="en-US" altLang="ja-JP" i="1">
-                                  <a:latin typeface="Cambria Math" panose="02040503050406030204" pitchFamily="18" charset="0"/>
-                                </a:rPr>
-                                <m:t>𝐶</m:t>
-                              </m:r>
-                            </m:e>
-                            <m:sub>
-                              <m:r>
-                                <a:rPr lang="en-US" altLang="ja-JP" i="1">
-                                  <a:latin typeface="Cambria Math" panose="02040503050406030204" pitchFamily="18" charset="0"/>
-                                </a:rPr>
-                                <m:t>𝑗𝑐</m:t>
-                              </m:r>
-                              <m:r>
-                                <a:rPr lang="en-US" altLang="ja-JP" i="1">
-                                  <a:latin typeface="Cambria Math" panose="02040503050406030204" pitchFamily="18" charset="0"/>
-                                </a:rPr>
-                                <m:t>2</m:t>
-                              </m:r>
-                            </m:sub>
-                          </m:sSub>
-                        </m:den>
-                      </m:f>
-                      <m:sSub>
-                        <m:sSubPr>
-                          <m:ctrlPr>
-                            <a:rPr lang="en-US" altLang="ja-JP" b="0" i="1" smtClean="0">
-                              <a:latin typeface="Cambria Math" panose="02040503050406030204" pitchFamily="18" charset="0"/>
-                            </a:rPr>
-                          </m:ctrlPr>
-                        </m:sSubPr>
-                        <m:e>
-                          <m:r>
-                            <a:rPr lang="en-US" altLang="ja-JP" b="0" i="1" smtClean="0">
-                              <a:latin typeface="Cambria Math" panose="02040503050406030204" pitchFamily="18" charset="0"/>
-                            </a:rPr>
-                            <m:t>𝑣</m:t>
-                          </m:r>
-                        </m:e>
-                        <m:sub>
-                          <m:r>
-                            <a:rPr lang="en-US" altLang="ja-JP" b="0" i="1" smtClean="0">
-                              <a:latin typeface="Cambria Math" panose="02040503050406030204" pitchFamily="18" charset="0"/>
-                            </a:rPr>
-                            <m:t>𝑜𝑢𝑡</m:t>
-                          </m:r>
-                        </m:sub>
-                      </m:sSub>
-                      <m:r>
-                        <a:rPr kumimoji="1" lang="en-US" altLang="ja-JP" b="0" i="1" smtClean="0">
-                          <a:latin typeface="Cambria Math" panose="02040503050406030204" pitchFamily="18" charset="0"/>
-                        </a:rPr>
-                        <m:t>+</m:t>
-                      </m:r>
-                      <m:r>
-                        <a:rPr kumimoji="1" lang="en-US" altLang="ja-JP" b="0" i="1" smtClean="0">
-                          <a:latin typeface="Cambria Math" panose="02040503050406030204" pitchFamily="18" charset="0"/>
-                        </a:rPr>
-                        <m:t>𝑗</m:t>
-                      </m:r>
-                      <m:r>
-                        <a:rPr kumimoji="1" lang="en-US" altLang="ja-JP" b="0" i="1" smtClean="0">
-                          <a:latin typeface="Cambria Math" panose="02040503050406030204" pitchFamily="18" charset="0"/>
-                        </a:rPr>
-                        <m:t>𝜔</m:t>
-                      </m:r>
-                      <m:sSub>
-                        <m:sSubPr>
-                          <m:ctrlPr>
-                            <a:rPr kumimoji="1" lang="en-US" altLang="ja-JP" b="0" i="1" smtClean="0">
-                              <a:latin typeface="Cambria Math" panose="02040503050406030204" pitchFamily="18" charset="0"/>
-                            </a:rPr>
-                          </m:ctrlPr>
-                        </m:sSubPr>
-                        <m:e>
-                          <m:r>
-                            <a:rPr kumimoji="1" lang="en-US" altLang="ja-JP" b="0" i="1" smtClean="0">
-                              <a:latin typeface="Cambria Math" panose="02040503050406030204" pitchFamily="18" charset="0"/>
-                            </a:rPr>
-                            <m:t>𝐶</m:t>
-                          </m:r>
-                        </m:e>
-                        <m:sub>
-                          <m:r>
-                            <a:rPr kumimoji="1" lang="en-US" altLang="ja-JP" b="0" i="1" smtClean="0">
-                              <a:latin typeface="Cambria Math" panose="02040503050406030204" pitchFamily="18" charset="0"/>
-                            </a:rPr>
-                            <m:t>𝑗𝑐</m:t>
-                          </m:r>
-                          <m:r>
-                            <a:rPr kumimoji="1" lang="en-US" altLang="ja-JP" b="0" i="1" smtClean="0">
-                              <a:latin typeface="Cambria Math" panose="02040503050406030204" pitchFamily="18" charset="0"/>
-                            </a:rPr>
-                            <m:t>2</m:t>
-                          </m:r>
-                        </m:sub>
-                      </m:sSub>
-                      <m:sSub>
-                        <m:sSubPr>
-                          <m:ctrlPr>
-                            <a:rPr kumimoji="1" lang="en-US" altLang="ja-JP" b="0" i="1" smtClean="0">
-                              <a:latin typeface="Cambria Math" panose="02040503050406030204" pitchFamily="18" charset="0"/>
-                            </a:rPr>
-                          </m:ctrlPr>
-                        </m:sSubPr>
-                        <m:e>
-                          <m:r>
-                            <a:rPr kumimoji="1" lang="en-US" altLang="ja-JP" b="0" i="1" smtClean="0">
-                              <a:latin typeface="Cambria Math" panose="02040503050406030204" pitchFamily="18" charset="0"/>
-                            </a:rPr>
-                            <m:t>𝑣</m:t>
-                          </m:r>
-                        </m:e>
-                        <m:sub>
-                          <m:r>
-                            <a:rPr kumimoji="1" lang="en-US" altLang="ja-JP" b="0" i="1" smtClean="0">
-                              <a:latin typeface="Cambria Math" panose="02040503050406030204" pitchFamily="18" charset="0"/>
-                            </a:rPr>
-                            <m:t>𝑜𝑢𝑡</m:t>
-                          </m:r>
-                        </m:sub>
-                      </m:sSub>
-                      <m:r>
-                        <a:rPr kumimoji="1" lang="en-US" altLang="ja-JP" b="0" i="1" smtClean="0">
-                          <a:latin typeface="Cambria Math" panose="02040503050406030204" pitchFamily="18" charset="0"/>
-                        </a:rPr>
-                        <m:t>=</m:t>
-                      </m:r>
-                      <m:f>
-                        <m:fPr>
-                          <m:ctrlPr>
-                            <a:rPr lang="en-US" altLang="ja-JP" i="1">
-                              <a:latin typeface="Cambria Math" panose="02040503050406030204" pitchFamily="18" charset="0"/>
-                            </a:rPr>
-                          </m:ctrlPr>
-                        </m:fPr>
-                        <m:num>
-                          <m:sSub>
-                            <m:sSubPr>
-                              <m:ctrlPr>
-                                <a:rPr lang="en-US" altLang="ja-JP" i="1">
-                                  <a:latin typeface="Cambria Math" panose="02040503050406030204" pitchFamily="18" charset="0"/>
-                                </a:rPr>
-                              </m:ctrlPr>
-                            </m:sSubPr>
-                            <m:e>
-                              <m:r>
-                                <a:rPr lang="en-US" altLang="ja-JP" i="1">
-                                  <a:latin typeface="Cambria Math" panose="02040503050406030204" pitchFamily="18" charset="0"/>
-                                </a:rPr>
-                                <m:t>𝑔</m:t>
-                              </m:r>
-                            </m:e>
-                            <m:sub>
-                              <m:r>
-                                <a:rPr lang="en-US" altLang="ja-JP" i="1">
-                                  <a:latin typeface="Cambria Math" panose="02040503050406030204" pitchFamily="18" charset="0"/>
-                                </a:rPr>
-                                <m:t>𝑚</m:t>
-                              </m:r>
-                              <m:r>
-                                <a:rPr lang="en-US" altLang="ja-JP" i="1">
-                                  <a:latin typeface="Cambria Math" panose="02040503050406030204" pitchFamily="18" charset="0"/>
-                                </a:rPr>
-                                <m:t>1</m:t>
-                              </m:r>
-                            </m:sub>
-                          </m:sSub>
-                          <m:r>
-                            <a:rPr lang="en-US" altLang="ja-JP" i="1">
-                              <a:latin typeface="Cambria Math" panose="02040503050406030204" pitchFamily="18" charset="0"/>
-                            </a:rPr>
-                            <m:t>+</m:t>
-                          </m:r>
-                          <m:sSub>
-                            <m:sSubPr>
-                              <m:ctrlPr>
-                                <a:rPr lang="en-US" altLang="ja-JP" i="1">
-                                  <a:latin typeface="Cambria Math" panose="02040503050406030204" pitchFamily="18" charset="0"/>
-                                </a:rPr>
-                              </m:ctrlPr>
-                            </m:sSubPr>
-                            <m:e>
-                              <m:r>
-                                <a:rPr lang="en-US" altLang="ja-JP" i="1">
-                                  <a:latin typeface="Cambria Math" panose="02040503050406030204" pitchFamily="18" charset="0"/>
-                                </a:rPr>
-                                <m:t>𝑔</m:t>
-                              </m:r>
-                            </m:e>
-                            <m:sub>
-                              <m:r>
-                                <a:rPr lang="en-US" altLang="ja-JP" i="1">
-                                  <a:latin typeface="Cambria Math" panose="02040503050406030204" pitchFamily="18" charset="0"/>
-                                </a:rPr>
-                                <m:t>𝑐𝑒</m:t>
-                              </m:r>
-                              <m:r>
-                                <a:rPr lang="en-US" altLang="ja-JP" i="1">
-                                  <a:latin typeface="Cambria Math" panose="02040503050406030204" pitchFamily="18" charset="0"/>
-                                </a:rPr>
-                                <m:t>1</m:t>
-                              </m:r>
-                            </m:sub>
-                          </m:sSub>
-                        </m:num>
-                        <m:den>
-                          <m:sSub>
-                            <m:sSubPr>
-                              <m:ctrlPr>
-                                <a:rPr lang="en-US" altLang="ja-JP" i="1">
-                                  <a:latin typeface="Cambria Math" panose="02040503050406030204" pitchFamily="18" charset="0"/>
-                                </a:rPr>
-                              </m:ctrlPr>
-                            </m:sSubPr>
-                            <m:e>
-                              <m:r>
-                                <a:rPr lang="en-US" altLang="ja-JP" i="1">
-                                  <a:latin typeface="Cambria Math" panose="02040503050406030204" pitchFamily="18" charset="0"/>
-                                </a:rPr>
-                                <m:t>𝐺</m:t>
-                              </m:r>
-                            </m:e>
-                            <m:sub>
-                              <m:r>
-                                <a:rPr lang="en-US" altLang="ja-JP" i="1">
-                                  <a:latin typeface="Cambria Math" panose="02040503050406030204" pitchFamily="18" charset="0"/>
-                                </a:rPr>
-                                <m:t>1</m:t>
-                              </m:r>
-                            </m:sub>
-                          </m:sSub>
-                          <m:r>
-                            <a:rPr lang="en-US" altLang="ja-JP" i="1">
-                              <a:latin typeface="Cambria Math" panose="02040503050406030204" pitchFamily="18" charset="0"/>
-                            </a:rPr>
-                            <m:t>+</m:t>
-                          </m:r>
-                          <m:r>
-                            <a:rPr lang="en-US" altLang="ja-JP" i="1">
-                              <a:latin typeface="Cambria Math" panose="02040503050406030204" pitchFamily="18" charset="0"/>
-                            </a:rPr>
-                            <m:t>𝑗</m:t>
-                          </m:r>
-                          <m:r>
-                            <a:rPr lang="en-US" altLang="ja-JP" i="1">
-                              <a:latin typeface="Cambria Math" panose="02040503050406030204" pitchFamily="18" charset="0"/>
-                            </a:rPr>
-                            <m:t>𝜔</m:t>
-                          </m:r>
-                          <m:sSub>
-                            <m:sSubPr>
-                              <m:ctrlPr>
-                                <a:rPr lang="en-US" altLang="ja-JP" i="1">
-                                  <a:latin typeface="Cambria Math" panose="02040503050406030204" pitchFamily="18" charset="0"/>
-                                </a:rPr>
-                              </m:ctrlPr>
-                            </m:sSubPr>
-                            <m:e>
-                              <m:r>
-                                <a:rPr lang="en-US" altLang="ja-JP" i="1">
-                                  <a:latin typeface="Cambria Math" panose="02040503050406030204" pitchFamily="18" charset="0"/>
-                                </a:rPr>
-                                <m:t>𝐶</m:t>
-                              </m:r>
-                            </m:e>
-                            <m:sub>
-                              <m:r>
-                                <a:rPr lang="en-US" altLang="ja-JP" i="1">
-                                  <a:latin typeface="Cambria Math" panose="02040503050406030204" pitchFamily="18" charset="0"/>
-                                </a:rPr>
-                                <m:t>1</m:t>
-                              </m:r>
-                            </m:sub>
-                          </m:sSub>
-                        </m:den>
-                      </m:f>
-                      <m:sSub>
-                        <m:sSubPr>
-                          <m:ctrlPr>
-                            <a:rPr lang="en-US" altLang="ja-JP" i="1">
-                              <a:latin typeface="Cambria Math" panose="02040503050406030204" pitchFamily="18" charset="0"/>
-                            </a:rPr>
-                          </m:ctrlPr>
-                        </m:sSubPr>
-                        <m:e>
-                          <m:r>
-                            <a:rPr lang="en-US" altLang="ja-JP" i="1">
-                              <a:latin typeface="Cambria Math" panose="02040503050406030204" pitchFamily="18" charset="0"/>
-                            </a:rPr>
-                            <m:t>𝑖</m:t>
-                          </m:r>
-                        </m:e>
-                        <m:sub>
-                          <m:r>
-                            <a:rPr lang="en-US" altLang="ja-JP" i="1">
-                              <a:latin typeface="Cambria Math" panose="02040503050406030204" pitchFamily="18" charset="0"/>
-                            </a:rPr>
-                            <m:t>𝑖𝑛</m:t>
-                          </m:r>
-                        </m:sub>
-                      </m:sSub>
-                    </m:oMath>
-                  </m:oMathPara>
-                </a14:m>
-                <a:endParaRPr kumimoji="1" lang="en-US" altLang="ja-JP" dirty="0">
-                  <a:latin typeface="Times Newer Roman" panose="00000500000000000000" pitchFamily="50" charset="0"/>
-                </a:endParaRPr>
-              </a:p>
-              <a:p>
-                <a:endParaRPr kumimoji="1" lang="ja-JP" altLang="en-US" dirty="0">
+                <a:endParaRPr kumimoji="1" lang="ja-JP" altLang="en-US" sz="1200" dirty="0">
                   <a:latin typeface="Times Newer Roman" panose="00000500000000000000" pitchFamily="50" charset="0"/>
                 </a:endParaRPr>
               </a:p>
@@ -14104,8 +16228,8 @@
             </p:nvSpPr>
             <p:spPr>
               <a:xfrm>
-                <a:off x="266700" y="1248770"/>
-                <a:ext cx="11658600" cy="2193677"/>
+                <a:off x="133350" y="1515470"/>
+                <a:ext cx="11925300" cy="2331792"/>
               </a:xfrm>
               <a:prstGeom prst="rect">
                 <a:avLst/>
@@ -14113,7 +16237,7 @@
               <a:blipFill>
                 <a:blip r:embed="rId2"/>
                 <a:stretch>
-                  <a:fillRect/>
+                  <a:fillRect t="-12827" b="-14398"/>
                 </a:stretch>
               </a:blipFill>
             </p:spPr>

--- a/IHP_2024/20240524/2段構成TIAの検討.pptx
+++ b/IHP_2024/20240524/2段構成TIAの検討.pptx
@@ -202,7 +202,7 @@
           <a:p>
             <a:fld id="{F8456487-DC86-474A-B4EE-F658698A396D}" type="datetimeFigureOut">
               <a:rPr kumimoji="1" lang="ja-JP" altLang="en-US" smtClean="0"/>
-              <a:t>2024/5/21</a:t>
+              <a:t>2024/5/22</a:t>
             </a:fld>
             <a:endParaRPr kumimoji="1" lang="ja-JP" altLang="en-US"/>
           </a:p>
@@ -9933,8 +9933,8 @@
           </a:p>
         </p:txBody>
       </p:sp>
-      <mc:AlternateContent xmlns:mc="http://schemas.openxmlformats.org/markup-compatibility/2006" xmlns:a14="http://schemas.microsoft.com/office/drawing/2010/main">
-        <mc:Choice Requires="a14">
+      <mc:AlternateContent xmlns:mc="http://schemas.openxmlformats.org/markup-compatibility/2006">
+        <mc:Choice xmlns:a14="http://schemas.microsoft.com/office/drawing/2010/main" Requires="a14">
           <p:sp>
             <p:nvSpPr>
               <p:cNvPr id="7" name="テキスト ボックス 6">
@@ -9965,6 +9965,37 @@
               <a:p>
                 <a14:m>
                   <m:oMath xmlns:m="http://schemas.openxmlformats.org/officeDocument/2006/math">
+                    <m:sSub>
+                      <m:sSubPr>
+                        <m:ctrlPr>
+                          <a:rPr lang="en-US" altLang="ja-JP" i="1" smtClean="0">
+                            <a:latin typeface="Cambria Math" panose="02040503050406030204" pitchFamily="18" charset="0"/>
+                          </a:rPr>
+                        </m:ctrlPr>
+                      </m:sSubPr>
+                      <m:e>
+                        <m:r>
+                          <a:rPr lang="en-US" altLang="ja-JP" i="1">
+                            <a:latin typeface="Cambria Math" panose="02040503050406030204" pitchFamily="18" charset="0"/>
+                          </a:rPr>
+                          <m:t>𝐺</m:t>
+                        </m:r>
+                      </m:e>
+                      <m:sub>
+                        <m:r>
+                          <a:rPr lang="en-US" altLang="ja-JP" i="1">
+                            <a:latin typeface="Cambria Math" panose="02040503050406030204" pitchFamily="18" charset="0"/>
+                          </a:rPr>
+                          <m:t>1</m:t>
+                        </m:r>
+                      </m:sub>
+                    </m:sSub>
+                    <m:r>
+                      <a:rPr lang="en-US" altLang="ja-JP" b="0" i="1" smtClean="0">
+                        <a:latin typeface="Cambria Math" panose="02040503050406030204" pitchFamily="18" charset="0"/>
+                      </a:rPr>
+                      <m:t>≔</m:t>
+                    </m:r>
                     <m:sSub>
                       <m:sSubPr>
                         <m:ctrlPr>
@@ -10070,37 +10101,6 @@
                         </m:r>
                       </m:sub>
                     </m:sSub>
-                    <m:r>
-                      <a:rPr kumimoji="1" lang="en-US" altLang="ja-JP" b="0" i="1" smtClean="0">
-                        <a:latin typeface="Cambria Math" panose="02040503050406030204" pitchFamily="18" charset="0"/>
-                      </a:rPr>
-                      <m:t>≔</m:t>
-                    </m:r>
-                    <m:sSub>
-                      <m:sSubPr>
-                        <m:ctrlPr>
-                          <a:rPr kumimoji="1" lang="en-US" altLang="ja-JP" b="0" i="1" smtClean="0">
-                            <a:latin typeface="Cambria Math" panose="02040503050406030204" pitchFamily="18" charset="0"/>
-                          </a:rPr>
-                        </m:ctrlPr>
-                      </m:sSubPr>
-                      <m:e>
-                        <m:r>
-                          <a:rPr kumimoji="1" lang="en-US" altLang="ja-JP" b="0" i="1" smtClean="0">
-                            <a:latin typeface="Cambria Math" panose="02040503050406030204" pitchFamily="18" charset="0"/>
-                          </a:rPr>
-                          <m:t>𝐺</m:t>
-                        </m:r>
-                      </m:e>
-                      <m:sub>
-                        <m:r>
-                          <a:rPr kumimoji="1" lang="en-US" altLang="ja-JP" b="0" i="1" smtClean="0">
-                            <a:latin typeface="Cambria Math" panose="02040503050406030204" pitchFamily="18" charset="0"/>
-                          </a:rPr>
-                          <m:t>1</m:t>
-                        </m:r>
-                      </m:sub>
-                    </m:sSub>
                   </m:oMath>
                 </a14:m>
                 <a:r>
@@ -10109,12 +10109,42 @@
                   </a:rPr>
                   <a:t>	</a:t>
                 </a:r>
-                <a:r>
-                  <a:rPr lang="en-US" altLang="ja-JP" dirty="0"/>
-                  <a:t> </a:t>
-                </a:r>
                 <a14:m>
                   <m:oMath xmlns:m="http://schemas.openxmlformats.org/officeDocument/2006/math">
+                    <m:sSub>
+                      <m:sSubPr>
+                        <m:ctrlPr>
+                          <a:rPr lang="en-US" altLang="ja-JP" i="1">
+                            <a:latin typeface="Cambria Math" panose="02040503050406030204" pitchFamily="18" charset="0"/>
+                          </a:rPr>
+                        </m:ctrlPr>
+                      </m:sSubPr>
+                      <m:e>
+                        <m:r>
+                          <m:rPr>
+                            <m:sty m:val="p"/>
+                          </m:rPr>
+                          <a:rPr lang="en-US" altLang="ja-JP">
+                            <a:latin typeface="Cambria Math" panose="02040503050406030204" pitchFamily="18" charset="0"/>
+                          </a:rPr>
+                          <m:t>G</m:t>
+                        </m:r>
+                      </m:e>
+                      <m:sub>
+                        <m:r>
+                          <a:rPr lang="en-US" altLang="ja-JP">
+                            <a:latin typeface="Cambria Math" panose="02040503050406030204" pitchFamily="18" charset="0"/>
+                          </a:rPr>
+                          <m:t>2</m:t>
+                        </m:r>
+                      </m:sub>
+                    </m:sSub>
+                    <m:r>
+                      <a:rPr lang="en-US" altLang="ja-JP" b="0" i="1" smtClean="0">
+                        <a:latin typeface="Cambria Math" panose="02040503050406030204" pitchFamily="18" charset="0"/>
+                      </a:rPr>
+                      <m:t>≔</m:t>
+                    </m:r>
                     <m:sSub>
                       <m:sSubPr>
                         <m:ctrlPr>
@@ -10220,56 +10250,47 @@
                         </m:r>
                       </m:sub>
                     </m:sSub>
-                    <m:r>
-                      <a:rPr lang="en-US" altLang="ja-JP" i="1">
-                        <a:latin typeface="Cambria Math" panose="02040503050406030204" pitchFamily="18" charset="0"/>
-                      </a:rPr>
-                      <m:t> </m:t>
-                    </m:r>
-                    <m:r>
-                      <a:rPr lang="en-US" altLang="ja-JP" b="0" i="0" smtClean="0">
-                        <a:latin typeface="Cambria Math" panose="02040503050406030204" pitchFamily="18" charset="0"/>
-                      </a:rPr>
-                      <m:t>≔</m:t>
-                    </m:r>
+                  </m:oMath>
+                </a14:m>
+                <a:r>
+                  <a:rPr kumimoji="1" lang="en-US" altLang="ja-JP" dirty="0">
+                    <a:latin typeface="Times Newer Roman" panose="00000500000000000000" pitchFamily="50" charset="0"/>
+                  </a:rPr>
+                  <a:t>	</a:t>
+                </a:r>
+                <a14:m>
+                  <m:oMath xmlns:m="http://schemas.openxmlformats.org/officeDocument/2006/math">
                     <m:sSub>
                       <m:sSubPr>
                         <m:ctrlPr>
-                          <a:rPr lang="en-US" altLang="ja-JP" b="0" i="1" smtClean="0">
+                          <a:rPr lang="en-US" altLang="ja-JP" i="1">
                             <a:latin typeface="Cambria Math" panose="02040503050406030204" pitchFamily="18" charset="0"/>
                           </a:rPr>
                         </m:ctrlPr>
                       </m:sSubPr>
                       <m:e>
                         <m:r>
-                          <m:rPr>
-                            <m:sty m:val="p"/>
-                          </m:rPr>
-                          <a:rPr lang="en-US" altLang="ja-JP" b="0" i="0" smtClean="0">
+                          <a:rPr lang="en-US" altLang="ja-JP" i="1">
                             <a:latin typeface="Cambria Math" panose="02040503050406030204" pitchFamily="18" charset="0"/>
                           </a:rPr>
-                          <m:t>G</m:t>
+                          <m:t>𝐶</m:t>
                         </m:r>
                       </m:e>
                       <m:sub>
                         <m:r>
-                          <a:rPr lang="en-US" altLang="ja-JP" b="0" i="0" smtClean="0">
+                          <a:rPr lang="en-US" altLang="ja-JP" i="1">
                             <a:latin typeface="Cambria Math" panose="02040503050406030204" pitchFamily="18" charset="0"/>
                           </a:rPr>
-                          <m:t>2</m:t>
+                          <m:t>1</m:t>
                         </m:r>
                       </m:sub>
                     </m:sSub>
-                  </m:oMath>
-                </a14:m>
-                <a:r>
-                  <a:rPr kumimoji="1" lang="en-US" altLang="ja-JP" dirty="0">
-                    <a:latin typeface="Times Newer Roman" panose="00000500000000000000" pitchFamily="50" charset="0"/>
-                  </a:rPr>
-                  <a:t>	  </a:t>
-                </a:r>
-                <a14:m>
-                  <m:oMath xmlns:m="http://schemas.openxmlformats.org/officeDocument/2006/math">
+                    <m:r>
+                      <a:rPr lang="en-US" altLang="ja-JP" b="0" i="1" smtClean="0">
+                        <a:latin typeface="Cambria Math" panose="02040503050406030204" pitchFamily="18" charset="0"/>
+                      </a:rPr>
+                      <m:t>≔</m:t>
+                    </m:r>
                     <m:sSub>
                       <m:sSubPr>
                         <m:ctrlPr>
@@ -10332,37 +10353,6 @@
                         </m:r>
                       </m:sub>
                     </m:sSub>
-                    <m:r>
-                      <a:rPr lang="en-US" altLang="ja-JP" b="0" i="1" smtClean="0">
-                        <a:latin typeface="Cambria Math" panose="02040503050406030204" pitchFamily="18" charset="0"/>
-                      </a:rPr>
-                      <m:t>≔</m:t>
-                    </m:r>
-                    <m:sSub>
-                      <m:sSubPr>
-                        <m:ctrlPr>
-                          <a:rPr lang="en-US" altLang="ja-JP" b="0" i="1" smtClean="0">
-                            <a:latin typeface="Cambria Math" panose="02040503050406030204" pitchFamily="18" charset="0"/>
-                          </a:rPr>
-                        </m:ctrlPr>
-                      </m:sSubPr>
-                      <m:e>
-                        <m:r>
-                          <a:rPr lang="en-US" altLang="ja-JP" b="0" i="1" smtClean="0">
-                            <a:latin typeface="Cambria Math" panose="02040503050406030204" pitchFamily="18" charset="0"/>
-                          </a:rPr>
-                          <m:t>𝐶</m:t>
-                        </m:r>
-                      </m:e>
-                      <m:sub>
-                        <m:r>
-                          <a:rPr lang="en-US" altLang="ja-JP" b="0" i="1" smtClean="0">
-                            <a:latin typeface="Cambria Math" panose="02040503050406030204" pitchFamily="18" charset="0"/>
-                          </a:rPr>
-                          <m:t>1</m:t>
-                        </m:r>
-                      </m:sub>
-                    </m:sSub>
                   </m:oMath>
                 </a14:m>
                 <a:r>
@@ -10371,12 +10361,39 @@
                   </a:rPr>
                   <a:t>		</a:t>
                 </a:r>
-                <a:r>
-                  <a:rPr lang="en-US" altLang="ja-JP" dirty="0"/>
-                  <a:t> </a:t>
-                </a:r>
                 <a14:m>
                   <m:oMath xmlns:m="http://schemas.openxmlformats.org/officeDocument/2006/math">
+                    <m:sSub>
+                      <m:sSubPr>
+                        <m:ctrlPr>
+                          <a:rPr lang="en-US" altLang="ja-JP" i="1">
+                            <a:latin typeface="Cambria Math" panose="02040503050406030204" pitchFamily="18" charset="0"/>
+                          </a:rPr>
+                        </m:ctrlPr>
+                      </m:sSubPr>
+                      <m:e>
+                        <m:r>
+                          <a:rPr lang="en-US" altLang="ja-JP" i="1">
+                            <a:latin typeface="Cambria Math" panose="02040503050406030204" pitchFamily="18" charset="0"/>
+                          </a:rPr>
+                          <m:t>𝐶</m:t>
+                        </m:r>
+                      </m:e>
+                      <m:sub>
+                        <m:r>
+                          <a:rPr lang="en-US" altLang="ja-JP" i="1">
+                            <a:latin typeface="Cambria Math" panose="02040503050406030204" pitchFamily="18" charset="0"/>
+                          </a:rPr>
+                          <m:t>2</m:t>
+                        </m:r>
+                      </m:sub>
+                    </m:sSub>
+                    <m:r>
+                      <a:rPr lang="en-US" altLang="ja-JP" b="0" i="1" smtClean="0">
+                        <a:latin typeface="Cambria Math" panose="02040503050406030204" pitchFamily="18" charset="0"/>
+                      </a:rPr>
+                      <m:t>≔</m:t>
+                    </m:r>
                     <m:sSub>
                       <m:sSubPr>
                         <m:ctrlPr>
@@ -10482,37 +10499,6 @@
                         </m:r>
                       </m:sub>
                     </m:sSub>
-                    <m:r>
-                      <a:rPr lang="en-US" altLang="ja-JP" b="0" i="1" smtClean="0">
-                        <a:latin typeface="Cambria Math" panose="02040503050406030204" pitchFamily="18" charset="0"/>
-                      </a:rPr>
-                      <m:t>≔</m:t>
-                    </m:r>
-                    <m:sSub>
-                      <m:sSubPr>
-                        <m:ctrlPr>
-                          <a:rPr lang="en-US" altLang="ja-JP" b="0" i="1" smtClean="0">
-                            <a:latin typeface="Cambria Math" panose="02040503050406030204" pitchFamily="18" charset="0"/>
-                          </a:rPr>
-                        </m:ctrlPr>
-                      </m:sSubPr>
-                      <m:e>
-                        <m:r>
-                          <a:rPr lang="en-US" altLang="ja-JP" b="0" i="1" smtClean="0">
-                            <a:latin typeface="Cambria Math" panose="02040503050406030204" pitchFamily="18" charset="0"/>
-                          </a:rPr>
-                          <m:t>𝐶</m:t>
-                        </m:r>
-                      </m:e>
-                      <m:sub>
-                        <m:r>
-                          <a:rPr lang="en-US" altLang="ja-JP" b="0" i="1" smtClean="0">
-                            <a:latin typeface="Cambria Math" panose="02040503050406030204" pitchFamily="18" charset="0"/>
-                          </a:rPr>
-                          <m:t>2</m:t>
-                        </m:r>
-                      </m:sub>
-                    </m:sSub>
                   </m:oMath>
                 </a14:m>
                 <a:endParaRPr kumimoji="1" lang="en-US" altLang="ja-JP" dirty="0">
@@ -10533,7 +10519,7 @@
             </p:txBody>
           </p:sp>
         </mc:Choice>
-        <mc:Fallback xmlns="">
+        <mc:Fallback>
           <p:sp>
             <p:nvSpPr>
               <p:cNvPr id="7" name="テキスト ボックス 6">
@@ -11715,7 +11701,7 @@
             <p:spPr>
               <a:xfrm>
                 <a:off x="133350" y="1515470"/>
-                <a:ext cx="11925300" cy="2331792"/>
+                <a:ext cx="11925300" cy="5229830"/>
               </a:xfrm>
               <a:prstGeom prst="rect">
                 <a:avLst/>
@@ -14089,6 +14075,7 @@
                 </a:endParaRPr>
               </a:p>
               <a:p>
+                <a:pPr/>
                 <a14:m>
                   <m:oMathPara xmlns:m="http://schemas.openxmlformats.org/officeDocument/2006/math">
                     <m:oMathParaPr>
@@ -14301,7 +14288,7 @@
                       <m:sSub>
                         <m:sSubPr>
                           <m:ctrlPr>
-                            <a:rPr kumimoji="1" lang="en-US" altLang="ja-JP" sz="1200" b="0" i="0" smtClean="0">
+                            <a:rPr kumimoji="1" lang="en-US" altLang="ja-JP" sz="1200" b="0" i="1" smtClean="0">
                               <a:latin typeface="Cambria Math" panose="02040503050406030204" pitchFamily="18" charset="0"/>
                             </a:rPr>
                           </m:ctrlPr>
@@ -14342,18 +14329,15 @@
                         </m:sSubPr>
                         <m:e>
                           <m:r>
-                            <m:rPr>
-                              <m:sty m:val="p"/>
-                            </m:rPr>
-                            <a:rPr lang="en-US" altLang="ja-JP" sz="1200">
-                              <a:latin typeface="Cambria Math" panose="02040503050406030204" pitchFamily="18" charset="0"/>
-                            </a:rPr>
-                            <m:t>C</m:t>
+                            <a:rPr lang="en-US" altLang="ja-JP" sz="1200" i="1">
+                              <a:latin typeface="Cambria Math" panose="02040503050406030204" pitchFamily="18" charset="0"/>
+                            </a:rPr>
+                            <m:t>𝐶</m:t>
                           </m:r>
                         </m:e>
                         <m:sub>
                           <m:r>
-                            <a:rPr lang="en-US" altLang="ja-JP" sz="1200">
+                            <a:rPr lang="en-US" altLang="ja-JP" sz="1200" i="1">
                               <a:latin typeface="Cambria Math" panose="02040503050406030204" pitchFamily="18" charset="0"/>
                             </a:rPr>
                             <m:t>1</m:t>
@@ -14370,18 +14354,15 @@
                         </m:sSubPr>
                         <m:e>
                           <m:r>
-                            <m:rPr>
-                              <m:sty m:val="p"/>
-                            </m:rPr>
-                            <a:rPr lang="en-US" altLang="ja-JP" sz="1200">
-                              <a:latin typeface="Cambria Math" panose="02040503050406030204" pitchFamily="18" charset="0"/>
-                            </a:rPr>
-                            <m:t>C</m:t>
+                            <a:rPr lang="en-US" altLang="ja-JP" sz="1200" i="1">
+                              <a:latin typeface="Cambria Math" panose="02040503050406030204" pitchFamily="18" charset="0"/>
+                            </a:rPr>
+                            <m:t>𝐶</m:t>
                           </m:r>
                         </m:e>
                         <m:sub>
                           <m:r>
-                            <a:rPr lang="en-US" altLang="ja-JP" sz="1200">
+                            <a:rPr lang="en-US" altLang="ja-JP" sz="1200" i="1">
                               <a:latin typeface="Cambria Math" panose="02040503050406030204" pitchFamily="18" charset="0"/>
                             </a:rPr>
                             <m:t>2</m:t>
@@ -14391,7 +14372,7 @@
                       <m:d>
                         <m:dPr>
                           <m:ctrlPr>
-                            <a:rPr kumimoji="1" lang="en-US" altLang="ja-JP" sz="1200" b="0" i="0" smtClean="0">
+                            <a:rPr kumimoji="1" lang="en-US" altLang="ja-JP" sz="1200" b="0" i="1" smtClean="0">
                               <a:latin typeface="Cambria Math" panose="02040503050406030204" pitchFamily="18" charset="0"/>
                             </a:rPr>
                           </m:ctrlPr>
@@ -14400,34 +14381,28 @@
                           <m:sSub>
                             <m:sSubPr>
                               <m:ctrlPr>
-                                <a:rPr kumimoji="1" lang="en-US" altLang="ja-JP" sz="1200" b="0" i="0" smtClean="0">
+                                <a:rPr kumimoji="1" lang="en-US" altLang="ja-JP" sz="1200" b="0" i="1" smtClean="0">
                                   <a:latin typeface="Cambria Math" panose="02040503050406030204" pitchFamily="18" charset="0"/>
                                 </a:rPr>
                               </m:ctrlPr>
                             </m:sSubPr>
                             <m:e>
                               <m:r>
-                                <m:rPr>
-                                  <m:sty m:val="p"/>
-                                </m:rPr>
-                                <a:rPr kumimoji="1" lang="en-US" altLang="ja-JP" sz="1200" b="0" i="0" smtClean="0">
-                                  <a:latin typeface="Cambria Math" panose="02040503050406030204" pitchFamily="18" charset="0"/>
-                                </a:rPr>
-                                <m:t>G</m:t>
+                                <a:rPr kumimoji="1" lang="en-US" altLang="ja-JP" sz="1200" b="0" i="1" smtClean="0">
+                                  <a:latin typeface="Cambria Math" panose="02040503050406030204" pitchFamily="18" charset="0"/>
+                                </a:rPr>
+                                <m:t>𝐺</m:t>
                               </m:r>
                             </m:e>
                             <m:sub>
                               <m:r>
-                                <m:rPr>
-                                  <m:sty m:val="p"/>
-                                </m:rPr>
-                                <a:rPr kumimoji="1" lang="en-US" altLang="ja-JP" sz="1200" b="0" i="0" smtClean="0">
-                                  <a:latin typeface="Cambria Math" panose="02040503050406030204" pitchFamily="18" charset="0"/>
-                                </a:rPr>
-                                <m:t>c</m:t>
-                              </m:r>
-                              <m:r>
-                                <a:rPr kumimoji="1" lang="en-US" altLang="ja-JP" sz="1200" b="0" i="0" smtClean="0">
+                                <a:rPr kumimoji="1" lang="en-US" altLang="ja-JP" sz="1200" b="0" i="1" smtClean="0">
+                                  <a:latin typeface="Cambria Math" panose="02040503050406030204" pitchFamily="18" charset="0"/>
+                                </a:rPr>
+                                <m:t>𝑐</m:t>
+                              </m:r>
+                              <m:r>
+                                <a:rPr kumimoji="1" lang="en-US" altLang="ja-JP" sz="1200" b="0" i="1" smtClean="0">
                                   <a:latin typeface="Cambria Math" panose="02040503050406030204" pitchFamily="18" charset="0"/>
                                 </a:rPr>
                                 <m:t>2</m:t>
@@ -14435,7 +14410,7 @@
                             </m:sub>
                           </m:sSub>
                           <m:r>
-                            <a:rPr kumimoji="1" lang="en-US" altLang="ja-JP" sz="1200" b="0" i="0" smtClean="0">
+                            <a:rPr kumimoji="1" lang="en-US" altLang="ja-JP" sz="1200" b="0" i="1" smtClean="0">
                               <a:latin typeface="Cambria Math" panose="02040503050406030204" pitchFamily="18" charset="0"/>
                             </a:rPr>
                             <m:t>+</m:t>
@@ -14443,34 +14418,28 @@
                           <m:sSub>
                             <m:sSubPr>
                               <m:ctrlPr>
-                                <a:rPr kumimoji="1" lang="en-US" altLang="ja-JP" sz="1200" b="0" i="0" smtClean="0">
+                                <a:rPr kumimoji="1" lang="en-US" altLang="ja-JP" sz="1200" b="0" i="1" smtClean="0">
                                   <a:latin typeface="Cambria Math" panose="02040503050406030204" pitchFamily="18" charset="0"/>
                                 </a:rPr>
                               </m:ctrlPr>
                             </m:sSubPr>
                             <m:e>
                               <m:r>
-                                <m:rPr>
-                                  <m:sty m:val="p"/>
-                                </m:rPr>
-                                <a:rPr kumimoji="1" lang="en-US" altLang="ja-JP" sz="1200" b="0" i="0" smtClean="0">
-                                  <a:latin typeface="Cambria Math" panose="02040503050406030204" pitchFamily="18" charset="0"/>
-                                </a:rPr>
-                                <m:t>g</m:t>
+                                <a:rPr kumimoji="1" lang="en-US" altLang="ja-JP" sz="1200" b="0" i="1" smtClean="0">
+                                  <a:latin typeface="Cambria Math" panose="02040503050406030204" pitchFamily="18" charset="0"/>
+                                </a:rPr>
+                                <m:t>𝑔</m:t>
                               </m:r>
                             </m:e>
                             <m:sub>
                               <m:r>
-                                <m:rPr>
-                                  <m:sty m:val="p"/>
-                                </m:rPr>
-                                <a:rPr kumimoji="1" lang="en-US" altLang="ja-JP" sz="1200" b="0" i="0" smtClean="0">
-                                  <a:latin typeface="Cambria Math" panose="02040503050406030204" pitchFamily="18" charset="0"/>
-                                </a:rPr>
-                                <m:t>ce</m:t>
-                              </m:r>
-                              <m:r>
-                                <a:rPr kumimoji="1" lang="en-US" altLang="ja-JP" sz="1200" b="0" i="0" smtClean="0">
+                                <a:rPr kumimoji="1" lang="en-US" altLang="ja-JP" sz="1200" b="0" i="1" smtClean="0">
+                                  <a:latin typeface="Cambria Math" panose="02040503050406030204" pitchFamily="18" charset="0"/>
+                                </a:rPr>
+                                <m:t>𝑐𝑒</m:t>
+                              </m:r>
+                              <m:r>
+                                <a:rPr kumimoji="1" lang="en-US" altLang="ja-JP" sz="1200" b="0" i="1" smtClean="0">
                                   <a:latin typeface="Cambria Math" panose="02040503050406030204" pitchFamily="18" charset="0"/>
                                 </a:rPr>
                                 <m:t>2</m:t>
@@ -14480,7 +14449,7 @@
                         </m:e>
                       </m:d>
                       <m:r>
-                        <a:rPr kumimoji="1" lang="en-US" altLang="ja-JP" sz="1200" b="0" i="0" smtClean="0">
+                        <a:rPr kumimoji="1" lang="en-US" altLang="ja-JP" sz="1200" b="0" i="1" smtClean="0">
                           <a:latin typeface="Cambria Math" panose="02040503050406030204" pitchFamily="18" charset="0"/>
                         </a:rPr>
                         <m:t>+</m:t>
@@ -14488,34 +14457,28 @@
                       <m:sSub>
                         <m:sSubPr>
                           <m:ctrlPr>
-                            <a:rPr kumimoji="1" lang="en-US" altLang="ja-JP" sz="1200" b="0" i="0" smtClean="0">
+                            <a:rPr kumimoji="1" lang="en-US" altLang="ja-JP" sz="1200" b="0" i="1" smtClean="0">
                               <a:latin typeface="Cambria Math" panose="02040503050406030204" pitchFamily="18" charset="0"/>
                             </a:rPr>
                           </m:ctrlPr>
                         </m:sSubPr>
                         <m:e>
                           <m:r>
-                            <m:rPr>
-                              <m:sty m:val="p"/>
-                            </m:rPr>
-                            <a:rPr kumimoji="1" lang="en-US" altLang="ja-JP" sz="1200" b="0" i="0" smtClean="0">
-                              <a:latin typeface="Cambria Math" panose="02040503050406030204" pitchFamily="18" charset="0"/>
-                            </a:rPr>
-                            <m:t>C</m:t>
+                            <a:rPr kumimoji="1" lang="en-US" altLang="ja-JP" sz="1200" b="0" i="1" smtClean="0">
+                              <a:latin typeface="Cambria Math" panose="02040503050406030204" pitchFamily="18" charset="0"/>
+                            </a:rPr>
+                            <m:t>𝐶</m:t>
                           </m:r>
                         </m:e>
                         <m:sub>
                           <m:r>
-                            <m:rPr>
-                              <m:sty m:val="p"/>
-                            </m:rPr>
-                            <a:rPr kumimoji="1" lang="en-US" altLang="ja-JP" sz="1200" b="0" i="0" smtClean="0">
-                              <a:latin typeface="Cambria Math" panose="02040503050406030204" pitchFamily="18" charset="0"/>
-                            </a:rPr>
-                            <m:t>jc</m:t>
-                          </m:r>
-                          <m:r>
-                            <a:rPr kumimoji="1" lang="en-US" altLang="ja-JP" sz="1200" b="0" i="0" smtClean="0">
+                            <a:rPr kumimoji="1" lang="en-US" altLang="ja-JP" sz="1200" b="0" i="1" smtClean="0">
+                              <a:latin typeface="Cambria Math" panose="02040503050406030204" pitchFamily="18" charset="0"/>
+                            </a:rPr>
+                            <m:t>𝑗𝑐</m:t>
+                          </m:r>
+                          <m:r>
+                            <a:rPr kumimoji="1" lang="en-US" altLang="ja-JP" sz="1200" b="0" i="1" smtClean="0">
                               <a:latin typeface="Cambria Math" panose="02040503050406030204" pitchFamily="18" charset="0"/>
                             </a:rPr>
                             <m:t>2</m:t>
@@ -14525,7 +14488,7 @@
                       <m:d>
                         <m:dPr>
                           <m:ctrlPr>
-                            <a:rPr kumimoji="1" lang="en-US" altLang="ja-JP" sz="1200" b="0" i="0" smtClean="0">
+                            <a:rPr kumimoji="1" lang="en-US" altLang="ja-JP" sz="1200" b="0" i="1" smtClean="0">
                               <a:latin typeface="Cambria Math" panose="02040503050406030204" pitchFamily="18" charset="0"/>
                             </a:rPr>
                           </m:ctrlPr>
@@ -14534,25 +14497,22 @@
                           <m:sSub>
                             <m:sSubPr>
                               <m:ctrlPr>
-                                <a:rPr kumimoji="1" lang="en-US" altLang="ja-JP" sz="1200" b="0" i="0" smtClean="0">
+                                <a:rPr kumimoji="1" lang="en-US" altLang="ja-JP" sz="1200" b="0" i="1" smtClean="0">
                                   <a:latin typeface="Cambria Math" panose="02040503050406030204" pitchFamily="18" charset="0"/>
                                 </a:rPr>
                               </m:ctrlPr>
                             </m:sSubPr>
                             <m:e>
                               <m:r>
-                                <m:rPr>
-                                  <m:sty m:val="p"/>
-                                </m:rPr>
-                                <a:rPr kumimoji="1" lang="en-US" altLang="ja-JP" sz="1200" b="0" i="0" smtClean="0">
-                                  <a:latin typeface="Cambria Math" panose="02040503050406030204" pitchFamily="18" charset="0"/>
-                                </a:rPr>
-                                <m:t>C</m:t>
+                                <a:rPr kumimoji="1" lang="en-US" altLang="ja-JP" sz="1200" b="0" i="1" smtClean="0">
+                                  <a:latin typeface="Cambria Math" panose="02040503050406030204" pitchFamily="18" charset="0"/>
+                                </a:rPr>
+                                <m:t>𝐶</m:t>
                               </m:r>
                             </m:e>
                             <m:sub>
                               <m:r>
-                                <a:rPr kumimoji="1" lang="en-US" altLang="ja-JP" sz="1200" b="0" i="0" smtClean="0">
+                                <a:rPr kumimoji="1" lang="en-US" altLang="ja-JP" sz="1200" b="0" i="1" smtClean="0">
                                   <a:latin typeface="Cambria Math" panose="02040503050406030204" pitchFamily="18" charset="0"/>
                                 </a:rPr>
                                 <m:t>1</m:t>
@@ -14562,25 +14522,22 @@
                           <m:sSub>
                             <m:sSubPr>
                               <m:ctrlPr>
-                                <a:rPr kumimoji="1" lang="en-US" altLang="ja-JP" sz="1200" b="0" i="0" smtClean="0">
+                                <a:rPr kumimoji="1" lang="en-US" altLang="ja-JP" sz="1200" b="0" i="1" smtClean="0">
                                   <a:latin typeface="Cambria Math" panose="02040503050406030204" pitchFamily="18" charset="0"/>
                                 </a:rPr>
                               </m:ctrlPr>
                             </m:sSubPr>
                             <m:e>
                               <m:r>
-                                <m:rPr>
-                                  <m:sty m:val="p"/>
-                                </m:rPr>
-                                <a:rPr kumimoji="1" lang="en-US" altLang="ja-JP" sz="1200" b="0" i="0" smtClean="0">
-                                  <a:latin typeface="Cambria Math" panose="02040503050406030204" pitchFamily="18" charset="0"/>
-                                </a:rPr>
-                                <m:t>G</m:t>
+                                <a:rPr kumimoji="1" lang="en-US" altLang="ja-JP" sz="1200" b="0" i="1" smtClean="0">
+                                  <a:latin typeface="Cambria Math" panose="02040503050406030204" pitchFamily="18" charset="0"/>
+                                </a:rPr>
+                                <m:t>𝐺</m:t>
                               </m:r>
                             </m:e>
                             <m:sub>
                               <m:r>
-                                <a:rPr kumimoji="1" lang="en-US" altLang="ja-JP" sz="1200" b="0" i="0" smtClean="0">
+                                <a:rPr kumimoji="1" lang="en-US" altLang="ja-JP" sz="1200" b="0" i="1" smtClean="0">
                                   <a:latin typeface="Cambria Math" panose="02040503050406030204" pitchFamily="18" charset="0"/>
                                 </a:rPr>
                                 <m:t>2</m:t>
@@ -14588,7 +14545,7 @@
                             </m:sub>
                           </m:sSub>
                           <m:r>
-                            <a:rPr kumimoji="1" lang="en-US" altLang="ja-JP" sz="1200" b="0" i="0" smtClean="0">
+                            <a:rPr kumimoji="1" lang="en-US" altLang="ja-JP" sz="1200" b="0" i="1" smtClean="0">
                               <a:latin typeface="Cambria Math" panose="02040503050406030204" pitchFamily="18" charset="0"/>
                             </a:rPr>
                             <m:t>+</m:t>
@@ -14596,25 +14553,22 @@
                           <m:sSub>
                             <m:sSubPr>
                               <m:ctrlPr>
-                                <a:rPr kumimoji="1" lang="en-US" altLang="ja-JP" sz="1200" b="0" i="0" smtClean="0">
+                                <a:rPr kumimoji="1" lang="en-US" altLang="ja-JP" sz="1200" b="0" i="1" smtClean="0">
                                   <a:latin typeface="Cambria Math" panose="02040503050406030204" pitchFamily="18" charset="0"/>
                                 </a:rPr>
                               </m:ctrlPr>
                             </m:sSubPr>
                             <m:e>
                               <m:r>
-                                <m:rPr>
-                                  <m:sty m:val="p"/>
-                                </m:rPr>
-                                <a:rPr kumimoji="1" lang="en-US" altLang="ja-JP" sz="1200" b="0" i="0" smtClean="0">
-                                  <a:latin typeface="Cambria Math" panose="02040503050406030204" pitchFamily="18" charset="0"/>
-                                </a:rPr>
-                                <m:t>C</m:t>
+                                <a:rPr kumimoji="1" lang="en-US" altLang="ja-JP" sz="1200" b="0" i="1" smtClean="0">
+                                  <a:latin typeface="Cambria Math" panose="02040503050406030204" pitchFamily="18" charset="0"/>
+                                </a:rPr>
+                                <m:t>𝐶</m:t>
                               </m:r>
                             </m:e>
                             <m:sub>
                               <m:r>
-                                <a:rPr kumimoji="1" lang="en-US" altLang="ja-JP" sz="1200" b="0" i="0" smtClean="0">
+                                <a:rPr kumimoji="1" lang="en-US" altLang="ja-JP" sz="1200" b="0" i="1" smtClean="0">
                                   <a:latin typeface="Cambria Math" panose="02040503050406030204" pitchFamily="18" charset="0"/>
                                 </a:rPr>
                                 <m:t>2</m:t>
@@ -14624,34 +14578,28 @@
                           <m:sSub>
                             <m:sSubPr>
                               <m:ctrlPr>
-                                <a:rPr kumimoji="1" lang="en-US" altLang="ja-JP" sz="1200" b="0" i="0" smtClean="0">
+                                <a:rPr kumimoji="1" lang="en-US" altLang="ja-JP" sz="1200" b="0" i="1" smtClean="0">
                                   <a:latin typeface="Cambria Math" panose="02040503050406030204" pitchFamily="18" charset="0"/>
                                 </a:rPr>
                               </m:ctrlPr>
                             </m:sSubPr>
                             <m:e>
                               <m:r>
-                                <m:rPr>
-                                  <m:sty m:val="p"/>
-                                </m:rPr>
-                                <a:rPr kumimoji="1" lang="en-US" altLang="ja-JP" sz="1200" b="0" i="0" smtClean="0">
-                                  <a:latin typeface="Cambria Math" panose="02040503050406030204" pitchFamily="18" charset="0"/>
-                                </a:rPr>
-                                <m:t>g</m:t>
+                                <a:rPr kumimoji="1" lang="en-US" altLang="ja-JP" sz="1200" b="0" i="1" smtClean="0">
+                                  <a:latin typeface="Cambria Math" panose="02040503050406030204" pitchFamily="18" charset="0"/>
+                                </a:rPr>
+                                <m:t>𝑔</m:t>
                               </m:r>
                             </m:e>
                             <m:sub>
                               <m:r>
-                                <m:rPr>
-                                  <m:sty m:val="p"/>
-                                </m:rPr>
-                                <a:rPr kumimoji="1" lang="en-US" altLang="ja-JP" sz="1200" b="0" i="0" smtClean="0">
-                                  <a:latin typeface="Cambria Math" panose="02040503050406030204" pitchFamily="18" charset="0"/>
-                                </a:rPr>
-                                <m:t>ce</m:t>
-                              </m:r>
-                              <m:r>
-                                <a:rPr kumimoji="1" lang="en-US" altLang="ja-JP" sz="1200" b="0" i="0" smtClean="0">
+                                <a:rPr kumimoji="1" lang="en-US" altLang="ja-JP" sz="1200" b="0" i="1" smtClean="0">
+                                  <a:latin typeface="Cambria Math" panose="02040503050406030204" pitchFamily="18" charset="0"/>
+                                </a:rPr>
+                                <m:t>𝑐𝑒</m:t>
+                              </m:r>
+                              <m:r>
+                                <a:rPr kumimoji="1" lang="en-US" altLang="ja-JP" sz="1200" b="0" i="1" smtClean="0">
                                   <a:latin typeface="Cambria Math" panose="02040503050406030204" pitchFamily="18" charset="0"/>
                                 </a:rPr>
                                 <m:t>1</m:t>
@@ -14663,7 +14611,7 @@
                     </m:oMath>
                   </m:oMathPara>
                 </a14:m>
-                <a:endParaRPr kumimoji="1" lang="en-US" altLang="ja-JP" sz="1200" dirty="0">
+                <a:endParaRPr kumimoji="1" lang="en-US" altLang="ja-JP" sz="1200" i="1" dirty="0">
                   <a:latin typeface="Times Newer Roman" panose="00000500000000000000" pitchFamily="50" charset="0"/>
                 </a:endParaRPr>
               </a:p>
@@ -14673,6 +14621,7 @@
                 </a:endParaRPr>
               </a:p>
               <a:p>
+                <a:pPr/>
                 <a14:m>
                   <m:oMathPara xmlns:m="http://schemas.openxmlformats.org/officeDocument/2006/math">
                     <m:oMathParaPr>
@@ -16204,6 +16153,5351 @@
                     </m:oMath>
                   </m:oMathPara>
                 </a14:m>
+                <a:endParaRPr kumimoji="1" lang="en-US" altLang="ja-JP" sz="1200" dirty="0">
+                  <a:latin typeface="Times Newer Roman" panose="00000500000000000000" pitchFamily="50" charset="0"/>
+                </a:endParaRPr>
+              </a:p>
+              <a:p>
+                <a:pPr/>
+                <a14:m>
+                  <m:oMathPara xmlns:m="http://schemas.openxmlformats.org/officeDocument/2006/math">
+                    <m:oMathParaPr>
+                      <m:jc m:val="centerGroup"/>
+                    </m:oMathParaPr>
+                    <m:oMath xmlns:m="http://schemas.openxmlformats.org/officeDocument/2006/math">
+                      <m:sSub>
+                        <m:sSubPr>
+                          <m:ctrlPr>
+                            <a:rPr kumimoji="1" lang="en-US" altLang="ja-JP" sz="1200" b="0" i="1" smtClean="0">
+                              <a:latin typeface="Cambria Math" panose="02040503050406030204" pitchFamily="18" charset="0"/>
+                            </a:rPr>
+                          </m:ctrlPr>
+                        </m:sSubPr>
+                        <m:e>
+                          <m:r>
+                            <a:rPr kumimoji="1" lang="en-US" altLang="ja-JP" sz="1200" b="0" i="1" smtClean="0">
+                              <a:latin typeface="Cambria Math" panose="02040503050406030204" pitchFamily="18" charset="0"/>
+                            </a:rPr>
+                            <m:t>𝑋</m:t>
+                          </m:r>
+                        </m:e>
+                        <m:sub>
+                          <m:r>
+                            <a:rPr kumimoji="1" lang="en-US" altLang="ja-JP" sz="1200" b="0" i="1" smtClean="0">
+                              <a:latin typeface="Cambria Math" panose="02040503050406030204" pitchFamily="18" charset="0"/>
+                            </a:rPr>
+                            <m:t>𝑡</m:t>
+                          </m:r>
+                        </m:sub>
+                      </m:sSub>
+                      <m:r>
+                        <a:rPr kumimoji="1" lang="en-US" altLang="ja-JP" sz="1200" b="0" i="1" smtClean="0">
+                          <a:latin typeface="Cambria Math" panose="02040503050406030204" pitchFamily="18" charset="0"/>
+                        </a:rPr>
+                        <m:t>=</m:t>
+                      </m:r>
+                      <m:f>
+                        <m:fPr>
+                          <m:ctrlPr>
+                            <a:rPr kumimoji="1" lang="en-US" altLang="ja-JP" sz="1200" b="0" i="1" smtClean="0">
+                              <a:latin typeface="Cambria Math" panose="02040503050406030204" pitchFamily="18" charset="0"/>
+                            </a:rPr>
+                          </m:ctrlPr>
+                        </m:fPr>
+                        <m:num>
+                          <m:sSub>
+                            <m:sSubPr>
+                              <m:ctrlPr>
+                                <a:rPr kumimoji="1" lang="en-US" altLang="ja-JP" sz="1200" b="0" i="1" smtClean="0">
+                                  <a:latin typeface="Cambria Math" panose="02040503050406030204" pitchFamily="18" charset="0"/>
+                                </a:rPr>
+                              </m:ctrlPr>
+                            </m:sSubPr>
+                            <m:e>
+                              <m:r>
+                                <a:rPr kumimoji="1" lang="en-US" altLang="ja-JP" sz="1200" b="0" i="1" smtClean="0">
+                                  <a:latin typeface="Cambria Math" panose="02040503050406030204" pitchFamily="18" charset="0"/>
+                                </a:rPr>
+                                <m:t>𝑣</m:t>
+                              </m:r>
+                            </m:e>
+                            <m:sub>
+                              <m:r>
+                                <a:rPr kumimoji="1" lang="en-US" altLang="ja-JP" sz="1200" b="0" i="1" smtClean="0">
+                                  <a:latin typeface="Cambria Math" panose="02040503050406030204" pitchFamily="18" charset="0"/>
+                                </a:rPr>
+                                <m:t>𝑜𝑢𝑡</m:t>
+                              </m:r>
+                            </m:sub>
+                          </m:sSub>
+                        </m:num>
+                        <m:den>
+                          <m:sSub>
+                            <m:sSubPr>
+                              <m:ctrlPr>
+                                <a:rPr kumimoji="1" lang="en-US" altLang="ja-JP" sz="1200" b="0" i="1" smtClean="0">
+                                  <a:latin typeface="Cambria Math" panose="02040503050406030204" pitchFamily="18" charset="0"/>
+                                </a:rPr>
+                              </m:ctrlPr>
+                            </m:sSubPr>
+                            <m:e>
+                              <m:r>
+                                <a:rPr kumimoji="1" lang="en-US" altLang="ja-JP" sz="1200" b="0" i="1" smtClean="0">
+                                  <a:latin typeface="Cambria Math" panose="02040503050406030204" pitchFamily="18" charset="0"/>
+                                </a:rPr>
+                                <m:t>𝑖</m:t>
+                              </m:r>
+                            </m:e>
+                            <m:sub>
+                              <m:r>
+                                <a:rPr kumimoji="1" lang="en-US" altLang="ja-JP" sz="1200" b="0" i="1" smtClean="0">
+                                  <a:latin typeface="Cambria Math" panose="02040503050406030204" pitchFamily="18" charset="0"/>
+                                </a:rPr>
+                                <m:t>𝑖𝑛</m:t>
+                              </m:r>
+                            </m:sub>
+                          </m:sSub>
+                        </m:den>
+                      </m:f>
+                      <m:r>
+                        <a:rPr kumimoji="1" lang="en-US" altLang="ja-JP" sz="1200" b="0" i="1" smtClean="0">
+                          <a:latin typeface="Cambria Math" panose="02040503050406030204" pitchFamily="18" charset="0"/>
+                        </a:rPr>
+                        <m:t>=</m:t>
+                      </m:r>
+                      <m:f>
+                        <m:fPr>
+                          <m:ctrlPr>
+                            <a:rPr lang="en-US" altLang="ja-JP" sz="1200" i="1">
+                              <a:latin typeface="Cambria Math" panose="02040503050406030204" pitchFamily="18" charset="0"/>
+                            </a:rPr>
+                          </m:ctrlPr>
+                        </m:fPr>
+                        <m:num>
+                          <m:sSub>
+                            <m:sSubPr>
+                              <m:ctrlPr>
+                                <a:rPr lang="en-US" altLang="ja-JP" sz="1200" i="1">
+                                  <a:latin typeface="Cambria Math" panose="02040503050406030204" pitchFamily="18" charset="0"/>
+                                </a:rPr>
+                              </m:ctrlPr>
+                            </m:sSubPr>
+                            <m:e>
+                              <m:r>
+                                <a:rPr lang="en-US" altLang="ja-JP" sz="1200" i="1">
+                                  <a:latin typeface="Cambria Math" panose="02040503050406030204" pitchFamily="18" charset="0"/>
+                                </a:rPr>
+                                <m:t>𝑔</m:t>
+                              </m:r>
+                            </m:e>
+                            <m:sub>
+                              <m:r>
+                                <a:rPr lang="en-US" altLang="ja-JP" sz="1200" i="1">
+                                  <a:latin typeface="Cambria Math" panose="02040503050406030204" pitchFamily="18" charset="0"/>
+                                </a:rPr>
+                                <m:t>𝑚</m:t>
+                              </m:r>
+                              <m:r>
+                                <a:rPr lang="en-US" altLang="ja-JP" sz="1200" i="1">
+                                  <a:latin typeface="Cambria Math" panose="02040503050406030204" pitchFamily="18" charset="0"/>
+                                </a:rPr>
+                                <m:t>1</m:t>
+                              </m:r>
+                            </m:sub>
+                          </m:sSub>
+                          <m:r>
+                            <a:rPr lang="en-US" altLang="ja-JP" sz="1200" i="1">
+                              <a:latin typeface="Cambria Math" panose="02040503050406030204" pitchFamily="18" charset="0"/>
+                            </a:rPr>
+                            <m:t>+</m:t>
+                          </m:r>
+                          <m:sSub>
+                            <m:sSubPr>
+                              <m:ctrlPr>
+                                <a:rPr lang="en-US" altLang="ja-JP" sz="1200" i="1">
+                                  <a:latin typeface="Cambria Math" panose="02040503050406030204" pitchFamily="18" charset="0"/>
+                                </a:rPr>
+                              </m:ctrlPr>
+                            </m:sSubPr>
+                            <m:e>
+                              <m:r>
+                                <a:rPr lang="en-US" altLang="ja-JP" sz="1200" i="1">
+                                  <a:latin typeface="Cambria Math" panose="02040503050406030204" pitchFamily="18" charset="0"/>
+                                </a:rPr>
+                                <m:t>𝑔</m:t>
+                              </m:r>
+                            </m:e>
+                            <m:sub>
+                              <m:r>
+                                <a:rPr lang="en-US" altLang="ja-JP" sz="1200" i="1">
+                                  <a:latin typeface="Cambria Math" panose="02040503050406030204" pitchFamily="18" charset="0"/>
+                                </a:rPr>
+                                <m:t>𝑐𝑒</m:t>
+                              </m:r>
+                              <m:r>
+                                <a:rPr lang="en-US" altLang="ja-JP" sz="1200" i="1">
+                                  <a:latin typeface="Cambria Math" panose="02040503050406030204" pitchFamily="18" charset="0"/>
+                                </a:rPr>
+                                <m:t>1</m:t>
+                              </m:r>
+                            </m:sub>
+                          </m:sSub>
+                        </m:num>
+                        <m:den>
+                          <m:sSub>
+                            <m:sSubPr>
+                              <m:ctrlPr>
+                                <a:rPr lang="en-US" altLang="ja-JP" sz="1200" i="1">
+                                  <a:latin typeface="Cambria Math" panose="02040503050406030204" pitchFamily="18" charset="0"/>
+                                </a:rPr>
+                              </m:ctrlPr>
+                            </m:sSubPr>
+                            <m:e>
+                              <m:r>
+                                <a:rPr lang="en-US" altLang="ja-JP" sz="1200" i="1">
+                                  <a:latin typeface="Cambria Math" panose="02040503050406030204" pitchFamily="18" charset="0"/>
+                                </a:rPr>
+                                <m:t>𝐺</m:t>
+                              </m:r>
+                            </m:e>
+                            <m:sub>
+                              <m:r>
+                                <a:rPr lang="en-US" altLang="ja-JP" sz="1200" i="1">
+                                  <a:latin typeface="Cambria Math" panose="02040503050406030204" pitchFamily="18" charset="0"/>
+                                </a:rPr>
+                                <m:t>1</m:t>
+                              </m:r>
+                            </m:sub>
+                          </m:sSub>
+                          <m:r>
+                            <a:rPr lang="en-US" altLang="ja-JP" sz="1200" i="1">
+                              <a:latin typeface="Cambria Math" panose="02040503050406030204" pitchFamily="18" charset="0"/>
+                            </a:rPr>
+                            <m:t>+</m:t>
+                          </m:r>
+                          <m:r>
+                            <a:rPr lang="en-US" altLang="ja-JP" sz="1200" i="1">
+                              <a:latin typeface="Cambria Math" panose="02040503050406030204" pitchFamily="18" charset="0"/>
+                            </a:rPr>
+                            <m:t>𝑗</m:t>
+                          </m:r>
+                          <m:r>
+                            <a:rPr lang="en-US" altLang="ja-JP" sz="1200" i="1">
+                              <a:latin typeface="Cambria Math" panose="02040503050406030204" pitchFamily="18" charset="0"/>
+                            </a:rPr>
+                            <m:t>𝜔</m:t>
+                          </m:r>
+                          <m:sSub>
+                            <m:sSubPr>
+                              <m:ctrlPr>
+                                <a:rPr lang="en-US" altLang="ja-JP" sz="1200" i="1">
+                                  <a:latin typeface="Cambria Math" panose="02040503050406030204" pitchFamily="18" charset="0"/>
+                                </a:rPr>
+                              </m:ctrlPr>
+                            </m:sSubPr>
+                            <m:e>
+                              <m:r>
+                                <a:rPr lang="en-US" altLang="ja-JP" sz="1200" i="1">
+                                  <a:latin typeface="Cambria Math" panose="02040503050406030204" pitchFamily="18" charset="0"/>
+                                </a:rPr>
+                                <m:t>𝐶</m:t>
+                              </m:r>
+                            </m:e>
+                            <m:sub>
+                              <m:r>
+                                <a:rPr lang="en-US" altLang="ja-JP" sz="1200" i="1">
+                                  <a:latin typeface="Cambria Math" panose="02040503050406030204" pitchFamily="18" charset="0"/>
+                                </a:rPr>
+                                <m:t>1</m:t>
+                              </m:r>
+                            </m:sub>
+                          </m:sSub>
+                        </m:den>
+                      </m:f>
+                      <m:r>
+                        <a:rPr lang="en-US" altLang="ja-JP" sz="1200" b="0" i="1" smtClean="0">
+                          <a:latin typeface="Cambria Math" panose="02040503050406030204" pitchFamily="18" charset="0"/>
+                        </a:rPr>
+                        <m:t>⋅</m:t>
+                      </m:r>
+                      <m:f>
+                        <m:fPr>
+                          <m:ctrlPr>
+                            <a:rPr lang="en-US" altLang="ja-JP" sz="1200" b="0" i="1" smtClean="0">
+                              <a:latin typeface="Cambria Math" panose="02040503050406030204" pitchFamily="18" charset="0"/>
+                            </a:rPr>
+                          </m:ctrlPr>
+                        </m:fPr>
+                        <m:num>
+                          <m:r>
+                            <a:rPr lang="en-US" altLang="ja-JP" sz="1200" i="1">
+                              <a:latin typeface="Cambria Math" panose="02040503050406030204" pitchFamily="18" charset="0"/>
+                            </a:rPr>
+                            <m:t>−</m:t>
+                          </m:r>
+                          <m:sSub>
+                            <m:sSubPr>
+                              <m:ctrlPr>
+                                <a:rPr lang="en-US" altLang="ja-JP" sz="1200" i="1">
+                                  <a:latin typeface="Cambria Math" panose="02040503050406030204" pitchFamily="18" charset="0"/>
+                                </a:rPr>
+                              </m:ctrlPr>
+                            </m:sSubPr>
+                            <m:e>
+                              <m:r>
+                                <a:rPr lang="en-US" altLang="ja-JP" sz="1200" i="1">
+                                  <a:latin typeface="Cambria Math" panose="02040503050406030204" pitchFamily="18" charset="0"/>
+                                </a:rPr>
+                                <m:t>𝑔</m:t>
+                              </m:r>
+                            </m:e>
+                            <m:sub>
+                              <m:r>
+                                <a:rPr lang="en-US" altLang="ja-JP" sz="1200" i="1">
+                                  <a:latin typeface="Cambria Math" panose="02040503050406030204" pitchFamily="18" charset="0"/>
+                                </a:rPr>
+                                <m:t>𝑚</m:t>
+                              </m:r>
+                              <m:r>
+                                <a:rPr lang="en-US" altLang="ja-JP" sz="1200" i="1">
+                                  <a:latin typeface="Cambria Math" panose="02040503050406030204" pitchFamily="18" charset="0"/>
+                                </a:rPr>
+                                <m:t>2</m:t>
+                              </m:r>
+                            </m:sub>
+                          </m:sSub>
+                          <m:sSub>
+                            <m:sSubPr>
+                              <m:ctrlPr>
+                                <a:rPr lang="en-US" altLang="ja-JP" sz="1200" i="1">
+                                  <a:latin typeface="Cambria Math" panose="02040503050406030204" pitchFamily="18" charset="0"/>
+                                </a:rPr>
+                              </m:ctrlPr>
+                            </m:sSubPr>
+                            <m:e>
+                              <m:r>
+                                <a:rPr lang="en-US" altLang="ja-JP" sz="1200" i="1">
+                                  <a:latin typeface="Cambria Math" panose="02040503050406030204" pitchFamily="18" charset="0"/>
+                                </a:rPr>
+                                <m:t>𝐺</m:t>
+                              </m:r>
+                            </m:e>
+                            <m:sub>
+                              <m:r>
+                                <a:rPr lang="en-US" altLang="ja-JP" sz="1200" i="1">
+                                  <a:latin typeface="Cambria Math" panose="02040503050406030204" pitchFamily="18" charset="0"/>
+                                </a:rPr>
+                                <m:t>1</m:t>
+                              </m:r>
+                            </m:sub>
+                          </m:sSub>
+                          <m:r>
+                            <a:rPr lang="en-US" altLang="ja-JP" sz="1200" i="1">
+                              <a:latin typeface="Cambria Math" panose="02040503050406030204" pitchFamily="18" charset="0"/>
+                            </a:rPr>
+                            <m:t>+</m:t>
+                          </m:r>
+                          <m:r>
+                            <a:rPr lang="en-US" altLang="ja-JP" sz="1200" i="1">
+                              <a:latin typeface="Cambria Math" panose="02040503050406030204" pitchFamily="18" charset="0"/>
+                            </a:rPr>
+                            <m:t>𝑗</m:t>
+                          </m:r>
+                          <m:r>
+                            <a:rPr lang="en-US" altLang="ja-JP" sz="1200" i="1">
+                              <a:latin typeface="Cambria Math" panose="02040503050406030204" pitchFamily="18" charset="0"/>
+                            </a:rPr>
+                            <m:t>𝜔</m:t>
+                          </m:r>
+                          <m:d>
+                            <m:dPr>
+                              <m:ctrlPr>
+                                <a:rPr lang="en-US" altLang="ja-JP" sz="1200" i="1">
+                                  <a:latin typeface="Cambria Math" panose="02040503050406030204" pitchFamily="18" charset="0"/>
+                                </a:rPr>
+                              </m:ctrlPr>
+                            </m:dPr>
+                            <m:e>
+                              <m:sSub>
+                                <m:sSubPr>
+                                  <m:ctrlPr>
+                                    <a:rPr lang="en-US" altLang="ja-JP" sz="1200" i="1">
+                                      <a:latin typeface="Cambria Math" panose="02040503050406030204" pitchFamily="18" charset="0"/>
+                                    </a:rPr>
+                                  </m:ctrlPr>
+                                </m:sSubPr>
+                                <m:e>
+                                  <m:r>
+                                    <a:rPr lang="en-US" altLang="ja-JP" sz="1200" i="1">
+                                      <a:latin typeface="Cambria Math" panose="02040503050406030204" pitchFamily="18" charset="0"/>
+                                    </a:rPr>
+                                    <m:t>𝐺</m:t>
+                                  </m:r>
+                                </m:e>
+                                <m:sub>
+                                  <m:r>
+                                    <a:rPr lang="en-US" altLang="ja-JP" sz="1200" i="1">
+                                      <a:latin typeface="Cambria Math" panose="02040503050406030204" pitchFamily="18" charset="0"/>
+                                    </a:rPr>
+                                    <m:t>1</m:t>
+                                  </m:r>
+                                </m:sub>
+                              </m:sSub>
+                              <m:sSub>
+                                <m:sSubPr>
+                                  <m:ctrlPr>
+                                    <a:rPr lang="en-US" altLang="ja-JP" sz="1200" i="1">
+                                      <a:latin typeface="Cambria Math" panose="02040503050406030204" pitchFamily="18" charset="0"/>
+                                    </a:rPr>
+                                  </m:ctrlPr>
+                                </m:sSubPr>
+                                <m:e>
+                                  <m:r>
+                                    <a:rPr lang="en-US" altLang="ja-JP" sz="1200" i="1">
+                                      <a:latin typeface="Cambria Math" panose="02040503050406030204" pitchFamily="18" charset="0"/>
+                                    </a:rPr>
+                                    <m:t>𝐶</m:t>
+                                  </m:r>
+                                </m:e>
+                                <m:sub>
+                                  <m:r>
+                                    <a:rPr lang="en-US" altLang="ja-JP" sz="1200" i="1">
+                                      <a:latin typeface="Cambria Math" panose="02040503050406030204" pitchFamily="18" charset="0"/>
+                                    </a:rPr>
+                                    <m:t>𝑗𝑐</m:t>
+                                  </m:r>
+                                  <m:r>
+                                    <a:rPr lang="en-US" altLang="ja-JP" sz="1200" i="1">
+                                      <a:latin typeface="Cambria Math" panose="02040503050406030204" pitchFamily="18" charset="0"/>
+                                    </a:rPr>
+                                    <m:t>2</m:t>
+                                  </m:r>
+                                </m:sub>
+                              </m:sSub>
+                              <m:r>
+                                <a:rPr lang="en-US" altLang="ja-JP" sz="1200" i="1">
+                                  <a:latin typeface="Cambria Math" panose="02040503050406030204" pitchFamily="18" charset="0"/>
+                                </a:rPr>
+                                <m:t>−</m:t>
+                              </m:r>
+                              <m:sSub>
+                                <m:sSubPr>
+                                  <m:ctrlPr>
+                                    <a:rPr lang="en-US" altLang="ja-JP" sz="1200" i="1">
+                                      <a:latin typeface="Cambria Math" panose="02040503050406030204" pitchFamily="18" charset="0"/>
+                                    </a:rPr>
+                                  </m:ctrlPr>
+                                </m:sSubPr>
+                                <m:e>
+                                  <m:r>
+                                    <a:rPr lang="en-US" altLang="ja-JP" sz="1200" i="1">
+                                      <a:latin typeface="Cambria Math" panose="02040503050406030204" pitchFamily="18" charset="0"/>
+                                    </a:rPr>
+                                    <m:t>𝑔</m:t>
+                                  </m:r>
+                                </m:e>
+                                <m:sub>
+                                  <m:r>
+                                    <a:rPr lang="en-US" altLang="ja-JP" sz="1200" i="1">
+                                      <a:latin typeface="Cambria Math" panose="02040503050406030204" pitchFamily="18" charset="0"/>
+                                    </a:rPr>
+                                    <m:t>𝑚</m:t>
+                                  </m:r>
+                                  <m:r>
+                                    <a:rPr lang="en-US" altLang="ja-JP" sz="1200" i="1">
+                                      <a:latin typeface="Cambria Math" panose="02040503050406030204" pitchFamily="18" charset="0"/>
+                                    </a:rPr>
+                                    <m:t>2</m:t>
+                                  </m:r>
+                                </m:sub>
+                              </m:sSub>
+                              <m:sSub>
+                                <m:sSubPr>
+                                  <m:ctrlPr>
+                                    <a:rPr lang="en-US" altLang="ja-JP" sz="1200" i="1">
+                                      <a:latin typeface="Cambria Math" panose="02040503050406030204" pitchFamily="18" charset="0"/>
+                                    </a:rPr>
+                                  </m:ctrlPr>
+                                </m:sSubPr>
+                                <m:e>
+                                  <m:r>
+                                    <a:rPr lang="en-US" altLang="ja-JP" sz="1200" i="1">
+                                      <a:latin typeface="Cambria Math" panose="02040503050406030204" pitchFamily="18" charset="0"/>
+                                    </a:rPr>
+                                    <m:t>𝐶</m:t>
+                                  </m:r>
+                                </m:e>
+                                <m:sub>
+                                  <m:r>
+                                    <a:rPr lang="en-US" altLang="ja-JP" sz="1200" i="1">
+                                      <a:latin typeface="Cambria Math" panose="02040503050406030204" pitchFamily="18" charset="0"/>
+                                    </a:rPr>
+                                    <m:t>1</m:t>
+                                  </m:r>
+                                </m:sub>
+                              </m:sSub>
+                            </m:e>
+                          </m:d>
+                          <m:r>
+                            <a:rPr lang="en-US" altLang="ja-JP" sz="1200" i="1">
+                              <a:latin typeface="Cambria Math" panose="02040503050406030204" pitchFamily="18" charset="0"/>
+                            </a:rPr>
+                            <m:t>−</m:t>
+                          </m:r>
+                          <m:sSup>
+                            <m:sSupPr>
+                              <m:ctrlPr>
+                                <a:rPr lang="en-US" altLang="ja-JP" sz="1200" i="1">
+                                  <a:latin typeface="Cambria Math" panose="02040503050406030204" pitchFamily="18" charset="0"/>
+                                </a:rPr>
+                              </m:ctrlPr>
+                            </m:sSupPr>
+                            <m:e>
+                              <m:r>
+                                <a:rPr lang="en-US" altLang="ja-JP" sz="1200" i="1">
+                                  <a:latin typeface="Cambria Math" panose="02040503050406030204" pitchFamily="18" charset="0"/>
+                                </a:rPr>
+                                <m:t>𝜔</m:t>
+                              </m:r>
+                            </m:e>
+                            <m:sup>
+                              <m:r>
+                                <a:rPr lang="en-US" altLang="ja-JP" sz="1200" i="1">
+                                  <a:latin typeface="Cambria Math" panose="02040503050406030204" pitchFamily="18" charset="0"/>
+                                </a:rPr>
+                                <m:t>2</m:t>
+                              </m:r>
+                            </m:sup>
+                          </m:sSup>
+                          <m:sSub>
+                            <m:sSubPr>
+                              <m:ctrlPr>
+                                <a:rPr lang="en-US" altLang="ja-JP" sz="1200" i="1">
+                                  <a:latin typeface="Cambria Math" panose="02040503050406030204" pitchFamily="18" charset="0"/>
+                                </a:rPr>
+                              </m:ctrlPr>
+                            </m:sSubPr>
+                            <m:e>
+                              <m:r>
+                                <a:rPr lang="en-US" altLang="ja-JP" sz="1200" i="1">
+                                  <a:latin typeface="Cambria Math" panose="02040503050406030204" pitchFamily="18" charset="0"/>
+                                </a:rPr>
+                                <m:t>𝐶</m:t>
+                              </m:r>
+                            </m:e>
+                            <m:sub>
+                              <m:r>
+                                <a:rPr lang="en-US" altLang="ja-JP" sz="1200" i="1">
+                                  <a:latin typeface="Cambria Math" panose="02040503050406030204" pitchFamily="18" charset="0"/>
+                                </a:rPr>
+                                <m:t>1</m:t>
+                              </m:r>
+                            </m:sub>
+                          </m:sSub>
+                          <m:sSub>
+                            <m:sSubPr>
+                              <m:ctrlPr>
+                                <a:rPr lang="en-US" altLang="ja-JP" sz="1200" i="1">
+                                  <a:latin typeface="Cambria Math" panose="02040503050406030204" pitchFamily="18" charset="0"/>
+                                </a:rPr>
+                              </m:ctrlPr>
+                            </m:sSubPr>
+                            <m:e>
+                              <m:r>
+                                <a:rPr lang="en-US" altLang="ja-JP" sz="1200" i="1">
+                                  <a:latin typeface="Cambria Math" panose="02040503050406030204" pitchFamily="18" charset="0"/>
+                                </a:rPr>
+                                <m:t>𝐶</m:t>
+                              </m:r>
+                            </m:e>
+                            <m:sub>
+                              <m:r>
+                                <a:rPr lang="en-US" altLang="ja-JP" sz="1200" i="1">
+                                  <a:latin typeface="Cambria Math" panose="02040503050406030204" pitchFamily="18" charset="0"/>
+                                </a:rPr>
+                                <m:t>𝑗𝑐</m:t>
+                              </m:r>
+                              <m:r>
+                                <a:rPr lang="en-US" altLang="ja-JP" sz="1200" i="1">
+                                  <a:latin typeface="Cambria Math" panose="02040503050406030204" pitchFamily="18" charset="0"/>
+                                </a:rPr>
+                                <m:t>2</m:t>
+                              </m:r>
+                            </m:sub>
+                          </m:sSub>
+                        </m:num>
+                        <m:den>
+                          <m:sSub>
+                            <m:sSubPr>
+                              <m:ctrlPr>
+                                <a:rPr lang="en-US" altLang="ja-JP" sz="1200" i="1">
+                                  <a:latin typeface="Cambria Math" panose="02040503050406030204" pitchFamily="18" charset="0"/>
+                                </a:rPr>
+                              </m:ctrlPr>
+                            </m:sSubPr>
+                            <m:e>
+                              <m:r>
+                                <a:rPr lang="en-US" altLang="ja-JP" sz="1200" i="1">
+                                  <a:latin typeface="Cambria Math" panose="02040503050406030204" pitchFamily="18" charset="0"/>
+                                </a:rPr>
+                                <m:t>𝐺</m:t>
+                              </m:r>
+                            </m:e>
+                            <m:sub>
+                              <m:r>
+                                <a:rPr lang="en-US" altLang="ja-JP" sz="1200" i="1">
+                                  <a:latin typeface="Cambria Math" panose="02040503050406030204" pitchFamily="18" charset="0"/>
+                                </a:rPr>
+                                <m:t>3</m:t>
+                              </m:r>
+                            </m:sub>
+                          </m:sSub>
+                          <m:r>
+                            <a:rPr lang="en-US" altLang="ja-JP" sz="1200" b="0" i="1" smtClean="0">
+                              <a:latin typeface="Cambria Math" panose="02040503050406030204" pitchFamily="18" charset="0"/>
+                            </a:rPr>
+                            <m:t>+</m:t>
+                          </m:r>
+                          <m:r>
+                            <a:rPr lang="en-US" altLang="ja-JP" sz="1200" i="1">
+                              <a:latin typeface="Cambria Math" panose="02040503050406030204" pitchFamily="18" charset="0"/>
+                            </a:rPr>
+                            <m:t>𝑗</m:t>
+                          </m:r>
+                          <m:r>
+                            <a:rPr lang="en-US" altLang="ja-JP" sz="1200" i="1">
+                              <a:latin typeface="Cambria Math" panose="02040503050406030204" pitchFamily="18" charset="0"/>
+                            </a:rPr>
+                            <m:t>𝜔</m:t>
+                          </m:r>
+                          <m:d>
+                            <m:dPr>
+                              <m:begChr m:val=""/>
+                              <m:endChr m:val="]"/>
+                              <m:ctrlPr>
+                                <a:rPr lang="en-US" altLang="ja-JP" sz="1200" i="1">
+                                  <a:latin typeface="Cambria Math" panose="02040503050406030204" pitchFamily="18" charset="0"/>
+                                </a:rPr>
+                              </m:ctrlPr>
+                            </m:dPr>
+                            <m:e>
+                              <m:d>
+                                <m:dPr>
+                                  <m:begChr m:val="["/>
+                                  <m:endChr m:val=""/>
+                                  <m:ctrlPr>
+                                    <a:rPr lang="en-US" altLang="ja-JP" sz="1200" i="1">
+                                      <a:latin typeface="Cambria Math" panose="02040503050406030204" pitchFamily="18" charset="0"/>
+                                    </a:rPr>
+                                  </m:ctrlPr>
+                                </m:dPr>
+                                <m:e>
+                                  <m:sSub>
+                                    <m:sSubPr>
+                                      <m:ctrlPr>
+                                        <a:rPr lang="en-US" altLang="ja-JP" sz="1200" i="1">
+                                          <a:latin typeface="Cambria Math" panose="02040503050406030204" pitchFamily="18" charset="0"/>
+                                        </a:rPr>
+                                      </m:ctrlPr>
+                                    </m:sSubPr>
+                                    <m:e>
+                                      <m:r>
+                                        <a:rPr lang="en-US" altLang="ja-JP" sz="1200" i="1">
+                                          <a:latin typeface="Cambria Math" panose="02040503050406030204" pitchFamily="18" charset="0"/>
+                                        </a:rPr>
+                                        <m:t>𝐶</m:t>
+                                      </m:r>
+                                    </m:e>
+                                    <m:sub>
+                                      <m:r>
+                                        <a:rPr lang="en-US" altLang="ja-JP" sz="1200" i="1">
+                                          <a:latin typeface="Cambria Math" panose="02040503050406030204" pitchFamily="18" charset="0"/>
+                                        </a:rPr>
+                                        <m:t>𝑗𝑐</m:t>
+                                      </m:r>
+                                      <m:r>
+                                        <a:rPr lang="en-US" altLang="ja-JP" sz="1200" i="1">
+                                          <a:latin typeface="Cambria Math" panose="02040503050406030204" pitchFamily="18" charset="0"/>
+                                        </a:rPr>
+                                        <m:t>2</m:t>
+                                      </m:r>
+                                    </m:sub>
+                                  </m:sSub>
+                                  <m:sSub>
+                                    <m:sSubPr>
+                                      <m:ctrlPr>
+                                        <a:rPr lang="en-US" altLang="ja-JP" sz="1200" i="1">
+                                          <a:latin typeface="Cambria Math" panose="02040503050406030204" pitchFamily="18" charset="0"/>
+                                        </a:rPr>
+                                      </m:ctrlPr>
+                                    </m:sSubPr>
+                                    <m:e>
+                                      <m:r>
+                                        <a:rPr lang="en-US" altLang="ja-JP" sz="1200" i="1">
+                                          <a:latin typeface="Cambria Math" panose="02040503050406030204" pitchFamily="18" charset="0"/>
+                                        </a:rPr>
+                                        <m:t>𝑔</m:t>
+                                      </m:r>
+                                    </m:e>
+                                    <m:sub>
+                                      <m:r>
+                                        <a:rPr lang="en-US" altLang="ja-JP" sz="1200" i="1">
+                                          <a:latin typeface="Cambria Math" panose="02040503050406030204" pitchFamily="18" charset="0"/>
+                                        </a:rPr>
+                                        <m:t>𝑚</m:t>
+                                      </m:r>
+                                      <m:r>
+                                        <a:rPr lang="en-US" altLang="ja-JP" sz="1200" i="1">
+                                          <a:latin typeface="Cambria Math" panose="02040503050406030204" pitchFamily="18" charset="0"/>
+                                        </a:rPr>
+                                        <m:t>2</m:t>
+                                      </m:r>
+                                    </m:sub>
+                                  </m:sSub>
+                                  <m:sSub>
+                                    <m:sSubPr>
+                                      <m:ctrlPr>
+                                        <a:rPr lang="en-US" altLang="ja-JP" sz="1200" i="1">
+                                          <a:latin typeface="Cambria Math" panose="02040503050406030204" pitchFamily="18" charset="0"/>
+                                        </a:rPr>
+                                      </m:ctrlPr>
+                                    </m:sSubPr>
+                                    <m:e>
+                                      <m:r>
+                                        <a:rPr lang="en-US" altLang="ja-JP" sz="1200" i="1">
+                                          <a:latin typeface="Cambria Math" panose="02040503050406030204" pitchFamily="18" charset="0"/>
+                                        </a:rPr>
+                                        <m:t>𝐺</m:t>
+                                      </m:r>
+                                    </m:e>
+                                    <m:sub>
+                                      <m:r>
+                                        <a:rPr lang="en-US" altLang="ja-JP" sz="1200" i="1">
+                                          <a:latin typeface="Cambria Math" panose="02040503050406030204" pitchFamily="18" charset="0"/>
+                                        </a:rPr>
+                                        <m:t>1</m:t>
+                                      </m:r>
+                                    </m:sub>
+                                  </m:sSub>
+                                  <m:r>
+                                    <a:rPr lang="en-US" altLang="ja-JP" sz="1200" b="0" i="1" smtClean="0">
+                                      <a:latin typeface="Cambria Math" panose="02040503050406030204" pitchFamily="18" charset="0"/>
+                                    </a:rPr>
+                                    <m:t>−</m:t>
+                                  </m:r>
+                                  <m:d>
+                                    <m:dPr>
+                                      <m:ctrlPr>
+                                        <a:rPr lang="en-US" altLang="ja-JP" sz="1200" i="1">
+                                          <a:latin typeface="Cambria Math" panose="02040503050406030204" pitchFamily="18" charset="0"/>
+                                        </a:rPr>
+                                      </m:ctrlPr>
+                                    </m:dPr>
+                                    <m:e>
+                                      <m:sSub>
+                                        <m:sSubPr>
+                                          <m:ctrlPr>
+                                            <a:rPr lang="en-US" altLang="ja-JP" sz="1200" i="1">
+                                              <a:latin typeface="Cambria Math" panose="02040503050406030204" pitchFamily="18" charset="0"/>
+                                            </a:rPr>
+                                          </m:ctrlPr>
+                                        </m:sSubPr>
+                                        <m:e>
+                                          <m:r>
+                                            <a:rPr lang="en-US" altLang="ja-JP" sz="1200" i="1">
+                                              <a:latin typeface="Cambria Math" panose="02040503050406030204" pitchFamily="18" charset="0"/>
+                                            </a:rPr>
+                                            <m:t>𝐺</m:t>
+                                          </m:r>
+                                        </m:e>
+                                        <m:sub>
+                                          <m:r>
+                                            <a:rPr lang="en-US" altLang="ja-JP" sz="1200" i="1">
+                                              <a:latin typeface="Cambria Math" panose="02040503050406030204" pitchFamily="18" charset="0"/>
+                                            </a:rPr>
+                                            <m:t>𝑐</m:t>
+                                          </m:r>
+                                          <m:r>
+                                            <a:rPr lang="en-US" altLang="ja-JP" sz="1200" i="1">
+                                              <a:latin typeface="Cambria Math" panose="02040503050406030204" pitchFamily="18" charset="0"/>
+                                            </a:rPr>
+                                            <m:t>2</m:t>
+                                          </m:r>
+                                        </m:sub>
+                                      </m:sSub>
+                                      <m:r>
+                                        <a:rPr lang="en-US" altLang="ja-JP" sz="1200" i="1">
+                                          <a:latin typeface="Cambria Math" panose="02040503050406030204" pitchFamily="18" charset="0"/>
+                                        </a:rPr>
+                                        <m:t>+</m:t>
+                                      </m:r>
+                                      <m:sSub>
+                                        <m:sSubPr>
+                                          <m:ctrlPr>
+                                            <a:rPr lang="en-US" altLang="ja-JP" sz="1200" i="1">
+                                              <a:latin typeface="Cambria Math" panose="02040503050406030204" pitchFamily="18" charset="0"/>
+                                            </a:rPr>
+                                          </m:ctrlPr>
+                                        </m:sSubPr>
+                                        <m:e>
+                                          <m:r>
+                                            <a:rPr lang="en-US" altLang="ja-JP" sz="1200" i="1">
+                                              <a:latin typeface="Cambria Math" panose="02040503050406030204" pitchFamily="18" charset="0"/>
+                                            </a:rPr>
+                                            <m:t>𝑔</m:t>
+                                          </m:r>
+                                        </m:e>
+                                        <m:sub>
+                                          <m:r>
+                                            <a:rPr lang="en-US" altLang="ja-JP" sz="1200" i="1">
+                                              <a:latin typeface="Cambria Math" panose="02040503050406030204" pitchFamily="18" charset="0"/>
+                                            </a:rPr>
+                                            <m:t>𝑐𝑒</m:t>
+                                          </m:r>
+                                          <m:r>
+                                            <a:rPr lang="en-US" altLang="ja-JP" sz="1200" i="1">
+                                              <a:latin typeface="Cambria Math" panose="02040503050406030204" pitchFamily="18" charset="0"/>
+                                            </a:rPr>
+                                            <m:t>2</m:t>
+                                          </m:r>
+                                        </m:sub>
+                                      </m:sSub>
+                                    </m:e>
+                                  </m:d>
+                                  <m:d>
+                                    <m:dPr>
+                                      <m:ctrlPr>
+                                        <a:rPr lang="en-US" altLang="ja-JP" sz="1200" i="1">
+                                          <a:latin typeface="Cambria Math" panose="02040503050406030204" pitchFamily="18" charset="0"/>
+                                        </a:rPr>
+                                      </m:ctrlPr>
+                                    </m:dPr>
+                                    <m:e>
+                                      <m:sSub>
+                                        <m:sSubPr>
+                                          <m:ctrlPr>
+                                            <a:rPr lang="en-US" altLang="ja-JP" sz="1200" i="1">
+                                              <a:latin typeface="Cambria Math" panose="02040503050406030204" pitchFamily="18" charset="0"/>
+                                            </a:rPr>
+                                          </m:ctrlPr>
+                                        </m:sSubPr>
+                                        <m:e>
+                                          <m:r>
+                                            <a:rPr lang="en-US" altLang="ja-JP" sz="1200" i="1">
+                                              <a:latin typeface="Cambria Math" panose="02040503050406030204" pitchFamily="18" charset="0"/>
+                                            </a:rPr>
+                                            <m:t>𝐶</m:t>
+                                          </m:r>
+                                        </m:e>
+                                        <m:sub>
+                                          <m:r>
+                                            <a:rPr lang="en-US" altLang="ja-JP" sz="1200" i="1">
+                                              <a:latin typeface="Cambria Math" panose="02040503050406030204" pitchFamily="18" charset="0"/>
+                                            </a:rPr>
+                                            <m:t>1</m:t>
+                                          </m:r>
+                                        </m:sub>
+                                      </m:sSub>
+                                      <m:sSub>
+                                        <m:sSubPr>
+                                          <m:ctrlPr>
+                                            <a:rPr lang="en-US" altLang="ja-JP" sz="1200" i="1">
+                                              <a:latin typeface="Cambria Math" panose="02040503050406030204" pitchFamily="18" charset="0"/>
+                                            </a:rPr>
+                                          </m:ctrlPr>
+                                        </m:sSubPr>
+                                        <m:e>
+                                          <m:r>
+                                            <a:rPr lang="en-US" altLang="ja-JP" sz="1200" i="1">
+                                              <a:latin typeface="Cambria Math" panose="02040503050406030204" pitchFamily="18" charset="0"/>
+                                            </a:rPr>
+                                            <m:t>𝐺</m:t>
+                                          </m:r>
+                                        </m:e>
+                                        <m:sub>
+                                          <m:r>
+                                            <a:rPr lang="en-US" altLang="ja-JP" sz="1200" i="1">
+                                              <a:latin typeface="Cambria Math" panose="02040503050406030204" pitchFamily="18" charset="0"/>
+                                            </a:rPr>
+                                            <m:t>2</m:t>
+                                          </m:r>
+                                        </m:sub>
+                                      </m:sSub>
+                                      <m:r>
+                                        <a:rPr lang="en-US" altLang="ja-JP" sz="1200" i="1">
+                                          <a:latin typeface="Cambria Math" panose="02040503050406030204" pitchFamily="18" charset="0"/>
+                                        </a:rPr>
+                                        <m:t>+</m:t>
+                                      </m:r>
+                                      <m:sSub>
+                                        <m:sSubPr>
+                                          <m:ctrlPr>
+                                            <a:rPr lang="en-US" altLang="ja-JP" sz="1200" i="1">
+                                              <a:latin typeface="Cambria Math" panose="02040503050406030204" pitchFamily="18" charset="0"/>
+                                            </a:rPr>
+                                          </m:ctrlPr>
+                                        </m:sSubPr>
+                                        <m:e>
+                                          <m:r>
+                                            <a:rPr lang="en-US" altLang="ja-JP" sz="1200" i="1">
+                                              <a:latin typeface="Cambria Math" panose="02040503050406030204" pitchFamily="18" charset="0"/>
+                                            </a:rPr>
+                                            <m:t>𝐶</m:t>
+                                          </m:r>
+                                        </m:e>
+                                        <m:sub>
+                                          <m:r>
+                                            <a:rPr lang="en-US" altLang="ja-JP" sz="1200" i="1">
+                                              <a:latin typeface="Cambria Math" panose="02040503050406030204" pitchFamily="18" charset="0"/>
+                                            </a:rPr>
+                                            <m:t>2</m:t>
+                                          </m:r>
+                                        </m:sub>
+                                      </m:sSub>
+                                      <m:sSub>
+                                        <m:sSubPr>
+                                          <m:ctrlPr>
+                                            <a:rPr lang="en-US" altLang="ja-JP" sz="1200" i="1">
+                                              <a:latin typeface="Cambria Math" panose="02040503050406030204" pitchFamily="18" charset="0"/>
+                                            </a:rPr>
+                                          </m:ctrlPr>
+                                        </m:sSubPr>
+                                        <m:e>
+                                          <m:r>
+                                            <a:rPr lang="en-US" altLang="ja-JP" sz="1200" i="1">
+                                              <a:latin typeface="Cambria Math" panose="02040503050406030204" pitchFamily="18" charset="0"/>
+                                            </a:rPr>
+                                            <m:t>𝑔</m:t>
+                                          </m:r>
+                                        </m:e>
+                                        <m:sub>
+                                          <m:r>
+                                            <a:rPr lang="en-US" altLang="ja-JP" sz="1200" i="1">
+                                              <a:latin typeface="Cambria Math" panose="02040503050406030204" pitchFamily="18" charset="0"/>
+                                            </a:rPr>
+                                            <m:t>𝑐𝑒</m:t>
+                                          </m:r>
+                                          <m:r>
+                                            <a:rPr lang="en-US" altLang="ja-JP" sz="1200" i="1">
+                                              <a:latin typeface="Cambria Math" panose="02040503050406030204" pitchFamily="18" charset="0"/>
+                                            </a:rPr>
+                                            <m:t>1</m:t>
+                                          </m:r>
+                                        </m:sub>
+                                      </m:sSub>
+                                    </m:e>
+                                  </m:d>
+                                  <m:r>
+                                    <a:rPr lang="en-US" altLang="ja-JP" sz="1200" b="0" i="1" smtClean="0">
+                                      <a:latin typeface="Cambria Math" panose="02040503050406030204" pitchFamily="18" charset="0"/>
+                                    </a:rPr>
+                                    <m:t>−</m:t>
+                                  </m:r>
+                                  <m:sSub>
+                                    <m:sSubPr>
+                                      <m:ctrlPr>
+                                        <a:rPr lang="en-US" altLang="ja-JP" sz="1200" i="1">
+                                          <a:latin typeface="Cambria Math" panose="02040503050406030204" pitchFamily="18" charset="0"/>
+                                        </a:rPr>
+                                      </m:ctrlPr>
+                                    </m:sSubPr>
+                                    <m:e>
+                                      <m:r>
+                                        <a:rPr lang="en-US" altLang="ja-JP" sz="1200" i="1">
+                                          <a:latin typeface="Cambria Math" panose="02040503050406030204" pitchFamily="18" charset="0"/>
+                                        </a:rPr>
+                                        <m:t>𝐶</m:t>
+                                      </m:r>
+                                    </m:e>
+                                    <m:sub>
+                                      <m:r>
+                                        <a:rPr lang="en-US" altLang="ja-JP" sz="1200" i="1">
+                                          <a:latin typeface="Cambria Math" panose="02040503050406030204" pitchFamily="18" charset="0"/>
+                                        </a:rPr>
+                                        <m:t>𝑗𝑐</m:t>
+                                      </m:r>
+                                      <m:r>
+                                        <a:rPr lang="en-US" altLang="ja-JP" sz="1200" i="1">
+                                          <a:latin typeface="Cambria Math" panose="02040503050406030204" pitchFamily="18" charset="0"/>
+                                        </a:rPr>
+                                        <m:t>2</m:t>
+                                      </m:r>
+                                    </m:sub>
+                                  </m:sSub>
+                                  <m:d>
+                                    <m:dPr>
+                                      <m:begChr m:val=""/>
+                                      <m:endChr m:val="}"/>
+                                      <m:ctrlPr>
+                                        <a:rPr lang="en-US" altLang="ja-JP" sz="1200" i="1">
+                                          <a:latin typeface="Cambria Math" panose="02040503050406030204" pitchFamily="18" charset="0"/>
+                                        </a:rPr>
+                                      </m:ctrlPr>
+                                    </m:dPr>
+                                    <m:e>
+                                      <m:d>
+                                        <m:dPr>
+                                          <m:begChr m:val="{"/>
+                                          <m:endChr m:val=""/>
+                                          <m:ctrlPr>
+                                            <a:rPr lang="en-US" altLang="ja-JP" sz="1200" i="1">
+                                              <a:latin typeface="Cambria Math" panose="02040503050406030204" pitchFamily="18" charset="0"/>
+                                            </a:rPr>
+                                          </m:ctrlPr>
+                                        </m:dPr>
+                                        <m:e>
+                                          <m:sSub>
+                                            <m:sSubPr>
+                                              <m:ctrlPr>
+                                                <a:rPr lang="en-US" altLang="ja-JP" sz="1200" i="1">
+                                                  <a:latin typeface="Cambria Math" panose="02040503050406030204" pitchFamily="18" charset="0"/>
+                                                </a:rPr>
+                                              </m:ctrlPr>
+                                            </m:sSubPr>
+                                            <m:e>
+                                              <m:r>
+                                                <a:rPr lang="en-US" altLang="ja-JP" sz="1200" i="1">
+                                                  <a:latin typeface="Cambria Math" panose="02040503050406030204" pitchFamily="18" charset="0"/>
+                                                </a:rPr>
+                                                <m:t>𝑔</m:t>
+                                              </m:r>
+                                            </m:e>
+                                            <m:sub>
+                                              <m:r>
+                                                <a:rPr lang="en-US" altLang="ja-JP" sz="1200" i="1">
+                                                  <a:latin typeface="Cambria Math" panose="02040503050406030204" pitchFamily="18" charset="0"/>
+                                                </a:rPr>
+                                                <m:t>𝑐</m:t>
+                                              </m:r>
+                                              <m:r>
+                                                <a:rPr lang="en-US" altLang="ja-JP" sz="1200" i="1">
+                                                  <a:latin typeface="Cambria Math" panose="02040503050406030204" pitchFamily="18" charset="0"/>
+                                                </a:rPr>
+                                                <m:t>1</m:t>
+                                              </m:r>
+                                            </m:sub>
+                                          </m:sSub>
+                                          <m:d>
+                                            <m:dPr>
+                                              <m:ctrlPr>
+                                                <a:rPr lang="en-US" altLang="ja-JP" sz="1200" i="1">
+                                                  <a:latin typeface="Cambria Math" panose="02040503050406030204" pitchFamily="18" charset="0"/>
+                                                </a:rPr>
+                                              </m:ctrlPr>
+                                            </m:dPr>
+                                            <m:e>
+                                              <m:sSub>
+                                                <m:sSubPr>
+                                                  <m:ctrlPr>
+                                                    <a:rPr lang="en-US" altLang="ja-JP" sz="1200" i="1">
+                                                      <a:latin typeface="Cambria Math" panose="02040503050406030204" pitchFamily="18" charset="0"/>
+                                                    </a:rPr>
+                                                  </m:ctrlPr>
+                                                </m:sSubPr>
+                                                <m:e>
+                                                  <m:r>
+                                                    <a:rPr lang="en-US" altLang="ja-JP" sz="1200" i="1">
+                                                      <a:latin typeface="Cambria Math" panose="02040503050406030204" pitchFamily="18" charset="0"/>
+                                                    </a:rPr>
+                                                    <m:t>𝑔</m:t>
+                                                  </m:r>
+                                                </m:e>
+                                                <m:sub>
+                                                  <m:r>
+                                                    <a:rPr lang="en-US" altLang="ja-JP" sz="1200" i="1">
+                                                      <a:latin typeface="Cambria Math" panose="02040503050406030204" pitchFamily="18" charset="0"/>
+                                                    </a:rPr>
+                                                    <m:t>𝑚</m:t>
+                                                  </m:r>
+                                                  <m:r>
+                                                    <a:rPr lang="en-US" altLang="ja-JP" sz="1200" i="1">
+                                                      <a:latin typeface="Cambria Math" panose="02040503050406030204" pitchFamily="18" charset="0"/>
+                                                    </a:rPr>
+                                                    <m:t>1</m:t>
+                                                  </m:r>
+                                                </m:sub>
+                                              </m:sSub>
+                                              <m:r>
+                                                <a:rPr lang="en-US" altLang="ja-JP" sz="1200" i="1">
+                                                  <a:latin typeface="Cambria Math" panose="02040503050406030204" pitchFamily="18" charset="0"/>
+                                                </a:rPr>
+                                                <m:t>+</m:t>
+                                              </m:r>
+                                              <m:sSub>
+                                                <m:sSubPr>
+                                                  <m:ctrlPr>
+                                                    <a:rPr lang="en-US" altLang="ja-JP" sz="1200" i="1">
+                                                      <a:latin typeface="Cambria Math" panose="02040503050406030204" pitchFamily="18" charset="0"/>
+                                                    </a:rPr>
+                                                  </m:ctrlPr>
+                                                </m:sSubPr>
+                                                <m:e>
+                                                  <m:r>
+                                                    <a:rPr lang="en-US" altLang="ja-JP" sz="1200" i="1">
+                                                      <a:latin typeface="Cambria Math" panose="02040503050406030204" pitchFamily="18" charset="0"/>
+                                                    </a:rPr>
+                                                    <m:t>𝑔</m:t>
+                                                  </m:r>
+                                                </m:e>
+                                                <m:sub>
+                                                  <m:r>
+                                                    <a:rPr lang="en-US" altLang="ja-JP" sz="1200" i="1">
+                                                      <a:latin typeface="Cambria Math" panose="02040503050406030204" pitchFamily="18" charset="0"/>
+                                                    </a:rPr>
+                                                    <m:t>𝑐𝑒</m:t>
+                                                  </m:r>
+                                                  <m:r>
+                                                    <a:rPr lang="en-US" altLang="ja-JP" sz="1200" i="1">
+                                                      <a:latin typeface="Cambria Math" panose="02040503050406030204" pitchFamily="18" charset="0"/>
+                                                    </a:rPr>
+                                                    <m:t>1</m:t>
+                                                  </m:r>
+                                                </m:sub>
+                                              </m:sSub>
+                                            </m:e>
+                                          </m:d>
+                                          <m:r>
+                                            <a:rPr lang="en-US" altLang="ja-JP" sz="1200" b="0" i="1" smtClean="0">
+                                              <a:latin typeface="Cambria Math" panose="02040503050406030204" pitchFamily="18" charset="0"/>
+                                            </a:rPr>
+                                            <m:t>+</m:t>
+                                          </m:r>
+                                          <m:sSub>
+                                            <m:sSubPr>
+                                              <m:ctrlPr>
+                                                <a:rPr lang="en-US" altLang="ja-JP" sz="1200" i="1">
+                                                  <a:latin typeface="Cambria Math" panose="02040503050406030204" pitchFamily="18" charset="0"/>
+                                                </a:rPr>
+                                              </m:ctrlPr>
+                                            </m:sSubPr>
+                                            <m:e>
+                                              <m:r>
+                                                <a:rPr lang="en-US" altLang="ja-JP" sz="1200" i="1">
+                                                  <a:latin typeface="Cambria Math" panose="02040503050406030204" pitchFamily="18" charset="0"/>
+                                                </a:rPr>
+                                                <m:t>𝐺</m:t>
+                                              </m:r>
+                                            </m:e>
+                                            <m:sub>
+                                              <m:r>
+                                                <a:rPr lang="en-US" altLang="ja-JP" sz="1200" i="1">
+                                                  <a:latin typeface="Cambria Math" panose="02040503050406030204" pitchFamily="18" charset="0"/>
+                                                </a:rPr>
+                                                <m:t>1</m:t>
+                                              </m:r>
+                                            </m:sub>
+                                          </m:sSub>
+                                          <m:sSub>
+                                            <m:sSubPr>
+                                              <m:ctrlPr>
+                                                <a:rPr lang="en-US" altLang="ja-JP" sz="1200" i="1">
+                                                  <a:latin typeface="Cambria Math" panose="02040503050406030204" pitchFamily="18" charset="0"/>
+                                                </a:rPr>
+                                              </m:ctrlPr>
+                                            </m:sSubPr>
+                                            <m:e>
+                                              <m:r>
+                                                <a:rPr lang="en-US" altLang="ja-JP" sz="1200" i="1">
+                                                  <a:latin typeface="Cambria Math" panose="02040503050406030204" pitchFamily="18" charset="0"/>
+                                                </a:rPr>
+                                                <m:t>𝐺</m:t>
+                                              </m:r>
+                                            </m:e>
+                                            <m:sub>
+                                              <m:r>
+                                                <a:rPr lang="en-US" altLang="ja-JP" sz="1200" i="1">
+                                                  <a:latin typeface="Cambria Math" panose="02040503050406030204" pitchFamily="18" charset="0"/>
+                                                </a:rPr>
+                                                <m:t>2</m:t>
+                                              </m:r>
+                                            </m:sub>
+                                          </m:sSub>
+                                        </m:e>
+                                      </m:d>
+                                    </m:e>
+                                  </m:d>
+                                </m:e>
+                              </m:d>
+                            </m:e>
+                          </m:d>
+                          <m:r>
+                            <a:rPr lang="en-US" altLang="ja-JP" sz="1200" b="0" i="1" smtClean="0">
+                              <a:latin typeface="Cambria Math" panose="02040503050406030204" pitchFamily="18" charset="0"/>
+                            </a:rPr>
+                            <m:t>+</m:t>
+                          </m:r>
+                          <m:sSup>
+                            <m:sSupPr>
+                              <m:ctrlPr>
+                                <a:rPr lang="en-US" altLang="ja-JP" sz="1200" i="1">
+                                  <a:latin typeface="Cambria Math" panose="02040503050406030204" pitchFamily="18" charset="0"/>
+                                </a:rPr>
+                              </m:ctrlPr>
+                            </m:sSupPr>
+                            <m:e>
+                              <m:r>
+                                <a:rPr lang="en-US" altLang="ja-JP" sz="1200" i="1">
+                                  <a:latin typeface="Cambria Math" panose="02040503050406030204" pitchFamily="18" charset="0"/>
+                                </a:rPr>
+                                <m:t>𝜔</m:t>
+                              </m:r>
+                            </m:e>
+                            <m:sup>
+                              <m:r>
+                                <a:rPr lang="en-US" altLang="ja-JP" sz="1200" i="1">
+                                  <a:latin typeface="Cambria Math" panose="02040503050406030204" pitchFamily="18" charset="0"/>
+                                </a:rPr>
+                                <m:t>2</m:t>
+                              </m:r>
+                            </m:sup>
+                          </m:sSup>
+                          <m:d>
+                            <m:dPr>
+                              <m:begChr m:val=""/>
+                              <m:endChr m:val="}"/>
+                              <m:ctrlPr>
+                                <a:rPr lang="en-US" altLang="ja-JP" sz="1200" i="1">
+                                  <a:latin typeface="Cambria Math" panose="02040503050406030204" pitchFamily="18" charset="0"/>
+                                </a:rPr>
+                              </m:ctrlPr>
+                            </m:dPr>
+                            <m:e>
+                              <m:d>
+                                <m:dPr>
+                                  <m:begChr m:val="{"/>
+                                  <m:endChr m:val=""/>
+                                  <m:ctrlPr>
+                                    <a:rPr lang="en-US" altLang="ja-JP" sz="1200" i="1">
+                                      <a:latin typeface="Cambria Math" panose="02040503050406030204" pitchFamily="18" charset="0"/>
+                                    </a:rPr>
+                                  </m:ctrlPr>
+                                </m:dPr>
+                                <m:e>
+                                  <m:sSub>
+                                    <m:sSubPr>
+                                      <m:ctrlPr>
+                                        <a:rPr lang="en-US" altLang="ja-JP" sz="1200" i="1">
+                                          <a:latin typeface="Cambria Math" panose="02040503050406030204" pitchFamily="18" charset="0"/>
+                                        </a:rPr>
+                                      </m:ctrlPr>
+                                    </m:sSubPr>
+                                    <m:e>
+                                      <m:r>
+                                        <a:rPr lang="en-US" altLang="ja-JP" sz="1200" i="1">
+                                          <a:latin typeface="Cambria Math" panose="02040503050406030204" pitchFamily="18" charset="0"/>
+                                        </a:rPr>
+                                        <m:t>𝐺</m:t>
+                                      </m:r>
+                                    </m:e>
+                                    <m:sub>
+                                      <m:r>
+                                        <a:rPr lang="en-US" altLang="ja-JP" sz="1200" i="1">
+                                          <a:latin typeface="Cambria Math" panose="02040503050406030204" pitchFamily="18" charset="0"/>
+                                        </a:rPr>
+                                        <m:t>4</m:t>
+                                      </m:r>
+                                    </m:sub>
+                                  </m:sSub>
+                                  <m:r>
+                                    <a:rPr lang="en-US" altLang="ja-JP" sz="1200" i="1">
+                                      <a:latin typeface="Cambria Math" panose="02040503050406030204" pitchFamily="18" charset="0"/>
+                                    </a:rPr>
+                                    <m:t>+</m:t>
+                                  </m:r>
+                                  <m:sSub>
+                                    <m:sSubPr>
+                                      <m:ctrlPr>
+                                        <a:rPr lang="en-US" altLang="ja-JP" sz="1200" i="1">
+                                          <a:latin typeface="Cambria Math" panose="02040503050406030204" pitchFamily="18" charset="0"/>
+                                        </a:rPr>
+                                      </m:ctrlPr>
+                                    </m:sSubPr>
+                                    <m:e>
+                                      <m:r>
+                                        <a:rPr lang="en-US" altLang="ja-JP" sz="1200" i="1">
+                                          <a:latin typeface="Cambria Math" panose="02040503050406030204" pitchFamily="18" charset="0"/>
+                                        </a:rPr>
+                                        <m:t>𝐶</m:t>
+                                      </m:r>
+                                    </m:e>
+                                    <m:sub>
+                                      <m:r>
+                                        <a:rPr lang="en-US" altLang="ja-JP" sz="1200" i="1">
+                                          <a:latin typeface="Cambria Math" panose="02040503050406030204" pitchFamily="18" charset="0"/>
+                                        </a:rPr>
+                                        <m:t>𝑗𝑐</m:t>
+                                      </m:r>
+                                      <m:r>
+                                        <a:rPr lang="en-US" altLang="ja-JP" sz="1200" i="1">
+                                          <a:latin typeface="Cambria Math" panose="02040503050406030204" pitchFamily="18" charset="0"/>
+                                        </a:rPr>
+                                        <m:t>2</m:t>
+                                      </m:r>
+                                    </m:sub>
+                                  </m:sSub>
+                                  <m:d>
+                                    <m:dPr>
+                                      <m:ctrlPr>
+                                        <a:rPr lang="en-US" altLang="ja-JP" sz="1200" i="1">
+                                          <a:latin typeface="Cambria Math" panose="02040503050406030204" pitchFamily="18" charset="0"/>
+                                        </a:rPr>
+                                      </m:ctrlPr>
+                                    </m:dPr>
+                                    <m:e>
+                                      <m:sSub>
+                                        <m:sSubPr>
+                                          <m:ctrlPr>
+                                            <a:rPr lang="en-US" altLang="ja-JP" sz="1200" i="1">
+                                              <a:latin typeface="Cambria Math" panose="02040503050406030204" pitchFamily="18" charset="0"/>
+                                            </a:rPr>
+                                          </m:ctrlPr>
+                                        </m:sSubPr>
+                                        <m:e>
+                                          <m:r>
+                                            <a:rPr lang="en-US" altLang="ja-JP" sz="1200" i="1">
+                                              <a:latin typeface="Cambria Math" panose="02040503050406030204" pitchFamily="18" charset="0"/>
+                                            </a:rPr>
+                                            <m:t>𝑔</m:t>
+                                          </m:r>
+                                        </m:e>
+                                        <m:sub>
+                                          <m:r>
+                                            <a:rPr lang="en-US" altLang="ja-JP" sz="1200" i="1">
+                                              <a:latin typeface="Cambria Math" panose="02040503050406030204" pitchFamily="18" charset="0"/>
+                                            </a:rPr>
+                                            <m:t>𝑚</m:t>
+                                          </m:r>
+                                          <m:r>
+                                            <a:rPr lang="en-US" altLang="ja-JP" sz="1200" i="1">
+                                              <a:latin typeface="Cambria Math" panose="02040503050406030204" pitchFamily="18" charset="0"/>
+                                            </a:rPr>
+                                            <m:t>2</m:t>
+                                          </m:r>
+                                        </m:sub>
+                                      </m:sSub>
+                                      <m:sSub>
+                                        <m:sSubPr>
+                                          <m:ctrlPr>
+                                            <a:rPr lang="en-US" altLang="ja-JP" sz="1200" i="1">
+                                              <a:latin typeface="Cambria Math" panose="02040503050406030204" pitchFamily="18" charset="0"/>
+                                            </a:rPr>
+                                          </m:ctrlPr>
+                                        </m:sSubPr>
+                                        <m:e>
+                                          <m:r>
+                                            <a:rPr lang="en-US" altLang="ja-JP" sz="1200" i="1">
+                                              <a:latin typeface="Cambria Math" panose="02040503050406030204" pitchFamily="18" charset="0"/>
+                                            </a:rPr>
+                                            <m:t>𝐶</m:t>
+                                          </m:r>
+                                        </m:e>
+                                        <m:sub>
+                                          <m:r>
+                                            <a:rPr lang="en-US" altLang="ja-JP" sz="1200" i="1">
+                                              <a:latin typeface="Cambria Math" panose="02040503050406030204" pitchFamily="18" charset="0"/>
+                                            </a:rPr>
+                                            <m:t>1</m:t>
+                                          </m:r>
+                                        </m:sub>
+                                      </m:sSub>
+                                      <m:r>
+                                        <a:rPr lang="en-US" altLang="ja-JP" sz="1200" b="0" i="1" smtClean="0">
+                                          <a:latin typeface="Cambria Math" panose="02040503050406030204" pitchFamily="18" charset="0"/>
+                                        </a:rPr>
+                                        <m:t>−</m:t>
+                                      </m:r>
+                                      <m:sSub>
+                                        <m:sSubPr>
+                                          <m:ctrlPr>
+                                            <a:rPr lang="en-US" altLang="ja-JP" sz="1200" i="1">
+                                              <a:latin typeface="Cambria Math" panose="02040503050406030204" pitchFamily="18" charset="0"/>
+                                            </a:rPr>
+                                          </m:ctrlPr>
+                                        </m:sSubPr>
+                                        <m:e>
+                                          <m:r>
+                                            <a:rPr lang="en-US" altLang="ja-JP" sz="1200" i="1">
+                                              <a:latin typeface="Cambria Math" panose="02040503050406030204" pitchFamily="18" charset="0"/>
+                                            </a:rPr>
+                                            <m:t>𝐺</m:t>
+                                          </m:r>
+                                        </m:e>
+                                        <m:sub>
+                                          <m:r>
+                                            <a:rPr lang="en-US" altLang="ja-JP" sz="1200" i="1">
+                                              <a:latin typeface="Cambria Math" panose="02040503050406030204" pitchFamily="18" charset="0"/>
+                                            </a:rPr>
+                                            <m:t>1</m:t>
+                                          </m:r>
+                                        </m:sub>
+                                      </m:sSub>
+                                      <m:sSub>
+                                        <m:sSubPr>
+                                          <m:ctrlPr>
+                                            <a:rPr lang="en-US" altLang="ja-JP" sz="1200" i="1">
+                                              <a:latin typeface="Cambria Math" panose="02040503050406030204" pitchFamily="18" charset="0"/>
+                                            </a:rPr>
+                                          </m:ctrlPr>
+                                        </m:sSubPr>
+                                        <m:e>
+                                          <m:r>
+                                            <a:rPr lang="en-US" altLang="ja-JP" sz="1200" i="1">
+                                              <a:latin typeface="Cambria Math" panose="02040503050406030204" pitchFamily="18" charset="0"/>
+                                            </a:rPr>
+                                            <m:t>𝐶</m:t>
+                                          </m:r>
+                                        </m:e>
+                                        <m:sub>
+                                          <m:r>
+                                            <a:rPr lang="en-US" altLang="ja-JP" sz="1200" i="1">
+                                              <a:latin typeface="Cambria Math" panose="02040503050406030204" pitchFamily="18" charset="0"/>
+                                            </a:rPr>
+                                            <m:t>𝑗𝑐</m:t>
+                                          </m:r>
+                                          <m:r>
+                                            <a:rPr lang="en-US" altLang="ja-JP" sz="1200" i="1">
+                                              <a:latin typeface="Cambria Math" panose="02040503050406030204" pitchFamily="18" charset="0"/>
+                                            </a:rPr>
+                                            <m:t>2</m:t>
+                                          </m:r>
+                                        </m:sub>
+                                      </m:sSub>
+                                    </m:e>
+                                  </m:d>
+                                </m:e>
+                              </m:d>
+                            </m:e>
+                          </m:d>
+                          <m:r>
+                            <a:rPr lang="en-US" altLang="ja-JP" sz="1200" b="0" i="1" smtClean="0">
+                              <a:latin typeface="Cambria Math" panose="02040503050406030204" pitchFamily="18" charset="0"/>
+                            </a:rPr>
+                            <m:t>+</m:t>
+                          </m:r>
+                          <m:r>
+                            <a:rPr lang="en-US" altLang="ja-JP" sz="1200" i="1">
+                              <a:latin typeface="Cambria Math" panose="02040503050406030204" pitchFamily="18" charset="0"/>
+                            </a:rPr>
+                            <m:t>𝑗</m:t>
+                          </m:r>
+                          <m:sSup>
+                            <m:sSupPr>
+                              <m:ctrlPr>
+                                <a:rPr lang="en-US" altLang="ja-JP" sz="1200" i="1">
+                                  <a:latin typeface="Cambria Math" panose="02040503050406030204" pitchFamily="18" charset="0"/>
+                                </a:rPr>
+                              </m:ctrlPr>
+                            </m:sSupPr>
+                            <m:e>
+                              <m:r>
+                                <a:rPr lang="en-US" altLang="ja-JP" sz="1200" i="1">
+                                  <a:latin typeface="Cambria Math" panose="02040503050406030204" pitchFamily="18" charset="0"/>
+                                </a:rPr>
+                                <m:t>𝜔</m:t>
+                              </m:r>
+                            </m:e>
+                            <m:sup>
+                              <m:r>
+                                <a:rPr lang="en-US" altLang="ja-JP" sz="1200" i="1">
+                                  <a:latin typeface="Cambria Math" panose="02040503050406030204" pitchFamily="18" charset="0"/>
+                                </a:rPr>
+                                <m:t>3</m:t>
+                              </m:r>
+                            </m:sup>
+                          </m:sSup>
+                          <m:sSub>
+                            <m:sSubPr>
+                              <m:ctrlPr>
+                                <a:rPr lang="en-US" altLang="ja-JP" sz="1200" i="1">
+                                  <a:latin typeface="Cambria Math" panose="02040503050406030204" pitchFamily="18" charset="0"/>
+                                </a:rPr>
+                              </m:ctrlPr>
+                            </m:sSubPr>
+                            <m:e>
+                              <m:r>
+                                <a:rPr lang="en-US" altLang="ja-JP" sz="1200" i="1">
+                                  <a:latin typeface="Cambria Math" panose="02040503050406030204" pitchFamily="18" charset="0"/>
+                                </a:rPr>
+                                <m:t>𝐶</m:t>
+                              </m:r>
+                            </m:e>
+                            <m:sub>
+                              <m:r>
+                                <a:rPr lang="en-US" altLang="ja-JP" sz="1200" i="1">
+                                  <a:latin typeface="Cambria Math" panose="02040503050406030204" pitchFamily="18" charset="0"/>
+                                </a:rPr>
+                                <m:t>1</m:t>
+                              </m:r>
+                            </m:sub>
+                          </m:sSub>
+                          <m:sSub>
+                            <m:sSubPr>
+                              <m:ctrlPr>
+                                <a:rPr lang="en-US" altLang="ja-JP" sz="1200" i="1">
+                                  <a:latin typeface="Cambria Math" panose="02040503050406030204" pitchFamily="18" charset="0"/>
+                                </a:rPr>
+                              </m:ctrlPr>
+                            </m:sSubPr>
+                            <m:e>
+                              <m:r>
+                                <a:rPr lang="en-US" altLang="ja-JP" sz="1200" i="1">
+                                  <a:latin typeface="Cambria Math" panose="02040503050406030204" pitchFamily="18" charset="0"/>
+                                </a:rPr>
+                                <m:t>𝐶</m:t>
+                              </m:r>
+                            </m:e>
+                            <m:sub>
+                              <m:r>
+                                <a:rPr lang="en-US" altLang="ja-JP" sz="1200" i="1">
+                                  <a:latin typeface="Cambria Math" panose="02040503050406030204" pitchFamily="18" charset="0"/>
+                                </a:rPr>
+                                <m:t>𝑗𝑐</m:t>
+                              </m:r>
+                              <m:r>
+                                <a:rPr lang="en-US" altLang="ja-JP" sz="1200" i="1">
+                                  <a:latin typeface="Cambria Math" panose="02040503050406030204" pitchFamily="18" charset="0"/>
+                                </a:rPr>
+                                <m:t>2</m:t>
+                              </m:r>
+                            </m:sub>
+                          </m:sSub>
+                          <m:r>
+                            <a:rPr lang="en-US" altLang="ja-JP" sz="1200" i="1">
+                              <a:latin typeface="Cambria Math" panose="02040503050406030204" pitchFamily="18" charset="0"/>
+                            </a:rPr>
+                            <m:t>(</m:t>
+                          </m:r>
+                          <m:sSub>
+                            <m:sSubPr>
+                              <m:ctrlPr>
+                                <a:rPr lang="en-US" altLang="ja-JP" sz="1200" i="1">
+                                  <a:latin typeface="Cambria Math" panose="02040503050406030204" pitchFamily="18" charset="0"/>
+                                </a:rPr>
+                              </m:ctrlPr>
+                            </m:sSubPr>
+                            <m:e>
+                              <m:r>
+                                <a:rPr lang="en-US" altLang="ja-JP" sz="1200" i="1">
+                                  <a:latin typeface="Cambria Math" panose="02040503050406030204" pitchFamily="18" charset="0"/>
+                                </a:rPr>
+                                <m:t>𝐶</m:t>
+                              </m:r>
+                            </m:e>
+                            <m:sub>
+                              <m:r>
+                                <a:rPr lang="en-US" altLang="ja-JP" sz="1200" i="1">
+                                  <a:latin typeface="Cambria Math" panose="02040503050406030204" pitchFamily="18" charset="0"/>
+                                </a:rPr>
+                                <m:t>𝑗𝑐</m:t>
+                              </m:r>
+                              <m:r>
+                                <a:rPr lang="en-US" altLang="ja-JP" sz="1200" i="1">
+                                  <a:latin typeface="Cambria Math" panose="02040503050406030204" pitchFamily="18" charset="0"/>
+                                </a:rPr>
+                                <m:t>2</m:t>
+                              </m:r>
+                            </m:sub>
+                          </m:sSub>
+                          <m:r>
+                            <a:rPr lang="en-US" altLang="ja-JP" sz="1200" b="0" i="1" smtClean="0">
+                              <a:latin typeface="Cambria Math" panose="02040503050406030204" pitchFamily="18" charset="0"/>
+                            </a:rPr>
+                            <m:t>−</m:t>
+                          </m:r>
+                          <m:sSub>
+                            <m:sSubPr>
+                              <m:ctrlPr>
+                                <a:rPr lang="en-US" altLang="ja-JP" sz="1200" i="1">
+                                  <a:latin typeface="Cambria Math" panose="02040503050406030204" pitchFamily="18" charset="0"/>
+                                </a:rPr>
+                              </m:ctrlPr>
+                            </m:sSubPr>
+                            <m:e>
+                              <m:r>
+                                <a:rPr lang="en-US" altLang="ja-JP" sz="1200" i="1">
+                                  <a:latin typeface="Cambria Math" panose="02040503050406030204" pitchFamily="18" charset="0"/>
+                                </a:rPr>
+                                <m:t>𝐶</m:t>
+                              </m:r>
+                            </m:e>
+                            <m:sub>
+                              <m:r>
+                                <a:rPr lang="en-US" altLang="ja-JP" sz="1200" i="1">
+                                  <a:latin typeface="Cambria Math" panose="02040503050406030204" pitchFamily="18" charset="0"/>
+                                </a:rPr>
+                                <m:t>2</m:t>
+                              </m:r>
+                            </m:sub>
+                          </m:sSub>
+                          <m:r>
+                            <a:rPr lang="en-US" altLang="ja-JP" sz="1200" i="1">
+                              <a:latin typeface="Cambria Math" panose="02040503050406030204" pitchFamily="18" charset="0"/>
+                            </a:rPr>
+                            <m:t>)</m:t>
+                          </m:r>
+                        </m:den>
+                      </m:f>
+                    </m:oMath>
+                  </m:oMathPara>
+                </a14:m>
+                <a:endParaRPr kumimoji="1" lang="en-US" altLang="ja-JP" sz="1200" dirty="0">
+                  <a:latin typeface="Times Newer Roman" panose="00000500000000000000" pitchFamily="50" charset="0"/>
+                </a:endParaRPr>
+              </a:p>
+              <a:p>
+                <a:pPr/>
+                <a14:m>
+                  <m:oMath xmlns:m="http://schemas.openxmlformats.org/officeDocument/2006/math">
+                    <m:sSub>
+                      <m:sSubPr>
+                        <m:ctrlPr>
+                          <a:rPr lang="en-US" altLang="ja-JP" sz="1200" b="0" i="1" smtClean="0">
+                            <a:latin typeface="Cambria Math" panose="02040503050406030204" pitchFamily="18" charset="0"/>
+                          </a:rPr>
+                        </m:ctrlPr>
+                      </m:sSubPr>
+                      <m:e>
+                        <m:r>
+                          <a:rPr lang="en-US" altLang="ja-JP" sz="1200" b="0" i="1" smtClean="0">
+                            <a:latin typeface="Cambria Math" panose="02040503050406030204" pitchFamily="18" charset="0"/>
+                          </a:rPr>
+                          <m:t>𝑋</m:t>
+                        </m:r>
+                      </m:e>
+                      <m:sub>
+                        <m:r>
+                          <a:rPr lang="en-US" altLang="ja-JP" sz="1200" b="0" i="1" smtClean="0">
+                            <a:latin typeface="Cambria Math" panose="02040503050406030204" pitchFamily="18" charset="0"/>
+                          </a:rPr>
+                          <m:t>𝑡</m:t>
+                        </m:r>
+                      </m:sub>
+                    </m:sSub>
+                    <m:r>
+                      <a:rPr lang="en-US" altLang="ja-JP" sz="1200" b="0" i="1" smtClean="0">
+                        <a:latin typeface="Cambria Math" panose="02040503050406030204" pitchFamily="18" charset="0"/>
+                      </a:rPr>
+                      <m:t>≔</m:t>
+                    </m:r>
+                    <m:f>
+                      <m:fPr>
+                        <m:ctrlPr>
+                          <a:rPr lang="en-US" altLang="ja-JP" sz="1200" b="0" i="1" smtClean="0">
+                            <a:latin typeface="Cambria Math" panose="02040503050406030204" pitchFamily="18" charset="0"/>
+                          </a:rPr>
+                        </m:ctrlPr>
+                      </m:fPr>
+                      <m:num>
+                        <m:sSubSup>
+                          <m:sSubSupPr>
+                            <m:ctrlPr>
+                              <a:rPr lang="en-US" altLang="ja-JP" sz="1200" b="0" i="1" smtClean="0">
+                                <a:latin typeface="Cambria Math" panose="02040503050406030204" pitchFamily="18" charset="0"/>
+                              </a:rPr>
+                            </m:ctrlPr>
+                          </m:sSubSupPr>
+                          <m:e>
+                            <m:nary>
+                              <m:naryPr>
+                                <m:chr m:val="∑"/>
+                                <m:subHide m:val="on"/>
+                                <m:supHide m:val="on"/>
+                                <m:ctrlPr>
+                                  <a:rPr lang="en-US" altLang="ja-JP" sz="1200" b="0" i="1" smtClean="0">
+                                    <a:latin typeface="Cambria Math" panose="02040503050406030204" pitchFamily="18" charset="0"/>
+                                  </a:rPr>
+                                </m:ctrlPr>
+                              </m:naryPr>
+                              <m:sub/>
+                              <m:sup/>
+                              <m:e>
+                                <m:r>
+                                  <a:rPr lang="en-US" altLang="ja-JP" sz="1200" b="0" i="1" smtClean="0">
+                                    <a:latin typeface="Cambria Math" panose="02040503050406030204" pitchFamily="18" charset="0"/>
+                                  </a:rPr>
+                                  <m:t> </m:t>
+                                </m:r>
+                              </m:e>
+                            </m:nary>
+                          </m:e>
+                          <m:sub>
+                            <m:r>
+                              <a:rPr lang="en-US" altLang="ja-JP" sz="1200" b="0" i="1" smtClean="0">
+                                <a:latin typeface="Cambria Math" panose="02040503050406030204" pitchFamily="18" charset="0"/>
+                              </a:rPr>
+                              <m:t>𝑖</m:t>
+                            </m:r>
+                            <m:r>
+                              <a:rPr lang="en-US" altLang="ja-JP" sz="1200" b="0" i="1" smtClean="0">
+                                <a:latin typeface="Cambria Math" panose="02040503050406030204" pitchFamily="18" charset="0"/>
+                              </a:rPr>
+                              <m:t>=0</m:t>
+                            </m:r>
+                          </m:sub>
+                          <m:sup>
+                            <m:r>
+                              <a:rPr lang="en-US" altLang="ja-JP" sz="1200" b="0" i="1" smtClean="0">
+                                <a:latin typeface="Cambria Math" panose="02040503050406030204" pitchFamily="18" charset="0"/>
+                              </a:rPr>
+                              <m:t>2</m:t>
+                            </m:r>
+                          </m:sup>
+                        </m:sSubSup>
+                        <m:sSub>
+                          <m:sSubPr>
+                            <m:ctrlPr>
+                              <a:rPr lang="en-US" altLang="ja-JP" sz="1200" b="0" i="1" smtClean="0">
+                                <a:latin typeface="Cambria Math" panose="02040503050406030204" pitchFamily="18" charset="0"/>
+                              </a:rPr>
+                            </m:ctrlPr>
+                          </m:sSubPr>
+                          <m:e>
+                            <m:r>
+                              <a:rPr lang="en-US" altLang="ja-JP" sz="1200" b="0" i="1" smtClean="0">
+                                <a:latin typeface="Cambria Math" panose="02040503050406030204" pitchFamily="18" charset="0"/>
+                              </a:rPr>
+                              <m:t>𝐶</m:t>
+                            </m:r>
+                          </m:e>
+                          <m:sub>
+                            <m:r>
+                              <a:rPr lang="en-US" altLang="ja-JP" sz="1200" b="0" i="1" smtClean="0">
+                                <a:latin typeface="Cambria Math" panose="02040503050406030204" pitchFamily="18" charset="0"/>
+                              </a:rPr>
+                              <m:t>1</m:t>
+                            </m:r>
+                            <m:r>
+                              <a:rPr lang="en-US" altLang="ja-JP" sz="1200" b="0" i="1" smtClean="0">
+                                <a:latin typeface="Cambria Math" panose="02040503050406030204" pitchFamily="18" charset="0"/>
+                              </a:rPr>
+                              <m:t>𝑖</m:t>
+                            </m:r>
+                          </m:sub>
+                        </m:sSub>
+                        <m:sSup>
+                          <m:sSupPr>
+                            <m:ctrlPr>
+                              <a:rPr lang="en-US" altLang="ja-JP" sz="1200" b="0" i="1" smtClean="0">
+                                <a:latin typeface="Cambria Math" panose="02040503050406030204" pitchFamily="18" charset="0"/>
+                              </a:rPr>
+                            </m:ctrlPr>
+                          </m:sSupPr>
+                          <m:e>
+                            <m:r>
+                              <a:rPr lang="en-US" altLang="ja-JP" sz="1200" b="0" i="1" smtClean="0">
+                                <a:latin typeface="Cambria Math" panose="02040503050406030204" pitchFamily="18" charset="0"/>
+                              </a:rPr>
+                              <m:t>𝜔</m:t>
+                            </m:r>
+                          </m:e>
+                          <m:sup>
+                            <m:r>
+                              <a:rPr lang="en-US" altLang="ja-JP" sz="1200" b="0" i="1" smtClean="0">
+                                <a:latin typeface="Cambria Math" panose="02040503050406030204" pitchFamily="18" charset="0"/>
+                              </a:rPr>
+                              <m:t>𝑖</m:t>
+                            </m:r>
+                          </m:sup>
+                        </m:sSup>
+                      </m:num>
+                      <m:den>
+                        <m:sSubSup>
+                          <m:sSubSupPr>
+                            <m:ctrlPr>
+                              <a:rPr lang="en-US" altLang="ja-JP" sz="1200" i="1">
+                                <a:latin typeface="Cambria Math" panose="02040503050406030204" pitchFamily="18" charset="0"/>
+                              </a:rPr>
+                            </m:ctrlPr>
+                          </m:sSubSupPr>
+                          <m:e>
+                            <m:nary>
+                              <m:naryPr>
+                                <m:chr m:val="∑"/>
+                                <m:subHide m:val="on"/>
+                                <m:supHide m:val="on"/>
+                                <m:ctrlPr>
+                                  <a:rPr lang="en-US" altLang="ja-JP" sz="1200" i="1">
+                                    <a:latin typeface="Cambria Math" panose="02040503050406030204" pitchFamily="18" charset="0"/>
+                                  </a:rPr>
+                                </m:ctrlPr>
+                              </m:naryPr>
+                              <m:sub/>
+                              <m:sup/>
+                              <m:e>
+                                <m:r>
+                                  <a:rPr lang="en-US" altLang="ja-JP" sz="1200" i="1">
+                                    <a:latin typeface="Cambria Math" panose="02040503050406030204" pitchFamily="18" charset="0"/>
+                                  </a:rPr>
+                                  <m:t> </m:t>
+                                </m:r>
+                              </m:e>
+                            </m:nary>
+                          </m:e>
+                          <m:sub>
+                            <m:r>
+                              <a:rPr lang="en-US" altLang="ja-JP" sz="1200" i="1">
+                                <a:latin typeface="Cambria Math" panose="02040503050406030204" pitchFamily="18" charset="0"/>
+                              </a:rPr>
+                              <m:t>𝑖</m:t>
+                            </m:r>
+                            <m:r>
+                              <a:rPr lang="en-US" altLang="ja-JP" sz="1200" i="1">
+                                <a:latin typeface="Cambria Math" panose="02040503050406030204" pitchFamily="18" charset="0"/>
+                              </a:rPr>
+                              <m:t>=0</m:t>
+                            </m:r>
+                          </m:sub>
+                          <m:sup>
+                            <m:r>
+                              <a:rPr lang="en-US" altLang="ja-JP" sz="1200" b="0" i="1" smtClean="0">
+                                <a:latin typeface="Cambria Math" panose="02040503050406030204" pitchFamily="18" charset="0"/>
+                              </a:rPr>
+                              <m:t>4</m:t>
+                            </m:r>
+                          </m:sup>
+                        </m:sSubSup>
+                        <m:sSub>
+                          <m:sSubPr>
+                            <m:ctrlPr>
+                              <a:rPr lang="en-US" altLang="ja-JP" sz="1200" b="0" i="1" smtClean="0">
+                                <a:latin typeface="Cambria Math" panose="02040503050406030204" pitchFamily="18" charset="0"/>
+                              </a:rPr>
+                            </m:ctrlPr>
+                          </m:sSubPr>
+                          <m:e>
+                            <m:r>
+                              <a:rPr lang="en-US" altLang="ja-JP" sz="1200" b="0" i="1" smtClean="0">
+                                <a:latin typeface="Cambria Math" panose="02040503050406030204" pitchFamily="18" charset="0"/>
+                              </a:rPr>
+                              <m:t>𝐶</m:t>
+                            </m:r>
+                          </m:e>
+                          <m:sub>
+                            <m:r>
+                              <a:rPr lang="en-US" altLang="ja-JP" sz="1200" b="0" i="1" smtClean="0">
+                                <a:latin typeface="Cambria Math" panose="02040503050406030204" pitchFamily="18" charset="0"/>
+                              </a:rPr>
+                              <m:t>2</m:t>
+                            </m:r>
+                            <m:r>
+                              <a:rPr lang="en-US" altLang="ja-JP" sz="1200" b="0" i="1" smtClean="0">
+                                <a:latin typeface="Cambria Math" panose="02040503050406030204" pitchFamily="18" charset="0"/>
+                              </a:rPr>
+                              <m:t>𝑖</m:t>
+                            </m:r>
+                          </m:sub>
+                        </m:sSub>
+                        <m:sSup>
+                          <m:sSupPr>
+                            <m:ctrlPr>
+                              <a:rPr lang="en-US" altLang="ja-JP" sz="1200" b="0" i="1" smtClean="0">
+                                <a:latin typeface="Cambria Math" panose="02040503050406030204" pitchFamily="18" charset="0"/>
+                              </a:rPr>
+                            </m:ctrlPr>
+                          </m:sSupPr>
+                          <m:e>
+                            <m:r>
+                              <a:rPr lang="en-US" altLang="ja-JP" sz="1200" b="0" i="1" smtClean="0">
+                                <a:latin typeface="Cambria Math" panose="02040503050406030204" pitchFamily="18" charset="0"/>
+                              </a:rPr>
+                              <m:t>𝜔</m:t>
+                            </m:r>
+                          </m:e>
+                          <m:sup>
+                            <m:r>
+                              <a:rPr lang="en-US" altLang="ja-JP" sz="1200" b="0" i="1" smtClean="0">
+                                <a:latin typeface="Cambria Math" panose="02040503050406030204" pitchFamily="18" charset="0"/>
+                              </a:rPr>
+                              <m:t>𝑖</m:t>
+                            </m:r>
+                          </m:sup>
+                        </m:sSup>
+                      </m:den>
+                    </m:f>
+                  </m:oMath>
+                </a14:m>
+                <a:r>
+                  <a:rPr lang="ja-JP" altLang="en-US" sz="1200" dirty="0">
+                    <a:latin typeface="Times Newer Roman" panose="00000500000000000000" pitchFamily="50" charset="0"/>
+                  </a:rPr>
+                  <a:t>とおくと</a:t>
+                </a:r>
+                <a:endParaRPr lang="en-US" altLang="ja-JP" sz="1200" dirty="0">
+                  <a:latin typeface="Times Newer Roman" panose="00000500000000000000" pitchFamily="50" charset="0"/>
+                </a:endParaRPr>
+              </a:p>
+              <a:p>
+                <a:pPr/>
+                <a14:m>
+                  <m:oMathPara xmlns:m="http://schemas.openxmlformats.org/officeDocument/2006/math">
+                    <m:oMathParaPr>
+                      <m:jc m:val="centerGroup"/>
+                    </m:oMathParaPr>
+                    <m:oMath xmlns:m="http://schemas.openxmlformats.org/officeDocument/2006/math">
+                      <m:sSub>
+                        <m:sSubPr>
+                          <m:ctrlPr>
+                            <a:rPr lang="en-US" altLang="ja-JP" sz="1200" b="0" i="1" smtClean="0">
+                              <a:latin typeface="Cambria Math" panose="02040503050406030204" pitchFamily="18" charset="0"/>
+                            </a:rPr>
+                          </m:ctrlPr>
+                        </m:sSubPr>
+                        <m:e>
+                          <m:r>
+                            <a:rPr lang="en-US" altLang="ja-JP" sz="1200" b="0" i="1" smtClean="0">
+                              <a:latin typeface="Cambria Math" panose="02040503050406030204" pitchFamily="18" charset="0"/>
+                            </a:rPr>
+                            <m:t>𝐶</m:t>
+                          </m:r>
+                        </m:e>
+                        <m:sub>
+                          <m:r>
+                            <a:rPr lang="en-US" altLang="ja-JP" sz="1200" b="0" i="1" smtClean="0">
+                              <a:latin typeface="Cambria Math" panose="02040503050406030204" pitchFamily="18" charset="0"/>
+                            </a:rPr>
+                            <m:t>10</m:t>
+                          </m:r>
+                        </m:sub>
+                      </m:sSub>
+                      <m:r>
+                        <a:rPr lang="en-US" altLang="ja-JP" sz="1200" b="0" i="1" smtClean="0">
+                          <a:latin typeface="Cambria Math" panose="02040503050406030204" pitchFamily="18" charset="0"/>
+                        </a:rPr>
+                        <m:t>=−</m:t>
+                      </m:r>
+                      <m:d>
+                        <m:dPr>
+                          <m:ctrlPr>
+                            <a:rPr lang="en-US" altLang="ja-JP" sz="1200" b="0" i="1" smtClean="0">
+                              <a:latin typeface="Cambria Math" panose="02040503050406030204" pitchFamily="18" charset="0"/>
+                            </a:rPr>
+                          </m:ctrlPr>
+                        </m:dPr>
+                        <m:e>
+                          <m:sSub>
+                            <m:sSubPr>
+                              <m:ctrlPr>
+                                <a:rPr lang="en-US" altLang="ja-JP" sz="1200" b="0" i="1" smtClean="0">
+                                  <a:latin typeface="Cambria Math" panose="02040503050406030204" pitchFamily="18" charset="0"/>
+                                </a:rPr>
+                              </m:ctrlPr>
+                            </m:sSubPr>
+                            <m:e>
+                              <m:r>
+                                <a:rPr lang="en-US" altLang="ja-JP" sz="1200" b="0" i="1" smtClean="0">
+                                  <a:latin typeface="Cambria Math" panose="02040503050406030204" pitchFamily="18" charset="0"/>
+                                </a:rPr>
+                                <m:t>𝑔</m:t>
+                              </m:r>
+                            </m:e>
+                            <m:sub>
+                              <m:r>
+                                <a:rPr lang="en-US" altLang="ja-JP" sz="1200" b="0" i="1" smtClean="0">
+                                  <a:latin typeface="Cambria Math" panose="02040503050406030204" pitchFamily="18" charset="0"/>
+                                </a:rPr>
+                                <m:t>𝑚</m:t>
+                              </m:r>
+                              <m:r>
+                                <a:rPr lang="en-US" altLang="ja-JP" sz="1200" b="0" i="1" smtClean="0">
+                                  <a:latin typeface="Cambria Math" panose="02040503050406030204" pitchFamily="18" charset="0"/>
+                                </a:rPr>
+                                <m:t>1</m:t>
+                              </m:r>
+                            </m:sub>
+                          </m:sSub>
+                          <m:r>
+                            <a:rPr lang="en-US" altLang="ja-JP" sz="1200" b="0" i="1" smtClean="0">
+                              <a:latin typeface="Cambria Math" panose="02040503050406030204" pitchFamily="18" charset="0"/>
+                            </a:rPr>
+                            <m:t>+</m:t>
+                          </m:r>
+                          <m:sSub>
+                            <m:sSubPr>
+                              <m:ctrlPr>
+                                <a:rPr lang="en-US" altLang="ja-JP" sz="1200" b="0" i="1" smtClean="0">
+                                  <a:latin typeface="Cambria Math" panose="02040503050406030204" pitchFamily="18" charset="0"/>
+                                </a:rPr>
+                              </m:ctrlPr>
+                            </m:sSubPr>
+                            <m:e>
+                              <m:r>
+                                <a:rPr lang="en-US" altLang="ja-JP" sz="1200" b="0" i="1" smtClean="0">
+                                  <a:latin typeface="Cambria Math" panose="02040503050406030204" pitchFamily="18" charset="0"/>
+                                </a:rPr>
+                                <m:t>𝑔</m:t>
+                              </m:r>
+                            </m:e>
+                            <m:sub>
+                              <m:r>
+                                <a:rPr lang="en-US" altLang="ja-JP" sz="1200" b="0" i="1" smtClean="0">
+                                  <a:latin typeface="Cambria Math" panose="02040503050406030204" pitchFamily="18" charset="0"/>
+                                </a:rPr>
+                                <m:t>𝑐𝑒</m:t>
+                              </m:r>
+                              <m:r>
+                                <a:rPr lang="en-US" altLang="ja-JP" sz="1200" b="0" i="1" smtClean="0">
+                                  <a:latin typeface="Cambria Math" panose="02040503050406030204" pitchFamily="18" charset="0"/>
+                                </a:rPr>
+                                <m:t>1</m:t>
+                              </m:r>
+                            </m:sub>
+                          </m:sSub>
+                        </m:e>
+                      </m:d>
+                      <m:sSub>
+                        <m:sSubPr>
+                          <m:ctrlPr>
+                            <a:rPr lang="en-US" altLang="ja-JP" sz="1200" b="0" i="1" smtClean="0">
+                              <a:latin typeface="Cambria Math" panose="02040503050406030204" pitchFamily="18" charset="0"/>
+                            </a:rPr>
+                          </m:ctrlPr>
+                        </m:sSubPr>
+                        <m:e>
+                          <m:r>
+                            <a:rPr lang="en-US" altLang="ja-JP" sz="1200" b="0" i="1" smtClean="0">
+                              <a:latin typeface="Cambria Math" panose="02040503050406030204" pitchFamily="18" charset="0"/>
+                            </a:rPr>
+                            <m:t>𝑔</m:t>
+                          </m:r>
+                        </m:e>
+                        <m:sub>
+                          <m:r>
+                            <a:rPr lang="en-US" altLang="ja-JP" sz="1200" b="0" i="1" smtClean="0">
+                              <a:latin typeface="Cambria Math" panose="02040503050406030204" pitchFamily="18" charset="0"/>
+                            </a:rPr>
+                            <m:t>𝑚</m:t>
+                          </m:r>
+                          <m:r>
+                            <a:rPr lang="en-US" altLang="ja-JP" sz="1200" b="0" i="1" smtClean="0">
+                              <a:latin typeface="Cambria Math" panose="02040503050406030204" pitchFamily="18" charset="0"/>
+                            </a:rPr>
+                            <m:t>2</m:t>
+                          </m:r>
+                        </m:sub>
+                      </m:sSub>
+                      <m:sSub>
+                        <m:sSubPr>
+                          <m:ctrlPr>
+                            <a:rPr lang="en-US" altLang="ja-JP" sz="1200" b="0" i="1" smtClean="0">
+                              <a:latin typeface="Cambria Math" panose="02040503050406030204" pitchFamily="18" charset="0"/>
+                            </a:rPr>
+                          </m:ctrlPr>
+                        </m:sSubPr>
+                        <m:e>
+                          <m:r>
+                            <a:rPr lang="en-US" altLang="ja-JP" sz="1200" b="0" i="1" smtClean="0">
+                              <a:latin typeface="Cambria Math" panose="02040503050406030204" pitchFamily="18" charset="0"/>
+                            </a:rPr>
+                            <m:t>𝐺</m:t>
+                          </m:r>
+                        </m:e>
+                        <m:sub>
+                          <m:r>
+                            <a:rPr lang="en-US" altLang="ja-JP" sz="1200" b="0" i="1" smtClean="0">
+                              <a:latin typeface="Cambria Math" panose="02040503050406030204" pitchFamily="18" charset="0"/>
+                            </a:rPr>
+                            <m:t>1</m:t>
+                          </m:r>
+                        </m:sub>
+                      </m:sSub>
+                      <m:r>
+                        <a:rPr lang="en-US" altLang="ja-JP" sz="1200" b="0" i="1" smtClean="0">
+                          <a:latin typeface="Cambria Math" panose="02040503050406030204" pitchFamily="18" charset="0"/>
+                        </a:rPr>
+                        <m:t>=−</m:t>
+                      </m:r>
+                      <m:sSub>
+                        <m:sSubPr>
+                          <m:ctrlPr>
+                            <a:rPr lang="en-US" altLang="ja-JP" sz="1200" b="0" i="1" smtClean="0">
+                              <a:latin typeface="Cambria Math" panose="02040503050406030204" pitchFamily="18" charset="0"/>
+                            </a:rPr>
+                          </m:ctrlPr>
+                        </m:sSubPr>
+                        <m:e>
+                          <m:r>
+                            <a:rPr lang="en-US" altLang="ja-JP" sz="1200" b="0" i="1" smtClean="0">
+                              <a:latin typeface="Cambria Math" panose="02040503050406030204" pitchFamily="18" charset="0"/>
+                            </a:rPr>
+                            <m:t>𝑔</m:t>
+                          </m:r>
+                        </m:e>
+                        <m:sub>
+                          <m:r>
+                            <a:rPr lang="en-US" altLang="ja-JP" sz="1200" b="0" i="1" smtClean="0">
+                              <a:latin typeface="Cambria Math" panose="02040503050406030204" pitchFamily="18" charset="0"/>
+                            </a:rPr>
+                            <m:t>𝑚</m:t>
+                          </m:r>
+                          <m:r>
+                            <a:rPr lang="en-US" altLang="ja-JP" sz="1200" b="0" i="1" smtClean="0">
+                              <a:latin typeface="Cambria Math" panose="02040503050406030204" pitchFamily="18" charset="0"/>
+                            </a:rPr>
+                            <m:t>2</m:t>
+                          </m:r>
+                        </m:sub>
+                      </m:sSub>
+                      <m:d>
+                        <m:dPr>
+                          <m:ctrlPr>
+                            <a:rPr lang="en-US" altLang="ja-JP" sz="1200" b="0" i="1" smtClean="0">
+                              <a:latin typeface="Cambria Math" panose="02040503050406030204" pitchFamily="18" charset="0"/>
+                            </a:rPr>
+                          </m:ctrlPr>
+                        </m:dPr>
+                        <m:e>
+                          <m:sSub>
+                            <m:sSubPr>
+                              <m:ctrlPr>
+                                <a:rPr lang="en-US" altLang="ja-JP" sz="1200" b="0" i="1" smtClean="0">
+                                  <a:latin typeface="Cambria Math" panose="02040503050406030204" pitchFamily="18" charset="0"/>
+                                </a:rPr>
+                              </m:ctrlPr>
+                            </m:sSubPr>
+                            <m:e>
+                              <m:r>
+                                <a:rPr lang="en-US" altLang="ja-JP" sz="1200" b="0" i="1" smtClean="0">
+                                  <a:latin typeface="Cambria Math" panose="02040503050406030204" pitchFamily="18" charset="0"/>
+                                </a:rPr>
+                                <m:t>𝑔</m:t>
+                              </m:r>
+                            </m:e>
+                            <m:sub>
+                              <m:r>
+                                <a:rPr lang="en-US" altLang="ja-JP" sz="1200" b="0" i="1" smtClean="0">
+                                  <a:latin typeface="Cambria Math" panose="02040503050406030204" pitchFamily="18" charset="0"/>
+                                </a:rPr>
+                                <m:t>𝑚</m:t>
+                              </m:r>
+                              <m:r>
+                                <a:rPr lang="en-US" altLang="ja-JP" sz="1200" b="0" i="1" smtClean="0">
+                                  <a:latin typeface="Cambria Math" panose="02040503050406030204" pitchFamily="18" charset="0"/>
+                                </a:rPr>
+                                <m:t>1</m:t>
+                              </m:r>
+                            </m:sub>
+                          </m:sSub>
+                          <m:r>
+                            <a:rPr lang="en-US" altLang="ja-JP" sz="1200" b="0" i="1" smtClean="0">
+                              <a:latin typeface="Cambria Math" panose="02040503050406030204" pitchFamily="18" charset="0"/>
+                            </a:rPr>
+                            <m:t>+</m:t>
+                          </m:r>
+                          <m:sSub>
+                            <m:sSubPr>
+                              <m:ctrlPr>
+                                <a:rPr lang="en-US" altLang="ja-JP" sz="1200" b="0" i="1" smtClean="0">
+                                  <a:latin typeface="Cambria Math" panose="02040503050406030204" pitchFamily="18" charset="0"/>
+                                </a:rPr>
+                              </m:ctrlPr>
+                            </m:sSubPr>
+                            <m:e>
+                              <m:r>
+                                <a:rPr lang="en-US" altLang="ja-JP" sz="1200" b="0" i="1" smtClean="0">
+                                  <a:latin typeface="Cambria Math" panose="02040503050406030204" pitchFamily="18" charset="0"/>
+                                </a:rPr>
+                                <m:t>𝑔</m:t>
+                              </m:r>
+                            </m:e>
+                            <m:sub>
+                              <m:r>
+                                <a:rPr lang="en-US" altLang="ja-JP" sz="1200" b="0" i="1" smtClean="0">
+                                  <a:latin typeface="Cambria Math" panose="02040503050406030204" pitchFamily="18" charset="0"/>
+                                </a:rPr>
+                                <m:t>𝑐𝑒</m:t>
+                              </m:r>
+                              <m:r>
+                                <a:rPr lang="en-US" altLang="ja-JP" sz="1200" b="0" i="1" smtClean="0">
+                                  <a:latin typeface="Cambria Math" panose="02040503050406030204" pitchFamily="18" charset="0"/>
+                                </a:rPr>
+                                <m:t>1</m:t>
+                              </m:r>
+                            </m:sub>
+                          </m:sSub>
+                        </m:e>
+                      </m:d>
+                      <m:d>
+                        <m:dPr>
+                          <m:ctrlPr>
+                            <a:rPr lang="en-US" altLang="ja-JP" sz="1200" b="0" i="1" smtClean="0">
+                              <a:latin typeface="Cambria Math" panose="02040503050406030204" pitchFamily="18" charset="0"/>
+                            </a:rPr>
+                          </m:ctrlPr>
+                        </m:dPr>
+                        <m:e>
+                          <m:sSub>
+                            <m:sSubPr>
+                              <m:ctrlPr>
+                                <a:rPr lang="en-US" altLang="ja-JP" sz="1200" b="0" i="1" smtClean="0">
+                                  <a:latin typeface="Cambria Math" panose="02040503050406030204" pitchFamily="18" charset="0"/>
+                                </a:rPr>
+                              </m:ctrlPr>
+                            </m:sSubPr>
+                            <m:e>
+                              <m:r>
+                                <a:rPr lang="en-US" altLang="ja-JP" sz="1200" b="0" i="1" smtClean="0">
+                                  <a:latin typeface="Cambria Math" panose="02040503050406030204" pitchFamily="18" charset="0"/>
+                                </a:rPr>
+                                <m:t>𝐺</m:t>
+                              </m:r>
+                            </m:e>
+                            <m:sub>
+                              <m:r>
+                                <a:rPr lang="en-US" altLang="ja-JP" sz="1200" b="0" i="1" smtClean="0">
+                                  <a:latin typeface="Cambria Math" panose="02040503050406030204" pitchFamily="18" charset="0"/>
+                                </a:rPr>
+                                <m:t>𝐸</m:t>
+                              </m:r>
+                              <m:r>
+                                <a:rPr lang="en-US" altLang="ja-JP" sz="1200" b="0" i="1" smtClean="0">
+                                  <a:latin typeface="Cambria Math" panose="02040503050406030204" pitchFamily="18" charset="0"/>
+                                </a:rPr>
+                                <m:t>1</m:t>
+                              </m:r>
+                            </m:sub>
+                          </m:sSub>
+                          <m:r>
+                            <a:rPr lang="en-US" altLang="ja-JP" sz="1200" b="0" i="1" smtClean="0">
+                              <a:latin typeface="Cambria Math" panose="02040503050406030204" pitchFamily="18" charset="0"/>
+                            </a:rPr>
+                            <m:t>+</m:t>
+                          </m:r>
+                          <m:sSub>
+                            <m:sSubPr>
+                              <m:ctrlPr>
+                                <a:rPr lang="en-US" altLang="ja-JP" sz="1200" b="0" i="1" smtClean="0">
+                                  <a:latin typeface="Cambria Math" panose="02040503050406030204" pitchFamily="18" charset="0"/>
+                                </a:rPr>
+                              </m:ctrlPr>
+                            </m:sSubPr>
+                            <m:e>
+                              <m:r>
+                                <a:rPr lang="en-US" altLang="ja-JP" sz="1200" b="0" i="1" smtClean="0">
+                                  <a:latin typeface="Cambria Math" panose="02040503050406030204" pitchFamily="18" charset="0"/>
+                                </a:rPr>
+                                <m:t>𝑔</m:t>
+                              </m:r>
+                            </m:e>
+                            <m:sub>
+                              <m:r>
+                                <a:rPr lang="en-US" altLang="ja-JP" sz="1200" b="0" i="1" smtClean="0">
+                                  <a:latin typeface="Cambria Math" panose="02040503050406030204" pitchFamily="18" charset="0"/>
+                                </a:rPr>
+                                <m:t>𝑚</m:t>
+                              </m:r>
+                              <m:r>
+                                <a:rPr lang="en-US" altLang="ja-JP" sz="1200" b="0" i="1" smtClean="0">
+                                  <a:latin typeface="Cambria Math" panose="02040503050406030204" pitchFamily="18" charset="0"/>
+                                </a:rPr>
+                                <m:t>1</m:t>
+                              </m:r>
+                            </m:sub>
+                          </m:sSub>
+                          <m:r>
+                            <a:rPr lang="en-US" altLang="ja-JP" sz="1200" b="0" i="1" smtClean="0">
+                              <a:latin typeface="Cambria Math" panose="02040503050406030204" pitchFamily="18" charset="0"/>
+                            </a:rPr>
+                            <m:t>+</m:t>
+                          </m:r>
+                          <m:sSub>
+                            <m:sSubPr>
+                              <m:ctrlPr>
+                                <a:rPr lang="en-US" altLang="ja-JP" sz="1200" b="0" i="1" smtClean="0">
+                                  <a:latin typeface="Cambria Math" panose="02040503050406030204" pitchFamily="18" charset="0"/>
+                                </a:rPr>
+                              </m:ctrlPr>
+                            </m:sSubPr>
+                            <m:e>
+                              <m:r>
+                                <a:rPr lang="en-US" altLang="ja-JP" sz="1200" b="0" i="1" smtClean="0">
+                                  <a:latin typeface="Cambria Math" panose="02040503050406030204" pitchFamily="18" charset="0"/>
+                                </a:rPr>
+                                <m:t>𝑔</m:t>
+                              </m:r>
+                            </m:e>
+                            <m:sub>
+                              <m:r>
+                                <a:rPr lang="en-US" altLang="ja-JP" sz="1200" b="0" i="1" smtClean="0">
+                                  <a:latin typeface="Cambria Math" panose="02040503050406030204" pitchFamily="18" charset="0"/>
+                                </a:rPr>
+                                <m:t>𝑐</m:t>
+                              </m:r>
+                              <m:r>
+                                <a:rPr lang="en-US" altLang="ja-JP" sz="1200" b="0" i="1" smtClean="0">
+                                  <a:latin typeface="Cambria Math" panose="02040503050406030204" pitchFamily="18" charset="0"/>
+                                </a:rPr>
+                                <m:t>1</m:t>
+                              </m:r>
+                            </m:sub>
+                          </m:sSub>
+                        </m:e>
+                      </m:d>
+                    </m:oMath>
+                  </m:oMathPara>
+                </a14:m>
+                <a:endParaRPr lang="en-US" altLang="ja-JP" sz="1200" b="0" dirty="0">
+                  <a:latin typeface="Times Newer Roman" panose="00000500000000000000" pitchFamily="50" charset="0"/>
+                </a:endParaRPr>
+              </a:p>
+              <a:p>
+                <a:pPr/>
+                <a14:m>
+                  <m:oMathPara xmlns:m="http://schemas.openxmlformats.org/officeDocument/2006/math">
+                    <m:oMathParaPr>
+                      <m:jc m:val="centerGroup"/>
+                    </m:oMathParaPr>
+                    <m:oMath xmlns:m="http://schemas.openxmlformats.org/officeDocument/2006/math">
+                      <m:sSub>
+                        <m:sSubPr>
+                          <m:ctrlPr>
+                            <a:rPr lang="en-US" altLang="ja-JP" sz="1200" b="0" i="1" smtClean="0">
+                              <a:latin typeface="Cambria Math" panose="02040503050406030204" pitchFamily="18" charset="0"/>
+                            </a:rPr>
+                          </m:ctrlPr>
+                        </m:sSubPr>
+                        <m:e>
+                          <m:r>
+                            <a:rPr lang="en-US" altLang="ja-JP" sz="1200" b="0" i="1" smtClean="0">
+                              <a:latin typeface="Cambria Math" panose="02040503050406030204" pitchFamily="18" charset="0"/>
+                            </a:rPr>
+                            <m:t>𝐶</m:t>
+                          </m:r>
+                        </m:e>
+                        <m:sub>
+                          <m:r>
+                            <a:rPr lang="en-US" altLang="ja-JP" sz="1200" b="0" i="1" smtClean="0">
+                              <a:latin typeface="Cambria Math" panose="02040503050406030204" pitchFamily="18" charset="0"/>
+                            </a:rPr>
+                            <m:t>11</m:t>
+                          </m:r>
+                        </m:sub>
+                      </m:sSub>
+                      <m:r>
+                        <a:rPr lang="en-US" altLang="ja-JP" sz="1200" b="0" i="1" smtClean="0">
+                          <a:latin typeface="Cambria Math" panose="02040503050406030204" pitchFamily="18" charset="0"/>
+                        </a:rPr>
+                        <m:t>=</m:t>
+                      </m:r>
+                      <m:d>
+                        <m:dPr>
+                          <m:ctrlPr>
+                            <a:rPr lang="en-US" altLang="ja-JP" sz="1200" b="0" i="1" smtClean="0">
+                              <a:latin typeface="Cambria Math" panose="02040503050406030204" pitchFamily="18" charset="0"/>
+                            </a:rPr>
+                          </m:ctrlPr>
+                        </m:dPr>
+                        <m:e>
+                          <m:sSub>
+                            <m:sSubPr>
+                              <m:ctrlPr>
+                                <a:rPr lang="en-US" altLang="ja-JP" sz="1200" b="0" i="1" smtClean="0">
+                                  <a:latin typeface="Cambria Math" panose="02040503050406030204" pitchFamily="18" charset="0"/>
+                                </a:rPr>
+                              </m:ctrlPr>
+                            </m:sSubPr>
+                            <m:e>
+                              <m:r>
+                                <a:rPr lang="en-US" altLang="ja-JP" sz="1200" b="0" i="1" smtClean="0">
+                                  <a:latin typeface="Cambria Math" panose="02040503050406030204" pitchFamily="18" charset="0"/>
+                                </a:rPr>
+                                <m:t>𝑔</m:t>
+                              </m:r>
+                            </m:e>
+                            <m:sub>
+                              <m:r>
+                                <a:rPr lang="en-US" altLang="ja-JP" sz="1200" b="0" i="1" smtClean="0">
+                                  <a:latin typeface="Cambria Math" panose="02040503050406030204" pitchFamily="18" charset="0"/>
+                                </a:rPr>
+                                <m:t>𝑚</m:t>
+                              </m:r>
+                              <m:r>
+                                <a:rPr lang="en-US" altLang="ja-JP" sz="1200" b="0" i="1" smtClean="0">
+                                  <a:latin typeface="Cambria Math" panose="02040503050406030204" pitchFamily="18" charset="0"/>
+                                </a:rPr>
+                                <m:t>1</m:t>
+                              </m:r>
+                            </m:sub>
+                          </m:sSub>
+                          <m:r>
+                            <a:rPr lang="en-US" altLang="ja-JP" sz="1200" b="0" i="1" smtClean="0">
+                              <a:latin typeface="Cambria Math" panose="02040503050406030204" pitchFamily="18" charset="0"/>
+                            </a:rPr>
+                            <m:t>+</m:t>
+                          </m:r>
+                          <m:sSub>
+                            <m:sSubPr>
+                              <m:ctrlPr>
+                                <a:rPr lang="en-US" altLang="ja-JP" sz="1200" b="0" i="1" smtClean="0">
+                                  <a:latin typeface="Cambria Math" panose="02040503050406030204" pitchFamily="18" charset="0"/>
+                                </a:rPr>
+                              </m:ctrlPr>
+                            </m:sSubPr>
+                            <m:e>
+                              <m:r>
+                                <a:rPr lang="en-US" altLang="ja-JP" sz="1200" b="0" i="1" smtClean="0">
+                                  <a:latin typeface="Cambria Math" panose="02040503050406030204" pitchFamily="18" charset="0"/>
+                                </a:rPr>
+                                <m:t>𝑔</m:t>
+                              </m:r>
+                            </m:e>
+                            <m:sub>
+                              <m:r>
+                                <a:rPr lang="en-US" altLang="ja-JP" sz="1200" b="0" i="1" smtClean="0">
+                                  <a:latin typeface="Cambria Math" panose="02040503050406030204" pitchFamily="18" charset="0"/>
+                                </a:rPr>
+                                <m:t>𝑐𝑒</m:t>
+                              </m:r>
+                              <m:r>
+                                <a:rPr lang="en-US" altLang="ja-JP" sz="1200" b="0" i="1" smtClean="0">
+                                  <a:latin typeface="Cambria Math" panose="02040503050406030204" pitchFamily="18" charset="0"/>
+                                </a:rPr>
+                                <m:t>1</m:t>
+                              </m:r>
+                            </m:sub>
+                          </m:sSub>
+                        </m:e>
+                      </m:d>
+                      <m:d>
+                        <m:dPr>
+                          <m:begChr m:val=""/>
+                          <m:endChr m:val="}"/>
+                          <m:ctrlPr>
+                            <a:rPr lang="en-US" altLang="ja-JP" sz="1200" b="0" i="1" smtClean="0">
+                              <a:latin typeface="Cambria Math" panose="02040503050406030204" pitchFamily="18" charset="0"/>
+                            </a:rPr>
+                          </m:ctrlPr>
+                        </m:dPr>
+                        <m:e>
+                          <m:d>
+                            <m:dPr>
+                              <m:begChr m:val="{"/>
+                              <m:endChr m:val=""/>
+                              <m:ctrlPr>
+                                <a:rPr lang="en-US" altLang="ja-JP" sz="1200" b="0" i="1" smtClean="0">
+                                  <a:latin typeface="Cambria Math" panose="02040503050406030204" pitchFamily="18" charset="0"/>
+                                </a:rPr>
+                              </m:ctrlPr>
+                            </m:dPr>
+                            <m:e>
+                              <m:d>
+                                <m:dPr>
+                                  <m:ctrlPr>
+                                    <a:rPr lang="en-US" altLang="ja-JP" sz="1200" b="0" i="1" smtClean="0">
+                                      <a:latin typeface="Cambria Math" panose="02040503050406030204" pitchFamily="18" charset="0"/>
+                                    </a:rPr>
+                                  </m:ctrlPr>
+                                </m:dPr>
+                                <m:e>
+                                  <m:sSub>
+                                    <m:sSubPr>
+                                      <m:ctrlPr>
+                                        <a:rPr lang="en-US" altLang="ja-JP" sz="1200" i="1">
+                                          <a:latin typeface="Cambria Math" panose="02040503050406030204" pitchFamily="18" charset="0"/>
+                                        </a:rPr>
+                                      </m:ctrlPr>
+                                    </m:sSubPr>
+                                    <m:e>
+                                      <m:r>
+                                        <a:rPr lang="en-US" altLang="ja-JP" sz="1200" i="1">
+                                          <a:latin typeface="Cambria Math" panose="02040503050406030204" pitchFamily="18" charset="0"/>
+                                        </a:rPr>
+                                        <m:t>𝐺</m:t>
+                                      </m:r>
+                                    </m:e>
+                                    <m:sub>
+                                      <m:r>
+                                        <a:rPr lang="en-US" altLang="ja-JP" sz="1200" i="1">
+                                          <a:latin typeface="Cambria Math" panose="02040503050406030204" pitchFamily="18" charset="0"/>
+                                        </a:rPr>
+                                        <m:t>𝐸</m:t>
+                                      </m:r>
+                                      <m:r>
+                                        <a:rPr lang="en-US" altLang="ja-JP" sz="1200" i="1">
+                                          <a:latin typeface="Cambria Math" panose="02040503050406030204" pitchFamily="18" charset="0"/>
+                                        </a:rPr>
+                                        <m:t>1</m:t>
+                                      </m:r>
+                                    </m:sub>
+                                  </m:sSub>
+                                  <m:r>
+                                    <a:rPr lang="en-US" altLang="ja-JP" sz="1200" i="1">
+                                      <a:latin typeface="Cambria Math" panose="02040503050406030204" pitchFamily="18" charset="0"/>
+                                    </a:rPr>
+                                    <m:t>+</m:t>
+                                  </m:r>
+                                  <m:sSub>
+                                    <m:sSubPr>
+                                      <m:ctrlPr>
+                                        <a:rPr lang="en-US" altLang="ja-JP" sz="1200" i="1">
+                                          <a:latin typeface="Cambria Math" panose="02040503050406030204" pitchFamily="18" charset="0"/>
+                                        </a:rPr>
+                                      </m:ctrlPr>
+                                    </m:sSubPr>
+                                    <m:e>
+                                      <m:r>
+                                        <a:rPr lang="en-US" altLang="ja-JP" sz="1200" i="1">
+                                          <a:latin typeface="Cambria Math" panose="02040503050406030204" pitchFamily="18" charset="0"/>
+                                        </a:rPr>
+                                        <m:t>𝑔</m:t>
+                                      </m:r>
+                                    </m:e>
+                                    <m:sub>
+                                      <m:r>
+                                        <a:rPr lang="en-US" altLang="ja-JP" sz="1200" i="1">
+                                          <a:latin typeface="Cambria Math" panose="02040503050406030204" pitchFamily="18" charset="0"/>
+                                        </a:rPr>
+                                        <m:t>𝑚</m:t>
+                                      </m:r>
+                                      <m:r>
+                                        <a:rPr lang="en-US" altLang="ja-JP" sz="1200" i="1">
+                                          <a:latin typeface="Cambria Math" panose="02040503050406030204" pitchFamily="18" charset="0"/>
+                                        </a:rPr>
+                                        <m:t>1</m:t>
+                                      </m:r>
+                                    </m:sub>
+                                  </m:sSub>
+                                  <m:r>
+                                    <a:rPr lang="en-US" altLang="ja-JP" sz="1200" i="1">
+                                      <a:latin typeface="Cambria Math" panose="02040503050406030204" pitchFamily="18" charset="0"/>
+                                    </a:rPr>
+                                    <m:t>+</m:t>
+                                  </m:r>
+                                  <m:sSub>
+                                    <m:sSubPr>
+                                      <m:ctrlPr>
+                                        <a:rPr lang="en-US" altLang="ja-JP" sz="1200" i="1">
+                                          <a:latin typeface="Cambria Math" panose="02040503050406030204" pitchFamily="18" charset="0"/>
+                                        </a:rPr>
+                                      </m:ctrlPr>
+                                    </m:sSubPr>
+                                    <m:e>
+                                      <m:r>
+                                        <a:rPr lang="en-US" altLang="ja-JP" sz="1200" i="1">
+                                          <a:latin typeface="Cambria Math" panose="02040503050406030204" pitchFamily="18" charset="0"/>
+                                        </a:rPr>
+                                        <m:t>𝑔</m:t>
+                                      </m:r>
+                                    </m:e>
+                                    <m:sub>
+                                      <m:r>
+                                        <a:rPr lang="en-US" altLang="ja-JP" sz="1200" i="1">
+                                          <a:latin typeface="Cambria Math" panose="02040503050406030204" pitchFamily="18" charset="0"/>
+                                        </a:rPr>
+                                        <m:t>𝑐</m:t>
+                                      </m:r>
+                                      <m:r>
+                                        <a:rPr lang="en-US" altLang="ja-JP" sz="1200" i="1">
+                                          <a:latin typeface="Cambria Math" panose="02040503050406030204" pitchFamily="18" charset="0"/>
+                                        </a:rPr>
+                                        <m:t>1</m:t>
+                                      </m:r>
+                                    </m:sub>
+                                  </m:sSub>
+                                </m:e>
+                              </m:d>
+                              <m:sSub>
+                                <m:sSubPr>
+                                  <m:ctrlPr>
+                                    <a:rPr lang="en-US" altLang="ja-JP" sz="1200" b="0" i="1" smtClean="0">
+                                      <a:latin typeface="Cambria Math" panose="02040503050406030204" pitchFamily="18" charset="0"/>
+                                    </a:rPr>
+                                  </m:ctrlPr>
+                                </m:sSubPr>
+                                <m:e>
+                                  <m:r>
+                                    <a:rPr lang="en-US" altLang="ja-JP" sz="1200" b="0" i="1" smtClean="0">
+                                      <a:latin typeface="Cambria Math" panose="02040503050406030204" pitchFamily="18" charset="0"/>
+                                    </a:rPr>
+                                    <m:t>𝐶</m:t>
+                                  </m:r>
+                                </m:e>
+                                <m:sub>
+                                  <m:r>
+                                    <a:rPr lang="en-US" altLang="ja-JP" sz="1200" b="0" i="1" smtClean="0">
+                                      <a:latin typeface="Cambria Math" panose="02040503050406030204" pitchFamily="18" charset="0"/>
+                                    </a:rPr>
+                                    <m:t>𝑗𝑐</m:t>
+                                  </m:r>
+                                  <m:r>
+                                    <a:rPr lang="en-US" altLang="ja-JP" sz="1200" b="0" i="1" smtClean="0">
+                                      <a:latin typeface="Cambria Math" panose="02040503050406030204" pitchFamily="18" charset="0"/>
+                                    </a:rPr>
+                                    <m:t>2</m:t>
+                                  </m:r>
+                                </m:sub>
+                              </m:sSub>
+                              <m:r>
+                                <a:rPr lang="en-US" altLang="ja-JP" sz="1200" b="0" i="1" smtClean="0">
+                                  <a:latin typeface="Cambria Math" panose="02040503050406030204" pitchFamily="18" charset="0"/>
+                                </a:rPr>
+                                <m:t>−</m:t>
+                              </m:r>
+                              <m:sSub>
+                                <m:sSubPr>
+                                  <m:ctrlPr>
+                                    <a:rPr lang="en-US" altLang="ja-JP" sz="1200" b="0" i="1" smtClean="0">
+                                      <a:latin typeface="Cambria Math" panose="02040503050406030204" pitchFamily="18" charset="0"/>
+                                    </a:rPr>
+                                  </m:ctrlPr>
+                                </m:sSubPr>
+                                <m:e>
+                                  <m:r>
+                                    <a:rPr lang="en-US" altLang="ja-JP" sz="1200" b="0" i="1" smtClean="0">
+                                      <a:latin typeface="Cambria Math" panose="02040503050406030204" pitchFamily="18" charset="0"/>
+                                    </a:rPr>
+                                    <m:t>𝑔</m:t>
+                                  </m:r>
+                                </m:e>
+                                <m:sub>
+                                  <m:r>
+                                    <a:rPr lang="en-US" altLang="ja-JP" sz="1200" b="0" i="1" smtClean="0">
+                                      <a:latin typeface="Cambria Math" panose="02040503050406030204" pitchFamily="18" charset="0"/>
+                                    </a:rPr>
+                                    <m:t>𝑚</m:t>
+                                  </m:r>
+                                  <m:r>
+                                    <a:rPr lang="en-US" altLang="ja-JP" sz="1200" b="0" i="1" smtClean="0">
+                                      <a:latin typeface="Cambria Math" panose="02040503050406030204" pitchFamily="18" charset="0"/>
+                                    </a:rPr>
+                                    <m:t>2</m:t>
+                                  </m:r>
+                                </m:sub>
+                              </m:sSub>
+                              <m:d>
+                                <m:dPr>
+                                  <m:ctrlPr>
+                                    <a:rPr lang="en-US" altLang="ja-JP" sz="1200" b="0" i="1" smtClean="0">
+                                      <a:latin typeface="Cambria Math" panose="02040503050406030204" pitchFamily="18" charset="0"/>
+                                    </a:rPr>
+                                  </m:ctrlPr>
+                                </m:dPr>
+                                <m:e>
+                                  <m:sSub>
+                                    <m:sSubPr>
+                                      <m:ctrlPr>
+                                        <a:rPr lang="en-US" altLang="ja-JP" sz="1200" i="1">
+                                          <a:latin typeface="Cambria Math" panose="02040503050406030204" pitchFamily="18" charset="0"/>
+                                        </a:rPr>
+                                      </m:ctrlPr>
+                                    </m:sSubPr>
+                                    <m:e>
+                                      <m:r>
+                                        <a:rPr lang="en-US" altLang="ja-JP" sz="1200" i="1">
+                                          <a:latin typeface="Cambria Math" panose="02040503050406030204" pitchFamily="18" charset="0"/>
+                                        </a:rPr>
+                                        <m:t>𝐶</m:t>
+                                      </m:r>
+                                    </m:e>
+                                    <m:sub>
+                                      <m:r>
+                                        <a:rPr lang="en-US" altLang="ja-JP" sz="1200" i="1">
+                                          <a:latin typeface="Cambria Math" panose="02040503050406030204" pitchFamily="18" charset="0"/>
+                                        </a:rPr>
+                                        <m:t>𝑃𝐷</m:t>
+                                      </m:r>
+                                    </m:sub>
+                                  </m:sSub>
+                                  <m:r>
+                                    <a:rPr lang="en-US" altLang="ja-JP" sz="1200" i="1">
+                                      <a:latin typeface="Cambria Math" panose="02040503050406030204" pitchFamily="18" charset="0"/>
+                                    </a:rPr>
+                                    <m:t>+</m:t>
+                                  </m:r>
+                                  <m:sSub>
+                                    <m:sSubPr>
+                                      <m:ctrlPr>
+                                        <a:rPr lang="en-US" altLang="ja-JP" sz="1200" i="1">
+                                          <a:latin typeface="Cambria Math" panose="02040503050406030204" pitchFamily="18" charset="0"/>
+                                        </a:rPr>
+                                      </m:ctrlPr>
+                                    </m:sSubPr>
+                                    <m:e>
+                                      <m:r>
+                                        <a:rPr lang="en-US" altLang="ja-JP" sz="1200" i="1">
+                                          <a:latin typeface="Cambria Math" panose="02040503050406030204" pitchFamily="18" charset="0"/>
+                                        </a:rPr>
+                                        <m:t>𝐶</m:t>
+                                      </m:r>
+                                    </m:e>
+                                    <m:sub>
+                                      <m:r>
+                                        <a:rPr lang="en-US" altLang="ja-JP" sz="1200" i="1">
+                                          <a:latin typeface="Cambria Math" panose="02040503050406030204" pitchFamily="18" charset="0"/>
+                                        </a:rPr>
+                                        <m:t>𝑗𝑒</m:t>
+                                      </m:r>
+                                      <m:r>
+                                        <a:rPr lang="en-US" altLang="ja-JP" sz="1200" i="1">
+                                          <a:latin typeface="Cambria Math" panose="02040503050406030204" pitchFamily="18" charset="0"/>
+                                        </a:rPr>
+                                        <m:t>1</m:t>
+                                      </m:r>
+                                    </m:sub>
+                                  </m:sSub>
+                                </m:e>
+                              </m:d>
+                            </m:e>
+                          </m:d>
+                        </m:e>
+                      </m:d>
+                    </m:oMath>
+                  </m:oMathPara>
+                </a14:m>
+                <a:endParaRPr lang="en-US" altLang="ja-JP" sz="1200" b="0" dirty="0">
+                  <a:latin typeface="Times Newer Roman" panose="00000500000000000000" pitchFamily="50" charset="0"/>
+                </a:endParaRPr>
+              </a:p>
+              <a:p>
+                <a:pPr/>
+                <a14:m>
+                  <m:oMathPara xmlns:m="http://schemas.openxmlformats.org/officeDocument/2006/math">
+                    <m:oMathParaPr>
+                      <m:jc m:val="centerGroup"/>
+                    </m:oMathParaPr>
+                    <m:oMath xmlns:m="http://schemas.openxmlformats.org/officeDocument/2006/math">
+                      <m:sSub>
+                        <m:sSubPr>
+                          <m:ctrlPr>
+                            <a:rPr lang="en-US" altLang="ja-JP" sz="1200" b="0" i="1" smtClean="0">
+                              <a:latin typeface="Cambria Math" panose="02040503050406030204" pitchFamily="18" charset="0"/>
+                            </a:rPr>
+                          </m:ctrlPr>
+                        </m:sSubPr>
+                        <m:e>
+                          <m:r>
+                            <a:rPr lang="en-US" altLang="ja-JP" sz="1200" b="0" i="1" smtClean="0">
+                              <a:latin typeface="Cambria Math" panose="02040503050406030204" pitchFamily="18" charset="0"/>
+                            </a:rPr>
+                            <m:t>𝐶</m:t>
+                          </m:r>
+                        </m:e>
+                        <m:sub>
+                          <m:r>
+                            <a:rPr lang="en-US" altLang="ja-JP" sz="1200" b="0" i="1" smtClean="0">
+                              <a:latin typeface="Cambria Math" panose="02040503050406030204" pitchFamily="18" charset="0"/>
+                            </a:rPr>
+                            <m:t>12</m:t>
+                          </m:r>
+                        </m:sub>
+                      </m:sSub>
+                      <m:r>
+                        <a:rPr lang="en-US" altLang="ja-JP" sz="1200" b="0" i="1" smtClean="0">
+                          <a:latin typeface="Cambria Math" panose="02040503050406030204" pitchFamily="18" charset="0"/>
+                        </a:rPr>
+                        <m:t>=−</m:t>
+                      </m:r>
+                      <m:d>
+                        <m:dPr>
+                          <m:ctrlPr>
+                            <a:rPr lang="en-US" altLang="ja-JP" sz="1200" b="0" i="1" smtClean="0">
+                              <a:latin typeface="Cambria Math" panose="02040503050406030204" pitchFamily="18" charset="0"/>
+                            </a:rPr>
+                          </m:ctrlPr>
+                        </m:dPr>
+                        <m:e>
+                          <m:sSub>
+                            <m:sSubPr>
+                              <m:ctrlPr>
+                                <a:rPr lang="en-US" altLang="ja-JP" sz="1200" i="1">
+                                  <a:latin typeface="Cambria Math" panose="02040503050406030204" pitchFamily="18" charset="0"/>
+                                </a:rPr>
+                              </m:ctrlPr>
+                            </m:sSubPr>
+                            <m:e>
+                              <m:r>
+                                <a:rPr lang="en-US" altLang="ja-JP" sz="1200" i="1">
+                                  <a:latin typeface="Cambria Math" panose="02040503050406030204" pitchFamily="18" charset="0"/>
+                                </a:rPr>
+                                <m:t>𝑔</m:t>
+                              </m:r>
+                            </m:e>
+                            <m:sub>
+                              <m:r>
+                                <a:rPr lang="en-US" altLang="ja-JP" sz="1200" i="1">
+                                  <a:latin typeface="Cambria Math" panose="02040503050406030204" pitchFamily="18" charset="0"/>
+                                </a:rPr>
+                                <m:t>𝑚</m:t>
+                              </m:r>
+                              <m:r>
+                                <a:rPr lang="en-US" altLang="ja-JP" sz="1200" i="1">
+                                  <a:latin typeface="Cambria Math" panose="02040503050406030204" pitchFamily="18" charset="0"/>
+                                </a:rPr>
+                                <m:t>1</m:t>
+                              </m:r>
+                            </m:sub>
+                          </m:sSub>
+                          <m:r>
+                            <a:rPr lang="en-US" altLang="ja-JP" sz="1200" i="1">
+                              <a:latin typeface="Cambria Math" panose="02040503050406030204" pitchFamily="18" charset="0"/>
+                            </a:rPr>
+                            <m:t>+</m:t>
+                          </m:r>
+                          <m:sSub>
+                            <m:sSubPr>
+                              <m:ctrlPr>
+                                <a:rPr lang="en-US" altLang="ja-JP" sz="1200" i="1">
+                                  <a:latin typeface="Cambria Math" panose="02040503050406030204" pitchFamily="18" charset="0"/>
+                                </a:rPr>
+                              </m:ctrlPr>
+                            </m:sSubPr>
+                            <m:e>
+                              <m:r>
+                                <a:rPr lang="en-US" altLang="ja-JP" sz="1200" i="1">
+                                  <a:latin typeface="Cambria Math" panose="02040503050406030204" pitchFamily="18" charset="0"/>
+                                </a:rPr>
+                                <m:t>𝑔</m:t>
+                              </m:r>
+                            </m:e>
+                            <m:sub>
+                              <m:r>
+                                <a:rPr lang="en-US" altLang="ja-JP" sz="1200" i="1">
+                                  <a:latin typeface="Cambria Math" panose="02040503050406030204" pitchFamily="18" charset="0"/>
+                                </a:rPr>
+                                <m:t>𝑐𝑒</m:t>
+                              </m:r>
+                              <m:r>
+                                <a:rPr lang="en-US" altLang="ja-JP" sz="1200" i="1">
+                                  <a:latin typeface="Cambria Math" panose="02040503050406030204" pitchFamily="18" charset="0"/>
+                                </a:rPr>
+                                <m:t>1</m:t>
+                              </m:r>
+                            </m:sub>
+                          </m:sSub>
+                        </m:e>
+                      </m:d>
+                      <m:d>
+                        <m:dPr>
+                          <m:ctrlPr>
+                            <a:rPr lang="en-US" altLang="ja-JP" sz="1200" b="0" i="1" smtClean="0">
+                              <a:latin typeface="Cambria Math" panose="02040503050406030204" pitchFamily="18" charset="0"/>
+                            </a:rPr>
+                          </m:ctrlPr>
+                        </m:dPr>
+                        <m:e>
+                          <m:sSub>
+                            <m:sSubPr>
+                              <m:ctrlPr>
+                                <a:rPr lang="en-US" altLang="ja-JP" sz="1200" i="1">
+                                  <a:latin typeface="Cambria Math" panose="02040503050406030204" pitchFamily="18" charset="0"/>
+                                </a:rPr>
+                              </m:ctrlPr>
+                            </m:sSubPr>
+                            <m:e>
+                              <m:r>
+                                <a:rPr lang="en-US" altLang="ja-JP" sz="1200" i="1">
+                                  <a:latin typeface="Cambria Math" panose="02040503050406030204" pitchFamily="18" charset="0"/>
+                                </a:rPr>
+                                <m:t>𝐶</m:t>
+                              </m:r>
+                            </m:e>
+                            <m:sub>
+                              <m:r>
+                                <a:rPr lang="en-US" altLang="ja-JP" sz="1200" i="1">
+                                  <a:latin typeface="Cambria Math" panose="02040503050406030204" pitchFamily="18" charset="0"/>
+                                </a:rPr>
+                                <m:t>𝑃𝐷</m:t>
+                              </m:r>
+                            </m:sub>
+                          </m:sSub>
+                          <m:r>
+                            <a:rPr lang="en-US" altLang="ja-JP" sz="1200" i="1">
+                              <a:latin typeface="Cambria Math" panose="02040503050406030204" pitchFamily="18" charset="0"/>
+                            </a:rPr>
+                            <m:t>+</m:t>
+                          </m:r>
+                          <m:sSub>
+                            <m:sSubPr>
+                              <m:ctrlPr>
+                                <a:rPr lang="en-US" altLang="ja-JP" sz="1200" i="1">
+                                  <a:latin typeface="Cambria Math" panose="02040503050406030204" pitchFamily="18" charset="0"/>
+                                </a:rPr>
+                              </m:ctrlPr>
+                            </m:sSubPr>
+                            <m:e>
+                              <m:r>
+                                <a:rPr lang="en-US" altLang="ja-JP" sz="1200" i="1">
+                                  <a:latin typeface="Cambria Math" panose="02040503050406030204" pitchFamily="18" charset="0"/>
+                                </a:rPr>
+                                <m:t>𝐶</m:t>
+                              </m:r>
+                            </m:e>
+                            <m:sub>
+                              <m:r>
+                                <a:rPr lang="en-US" altLang="ja-JP" sz="1200" i="1">
+                                  <a:latin typeface="Cambria Math" panose="02040503050406030204" pitchFamily="18" charset="0"/>
+                                </a:rPr>
+                                <m:t>𝑗𝑒</m:t>
+                              </m:r>
+                              <m:r>
+                                <a:rPr lang="en-US" altLang="ja-JP" sz="1200" i="1">
+                                  <a:latin typeface="Cambria Math" panose="02040503050406030204" pitchFamily="18" charset="0"/>
+                                </a:rPr>
+                                <m:t>1</m:t>
+                              </m:r>
+                            </m:sub>
+                          </m:sSub>
+                        </m:e>
+                      </m:d>
+                      <m:sSub>
+                        <m:sSubPr>
+                          <m:ctrlPr>
+                            <a:rPr lang="en-US" altLang="ja-JP" sz="1200" b="0" i="1" smtClean="0">
+                              <a:latin typeface="Cambria Math" panose="02040503050406030204" pitchFamily="18" charset="0"/>
+                            </a:rPr>
+                          </m:ctrlPr>
+                        </m:sSubPr>
+                        <m:e>
+                          <m:r>
+                            <a:rPr lang="en-US" altLang="ja-JP" sz="1200" b="0" i="1" smtClean="0">
+                              <a:latin typeface="Cambria Math" panose="02040503050406030204" pitchFamily="18" charset="0"/>
+                            </a:rPr>
+                            <m:t>𝐶</m:t>
+                          </m:r>
+                        </m:e>
+                        <m:sub>
+                          <m:r>
+                            <a:rPr lang="en-US" altLang="ja-JP" sz="1200" b="0" i="1" smtClean="0">
+                              <a:latin typeface="Cambria Math" panose="02040503050406030204" pitchFamily="18" charset="0"/>
+                            </a:rPr>
+                            <m:t>𝑗𝑐</m:t>
+                          </m:r>
+                          <m:r>
+                            <a:rPr lang="en-US" altLang="ja-JP" sz="1200" b="0" i="1" smtClean="0">
+                              <a:latin typeface="Cambria Math" panose="02040503050406030204" pitchFamily="18" charset="0"/>
+                            </a:rPr>
+                            <m:t>2</m:t>
+                          </m:r>
+                        </m:sub>
+                      </m:sSub>
+                    </m:oMath>
+                  </m:oMathPara>
+                </a14:m>
+                <a:endParaRPr lang="en-US" altLang="ja-JP" sz="1200" dirty="0">
+                  <a:latin typeface="Times Newer Roman" panose="00000500000000000000" pitchFamily="50" charset="0"/>
+                </a:endParaRPr>
+              </a:p>
+              <a:p>
+                <a:pPr/>
+                <a14:m>
+                  <m:oMathPara xmlns:m="http://schemas.openxmlformats.org/officeDocument/2006/math">
+                    <m:oMathParaPr>
+                      <m:jc m:val="centerGroup"/>
+                    </m:oMathParaPr>
+                    <m:oMath xmlns:m="http://schemas.openxmlformats.org/officeDocument/2006/math">
+                      <m:sSub>
+                        <m:sSubPr>
+                          <m:ctrlPr>
+                            <a:rPr lang="en-US" altLang="ja-JP" sz="1200" b="0" i="1" smtClean="0">
+                              <a:latin typeface="Cambria Math" panose="02040503050406030204" pitchFamily="18" charset="0"/>
+                            </a:rPr>
+                          </m:ctrlPr>
+                        </m:sSubPr>
+                        <m:e>
+                          <m:r>
+                            <a:rPr lang="en-US" altLang="ja-JP" sz="1200" b="0" i="1" smtClean="0">
+                              <a:latin typeface="Cambria Math" panose="02040503050406030204" pitchFamily="18" charset="0"/>
+                            </a:rPr>
+                            <m:t>𝐶</m:t>
+                          </m:r>
+                        </m:e>
+                        <m:sub>
+                          <m:r>
+                            <a:rPr lang="en-US" altLang="ja-JP" sz="1200" b="0" i="1" smtClean="0">
+                              <a:latin typeface="Cambria Math" panose="02040503050406030204" pitchFamily="18" charset="0"/>
+                            </a:rPr>
+                            <m:t>20</m:t>
+                          </m:r>
+                        </m:sub>
+                      </m:sSub>
+                      <m:r>
+                        <a:rPr lang="en-US" altLang="ja-JP" sz="1200" b="0" i="1" smtClean="0">
+                          <a:latin typeface="Cambria Math" panose="02040503050406030204" pitchFamily="18" charset="0"/>
+                        </a:rPr>
+                        <m:t>=</m:t>
+                      </m:r>
+                      <m:sSub>
+                        <m:sSubPr>
+                          <m:ctrlPr>
+                            <a:rPr lang="en-US" altLang="ja-JP" sz="1200" b="0" i="1" smtClean="0">
+                              <a:latin typeface="Cambria Math" panose="02040503050406030204" pitchFamily="18" charset="0"/>
+                            </a:rPr>
+                          </m:ctrlPr>
+                        </m:sSubPr>
+                        <m:e>
+                          <m:r>
+                            <a:rPr lang="en-US" altLang="ja-JP" sz="1200" b="0" i="1" smtClean="0">
+                              <a:latin typeface="Cambria Math" panose="02040503050406030204" pitchFamily="18" charset="0"/>
+                            </a:rPr>
+                            <m:t>𝐺</m:t>
+                          </m:r>
+                        </m:e>
+                        <m:sub>
+                          <m:r>
+                            <a:rPr lang="en-US" altLang="ja-JP" sz="1200" b="0" i="1" smtClean="0">
+                              <a:latin typeface="Cambria Math" panose="02040503050406030204" pitchFamily="18" charset="0"/>
+                            </a:rPr>
+                            <m:t>1</m:t>
+                          </m:r>
+                        </m:sub>
+                      </m:sSub>
+                      <m:sSub>
+                        <m:sSubPr>
+                          <m:ctrlPr>
+                            <a:rPr lang="en-US" altLang="ja-JP" sz="1200" b="0" i="1" smtClean="0">
+                              <a:latin typeface="Cambria Math" panose="02040503050406030204" pitchFamily="18" charset="0"/>
+                            </a:rPr>
+                          </m:ctrlPr>
+                        </m:sSubPr>
+                        <m:e>
+                          <m:r>
+                            <a:rPr lang="en-US" altLang="ja-JP" sz="1200" b="0" i="1" smtClean="0">
+                              <a:latin typeface="Cambria Math" panose="02040503050406030204" pitchFamily="18" charset="0"/>
+                            </a:rPr>
+                            <m:t>𝐺</m:t>
+                          </m:r>
+                        </m:e>
+                        <m:sub>
+                          <m:r>
+                            <a:rPr lang="en-US" altLang="ja-JP" sz="1200" b="0" i="1" smtClean="0">
+                              <a:latin typeface="Cambria Math" panose="02040503050406030204" pitchFamily="18" charset="0"/>
+                            </a:rPr>
+                            <m:t>3</m:t>
+                          </m:r>
+                        </m:sub>
+                      </m:sSub>
+                      <m:r>
+                        <a:rPr lang="en-US" altLang="ja-JP" sz="1200" b="0" i="1" smtClean="0">
+                          <a:latin typeface="Cambria Math" panose="02040503050406030204" pitchFamily="18" charset="0"/>
+                        </a:rPr>
+                        <m:t>=</m:t>
+                      </m:r>
+                      <m:d>
+                        <m:dPr>
+                          <m:ctrlPr>
+                            <a:rPr lang="en-US" altLang="ja-JP" sz="1200" b="0" i="1" smtClean="0">
+                              <a:latin typeface="Cambria Math" panose="02040503050406030204" pitchFamily="18" charset="0"/>
+                            </a:rPr>
+                          </m:ctrlPr>
+                        </m:dPr>
+                        <m:e>
+                          <m:sSub>
+                            <m:sSubPr>
+                              <m:ctrlPr>
+                                <a:rPr lang="en-US" altLang="ja-JP" sz="1200" i="1">
+                                  <a:latin typeface="Cambria Math" panose="02040503050406030204" pitchFamily="18" charset="0"/>
+                                </a:rPr>
+                              </m:ctrlPr>
+                            </m:sSubPr>
+                            <m:e>
+                              <m:r>
+                                <a:rPr lang="en-US" altLang="ja-JP" sz="1200" i="1">
+                                  <a:latin typeface="Cambria Math" panose="02040503050406030204" pitchFamily="18" charset="0"/>
+                                </a:rPr>
+                                <m:t>𝐺</m:t>
+                              </m:r>
+                            </m:e>
+                            <m:sub>
+                              <m:r>
+                                <a:rPr lang="en-US" altLang="ja-JP" sz="1200" i="1">
+                                  <a:latin typeface="Cambria Math" panose="02040503050406030204" pitchFamily="18" charset="0"/>
+                                </a:rPr>
+                                <m:t>𝐸</m:t>
+                              </m:r>
+                              <m:r>
+                                <a:rPr lang="en-US" altLang="ja-JP" sz="1200" i="1">
+                                  <a:latin typeface="Cambria Math" panose="02040503050406030204" pitchFamily="18" charset="0"/>
+                                </a:rPr>
+                                <m:t>1</m:t>
+                              </m:r>
+                            </m:sub>
+                          </m:sSub>
+                          <m:r>
+                            <a:rPr lang="en-US" altLang="ja-JP" sz="1200" i="1">
+                              <a:latin typeface="Cambria Math" panose="02040503050406030204" pitchFamily="18" charset="0"/>
+                            </a:rPr>
+                            <m:t>+</m:t>
+                          </m:r>
+                          <m:sSub>
+                            <m:sSubPr>
+                              <m:ctrlPr>
+                                <a:rPr lang="en-US" altLang="ja-JP" sz="1200" i="1">
+                                  <a:latin typeface="Cambria Math" panose="02040503050406030204" pitchFamily="18" charset="0"/>
+                                </a:rPr>
+                              </m:ctrlPr>
+                            </m:sSubPr>
+                            <m:e>
+                              <m:r>
+                                <a:rPr lang="en-US" altLang="ja-JP" sz="1200" i="1">
+                                  <a:latin typeface="Cambria Math" panose="02040503050406030204" pitchFamily="18" charset="0"/>
+                                </a:rPr>
+                                <m:t>𝑔</m:t>
+                              </m:r>
+                            </m:e>
+                            <m:sub>
+                              <m:r>
+                                <a:rPr lang="en-US" altLang="ja-JP" sz="1200" i="1">
+                                  <a:latin typeface="Cambria Math" panose="02040503050406030204" pitchFamily="18" charset="0"/>
+                                </a:rPr>
+                                <m:t>𝑚</m:t>
+                              </m:r>
+                              <m:r>
+                                <a:rPr lang="en-US" altLang="ja-JP" sz="1200" i="1">
+                                  <a:latin typeface="Cambria Math" panose="02040503050406030204" pitchFamily="18" charset="0"/>
+                                </a:rPr>
+                                <m:t>1</m:t>
+                              </m:r>
+                            </m:sub>
+                          </m:sSub>
+                          <m:r>
+                            <a:rPr lang="en-US" altLang="ja-JP" sz="1200" i="1">
+                              <a:latin typeface="Cambria Math" panose="02040503050406030204" pitchFamily="18" charset="0"/>
+                            </a:rPr>
+                            <m:t>+</m:t>
+                          </m:r>
+                          <m:sSub>
+                            <m:sSubPr>
+                              <m:ctrlPr>
+                                <a:rPr lang="en-US" altLang="ja-JP" sz="1200" i="1">
+                                  <a:latin typeface="Cambria Math" panose="02040503050406030204" pitchFamily="18" charset="0"/>
+                                </a:rPr>
+                              </m:ctrlPr>
+                            </m:sSubPr>
+                            <m:e>
+                              <m:r>
+                                <a:rPr lang="en-US" altLang="ja-JP" sz="1200" i="1">
+                                  <a:latin typeface="Cambria Math" panose="02040503050406030204" pitchFamily="18" charset="0"/>
+                                </a:rPr>
+                                <m:t>𝑔</m:t>
+                              </m:r>
+                            </m:e>
+                            <m:sub>
+                              <m:r>
+                                <a:rPr lang="en-US" altLang="ja-JP" sz="1200" i="1">
+                                  <a:latin typeface="Cambria Math" panose="02040503050406030204" pitchFamily="18" charset="0"/>
+                                </a:rPr>
+                                <m:t>𝑐</m:t>
+                              </m:r>
+                              <m:r>
+                                <a:rPr lang="en-US" altLang="ja-JP" sz="1200" i="1">
+                                  <a:latin typeface="Cambria Math" panose="02040503050406030204" pitchFamily="18" charset="0"/>
+                                </a:rPr>
+                                <m:t>1</m:t>
+                              </m:r>
+                            </m:sub>
+                          </m:sSub>
+                        </m:e>
+                      </m:d>
+                      <m:d>
+                        <m:dPr>
+                          <m:begChr m:val=""/>
+                          <m:endChr m:val="}"/>
+                          <m:ctrlPr>
+                            <a:rPr lang="en-US" altLang="ja-JP" sz="1200" b="0" i="1" smtClean="0">
+                              <a:latin typeface="Cambria Math" panose="02040503050406030204" pitchFamily="18" charset="0"/>
+                            </a:rPr>
+                          </m:ctrlPr>
+                        </m:dPr>
+                        <m:e>
+                          <m:d>
+                            <m:dPr>
+                              <m:begChr m:val="{"/>
+                              <m:endChr m:val=""/>
+                              <m:ctrlPr>
+                                <a:rPr lang="en-US" altLang="ja-JP" sz="1200" b="0" i="1" smtClean="0">
+                                  <a:latin typeface="Cambria Math" panose="02040503050406030204" pitchFamily="18" charset="0"/>
+                                </a:rPr>
+                              </m:ctrlPr>
+                            </m:dPr>
+                            <m:e>
+                              <m:sSub>
+                                <m:sSubPr>
+                                  <m:ctrlPr>
+                                    <a:rPr lang="en-US" altLang="ja-JP" sz="1200" b="0" i="1" smtClean="0">
+                                      <a:latin typeface="Cambria Math" panose="02040503050406030204" pitchFamily="18" charset="0"/>
+                                    </a:rPr>
+                                  </m:ctrlPr>
+                                </m:sSubPr>
+                                <m:e>
+                                  <m:r>
+                                    <a:rPr lang="en-US" altLang="ja-JP" sz="1200" b="0" i="1" smtClean="0">
+                                      <a:latin typeface="Cambria Math" panose="02040503050406030204" pitchFamily="18" charset="0"/>
+                                    </a:rPr>
+                                    <m:t>𝑔</m:t>
+                                  </m:r>
+                                </m:e>
+                                <m:sub>
+                                  <m:r>
+                                    <a:rPr lang="en-US" altLang="ja-JP" sz="1200" b="0" i="1" smtClean="0">
+                                      <a:latin typeface="Cambria Math" panose="02040503050406030204" pitchFamily="18" charset="0"/>
+                                    </a:rPr>
+                                    <m:t>𝑐</m:t>
+                                  </m:r>
+                                  <m:r>
+                                    <a:rPr lang="en-US" altLang="ja-JP" sz="1200" b="0" i="1" smtClean="0">
+                                      <a:latin typeface="Cambria Math" panose="02040503050406030204" pitchFamily="18" charset="0"/>
+                                    </a:rPr>
+                                    <m:t>1</m:t>
+                                  </m:r>
+                                </m:sub>
+                              </m:sSub>
+                              <m:d>
+                                <m:dPr>
+                                  <m:ctrlPr>
+                                    <a:rPr lang="en-US" altLang="ja-JP" sz="1200" b="0" i="1" smtClean="0">
+                                      <a:latin typeface="Cambria Math" panose="02040503050406030204" pitchFamily="18" charset="0"/>
+                                    </a:rPr>
+                                  </m:ctrlPr>
+                                </m:dPr>
+                                <m:e>
+                                  <m:sSub>
+                                    <m:sSubPr>
+                                      <m:ctrlPr>
+                                        <a:rPr lang="en-US" altLang="ja-JP" sz="1200" b="0" i="1" smtClean="0">
+                                          <a:latin typeface="Cambria Math" panose="02040503050406030204" pitchFamily="18" charset="0"/>
+                                        </a:rPr>
+                                      </m:ctrlPr>
+                                    </m:sSubPr>
+                                    <m:e>
+                                      <m:r>
+                                        <a:rPr lang="en-US" altLang="ja-JP" sz="1200" b="0" i="1" smtClean="0">
+                                          <a:latin typeface="Cambria Math" panose="02040503050406030204" pitchFamily="18" charset="0"/>
+                                        </a:rPr>
+                                        <m:t>𝑔</m:t>
+                                      </m:r>
+                                    </m:e>
+                                    <m:sub>
+                                      <m:r>
+                                        <a:rPr lang="en-US" altLang="ja-JP" sz="1200" b="0" i="1" smtClean="0">
+                                          <a:latin typeface="Cambria Math" panose="02040503050406030204" pitchFamily="18" charset="0"/>
+                                        </a:rPr>
+                                        <m:t>𝑚</m:t>
+                                      </m:r>
+                                      <m:r>
+                                        <a:rPr lang="en-US" altLang="ja-JP" sz="1200" b="0" i="1" smtClean="0">
+                                          <a:latin typeface="Cambria Math" panose="02040503050406030204" pitchFamily="18" charset="0"/>
+                                        </a:rPr>
+                                        <m:t>1</m:t>
+                                      </m:r>
+                                    </m:sub>
+                                  </m:sSub>
+                                  <m:r>
+                                    <a:rPr lang="en-US" altLang="ja-JP" sz="1200" b="0" i="1" smtClean="0">
+                                      <a:latin typeface="Cambria Math" panose="02040503050406030204" pitchFamily="18" charset="0"/>
+                                    </a:rPr>
+                                    <m:t>+</m:t>
+                                  </m:r>
+                                  <m:sSub>
+                                    <m:sSubPr>
+                                      <m:ctrlPr>
+                                        <a:rPr lang="en-US" altLang="ja-JP" sz="1200" b="0" i="1" smtClean="0">
+                                          <a:latin typeface="Cambria Math" panose="02040503050406030204" pitchFamily="18" charset="0"/>
+                                        </a:rPr>
+                                      </m:ctrlPr>
+                                    </m:sSubPr>
+                                    <m:e>
+                                      <m:r>
+                                        <a:rPr lang="en-US" altLang="ja-JP" sz="1200" b="0" i="1" smtClean="0">
+                                          <a:latin typeface="Cambria Math" panose="02040503050406030204" pitchFamily="18" charset="0"/>
+                                        </a:rPr>
+                                        <m:t>𝑔</m:t>
+                                      </m:r>
+                                    </m:e>
+                                    <m:sub>
+                                      <m:r>
+                                        <a:rPr lang="en-US" altLang="ja-JP" sz="1200" b="0" i="1" smtClean="0">
+                                          <a:latin typeface="Cambria Math" panose="02040503050406030204" pitchFamily="18" charset="0"/>
+                                        </a:rPr>
+                                        <m:t>𝑐𝑒</m:t>
+                                      </m:r>
+                                      <m:r>
+                                        <a:rPr lang="en-US" altLang="ja-JP" sz="1200" b="0" i="1" smtClean="0">
+                                          <a:latin typeface="Cambria Math" panose="02040503050406030204" pitchFamily="18" charset="0"/>
+                                        </a:rPr>
+                                        <m:t>1</m:t>
+                                      </m:r>
+                                    </m:sub>
+                                  </m:sSub>
+                                </m:e>
+                              </m:d>
+                              <m:r>
+                                <a:rPr lang="en-US" altLang="ja-JP" sz="1200" b="0" i="1" smtClean="0">
+                                  <a:latin typeface="Cambria Math" panose="02040503050406030204" pitchFamily="18" charset="0"/>
+                                </a:rPr>
+                                <m:t>−</m:t>
+                              </m:r>
+                              <m:d>
+                                <m:dPr>
+                                  <m:ctrlPr>
+                                    <a:rPr lang="en-US" altLang="ja-JP" sz="1200" b="0" i="1" smtClean="0">
+                                      <a:latin typeface="Cambria Math" panose="02040503050406030204" pitchFamily="18" charset="0"/>
+                                    </a:rPr>
+                                  </m:ctrlPr>
+                                </m:dPr>
+                                <m:e>
+                                  <m:sSub>
+                                    <m:sSubPr>
+                                      <m:ctrlPr>
+                                        <a:rPr lang="en-US" altLang="ja-JP" sz="1200" i="1">
+                                          <a:latin typeface="Cambria Math" panose="02040503050406030204" pitchFamily="18" charset="0"/>
+                                        </a:rPr>
+                                      </m:ctrlPr>
+                                    </m:sSubPr>
+                                    <m:e>
+                                      <m:r>
+                                        <a:rPr lang="en-US" altLang="ja-JP" sz="1200" i="1">
+                                          <a:latin typeface="Cambria Math" panose="02040503050406030204" pitchFamily="18" charset="0"/>
+                                        </a:rPr>
+                                        <m:t>𝐺</m:t>
+                                      </m:r>
+                                    </m:e>
+                                    <m:sub>
+                                      <m:r>
+                                        <a:rPr lang="en-US" altLang="ja-JP" sz="1200" i="1">
+                                          <a:latin typeface="Cambria Math" panose="02040503050406030204" pitchFamily="18" charset="0"/>
+                                        </a:rPr>
+                                        <m:t>𝐸</m:t>
+                                      </m:r>
+                                      <m:r>
+                                        <a:rPr lang="en-US" altLang="ja-JP" sz="1200" i="1">
+                                          <a:latin typeface="Cambria Math" panose="02040503050406030204" pitchFamily="18" charset="0"/>
+                                        </a:rPr>
+                                        <m:t>1</m:t>
+                                      </m:r>
+                                    </m:sub>
+                                  </m:sSub>
+                                  <m:r>
+                                    <a:rPr lang="en-US" altLang="ja-JP" sz="1200" i="1">
+                                      <a:latin typeface="Cambria Math" panose="02040503050406030204" pitchFamily="18" charset="0"/>
+                                    </a:rPr>
+                                    <m:t>+</m:t>
+                                  </m:r>
+                                  <m:sSub>
+                                    <m:sSubPr>
+                                      <m:ctrlPr>
+                                        <a:rPr lang="en-US" altLang="ja-JP" sz="1200" i="1">
+                                          <a:latin typeface="Cambria Math" panose="02040503050406030204" pitchFamily="18" charset="0"/>
+                                        </a:rPr>
+                                      </m:ctrlPr>
+                                    </m:sSubPr>
+                                    <m:e>
+                                      <m:r>
+                                        <a:rPr lang="en-US" altLang="ja-JP" sz="1200" i="1">
+                                          <a:latin typeface="Cambria Math" panose="02040503050406030204" pitchFamily="18" charset="0"/>
+                                        </a:rPr>
+                                        <m:t>𝑔</m:t>
+                                      </m:r>
+                                    </m:e>
+                                    <m:sub>
+                                      <m:r>
+                                        <a:rPr lang="en-US" altLang="ja-JP" sz="1200" i="1">
+                                          <a:latin typeface="Cambria Math" panose="02040503050406030204" pitchFamily="18" charset="0"/>
+                                        </a:rPr>
+                                        <m:t>𝑚</m:t>
+                                      </m:r>
+                                      <m:r>
+                                        <a:rPr lang="en-US" altLang="ja-JP" sz="1200" i="1">
+                                          <a:latin typeface="Cambria Math" panose="02040503050406030204" pitchFamily="18" charset="0"/>
+                                        </a:rPr>
+                                        <m:t>1</m:t>
+                                      </m:r>
+                                    </m:sub>
+                                  </m:sSub>
+                                  <m:r>
+                                    <a:rPr lang="en-US" altLang="ja-JP" sz="1200" i="1">
+                                      <a:latin typeface="Cambria Math" panose="02040503050406030204" pitchFamily="18" charset="0"/>
+                                    </a:rPr>
+                                    <m:t>+</m:t>
+                                  </m:r>
+                                  <m:sSub>
+                                    <m:sSubPr>
+                                      <m:ctrlPr>
+                                        <a:rPr lang="en-US" altLang="ja-JP" sz="1200" i="1">
+                                          <a:latin typeface="Cambria Math" panose="02040503050406030204" pitchFamily="18" charset="0"/>
+                                        </a:rPr>
+                                      </m:ctrlPr>
+                                    </m:sSubPr>
+                                    <m:e>
+                                      <m:r>
+                                        <a:rPr lang="en-US" altLang="ja-JP" sz="1200" i="1">
+                                          <a:latin typeface="Cambria Math" panose="02040503050406030204" pitchFamily="18" charset="0"/>
+                                        </a:rPr>
+                                        <m:t>𝑔</m:t>
+                                      </m:r>
+                                    </m:e>
+                                    <m:sub>
+                                      <m:r>
+                                        <a:rPr lang="en-US" altLang="ja-JP" sz="1200" i="1">
+                                          <a:latin typeface="Cambria Math" panose="02040503050406030204" pitchFamily="18" charset="0"/>
+                                        </a:rPr>
+                                        <m:t>𝑐</m:t>
+                                      </m:r>
+                                      <m:r>
+                                        <a:rPr lang="en-US" altLang="ja-JP" sz="1200" i="1">
+                                          <a:latin typeface="Cambria Math" panose="02040503050406030204" pitchFamily="18" charset="0"/>
+                                        </a:rPr>
+                                        <m:t>1</m:t>
+                                      </m:r>
+                                    </m:sub>
+                                  </m:sSub>
+                                </m:e>
+                              </m:d>
+                              <m:d>
+                                <m:dPr>
+                                  <m:ctrlPr>
+                                    <a:rPr lang="en-US" altLang="ja-JP" sz="1200" b="0" i="1" smtClean="0">
+                                      <a:latin typeface="Cambria Math" panose="02040503050406030204" pitchFamily="18" charset="0"/>
+                                    </a:rPr>
+                                  </m:ctrlPr>
+                                </m:dPr>
+                                <m:e>
+                                  <m:sSub>
+                                    <m:sSubPr>
+                                      <m:ctrlPr>
+                                        <a:rPr lang="en-US" altLang="ja-JP" sz="1200" i="1">
+                                          <a:latin typeface="Cambria Math" panose="02040503050406030204" pitchFamily="18" charset="0"/>
+                                        </a:rPr>
+                                      </m:ctrlPr>
+                                    </m:sSubPr>
+                                    <m:e>
+                                      <m:r>
+                                        <a:rPr lang="en-US" altLang="ja-JP" sz="1200" i="1">
+                                          <a:latin typeface="Cambria Math" panose="02040503050406030204" pitchFamily="18" charset="0"/>
+                                        </a:rPr>
+                                        <m:t>𝐺</m:t>
+                                      </m:r>
+                                    </m:e>
+                                    <m:sub>
+                                      <m:r>
+                                        <a:rPr lang="en-US" altLang="ja-JP" sz="1200" i="1">
+                                          <a:latin typeface="Cambria Math" panose="02040503050406030204" pitchFamily="18" charset="0"/>
+                                        </a:rPr>
+                                        <m:t>𝐶</m:t>
+                                      </m:r>
+                                      <m:r>
+                                        <a:rPr lang="en-US" altLang="ja-JP" sz="1200" i="1">
+                                          <a:latin typeface="Cambria Math" panose="02040503050406030204" pitchFamily="18" charset="0"/>
+                                        </a:rPr>
+                                        <m:t>1</m:t>
+                                      </m:r>
+                                    </m:sub>
+                                  </m:sSub>
+                                  <m:r>
+                                    <a:rPr lang="en-US" altLang="ja-JP" sz="1200" i="1">
+                                      <a:latin typeface="Cambria Math" panose="02040503050406030204" pitchFamily="18" charset="0"/>
+                                    </a:rPr>
+                                    <m:t>+</m:t>
+                                  </m:r>
+                                  <m:sSub>
+                                    <m:sSubPr>
+                                      <m:ctrlPr>
+                                        <a:rPr lang="en-US" altLang="ja-JP" sz="1200" i="1">
+                                          <a:latin typeface="Cambria Math" panose="02040503050406030204" pitchFamily="18" charset="0"/>
+                                        </a:rPr>
+                                      </m:ctrlPr>
+                                    </m:sSubPr>
+                                    <m:e>
+                                      <m:r>
+                                        <a:rPr lang="en-US" altLang="ja-JP" sz="1200" i="1">
+                                          <a:latin typeface="Cambria Math" panose="02040503050406030204" pitchFamily="18" charset="0"/>
+                                        </a:rPr>
+                                        <m:t>𝑔</m:t>
+                                      </m:r>
+                                    </m:e>
+                                    <m:sub>
+                                      <m:r>
+                                        <a:rPr lang="en-US" altLang="ja-JP" sz="1200" i="1">
+                                          <a:latin typeface="Cambria Math" panose="02040503050406030204" pitchFamily="18" charset="0"/>
+                                        </a:rPr>
+                                        <m:t>𝑐𝑒</m:t>
+                                      </m:r>
+                                      <m:r>
+                                        <a:rPr lang="en-US" altLang="ja-JP" sz="1200" i="1">
+                                          <a:latin typeface="Cambria Math" panose="02040503050406030204" pitchFamily="18" charset="0"/>
+                                        </a:rPr>
+                                        <m:t>1</m:t>
+                                      </m:r>
+                                    </m:sub>
+                                  </m:sSub>
+                                  <m:r>
+                                    <a:rPr lang="en-US" altLang="ja-JP" sz="1200" i="1">
+                                      <a:latin typeface="Cambria Math" panose="02040503050406030204" pitchFamily="18" charset="0"/>
+                                    </a:rPr>
+                                    <m:t>+</m:t>
+                                  </m:r>
+                                  <m:sSub>
+                                    <m:sSubPr>
+                                      <m:ctrlPr>
+                                        <a:rPr lang="en-US" altLang="ja-JP" sz="1200" i="1">
+                                          <a:latin typeface="Cambria Math" panose="02040503050406030204" pitchFamily="18" charset="0"/>
+                                        </a:rPr>
+                                      </m:ctrlPr>
+                                    </m:sSubPr>
+                                    <m:e>
+                                      <m:r>
+                                        <a:rPr lang="en-US" altLang="ja-JP" sz="1200" i="1">
+                                          <a:latin typeface="Cambria Math" panose="02040503050406030204" pitchFamily="18" charset="0"/>
+                                        </a:rPr>
+                                        <m:t>𝑔</m:t>
+                                      </m:r>
+                                    </m:e>
+                                    <m:sub>
+                                      <m:r>
+                                        <a:rPr lang="en-US" altLang="ja-JP" sz="1200" i="1">
+                                          <a:latin typeface="Cambria Math" panose="02040503050406030204" pitchFamily="18" charset="0"/>
+                                        </a:rPr>
+                                        <m:t>𝑖𝑒</m:t>
+                                      </m:r>
+                                      <m:r>
+                                        <a:rPr lang="en-US" altLang="ja-JP" sz="1200" i="1">
+                                          <a:latin typeface="Cambria Math" panose="02040503050406030204" pitchFamily="18" charset="0"/>
+                                        </a:rPr>
+                                        <m:t>1</m:t>
+                                      </m:r>
+                                    </m:sub>
+                                  </m:sSub>
+                                </m:e>
+                              </m:d>
+                            </m:e>
+                          </m:d>
+                        </m:e>
+                      </m:d>
+                    </m:oMath>
+                  </m:oMathPara>
+                </a14:m>
+                <a:endParaRPr lang="en-US" altLang="ja-JP" sz="1200" dirty="0">
+                  <a:latin typeface="Times Newer Roman" panose="00000500000000000000" pitchFamily="50" charset="0"/>
+                </a:endParaRPr>
+              </a:p>
+              <a:p>
+                <a:pPr/>
+                <a14:m>
+                  <m:oMathPara xmlns:m="http://schemas.openxmlformats.org/officeDocument/2006/math">
+                    <m:oMathParaPr>
+                      <m:jc m:val="centerGroup"/>
+                    </m:oMathParaPr>
+                    <m:oMath xmlns:m="http://schemas.openxmlformats.org/officeDocument/2006/math">
+                      <m:sSub>
+                        <m:sSubPr>
+                          <m:ctrlPr>
+                            <a:rPr lang="en-US" altLang="ja-JP" sz="1200" b="0" i="1" smtClean="0">
+                              <a:latin typeface="Cambria Math" panose="02040503050406030204" pitchFamily="18" charset="0"/>
+                            </a:rPr>
+                          </m:ctrlPr>
+                        </m:sSubPr>
+                        <m:e>
+                          <m:r>
+                            <a:rPr lang="en-US" altLang="ja-JP" sz="1200" b="0" i="1" smtClean="0">
+                              <a:latin typeface="Cambria Math" panose="02040503050406030204" pitchFamily="18" charset="0"/>
+                            </a:rPr>
+                            <m:t>𝐶</m:t>
+                          </m:r>
+                        </m:e>
+                        <m:sub>
+                          <m:r>
+                            <a:rPr lang="en-US" altLang="ja-JP" sz="1200" b="0" i="1" smtClean="0">
+                              <a:latin typeface="Cambria Math" panose="02040503050406030204" pitchFamily="18" charset="0"/>
+                            </a:rPr>
+                            <m:t>21</m:t>
+                          </m:r>
+                        </m:sub>
+                      </m:sSub>
+                      <m:r>
+                        <a:rPr lang="en-US" altLang="ja-JP" sz="1200" b="0" i="1" smtClean="0">
+                          <a:latin typeface="Cambria Math" panose="02040503050406030204" pitchFamily="18" charset="0"/>
+                        </a:rPr>
+                        <m:t>=</m:t>
+                      </m:r>
+                    </m:oMath>
+                  </m:oMathPara>
+                </a14:m>
+                <a:endParaRPr lang="en-US" altLang="ja-JP" sz="1200" b="0" dirty="0">
+                  <a:latin typeface="Times Newer Roman" panose="00000500000000000000" pitchFamily="50" charset="0"/>
+                </a:endParaRPr>
+              </a:p>
+              <a:p>
+                <a:pPr/>
+                <a14:m>
+                  <m:oMathPara xmlns:m="http://schemas.openxmlformats.org/officeDocument/2006/math">
+                    <m:oMathParaPr>
+                      <m:jc m:val="centerGroup"/>
+                    </m:oMathParaPr>
+                    <m:oMath xmlns:m="http://schemas.openxmlformats.org/officeDocument/2006/math">
+                      <m:sSub>
+                        <m:sSubPr>
+                          <m:ctrlPr>
+                            <a:rPr lang="en-US" altLang="ja-JP" sz="1200" b="0" i="1" smtClean="0">
+                              <a:latin typeface="Cambria Math" panose="02040503050406030204" pitchFamily="18" charset="0"/>
+                            </a:rPr>
+                          </m:ctrlPr>
+                        </m:sSubPr>
+                        <m:e>
+                          <m:r>
+                            <a:rPr lang="en-US" altLang="ja-JP" sz="1200" b="0" i="1" smtClean="0">
+                              <a:latin typeface="Cambria Math" panose="02040503050406030204" pitchFamily="18" charset="0"/>
+                            </a:rPr>
+                            <m:t>𝐶</m:t>
+                          </m:r>
+                        </m:e>
+                        <m:sub>
+                          <m:r>
+                            <a:rPr lang="en-US" altLang="ja-JP" sz="1200" b="0" i="1" smtClean="0">
+                              <a:latin typeface="Cambria Math" panose="02040503050406030204" pitchFamily="18" charset="0"/>
+                            </a:rPr>
+                            <m:t>22</m:t>
+                          </m:r>
+                        </m:sub>
+                      </m:sSub>
+                      <m:r>
+                        <a:rPr lang="en-US" altLang="ja-JP" sz="1200" b="0" i="1" smtClean="0">
+                          <a:latin typeface="Cambria Math" panose="02040503050406030204" pitchFamily="18" charset="0"/>
+                        </a:rPr>
+                        <m:t>=</m:t>
+                      </m:r>
+                    </m:oMath>
+                  </m:oMathPara>
+                </a14:m>
+                <a:endParaRPr lang="en-US" altLang="ja-JP" sz="1200" b="0" dirty="0">
+                  <a:latin typeface="Times Newer Roman" panose="00000500000000000000" pitchFamily="50" charset="0"/>
+                </a:endParaRPr>
+              </a:p>
+              <a:p>
+                <a:pPr/>
+                <a14:m>
+                  <m:oMathPara xmlns:m="http://schemas.openxmlformats.org/officeDocument/2006/math">
+                    <m:oMathParaPr>
+                      <m:jc m:val="centerGroup"/>
+                    </m:oMathParaPr>
+                    <m:oMath xmlns:m="http://schemas.openxmlformats.org/officeDocument/2006/math">
+                      <m:sSub>
+                        <m:sSubPr>
+                          <m:ctrlPr>
+                            <a:rPr lang="en-US" altLang="ja-JP" sz="1200" b="0" i="1" smtClean="0">
+                              <a:latin typeface="Cambria Math" panose="02040503050406030204" pitchFamily="18" charset="0"/>
+                            </a:rPr>
+                          </m:ctrlPr>
+                        </m:sSubPr>
+                        <m:e>
+                          <m:r>
+                            <a:rPr lang="en-US" altLang="ja-JP" sz="1200" b="0" i="1" smtClean="0">
+                              <a:latin typeface="Cambria Math" panose="02040503050406030204" pitchFamily="18" charset="0"/>
+                            </a:rPr>
+                            <m:t>𝐶</m:t>
+                          </m:r>
+                        </m:e>
+                        <m:sub>
+                          <m:r>
+                            <a:rPr lang="en-US" altLang="ja-JP" sz="1200" b="0" i="1" smtClean="0">
+                              <a:latin typeface="Cambria Math" panose="02040503050406030204" pitchFamily="18" charset="0"/>
+                            </a:rPr>
+                            <m:t>23</m:t>
+                          </m:r>
+                        </m:sub>
+                      </m:sSub>
+                      <m:r>
+                        <a:rPr lang="en-US" altLang="ja-JP" sz="1200" b="0" i="1" smtClean="0">
+                          <a:latin typeface="Cambria Math" panose="02040503050406030204" pitchFamily="18" charset="0"/>
+                        </a:rPr>
+                        <m:t>=</m:t>
+                      </m:r>
+                      <m:sSub>
+                        <m:sSubPr>
+                          <m:ctrlPr>
+                            <a:rPr lang="en-US" altLang="ja-JP" sz="1200" b="0" i="1" smtClean="0">
+                              <a:latin typeface="Cambria Math" panose="02040503050406030204" pitchFamily="18" charset="0"/>
+                            </a:rPr>
+                          </m:ctrlPr>
+                        </m:sSubPr>
+                        <m:e>
+                          <m:r>
+                            <a:rPr lang="en-US" altLang="ja-JP" sz="1200" b="0" i="1" smtClean="0">
+                              <a:latin typeface="Cambria Math" panose="02040503050406030204" pitchFamily="18" charset="0"/>
+                            </a:rPr>
+                            <m:t>𝐶</m:t>
+                          </m:r>
+                        </m:e>
+                        <m:sub>
+                          <m:r>
+                            <a:rPr lang="en-US" altLang="ja-JP" sz="1200" b="0" i="1" smtClean="0">
+                              <a:latin typeface="Cambria Math" panose="02040503050406030204" pitchFamily="18" charset="0"/>
+                            </a:rPr>
+                            <m:t>1</m:t>
+                          </m:r>
+                        </m:sub>
+                      </m:sSub>
+                      <m:d>
+                        <m:dPr>
+                          <m:begChr m:val=""/>
+                          <m:endChr m:val="}"/>
+                          <m:ctrlPr>
+                            <a:rPr lang="en-US" altLang="ja-JP" sz="1200" i="1">
+                              <a:latin typeface="Cambria Math" panose="02040503050406030204" pitchFamily="18" charset="0"/>
+                            </a:rPr>
+                          </m:ctrlPr>
+                        </m:dPr>
+                        <m:e>
+                          <m:d>
+                            <m:dPr>
+                              <m:begChr m:val="{"/>
+                              <m:endChr m:val=""/>
+                              <m:ctrlPr>
+                                <a:rPr lang="en-US" altLang="ja-JP" sz="1200" i="1">
+                                  <a:latin typeface="Cambria Math" panose="02040503050406030204" pitchFamily="18" charset="0"/>
+                                </a:rPr>
+                              </m:ctrlPr>
+                            </m:dPr>
+                            <m:e>
+                              <m:sSub>
+                                <m:sSubPr>
+                                  <m:ctrlPr>
+                                    <a:rPr lang="en-US" altLang="ja-JP" sz="1200" i="1">
+                                      <a:latin typeface="Cambria Math" panose="02040503050406030204" pitchFamily="18" charset="0"/>
+                                    </a:rPr>
+                                  </m:ctrlPr>
+                                </m:sSubPr>
+                                <m:e>
+                                  <m:r>
+                                    <a:rPr lang="en-US" altLang="ja-JP" sz="1200" i="1">
+                                      <a:latin typeface="Cambria Math" panose="02040503050406030204" pitchFamily="18" charset="0"/>
+                                    </a:rPr>
+                                    <m:t>𝐺</m:t>
+                                  </m:r>
+                                </m:e>
+                                <m:sub>
+                                  <m:r>
+                                    <a:rPr lang="en-US" altLang="ja-JP" sz="1200" i="1">
+                                      <a:latin typeface="Cambria Math" panose="02040503050406030204" pitchFamily="18" charset="0"/>
+                                    </a:rPr>
+                                    <m:t>4</m:t>
+                                  </m:r>
+                                </m:sub>
+                              </m:sSub>
+                              <m:r>
+                                <a:rPr lang="en-US" altLang="ja-JP" sz="1200" i="1">
+                                  <a:latin typeface="Cambria Math" panose="02040503050406030204" pitchFamily="18" charset="0"/>
+                                </a:rPr>
+                                <m:t>+</m:t>
+                              </m:r>
+                              <m:sSub>
+                                <m:sSubPr>
+                                  <m:ctrlPr>
+                                    <a:rPr lang="en-US" altLang="ja-JP" sz="1200" i="1">
+                                      <a:latin typeface="Cambria Math" panose="02040503050406030204" pitchFamily="18" charset="0"/>
+                                    </a:rPr>
+                                  </m:ctrlPr>
+                                </m:sSubPr>
+                                <m:e>
+                                  <m:r>
+                                    <a:rPr lang="en-US" altLang="ja-JP" sz="1200" i="1">
+                                      <a:latin typeface="Cambria Math" panose="02040503050406030204" pitchFamily="18" charset="0"/>
+                                    </a:rPr>
+                                    <m:t>𝐶</m:t>
+                                  </m:r>
+                                </m:e>
+                                <m:sub>
+                                  <m:r>
+                                    <a:rPr lang="en-US" altLang="ja-JP" sz="1200" i="1">
+                                      <a:latin typeface="Cambria Math" panose="02040503050406030204" pitchFamily="18" charset="0"/>
+                                    </a:rPr>
+                                    <m:t>𝑗𝑐</m:t>
+                                  </m:r>
+                                  <m:r>
+                                    <a:rPr lang="en-US" altLang="ja-JP" sz="1200" i="1">
+                                      <a:latin typeface="Cambria Math" panose="02040503050406030204" pitchFamily="18" charset="0"/>
+                                    </a:rPr>
+                                    <m:t>2</m:t>
+                                  </m:r>
+                                </m:sub>
+                              </m:sSub>
+                              <m:d>
+                                <m:dPr>
+                                  <m:ctrlPr>
+                                    <a:rPr lang="en-US" altLang="ja-JP" sz="1200" i="1">
+                                      <a:latin typeface="Cambria Math" panose="02040503050406030204" pitchFamily="18" charset="0"/>
+                                    </a:rPr>
+                                  </m:ctrlPr>
+                                </m:dPr>
+                                <m:e>
+                                  <m:sSub>
+                                    <m:sSubPr>
+                                      <m:ctrlPr>
+                                        <a:rPr lang="en-US" altLang="ja-JP" sz="1200" i="1">
+                                          <a:latin typeface="Cambria Math" panose="02040503050406030204" pitchFamily="18" charset="0"/>
+                                        </a:rPr>
+                                      </m:ctrlPr>
+                                    </m:sSubPr>
+                                    <m:e>
+                                      <m:r>
+                                        <a:rPr lang="en-US" altLang="ja-JP" sz="1200" i="1">
+                                          <a:latin typeface="Cambria Math" panose="02040503050406030204" pitchFamily="18" charset="0"/>
+                                        </a:rPr>
+                                        <m:t>𝑔</m:t>
+                                      </m:r>
+                                    </m:e>
+                                    <m:sub>
+                                      <m:r>
+                                        <a:rPr lang="en-US" altLang="ja-JP" sz="1200" i="1">
+                                          <a:latin typeface="Cambria Math" panose="02040503050406030204" pitchFamily="18" charset="0"/>
+                                        </a:rPr>
+                                        <m:t>𝑚</m:t>
+                                      </m:r>
+                                      <m:r>
+                                        <a:rPr lang="en-US" altLang="ja-JP" sz="1200" i="1">
+                                          <a:latin typeface="Cambria Math" panose="02040503050406030204" pitchFamily="18" charset="0"/>
+                                        </a:rPr>
+                                        <m:t>2</m:t>
+                                      </m:r>
+                                    </m:sub>
+                                  </m:sSub>
+                                  <m:sSub>
+                                    <m:sSubPr>
+                                      <m:ctrlPr>
+                                        <a:rPr lang="en-US" altLang="ja-JP" sz="1200" i="1">
+                                          <a:latin typeface="Cambria Math" panose="02040503050406030204" pitchFamily="18" charset="0"/>
+                                        </a:rPr>
+                                      </m:ctrlPr>
+                                    </m:sSubPr>
+                                    <m:e>
+                                      <m:r>
+                                        <a:rPr lang="en-US" altLang="ja-JP" sz="1200" i="1">
+                                          <a:latin typeface="Cambria Math" panose="02040503050406030204" pitchFamily="18" charset="0"/>
+                                        </a:rPr>
+                                        <m:t>𝐶</m:t>
+                                      </m:r>
+                                    </m:e>
+                                    <m:sub>
+                                      <m:r>
+                                        <a:rPr lang="en-US" altLang="ja-JP" sz="1200" i="1">
+                                          <a:latin typeface="Cambria Math" panose="02040503050406030204" pitchFamily="18" charset="0"/>
+                                        </a:rPr>
+                                        <m:t>1</m:t>
+                                      </m:r>
+                                    </m:sub>
+                                  </m:sSub>
+                                  <m:r>
+                                    <a:rPr lang="en-US" altLang="ja-JP" sz="1200" i="1">
+                                      <a:latin typeface="Cambria Math" panose="02040503050406030204" pitchFamily="18" charset="0"/>
+                                    </a:rPr>
+                                    <m:t>−</m:t>
+                                  </m:r>
+                                  <m:sSub>
+                                    <m:sSubPr>
+                                      <m:ctrlPr>
+                                        <a:rPr lang="en-US" altLang="ja-JP" sz="1200" i="1">
+                                          <a:latin typeface="Cambria Math" panose="02040503050406030204" pitchFamily="18" charset="0"/>
+                                        </a:rPr>
+                                      </m:ctrlPr>
+                                    </m:sSubPr>
+                                    <m:e>
+                                      <m:r>
+                                        <a:rPr lang="en-US" altLang="ja-JP" sz="1200" i="1">
+                                          <a:latin typeface="Cambria Math" panose="02040503050406030204" pitchFamily="18" charset="0"/>
+                                        </a:rPr>
+                                        <m:t>𝐺</m:t>
+                                      </m:r>
+                                    </m:e>
+                                    <m:sub>
+                                      <m:r>
+                                        <a:rPr lang="en-US" altLang="ja-JP" sz="1200" i="1">
+                                          <a:latin typeface="Cambria Math" panose="02040503050406030204" pitchFamily="18" charset="0"/>
+                                        </a:rPr>
+                                        <m:t>1</m:t>
+                                      </m:r>
+                                    </m:sub>
+                                  </m:sSub>
+                                  <m:sSub>
+                                    <m:sSubPr>
+                                      <m:ctrlPr>
+                                        <a:rPr lang="en-US" altLang="ja-JP" sz="1200" i="1">
+                                          <a:latin typeface="Cambria Math" panose="02040503050406030204" pitchFamily="18" charset="0"/>
+                                        </a:rPr>
+                                      </m:ctrlPr>
+                                    </m:sSubPr>
+                                    <m:e>
+                                      <m:r>
+                                        <a:rPr lang="en-US" altLang="ja-JP" sz="1200" i="1">
+                                          <a:latin typeface="Cambria Math" panose="02040503050406030204" pitchFamily="18" charset="0"/>
+                                        </a:rPr>
+                                        <m:t>𝐶</m:t>
+                                      </m:r>
+                                    </m:e>
+                                    <m:sub>
+                                      <m:r>
+                                        <a:rPr lang="en-US" altLang="ja-JP" sz="1200" i="1">
+                                          <a:latin typeface="Cambria Math" panose="02040503050406030204" pitchFamily="18" charset="0"/>
+                                        </a:rPr>
+                                        <m:t>𝑗𝑐</m:t>
+                                      </m:r>
+                                      <m:r>
+                                        <a:rPr lang="en-US" altLang="ja-JP" sz="1200" i="1">
+                                          <a:latin typeface="Cambria Math" panose="02040503050406030204" pitchFamily="18" charset="0"/>
+                                        </a:rPr>
+                                        <m:t>2</m:t>
+                                      </m:r>
+                                    </m:sub>
+                                  </m:sSub>
+                                </m:e>
+                              </m:d>
+                            </m:e>
+                          </m:d>
+                        </m:e>
+                      </m:d>
+                      <m:r>
+                        <a:rPr lang="en-US" altLang="ja-JP" sz="1200" b="0" i="0" smtClean="0">
+                          <a:latin typeface="Cambria Math" panose="02040503050406030204" pitchFamily="18" charset="0"/>
+                        </a:rPr>
+                        <m:t>+</m:t>
+                      </m:r>
+                      <m:r>
+                        <a:rPr lang="en-US" altLang="ja-JP" sz="1200" b="0" i="1" smtClean="0">
+                          <a:latin typeface="Cambria Math" panose="02040503050406030204" pitchFamily="18" charset="0"/>
+                        </a:rPr>
+                        <m:t>𝑗</m:t>
+                      </m:r>
+                      <m:sSub>
+                        <m:sSubPr>
+                          <m:ctrlPr>
+                            <a:rPr lang="en-US" altLang="ja-JP" sz="1200" b="0" i="1" smtClean="0">
+                              <a:latin typeface="Cambria Math" panose="02040503050406030204" pitchFamily="18" charset="0"/>
+                            </a:rPr>
+                          </m:ctrlPr>
+                        </m:sSubPr>
+                        <m:e>
+                          <m:r>
+                            <a:rPr lang="en-US" altLang="ja-JP" sz="1200" b="0" i="1" smtClean="0">
+                              <a:latin typeface="Cambria Math" panose="02040503050406030204" pitchFamily="18" charset="0"/>
+                            </a:rPr>
+                            <m:t>𝐶</m:t>
+                          </m:r>
+                        </m:e>
+                        <m:sub>
+                          <m:r>
+                            <a:rPr lang="en-US" altLang="ja-JP" sz="1200" b="0" i="1" smtClean="0">
+                              <a:latin typeface="Cambria Math" panose="02040503050406030204" pitchFamily="18" charset="0"/>
+                            </a:rPr>
+                            <m:t>1</m:t>
+                          </m:r>
+                        </m:sub>
+                      </m:sSub>
+                      <m:sSub>
+                        <m:sSubPr>
+                          <m:ctrlPr>
+                            <a:rPr lang="en-US" altLang="ja-JP" sz="1200" b="0" i="1" smtClean="0">
+                              <a:latin typeface="Cambria Math" panose="02040503050406030204" pitchFamily="18" charset="0"/>
+                            </a:rPr>
+                          </m:ctrlPr>
+                        </m:sSubPr>
+                        <m:e>
+                          <m:r>
+                            <a:rPr lang="en-US" altLang="ja-JP" sz="1200" b="0" i="1" smtClean="0">
+                              <a:latin typeface="Cambria Math" panose="02040503050406030204" pitchFamily="18" charset="0"/>
+                            </a:rPr>
+                            <m:t>𝐶</m:t>
+                          </m:r>
+                        </m:e>
+                        <m:sub>
+                          <m:r>
+                            <a:rPr lang="en-US" altLang="ja-JP" sz="1200" b="0" i="1" smtClean="0">
+                              <a:latin typeface="Cambria Math" panose="02040503050406030204" pitchFamily="18" charset="0"/>
+                            </a:rPr>
+                            <m:t>𝑗𝑐</m:t>
+                          </m:r>
+                          <m:r>
+                            <a:rPr lang="en-US" altLang="ja-JP" sz="1200" b="0" i="1" smtClean="0">
+                              <a:latin typeface="Cambria Math" panose="02040503050406030204" pitchFamily="18" charset="0"/>
+                            </a:rPr>
+                            <m:t>2</m:t>
+                          </m:r>
+                        </m:sub>
+                      </m:sSub>
+                      <m:sSub>
+                        <m:sSubPr>
+                          <m:ctrlPr>
+                            <a:rPr lang="en-US" altLang="ja-JP" sz="1200" b="0" i="1" smtClean="0">
+                              <a:latin typeface="Cambria Math" panose="02040503050406030204" pitchFamily="18" charset="0"/>
+                            </a:rPr>
+                          </m:ctrlPr>
+                        </m:sSubPr>
+                        <m:e>
+                          <m:r>
+                            <a:rPr lang="en-US" altLang="ja-JP" sz="1200" b="0" i="1" smtClean="0">
+                              <a:latin typeface="Cambria Math" panose="02040503050406030204" pitchFamily="18" charset="0"/>
+                            </a:rPr>
+                            <m:t>𝐺</m:t>
+                          </m:r>
+                        </m:e>
+                        <m:sub>
+                          <m:r>
+                            <a:rPr lang="en-US" altLang="ja-JP" sz="1200" b="0" i="1" smtClean="0">
+                              <a:latin typeface="Cambria Math" panose="02040503050406030204" pitchFamily="18" charset="0"/>
+                            </a:rPr>
+                            <m:t>1</m:t>
+                          </m:r>
+                        </m:sub>
+                      </m:sSub>
+                      <m:d>
+                        <m:dPr>
+                          <m:ctrlPr>
+                            <a:rPr lang="en-US" altLang="ja-JP" sz="1200" b="0" i="1" smtClean="0">
+                              <a:latin typeface="Cambria Math" panose="02040503050406030204" pitchFamily="18" charset="0"/>
+                            </a:rPr>
+                          </m:ctrlPr>
+                        </m:dPr>
+                        <m:e>
+                          <m:sSub>
+                            <m:sSubPr>
+                              <m:ctrlPr>
+                                <a:rPr lang="en-US" altLang="ja-JP" sz="1200" b="0" i="1" smtClean="0">
+                                  <a:latin typeface="Cambria Math" panose="02040503050406030204" pitchFamily="18" charset="0"/>
+                                </a:rPr>
+                              </m:ctrlPr>
+                            </m:sSubPr>
+                            <m:e>
+                              <m:r>
+                                <a:rPr lang="en-US" altLang="ja-JP" sz="1200" b="0" i="1" smtClean="0">
+                                  <a:latin typeface="Cambria Math" panose="02040503050406030204" pitchFamily="18" charset="0"/>
+                                </a:rPr>
+                                <m:t>𝐶</m:t>
+                              </m:r>
+                            </m:e>
+                            <m:sub>
+                              <m:r>
+                                <a:rPr lang="en-US" altLang="ja-JP" sz="1200" b="0" i="1" smtClean="0">
+                                  <a:latin typeface="Cambria Math" panose="02040503050406030204" pitchFamily="18" charset="0"/>
+                                </a:rPr>
+                                <m:t>𝑗𝑐</m:t>
+                              </m:r>
+                              <m:r>
+                                <a:rPr lang="en-US" altLang="ja-JP" sz="1200" b="0" i="1" smtClean="0">
+                                  <a:latin typeface="Cambria Math" panose="02040503050406030204" pitchFamily="18" charset="0"/>
+                                </a:rPr>
+                                <m:t>2</m:t>
+                              </m:r>
+                            </m:sub>
+                          </m:sSub>
+                          <m:r>
+                            <a:rPr lang="en-US" altLang="ja-JP" sz="1200" b="0" i="1" smtClean="0">
+                              <a:latin typeface="Cambria Math" panose="02040503050406030204" pitchFamily="18" charset="0"/>
+                            </a:rPr>
+                            <m:t>−</m:t>
+                          </m:r>
+                          <m:sSub>
+                            <m:sSubPr>
+                              <m:ctrlPr>
+                                <a:rPr lang="en-US" altLang="ja-JP" sz="1200" b="0" i="1" smtClean="0">
+                                  <a:latin typeface="Cambria Math" panose="02040503050406030204" pitchFamily="18" charset="0"/>
+                                </a:rPr>
+                              </m:ctrlPr>
+                            </m:sSubPr>
+                            <m:e>
+                              <m:r>
+                                <a:rPr lang="en-US" altLang="ja-JP" sz="1200" b="0" i="1" smtClean="0">
+                                  <a:latin typeface="Cambria Math" panose="02040503050406030204" pitchFamily="18" charset="0"/>
+                                </a:rPr>
+                                <m:t>𝐶</m:t>
+                              </m:r>
+                            </m:e>
+                            <m:sub>
+                              <m:r>
+                                <a:rPr lang="en-US" altLang="ja-JP" sz="1200" b="0" i="1" smtClean="0">
+                                  <a:latin typeface="Cambria Math" panose="02040503050406030204" pitchFamily="18" charset="0"/>
+                                </a:rPr>
+                                <m:t>2</m:t>
+                              </m:r>
+                            </m:sub>
+                          </m:sSub>
+                        </m:e>
+                      </m:d>
+                    </m:oMath>
+                  </m:oMathPara>
+                </a14:m>
+                <a:endParaRPr lang="en-US" altLang="ja-JP" sz="1200" b="0" i="1" dirty="0">
+                  <a:latin typeface="Cambria Math" panose="02040503050406030204" pitchFamily="18" charset="0"/>
+                </a:endParaRPr>
+              </a:p>
+              <a:p>
+                <a:pPr/>
+                <a14:m>
+                  <m:oMathPara xmlns:m="http://schemas.openxmlformats.org/officeDocument/2006/math">
+                    <m:oMathParaPr>
+                      <m:jc m:val="centerGroup"/>
+                    </m:oMathParaPr>
+                    <m:oMath xmlns:m="http://schemas.openxmlformats.org/officeDocument/2006/math">
+                      <m:r>
+                        <a:rPr lang="en-US" altLang="ja-JP" sz="1200" b="0" i="1" smtClean="0">
+                          <a:latin typeface="Cambria Math" panose="02040503050406030204" pitchFamily="18" charset="0"/>
+                        </a:rPr>
+                        <m:t>=</m:t>
+                      </m:r>
+                      <m:d>
+                        <m:dPr>
+                          <m:ctrlPr>
+                            <a:rPr lang="en-US" altLang="ja-JP" sz="1200" b="0" i="1" smtClean="0">
+                              <a:latin typeface="Cambria Math" panose="02040503050406030204" pitchFamily="18" charset="0"/>
+                            </a:rPr>
+                          </m:ctrlPr>
+                        </m:dPr>
+                        <m:e>
+                          <m:sSub>
+                            <m:sSubPr>
+                              <m:ctrlPr>
+                                <a:rPr lang="en-US" altLang="ja-JP" sz="1200" b="0" i="1" smtClean="0">
+                                  <a:latin typeface="Cambria Math" panose="02040503050406030204" pitchFamily="18" charset="0"/>
+                                </a:rPr>
+                              </m:ctrlPr>
+                            </m:sSubPr>
+                            <m:e>
+                              <m:r>
+                                <a:rPr lang="en-US" altLang="ja-JP" sz="1200" b="0" i="1" smtClean="0">
+                                  <a:latin typeface="Cambria Math" panose="02040503050406030204" pitchFamily="18" charset="0"/>
+                                </a:rPr>
+                                <m:t>𝐶</m:t>
+                              </m:r>
+                            </m:e>
+                            <m:sub>
+                              <m:r>
+                                <a:rPr lang="en-US" altLang="ja-JP" sz="1200" b="0" i="1" smtClean="0">
+                                  <a:latin typeface="Cambria Math" panose="02040503050406030204" pitchFamily="18" charset="0"/>
+                                </a:rPr>
+                                <m:t>𝑃𝐷</m:t>
+                              </m:r>
+                            </m:sub>
+                          </m:sSub>
+                          <m:r>
+                            <a:rPr lang="en-US" altLang="ja-JP" sz="1200" b="0" i="1" smtClean="0">
+                              <a:latin typeface="Cambria Math" panose="02040503050406030204" pitchFamily="18" charset="0"/>
+                            </a:rPr>
+                            <m:t>+</m:t>
+                          </m:r>
+                          <m:sSub>
+                            <m:sSubPr>
+                              <m:ctrlPr>
+                                <a:rPr lang="en-US" altLang="ja-JP" sz="1200" b="0" i="1" smtClean="0">
+                                  <a:latin typeface="Cambria Math" panose="02040503050406030204" pitchFamily="18" charset="0"/>
+                                </a:rPr>
+                              </m:ctrlPr>
+                            </m:sSubPr>
+                            <m:e>
+                              <m:r>
+                                <a:rPr lang="en-US" altLang="ja-JP" sz="1200" b="0" i="1" smtClean="0">
+                                  <a:latin typeface="Cambria Math" panose="02040503050406030204" pitchFamily="18" charset="0"/>
+                                </a:rPr>
+                                <m:t>𝐶</m:t>
+                              </m:r>
+                            </m:e>
+                            <m:sub>
+                              <m:r>
+                                <a:rPr lang="en-US" altLang="ja-JP" sz="1200" b="0" i="1" smtClean="0">
+                                  <a:latin typeface="Cambria Math" panose="02040503050406030204" pitchFamily="18" charset="0"/>
+                                </a:rPr>
+                                <m:t>𝑗𝑒</m:t>
+                              </m:r>
+                              <m:r>
+                                <a:rPr lang="en-US" altLang="ja-JP" sz="1200" b="0" i="1" smtClean="0">
+                                  <a:latin typeface="Cambria Math" panose="02040503050406030204" pitchFamily="18" charset="0"/>
+                                </a:rPr>
+                                <m:t>1</m:t>
+                              </m:r>
+                            </m:sub>
+                          </m:sSub>
+                        </m:e>
+                      </m:d>
+                      <m:d>
+                        <m:dPr>
+                          <m:begChr m:val=""/>
+                          <m:endChr m:val="]"/>
+                          <m:ctrlPr>
+                            <a:rPr lang="en-US" altLang="ja-JP" sz="1200" b="0" i="1" smtClean="0">
+                              <a:latin typeface="Cambria Math" panose="02040503050406030204" pitchFamily="18" charset="0"/>
+                            </a:rPr>
+                          </m:ctrlPr>
+                        </m:dPr>
+                        <m:e>
+                          <m:d>
+                            <m:dPr>
+                              <m:begChr m:val="["/>
+                              <m:endChr m:val=""/>
+                              <m:ctrlPr>
+                                <a:rPr lang="en-US" altLang="ja-JP" sz="1200" b="0" i="1" smtClean="0">
+                                  <a:latin typeface="Cambria Math" panose="02040503050406030204" pitchFamily="18" charset="0"/>
+                                </a:rPr>
+                              </m:ctrlPr>
+                            </m:dPr>
+                            <m:e>
+                              <m:d>
+                                <m:dPr>
+                                  <m:begChr m:val=""/>
+                                  <m:endChr m:val="}"/>
+                                  <m:ctrlPr>
+                                    <a:rPr lang="en-US" altLang="ja-JP" sz="1200" b="0" i="1" smtClean="0">
+                                      <a:latin typeface="Cambria Math" panose="02040503050406030204" pitchFamily="18" charset="0"/>
+                                    </a:rPr>
+                                  </m:ctrlPr>
+                                </m:dPr>
+                                <m:e>
+                                  <m:d>
+                                    <m:dPr>
+                                      <m:begChr m:val="{"/>
+                                      <m:endChr m:val=""/>
+                                      <m:ctrlPr>
+                                        <a:rPr lang="en-US" altLang="ja-JP" sz="1200" b="0" i="1" smtClean="0">
+                                          <a:latin typeface="Cambria Math" panose="02040503050406030204" pitchFamily="18" charset="0"/>
+                                        </a:rPr>
+                                      </m:ctrlPr>
+                                    </m:dPr>
+                                    <m:e>
+                                      <m:r>
+                                        <a:rPr lang="en-US" altLang="ja-JP" sz="1200" b="0" i="1" smtClean="0">
+                                          <a:latin typeface="Cambria Math" panose="02040503050406030204" pitchFamily="18" charset="0"/>
+                                        </a:rPr>
+                                        <m:t>(</m:t>
+                                      </m:r>
+                                      <m:sSub>
+                                        <m:sSubPr>
+                                          <m:ctrlPr>
+                                            <a:rPr lang="en-US" altLang="ja-JP" sz="1200" i="1">
+                                              <a:latin typeface="Cambria Math" panose="02040503050406030204" pitchFamily="18" charset="0"/>
+                                            </a:rPr>
+                                          </m:ctrlPr>
+                                        </m:sSubPr>
+                                        <m:e>
+                                          <m:r>
+                                            <a:rPr lang="en-US" altLang="ja-JP" sz="1200" i="1">
+                                              <a:latin typeface="Cambria Math" panose="02040503050406030204" pitchFamily="18" charset="0"/>
+                                            </a:rPr>
+                                            <m:t>𝐶</m:t>
+                                          </m:r>
+                                        </m:e>
+                                        <m:sub>
+                                          <m:r>
+                                            <a:rPr lang="en-US" altLang="ja-JP" sz="1200" i="1">
+                                              <a:latin typeface="Cambria Math" panose="02040503050406030204" pitchFamily="18" charset="0"/>
+                                            </a:rPr>
+                                            <m:t>𝑃𝐷</m:t>
+                                          </m:r>
+                                        </m:sub>
+                                      </m:sSub>
+                                      <m:r>
+                                        <a:rPr lang="en-US" altLang="ja-JP" sz="1200" i="1">
+                                          <a:latin typeface="Cambria Math" panose="02040503050406030204" pitchFamily="18" charset="0"/>
+                                        </a:rPr>
+                                        <m:t>+</m:t>
+                                      </m:r>
+                                      <m:sSub>
+                                        <m:sSubPr>
+                                          <m:ctrlPr>
+                                            <a:rPr lang="en-US" altLang="ja-JP" sz="1200" i="1">
+                                              <a:latin typeface="Cambria Math" panose="02040503050406030204" pitchFamily="18" charset="0"/>
+                                            </a:rPr>
+                                          </m:ctrlPr>
+                                        </m:sSubPr>
+                                        <m:e>
+                                          <m:r>
+                                            <a:rPr lang="en-US" altLang="ja-JP" sz="1200" i="1">
+                                              <a:latin typeface="Cambria Math" panose="02040503050406030204" pitchFamily="18" charset="0"/>
+                                            </a:rPr>
+                                            <m:t>𝐶</m:t>
+                                          </m:r>
+                                        </m:e>
+                                        <m:sub>
+                                          <m:r>
+                                            <a:rPr lang="en-US" altLang="ja-JP" sz="1200" i="1">
+                                              <a:latin typeface="Cambria Math" panose="02040503050406030204" pitchFamily="18" charset="0"/>
+                                            </a:rPr>
+                                            <m:t>𝑗𝑒</m:t>
+                                          </m:r>
+                                          <m:r>
+                                            <a:rPr lang="en-US" altLang="ja-JP" sz="1200" i="1">
+                                              <a:latin typeface="Cambria Math" panose="02040503050406030204" pitchFamily="18" charset="0"/>
+                                            </a:rPr>
+                                            <m:t>1</m:t>
+                                          </m:r>
+                                        </m:sub>
+                                      </m:sSub>
+                                      <m:r>
+                                        <a:rPr lang="en-US" altLang="ja-JP" sz="1200" b="0" i="1" smtClean="0">
+                                          <a:latin typeface="Cambria Math" panose="02040503050406030204" pitchFamily="18" charset="0"/>
+                                        </a:rPr>
+                                        <m:t>)(</m:t>
+                                      </m:r>
+                                      <m:sSub>
+                                        <m:sSubPr>
+                                          <m:ctrlPr>
+                                            <a:rPr lang="en-US" altLang="ja-JP" sz="1200" i="1">
+                                              <a:latin typeface="Cambria Math" panose="02040503050406030204" pitchFamily="18" charset="0"/>
+                                            </a:rPr>
+                                          </m:ctrlPr>
+                                        </m:sSubPr>
+                                        <m:e>
+                                          <m:r>
+                                            <a:rPr lang="en-US" altLang="ja-JP" sz="1200" i="1">
+                                              <a:latin typeface="Cambria Math" panose="02040503050406030204" pitchFamily="18" charset="0"/>
+                                            </a:rPr>
+                                            <m:t>𝐶</m:t>
+                                          </m:r>
+                                        </m:e>
+                                        <m:sub>
+                                          <m:r>
+                                            <a:rPr lang="en-US" altLang="ja-JP" sz="1200" i="1">
+                                              <a:latin typeface="Cambria Math" panose="02040503050406030204" pitchFamily="18" charset="0"/>
+                                            </a:rPr>
+                                            <m:t>𝑗𝑐</m:t>
+                                          </m:r>
+                                          <m:r>
+                                            <a:rPr lang="en-US" altLang="ja-JP" sz="1200" i="1">
+                                              <a:latin typeface="Cambria Math" panose="02040503050406030204" pitchFamily="18" charset="0"/>
+                                            </a:rPr>
+                                            <m:t>1</m:t>
+                                          </m:r>
+                                        </m:sub>
+                                      </m:sSub>
+                                      <m:r>
+                                        <a:rPr lang="en-US" altLang="ja-JP" sz="1200" i="1">
+                                          <a:latin typeface="Cambria Math" panose="02040503050406030204" pitchFamily="18" charset="0"/>
+                                        </a:rPr>
+                                        <m:t>+</m:t>
+                                      </m:r>
+                                      <m:sSub>
+                                        <m:sSubPr>
+                                          <m:ctrlPr>
+                                            <a:rPr lang="en-US" altLang="ja-JP" sz="1200" i="1">
+                                              <a:latin typeface="Cambria Math" panose="02040503050406030204" pitchFamily="18" charset="0"/>
+                                            </a:rPr>
+                                          </m:ctrlPr>
+                                        </m:sSubPr>
+                                        <m:e>
+                                          <m:r>
+                                            <a:rPr lang="en-US" altLang="ja-JP" sz="1200" i="1">
+                                              <a:latin typeface="Cambria Math" panose="02040503050406030204" pitchFamily="18" charset="0"/>
+                                            </a:rPr>
+                                            <m:t>𝐶</m:t>
+                                          </m:r>
+                                        </m:e>
+                                        <m:sub>
+                                          <m:r>
+                                            <a:rPr lang="en-US" altLang="ja-JP" sz="1200" i="1">
+                                              <a:latin typeface="Cambria Math" panose="02040503050406030204" pitchFamily="18" charset="0"/>
+                                            </a:rPr>
+                                            <m:t>𝑗𝑐</m:t>
+                                          </m:r>
+                                          <m:r>
+                                            <a:rPr lang="en-US" altLang="ja-JP" sz="1200" i="1">
+                                              <a:latin typeface="Cambria Math" panose="02040503050406030204" pitchFamily="18" charset="0"/>
+                                            </a:rPr>
+                                            <m:t>2</m:t>
+                                          </m:r>
+                                        </m:sub>
+                                      </m:sSub>
+                                      <m:r>
+                                        <a:rPr lang="en-US" altLang="ja-JP" sz="1200" i="1">
+                                          <a:latin typeface="Cambria Math" panose="02040503050406030204" pitchFamily="18" charset="0"/>
+                                        </a:rPr>
+                                        <m:t>+</m:t>
+                                      </m:r>
+                                      <m:sSub>
+                                        <m:sSubPr>
+                                          <m:ctrlPr>
+                                            <a:rPr lang="en-US" altLang="ja-JP" sz="1200" i="1">
+                                              <a:latin typeface="Cambria Math" panose="02040503050406030204" pitchFamily="18" charset="0"/>
+                                            </a:rPr>
+                                          </m:ctrlPr>
+                                        </m:sSubPr>
+                                        <m:e>
+                                          <m:r>
+                                            <a:rPr lang="en-US" altLang="ja-JP" sz="1200" i="1">
+                                              <a:latin typeface="Cambria Math" panose="02040503050406030204" pitchFamily="18" charset="0"/>
+                                            </a:rPr>
+                                            <m:t>𝐶</m:t>
+                                          </m:r>
+                                        </m:e>
+                                        <m:sub>
+                                          <m:r>
+                                            <a:rPr lang="en-US" altLang="ja-JP" sz="1200" i="1">
+                                              <a:latin typeface="Cambria Math" panose="02040503050406030204" pitchFamily="18" charset="0"/>
+                                            </a:rPr>
+                                            <m:t>𝑗𝑒</m:t>
+                                          </m:r>
+                                          <m:r>
+                                            <a:rPr lang="en-US" altLang="ja-JP" sz="1200" i="1">
+                                              <a:latin typeface="Cambria Math" panose="02040503050406030204" pitchFamily="18" charset="0"/>
+                                            </a:rPr>
+                                            <m:t>2</m:t>
+                                          </m:r>
+                                        </m:sub>
+                                      </m:sSub>
+                                      <m:r>
+                                        <a:rPr lang="en-US" altLang="ja-JP" sz="1200" b="0" i="1" smtClean="0">
+                                          <a:latin typeface="Cambria Math" panose="02040503050406030204" pitchFamily="18" charset="0"/>
+                                        </a:rPr>
+                                        <m:t>)</m:t>
+                                      </m:r>
+                                      <m:d>
+                                        <m:dPr>
+                                          <m:ctrlPr>
+                                            <a:rPr lang="en-US" altLang="ja-JP" sz="1200" i="1">
+                                              <a:latin typeface="Cambria Math" panose="02040503050406030204" pitchFamily="18" charset="0"/>
+                                            </a:rPr>
+                                          </m:ctrlPr>
+                                        </m:dPr>
+                                        <m:e>
+                                          <m:sSub>
+                                            <m:sSubPr>
+                                              <m:ctrlPr>
+                                                <a:rPr lang="en-US" altLang="ja-JP" sz="1200" i="1">
+                                                  <a:latin typeface="Cambria Math" panose="02040503050406030204" pitchFamily="18" charset="0"/>
+                                                </a:rPr>
+                                              </m:ctrlPr>
+                                            </m:sSubPr>
+                                            <m:e>
+                                              <m:r>
+                                                <a:rPr lang="en-US" altLang="ja-JP" sz="1200" i="1">
+                                                  <a:latin typeface="Cambria Math" panose="02040503050406030204" pitchFamily="18" charset="0"/>
+                                                </a:rPr>
+                                                <m:t>𝐺</m:t>
+                                              </m:r>
+                                            </m:e>
+                                            <m:sub>
+                                              <m:r>
+                                                <a:rPr lang="en-US" altLang="ja-JP" sz="1200" i="1">
+                                                  <a:latin typeface="Cambria Math" panose="02040503050406030204" pitchFamily="18" charset="0"/>
+                                                </a:rPr>
+                                                <m:t>𝑐</m:t>
+                                              </m:r>
+                                              <m:r>
+                                                <a:rPr lang="en-US" altLang="ja-JP" sz="1200" i="1">
+                                                  <a:latin typeface="Cambria Math" panose="02040503050406030204" pitchFamily="18" charset="0"/>
+                                                </a:rPr>
+                                                <m:t>2</m:t>
+                                              </m:r>
+                                            </m:sub>
+                                          </m:sSub>
+                                          <m:r>
+                                            <a:rPr lang="en-US" altLang="ja-JP" sz="1200" i="1">
+                                              <a:latin typeface="Cambria Math" panose="02040503050406030204" pitchFamily="18" charset="0"/>
+                                            </a:rPr>
+                                            <m:t>+</m:t>
+                                          </m:r>
+                                          <m:sSub>
+                                            <m:sSubPr>
+                                              <m:ctrlPr>
+                                                <a:rPr lang="en-US" altLang="ja-JP" sz="1200" i="1">
+                                                  <a:latin typeface="Cambria Math" panose="02040503050406030204" pitchFamily="18" charset="0"/>
+                                                </a:rPr>
+                                              </m:ctrlPr>
+                                            </m:sSubPr>
+                                            <m:e>
+                                              <m:r>
+                                                <a:rPr lang="en-US" altLang="ja-JP" sz="1200" i="1">
+                                                  <a:latin typeface="Cambria Math" panose="02040503050406030204" pitchFamily="18" charset="0"/>
+                                                </a:rPr>
+                                                <m:t>𝑔</m:t>
+                                              </m:r>
+                                            </m:e>
+                                            <m:sub>
+                                              <m:r>
+                                                <a:rPr lang="en-US" altLang="ja-JP" sz="1200" i="1">
+                                                  <a:latin typeface="Cambria Math" panose="02040503050406030204" pitchFamily="18" charset="0"/>
+                                                </a:rPr>
+                                                <m:t>𝑐𝑒</m:t>
+                                              </m:r>
+                                              <m:r>
+                                                <a:rPr lang="en-US" altLang="ja-JP" sz="1200" i="1">
+                                                  <a:latin typeface="Cambria Math" panose="02040503050406030204" pitchFamily="18" charset="0"/>
+                                                </a:rPr>
+                                                <m:t>2</m:t>
+                                              </m:r>
+                                            </m:sub>
+                                          </m:sSub>
+                                        </m:e>
+                                      </m:d>
+                                      <m:r>
+                                        <a:rPr lang="en-US" altLang="ja-JP" sz="1200" i="1">
+                                          <a:latin typeface="Cambria Math" panose="02040503050406030204" pitchFamily="18" charset="0"/>
+                                        </a:rPr>
+                                        <m:t>+</m:t>
+                                      </m:r>
+                                      <m:sSub>
+                                        <m:sSubPr>
+                                          <m:ctrlPr>
+                                            <a:rPr lang="en-US" altLang="ja-JP" sz="1200" i="1">
+                                              <a:latin typeface="Cambria Math" panose="02040503050406030204" pitchFamily="18" charset="0"/>
+                                            </a:rPr>
+                                          </m:ctrlPr>
+                                        </m:sSubPr>
+                                        <m:e>
+                                          <m:r>
+                                            <a:rPr lang="en-US" altLang="ja-JP" sz="1200" i="1">
+                                              <a:latin typeface="Cambria Math" panose="02040503050406030204" pitchFamily="18" charset="0"/>
+                                            </a:rPr>
+                                            <m:t>𝐶</m:t>
+                                          </m:r>
+                                        </m:e>
+                                        <m:sub>
+                                          <m:r>
+                                            <a:rPr lang="en-US" altLang="ja-JP" sz="1200" i="1">
+                                              <a:latin typeface="Cambria Math" panose="02040503050406030204" pitchFamily="18" charset="0"/>
+                                            </a:rPr>
+                                            <m:t>𝑗𝑐</m:t>
+                                          </m:r>
+                                          <m:r>
+                                            <a:rPr lang="en-US" altLang="ja-JP" sz="1200" i="1">
+                                              <a:latin typeface="Cambria Math" panose="02040503050406030204" pitchFamily="18" charset="0"/>
+                                            </a:rPr>
+                                            <m:t>2</m:t>
+                                          </m:r>
+                                        </m:sub>
+                                      </m:sSub>
+                                      <m:d>
+                                        <m:dPr>
+                                          <m:ctrlPr>
+                                            <a:rPr lang="en-US" altLang="ja-JP" sz="1200" i="1">
+                                              <a:latin typeface="Cambria Math" panose="02040503050406030204" pitchFamily="18" charset="0"/>
+                                            </a:rPr>
+                                          </m:ctrlPr>
+                                        </m:dPr>
+                                        <m:e>
+                                          <m:sSub>
+                                            <m:sSubPr>
+                                              <m:ctrlPr>
+                                                <a:rPr lang="en-US" altLang="ja-JP" sz="1200" i="1">
+                                                  <a:latin typeface="Cambria Math" panose="02040503050406030204" pitchFamily="18" charset="0"/>
+                                                </a:rPr>
+                                              </m:ctrlPr>
+                                            </m:sSubPr>
+                                            <m:e>
+                                              <m:r>
+                                                <a:rPr lang="en-US" altLang="ja-JP" sz="1200" i="1">
+                                                  <a:latin typeface="Cambria Math" panose="02040503050406030204" pitchFamily="18" charset="0"/>
+                                                </a:rPr>
+                                                <m:t>𝐶</m:t>
+                                              </m:r>
+                                            </m:e>
+                                            <m:sub>
+                                              <m:r>
+                                                <a:rPr lang="en-US" altLang="ja-JP" sz="1200" i="1">
+                                                  <a:latin typeface="Cambria Math" panose="02040503050406030204" pitchFamily="18" charset="0"/>
+                                                </a:rPr>
+                                                <m:t>1</m:t>
+                                              </m:r>
+                                            </m:sub>
+                                          </m:sSub>
+                                          <m:sSub>
+                                            <m:sSubPr>
+                                              <m:ctrlPr>
+                                                <a:rPr lang="en-US" altLang="ja-JP" sz="1200" i="1">
+                                                  <a:latin typeface="Cambria Math" panose="02040503050406030204" pitchFamily="18" charset="0"/>
+                                                </a:rPr>
+                                              </m:ctrlPr>
+                                            </m:sSubPr>
+                                            <m:e>
+                                              <m:r>
+                                                <a:rPr lang="en-US" altLang="ja-JP" sz="1200" i="1">
+                                                  <a:latin typeface="Cambria Math" panose="02040503050406030204" pitchFamily="18" charset="0"/>
+                                                </a:rPr>
+                                                <m:t>𝐺</m:t>
+                                              </m:r>
+                                            </m:e>
+                                            <m:sub>
+                                              <m:r>
+                                                <a:rPr lang="en-US" altLang="ja-JP" sz="1200" i="1">
+                                                  <a:latin typeface="Cambria Math" panose="02040503050406030204" pitchFamily="18" charset="0"/>
+                                                </a:rPr>
+                                                <m:t>2</m:t>
+                                              </m:r>
+                                            </m:sub>
+                                          </m:sSub>
+                                          <m:r>
+                                            <a:rPr lang="en-US" altLang="ja-JP" sz="1200" i="1">
+                                              <a:latin typeface="Cambria Math" panose="02040503050406030204" pitchFamily="18" charset="0"/>
+                                            </a:rPr>
+                                            <m:t>+</m:t>
+                                          </m:r>
+                                          <m:sSub>
+                                            <m:sSubPr>
+                                              <m:ctrlPr>
+                                                <a:rPr lang="en-US" altLang="ja-JP" sz="1200" i="1">
+                                                  <a:latin typeface="Cambria Math" panose="02040503050406030204" pitchFamily="18" charset="0"/>
+                                                </a:rPr>
+                                              </m:ctrlPr>
+                                            </m:sSubPr>
+                                            <m:e>
+                                              <m:r>
+                                                <a:rPr lang="en-US" altLang="ja-JP" sz="1200" i="1">
+                                                  <a:latin typeface="Cambria Math" panose="02040503050406030204" pitchFamily="18" charset="0"/>
+                                                </a:rPr>
+                                                <m:t>𝐶</m:t>
+                                              </m:r>
+                                            </m:e>
+                                            <m:sub>
+                                              <m:r>
+                                                <a:rPr lang="en-US" altLang="ja-JP" sz="1200" i="1">
+                                                  <a:latin typeface="Cambria Math" panose="02040503050406030204" pitchFamily="18" charset="0"/>
+                                                </a:rPr>
+                                                <m:t>2</m:t>
+                                              </m:r>
+                                            </m:sub>
+                                          </m:sSub>
+                                          <m:sSub>
+                                            <m:sSubPr>
+                                              <m:ctrlPr>
+                                                <a:rPr lang="en-US" altLang="ja-JP" sz="1200" i="1">
+                                                  <a:latin typeface="Cambria Math" panose="02040503050406030204" pitchFamily="18" charset="0"/>
+                                                </a:rPr>
+                                              </m:ctrlPr>
+                                            </m:sSubPr>
+                                            <m:e>
+                                              <m:r>
+                                                <a:rPr lang="en-US" altLang="ja-JP" sz="1200" i="1">
+                                                  <a:latin typeface="Cambria Math" panose="02040503050406030204" pitchFamily="18" charset="0"/>
+                                                </a:rPr>
+                                                <m:t>𝑔</m:t>
+                                              </m:r>
+                                            </m:e>
+                                            <m:sub>
+                                              <m:r>
+                                                <a:rPr lang="en-US" altLang="ja-JP" sz="1200" i="1">
+                                                  <a:latin typeface="Cambria Math" panose="02040503050406030204" pitchFamily="18" charset="0"/>
+                                                </a:rPr>
+                                                <m:t>𝑐𝑒</m:t>
+                                              </m:r>
+                                              <m:r>
+                                                <a:rPr lang="en-US" altLang="ja-JP" sz="1200" i="1">
+                                                  <a:latin typeface="Cambria Math" panose="02040503050406030204" pitchFamily="18" charset="0"/>
+                                                </a:rPr>
+                                                <m:t>1</m:t>
+                                              </m:r>
+                                            </m:sub>
+                                          </m:sSub>
+                                        </m:e>
+                                      </m:d>
+                                    </m:e>
+                                  </m:d>
+                                </m:e>
+                              </m:d>
+                              <m:r>
+                                <a:rPr lang="en-US" altLang="ja-JP" sz="1200" b="0" i="1" smtClean="0">
+                                  <a:latin typeface="Cambria Math" panose="02040503050406030204" pitchFamily="18" charset="0"/>
+                                </a:rPr>
+                                <m:t>+</m:t>
+                              </m:r>
+                              <m:sSub>
+                                <m:sSubPr>
+                                  <m:ctrlPr>
+                                    <a:rPr lang="en-US" altLang="ja-JP" sz="1200" b="0" i="1" smtClean="0">
+                                      <a:latin typeface="Cambria Math" panose="02040503050406030204" pitchFamily="18" charset="0"/>
+                                    </a:rPr>
+                                  </m:ctrlPr>
+                                </m:sSubPr>
+                                <m:e>
+                                  <m:r>
+                                    <a:rPr lang="en-US" altLang="ja-JP" sz="1200" b="0" i="1" smtClean="0">
+                                      <a:latin typeface="Cambria Math" panose="02040503050406030204" pitchFamily="18" charset="0"/>
+                                    </a:rPr>
+                                    <m:t>𝐶</m:t>
+                                  </m:r>
+                                </m:e>
+                                <m:sub>
+                                  <m:r>
+                                    <a:rPr lang="en-US" altLang="ja-JP" sz="1200" b="0" i="1" smtClean="0">
+                                      <a:latin typeface="Cambria Math" panose="02040503050406030204" pitchFamily="18" charset="0"/>
+                                    </a:rPr>
+                                    <m:t>𝑗𝑐</m:t>
+                                  </m:r>
+                                  <m:r>
+                                    <a:rPr lang="en-US" altLang="ja-JP" sz="1200" b="0" i="1" smtClean="0">
+                                      <a:latin typeface="Cambria Math" panose="02040503050406030204" pitchFamily="18" charset="0"/>
+                                    </a:rPr>
+                                    <m:t>2</m:t>
+                                  </m:r>
+                                </m:sub>
+                              </m:sSub>
+                              <m:d>
+                                <m:dPr>
+                                  <m:begChr m:val=""/>
+                                  <m:endChr m:val="}"/>
+                                  <m:ctrlPr>
+                                    <a:rPr lang="en-US" altLang="ja-JP" sz="1200" b="0" i="1" smtClean="0">
+                                      <a:latin typeface="Cambria Math" panose="02040503050406030204" pitchFamily="18" charset="0"/>
+                                    </a:rPr>
+                                  </m:ctrlPr>
+                                </m:dPr>
+                                <m:e>
+                                  <m:d>
+                                    <m:dPr>
+                                      <m:begChr m:val="{"/>
+                                      <m:endChr m:val=""/>
+                                      <m:ctrlPr>
+                                        <a:rPr lang="en-US" altLang="ja-JP" sz="1200" b="0" i="1" smtClean="0">
+                                          <a:latin typeface="Cambria Math" panose="02040503050406030204" pitchFamily="18" charset="0"/>
+                                        </a:rPr>
+                                      </m:ctrlPr>
+                                    </m:dPr>
+                                    <m:e>
+                                      <m:sSub>
+                                        <m:sSubPr>
+                                          <m:ctrlPr>
+                                            <a:rPr lang="en-US" altLang="ja-JP" sz="1200" b="0" i="1" smtClean="0">
+                                              <a:latin typeface="Cambria Math" panose="02040503050406030204" pitchFamily="18" charset="0"/>
+                                            </a:rPr>
+                                          </m:ctrlPr>
+                                        </m:sSubPr>
+                                        <m:e>
+                                          <m:r>
+                                            <a:rPr lang="en-US" altLang="ja-JP" sz="1200" b="0" i="1" smtClean="0">
+                                              <a:latin typeface="Cambria Math" panose="02040503050406030204" pitchFamily="18" charset="0"/>
+                                            </a:rPr>
+                                            <m:t>𝑔</m:t>
+                                          </m:r>
+                                        </m:e>
+                                        <m:sub>
+                                          <m:r>
+                                            <a:rPr lang="en-US" altLang="ja-JP" sz="1200" b="0" i="1" smtClean="0">
+                                              <a:latin typeface="Cambria Math" panose="02040503050406030204" pitchFamily="18" charset="0"/>
+                                            </a:rPr>
+                                            <m:t>𝑚</m:t>
+                                          </m:r>
+                                          <m:r>
+                                            <a:rPr lang="en-US" altLang="ja-JP" sz="1200" b="0" i="1" smtClean="0">
+                                              <a:latin typeface="Cambria Math" panose="02040503050406030204" pitchFamily="18" charset="0"/>
+                                            </a:rPr>
+                                            <m:t>2</m:t>
+                                          </m:r>
+                                        </m:sub>
+                                      </m:sSub>
+                                      <m:d>
+                                        <m:dPr>
+                                          <m:ctrlPr>
+                                            <a:rPr lang="en-US" altLang="ja-JP" sz="1200" b="0" i="1" smtClean="0">
+                                              <a:latin typeface="Cambria Math" panose="02040503050406030204" pitchFamily="18" charset="0"/>
+                                            </a:rPr>
+                                          </m:ctrlPr>
+                                        </m:dPr>
+                                        <m:e>
+                                          <m:sSub>
+                                            <m:sSubPr>
+                                              <m:ctrlPr>
+                                                <a:rPr lang="en-US" altLang="ja-JP" sz="1200" b="0" i="1" smtClean="0">
+                                                  <a:latin typeface="Cambria Math" panose="02040503050406030204" pitchFamily="18" charset="0"/>
+                                                </a:rPr>
+                                              </m:ctrlPr>
+                                            </m:sSubPr>
+                                            <m:e>
+                                              <m:r>
+                                                <a:rPr lang="en-US" altLang="ja-JP" sz="1200" b="0" i="1" smtClean="0">
+                                                  <a:latin typeface="Cambria Math" panose="02040503050406030204" pitchFamily="18" charset="0"/>
+                                                </a:rPr>
+                                                <m:t>𝐶</m:t>
+                                              </m:r>
+                                            </m:e>
+                                            <m:sub>
+                                              <m:r>
+                                                <a:rPr lang="en-US" altLang="ja-JP" sz="1200" b="0" i="1" smtClean="0">
+                                                  <a:latin typeface="Cambria Math" panose="02040503050406030204" pitchFamily="18" charset="0"/>
+                                                </a:rPr>
+                                                <m:t>𝑃𝐷</m:t>
+                                              </m:r>
+                                            </m:sub>
+                                          </m:sSub>
+                                          <m:r>
+                                            <a:rPr lang="en-US" altLang="ja-JP" sz="1200" b="0" i="1" smtClean="0">
+                                              <a:latin typeface="Cambria Math" panose="02040503050406030204" pitchFamily="18" charset="0"/>
+                                            </a:rPr>
+                                            <m:t>+</m:t>
+                                          </m:r>
+                                          <m:sSub>
+                                            <m:sSubPr>
+                                              <m:ctrlPr>
+                                                <a:rPr lang="en-US" altLang="ja-JP" sz="1200" b="0" i="1" smtClean="0">
+                                                  <a:latin typeface="Cambria Math" panose="02040503050406030204" pitchFamily="18" charset="0"/>
+                                                </a:rPr>
+                                              </m:ctrlPr>
+                                            </m:sSubPr>
+                                            <m:e>
+                                              <m:r>
+                                                <a:rPr lang="en-US" altLang="ja-JP" sz="1200" b="0" i="1" smtClean="0">
+                                                  <a:latin typeface="Cambria Math" panose="02040503050406030204" pitchFamily="18" charset="0"/>
+                                                </a:rPr>
+                                                <m:t>𝐶</m:t>
+                                              </m:r>
+                                            </m:e>
+                                            <m:sub>
+                                              <m:r>
+                                                <a:rPr lang="en-US" altLang="ja-JP" sz="1200" b="0" i="1" smtClean="0">
+                                                  <a:latin typeface="Cambria Math" panose="02040503050406030204" pitchFamily="18" charset="0"/>
+                                                </a:rPr>
+                                                <m:t>𝑗𝑒</m:t>
+                                              </m:r>
+                                              <m:r>
+                                                <a:rPr lang="en-US" altLang="ja-JP" sz="1200" b="0" i="1" smtClean="0">
+                                                  <a:latin typeface="Cambria Math" panose="02040503050406030204" pitchFamily="18" charset="0"/>
+                                                </a:rPr>
+                                                <m:t>1</m:t>
+                                              </m:r>
+                                            </m:sub>
+                                          </m:sSub>
+                                        </m:e>
+                                      </m:d>
+                                      <m:r>
+                                        <a:rPr lang="en-US" altLang="ja-JP" sz="1200" b="0" i="1" smtClean="0">
+                                          <a:latin typeface="Cambria Math" panose="02040503050406030204" pitchFamily="18" charset="0"/>
+                                        </a:rPr>
+                                        <m:t>−</m:t>
+                                      </m:r>
+                                      <m:d>
+                                        <m:dPr>
+                                          <m:ctrlPr>
+                                            <a:rPr lang="en-US" altLang="ja-JP" sz="1200" b="0" i="1" smtClean="0">
+                                              <a:latin typeface="Cambria Math" panose="02040503050406030204" pitchFamily="18" charset="0"/>
+                                            </a:rPr>
+                                          </m:ctrlPr>
+                                        </m:dPr>
+                                        <m:e>
+                                          <m:sSub>
+                                            <m:sSubPr>
+                                              <m:ctrlPr>
+                                                <a:rPr lang="en-US" altLang="ja-JP" sz="1200" i="1">
+                                                  <a:latin typeface="Cambria Math" panose="02040503050406030204" pitchFamily="18" charset="0"/>
+                                                </a:rPr>
+                                              </m:ctrlPr>
+                                            </m:sSubPr>
+                                            <m:e>
+                                              <m:r>
+                                                <a:rPr lang="en-US" altLang="ja-JP" sz="1200" i="1">
+                                                  <a:latin typeface="Cambria Math" panose="02040503050406030204" pitchFamily="18" charset="0"/>
+                                                </a:rPr>
+                                                <m:t>𝐺</m:t>
+                                              </m:r>
+                                            </m:e>
+                                            <m:sub>
+                                              <m:r>
+                                                <a:rPr lang="en-US" altLang="ja-JP" sz="1200" i="1">
+                                                  <a:latin typeface="Cambria Math" panose="02040503050406030204" pitchFamily="18" charset="0"/>
+                                                </a:rPr>
+                                                <m:t>𝐸</m:t>
+                                              </m:r>
+                                              <m:r>
+                                                <a:rPr lang="en-US" altLang="ja-JP" sz="1200" i="1">
+                                                  <a:latin typeface="Cambria Math" panose="02040503050406030204" pitchFamily="18" charset="0"/>
+                                                </a:rPr>
+                                                <m:t>1</m:t>
+                                              </m:r>
+                                            </m:sub>
+                                          </m:sSub>
+                                          <m:r>
+                                            <a:rPr lang="en-US" altLang="ja-JP" sz="1200" i="1">
+                                              <a:latin typeface="Cambria Math" panose="02040503050406030204" pitchFamily="18" charset="0"/>
+                                            </a:rPr>
+                                            <m:t>+</m:t>
+                                          </m:r>
+                                          <m:sSub>
+                                            <m:sSubPr>
+                                              <m:ctrlPr>
+                                                <a:rPr lang="en-US" altLang="ja-JP" sz="1200" i="1">
+                                                  <a:latin typeface="Cambria Math" panose="02040503050406030204" pitchFamily="18" charset="0"/>
+                                                </a:rPr>
+                                              </m:ctrlPr>
+                                            </m:sSubPr>
+                                            <m:e>
+                                              <m:r>
+                                                <a:rPr lang="en-US" altLang="ja-JP" sz="1200" i="1">
+                                                  <a:latin typeface="Cambria Math" panose="02040503050406030204" pitchFamily="18" charset="0"/>
+                                                </a:rPr>
+                                                <m:t>𝑔</m:t>
+                                              </m:r>
+                                            </m:e>
+                                            <m:sub>
+                                              <m:r>
+                                                <a:rPr lang="en-US" altLang="ja-JP" sz="1200" i="1">
+                                                  <a:latin typeface="Cambria Math" panose="02040503050406030204" pitchFamily="18" charset="0"/>
+                                                </a:rPr>
+                                                <m:t>𝑚</m:t>
+                                              </m:r>
+                                              <m:r>
+                                                <a:rPr lang="en-US" altLang="ja-JP" sz="1200" i="1">
+                                                  <a:latin typeface="Cambria Math" panose="02040503050406030204" pitchFamily="18" charset="0"/>
+                                                </a:rPr>
+                                                <m:t>1</m:t>
+                                              </m:r>
+                                            </m:sub>
+                                          </m:sSub>
+                                          <m:r>
+                                            <a:rPr lang="en-US" altLang="ja-JP" sz="1200" i="1">
+                                              <a:latin typeface="Cambria Math" panose="02040503050406030204" pitchFamily="18" charset="0"/>
+                                            </a:rPr>
+                                            <m:t>+</m:t>
+                                          </m:r>
+                                          <m:sSub>
+                                            <m:sSubPr>
+                                              <m:ctrlPr>
+                                                <a:rPr lang="en-US" altLang="ja-JP" sz="1200" i="1">
+                                                  <a:latin typeface="Cambria Math" panose="02040503050406030204" pitchFamily="18" charset="0"/>
+                                                </a:rPr>
+                                              </m:ctrlPr>
+                                            </m:sSubPr>
+                                            <m:e>
+                                              <m:r>
+                                                <a:rPr lang="en-US" altLang="ja-JP" sz="1200" i="1">
+                                                  <a:latin typeface="Cambria Math" panose="02040503050406030204" pitchFamily="18" charset="0"/>
+                                                </a:rPr>
+                                                <m:t>𝑔</m:t>
+                                              </m:r>
+                                            </m:e>
+                                            <m:sub>
+                                              <m:r>
+                                                <a:rPr lang="en-US" altLang="ja-JP" sz="1200" i="1">
+                                                  <a:latin typeface="Cambria Math" panose="02040503050406030204" pitchFamily="18" charset="0"/>
+                                                </a:rPr>
+                                                <m:t>𝑐</m:t>
+                                              </m:r>
+                                              <m:r>
+                                                <a:rPr lang="en-US" altLang="ja-JP" sz="1200" i="1">
+                                                  <a:latin typeface="Cambria Math" panose="02040503050406030204" pitchFamily="18" charset="0"/>
+                                                </a:rPr>
+                                                <m:t>1</m:t>
+                                              </m:r>
+                                            </m:sub>
+                                          </m:sSub>
+                                        </m:e>
+                                      </m:d>
+                                      <m:sSub>
+                                        <m:sSubPr>
+                                          <m:ctrlPr>
+                                            <a:rPr lang="en-US" altLang="ja-JP" sz="1200" b="0" i="1" smtClean="0">
+                                              <a:latin typeface="Cambria Math" panose="02040503050406030204" pitchFamily="18" charset="0"/>
+                                            </a:rPr>
+                                          </m:ctrlPr>
+                                        </m:sSubPr>
+                                        <m:e>
+                                          <m:r>
+                                            <a:rPr lang="en-US" altLang="ja-JP" sz="1200" b="0" i="1" smtClean="0">
+                                              <a:latin typeface="Cambria Math" panose="02040503050406030204" pitchFamily="18" charset="0"/>
+                                            </a:rPr>
+                                            <m:t>𝐶</m:t>
+                                          </m:r>
+                                        </m:e>
+                                        <m:sub>
+                                          <m:r>
+                                            <a:rPr lang="en-US" altLang="ja-JP" sz="1200" b="0" i="1" smtClean="0">
+                                              <a:latin typeface="Cambria Math" panose="02040503050406030204" pitchFamily="18" charset="0"/>
+                                            </a:rPr>
+                                            <m:t>𝑗𝑐</m:t>
+                                          </m:r>
+                                          <m:r>
+                                            <a:rPr lang="en-US" altLang="ja-JP" sz="1200" b="0" i="1" smtClean="0">
+                                              <a:latin typeface="Cambria Math" panose="02040503050406030204" pitchFamily="18" charset="0"/>
+                                            </a:rPr>
+                                            <m:t>2</m:t>
+                                          </m:r>
+                                        </m:sub>
+                                      </m:sSub>
+                                    </m:e>
+                                  </m:d>
+                                </m:e>
+                              </m:d>
+                            </m:e>
+                          </m:d>
+                        </m:e>
+                      </m:d>
+                    </m:oMath>
+                  </m:oMathPara>
+                </a14:m>
+                <a:endParaRPr lang="en-US" altLang="ja-JP" sz="1200" b="0" dirty="0">
+                  <a:latin typeface="Times Newer Roman" panose="00000500000000000000" pitchFamily="50" charset="0"/>
+                </a:endParaRPr>
+              </a:p>
+              <a:p>
+                <a:pPr/>
+                <a14:m>
+                  <m:oMathPara xmlns:m="http://schemas.openxmlformats.org/officeDocument/2006/math">
+                    <m:oMathParaPr>
+                      <m:jc m:val="centerGroup"/>
+                    </m:oMathParaPr>
+                    <m:oMath xmlns:m="http://schemas.openxmlformats.org/officeDocument/2006/math">
+                      <m:sSub>
+                        <m:sSubPr>
+                          <m:ctrlPr>
+                            <a:rPr lang="en-US" altLang="ja-JP" sz="1200" b="0" i="1" smtClean="0">
+                              <a:latin typeface="Cambria Math" panose="02040503050406030204" pitchFamily="18" charset="0"/>
+                            </a:rPr>
+                          </m:ctrlPr>
+                        </m:sSubPr>
+                        <m:e>
+                          <m:r>
+                            <a:rPr lang="en-US" altLang="ja-JP" sz="1200" b="0" i="1" smtClean="0">
+                              <a:latin typeface="Cambria Math" panose="02040503050406030204" pitchFamily="18" charset="0"/>
+                            </a:rPr>
+                            <m:t>𝐶</m:t>
+                          </m:r>
+                        </m:e>
+                        <m:sub>
+                          <m:r>
+                            <a:rPr lang="en-US" altLang="ja-JP" sz="1200" b="0" i="1" smtClean="0">
+                              <a:latin typeface="Cambria Math" panose="02040503050406030204" pitchFamily="18" charset="0"/>
+                            </a:rPr>
+                            <m:t>24</m:t>
+                          </m:r>
+                        </m:sub>
+                      </m:sSub>
+                      <m:r>
+                        <a:rPr lang="en-US" altLang="ja-JP" sz="1200" b="0" i="1" smtClean="0">
+                          <a:latin typeface="Cambria Math" panose="02040503050406030204" pitchFamily="18" charset="0"/>
+                        </a:rPr>
+                        <m:t>=</m:t>
+                      </m:r>
+                      <m:sSubSup>
+                        <m:sSubSupPr>
+                          <m:ctrlPr>
+                            <a:rPr lang="en-US" altLang="ja-JP" sz="1200" b="0" i="1" smtClean="0">
+                              <a:latin typeface="Cambria Math" panose="02040503050406030204" pitchFamily="18" charset="0"/>
+                            </a:rPr>
+                          </m:ctrlPr>
+                        </m:sSubSupPr>
+                        <m:e>
+                          <m:r>
+                            <a:rPr lang="en-US" altLang="ja-JP" sz="1200" b="0" i="1" smtClean="0">
+                              <a:latin typeface="Cambria Math" panose="02040503050406030204" pitchFamily="18" charset="0"/>
+                            </a:rPr>
+                            <m:t>𝐶</m:t>
+                          </m:r>
+                        </m:e>
+                        <m:sub>
+                          <m:r>
+                            <a:rPr lang="en-US" altLang="ja-JP" sz="1200" b="0" i="1" smtClean="0">
+                              <a:latin typeface="Cambria Math" panose="02040503050406030204" pitchFamily="18" charset="0"/>
+                            </a:rPr>
+                            <m:t>1</m:t>
+                          </m:r>
+                        </m:sub>
+                        <m:sup>
+                          <m:r>
+                            <a:rPr lang="en-US" altLang="ja-JP" sz="1200" b="0" i="1" smtClean="0">
+                              <a:latin typeface="Cambria Math" panose="02040503050406030204" pitchFamily="18" charset="0"/>
+                            </a:rPr>
+                            <m:t>2</m:t>
+                          </m:r>
+                        </m:sup>
+                      </m:sSubSup>
+                      <m:sSub>
+                        <m:sSubPr>
+                          <m:ctrlPr>
+                            <a:rPr lang="en-US" altLang="ja-JP" sz="1200" b="0" i="1" smtClean="0">
+                              <a:latin typeface="Cambria Math" panose="02040503050406030204" pitchFamily="18" charset="0"/>
+                            </a:rPr>
+                          </m:ctrlPr>
+                        </m:sSubPr>
+                        <m:e>
+                          <m:r>
+                            <a:rPr lang="en-US" altLang="ja-JP" sz="1200" b="0" i="1" smtClean="0">
+                              <a:latin typeface="Cambria Math" panose="02040503050406030204" pitchFamily="18" charset="0"/>
+                            </a:rPr>
+                            <m:t>𝐶</m:t>
+                          </m:r>
+                        </m:e>
+                        <m:sub>
+                          <m:r>
+                            <a:rPr lang="en-US" altLang="ja-JP" sz="1200" b="0" i="1" smtClean="0">
+                              <a:latin typeface="Cambria Math" panose="02040503050406030204" pitchFamily="18" charset="0"/>
+                            </a:rPr>
+                            <m:t>𝑗𝑐</m:t>
+                          </m:r>
+                          <m:r>
+                            <a:rPr lang="en-US" altLang="ja-JP" sz="1200" b="0" i="1" smtClean="0">
+                              <a:latin typeface="Cambria Math" panose="02040503050406030204" pitchFamily="18" charset="0"/>
+                            </a:rPr>
+                            <m:t>2</m:t>
+                          </m:r>
+                        </m:sub>
+                      </m:sSub>
+                      <m:d>
+                        <m:dPr>
+                          <m:ctrlPr>
+                            <a:rPr lang="en-US" altLang="ja-JP" sz="1200" b="0" i="1" smtClean="0">
+                              <a:latin typeface="Cambria Math" panose="02040503050406030204" pitchFamily="18" charset="0"/>
+                            </a:rPr>
+                          </m:ctrlPr>
+                        </m:dPr>
+                        <m:e>
+                          <m:sSub>
+                            <m:sSubPr>
+                              <m:ctrlPr>
+                                <a:rPr lang="en-US" altLang="ja-JP" sz="1200" b="0" i="1" smtClean="0">
+                                  <a:latin typeface="Cambria Math" panose="02040503050406030204" pitchFamily="18" charset="0"/>
+                                </a:rPr>
+                              </m:ctrlPr>
+                            </m:sSubPr>
+                            <m:e>
+                              <m:r>
+                                <a:rPr lang="en-US" altLang="ja-JP" sz="1200" b="0" i="1" smtClean="0">
+                                  <a:latin typeface="Cambria Math" panose="02040503050406030204" pitchFamily="18" charset="0"/>
+                                </a:rPr>
+                                <m:t>𝐶</m:t>
+                              </m:r>
+                            </m:e>
+                            <m:sub>
+                              <m:r>
+                                <a:rPr lang="en-US" altLang="ja-JP" sz="1200" b="0" i="1" smtClean="0">
+                                  <a:latin typeface="Cambria Math" panose="02040503050406030204" pitchFamily="18" charset="0"/>
+                                </a:rPr>
+                                <m:t>2</m:t>
+                              </m:r>
+                            </m:sub>
+                          </m:sSub>
+                          <m:r>
+                            <a:rPr lang="en-US" altLang="ja-JP" sz="1200" b="0" i="1" smtClean="0">
+                              <a:latin typeface="Cambria Math" panose="02040503050406030204" pitchFamily="18" charset="0"/>
+                            </a:rPr>
+                            <m:t>−</m:t>
+                          </m:r>
+                          <m:sSub>
+                            <m:sSubPr>
+                              <m:ctrlPr>
+                                <a:rPr lang="en-US" altLang="ja-JP" sz="1200" b="0" i="1" smtClean="0">
+                                  <a:latin typeface="Cambria Math" panose="02040503050406030204" pitchFamily="18" charset="0"/>
+                                </a:rPr>
+                              </m:ctrlPr>
+                            </m:sSubPr>
+                            <m:e>
+                              <m:r>
+                                <a:rPr lang="en-US" altLang="ja-JP" sz="1200" b="0" i="1" smtClean="0">
+                                  <a:latin typeface="Cambria Math" panose="02040503050406030204" pitchFamily="18" charset="0"/>
+                                </a:rPr>
+                                <m:t>𝐶</m:t>
+                              </m:r>
+                            </m:e>
+                            <m:sub>
+                              <m:r>
+                                <a:rPr lang="en-US" altLang="ja-JP" sz="1200" b="0" i="1" smtClean="0">
+                                  <a:latin typeface="Cambria Math" panose="02040503050406030204" pitchFamily="18" charset="0"/>
+                                </a:rPr>
+                                <m:t>𝑗𝑐</m:t>
+                              </m:r>
+                              <m:r>
+                                <a:rPr lang="en-US" altLang="ja-JP" sz="1200" b="0" i="1" smtClean="0">
+                                  <a:latin typeface="Cambria Math" panose="02040503050406030204" pitchFamily="18" charset="0"/>
+                                </a:rPr>
+                                <m:t>2</m:t>
+                              </m:r>
+                            </m:sub>
+                          </m:sSub>
+                        </m:e>
+                      </m:d>
+                      <m:r>
+                        <a:rPr lang="en-US" altLang="ja-JP" sz="1200" b="0" i="1" smtClean="0">
+                          <a:latin typeface="Cambria Math" panose="02040503050406030204" pitchFamily="18" charset="0"/>
+                        </a:rPr>
+                        <m:t>=</m:t>
+                      </m:r>
+                      <m:sSup>
+                        <m:sSupPr>
+                          <m:ctrlPr>
+                            <a:rPr lang="en-US" altLang="ja-JP" sz="1200" b="0" i="1" smtClean="0">
+                              <a:latin typeface="Cambria Math" panose="02040503050406030204" pitchFamily="18" charset="0"/>
+                            </a:rPr>
+                          </m:ctrlPr>
+                        </m:sSupPr>
+                        <m:e>
+                          <m:d>
+                            <m:dPr>
+                              <m:ctrlPr>
+                                <a:rPr lang="en-US" altLang="ja-JP" sz="1200" b="0" i="1" smtClean="0">
+                                  <a:latin typeface="Cambria Math" panose="02040503050406030204" pitchFamily="18" charset="0"/>
+                                </a:rPr>
+                              </m:ctrlPr>
+                            </m:dPr>
+                            <m:e>
+                              <m:sSub>
+                                <m:sSubPr>
+                                  <m:ctrlPr>
+                                    <a:rPr lang="en-US" altLang="ja-JP" sz="1200" b="0" i="1" smtClean="0">
+                                      <a:latin typeface="Cambria Math" panose="02040503050406030204" pitchFamily="18" charset="0"/>
+                                    </a:rPr>
+                                  </m:ctrlPr>
+                                </m:sSubPr>
+                                <m:e>
+                                  <m:r>
+                                    <a:rPr lang="en-US" altLang="ja-JP" sz="1200" b="0" i="1" smtClean="0">
+                                      <a:latin typeface="Cambria Math" panose="02040503050406030204" pitchFamily="18" charset="0"/>
+                                    </a:rPr>
+                                    <m:t>𝐶</m:t>
+                                  </m:r>
+                                </m:e>
+                                <m:sub>
+                                  <m:r>
+                                    <a:rPr lang="en-US" altLang="ja-JP" sz="1200" b="0" i="1" smtClean="0">
+                                      <a:latin typeface="Cambria Math" panose="02040503050406030204" pitchFamily="18" charset="0"/>
+                                    </a:rPr>
+                                    <m:t>𝑃𝐷</m:t>
+                                  </m:r>
+                                </m:sub>
+                              </m:sSub>
+                              <m:r>
+                                <a:rPr lang="en-US" altLang="ja-JP" sz="1200" b="0" i="1" smtClean="0">
+                                  <a:latin typeface="Cambria Math" panose="02040503050406030204" pitchFamily="18" charset="0"/>
+                                </a:rPr>
+                                <m:t>+</m:t>
+                              </m:r>
+                              <m:sSub>
+                                <m:sSubPr>
+                                  <m:ctrlPr>
+                                    <a:rPr lang="en-US" altLang="ja-JP" sz="1200" b="0" i="1" smtClean="0">
+                                      <a:latin typeface="Cambria Math" panose="02040503050406030204" pitchFamily="18" charset="0"/>
+                                    </a:rPr>
+                                  </m:ctrlPr>
+                                </m:sSubPr>
+                                <m:e>
+                                  <m:r>
+                                    <a:rPr lang="en-US" altLang="ja-JP" sz="1200" b="0" i="1" smtClean="0">
+                                      <a:latin typeface="Cambria Math" panose="02040503050406030204" pitchFamily="18" charset="0"/>
+                                    </a:rPr>
+                                    <m:t>𝐶</m:t>
+                                  </m:r>
+                                </m:e>
+                                <m:sub>
+                                  <m:r>
+                                    <a:rPr lang="en-US" altLang="ja-JP" sz="1200" b="0" i="1" smtClean="0">
+                                      <a:latin typeface="Cambria Math" panose="02040503050406030204" pitchFamily="18" charset="0"/>
+                                    </a:rPr>
+                                    <m:t>𝑗𝑒</m:t>
+                                  </m:r>
+                                  <m:r>
+                                    <a:rPr lang="en-US" altLang="ja-JP" sz="1200" b="0" i="1" smtClean="0">
+                                      <a:latin typeface="Cambria Math" panose="02040503050406030204" pitchFamily="18" charset="0"/>
+                                    </a:rPr>
+                                    <m:t>1</m:t>
+                                  </m:r>
+                                </m:sub>
+                              </m:sSub>
+                            </m:e>
+                          </m:d>
+                        </m:e>
+                        <m:sup>
+                          <m:r>
+                            <a:rPr lang="en-US" altLang="ja-JP" sz="1200" b="0" i="1" smtClean="0">
+                              <a:latin typeface="Cambria Math" panose="02040503050406030204" pitchFamily="18" charset="0"/>
+                            </a:rPr>
+                            <m:t>2</m:t>
+                          </m:r>
+                        </m:sup>
+                      </m:sSup>
+                      <m:sSub>
+                        <m:sSubPr>
+                          <m:ctrlPr>
+                            <a:rPr lang="en-US" altLang="ja-JP" sz="1200" b="0" i="1" smtClean="0">
+                              <a:latin typeface="Cambria Math" panose="02040503050406030204" pitchFamily="18" charset="0"/>
+                            </a:rPr>
+                          </m:ctrlPr>
+                        </m:sSubPr>
+                        <m:e>
+                          <m:r>
+                            <a:rPr lang="en-US" altLang="ja-JP" sz="1200" b="0" i="1" smtClean="0">
+                              <a:latin typeface="Cambria Math" panose="02040503050406030204" pitchFamily="18" charset="0"/>
+                            </a:rPr>
+                            <m:t>𝐶</m:t>
+                          </m:r>
+                        </m:e>
+                        <m:sub>
+                          <m:r>
+                            <a:rPr lang="en-US" altLang="ja-JP" sz="1200" b="0" i="1" smtClean="0">
+                              <a:latin typeface="Cambria Math" panose="02040503050406030204" pitchFamily="18" charset="0"/>
+                            </a:rPr>
+                            <m:t>𝑗𝑐</m:t>
+                          </m:r>
+                          <m:r>
+                            <a:rPr lang="en-US" altLang="ja-JP" sz="1200" b="0" i="1" smtClean="0">
+                              <a:latin typeface="Cambria Math" panose="02040503050406030204" pitchFamily="18" charset="0"/>
+                            </a:rPr>
+                            <m:t>2</m:t>
+                          </m:r>
+                        </m:sub>
+                      </m:sSub>
+                      <m:r>
+                        <a:rPr lang="en-US" altLang="ja-JP" sz="1200" b="0" i="1" smtClean="0">
+                          <a:latin typeface="Cambria Math" panose="02040503050406030204" pitchFamily="18" charset="0"/>
+                        </a:rPr>
+                        <m:t>(</m:t>
+                      </m:r>
+                      <m:sSub>
+                        <m:sSubPr>
+                          <m:ctrlPr>
+                            <a:rPr lang="en-US" altLang="ja-JP" sz="1200" b="0" i="1" smtClean="0">
+                              <a:latin typeface="Cambria Math" panose="02040503050406030204" pitchFamily="18" charset="0"/>
+                            </a:rPr>
+                          </m:ctrlPr>
+                        </m:sSubPr>
+                        <m:e>
+                          <m:r>
+                            <a:rPr lang="en-US" altLang="ja-JP" sz="1200" b="0" i="1" smtClean="0">
+                              <a:latin typeface="Cambria Math" panose="02040503050406030204" pitchFamily="18" charset="0"/>
+                            </a:rPr>
+                            <m:t>𝐶</m:t>
+                          </m:r>
+                        </m:e>
+                        <m:sub>
+                          <m:r>
+                            <a:rPr lang="en-US" altLang="ja-JP" sz="1200" b="0" i="1" smtClean="0">
+                              <a:latin typeface="Cambria Math" panose="02040503050406030204" pitchFamily="18" charset="0"/>
+                            </a:rPr>
+                            <m:t>𝑐𝑗</m:t>
+                          </m:r>
+                          <m:r>
+                            <a:rPr lang="en-US" altLang="ja-JP" sz="1200" b="0" i="1" smtClean="0">
+                              <a:latin typeface="Cambria Math" panose="02040503050406030204" pitchFamily="18" charset="0"/>
+                            </a:rPr>
+                            <m:t>1</m:t>
+                          </m:r>
+                        </m:sub>
+                      </m:sSub>
+                      <m:r>
+                        <a:rPr lang="en-US" altLang="ja-JP" sz="1200" b="0" i="1" smtClean="0">
+                          <a:latin typeface="Cambria Math" panose="02040503050406030204" pitchFamily="18" charset="0"/>
+                        </a:rPr>
+                        <m:t>+</m:t>
+                      </m:r>
+                      <m:sSub>
+                        <m:sSubPr>
+                          <m:ctrlPr>
+                            <a:rPr lang="en-US" altLang="ja-JP" sz="1200" b="0" i="1" smtClean="0">
+                              <a:latin typeface="Cambria Math" panose="02040503050406030204" pitchFamily="18" charset="0"/>
+                            </a:rPr>
+                          </m:ctrlPr>
+                        </m:sSubPr>
+                        <m:e>
+                          <m:r>
+                            <a:rPr lang="en-US" altLang="ja-JP" sz="1200" b="0" i="1" smtClean="0">
+                              <a:latin typeface="Cambria Math" panose="02040503050406030204" pitchFamily="18" charset="0"/>
+                            </a:rPr>
+                            <m:t>𝐶</m:t>
+                          </m:r>
+                        </m:e>
+                        <m:sub>
+                          <m:r>
+                            <a:rPr lang="en-US" altLang="ja-JP" sz="1200" b="0" i="1" smtClean="0">
+                              <a:latin typeface="Cambria Math" panose="02040503050406030204" pitchFamily="18" charset="0"/>
+                            </a:rPr>
+                            <m:t>𝑗𝑒</m:t>
+                          </m:r>
+                          <m:r>
+                            <a:rPr lang="en-US" altLang="ja-JP" sz="1200" b="0" i="1" smtClean="0">
+                              <a:latin typeface="Cambria Math" panose="02040503050406030204" pitchFamily="18" charset="0"/>
+                            </a:rPr>
+                            <m:t>2</m:t>
+                          </m:r>
+                        </m:sub>
+                      </m:sSub>
+                      <m:r>
+                        <a:rPr lang="en-US" altLang="ja-JP" sz="1200" b="0" i="1" smtClean="0">
+                          <a:latin typeface="Cambria Math" panose="02040503050406030204" pitchFamily="18" charset="0"/>
+                        </a:rPr>
+                        <m:t>)</m:t>
+                      </m:r>
+                    </m:oMath>
+                  </m:oMathPara>
+                </a14:m>
+                <a:endParaRPr lang="en-US" altLang="ja-JP" sz="1200" dirty="0">
+                  <a:latin typeface="Times Newer Roman" panose="00000500000000000000" pitchFamily="50" charset="0"/>
+                </a:endParaRPr>
+              </a:p>
+              <a:p>
+                <a:pPr/>
                 <a:endParaRPr kumimoji="1" lang="ja-JP" altLang="en-US" sz="1200" dirty="0">
                   <a:latin typeface="Times Newer Roman" panose="00000500000000000000" pitchFamily="50" charset="0"/>
                 </a:endParaRPr>
@@ -16229,7 +21523,7 @@
             <p:spPr>
               <a:xfrm>
                 <a:off x="133350" y="1515470"/>
-                <a:ext cx="11925300" cy="2331792"/>
+                <a:ext cx="11925300" cy="5229830"/>
               </a:xfrm>
               <a:prstGeom prst="rect">
                 <a:avLst/>
@@ -16237,7 +21531,625 @@
               <a:blipFill>
                 <a:blip r:embed="rId2"/>
                 <a:stretch>
-                  <a:fillRect t="-12827" b="-14398"/>
+                  <a:fillRect t="-5711" b="-6876"/>
+                </a:stretch>
+              </a:blipFill>
+            </p:spPr>
+            <p:txBody>
+              <a:bodyPr/>
+              <a:lstStyle/>
+              <a:p>
+                <a:r>
+                  <a:rPr lang="ja-JP" altLang="en-US">
+                    <a:noFill/>
+                  </a:rPr>
+                  <a:t> </a:t>
+                </a:r>
+              </a:p>
+            </p:txBody>
+          </p:sp>
+        </mc:Fallback>
+      </mc:AlternateContent>
+      <mc:AlternateContent xmlns:mc="http://schemas.openxmlformats.org/markup-compatibility/2006">
+        <mc:Choice xmlns:a14="http://schemas.microsoft.com/office/drawing/2010/main" Requires="a14">
+          <p:sp>
+            <p:nvSpPr>
+              <p:cNvPr id="8" name="テキスト ボックス 7">
+                <a:extLst>
+                  <a:ext uri="{FF2B5EF4-FFF2-40B4-BE49-F238E27FC236}">
+                    <a16:creationId xmlns:a16="http://schemas.microsoft.com/office/drawing/2014/main" id="{1BC86E03-616A-00A0-9727-8D901798A7FD}"/>
+                  </a:ext>
+                </a:extLst>
+              </p:cNvPr>
+              <p:cNvSpPr txBox="1"/>
+              <p:nvPr/>
+            </p:nvSpPr>
+            <p:spPr>
+              <a:xfrm>
+                <a:off x="53340" y="1209183"/>
+                <a:ext cx="12138660" cy="391646"/>
+              </a:xfrm>
+              <a:prstGeom prst="rect">
+                <a:avLst/>
+              </a:prstGeom>
+              <a:noFill/>
+            </p:spPr>
+            <p:txBody>
+              <a:bodyPr wrap="square">
+                <a:spAutoFit/>
+              </a:bodyPr>
+              <a:lstStyle/>
+              <a:p>
+                <a14:m>
+                  <m:oMath xmlns:m="http://schemas.openxmlformats.org/officeDocument/2006/math">
+                    <m:sSub>
+                      <m:sSubPr>
+                        <m:ctrlPr>
+                          <a:rPr lang="en-US" altLang="ja-JP" i="1" smtClean="0">
+                            <a:latin typeface="Cambria Math" panose="02040503050406030204" pitchFamily="18" charset="0"/>
+                          </a:rPr>
+                        </m:ctrlPr>
+                      </m:sSubPr>
+                      <m:e>
+                        <m:r>
+                          <a:rPr lang="en-US" altLang="ja-JP" i="1">
+                            <a:latin typeface="Cambria Math" panose="02040503050406030204" pitchFamily="18" charset="0"/>
+                          </a:rPr>
+                          <m:t>𝐺</m:t>
+                        </m:r>
+                      </m:e>
+                      <m:sub>
+                        <m:r>
+                          <a:rPr lang="en-US" altLang="ja-JP" i="1">
+                            <a:latin typeface="Cambria Math" panose="02040503050406030204" pitchFamily="18" charset="0"/>
+                          </a:rPr>
+                          <m:t>1</m:t>
+                        </m:r>
+                      </m:sub>
+                    </m:sSub>
+                    <m:r>
+                      <a:rPr lang="en-US" altLang="ja-JP" b="0" i="1" smtClean="0">
+                        <a:latin typeface="Cambria Math" panose="02040503050406030204" pitchFamily="18" charset="0"/>
+                      </a:rPr>
+                      <m:t>≔</m:t>
+                    </m:r>
+                    <m:sSub>
+                      <m:sSubPr>
+                        <m:ctrlPr>
+                          <a:rPr kumimoji="1" lang="en-US" altLang="ja-JP" b="0" i="1" smtClean="0">
+                            <a:latin typeface="Cambria Math" panose="02040503050406030204" pitchFamily="18" charset="0"/>
+                          </a:rPr>
+                        </m:ctrlPr>
+                      </m:sSubPr>
+                      <m:e>
+                        <m:r>
+                          <a:rPr kumimoji="1" lang="en-US" altLang="ja-JP" b="0" i="1" smtClean="0">
+                            <a:latin typeface="Cambria Math" panose="02040503050406030204" pitchFamily="18" charset="0"/>
+                          </a:rPr>
+                          <m:t>𝐺</m:t>
+                        </m:r>
+                      </m:e>
+                      <m:sub>
+                        <m:r>
+                          <a:rPr kumimoji="1" lang="en-US" altLang="ja-JP" b="0" i="1" smtClean="0">
+                            <a:latin typeface="Cambria Math" panose="02040503050406030204" pitchFamily="18" charset="0"/>
+                          </a:rPr>
+                          <m:t>𝐸</m:t>
+                        </m:r>
+                        <m:r>
+                          <a:rPr kumimoji="1" lang="en-US" altLang="ja-JP" b="0" i="1" smtClean="0">
+                            <a:latin typeface="Cambria Math" panose="02040503050406030204" pitchFamily="18" charset="0"/>
+                          </a:rPr>
+                          <m:t>1</m:t>
+                        </m:r>
+                      </m:sub>
+                    </m:sSub>
+                    <m:r>
+                      <a:rPr kumimoji="1" lang="en-US" altLang="ja-JP" b="0" i="1" smtClean="0">
+                        <a:latin typeface="Cambria Math" panose="02040503050406030204" pitchFamily="18" charset="0"/>
+                      </a:rPr>
+                      <m:t>+</m:t>
+                    </m:r>
+                    <m:sSub>
+                      <m:sSubPr>
+                        <m:ctrlPr>
+                          <a:rPr kumimoji="1" lang="en-US" altLang="ja-JP" b="0" i="1" smtClean="0">
+                            <a:latin typeface="Cambria Math" panose="02040503050406030204" pitchFamily="18" charset="0"/>
+                          </a:rPr>
+                        </m:ctrlPr>
+                      </m:sSubPr>
+                      <m:e>
+                        <m:r>
+                          <a:rPr kumimoji="1" lang="en-US" altLang="ja-JP" b="0" i="1" smtClean="0">
+                            <a:latin typeface="Cambria Math" panose="02040503050406030204" pitchFamily="18" charset="0"/>
+                          </a:rPr>
+                          <m:t>𝑔</m:t>
+                        </m:r>
+                      </m:e>
+                      <m:sub>
+                        <m:r>
+                          <a:rPr kumimoji="1" lang="en-US" altLang="ja-JP" b="0" i="1" smtClean="0">
+                            <a:latin typeface="Cambria Math" panose="02040503050406030204" pitchFamily="18" charset="0"/>
+                          </a:rPr>
+                          <m:t>𝑚</m:t>
+                        </m:r>
+                        <m:r>
+                          <a:rPr kumimoji="1" lang="en-US" altLang="ja-JP" b="0" i="1" smtClean="0">
+                            <a:latin typeface="Cambria Math" panose="02040503050406030204" pitchFamily="18" charset="0"/>
+                          </a:rPr>
+                          <m:t>1</m:t>
+                        </m:r>
+                      </m:sub>
+                    </m:sSub>
+                    <m:r>
+                      <a:rPr kumimoji="1" lang="en-US" altLang="ja-JP" b="0" i="1" smtClean="0">
+                        <a:latin typeface="Cambria Math" panose="02040503050406030204" pitchFamily="18" charset="0"/>
+                      </a:rPr>
+                      <m:t>+</m:t>
+                    </m:r>
+                    <m:sSub>
+                      <m:sSubPr>
+                        <m:ctrlPr>
+                          <a:rPr kumimoji="1" lang="en-US" altLang="ja-JP" b="0" i="1" smtClean="0">
+                            <a:latin typeface="Cambria Math" panose="02040503050406030204" pitchFamily="18" charset="0"/>
+                          </a:rPr>
+                        </m:ctrlPr>
+                      </m:sSubPr>
+                      <m:e>
+                        <m:r>
+                          <a:rPr kumimoji="1" lang="en-US" altLang="ja-JP" b="0" i="1" smtClean="0">
+                            <a:latin typeface="Cambria Math" panose="02040503050406030204" pitchFamily="18" charset="0"/>
+                          </a:rPr>
+                          <m:t>𝑔</m:t>
+                        </m:r>
+                      </m:e>
+                      <m:sub>
+                        <m:r>
+                          <a:rPr kumimoji="1" lang="en-US" altLang="ja-JP" b="0" i="1" smtClean="0">
+                            <a:latin typeface="Cambria Math" panose="02040503050406030204" pitchFamily="18" charset="0"/>
+                          </a:rPr>
+                          <m:t>𝑐</m:t>
+                        </m:r>
+                        <m:r>
+                          <a:rPr kumimoji="1" lang="en-US" altLang="ja-JP" b="0" i="1" smtClean="0">
+                            <a:latin typeface="Cambria Math" panose="02040503050406030204" pitchFamily="18" charset="0"/>
+                          </a:rPr>
+                          <m:t>1</m:t>
+                        </m:r>
+                      </m:sub>
+                    </m:sSub>
+                  </m:oMath>
+                </a14:m>
+                <a:r>
+                  <a:rPr kumimoji="1" lang="en-US" altLang="ja-JP" dirty="0">
+                    <a:latin typeface="Times Newer Roman" panose="00000500000000000000" pitchFamily="50" charset="0"/>
+                  </a:rPr>
+                  <a:t>	</a:t>
+                </a:r>
+                <a14:m>
+                  <m:oMath xmlns:m="http://schemas.openxmlformats.org/officeDocument/2006/math">
+                    <m:sSub>
+                      <m:sSubPr>
+                        <m:ctrlPr>
+                          <a:rPr lang="en-US" altLang="ja-JP" i="1">
+                            <a:latin typeface="Cambria Math" panose="02040503050406030204" pitchFamily="18" charset="0"/>
+                          </a:rPr>
+                        </m:ctrlPr>
+                      </m:sSubPr>
+                      <m:e>
+                        <m:r>
+                          <m:rPr>
+                            <m:sty m:val="p"/>
+                          </m:rPr>
+                          <a:rPr lang="en-US" altLang="ja-JP">
+                            <a:latin typeface="Cambria Math" panose="02040503050406030204" pitchFamily="18" charset="0"/>
+                          </a:rPr>
+                          <m:t>G</m:t>
+                        </m:r>
+                      </m:e>
+                      <m:sub>
+                        <m:r>
+                          <a:rPr lang="en-US" altLang="ja-JP">
+                            <a:latin typeface="Cambria Math" panose="02040503050406030204" pitchFamily="18" charset="0"/>
+                          </a:rPr>
+                          <m:t>2</m:t>
+                        </m:r>
+                      </m:sub>
+                    </m:sSub>
+                    <m:r>
+                      <a:rPr lang="en-US" altLang="ja-JP" b="0" i="1" smtClean="0">
+                        <a:latin typeface="Cambria Math" panose="02040503050406030204" pitchFamily="18" charset="0"/>
+                      </a:rPr>
+                      <m:t>≔</m:t>
+                    </m:r>
+                    <m:sSub>
+                      <m:sSubPr>
+                        <m:ctrlPr>
+                          <a:rPr lang="en-US" altLang="ja-JP" i="1">
+                            <a:latin typeface="Cambria Math" panose="02040503050406030204" pitchFamily="18" charset="0"/>
+                          </a:rPr>
+                        </m:ctrlPr>
+                      </m:sSubPr>
+                      <m:e>
+                        <m:r>
+                          <a:rPr lang="en-US" altLang="ja-JP" i="1">
+                            <a:latin typeface="Cambria Math" panose="02040503050406030204" pitchFamily="18" charset="0"/>
+                          </a:rPr>
+                          <m:t>𝐺</m:t>
+                        </m:r>
+                      </m:e>
+                      <m:sub>
+                        <m:r>
+                          <a:rPr lang="en-US" altLang="ja-JP" i="1">
+                            <a:latin typeface="Cambria Math" panose="02040503050406030204" pitchFamily="18" charset="0"/>
+                          </a:rPr>
+                          <m:t>𝐶</m:t>
+                        </m:r>
+                        <m:r>
+                          <a:rPr lang="en-US" altLang="ja-JP" i="1">
+                            <a:latin typeface="Cambria Math" panose="02040503050406030204" pitchFamily="18" charset="0"/>
+                          </a:rPr>
+                          <m:t>1</m:t>
+                        </m:r>
+                      </m:sub>
+                    </m:sSub>
+                    <m:r>
+                      <a:rPr lang="en-US" altLang="ja-JP" i="1">
+                        <a:latin typeface="Cambria Math" panose="02040503050406030204" pitchFamily="18" charset="0"/>
+                      </a:rPr>
+                      <m:t>+</m:t>
+                    </m:r>
+                    <m:sSub>
+                      <m:sSubPr>
+                        <m:ctrlPr>
+                          <a:rPr lang="en-US" altLang="ja-JP" i="1">
+                            <a:latin typeface="Cambria Math" panose="02040503050406030204" pitchFamily="18" charset="0"/>
+                          </a:rPr>
+                        </m:ctrlPr>
+                      </m:sSubPr>
+                      <m:e>
+                        <m:r>
+                          <a:rPr lang="en-US" altLang="ja-JP" i="1">
+                            <a:latin typeface="Cambria Math" panose="02040503050406030204" pitchFamily="18" charset="0"/>
+                          </a:rPr>
+                          <m:t>𝑔</m:t>
+                        </m:r>
+                      </m:e>
+                      <m:sub>
+                        <m:r>
+                          <a:rPr lang="en-US" altLang="ja-JP" i="1">
+                            <a:latin typeface="Cambria Math" panose="02040503050406030204" pitchFamily="18" charset="0"/>
+                          </a:rPr>
+                          <m:t>𝑐𝑒</m:t>
+                        </m:r>
+                        <m:r>
+                          <a:rPr lang="en-US" altLang="ja-JP" i="1">
+                            <a:latin typeface="Cambria Math" panose="02040503050406030204" pitchFamily="18" charset="0"/>
+                          </a:rPr>
+                          <m:t>1</m:t>
+                        </m:r>
+                      </m:sub>
+                    </m:sSub>
+                    <m:r>
+                      <a:rPr lang="en-US" altLang="ja-JP" i="1">
+                        <a:latin typeface="Cambria Math" panose="02040503050406030204" pitchFamily="18" charset="0"/>
+                      </a:rPr>
+                      <m:t>+</m:t>
+                    </m:r>
+                    <m:sSub>
+                      <m:sSubPr>
+                        <m:ctrlPr>
+                          <a:rPr lang="en-US" altLang="ja-JP" i="1">
+                            <a:latin typeface="Cambria Math" panose="02040503050406030204" pitchFamily="18" charset="0"/>
+                          </a:rPr>
+                        </m:ctrlPr>
+                      </m:sSubPr>
+                      <m:e>
+                        <m:r>
+                          <a:rPr lang="en-US" altLang="ja-JP" i="1">
+                            <a:latin typeface="Cambria Math" panose="02040503050406030204" pitchFamily="18" charset="0"/>
+                          </a:rPr>
+                          <m:t>𝑔</m:t>
+                        </m:r>
+                      </m:e>
+                      <m:sub>
+                        <m:r>
+                          <a:rPr lang="en-US" altLang="ja-JP" i="1">
+                            <a:latin typeface="Cambria Math" panose="02040503050406030204" pitchFamily="18" charset="0"/>
+                          </a:rPr>
+                          <m:t>𝑖𝑒</m:t>
+                        </m:r>
+                        <m:r>
+                          <a:rPr lang="en-US" altLang="ja-JP" i="1">
+                            <a:latin typeface="Cambria Math" panose="02040503050406030204" pitchFamily="18" charset="0"/>
+                          </a:rPr>
+                          <m:t>1</m:t>
+                        </m:r>
+                      </m:sub>
+                    </m:sSub>
+                  </m:oMath>
+                </a14:m>
+                <a:r>
+                  <a:rPr kumimoji="1" lang="en-US" altLang="ja-JP" dirty="0">
+                    <a:latin typeface="Times Newer Roman" panose="00000500000000000000" pitchFamily="50" charset="0"/>
+                  </a:rPr>
+                  <a:t>	</a:t>
+                </a:r>
+                <a14:m>
+                  <m:oMath xmlns:m="http://schemas.openxmlformats.org/officeDocument/2006/math">
+                    <m:sSub>
+                      <m:sSubPr>
+                        <m:ctrlPr>
+                          <a:rPr lang="en-US" altLang="ja-JP" i="1">
+                            <a:latin typeface="Cambria Math" panose="02040503050406030204" pitchFamily="18" charset="0"/>
+                          </a:rPr>
+                        </m:ctrlPr>
+                      </m:sSubPr>
+                      <m:e>
+                        <m:r>
+                          <a:rPr lang="en-US" altLang="ja-JP" i="1">
+                            <a:latin typeface="Cambria Math" panose="02040503050406030204" pitchFamily="18" charset="0"/>
+                          </a:rPr>
+                          <m:t>𝐶</m:t>
+                        </m:r>
+                      </m:e>
+                      <m:sub>
+                        <m:r>
+                          <a:rPr lang="en-US" altLang="ja-JP" i="1">
+                            <a:latin typeface="Cambria Math" panose="02040503050406030204" pitchFamily="18" charset="0"/>
+                          </a:rPr>
+                          <m:t>1</m:t>
+                        </m:r>
+                      </m:sub>
+                    </m:sSub>
+                    <m:r>
+                      <a:rPr lang="en-US" altLang="ja-JP" b="0" i="1" smtClean="0">
+                        <a:latin typeface="Cambria Math" panose="02040503050406030204" pitchFamily="18" charset="0"/>
+                      </a:rPr>
+                      <m:t>≔</m:t>
+                    </m:r>
+                    <m:sSub>
+                      <m:sSubPr>
+                        <m:ctrlPr>
+                          <a:rPr lang="en-US" altLang="ja-JP" i="1">
+                            <a:latin typeface="Cambria Math" panose="02040503050406030204" pitchFamily="18" charset="0"/>
+                          </a:rPr>
+                        </m:ctrlPr>
+                      </m:sSubPr>
+                      <m:e>
+                        <m:r>
+                          <a:rPr lang="en-US" altLang="ja-JP" i="1">
+                            <a:latin typeface="Cambria Math" panose="02040503050406030204" pitchFamily="18" charset="0"/>
+                          </a:rPr>
+                          <m:t>𝐶</m:t>
+                        </m:r>
+                      </m:e>
+                      <m:sub>
+                        <m:r>
+                          <a:rPr lang="en-US" altLang="ja-JP" i="1">
+                            <a:latin typeface="Cambria Math" panose="02040503050406030204" pitchFamily="18" charset="0"/>
+                          </a:rPr>
+                          <m:t>𝑃𝐷</m:t>
+                        </m:r>
+                      </m:sub>
+                    </m:sSub>
+                    <m:r>
+                      <a:rPr lang="en-US" altLang="ja-JP" i="1">
+                        <a:latin typeface="Cambria Math" panose="02040503050406030204" pitchFamily="18" charset="0"/>
+                      </a:rPr>
+                      <m:t>+</m:t>
+                    </m:r>
+                    <m:sSub>
+                      <m:sSubPr>
+                        <m:ctrlPr>
+                          <a:rPr lang="en-US" altLang="ja-JP" i="1">
+                            <a:latin typeface="Cambria Math" panose="02040503050406030204" pitchFamily="18" charset="0"/>
+                          </a:rPr>
+                        </m:ctrlPr>
+                      </m:sSubPr>
+                      <m:e>
+                        <m:r>
+                          <a:rPr lang="en-US" altLang="ja-JP" i="1">
+                            <a:latin typeface="Cambria Math" panose="02040503050406030204" pitchFamily="18" charset="0"/>
+                          </a:rPr>
+                          <m:t>𝐶</m:t>
+                        </m:r>
+                      </m:e>
+                      <m:sub>
+                        <m:r>
+                          <a:rPr lang="en-US" altLang="ja-JP" i="1">
+                            <a:latin typeface="Cambria Math" panose="02040503050406030204" pitchFamily="18" charset="0"/>
+                          </a:rPr>
+                          <m:t>𝑗𝑒</m:t>
+                        </m:r>
+                        <m:r>
+                          <a:rPr lang="en-US" altLang="ja-JP" i="1">
+                            <a:latin typeface="Cambria Math" panose="02040503050406030204" pitchFamily="18" charset="0"/>
+                          </a:rPr>
+                          <m:t>1</m:t>
+                        </m:r>
+                      </m:sub>
+                    </m:sSub>
+                  </m:oMath>
+                </a14:m>
+                <a:r>
+                  <a:rPr kumimoji="1" lang="en-US" altLang="ja-JP" dirty="0">
+                    <a:latin typeface="Times Newer Roman" panose="00000500000000000000" pitchFamily="50" charset="0"/>
+                  </a:rPr>
+                  <a:t>		</a:t>
+                </a:r>
+                <a14:m>
+                  <m:oMath xmlns:m="http://schemas.openxmlformats.org/officeDocument/2006/math">
+                    <m:sSub>
+                      <m:sSubPr>
+                        <m:ctrlPr>
+                          <a:rPr lang="en-US" altLang="ja-JP" i="1">
+                            <a:latin typeface="Cambria Math" panose="02040503050406030204" pitchFamily="18" charset="0"/>
+                          </a:rPr>
+                        </m:ctrlPr>
+                      </m:sSubPr>
+                      <m:e>
+                        <m:r>
+                          <a:rPr lang="en-US" altLang="ja-JP" i="1">
+                            <a:latin typeface="Cambria Math" panose="02040503050406030204" pitchFamily="18" charset="0"/>
+                          </a:rPr>
+                          <m:t>𝐶</m:t>
+                        </m:r>
+                      </m:e>
+                      <m:sub>
+                        <m:r>
+                          <a:rPr lang="en-US" altLang="ja-JP" i="1">
+                            <a:latin typeface="Cambria Math" panose="02040503050406030204" pitchFamily="18" charset="0"/>
+                          </a:rPr>
+                          <m:t>2</m:t>
+                        </m:r>
+                      </m:sub>
+                    </m:sSub>
+                    <m:r>
+                      <a:rPr lang="en-US" altLang="ja-JP" b="0" i="1" smtClean="0">
+                        <a:latin typeface="Cambria Math" panose="02040503050406030204" pitchFamily="18" charset="0"/>
+                      </a:rPr>
+                      <m:t>≔</m:t>
+                    </m:r>
+                    <m:sSub>
+                      <m:sSubPr>
+                        <m:ctrlPr>
+                          <a:rPr lang="en-US" altLang="ja-JP" i="1">
+                            <a:latin typeface="Cambria Math" panose="02040503050406030204" pitchFamily="18" charset="0"/>
+                          </a:rPr>
+                        </m:ctrlPr>
+                      </m:sSubPr>
+                      <m:e>
+                        <m:r>
+                          <a:rPr lang="en-US" altLang="ja-JP" i="1">
+                            <a:latin typeface="Cambria Math" panose="02040503050406030204" pitchFamily="18" charset="0"/>
+                          </a:rPr>
+                          <m:t>𝐶</m:t>
+                        </m:r>
+                      </m:e>
+                      <m:sub>
+                        <m:r>
+                          <a:rPr lang="en-US" altLang="ja-JP" i="1">
+                            <a:latin typeface="Cambria Math" panose="02040503050406030204" pitchFamily="18" charset="0"/>
+                          </a:rPr>
+                          <m:t>𝑗𝑐</m:t>
+                        </m:r>
+                        <m:r>
+                          <a:rPr lang="en-US" altLang="ja-JP" i="1">
+                            <a:latin typeface="Cambria Math" panose="02040503050406030204" pitchFamily="18" charset="0"/>
+                          </a:rPr>
+                          <m:t>1</m:t>
+                        </m:r>
+                      </m:sub>
+                    </m:sSub>
+                    <m:r>
+                      <a:rPr lang="en-US" altLang="ja-JP" i="1">
+                        <a:latin typeface="Cambria Math" panose="02040503050406030204" pitchFamily="18" charset="0"/>
+                      </a:rPr>
+                      <m:t>+</m:t>
+                    </m:r>
+                    <m:sSub>
+                      <m:sSubPr>
+                        <m:ctrlPr>
+                          <a:rPr lang="en-US" altLang="ja-JP" i="1">
+                            <a:latin typeface="Cambria Math" panose="02040503050406030204" pitchFamily="18" charset="0"/>
+                          </a:rPr>
+                        </m:ctrlPr>
+                      </m:sSubPr>
+                      <m:e>
+                        <m:r>
+                          <a:rPr lang="en-US" altLang="ja-JP" i="1">
+                            <a:latin typeface="Cambria Math" panose="02040503050406030204" pitchFamily="18" charset="0"/>
+                          </a:rPr>
+                          <m:t>𝐶</m:t>
+                        </m:r>
+                      </m:e>
+                      <m:sub>
+                        <m:r>
+                          <a:rPr lang="en-US" altLang="ja-JP" i="1">
+                            <a:latin typeface="Cambria Math" panose="02040503050406030204" pitchFamily="18" charset="0"/>
+                          </a:rPr>
+                          <m:t>𝑗𝑐</m:t>
+                        </m:r>
+                        <m:r>
+                          <a:rPr lang="en-US" altLang="ja-JP" i="1">
+                            <a:latin typeface="Cambria Math" panose="02040503050406030204" pitchFamily="18" charset="0"/>
+                          </a:rPr>
+                          <m:t>2</m:t>
+                        </m:r>
+                      </m:sub>
+                    </m:sSub>
+                    <m:r>
+                      <a:rPr lang="en-US" altLang="ja-JP" i="1">
+                        <a:latin typeface="Cambria Math" panose="02040503050406030204" pitchFamily="18" charset="0"/>
+                      </a:rPr>
+                      <m:t>+</m:t>
+                    </m:r>
+                    <m:sSub>
+                      <m:sSubPr>
+                        <m:ctrlPr>
+                          <a:rPr lang="en-US" altLang="ja-JP" i="1">
+                            <a:latin typeface="Cambria Math" panose="02040503050406030204" pitchFamily="18" charset="0"/>
+                          </a:rPr>
+                        </m:ctrlPr>
+                      </m:sSubPr>
+                      <m:e>
+                        <m:r>
+                          <a:rPr lang="en-US" altLang="ja-JP" i="1">
+                            <a:latin typeface="Cambria Math" panose="02040503050406030204" pitchFamily="18" charset="0"/>
+                          </a:rPr>
+                          <m:t>𝐶</m:t>
+                        </m:r>
+                      </m:e>
+                      <m:sub>
+                        <m:r>
+                          <a:rPr lang="en-US" altLang="ja-JP" i="1">
+                            <a:latin typeface="Cambria Math" panose="02040503050406030204" pitchFamily="18" charset="0"/>
+                          </a:rPr>
+                          <m:t>𝑗𝑒</m:t>
+                        </m:r>
+                        <m:r>
+                          <a:rPr lang="en-US" altLang="ja-JP" i="1">
+                            <a:latin typeface="Cambria Math" panose="02040503050406030204" pitchFamily="18" charset="0"/>
+                          </a:rPr>
+                          <m:t>2</m:t>
+                        </m:r>
+                      </m:sub>
+                    </m:sSub>
+                  </m:oMath>
+                </a14:m>
+                <a:endParaRPr lang="ja-JP" altLang="en-US" dirty="0"/>
+              </a:p>
+            </p:txBody>
+          </p:sp>
+        </mc:Choice>
+        <mc:Fallback>
+          <p:sp>
+            <p:nvSpPr>
+              <p:cNvPr id="8" name="テキスト ボックス 7">
+                <a:extLst>
+                  <a:ext uri="{FF2B5EF4-FFF2-40B4-BE49-F238E27FC236}">
+                    <a16:creationId xmlns:a16="http://schemas.microsoft.com/office/drawing/2014/main" id="{1BC86E03-616A-00A0-9727-8D901798A7FD}"/>
+                  </a:ext>
+                </a:extLst>
+              </p:cNvPr>
+              <p:cNvSpPr txBox="1">
+                <a:spLocks noRot="1" noChangeAspect="1" noMove="1" noResize="1" noEditPoints="1" noAdjustHandles="1" noChangeArrowheads="1" noChangeShapeType="1" noTextEdit="1"/>
+              </p:cNvSpPr>
+              <p:nvPr/>
+            </p:nvSpPr>
+            <p:spPr>
+              <a:xfrm>
+                <a:off x="53340" y="1209183"/>
+                <a:ext cx="12138660" cy="391646"/>
+              </a:xfrm>
+              <a:prstGeom prst="rect">
+                <a:avLst/>
+              </a:prstGeom>
+              <a:blipFill>
+                <a:blip r:embed="rId3"/>
+                <a:stretch>
+                  <a:fillRect b="-7692"/>
                 </a:stretch>
               </a:blipFill>
             </p:spPr>

--- a/IHP_2024/20240524/2段構成TIAの検討.pptx
+++ b/IHP_2024/20240524/2段構成TIAの検討.pptx
@@ -5,7 +5,7 @@
     <p:sldMasterId id="2147483648" r:id="rId1"/>
   </p:sldMasterIdLst>
   <p:notesMasterIdLst>
-    <p:notesMasterId r:id="rId8"/>
+    <p:notesMasterId r:id="rId9"/>
   </p:notesMasterIdLst>
   <p:sldIdLst>
     <p:sldId id="256" r:id="rId2"/>
@@ -14,6 +14,7 @@
     <p:sldId id="259" r:id="rId5"/>
     <p:sldId id="260" r:id="rId6"/>
     <p:sldId id="261" r:id="rId7"/>
+    <p:sldId id="262" r:id="rId8"/>
   </p:sldIdLst>
   <p:sldSz cx="12192000" cy="6858000"/>
   <p:notesSz cx="6858000" cy="9144000"/>
@@ -9933,8 +9934,8 @@
           </a:p>
         </p:txBody>
       </p:sp>
-      <mc:AlternateContent xmlns:mc="http://schemas.openxmlformats.org/markup-compatibility/2006">
-        <mc:Choice xmlns:a14="http://schemas.microsoft.com/office/drawing/2010/main" Requires="a14">
+      <mc:AlternateContent xmlns:mc="http://schemas.openxmlformats.org/markup-compatibility/2006" xmlns:a14="http://schemas.microsoft.com/office/drawing/2010/main">
+        <mc:Choice Requires="a14">
           <p:sp>
             <p:nvSpPr>
               <p:cNvPr id="7" name="テキスト ボックス 6">
@@ -10519,7 +10520,7 @@
             </p:txBody>
           </p:sp>
         </mc:Choice>
-        <mc:Fallback>
+        <mc:Fallback xmlns="">
           <p:sp>
             <p:nvSpPr>
               <p:cNvPr id="7" name="テキスト ボックス 6">
@@ -11700,8 +11701,8 @@
             </p:nvSpPr>
             <p:spPr>
               <a:xfrm>
-                <a:off x="133350" y="1515470"/>
-                <a:ext cx="11925300" cy="5229830"/>
+                <a:off x="133350" y="2011859"/>
+                <a:ext cx="11925300" cy="3150927"/>
               </a:xfrm>
               <a:prstGeom prst="rect">
                 <a:avLst/>
@@ -17745,3760 +17746,42 @@
                 </a:endParaRPr>
               </a:p>
               <a:p>
-                <a:pPr/>
-                <a14:m>
-                  <m:oMath xmlns:m="http://schemas.openxmlformats.org/officeDocument/2006/math">
-                    <m:sSub>
-                      <m:sSubPr>
-                        <m:ctrlPr>
-                          <a:rPr lang="en-US" altLang="ja-JP" sz="1200" b="0" i="1" smtClean="0">
-                            <a:latin typeface="Cambria Math" panose="02040503050406030204" pitchFamily="18" charset="0"/>
-                          </a:rPr>
-                        </m:ctrlPr>
-                      </m:sSubPr>
-                      <m:e>
-                        <m:r>
-                          <a:rPr lang="en-US" altLang="ja-JP" sz="1200" b="0" i="1" smtClean="0">
-                            <a:latin typeface="Cambria Math" panose="02040503050406030204" pitchFamily="18" charset="0"/>
-                          </a:rPr>
-                          <m:t>𝑋</m:t>
-                        </m:r>
-                      </m:e>
-                      <m:sub>
-                        <m:r>
-                          <a:rPr lang="en-US" altLang="ja-JP" sz="1200" b="0" i="1" smtClean="0">
-                            <a:latin typeface="Cambria Math" panose="02040503050406030204" pitchFamily="18" charset="0"/>
-                          </a:rPr>
-                          <m:t>𝑡</m:t>
-                        </m:r>
-                      </m:sub>
-                    </m:sSub>
-                    <m:r>
-                      <a:rPr lang="en-US" altLang="ja-JP" sz="1200" b="0" i="1" smtClean="0">
-                        <a:latin typeface="Cambria Math" panose="02040503050406030204" pitchFamily="18" charset="0"/>
-                      </a:rPr>
-                      <m:t>≔</m:t>
-                    </m:r>
-                    <m:f>
-                      <m:fPr>
-                        <m:ctrlPr>
-                          <a:rPr lang="en-US" altLang="ja-JP" sz="1200" b="0" i="1" smtClean="0">
-                            <a:latin typeface="Cambria Math" panose="02040503050406030204" pitchFamily="18" charset="0"/>
-                          </a:rPr>
-                        </m:ctrlPr>
-                      </m:fPr>
-                      <m:num>
-                        <m:sSubSup>
-                          <m:sSubSupPr>
-                            <m:ctrlPr>
-                              <a:rPr lang="en-US" altLang="ja-JP" sz="1200" b="0" i="1" smtClean="0">
-                                <a:latin typeface="Cambria Math" panose="02040503050406030204" pitchFamily="18" charset="0"/>
-                              </a:rPr>
-                            </m:ctrlPr>
-                          </m:sSubSupPr>
-                          <m:e>
-                            <m:nary>
-                              <m:naryPr>
-                                <m:chr m:val="∑"/>
-                                <m:subHide m:val="on"/>
-                                <m:supHide m:val="on"/>
-                                <m:ctrlPr>
-                                  <a:rPr lang="en-US" altLang="ja-JP" sz="1200" b="0" i="1" smtClean="0">
-                                    <a:latin typeface="Cambria Math" panose="02040503050406030204" pitchFamily="18" charset="0"/>
-                                  </a:rPr>
-                                </m:ctrlPr>
-                              </m:naryPr>
-                              <m:sub/>
-                              <m:sup/>
-                              <m:e>
-                                <m:r>
-                                  <a:rPr lang="en-US" altLang="ja-JP" sz="1200" b="0" i="1" smtClean="0">
-                                    <a:latin typeface="Cambria Math" panose="02040503050406030204" pitchFamily="18" charset="0"/>
-                                  </a:rPr>
-                                  <m:t> </m:t>
-                                </m:r>
-                              </m:e>
-                            </m:nary>
-                          </m:e>
-                          <m:sub>
-                            <m:r>
-                              <a:rPr lang="en-US" altLang="ja-JP" sz="1200" b="0" i="1" smtClean="0">
-                                <a:latin typeface="Cambria Math" panose="02040503050406030204" pitchFamily="18" charset="0"/>
-                              </a:rPr>
-                              <m:t>𝑖</m:t>
-                            </m:r>
-                            <m:r>
-                              <a:rPr lang="en-US" altLang="ja-JP" sz="1200" b="0" i="1" smtClean="0">
-                                <a:latin typeface="Cambria Math" panose="02040503050406030204" pitchFamily="18" charset="0"/>
-                              </a:rPr>
-                              <m:t>=0</m:t>
-                            </m:r>
-                          </m:sub>
-                          <m:sup>
-                            <m:r>
-                              <a:rPr lang="en-US" altLang="ja-JP" sz="1200" b="0" i="1" smtClean="0">
-                                <a:latin typeface="Cambria Math" panose="02040503050406030204" pitchFamily="18" charset="0"/>
-                              </a:rPr>
-                              <m:t>2</m:t>
-                            </m:r>
-                          </m:sup>
-                        </m:sSubSup>
-                        <m:sSub>
-                          <m:sSubPr>
-                            <m:ctrlPr>
-                              <a:rPr lang="en-US" altLang="ja-JP" sz="1200" b="0" i="1" smtClean="0">
-                                <a:latin typeface="Cambria Math" panose="02040503050406030204" pitchFamily="18" charset="0"/>
-                              </a:rPr>
-                            </m:ctrlPr>
-                          </m:sSubPr>
-                          <m:e>
-                            <m:r>
-                              <a:rPr lang="en-US" altLang="ja-JP" sz="1200" b="0" i="1" smtClean="0">
-                                <a:latin typeface="Cambria Math" panose="02040503050406030204" pitchFamily="18" charset="0"/>
-                              </a:rPr>
-                              <m:t>𝐶</m:t>
-                            </m:r>
-                          </m:e>
-                          <m:sub>
-                            <m:r>
-                              <a:rPr lang="en-US" altLang="ja-JP" sz="1200" b="0" i="1" smtClean="0">
-                                <a:latin typeface="Cambria Math" panose="02040503050406030204" pitchFamily="18" charset="0"/>
-                              </a:rPr>
-                              <m:t>1</m:t>
-                            </m:r>
-                            <m:r>
-                              <a:rPr lang="en-US" altLang="ja-JP" sz="1200" b="0" i="1" smtClean="0">
-                                <a:latin typeface="Cambria Math" panose="02040503050406030204" pitchFamily="18" charset="0"/>
-                              </a:rPr>
-                              <m:t>𝑖</m:t>
-                            </m:r>
-                          </m:sub>
-                        </m:sSub>
-                        <m:sSup>
-                          <m:sSupPr>
-                            <m:ctrlPr>
-                              <a:rPr lang="en-US" altLang="ja-JP" sz="1200" b="0" i="1" smtClean="0">
-                                <a:latin typeface="Cambria Math" panose="02040503050406030204" pitchFamily="18" charset="0"/>
-                              </a:rPr>
-                            </m:ctrlPr>
-                          </m:sSupPr>
-                          <m:e>
-                            <m:r>
-                              <a:rPr lang="en-US" altLang="ja-JP" sz="1200" b="0" i="1" smtClean="0">
-                                <a:latin typeface="Cambria Math" panose="02040503050406030204" pitchFamily="18" charset="0"/>
-                              </a:rPr>
-                              <m:t>𝜔</m:t>
-                            </m:r>
-                          </m:e>
-                          <m:sup>
-                            <m:r>
-                              <a:rPr lang="en-US" altLang="ja-JP" sz="1200" b="0" i="1" smtClean="0">
-                                <a:latin typeface="Cambria Math" panose="02040503050406030204" pitchFamily="18" charset="0"/>
-                              </a:rPr>
-                              <m:t>𝑖</m:t>
-                            </m:r>
-                          </m:sup>
-                        </m:sSup>
-                      </m:num>
-                      <m:den>
-                        <m:sSubSup>
-                          <m:sSubSupPr>
-                            <m:ctrlPr>
-                              <a:rPr lang="en-US" altLang="ja-JP" sz="1200" i="1">
-                                <a:latin typeface="Cambria Math" panose="02040503050406030204" pitchFamily="18" charset="0"/>
-                              </a:rPr>
-                            </m:ctrlPr>
-                          </m:sSubSupPr>
-                          <m:e>
-                            <m:nary>
-                              <m:naryPr>
-                                <m:chr m:val="∑"/>
-                                <m:subHide m:val="on"/>
-                                <m:supHide m:val="on"/>
-                                <m:ctrlPr>
-                                  <a:rPr lang="en-US" altLang="ja-JP" sz="1200" i="1">
-                                    <a:latin typeface="Cambria Math" panose="02040503050406030204" pitchFamily="18" charset="0"/>
-                                  </a:rPr>
-                                </m:ctrlPr>
-                              </m:naryPr>
-                              <m:sub/>
-                              <m:sup/>
-                              <m:e>
-                                <m:r>
-                                  <a:rPr lang="en-US" altLang="ja-JP" sz="1200" i="1">
-                                    <a:latin typeface="Cambria Math" panose="02040503050406030204" pitchFamily="18" charset="0"/>
-                                  </a:rPr>
-                                  <m:t> </m:t>
-                                </m:r>
-                              </m:e>
-                            </m:nary>
-                          </m:e>
-                          <m:sub>
-                            <m:r>
-                              <a:rPr lang="en-US" altLang="ja-JP" sz="1200" i="1">
-                                <a:latin typeface="Cambria Math" panose="02040503050406030204" pitchFamily="18" charset="0"/>
-                              </a:rPr>
-                              <m:t>𝑖</m:t>
-                            </m:r>
-                            <m:r>
-                              <a:rPr lang="en-US" altLang="ja-JP" sz="1200" i="1">
-                                <a:latin typeface="Cambria Math" panose="02040503050406030204" pitchFamily="18" charset="0"/>
-                              </a:rPr>
-                              <m:t>=0</m:t>
-                            </m:r>
-                          </m:sub>
-                          <m:sup>
-                            <m:r>
-                              <a:rPr lang="en-US" altLang="ja-JP" sz="1200" b="0" i="1" smtClean="0">
-                                <a:latin typeface="Cambria Math" panose="02040503050406030204" pitchFamily="18" charset="0"/>
-                              </a:rPr>
-                              <m:t>4</m:t>
-                            </m:r>
-                          </m:sup>
-                        </m:sSubSup>
-                        <m:sSub>
-                          <m:sSubPr>
-                            <m:ctrlPr>
-                              <a:rPr lang="en-US" altLang="ja-JP" sz="1200" b="0" i="1" smtClean="0">
-                                <a:latin typeface="Cambria Math" panose="02040503050406030204" pitchFamily="18" charset="0"/>
-                              </a:rPr>
-                            </m:ctrlPr>
-                          </m:sSubPr>
-                          <m:e>
-                            <m:r>
-                              <a:rPr lang="en-US" altLang="ja-JP" sz="1200" b="0" i="1" smtClean="0">
-                                <a:latin typeface="Cambria Math" panose="02040503050406030204" pitchFamily="18" charset="0"/>
-                              </a:rPr>
-                              <m:t>𝐶</m:t>
-                            </m:r>
-                          </m:e>
-                          <m:sub>
-                            <m:r>
-                              <a:rPr lang="en-US" altLang="ja-JP" sz="1200" b="0" i="1" smtClean="0">
-                                <a:latin typeface="Cambria Math" panose="02040503050406030204" pitchFamily="18" charset="0"/>
-                              </a:rPr>
-                              <m:t>2</m:t>
-                            </m:r>
-                            <m:r>
-                              <a:rPr lang="en-US" altLang="ja-JP" sz="1200" b="0" i="1" smtClean="0">
-                                <a:latin typeface="Cambria Math" panose="02040503050406030204" pitchFamily="18" charset="0"/>
-                              </a:rPr>
-                              <m:t>𝑖</m:t>
-                            </m:r>
-                          </m:sub>
-                        </m:sSub>
-                        <m:sSup>
-                          <m:sSupPr>
-                            <m:ctrlPr>
-                              <a:rPr lang="en-US" altLang="ja-JP" sz="1200" b="0" i="1" smtClean="0">
-                                <a:latin typeface="Cambria Math" panose="02040503050406030204" pitchFamily="18" charset="0"/>
-                              </a:rPr>
-                            </m:ctrlPr>
-                          </m:sSupPr>
-                          <m:e>
-                            <m:r>
-                              <a:rPr lang="en-US" altLang="ja-JP" sz="1200" b="0" i="1" smtClean="0">
-                                <a:latin typeface="Cambria Math" panose="02040503050406030204" pitchFamily="18" charset="0"/>
-                              </a:rPr>
-                              <m:t>𝜔</m:t>
-                            </m:r>
-                          </m:e>
-                          <m:sup>
-                            <m:r>
-                              <a:rPr lang="en-US" altLang="ja-JP" sz="1200" b="0" i="1" smtClean="0">
-                                <a:latin typeface="Cambria Math" panose="02040503050406030204" pitchFamily="18" charset="0"/>
-                              </a:rPr>
-                              <m:t>𝑖</m:t>
-                            </m:r>
-                          </m:sup>
-                        </m:sSup>
-                      </m:den>
-                    </m:f>
-                  </m:oMath>
-                </a14:m>
-                <a:r>
-                  <a:rPr lang="ja-JP" altLang="en-US" sz="1200" dirty="0">
-                    <a:latin typeface="Times Newer Roman" panose="00000500000000000000" pitchFamily="50" charset="0"/>
-                  </a:rPr>
-                  <a:t>とおくと</a:t>
-                </a:r>
                 <a:endParaRPr lang="en-US" altLang="ja-JP" sz="1200" dirty="0">
                   <a:latin typeface="Times Newer Roman" panose="00000500000000000000" pitchFamily="50" charset="0"/>
                 </a:endParaRPr>
               </a:p>
               <a:p>
-                <a:pPr/>
-                <a14:m>
-                  <m:oMathPara xmlns:m="http://schemas.openxmlformats.org/officeDocument/2006/math">
-                    <m:oMathParaPr>
-                      <m:jc m:val="centerGroup"/>
-                    </m:oMathParaPr>
-                    <m:oMath xmlns:m="http://schemas.openxmlformats.org/officeDocument/2006/math">
-                      <m:sSub>
-                        <m:sSubPr>
-                          <m:ctrlPr>
-                            <a:rPr lang="en-US" altLang="ja-JP" sz="1200" b="0" i="1" smtClean="0">
-                              <a:latin typeface="Cambria Math" panose="02040503050406030204" pitchFamily="18" charset="0"/>
-                            </a:rPr>
-                          </m:ctrlPr>
-                        </m:sSubPr>
-                        <m:e>
-                          <m:r>
-                            <a:rPr lang="en-US" altLang="ja-JP" sz="1200" b="0" i="1" smtClean="0">
-                              <a:latin typeface="Cambria Math" panose="02040503050406030204" pitchFamily="18" charset="0"/>
-                            </a:rPr>
-                            <m:t>𝐶</m:t>
-                          </m:r>
-                        </m:e>
-                        <m:sub>
-                          <m:r>
-                            <a:rPr lang="en-US" altLang="ja-JP" sz="1200" b="0" i="1" smtClean="0">
-                              <a:latin typeface="Cambria Math" panose="02040503050406030204" pitchFamily="18" charset="0"/>
-                            </a:rPr>
-                            <m:t>10</m:t>
-                          </m:r>
-                        </m:sub>
-                      </m:sSub>
-                      <m:r>
-                        <a:rPr lang="en-US" altLang="ja-JP" sz="1200" b="0" i="1" smtClean="0">
-                          <a:latin typeface="Cambria Math" panose="02040503050406030204" pitchFamily="18" charset="0"/>
-                        </a:rPr>
-                        <m:t>=−</m:t>
-                      </m:r>
-                      <m:d>
-                        <m:dPr>
-                          <m:ctrlPr>
-                            <a:rPr lang="en-US" altLang="ja-JP" sz="1200" b="0" i="1" smtClean="0">
-                              <a:latin typeface="Cambria Math" panose="02040503050406030204" pitchFamily="18" charset="0"/>
-                            </a:rPr>
-                          </m:ctrlPr>
-                        </m:dPr>
-                        <m:e>
-                          <m:sSub>
-                            <m:sSubPr>
-                              <m:ctrlPr>
-                                <a:rPr lang="en-US" altLang="ja-JP" sz="1200" b="0" i="1" smtClean="0">
-                                  <a:latin typeface="Cambria Math" panose="02040503050406030204" pitchFamily="18" charset="0"/>
-                                </a:rPr>
-                              </m:ctrlPr>
-                            </m:sSubPr>
-                            <m:e>
-                              <m:r>
-                                <a:rPr lang="en-US" altLang="ja-JP" sz="1200" b="0" i="1" smtClean="0">
-                                  <a:latin typeface="Cambria Math" panose="02040503050406030204" pitchFamily="18" charset="0"/>
-                                </a:rPr>
-                                <m:t>𝑔</m:t>
-                              </m:r>
-                            </m:e>
-                            <m:sub>
-                              <m:r>
-                                <a:rPr lang="en-US" altLang="ja-JP" sz="1200" b="0" i="1" smtClean="0">
-                                  <a:latin typeface="Cambria Math" panose="02040503050406030204" pitchFamily="18" charset="0"/>
-                                </a:rPr>
-                                <m:t>𝑚</m:t>
-                              </m:r>
-                              <m:r>
-                                <a:rPr lang="en-US" altLang="ja-JP" sz="1200" b="0" i="1" smtClean="0">
-                                  <a:latin typeface="Cambria Math" panose="02040503050406030204" pitchFamily="18" charset="0"/>
-                                </a:rPr>
-                                <m:t>1</m:t>
-                              </m:r>
-                            </m:sub>
-                          </m:sSub>
-                          <m:r>
-                            <a:rPr lang="en-US" altLang="ja-JP" sz="1200" b="0" i="1" smtClean="0">
-                              <a:latin typeface="Cambria Math" panose="02040503050406030204" pitchFamily="18" charset="0"/>
-                            </a:rPr>
-                            <m:t>+</m:t>
-                          </m:r>
-                          <m:sSub>
-                            <m:sSubPr>
-                              <m:ctrlPr>
-                                <a:rPr lang="en-US" altLang="ja-JP" sz="1200" b="0" i="1" smtClean="0">
-                                  <a:latin typeface="Cambria Math" panose="02040503050406030204" pitchFamily="18" charset="0"/>
-                                </a:rPr>
-                              </m:ctrlPr>
-                            </m:sSubPr>
-                            <m:e>
-                              <m:r>
-                                <a:rPr lang="en-US" altLang="ja-JP" sz="1200" b="0" i="1" smtClean="0">
-                                  <a:latin typeface="Cambria Math" panose="02040503050406030204" pitchFamily="18" charset="0"/>
-                                </a:rPr>
-                                <m:t>𝑔</m:t>
-                              </m:r>
-                            </m:e>
-                            <m:sub>
-                              <m:r>
-                                <a:rPr lang="en-US" altLang="ja-JP" sz="1200" b="0" i="1" smtClean="0">
-                                  <a:latin typeface="Cambria Math" panose="02040503050406030204" pitchFamily="18" charset="0"/>
-                                </a:rPr>
-                                <m:t>𝑐𝑒</m:t>
-                              </m:r>
-                              <m:r>
-                                <a:rPr lang="en-US" altLang="ja-JP" sz="1200" b="0" i="1" smtClean="0">
-                                  <a:latin typeface="Cambria Math" panose="02040503050406030204" pitchFamily="18" charset="0"/>
-                                </a:rPr>
-                                <m:t>1</m:t>
-                              </m:r>
-                            </m:sub>
-                          </m:sSub>
-                        </m:e>
-                      </m:d>
-                      <m:sSub>
-                        <m:sSubPr>
-                          <m:ctrlPr>
-                            <a:rPr lang="en-US" altLang="ja-JP" sz="1200" b="0" i="1" smtClean="0">
-                              <a:latin typeface="Cambria Math" panose="02040503050406030204" pitchFamily="18" charset="0"/>
-                            </a:rPr>
-                          </m:ctrlPr>
-                        </m:sSubPr>
-                        <m:e>
-                          <m:r>
-                            <a:rPr lang="en-US" altLang="ja-JP" sz="1200" b="0" i="1" smtClean="0">
-                              <a:latin typeface="Cambria Math" panose="02040503050406030204" pitchFamily="18" charset="0"/>
-                            </a:rPr>
-                            <m:t>𝑔</m:t>
-                          </m:r>
-                        </m:e>
-                        <m:sub>
-                          <m:r>
-                            <a:rPr lang="en-US" altLang="ja-JP" sz="1200" b="0" i="1" smtClean="0">
-                              <a:latin typeface="Cambria Math" panose="02040503050406030204" pitchFamily="18" charset="0"/>
-                            </a:rPr>
-                            <m:t>𝑚</m:t>
-                          </m:r>
-                          <m:r>
-                            <a:rPr lang="en-US" altLang="ja-JP" sz="1200" b="0" i="1" smtClean="0">
-                              <a:latin typeface="Cambria Math" panose="02040503050406030204" pitchFamily="18" charset="0"/>
-                            </a:rPr>
-                            <m:t>2</m:t>
-                          </m:r>
-                        </m:sub>
-                      </m:sSub>
-                      <m:sSub>
-                        <m:sSubPr>
-                          <m:ctrlPr>
-                            <a:rPr lang="en-US" altLang="ja-JP" sz="1200" b="0" i="1" smtClean="0">
-                              <a:latin typeface="Cambria Math" panose="02040503050406030204" pitchFamily="18" charset="0"/>
-                            </a:rPr>
-                          </m:ctrlPr>
-                        </m:sSubPr>
-                        <m:e>
-                          <m:r>
-                            <a:rPr lang="en-US" altLang="ja-JP" sz="1200" b="0" i="1" smtClean="0">
-                              <a:latin typeface="Cambria Math" panose="02040503050406030204" pitchFamily="18" charset="0"/>
-                            </a:rPr>
-                            <m:t>𝐺</m:t>
-                          </m:r>
-                        </m:e>
-                        <m:sub>
-                          <m:r>
-                            <a:rPr lang="en-US" altLang="ja-JP" sz="1200" b="0" i="1" smtClean="0">
-                              <a:latin typeface="Cambria Math" panose="02040503050406030204" pitchFamily="18" charset="0"/>
-                            </a:rPr>
-                            <m:t>1</m:t>
-                          </m:r>
-                        </m:sub>
-                      </m:sSub>
-                      <m:r>
-                        <a:rPr lang="en-US" altLang="ja-JP" sz="1200" b="0" i="1" smtClean="0">
-                          <a:latin typeface="Cambria Math" panose="02040503050406030204" pitchFamily="18" charset="0"/>
-                        </a:rPr>
-                        <m:t>=−</m:t>
-                      </m:r>
-                      <m:sSub>
-                        <m:sSubPr>
-                          <m:ctrlPr>
-                            <a:rPr lang="en-US" altLang="ja-JP" sz="1200" b="0" i="1" smtClean="0">
-                              <a:latin typeface="Cambria Math" panose="02040503050406030204" pitchFamily="18" charset="0"/>
-                            </a:rPr>
-                          </m:ctrlPr>
-                        </m:sSubPr>
-                        <m:e>
-                          <m:r>
-                            <a:rPr lang="en-US" altLang="ja-JP" sz="1200" b="0" i="1" smtClean="0">
-                              <a:latin typeface="Cambria Math" panose="02040503050406030204" pitchFamily="18" charset="0"/>
-                            </a:rPr>
-                            <m:t>𝑔</m:t>
-                          </m:r>
-                        </m:e>
-                        <m:sub>
-                          <m:r>
-                            <a:rPr lang="en-US" altLang="ja-JP" sz="1200" b="0" i="1" smtClean="0">
-                              <a:latin typeface="Cambria Math" panose="02040503050406030204" pitchFamily="18" charset="0"/>
-                            </a:rPr>
-                            <m:t>𝑚</m:t>
-                          </m:r>
-                          <m:r>
-                            <a:rPr lang="en-US" altLang="ja-JP" sz="1200" b="0" i="1" smtClean="0">
-                              <a:latin typeface="Cambria Math" panose="02040503050406030204" pitchFamily="18" charset="0"/>
-                            </a:rPr>
-                            <m:t>2</m:t>
-                          </m:r>
-                        </m:sub>
-                      </m:sSub>
-                      <m:d>
-                        <m:dPr>
-                          <m:ctrlPr>
-                            <a:rPr lang="en-US" altLang="ja-JP" sz="1200" b="0" i="1" smtClean="0">
-                              <a:latin typeface="Cambria Math" panose="02040503050406030204" pitchFamily="18" charset="0"/>
-                            </a:rPr>
-                          </m:ctrlPr>
-                        </m:dPr>
-                        <m:e>
-                          <m:sSub>
-                            <m:sSubPr>
-                              <m:ctrlPr>
-                                <a:rPr lang="en-US" altLang="ja-JP" sz="1200" b="0" i="1" smtClean="0">
-                                  <a:latin typeface="Cambria Math" panose="02040503050406030204" pitchFamily="18" charset="0"/>
-                                </a:rPr>
-                              </m:ctrlPr>
-                            </m:sSubPr>
-                            <m:e>
-                              <m:r>
-                                <a:rPr lang="en-US" altLang="ja-JP" sz="1200" b="0" i="1" smtClean="0">
-                                  <a:latin typeface="Cambria Math" panose="02040503050406030204" pitchFamily="18" charset="0"/>
-                                </a:rPr>
-                                <m:t>𝑔</m:t>
-                              </m:r>
-                            </m:e>
-                            <m:sub>
-                              <m:r>
-                                <a:rPr lang="en-US" altLang="ja-JP" sz="1200" b="0" i="1" smtClean="0">
-                                  <a:latin typeface="Cambria Math" panose="02040503050406030204" pitchFamily="18" charset="0"/>
-                                </a:rPr>
-                                <m:t>𝑚</m:t>
-                              </m:r>
-                              <m:r>
-                                <a:rPr lang="en-US" altLang="ja-JP" sz="1200" b="0" i="1" smtClean="0">
-                                  <a:latin typeface="Cambria Math" panose="02040503050406030204" pitchFamily="18" charset="0"/>
-                                </a:rPr>
-                                <m:t>1</m:t>
-                              </m:r>
-                            </m:sub>
-                          </m:sSub>
-                          <m:r>
-                            <a:rPr lang="en-US" altLang="ja-JP" sz="1200" b="0" i="1" smtClean="0">
-                              <a:latin typeface="Cambria Math" panose="02040503050406030204" pitchFamily="18" charset="0"/>
-                            </a:rPr>
-                            <m:t>+</m:t>
-                          </m:r>
-                          <m:sSub>
-                            <m:sSubPr>
-                              <m:ctrlPr>
-                                <a:rPr lang="en-US" altLang="ja-JP" sz="1200" b="0" i="1" smtClean="0">
-                                  <a:latin typeface="Cambria Math" panose="02040503050406030204" pitchFamily="18" charset="0"/>
-                                </a:rPr>
-                              </m:ctrlPr>
-                            </m:sSubPr>
-                            <m:e>
-                              <m:r>
-                                <a:rPr lang="en-US" altLang="ja-JP" sz="1200" b="0" i="1" smtClean="0">
-                                  <a:latin typeface="Cambria Math" panose="02040503050406030204" pitchFamily="18" charset="0"/>
-                                </a:rPr>
-                                <m:t>𝑔</m:t>
-                              </m:r>
-                            </m:e>
-                            <m:sub>
-                              <m:r>
-                                <a:rPr lang="en-US" altLang="ja-JP" sz="1200" b="0" i="1" smtClean="0">
-                                  <a:latin typeface="Cambria Math" panose="02040503050406030204" pitchFamily="18" charset="0"/>
-                                </a:rPr>
-                                <m:t>𝑐𝑒</m:t>
-                              </m:r>
-                              <m:r>
-                                <a:rPr lang="en-US" altLang="ja-JP" sz="1200" b="0" i="1" smtClean="0">
-                                  <a:latin typeface="Cambria Math" panose="02040503050406030204" pitchFamily="18" charset="0"/>
-                                </a:rPr>
-                                <m:t>1</m:t>
-                              </m:r>
-                            </m:sub>
-                          </m:sSub>
-                        </m:e>
-                      </m:d>
-                      <m:d>
-                        <m:dPr>
-                          <m:ctrlPr>
-                            <a:rPr lang="en-US" altLang="ja-JP" sz="1200" b="0" i="1" smtClean="0">
-                              <a:latin typeface="Cambria Math" panose="02040503050406030204" pitchFamily="18" charset="0"/>
-                            </a:rPr>
-                          </m:ctrlPr>
-                        </m:dPr>
-                        <m:e>
-                          <m:sSub>
-                            <m:sSubPr>
-                              <m:ctrlPr>
-                                <a:rPr lang="en-US" altLang="ja-JP" sz="1200" b="0" i="1" smtClean="0">
-                                  <a:latin typeface="Cambria Math" panose="02040503050406030204" pitchFamily="18" charset="0"/>
-                                </a:rPr>
-                              </m:ctrlPr>
-                            </m:sSubPr>
-                            <m:e>
-                              <m:r>
-                                <a:rPr lang="en-US" altLang="ja-JP" sz="1200" b="0" i="1" smtClean="0">
-                                  <a:latin typeface="Cambria Math" panose="02040503050406030204" pitchFamily="18" charset="0"/>
-                                </a:rPr>
-                                <m:t>𝐺</m:t>
-                              </m:r>
-                            </m:e>
-                            <m:sub>
-                              <m:r>
-                                <a:rPr lang="en-US" altLang="ja-JP" sz="1200" b="0" i="1" smtClean="0">
-                                  <a:latin typeface="Cambria Math" panose="02040503050406030204" pitchFamily="18" charset="0"/>
-                                </a:rPr>
-                                <m:t>𝐸</m:t>
-                              </m:r>
-                              <m:r>
-                                <a:rPr lang="en-US" altLang="ja-JP" sz="1200" b="0" i="1" smtClean="0">
-                                  <a:latin typeface="Cambria Math" panose="02040503050406030204" pitchFamily="18" charset="0"/>
-                                </a:rPr>
-                                <m:t>1</m:t>
-                              </m:r>
-                            </m:sub>
-                          </m:sSub>
-                          <m:r>
-                            <a:rPr lang="en-US" altLang="ja-JP" sz="1200" b="0" i="1" smtClean="0">
-                              <a:latin typeface="Cambria Math" panose="02040503050406030204" pitchFamily="18" charset="0"/>
-                            </a:rPr>
-                            <m:t>+</m:t>
-                          </m:r>
-                          <m:sSub>
-                            <m:sSubPr>
-                              <m:ctrlPr>
-                                <a:rPr lang="en-US" altLang="ja-JP" sz="1200" b="0" i="1" smtClean="0">
-                                  <a:latin typeface="Cambria Math" panose="02040503050406030204" pitchFamily="18" charset="0"/>
-                                </a:rPr>
-                              </m:ctrlPr>
-                            </m:sSubPr>
-                            <m:e>
-                              <m:r>
-                                <a:rPr lang="en-US" altLang="ja-JP" sz="1200" b="0" i="1" smtClean="0">
-                                  <a:latin typeface="Cambria Math" panose="02040503050406030204" pitchFamily="18" charset="0"/>
-                                </a:rPr>
-                                <m:t>𝑔</m:t>
-                              </m:r>
-                            </m:e>
-                            <m:sub>
-                              <m:r>
-                                <a:rPr lang="en-US" altLang="ja-JP" sz="1200" b="0" i="1" smtClean="0">
-                                  <a:latin typeface="Cambria Math" panose="02040503050406030204" pitchFamily="18" charset="0"/>
-                                </a:rPr>
-                                <m:t>𝑚</m:t>
-                              </m:r>
-                              <m:r>
-                                <a:rPr lang="en-US" altLang="ja-JP" sz="1200" b="0" i="1" smtClean="0">
-                                  <a:latin typeface="Cambria Math" panose="02040503050406030204" pitchFamily="18" charset="0"/>
-                                </a:rPr>
-                                <m:t>1</m:t>
-                              </m:r>
-                            </m:sub>
-                          </m:sSub>
-                          <m:r>
-                            <a:rPr lang="en-US" altLang="ja-JP" sz="1200" b="0" i="1" smtClean="0">
-                              <a:latin typeface="Cambria Math" panose="02040503050406030204" pitchFamily="18" charset="0"/>
-                            </a:rPr>
-                            <m:t>+</m:t>
-                          </m:r>
-                          <m:sSub>
-                            <m:sSubPr>
-                              <m:ctrlPr>
-                                <a:rPr lang="en-US" altLang="ja-JP" sz="1200" b="0" i="1" smtClean="0">
-                                  <a:latin typeface="Cambria Math" panose="02040503050406030204" pitchFamily="18" charset="0"/>
-                                </a:rPr>
-                              </m:ctrlPr>
-                            </m:sSubPr>
-                            <m:e>
-                              <m:r>
-                                <a:rPr lang="en-US" altLang="ja-JP" sz="1200" b="0" i="1" smtClean="0">
-                                  <a:latin typeface="Cambria Math" panose="02040503050406030204" pitchFamily="18" charset="0"/>
-                                </a:rPr>
-                                <m:t>𝑔</m:t>
-                              </m:r>
-                            </m:e>
-                            <m:sub>
-                              <m:r>
-                                <a:rPr lang="en-US" altLang="ja-JP" sz="1200" b="0" i="1" smtClean="0">
-                                  <a:latin typeface="Cambria Math" panose="02040503050406030204" pitchFamily="18" charset="0"/>
-                                </a:rPr>
-                                <m:t>𝑐</m:t>
-                              </m:r>
-                              <m:r>
-                                <a:rPr lang="en-US" altLang="ja-JP" sz="1200" b="0" i="1" smtClean="0">
-                                  <a:latin typeface="Cambria Math" panose="02040503050406030204" pitchFamily="18" charset="0"/>
-                                </a:rPr>
-                                <m:t>1</m:t>
-                              </m:r>
-                            </m:sub>
-                          </m:sSub>
-                        </m:e>
-                      </m:d>
-                    </m:oMath>
-                  </m:oMathPara>
-                </a14:m>
-                <a:endParaRPr lang="en-US" altLang="ja-JP" sz="1200" b="0" dirty="0">
-                  <a:latin typeface="Times Newer Roman" panose="00000500000000000000" pitchFamily="50" charset="0"/>
-                </a:endParaRPr>
-              </a:p>
-              <a:p>
-                <a:pPr/>
-                <a14:m>
-                  <m:oMathPara xmlns:m="http://schemas.openxmlformats.org/officeDocument/2006/math">
-                    <m:oMathParaPr>
-                      <m:jc m:val="centerGroup"/>
-                    </m:oMathParaPr>
-                    <m:oMath xmlns:m="http://schemas.openxmlformats.org/officeDocument/2006/math">
-                      <m:sSub>
-                        <m:sSubPr>
-                          <m:ctrlPr>
-                            <a:rPr lang="en-US" altLang="ja-JP" sz="1200" b="0" i="1" smtClean="0">
-                              <a:latin typeface="Cambria Math" panose="02040503050406030204" pitchFamily="18" charset="0"/>
-                            </a:rPr>
-                          </m:ctrlPr>
-                        </m:sSubPr>
-                        <m:e>
-                          <m:r>
-                            <a:rPr lang="en-US" altLang="ja-JP" sz="1200" b="0" i="1" smtClean="0">
-                              <a:latin typeface="Cambria Math" panose="02040503050406030204" pitchFamily="18" charset="0"/>
-                            </a:rPr>
-                            <m:t>𝐶</m:t>
-                          </m:r>
-                        </m:e>
-                        <m:sub>
-                          <m:r>
-                            <a:rPr lang="en-US" altLang="ja-JP" sz="1200" b="0" i="1" smtClean="0">
-                              <a:latin typeface="Cambria Math" panose="02040503050406030204" pitchFamily="18" charset="0"/>
-                            </a:rPr>
-                            <m:t>11</m:t>
-                          </m:r>
-                        </m:sub>
-                      </m:sSub>
-                      <m:r>
-                        <a:rPr lang="en-US" altLang="ja-JP" sz="1200" b="0" i="1" smtClean="0">
-                          <a:latin typeface="Cambria Math" panose="02040503050406030204" pitchFamily="18" charset="0"/>
-                        </a:rPr>
-                        <m:t>=</m:t>
-                      </m:r>
-                      <m:d>
-                        <m:dPr>
-                          <m:ctrlPr>
-                            <a:rPr lang="en-US" altLang="ja-JP" sz="1200" b="0" i="1" smtClean="0">
-                              <a:latin typeface="Cambria Math" panose="02040503050406030204" pitchFamily="18" charset="0"/>
-                            </a:rPr>
-                          </m:ctrlPr>
-                        </m:dPr>
-                        <m:e>
-                          <m:sSub>
-                            <m:sSubPr>
-                              <m:ctrlPr>
-                                <a:rPr lang="en-US" altLang="ja-JP" sz="1200" b="0" i="1" smtClean="0">
-                                  <a:latin typeface="Cambria Math" panose="02040503050406030204" pitchFamily="18" charset="0"/>
-                                </a:rPr>
-                              </m:ctrlPr>
-                            </m:sSubPr>
-                            <m:e>
-                              <m:r>
-                                <a:rPr lang="en-US" altLang="ja-JP" sz="1200" b="0" i="1" smtClean="0">
-                                  <a:latin typeface="Cambria Math" panose="02040503050406030204" pitchFamily="18" charset="0"/>
-                                </a:rPr>
-                                <m:t>𝑔</m:t>
-                              </m:r>
-                            </m:e>
-                            <m:sub>
-                              <m:r>
-                                <a:rPr lang="en-US" altLang="ja-JP" sz="1200" b="0" i="1" smtClean="0">
-                                  <a:latin typeface="Cambria Math" panose="02040503050406030204" pitchFamily="18" charset="0"/>
-                                </a:rPr>
-                                <m:t>𝑚</m:t>
-                              </m:r>
-                              <m:r>
-                                <a:rPr lang="en-US" altLang="ja-JP" sz="1200" b="0" i="1" smtClean="0">
-                                  <a:latin typeface="Cambria Math" panose="02040503050406030204" pitchFamily="18" charset="0"/>
-                                </a:rPr>
-                                <m:t>1</m:t>
-                              </m:r>
-                            </m:sub>
-                          </m:sSub>
-                          <m:r>
-                            <a:rPr lang="en-US" altLang="ja-JP" sz="1200" b="0" i="1" smtClean="0">
-                              <a:latin typeface="Cambria Math" panose="02040503050406030204" pitchFamily="18" charset="0"/>
-                            </a:rPr>
-                            <m:t>+</m:t>
-                          </m:r>
-                          <m:sSub>
-                            <m:sSubPr>
-                              <m:ctrlPr>
-                                <a:rPr lang="en-US" altLang="ja-JP" sz="1200" b="0" i="1" smtClean="0">
-                                  <a:latin typeface="Cambria Math" panose="02040503050406030204" pitchFamily="18" charset="0"/>
-                                </a:rPr>
-                              </m:ctrlPr>
-                            </m:sSubPr>
-                            <m:e>
-                              <m:r>
-                                <a:rPr lang="en-US" altLang="ja-JP" sz="1200" b="0" i="1" smtClean="0">
-                                  <a:latin typeface="Cambria Math" panose="02040503050406030204" pitchFamily="18" charset="0"/>
-                                </a:rPr>
-                                <m:t>𝑔</m:t>
-                              </m:r>
-                            </m:e>
-                            <m:sub>
-                              <m:r>
-                                <a:rPr lang="en-US" altLang="ja-JP" sz="1200" b="0" i="1" smtClean="0">
-                                  <a:latin typeface="Cambria Math" panose="02040503050406030204" pitchFamily="18" charset="0"/>
-                                </a:rPr>
-                                <m:t>𝑐𝑒</m:t>
-                              </m:r>
-                              <m:r>
-                                <a:rPr lang="en-US" altLang="ja-JP" sz="1200" b="0" i="1" smtClean="0">
-                                  <a:latin typeface="Cambria Math" panose="02040503050406030204" pitchFamily="18" charset="0"/>
-                                </a:rPr>
-                                <m:t>1</m:t>
-                              </m:r>
-                            </m:sub>
-                          </m:sSub>
-                        </m:e>
-                      </m:d>
-                      <m:d>
-                        <m:dPr>
-                          <m:begChr m:val=""/>
-                          <m:endChr m:val="}"/>
-                          <m:ctrlPr>
-                            <a:rPr lang="en-US" altLang="ja-JP" sz="1200" b="0" i="1" smtClean="0">
-                              <a:latin typeface="Cambria Math" panose="02040503050406030204" pitchFamily="18" charset="0"/>
-                            </a:rPr>
-                          </m:ctrlPr>
-                        </m:dPr>
-                        <m:e>
-                          <m:d>
-                            <m:dPr>
-                              <m:begChr m:val="{"/>
-                              <m:endChr m:val=""/>
-                              <m:ctrlPr>
-                                <a:rPr lang="en-US" altLang="ja-JP" sz="1200" b="0" i="1" smtClean="0">
-                                  <a:latin typeface="Cambria Math" panose="02040503050406030204" pitchFamily="18" charset="0"/>
-                                </a:rPr>
-                              </m:ctrlPr>
-                            </m:dPr>
-                            <m:e>
-                              <m:d>
-                                <m:dPr>
-                                  <m:ctrlPr>
-                                    <a:rPr lang="en-US" altLang="ja-JP" sz="1200" b="0" i="1" smtClean="0">
-                                      <a:latin typeface="Cambria Math" panose="02040503050406030204" pitchFamily="18" charset="0"/>
-                                    </a:rPr>
-                                  </m:ctrlPr>
-                                </m:dPr>
-                                <m:e>
-                                  <m:sSub>
-                                    <m:sSubPr>
-                                      <m:ctrlPr>
-                                        <a:rPr lang="en-US" altLang="ja-JP" sz="1200" i="1">
-                                          <a:latin typeface="Cambria Math" panose="02040503050406030204" pitchFamily="18" charset="0"/>
-                                        </a:rPr>
-                                      </m:ctrlPr>
-                                    </m:sSubPr>
-                                    <m:e>
-                                      <m:r>
-                                        <a:rPr lang="en-US" altLang="ja-JP" sz="1200" i="1">
-                                          <a:latin typeface="Cambria Math" panose="02040503050406030204" pitchFamily="18" charset="0"/>
-                                        </a:rPr>
-                                        <m:t>𝐺</m:t>
-                                      </m:r>
-                                    </m:e>
-                                    <m:sub>
-                                      <m:r>
-                                        <a:rPr lang="en-US" altLang="ja-JP" sz="1200" i="1">
-                                          <a:latin typeface="Cambria Math" panose="02040503050406030204" pitchFamily="18" charset="0"/>
-                                        </a:rPr>
-                                        <m:t>𝐸</m:t>
-                                      </m:r>
-                                      <m:r>
-                                        <a:rPr lang="en-US" altLang="ja-JP" sz="1200" i="1">
-                                          <a:latin typeface="Cambria Math" panose="02040503050406030204" pitchFamily="18" charset="0"/>
-                                        </a:rPr>
-                                        <m:t>1</m:t>
-                                      </m:r>
-                                    </m:sub>
-                                  </m:sSub>
-                                  <m:r>
-                                    <a:rPr lang="en-US" altLang="ja-JP" sz="1200" i="1">
-                                      <a:latin typeface="Cambria Math" panose="02040503050406030204" pitchFamily="18" charset="0"/>
-                                    </a:rPr>
-                                    <m:t>+</m:t>
-                                  </m:r>
-                                  <m:sSub>
-                                    <m:sSubPr>
-                                      <m:ctrlPr>
-                                        <a:rPr lang="en-US" altLang="ja-JP" sz="1200" i="1">
-                                          <a:latin typeface="Cambria Math" panose="02040503050406030204" pitchFamily="18" charset="0"/>
-                                        </a:rPr>
-                                      </m:ctrlPr>
-                                    </m:sSubPr>
-                                    <m:e>
-                                      <m:r>
-                                        <a:rPr lang="en-US" altLang="ja-JP" sz="1200" i="1">
-                                          <a:latin typeface="Cambria Math" panose="02040503050406030204" pitchFamily="18" charset="0"/>
-                                        </a:rPr>
-                                        <m:t>𝑔</m:t>
-                                      </m:r>
-                                    </m:e>
-                                    <m:sub>
-                                      <m:r>
-                                        <a:rPr lang="en-US" altLang="ja-JP" sz="1200" i="1">
-                                          <a:latin typeface="Cambria Math" panose="02040503050406030204" pitchFamily="18" charset="0"/>
-                                        </a:rPr>
-                                        <m:t>𝑚</m:t>
-                                      </m:r>
-                                      <m:r>
-                                        <a:rPr lang="en-US" altLang="ja-JP" sz="1200" i="1">
-                                          <a:latin typeface="Cambria Math" panose="02040503050406030204" pitchFamily="18" charset="0"/>
-                                        </a:rPr>
-                                        <m:t>1</m:t>
-                                      </m:r>
-                                    </m:sub>
-                                  </m:sSub>
-                                  <m:r>
-                                    <a:rPr lang="en-US" altLang="ja-JP" sz="1200" i="1">
-                                      <a:latin typeface="Cambria Math" panose="02040503050406030204" pitchFamily="18" charset="0"/>
-                                    </a:rPr>
-                                    <m:t>+</m:t>
-                                  </m:r>
-                                  <m:sSub>
-                                    <m:sSubPr>
-                                      <m:ctrlPr>
-                                        <a:rPr lang="en-US" altLang="ja-JP" sz="1200" i="1">
-                                          <a:latin typeface="Cambria Math" panose="02040503050406030204" pitchFamily="18" charset="0"/>
-                                        </a:rPr>
-                                      </m:ctrlPr>
-                                    </m:sSubPr>
-                                    <m:e>
-                                      <m:r>
-                                        <a:rPr lang="en-US" altLang="ja-JP" sz="1200" i="1">
-                                          <a:latin typeface="Cambria Math" panose="02040503050406030204" pitchFamily="18" charset="0"/>
-                                        </a:rPr>
-                                        <m:t>𝑔</m:t>
-                                      </m:r>
-                                    </m:e>
-                                    <m:sub>
-                                      <m:r>
-                                        <a:rPr lang="en-US" altLang="ja-JP" sz="1200" i="1">
-                                          <a:latin typeface="Cambria Math" panose="02040503050406030204" pitchFamily="18" charset="0"/>
-                                        </a:rPr>
-                                        <m:t>𝑐</m:t>
-                                      </m:r>
-                                      <m:r>
-                                        <a:rPr lang="en-US" altLang="ja-JP" sz="1200" i="1">
-                                          <a:latin typeface="Cambria Math" panose="02040503050406030204" pitchFamily="18" charset="0"/>
-                                        </a:rPr>
-                                        <m:t>1</m:t>
-                                      </m:r>
-                                    </m:sub>
-                                  </m:sSub>
-                                </m:e>
-                              </m:d>
-                              <m:sSub>
-                                <m:sSubPr>
-                                  <m:ctrlPr>
-                                    <a:rPr lang="en-US" altLang="ja-JP" sz="1200" b="0" i="1" smtClean="0">
-                                      <a:latin typeface="Cambria Math" panose="02040503050406030204" pitchFamily="18" charset="0"/>
-                                    </a:rPr>
-                                  </m:ctrlPr>
-                                </m:sSubPr>
-                                <m:e>
-                                  <m:r>
-                                    <a:rPr lang="en-US" altLang="ja-JP" sz="1200" b="0" i="1" smtClean="0">
-                                      <a:latin typeface="Cambria Math" panose="02040503050406030204" pitchFamily="18" charset="0"/>
-                                    </a:rPr>
-                                    <m:t>𝐶</m:t>
-                                  </m:r>
-                                </m:e>
-                                <m:sub>
-                                  <m:r>
-                                    <a:rPr lang="en-US" altLang="ja-JP" sz="1200" b="0" i="1" smtClean="0">
-                                      <a:latin typeface="Cambria Math" panose="02040503050406030204" pitchFamily="18" charset="0"/>
-                                    </a:rPr>
-                                    <m:t>𝑗𝑐</m:t>
-                                  </m:r>
-                                  <m:r>
-                                    <a:rPr lang="en-US" altLang="ja-JP" sz="1200" b="0" i="1" smtClean="0">
-                                      <a:latin typeface="Cambria Math" panose="02040503050406030204" pitchFamily="18" charset="0"/>
-                                    </a:rPr>
-                                    <m:t>2</m:t>
-                                  </m:r>
-                                </m:sub>
-                              </m:sSub>
-                              <m:r>
-                                <a:rPr lang="en-US" altLang="ja-JP" sz="1200" b="0" i="1" smtClean="0">
-                                  <a:latin typeface="Cambria Math" panose="02040503050406030204" pitchFamily="18" charset="0"/>
-                                </a:rPr>
-                                <m:t>−</m:t>
-                              </m:r>
-                              <m:sSub>
-                                <m:sSubPr>
-                                  <m:ctrlPr>
-                                    <a:rPr lang="en-US" altLang="ja-JP" sz="1200" b="0" i="1" smtClean="0">
-                                      <a:latin typeface="Cambria Math" panose="02040503050406030204" pitchFamily="18" charset="0"/>
-                                    </a:rPr>
-                                  </m:ctrlPr>
-                                </m:sSubPr>
-                                <m:e>
-                                  <m:r>
-                                    <a:rPr lang="en-US" altLang="ja-JP" sz="1200" b="0" i="1" smtClean="0">
-                                      <a:latin typeface="Cambria Math" panose="02040503050406030204" pitchFamily="18" charset="0"/>
-                                    </a:rPr>
-                                    <m:t>𝑔</m:t>
-                                  </m:r>
-                                </m:e>
-                                <m:sub>
-                                  <m:r>
-                                    <a:rPr lang="en-US" altLang="ja-JP" sz="1200" b="0" i="1" smtClean="0">
-                                      <a:latin typeface="Cambria Math" panose="02040503050406030204" pitchFamily="18" charset="0"/>
-                                    </a:rPr>
-                                    <m:t>𝑚</m:t>
-                                  </m:r>
-                                  <m:r>
-                                    <a:rPr lang="en-US" altLang="ja-JP" sz="1200" b="0" i="1" smtClean="0">
-                                      <a:latin typeface="Cambria Math" panose="02040503050406030204" pitchFamily="18" charset="0"/>
-                                    </a:rPr>
-                                    <m:t>2</m:t>
-                                  </m:r>
-                                </m:sub>
-                              </m:sSub>
-                              <m:d>
-                                <m:dPr>
-                                  <m:ctrlPr>
-                                    <a:rPr lang="en-US" altLang="ja-JP" sz="1200" b="0" i="1" smtClean="0">
-                                      <a:latin typeface="Cambria Math" panose="02040503050406030204" pitchFamily="18" charset="0"/>
-                                    </a:rPr>
-                                  </m:ctrlPr>
-                                </m:dPr>
-                                <m:e>
-                                  <m:sSub>
-                                    <m:sSubPr>
-                                      <m:ctrlPr>
-                                        <a:rPr lang="en-US" altLang="ja-JP" sz="1200" i="1">
-                                          <a:latin typeface="Cambria Math" panose="02040503050406030204" pitchFamily="18" charset="0"/>
-                                        </a:rPr>
-                                      </m:ctrlPr>
-                                    </m:sSubPr>
-                                    <m:e>
-                                      <m:r>
-                                        <a:rPr lang="en-US" altLang="ja-JP" sz="1200" i="1">
-                                          <a:latin typeface="Cambria Math" panose="02040503050406030204" pitchFamily="18" charset="0"/>
-                                        </a:rPr>
-                                        <m:t>𝐶</m:t>
-                                      </m:r>
-                                    </m:e>
-                                    <m:sub>
-                                      <m:r>
-                                        <a:rPr lang="en-US" altLang="ja-JP" sz="1200" i="1">
-                                          <a:latin typeface="Cambria Math" panose="02040503050406030204" pitchFamily="18" charset="0"/>
-                                        </a:rPr>
-                                        <m:t>𝑃𝐷</m:t>
-                                      </m:r>
-                                    </m:sub>
-                                  </m:sSub>
-                                  <m:r>
-                                    <a:rPr lang="en-US" altLang="ja-JP" sz="1200" i="1">
-                                      <a:latin typeface="Cambria Math" panose="02040503050406030204" pitchFamily="18" charset="0"/>
-                                    </a:rPr>
-                                    <m:t>+</m:t>
-                                  </m:r>
-                                  <m:sSub>
-                                    <m:sSubPr>
-                                      <m:ctrlPr>
-                                        <a:rPr lang="en-US" altLang="ja-JP" sz="1200" i="1">
-                                          <a:latin typeface="Cambria Math" panose="02040503050406030204" pitchFamily="18" charset="0"/>
-                                        </a:rPr>
-                                      </m:ctrlPr>
-                                    </m:sSubPr>
-                                    <m:e>
-                                      <m:r>
-                                        <a:rPr lang="en-US" altLang="ja-JP" sz="1200" i="1">
-                                          <a:latin typeface="Cambria Math" panose="02040503050406030204" pitchFamily="18" charset="0"/>
-                                        </a:rPr>
-                                        <m:t>𝐶</m:t>
-                                      </m:r>
-                                    </m:e>
-                                    <m:sub>
-                                      <m:r>
-                                        <a:rPr lang="en-US" altLang="ja-JP" sz="1200" i="1">
-                                          <a:latin typeface="Cambria Math" panose="02040503050406030204" pitchFamily="18" charset="0"/>
-                                        </a:rPr>
-                                        <m:t>𝑗𝑒</m:t>
-                                      </m:r>
-                                      <m:r>
-                                        <a:rPr lang="en-US" altLang="ja-JP" sz="1200" i="1">
-                                          <a:latin typeface="Cambria Math" panose="02040503050406030204" pitchFamily="18" charset="0"/>
-                                        </a:rPr>
-                                        <m:t>1</m:t>
-                                      </m:r>
-                                    </m:sub>
-                                  </m:sSub>
-                                </m:e>
-                              </m:d>
-                            </m:e>
-                          </m:d>
-                        </m:e>
-                      </m:d>
-                    </m:oMath>
-                  </m:oMathPara>
-                </a14:m>
-                <a:endParaRPr lang="en-US" altLang="ja-JP" sz="1200" b="0" dirty="0">
-                  <a:latin typeface="Times Newer Roman" panose="00000500000000000000" pitchFamily="50" charset="0"/>
-                </a:endParaRPr>
-              </a:p>
-              <a:p>
-                <a:pPr/>
-                <a14:m>
-                  <m:oMathPara xmlns:m="http://schemas.openxmlformats.org/officeDocument/2006/math">
-                    <m:oMathParaPr>
-                      <m:jc m:val="centerGroup"/>
-                    </m:oMathParaPr>
-                    <m:oMath xmlns:m="http://schemas.openxmlformats.org/officeDocument/2006/math">
-                      <m:sSub>
-                        <m:sSubPr>
-                          <m:ctrlPr>
-                            <a:rPr lang="en-US" altLang="ja-JP" sz="1200" b="0" i="1" smtClean="0">
-                              <a:latin typeface="Cambria Math" panose="02040503050406030204" pitchFamily="18" charset="0"/>
-                            </a:rPr>
-                          </m:ctrlPr>
-                        </m:sSubPr>
-                        <m:e>
-                          <m:r>
-                            <a:rPr lang="en-US" altLang="ja-JP" sz="1200" b="0" i="1" smtClean="0">
-                              <a:latin typeface="Cambria Math" panose="02040503050406030204" pitchFamily="18" charset="0"/>
-                            </a:rPr>
-                            <m:t>𝐶</m:t>
-                          </m:r>
-                        </m:e>
-                        <m:sub>
-                          <m:r>
-                            <a:rPr lang="en-US" altLang="ja-JP" sz="1200" b="0" i="1" smtClean="0">
-                              <a:latin typeface="Cambria Math" panose="02040503050406030204" pitchFamily="18" charset="0"/>
-                            </a:rPr>
-                            <m:t>12</m:t>
-                          </m:r>
-                        </m:sub>
-                      </m:sSub>
-                      <m:r>
-                        <a:rPr lang="en-US" altLang="ja-JP" sz="1200" b="0" i="1" smtClean="0">
-                          <a:latin typeface="Cambria Math" panose="02040503050406030204" pitchFamily="18" charset="0"/>
-                        </a:rPr>
-                        <m:t>=−</m:t>
-                      </m:r>
-                      <m:d>
-                        <m:dPr>
-                          <m:ctrlPr>
-                            <a:rPr lang="en-US" altLang="ja-JP" sz="1200" b="0" i="1" smtClean="0">
-                              <a:latin typeface="Cambria Math" panose="02040503050406030204" pitchFamily="18" charset="0"/>
-                            </a:rPr>
-                          </m:ctrlPr>
-                        </m:dPr>
-                        <m:e>
-                          <m:sSub>
-                            <m:sSubPr>
-                              <m:ctrlPr>
-                                <a:rPr lang="en-US" altLang="ja-JP" sz="1200" i="1">
-                                  <a:latin typeface="Cambria Math" panose="02040503050406030204" pitchFamily="18" charset="0"/>
-                                </a:rPr>
-                              </m:ctrlPr>
-                            </m:sSubPr>
-                            <m:e>
-                              <m:r>
-                                <a:rPr lang="en-US" altLang="ja-JP" sz="1200" i="1">
-                                  <a:latin typeface="Cambria Math" panose="02040503050406030204" pitchFamily="18" charset="0"/>
-                                </a:rPr>
-                                <m:t>𝑔</m:t>
-                              </m:r>
-                            </m:e>
-                            <m:sub>
-                              <m:r>
-                                <a:rPr lang="en-US" altLang="ja-JP" sz="1200" i="1">
-                                  <a:latin typeface="Cambria Math" panose="02040503050406030204" pitchFamily="18" charset="0"/>
-                                </a:rPr>
-                                <m:t>𝑚</m:t>
-                              </m:r>
-                              <m:r>
-                                <a:rPr lang="en-US" altLang="ja-JP" sz="1200" i="1">
-                                  <a:latin typeface="Cambria Math" panose="02040503050406030204" pitchFamily="18" charset="0"/>
-                                </a:rPr>
-                                <m:t>1</m:t>
-                              </m:r>
-                            </m:sub>
-                          </m:sSub>
-                          <m:r>
-                            <a:rPr lang="en-US" altLang="ja-JP" sz="1200" i="1">
-                              <a:latin typeface="Cambria Math" panose="02040503050406030204" pitchFamily="18" charset="0"/>
-                            </a:rPr>
-                            <m:t>+</m:t>
-                          </m:r>
-                          <m:sSub>
-                            <m:sSubPr>
-                              <m:ctrlPr>
-                                <a:rPr lang="en-US" altLang="ja-JP" sz="1200" i="1">
-                                  <a:latin typeface="Cambria Math" panose="02040503050406030204" pitchFamily="18" charset="0"/>
-                                </a:rPr>
-                              </m:ctrlPr>
-                            </m:sSubPr>
-                            <m:e>
-                              <m:r>
-                                <a:rPr lang="en-US" altLang="ja-JP" sz="1200" i="1">
-                                  <a:latin typeface="Cambria Math" panose="02040503050406030204" pitchFamily="18" charset="0"/>
-                                </a:rPr>
-                                <m:t>𝑔</m:t>
-                              </m:r>
-                            </m:e>
-                            <m:sub>
-                              <m:r>
-                                <a:rPr lang="en-US" altLang="ja-JP" sz="1200" i="1">
-                                  <a:latin typeface="Cambria Math" panose="02040503050406030204" pitchFamily="18" charset="0"/>
-                                </a:rPr>
-                                <m:t>𝑐𝑒</m:t>
-                              </m:r>
-                              <m:r>
-                                <a:rPr lang="en-US" altLang="ja-JP" sz="1200" i="1">
-                                  <a:latin typeface="Cambria Math" panose="02040503050406030204" pitchFamily="18" charset="0"/>
-                                </a:rPr>
-                                <m:t>1</m:t>
-                              </m:r>
-                            </m:sub>
-                          </m:sSub>
-                        </m:e>
-                      </m:d>
-                      <m:d>
-                        <m:dPr>
-                          <m:ctrlPr>
-                            <a:rPr lang="en-US" altLang="ja-JP" sz="1200" b="0" i="1" smtClean="0">
-                              <a:latin typeface="Cambria Math" panose="02040503050406030204" pitchFamily="18" charset="0"/>
-                            </a:rPr>
-                          </m:ctrlPr>
-                        </m:dPr>
-                        <m:e>
-                          <m:sSub>
-                            <m:sSubPr>
-                              <m:ctrlPr>
-                                <a:rPr lang="en-US" altLang="ja-JP" sz="1200" i="1">
-                                  <a:latin typeface="Cambria Math" panose="02040503050406030204" pitchFamily="18" charset="0"/>
-                                </a:rPr>
-                              </m:ctrlPr>
-                            </m:sSubPr>
-                            <m:e>
-                              <m:r>
-                                <a:rPr lang="en-US" altLang="ja-JP" sz="1200" i="1">
-                                  <a:latin typeface="Cambria Math" panose="02040503050406030204" pitchFamily="18" charset="0"/>
-                                </a:rPr>
-                                <m:t>𝐶</m:t>
-                              </m:r>
-                            </m:e>
-                            <m:sub>
-                              <m:r>
-                                <a:rPr lang="en-US" altLang="ja-JP" sz="1200" i="1">
-                                  <a:latin typeface="Cambria Math" panose="02040503050406030204" pitchFamily="18" charset="0"/>
-                                </a:rPr>
-                                <m:t>𝑃𝐷</m:t>
-                              </m:r>
-                            </m:sub>
-                          </m:sSub>
-                          <m:r>
-                            <a:rPr lang="en-US" altLang="ja-JP" sz="1200" i="1">
-                              <a:latin typeface="Cambria Math" panose="02040503050406030204" pitchFamily="18" charset="0"/>
-                            </a:rPr>
-                            <m:t>+</m:t>
-                          </m:r>
-                          <m:sSub>
-                            <m:sSubPr>
-                              <m:ctrlPr>
-                                <a:rPr lang="en-US" altLang="ja-JP" sz="1200" i="1">
-                                  <a:latin typeface="Cambria Math" panose="02040503050406030204" pitchFamily="18" charset="0"/>
-                                </a:rPr>
-                              </m:ctrlPr>
-                            </m:sSubPr>
-                            <m:e>
-                              <m:r>
-                                <a:rPr lang="en-US" altLang="ja-JP" sz="1200" i="1">
-                                  <a:latin typeface="Cambria Math" panose="02040503050406030204" pitchFamily="18" charset="0"/>
-                                </a:rPr>
-                                <m:t>𝐶</m:t>
-                              </m:r>
-                            </m:e>
-                            <m:sub>
-                              <m:r>
-                                <a:rPr lang="en-US" altLang="ja-JP" sz="1200" i="1">
-                                  <a:latin typeface="Cambria Math" panose="02040503050406030204" pitchFamily="18" charset="0"/>
-                                </a:rPr>
-                                <m:t>𝑗𝑒</m:t>
-                              </m:r>
-                              <m:r>
-                                <a:rPr lang="en-US" altLang="ja-JP" sz="1200" i="1">
-                                  <a:latin typeface="Cambria Math" panose="02040503050406030204" pitchFamily="18" charset="0"/>
-                                </a:rPr>
-                                <m:t>1</m:t>
-                              </m:r>
-                            </m:sub>
-                          </m:sSub>
-                        </m:e>
-                      </m:d>
-                      <m:sSub>
-                        <m:sSubPr>
-                          <m:ctrlPr>
-                            <a:rPr lang="en-US" altLang="ja-JP" sz="1200" b="0" i="1" smtClean="0">
-                              <a:latin typeface="Cambria Math" panose="02040503050406030204" pitchFamily="18" charset="0"/>
-                            </a:rPr>
-                          </m:ctrlPr>
-                        </m:sSubPr>
-                        <m:e>
-                          <m:r>
-                            <a:rPr lang="en-US" altLang="ja-JP" sz="1200" b="0" i="1" smtClean="0">
-                              <a:latin typeface="Cambria Math" panose="02040503050406030204" pitchFamily="18" charset="0"/>
-                            </a:rPr>
-                            <m:t>𝐶</m:t>
-                          </m:r>
-                        </m:e>
-                        <m:sub>
-                          <m:r>
-                            <a:rPr lang="en-US" altLang="ja-JP" sz="1200" b="0" i="1" smtClean="0">
-                              <a:latin typeface="Cambria Math" panose="02040503050406030204" pitchFamily="18" charset="0"/>
-                            </a:rPr>
-                            <m:t>𝑗𝑐</m:t>
-                          </m:r>
-                          <m:r>
-                            <a:rPr lang="en-US" altLang="ja-JP" sz="1200" b="0" i="1" smtClean="0">
-                              <a:latin typeface="Cambria Math" panose="02040503050406030204" pitchFamily="18" charset="0"/>
-                            </a:rPr>
-                            <m:t>2</m:t>
-                          </m:r>
-                        </m:sub>
-                      </m:sSub>
-                    </m:oMath>
-                  </m:oMathPara>
-                </a14:m>
+                <a:r>
+                  <a:rPr lang="ja-JP" altLang="en-US" sz="1200" dirty="0">
+                    <a:latin typeface="Times Newer Roman" panose="00000500000000000000" pitchFamily="50" charset="0"/>
+                  </a:rPr>
+                  <a:t>分母はすべて</a:t>
+                </a:r>
+                <a:r>
+                  <a:rPr lang="en-US" altLang="ja-JP" sz="1200" dirty="0">
+                    <a:latin typeface="Times Newer Roman" panose="00000500000000000000" pitchFamily="50" charset="0"/>
+                  </a:rPr>
+                  <a:t>4</a:t>
+                </a:r>
+                <a:r>
+                  <a:rPr lang="ja-JP" altLang="en-US" sz="1200" dirty="0">
+                    <a:latin typeface="Times Newer Roman" panose="00000500000000000000" pitchFamily="50" charset="0"/>
+                  </a:rPr>
+                  <a:t>次のコンダクタンスの和、分子は</a:t>
+                </a:r>
+                <a:r>
+                  <a:rPr lang="en-US" altLang="ja-JP" sz="1200" dirty="0">
+                    <a:latin typeface="Times Newer Roman" panose="00000500000000000000" pitchFamily="50" charset="0"/>
+                  </a:rPr>
+                  <a:t>3</a:t>
+                </a:r>
+                <a:r>
+                  <a:rPr lang="ja-JP" altLang="en-US" sz="1200" dirty="0">
+                    <a:latin typeface="Times Newer Roman" panose="00000500000000000000" pitchFamily="50" charset="0"/>
+                  </a:rPr>
+                  <a:t>次のコンダクタンスの和になっている。</a:t>
+                </a:r>
                 <a:endParaRPr lang="en-US" altLang="ja-JP" sz="1200" dirty="0">
-                  <a:latin typeface="Times Newer Roman" panose="00000500000000000000" pitchFamily="50" charset="0"/>
-                </a:endParaRPr>
-              </a:p>
-              <a:p>
-                <a:pPr/>
-                <a14:m>
-                  <m:oMathPara xmlns:m="http://schemas.openxmlformats.org/officeDocument/2006/math">
-                    <m:oMathParaPr>
-                      <m:jc m:val="centerGroup"/>
-                    </m:oMathParaPr>
-                    <m:oMath xmlns:m="http://schemas.openxmlformats.org/officeDocument/2006/math">
-                      <m:sSub>
-                        <m:sSubPr>
-                          <m:ctrlPr>
-                            <a:rPr lang="en-US" altLang="ja-JP" sz="1200" b="0" i="1" smtClean="0">
-                              <a:latin typeface="Cambria Math" panose="02040503050406030204" pitchFamily="18" charset="0"/>
-                            </a:rPr>
-                          </m:ctrlPr>
-                        </m:sSubPr>
-                        <m:e>
-                          <m:r>
-                            <a:rPr lang="en-US" altLang="ja-JP" sz="1200" b="0" i="1" smtClean="0">
-                              <a:latin typeface="Cambria Math" panose="02040503050406030204" pitchFamily="18" charset="0"/>
-                            </a:rPr>
-                            <m:t>𝐶</m:t>
-                          </m:r>
-                        </m:e>
-                        <m:sub>
-                          <m:r>
-                            <a:rPr lang="en-US" altLang="ja-JP" sz="1200" b="0" i="1" smtClean="0">
-                              <a:latin typeface="Cambria Math" panose="02040503050406030204" pitchFamily="18" charset="0"/>
-                            </a:rPr>
-                            <m:t>20</m:t>
-                          </m:r>
-                        </m:sub>
-                      </m:sSub>
-                      <m:r>
-                        <a:rPr lang="en-US" altLang="ja-JP" sz="1200" b="0" i="1" smtClean="0">
-                          <a:latin typeface="Cambria Math" panose="02040503050406030204" pitchFamily="18" charset="0"/>
-                        </a:rPr>
-                        <m:t>=</m:t>
-                      </m:r>
-                      <m:sSub>
-                        <m:sSubPr>
-                          <m:ctrlPr>
-                            <a:rPr lang="en-US" altLang="ja-JP" sz="1200" b="0" i="1" smtClean="0">
-                              <a:latin typeface="Cambria Math" panose="02040503050406030204" pitchFamily="18" charset="0"/>
-                            </a:rPr>
-                          </m:ctrlPr>
-                        </m:sSubPr>
-                        <m:e>
-                          <m:r>
-                            <a:rPr lang="en-US" altLang="ja-JP" sz="1200" b="0" i="1" smtClean="0">
-                              <a:latin typeface="Cambria Math" panose="02040503050406030204" pitchFamily="18" charset="0"/>
-                            </a:rPr>
-                            <m:t>𝐺</m:t>
-                          </m:r>
-                        </m:e>
-                        <m:sub>
-                          <m:r>
-                            <a:rPr lang="en-US" altLang="ja-JP" sz="1200" b="0" i="1" smtClean="0">
-                              <a:latin typeface="Cambria Math" panose="02040503050406030204" pitchFamily="18" charset="0"/>
-                            </a:rPr>
-                            <m:t>1</m:t>
-                          </m:r>
-                        </m:sub>
-                      </m:sSub>
-                      <m:sSub>
-                        <m:sSubPr>
-                          <m:ctrlPr>
-                            <a:rPr lang="en-US" altLang="ja-JP" sz="1200" b="0" i="1" smtClean="0">
-                              <a:latin typeface="Cambria Math" panose="02040503050406030204" pitchFamily="18" charset="0"/>
-                            </a:rPr>
-                          </m:ctrlPr>
-                        </m:sSubPr>
-                        <m:e>
-                          <m:r>
-                            <a:rPr lang="en-US" altLang="ja-JP" sz="1200" b="0" i="1" smtClean="0">
-                              <a:latin typeface="Cambria Math" panose="02040503050406030204" pitchFamily="18" charset="0"/>
-                            </a:rPr>
-                            <m:t>𝐺</m:t>
-                          </m:r>
-                        </m:e>
-                        <m:sub>
-                          <m:r>
-                            <a:rPr lang="en-US" altLang="ja-JP" sz="1200" b="0" i="1" smtClean="0">
-                              <a:latin typeface="Cambria Math" panose="02040503050406030204" pitchFamily="18" charset="0"/>
-                            </a:rPr>
-                            <m:t>3</m:t>
-                          </m:r>
-                        </m:sub>
-                      </m:sSub>
-                      <m:r>
-                        <a:rPr lang="en-US" altLang="ja-JP" sz="1200" b="0" i="1" smtClean="0">
-                          <a:latin typeface="Cambria Math" panose="02040503050406030204" pitchFamily="18" charset="0"/>
-                        </a:rPr>
-                        <m:t>=</m:t>
-                      </m:r>
-                      <m:d>
-                        <m:dPr>
-                          <m:ctrlPr>
-                            <a:rPr lang="en-US" altLang="ja-JP" sz="1200" b="0" i="1" smtClean="0">
-                              <a:latin typeface="Cambria Math" panose="02040503050406030204" pitchFamily="18" charset="0"/>
-                            </a:rPr>
-                          </m:ctrlPr>
-                        </m:dPr>
-                        <m:e>
-                          <m:sSub>
-                            <m:sSubPr>
-                              <m:ctrlPr>
-                                <a:rPr lang="en-US" altLang="ja-JP" sz="1200" i="1">
-                                  <a:latin typeface="Cambria Math" panose="02040503050406030204" pitchFamily="18" charset="0"/>
-                                </a:rPr>
-                              </m:ctrlPr>
-                            </m:sSubPr>
-                            <m:e>
-                              <m:r>
-                                <a:rPr lang="en-US" altLang="ja-JP" sz="1200" i="1">
-                                  <a:latin typeface="Cambria Math" panose="02040503050406030204" pitchFamily="18" charset="0"/>
-                                </a:rPr>
-                                <m:t>𝐺</m:t>
-                              </m:r>
-                            </m:e>
-                            <m:sub>
-                              <m:r>
-                                <a:rPr lang="en-US" altLang="ja-JP" sz="1200" i="1">
-                                  <a:latin typeface="Cambria Math" panose="02040503050406030204" pitchFamily="18" charset="0"/>
-                                </a:rPr>
-                                <m:t>𝐸</m:t>
-                              </m:r>
-                              <m:r>
-                                <a:rPr lang="en-US" altLang="ja-JP" sz="1200" i="1">
-                                  <a:latin typeface="Cambria Math" panose="02040503050406030204" pitchFamily="18" charset="0"/>
-                                </a:rPr>
-                                <m:t>1</m:t>
-                              </m:r>
-                            </m:sub>
-                          </m:sSub>
-                          <m:r>
-                            <a:rPr lang="en-US" altLang="ja-JP" sz="1200" i="1">
-                              <a:latin typeface="Cambria Math" panose="02040503050406030204" pitchFamily="18" charset="0"/>
-                            </a:rPr>
-                            <m:t>+</m:t>
-                          </m:r>
-                          <m:sSub>
-                            <m:sSubPr>
-                              <m:ctrlPr>
-                                <a:rPr lang="en-US" altLang="ja-JP" sz="1200" i="1">
-                                  <a:latin typeface="Cambria Math" panose="02040503050406030204" pitchFamily="18" charset="0"/>
-                                </a:rPr>
-                              </m:ctrlPr>
-                            </m:sSubPr>
-                            <m:e>
-                              <m:r>
-                                <a:rPr lang="en-US" altLang="ja-JP" sz="1200" i="1">
-                                  <a:latin typeface="Cambria Math" panose="02040503050406030204" pitchFamily="18" charset="0"/>
-                                </a:rPr>
-                                <m:t>𝑔</m:t>
-                              </m:r>
-                            </m:e>
-                            <m:sub>
-                              <m:r>
-                                <a:rPr lang="en-US" altLang="ja-JP" sz="1200" i="1">
-                                  <a:latin typeface="Cambria Math" panose="02040503050406030204" pitchFamily="18" charset="0"/>
-                                </a:rPr>
-                                <m:t>𝑚</m:t>
-                              </m:r>
-                              <m:r>
-                                <a:rPr lang="en-US" altLang="ja-JP" sz="1200" i="1">
-                                  <a:latin typeface="Cambria Math" panose="02040503050406030204" pitchFamily="18" charset="0"/>
-                                </a:rPr>
-                                <m:t>1</m:t>
-                              </m:r>
-                            </m:sub>
-                          </m:sSub>
-                          <m:r>
-                            <a:rPr lang="en-US" altLang="ja-JP" sz="1200" i="1">
-                              <a:latin typeface="Cambria Math" panose="02040503050406030204" pitchFamily="18" charset="0"/>
-                            </a:rPr>
-                            <m:t>+</m:t>
-                          </m:r>
-                          <m:sSub>
-                            <m:sSubPr>
-                              <m:ctrlPr>
-                                <a:rPr lang="en-US" altLang="ja-JP" sz="1200" i="1">
-                                  <a:latin typeface="Cambria Math" panose="02040503050406030204" pitchFamily="18" charset="0"/>
-                                </a:rPr>
-                              </m:ctrlPr>
-                            </m:sSubPr>
-                            <m:e>
-                              <m:r>
-                                <a:rPr lang="en-US" altLang="ja-JP" sz="1200" i="1">
-                                  <a:latin typeface="Cambria Math" panose="02040503050406030204" pitchFamily="18" charset="0"/>
-                                </a:rPr>
-                                <m:t>𝑔</m:t>
-                              </m:r>
-                            </m:e>
-                            <m:sub>
-                              <m:r>
-                                <a:rPr lang="en-US" altLang="ja-JP" sz="1200" i="1">
-                                  <a:latin typeface="Cambria Math" panose="02040503050406030204" pitchFamily="18" charset="0"/>
-                                </a:rPr>
-                                <m:t>𝑐</m:t>
-                              </m:r>
-                              <m:r>
-                                <a:rPr lang="en-US" altLang="ja-JP" sz="1200" i="1">
-                                  <a:latin typeface="Cambria Math" panose="02040503050406030204" pitchFamily="18" charset="0"/>
-                                </a:rPr>
-                                <m:t>1</m:t>
-                              </m:r>
-                            </m:sub>
-                          </m:sSub>
-                        </m:e>
-                      </m:d>
-                      <m:d>
-                        <m:dPr>
-                          <m:begChr m:val=""/>
-                          <m:endChr m:val="}"/>
-                          <m:ctrlPr>
-                            <a:rPr lang="en-US" altLang="ja-JP" sz="1200" b="0" i="1" smtClean="0">
-                              <a:latin typeface="Cambria Math" panose="02040503050406030204" pitchFamily="18" charset="0"/>
-                            </a:rPr>
-                          </m:ctrlPr>
-                        </m:dPr>
-                        <m:e>
-                          <m:d>
-                            <m:dPr>
-                              <m:begChr m:val="{"/>
-                              <m:endChr m:val=""/>
-                              <m:ctrlPr>
-                                <a:rPr lang="en-US" altLang="ja-JP" sz="1200" b="0" i="1" smtClean="0">
-                                  <a:latin typeface="Cambria Math" panose="02040503050406030204" pitchFamily="18" charset="0"/>
-                                </a:rPr>
-                              </m:ctrlPr>
-                            </m:dPr>
-                            <m:e>
-                              <m:sSub>
-                                <m:sSubPr>
-                                  <m:ctrlPr>
-                                    <a:rPr lang="en-US" altLang="ja-JP" sz="1200" b="0" i="1" smtClean="0">
-                                      <a:latin typeface="Cambria Math" panose="02040503050406030204" pitchFamily="18" charset="0"/>
-                                    </a:rPr>
-                                  </m:ctrlPr>
-                                </m:sSubPr>
-                                <m:e>
-                                  <m:r>
-                                    <a:rPr lang="en-US" altLang="ja-JP" sz="1200" b="0" i="1" smtClean="0">
-                                      <a:latin typeface="Cambria Math" panose="02040503050406030204" pitchFamily="18" charset="0"/>
-                                    </a:rPr>
-                                    <m:t>𝑔</m:t>
-                                  </m:r>
-                                </m:e>
-                                <m:sub>
-                                  <m:r>
-                                    <a:rPr lang="en-US" altLang="ja-JP" sz="1200" b="0" i="1" smtClean="0">
-                                      <a:latin typeface="Cambria Math" panose="02040503050406030204" pitchFamily="18" charset="0"/>
-                                    </a:rPr>
-                                    <m:t>𝑐</m:t>
-                                  </m:r>
-                                  <m:r>
-                                    <a:rPr lang="en-US" altLang="ja-JP" sz="1200" b="0" i="1" smtClean="0">
-                                      <a:latin typeface="Cambria Math" panose="02040503050406030204" pitchFamily="18" charset="0"/>
-                                    </a:rPr>
-                                    <m:t>1</m:t>
-                                  </m:r>
-                                </m:sub>
-                              </m:sSub>
-                              <m:d>
-                                <m:dPr>
-                                  <m:ctrlPr>
-                                    <a:rPr lang="en-US" altLang="ja-JP" sz="1200" b="0" i="1" smtClean="0">
-                                      <a:latin typeface="Cambria Math" panose="02040503050406030204" pitchFamily="18" charset="0"/>
-                                    </a:rPr>
-                                  </m:ctrlPr>
-                                </m:dPr>
-                                <m:e>
-                                  <m:sSub>
-                                    <m:sSubPr>
-                                      <m:ctrlPr>
-                                        <a:rPr lang="en-US" altLang="ja-JP" sz="1200" b="0" i="1" smtClean="0">
-                                          <a:latin typeface="Cambria Math" panose="02040503050406030204" pitchFamily="18" charset="0"/>
-                                        </a:rPr>
-                                      </m:ctrlPr>
-                                    </m:sSubPr>
-                                    <m:e>
-                                      <m:r>
-                                        <a:rPr lang="en-US" altLang="ja-JP" sz="1200" b="0" i="1" smtClean="0">
-                                          <a:latin typeface="Cambria Math" panose="02040503050406030204" pitchFamily="18" charset="0"/>
-                                        </a:rPr>
-                                        <m:t>𝑔</m:t>
-                                      </m:r>
-                                    </m:e>
-                                    <m:sub>
-                                      <m:r>
-                                        <a:rPr lang="en-US" altLang="ja-JP" sz="1200" b="0" i="1" smtClean="0">
-                                          <a:latin typeface="Cambria Math" panose="02040503050406030204" pitchFamily="18" charset="0"/>
-                                        </a:rPr>
-                                        <m:t>𝑚</m:t>
-                                      </m:r>
-                                      <m:r>
-                                        <a:rPr lang="en-US" altLang="ja-JP" sz="1200" b="0" i="1" smtClean="0">
-                                          <a:latin typeface="Cambria Math" panose="02040503050406030204" pitchFamily="18" charset="0"/>
-                                        </a:rPr>
-                                        <m:t>1</m:t>
-                                      </m:r>
-                                    </m:sub>
-                                  </m:sSub>
-                                  <m:r>
-                                    <a:rPr lang="en-US" altLang="ja-JP" sz="1200" b="0" i="1" smtClean="0">
-                                      <a:latin typeface="Cambria Math" panose="02040503050406030204" pitchFamily="18" charset="0"/>
-                                    </a:rPr>
-                                    <m:t>+</m:t>
-                                  </m:r>
-                                  <m:sSub>
-                                    <m:sSubPr>
-                                      <m:ctrlPr>
-                                        <a:rPr lang="en-US" altLang="ja-JP" sz="1200" b="0" i="1" smtClean="0">
-                                          <a:latin typeface="Cambria Math" panose="02040503050406030204" pitchFamily="18" charset="0"/>
-                                        </a:rPr>
-                                      </m:ctrlPr>
-                                    </m:sSubPr>
-                                    <m:e>
-                                      <m:r>
-                                        <a:rPr lang="en-US" altLang="ja-JP" sz="1200" b="0" i="1" smtClean="0">
-                                          <a:latin typeface="Cambria Math" panose="02040503050406030204" pitchFamily="18" charset="0"/>
-                                        </a:rPr>
-                                        <m:t>𝑔</m:t>
-                                      </m:r>
-                                    </m:e>
-                                    <m:sub>
-                                      <m:r>
-                                        <a:rPr lang="en-US" altLang="ja-JP" sz="1200" b="0" i="1" smtClean="0">
-                                          <a:latin typeface="Cambria Math" panose="02040503050406030204" pitchFamily="18" charset="0"/>
-                                        </a:rPr>
-                                        <m:t>𝑐𝑒</m:t>
-                                      </m:r>
-                                      <m:r>
-                                        <a:rPr lang="en-US" altLang="ja-JP" sz="1200" b="0" i="1" smtClean="0">
-                                          <a:latin typeface="Cambria Math" panose="02040503050406030204" pitchFamily="18" charset="0"/>
-                                        </a:rPr>
-                                        <m:t>1</m:t>
-                                      </m:r>
-                                    </m:sub>
-                                  </m:sSub>
-                                </m:e>
-                              </m:d>
-                              <m:r>
-                                <a:rPr lang="en-US" altLang="ja-JP" sz="1200" b="0" i="1" smtClean="0">
-                                  <a:latin typeface="Cambria Math" panose="02040503050406030204" pitchFamily="18" charset="0"/>
-                                </a:rPr>
-                                <m:t>−</m:t>
-                              </m:r>
-                              <m:d>
-                                <m:dPr>
-                                  <m:ctrlPr>
-                                    <a:rPr lang="en-US" altLang="ja-JP" sz="1200" b="0" i="1" smtClean="0">
-                                      <a:latin typeface="Cambria Math" panose="02040503050406030204" pitchFamily="18" charset="0"/>
-                                    </a:rPr>
-                                  </m:ctrlPr>
-                                </m:dPr>
-                                <m:e>
-                                  <m:sSub>
-                                    <m:sSubPr>
-                                      <m:ctrlPr>
-                                        <a:rPr lang="en-US" altLang="ja-JP" sz="1200" i="1">
-                                          <a:latin typeface="Cambria Math" panose="02040503050406030204" pitchFamily="18" charset="0"/>
-                                        </a:rPr>
-                                      </m:ctrlPr>
-                                    </m:sSubPr>
-                                    <m:e>
-                                      <m:r>
-                                        <a:rPr lang="en-US" altLang="ja-JP" sz="1200" i="1">
-                                          <a:latin typeface="Cambria Math" panose="02040503050406030204" pitchFamily="18" charset="0"/>
-                                        </a:rPr>
-                                        <m:t>𝐺</m:t>
-                                      </m:r>
-                                    </m:e>
-                                    <m:sub>
-                                      <m:r>
-                                        <a:rPr lang="en-US" altLang="ja-JP" sz="1200" i="1">
-                                          <a:latin typeface="Cambria Math" panose="02040503050406030204" pitchFamily="18" charset="0"/>
-                                        </a:rPr>
-                                        <m:t>𝐸</m:t>
-                                      </m:r>
-                                      <m:r>
-                                        <a:rPr lang="en-US" altLang="ja-JP" sz="1200" i="1">
-                                          <a:latin typeface="Cambria Math" panose="02040503050406030204" pitchFamily="18" charset="0"/>
-                                        </a:rPr>
-                                        <m:t>1</m:t>
-                                      </m:r>
-                                    </m:sub>
-                                  </m:sSub>
-                                  <m:r>
-                                    <a:rPr lang="en-US" altLang="ja-JP" sz="1200" i="1">
-                                      <a:latin typeface="Cambria Math" panose="02040503050406030204" pitchFamily="18" charset="0"/>
-                                    </a:rPr>
-                                    <m:t>+</m:t>
-                                  </m:r>
-                                  <m:sSub>
-                                    <m:sSubPr>
-                                      <m:ctrlPr>
-                                        <a:rPr lang="en-US" altLang="ja-JP" sz="1200" i="1">
-                                          <a:latin typeface="Cambria Math" panose="02040503050406030204" pitchFamily="18" charset="0"/>
-                                        </a:rPr>
-                                      </m:ctrlPr>
-                                    </m:sSubPr>
-                                    <m:e>
-                                      <m:r>
-                                        <a:rPr lang="en-US" altLang="ja-JP" sz="1200" i="1">
-                                          <a:latin typeface="Cambria Math" panose="02040503050406030204" pitchFamily="18" charset="0"/>
-                                        </a:rPr>
-                                        <m:t>𝑔</m:t>
-                                      </m:r>
-                                    </m:e>
-                                    <m:sub>
-                                      <m:r>
-                                        <a:rPr lang="en-US" altLang="ja-JP" sz="1200" i="1">
-                                          <a:latin typeface="Cambria Math" panose="02040503050406030204" pitchFamily="18" charset="0"/>
-                                        </a:rPr>
-                                        <m:t>𝑚</m:t>
-                                      </m:r>
-                                      <m:r>
-                                        <a:rPr lang="en-US" altLang="ja-JP" sz="1200" i="1">
-                                          <a:latin typeface="Cambria Math" panose="02040503050406030204" pitchFamily="18" charset="0"/>
-                                        </a:rPr>
-                                        <m:t>1</m:t>
-                                      </m:r>
-                                    </m:sub>
-                                  </m:sSub>
-                                  <m:r>
-                                    <a:rPr lang="en-US" altLang="ja-JP" sz="1200" i="1">
-                                      <a:latin typeface="Cambria Math" panose="02040503050406030204" pitchFamily="18" charset="0"/>
-                                    </a:rPr>
-                                    <m:t>+</m:t>
-                                  </m:r>
-                                  <m:sSub>
-                                    <m:sSubPr>
-                                      <m:ctrlPr>
-                                        <a:rPr lang="en-US" altLang="ja-JP" sz="1200" i="1">
-                                          <a:latin typeface="Cambria Math" panose="02040503050406030204" pitchFamily="18" charset="0"/>
-                                        </a:rPr>
-                                      </m:ctrlPr>
-                                    </m:sSubPr>
-                                    <m:e>
-                                      <m:r>
-                                        <a:rPr lang="en-US" altLang="ja-JP" sz="1200" i="1">
-                                          <a:latin typeface="Cambria Math" panose="02040503050406030204" pitchFamily="18" charset="0"/>
-                                        </a:rPr>
-                                        <m:t>𝑔</m:t>
-                                      </m:r>
-                                    </m:e>
-                                    <m:sub>
-                                      <m:r>
-                                        <a:rPr lang="en-US" altLang="ja-JP" sz="1200" i="1">
-                                          <a:latin typeface="Cambria Math" panose="02040503050406030204" pitchFamily="18" charset="0"/>
-                                        </a:rPr>
-                                        <m:t>𝑐</m:t>
-                                      </m:r>
-                                      <m:r>
-                                        <a:rPr lang="en-US" altLang="ja-JP" sz="1200" i="1">
-                                          <a:latin typeface="Cambria Math" panose="02040503050406030204" pitchFamily="18" charset="0"/>
-                                        </a:rPr>
-                                        <m:t>1</m:t>
-                                      </m:r>
-                                    </m:sub>
-                                  </m:sSub>
-                                </m:e>
-                              </m:d>
-                              <m:d>
-                                <m:dPr>
-                                  <m:ctrlPr>
-                                    <a:rPr lang="en-US" altLang="ja-JP" sz="1200" b="0" i="1" smtClean="0">
-                                      <a:latin typeface="Cambria Math" panose="02040503050406030204" pitchFamily="18" charset="0"/>
-                                    </a:rPr>
-                                  </m:ctrlPr>
-                                </m:dPr>
-                                <m:e>
-                                  <m:sSub>
-                                    <m:sSubPr>
-                                      <m:ctrlPr>
-                                        <a:rPr lang="en-US" altLang="ja-JP" sz="1200" i="1">
-                                          <a:latin typeface="Cambria Math" panose="02040503050406030204" pitchFamily="18" charset="0"/>
-                                        </a:rPr>
-                                      </m:ctrlPr>
-                                    </m:sSubPr>
-                                    <m:e>
-                                      <m:r>
-                                        <a:rPr lang="en-US" altLang="ja-JP" sz="1200" i="1">
-                                          <a:latin typeface="Cambria Math" panose="02040503050406030204" pitchFamily="18" charset="0"/>
-                                        </a:rPr>
-                                        <m:t>𝐺</m:t>
-                                      </m:r>
-                                    </m:e>
-                                    <m:sub>
-                                      <m:r>
-                                        <a:rPr lang="en-US" altLang="ja-JP" sz="1200" i="1">
-                                          <a:latin typeface="Cambria Math" panose="02040503050406030204" pitchFamily="18" charset="0"/>
-                                        </a:rPr>
-                                        <m:t>𝐶</m:t>
-                                      </m:r>
-                                      <m:r>
-                                        <a:rPr lang="en-US" altLang="ja-JP" sz="1200" i="1">
-                                          <a:latin typeface="Cambria Math" panose="02040503050406030204" pitchFamily="18" charset="0"/>
-                                        </a:rPr>
-                                        <m:t>1</m:t>
-                                      </m:r>
-                                    </m:sub>
-                                  </m:sSub>
-                                  <m:r>
-                                    <a:rPr lang="en-US" altLang="ja-JP" sz="1200" i="1">
-                                      <a:latin typeface="Cambria Math" panose="02040503050406030204" pitchFamily="18" charset="0"/>
-                                    </a:rPr>
-                                    <m:t>+</m:t>
-                                  </m:r>
-                                  <m:sSub>
-                                    <m:sSubPr>
-                                      <m:ctrlPr>
-                                        <a:rPr lang="en-US" altLang="ja-JP" sz="1200" i="1">
-                                          <a:latin typeface="Cambria Math" panose="02040503050406030204" pitchFamily="18" charset="0"/>
-                                        </a:rPr>
-                                      </m:ctrlPr>
-                                    </m:sSubPr>
-                                    <m:e>
-                                      <m:r>
-                                        <a:rPr lang="en-US" altLang="ja-JP" sz="1200" i="1">
-                                          <a:latin typeface="Cambria Math" panose="02040503050406030204" pitchFamily="18" charset="0"/>
-                                        </a:rPr>
-                                        <m:t>𝑔</m:t>
-                                      </m:r>
-                                    </m:e>
-                                    <m:sub>
-                                      <m:r>
-                                        <a:rPr lang="en-US" altLang="ja-JP" sz="1200" i="1">
-                                          <a:latin typeface="Cambria Math" panose="02040503050406030204" pitchFamily="18" charset="0"/>
-                                        </a:rPr>
-                                        <m:t>𝑐𝑒</m:t>
-                                      </m:r>
-                                      <m:r>
-                                        <a:rPr lang="en-US" altLang="ja-JP" sz="1200" i="1">
-                                          <a:latin typeface="Cambria Math" panose="02040503050406030204" pitchFamily="18" charset="0"/>
-                                        </a:rPr>
-                                        <m:t>1</m:t>
-                                      </m:r>
-                                    </m:sub>
-                                  </m:sSub>
-                                  <m:r>
-                                    <a:rPr lang="en-US" altLang="ja-JP" sz="1200" i="1">
-                                      <a:latin typeface="Cambria Math" panose="02040503050406030204" pitchFamily="18" charset="0"/>
-                                    </a:rPr>
-                                    <m:t>+</m:t>
-                                  </m:r>
-                                  <m:sSub>
-                                    <m:sSubPr>
-                                      <m:ctrlPr>
-                                        <a:rPr lang="en-US" altLang="ja-JP" sz="1200" i="1">
-                                          <a:latin typeface="Cambria Math" panose="02040503050406030204" pitchFamily="18" charset="0"/>
-                                        </a:rPr>
-                                      </m:ctrlPr>
-                                    </m:sSubPr>
-                                    <m:e>
-                                      <m:r>
-                                        <a:rPr lang="en-US" altLang="ja-JP" sz="1200" i="1">
-                                          <a:latin typeface="Cambria Math" panose="02040503050406030204" pitchFamily="18" charset="0"/>
-                                        </a:rPr>
-                                        <m:t>𝑔</m:t>
-                                      </m:r>
-                                    </m:e>
-                                    <m:sub>
-                                      <m:r>
-                                        <a:rPr lang="en-US" altLang="ja-JP" sz="1200" i="1">
-                                          <a:latin typeface="Cambria Math" panose="02040503050406030204" pitchFamily="18" charset="0"/>
-                                        </a:rPr>
-                                        <m:t>𝑖𝑒</m:t>
-                                      </m:r>
-                                      <m:r>
-                                        <a:rPr lang="en-US" altLang="ja-JP" sz="1200" i="1">
-                                          <a:latin typeface="Cambria Math" panose="02040503050406030204" pitchFamily="18" charset="0"/>
-                                        </a:rPr>
-                                        <m:t>1</m:t>
-                                      </m:r>
-                                    </m:sub>
-                                  </m:sSub>
-                                </m:e>
-                              </m:d>
-                            </m:e>
-                          </m:d>
-                        </m:e>
-                      </m:d>
-                    </m:oMath>
-                  </m:oMathPara>
-                </a14:m>
-                <a:endParaRPr lang="en-US" altLang="ja-JP" sz="1200" dirty="0">
-                  <a:latin typeface="Times Newer Roman" panose="00000500000000000000" pitchFamily="50" charset="0"/>
-                </a:endParaRPr>
-              </a:p>
-              <a:p>
-                <a:pPr/>
-                <a14:m>
-                  <m:oMathPara xmlns:m="http://schemas.openxmlformats.org/officeDocument/2006/math">
-                    <m:oMathParaPr>
-                      <m:jc m:val="centerGroup"/>
-                    </m:oMathParaPr>
-                    <m:oMath xmlns:m="http://schemas.openxmlformats.org/officeDocument/2006/math">
-                      <m:sSub>
-                        <m:sSubPr>
-                          <m:ctrlPr>
-                            <a:rPr lang="en-US" altLang="ja-JP" sz="1200" b="0" i="1" smtClean="0">
-                              <a:latin typeface="Cambria Math" panose="02040503050406030204" pitchFamily="18" charset="0"/>
-                            </a:rPr>
-                          </m:ctrlPr>
-                        </m:sSubPr>
-                        <m:e>
-                          <m:r>
-                            <a:rPr lang="en-US" altLang="ja-JP" sz="1200" b="0" i="1" smtClean="0">
-                              <a:latin typeface="Cambria Math" panose="02040503050406030204" pitchFamily="18" charset="0"/>
-                            </a:rPr>
-                            <m:t>𝐶</m:t>
-                          </m:r>
-                        </m:e>
-                        <m:sub>
-                          <m:r>
-                            <a:rPr lang="en-US" altLang="ja-JP" sz="1200" b="0" i="1" smtClean="0">
-                              <a:latin typeface="Cambria Math" panose="02040503050406030204" pitchFamily="18" charset="0"/>
-                            </a:rPr>
-                            <m:t>21</m:t>
-                          </m:r>
-                        </m:sub>
-                      </m:sSub>
-                      <m:r>
-                        <a:rPr lang="en-US" altLang="ja-JP" sz="1200" b="0" i="1" smtClean="0">
-                          <a:latin typeface="Cambria Math" panose="02040503050406030204" pitchFamily="18" charset="0"/>
-                        </a:rPr>
-                        <m:t>=</m:t>
-                      </m:r>
-                    </m:oMath>
-                  </m:oMathPara>
-                </a14:m>
-                <a:endParaRPr lang="en-US" altLang="ja-JP" sz="1200" b="0" dirty="0">
-                  <a:latin typeface="Times Newer Roman" panose="00000500000000000000" pitchFamily="50" charset="0"/>
-                </a:endParaRPr>
-              </a:p>
-              <a:p>
-                <a:pPr/>
-                <a14:m>
-                  <m:oMathPara xmlns:m="http://schemas.openxmlformats.org/officeDocument/2006/math">
-                    <m:oMathParaPr>
-                      <m:jc m:val="centerGroup"/>
-                    </m:oMathParaPr>
-                    <m:oMath xmlns:m="http://schemas.openxmlformats.org/officeDocument/2006/math">
-                      <m:sSub>
-                        <m:sSubPr>
-                          <m:ctrlPr>
-                            <a:rPr lang="en-US" altLang="ja-JP" sz="1200" b="0" i="1" smtClean="0">
-                              <a:latin typeface="Cambria Math" panose="02040503050406030204" pitchFamily="18" charset="0"/>
-                            </a:rPr>
-                          </m:ctrlPr>
-                        </m:sSubPr>
-                        <m:e>
-                          <m:r>
-                            <a:rPr lang="en-US" altLang="ja-JP" sz="1200" b="0" i="1" smtClean="0">
-                              <a:latin typeface="Cambria Math" panose="02040503050406030204" pitchFamily="18" charset="0"/>
-                            </a:rPr>
-                            <m:t>𝐶</m:t>
-                          </m:r>
-                        </m:e>
-                        <m:sub>
-                          <m:r>
-                            <a:rPr lang="en-US" altLang="ja-JP" sz="1200" b="0" i="1" smtClean="0">
-                              <a:latin typeface="Cambria Math" panose="02040503050406030204" pitchFamily="18" charset="0"/>
-                            </a:rPr>
-                            <m:t>22</m:t>
-                          </m:r>
-                        </m:sub>
-                      </m:sSub>
-                      <m:r>
-                        <a:rPr lang="en-US" altLang="ja-JP" sz="1200" b="0" i="1" smtClean="0">
-                          <a:latin typeface="Cambria Math" panose="02040503050406030204" pitchFamily="18" charset="0"/>
-                        </a:rPr>
-                        <m:t>=</m:t>
-                      </m:r>
-                    </m:oMath>
-                  </m:oMathPara>
-                </a14:m>
-                <a:endParaRPr lang="en-US" altLang="ja-JP" sz="1200" b="0" dirty="0">
-                  <a:latin typeface="Times Newer Roman" panose="00000500000000000000" pitchFamily="50" charset="0"/>
-                </a:endParaRPr>
-              </a:p>
-              <a:p>
-                <a:pPr/>
-                <a14:m>
-                  <m:oMathPara xmlns:m="http://schemas.openxmlformats.org/officeDocument/2006/math">
-                    <m:oMathParaPr>
-                      <m:jc m:val="centerGroup"/>
-                    </m:oMathParaPr>
-                    <m:oMath xmlns:m="http://schemas.openxmlformats.org/officeDocument/2006/math">
-                      <m:sSub>
-                        <m:sSubPr>
-                          <m:ctrlPr>
-                            <a:rPr lang="en-US" altLang="ja-JP" sz="1200" b="0" i="1" smtClean="0">
-                              <a:latin typeface="Cambria Math" panose="02040503050406030204" pitchFamily="18" charset="0"/>
-                            </a:rPr>
-                          </m:ctrlPr>
-                        </m:sSubPr>
-                        <m:e>
-                          <m:r>
-                            <a:rPr lang="en-US" altLang="ja-JP" sz="1200" b="0" i="1" smtClean="0">
-                              <a:latin typeface="Cambria Math" panose="02040503050406030204" pitchFamily="18" charset="0"/>
-                            </a:rPr>
-                            <m:t>𝐶</m:t>
-                          </m:r>
-                        </m:e>
-                        <m:sub>
-                          <m:r>
-                            <a:rPr lang="en-US" altLang="ja-JP" sz="1200" b="0" i="1" smtClean="0">
-                              <a:latin typeface="Cambria Math" panose="02040503050406030204" pitchFamily="18" charset="0"/>
-                            </a:rPr>
-                            <m:t>23</m:t>
-                          </m:r>
-                        </m:sub>
-                      </m:sSub>
-                      <m:r>
-                        <a:rPr lang="en-US" altLang="ja-JP" sz="1200" b="0" i="1" smtClean="0">
-                          <a:latin typeface="Cambria Math" panose="02040503050406030204" pitchFamily="18" charset="0"/>
-                        </a:rPr>
-                        <m:t>=</m:t>
-                      </m:r>
-                      <m:sSub>
-                        <m:sSubPr>
-                          <m:ctrlPr>
-                            <a:rPr lang="en-US" altLang="ja-JP" sz="1200" b="0" i="1" smtClean="0">
-                              <a:latin typeface="Cambria Math" panose="02040503050406030204" pitchFamily="18" charset="0"/>
-                            </a:rPr>
-                          </m:ctrlPr>
-                        </m:sSubPr>
-                        <m:e>
-                          <m:r>
-                            <a:rPr lang="en-US" altLang="ja-JP" sz="1200" b="0" i="1" smtClean="0">
-                              <a:latin typeface="Cambria Math" panose="02040503050406030204" pitchFamily="18" charset="0"/>
-                            </a:rPr>
-                            <m:t>𝐶</m:t>
-                          </m:r>
-                        </m:e>
-                        <m:sub>
-                          <m:r>
-                            <a:rPr lang="en-US" altLang="ja-JP" sz="1200" b="0" i="1" smtClean="0">
-                              <a:latin typeface="Cambria Math" panose="02040503050406030204" pitchFamily="18" charset="0"/>
-                            </a:rPr>
-                            <m:t>1</m:t>
-                          </m:r>
-                        </m:sub>
-                      </m:sSub>
-                      <m:d>
-                        <m:dPr>
-                          <m:begChr m:val=""/>
-                          <m:endChr m:val="}"/>
-                          <m:ctrlPr>
-                            <a:rPr lang="en-US" altLang="ja-JP" sz="1200" i="1">
-                              <a:latin typeface="Cambria Math" panose="02040503050406030204" pitchFamily="18" charset="0"/>
-                            </a:rPr>
-                          </m:ctrlPr>
-                        </m:dPr>
-                        <m:e>
-                          <m:d>
-                            <m:dPr>
-                              <m:begChr m:val="{"/>
-                              <m:endChr m:val=""/>
-                              <m:ctrlPr>
-                                <a:rPr lang="en-US" altLang="ja-JP" sz="1200" i="1">
-                                  <a:latin typeface="Cambria Math" panose="02040503050406030204" pitchFamily="18" charset="0"/>
-                                </a:rPr>
-                              </m:ctrlPr>
-                            </m:dPr>
-                            <m:e>
-                              <m:sSub>
-                                <m:sSubPr>
-                                  <m:ctrlPr>
-                                    <a:rPr lang="en-US" altLang="ja-JP" sz="1200" i="1">
-                                      <a:latin typeface="Cambria Math" panose="02040503050406030204" pitchFamily="18" charset="0"/>
-                                    </a:rPr>
-                                  </m:ctrlPr>
-                                </m:sSubPr>
-                                <m:e>
-                                  <m:r>
-                                    <a:rPr lang="en-US" altLang="ja-JP" sz="1200" i="1">
-                                      <a:latin typeface="Cambria Math" panose="02040503050406030204" pitchFamily="18" charset="0"/>
-                                    </a:rPr>
-                                    <m:t>𝐺</m:t>
-                                  </m:r>
-                                </m:e>
-                                <m:sub>
-                                  <m:r>
-                                    <a:rPr lang="en-US" altLang="ja-JP" sz="1200" i="1">
-                                      <a:latin typeface="Cambria Math" panose="02040503050406030204" pitchFamily="18" charset="0"/>
-                                    </a:rPr>
-                                    <m:t>4</m:t>
-                                  </m:r>
-                                </m:sub>
-                              </m:sSub>
-                              <m:r>
-                                <a:rPr lang="en-US" altLang="ja-JP" sz="1200" i="1">
-                                  <a:latin typeface="Cambria Math" panose="02040503050406030204" pitchFamily="18" charset="0"/>
-                                </a:rPr>
-                                <m:t>+</m:t>
-                              </m:r>
-                              <m:sSub>
-                                <m:sSubPr>
-                                  <m:ctrlPr>
-                                    <a:rPr lang="en-US" altLang="ja-JP" sz="1200" i="1">
-                                      <a:latin typeface="Cambria Math" panose="02040503050406030204" pitchFamily="18" charset="0"/>
-                                    </a:rPr>
-                                  </m:ctrlPr>
-                                </m:sSubPr>
-                                <m:e>
-                                  <m:r>
-                                    <a:rPr lang="en-US" altLang="ja-JP" sz="1200" i="1">
-                                      <a:latin typeface="Cambria Math" panose="02040503050406030204" pitchFamily="18" charset="0"/>
-                                    </a:rPr>
-                                    <m:t>𝐶</m:t>
-                                  </m:r>
-                                </m:e>
-                                <m:sub>
-                                  <m:r>
-                                    <a:rPr lang="en-US" altLang="ja-JP" sz="1200" i="1">
-                                      <a:latin typeface="Cambria Math" panose="02040503050406030204" pitchFamily="18" charset="0"/>
-                                    </a:rPr>
-                                    <m:t>𝑗𝑐</m:t>
-                                  </m:r>
-                                  <m:r>
-                                    <a:rPr lang="en-US" altLang="ja-JP" sz="1200" i="1">
-                                      <a:latin typeface="Cambria Math" panose="02040503050406030204" pitchFamily="18" charset="0"/>
-                                    </a:rPr>
-                                    <m:t>2</m:t>
-                                  </m:r>
-                                </m:sub>
-                              </m:sSub>
-                              <m:d>
-                                <m:dPr>
-                                  <m:ctrlPr>
-                                    <a:rPr lang="en-US" altLang="ja-JP" sz="1200" i="1">
-                                      <a:latin typeface="Cambria Math" panose="02040503050406030204" pitchFamily="18" charset="0"/>
-                                    </a:rPr>
-                                  </m:ctrlPr>
-                                </m:dPr>
-                                <m:e>
-                                  <m:sSub>
-                                    <m:sSubPr>
-                                      <m:ctrlPr>
-                                        <a:rPr lang="en-US" altLang="ja-JP" sz="1200" i="1">
-                                          <a:latin typeface="Cambria Math" panose="02040503050406030204" pitchFamily="18" charset="0"/>
-                                        </a:rPr>
-                                      </m:ctrlPr>
-                                    </m:sSubPr>
-                                    <m:e>
-                                      <m:r>
-                                        <a:rPr lang="en-US" altLang="ja-JP" sz="1200" i="1">
-                                          <a:latin typeface="Cambria Math" panose="02040503050406030204" pitchFamily="18" charset="0"/>
-                                        </a:rPr>
-                                        <m:t>𝑔</m:t>
-                                      </m:r>
-                                    </m:e>
-                                    <m:sub>
-                                      <m:r>
-                                        <a:rPr lang="en-US" altLang="ja-JP" sz="1200" i="1">
-                                          <a:latin typeface="Cambria Math" panose="02040503050406030204" pitchFamily="18" charset="0"/>
-                                        </a:rPr>
-                                        <m:t>𝑚</m:t>
-                                      </m:r>
-                                      <m:r>
-                                        <a:rPr lang="en-US" altLang="ja-JP" sz="1200" i="1">
-                                          <a:latin typeface="Cambria Math" panose="02040503050406030204" pitchFamily="18" charset="0"/>
-                                        </a:rPr>
-                                        <m:t>2</m:t>
-                                      </m:r>
-                                    </m:sub>
-                                  </m:sSub>
-                                  <m:sSub>
-                                    <m:sSubPr>
-                                      <m:ctrlPr>
-                                        <a:rPr lang="en-US" altLang="ja-JP" sz="1200" i="1">
-                                          <a:latin typeface="Cambria Math" panose="02040503050406030204" pitchFamily="18" charset="0"/>
-                                        </a:rPr>
-                                      </m:ctrlPr>
-                                    </m:sSubPr>
-                                    <m:e>
-                                      <m:r>
-                                        <a:rPr lang="en-US" altLang="ja-JP" sz="1200" i="1">
-                                          <a:latin typeface="Cambria Math" panose="02040503050406030204" pitchFamily="18" charset="0"/>
-                                        </a:rPr>
-                                        <m:t>𝐶</m:t>
-                                      </m:r>
-                                    </m:e>
-                                    <m:sub>
-                                      <m:r>
-                                        <a:rPr lang="en-US" altLang="ja-JP" sz="1200" i="1">
-                                          <a:latin typeface="Cambria Math" panose="02040503050406030204" pitchFamily="18" charset="0"/>
-                                        </a:rPr>
-                                        <m:t>1</m:t>
-                                      </m:r>
-                                    </m:sub>
-                                  </m:sSub>
-                                  <m:r>
-                                    <a:rPr lang="en-US" altLang="ja-JP" sz="1200" i="1">
-                                      <a:latin typeface="Cambria Math" panose="02040503050406030204" pitchFamily="18" charset="0"/>
-                                    </a:rPr>
-                                    <m:t>−</m:t>
-                                  </m:r>
-                                  <m:sSub>
-                                    <m:sSubPr>
-                                      <m:ctrlPr>
-                                        <a:rPr lang="en-US" altLang="ja-JP" sz="1200" i="1">
-                                          <a:latin typeface="Cambria Math" panose="02040503050406030204" pitchFamily="18" charset="0"/>
-                                        </a:rPr>
-                                      </m:ctrlPr>
-                                    </m:sSubPr>
-                                    <m:e>
-                                      <m:r>
-                                        <a:rPr lang="en-US" altLang="ja-JP" sz="1200" i="1">
-                                          <a:latin typeface="Cambria Math" panose="02040503050406030204" pitchFamily="18" charset="0"/>
-                                        </a:rPr>
-                                        <m:t>𝐺</m:t>
-                                      </m:r>
-                                    </m:e>
-                                    <m:sub>
-                                      <m:r>
-                                        <a:rPr lang="en-US" altLang="ja-JP" sz="1200" i="1">
-                                          <a:latin typeface="Cambria Math" panose="02040503050406030204" pitchFamily="18" charset="0"/>
-                                        </a:rPr>
-                                        <m:t>1</m:t>
-                                      </m:r>
-                                    </m:sub>
-                                  </m:sSub>
-                                  <m:sSub>
-                                    <m:sSubPr>
-                                      <m:ctrlPr>
-                                        <a:rPr lang="en-US" altLang="ja-JP" sz="1200" i="1">
-                                          <a:latin typeface="Cambria Math" panose="02040503050406030204" pitchFamily="18" charset="0"/>
-                                        </a:rPr>
-                                      </m:ctrlPr>
-                                    </m:sSubPr>
-                                    <m:e>
-                                      <m:r>
-                                        <a:rPr lang="en-US" altLang="ja-JP" sz="1200" i="1">
-                                          <a:latin typeface="Cambria Math" panose="02040503050406030204" pitchFamily="18" charset="0"/>
-                                        </a:rPr>
-                                        <m:t>𝐶</m:t>
-                                      </m:r>
-                                    </m:e>
-                                    <m:sub>
-                                      <m:r>
-                                        <a:rPr lang="en-US" altLang="ja-JP" sz="1200" i="1">
-                                          <a:latin typeface="Cambria Math" panose="02040503050406030204" pitchFamily="18" charset="0"/>
-                                        </a:rPr>
-                                        <m:t>𝑗𝑐</m:t>
-                                      </m:r>
-                                      <m:r>
-                                        <a:rPr lang="en-US" altLang="ja-JP" sz="1200" i="1">
-                                          <a:latin typeface="Cambria Math" panose="02040503050406030204" pitchFamily="18" charset="0"/>
-                                        </a:rPr>
-                                        <m:t>2</m:t>
-                                      </m:r>
-                                    </m:sub>
-                                  </m:sSub>
-                                </m:e>
-                              </m:d>
-                            </m:e>
-                          </m:d>
-                        </m:e>
-                      </m:d>
-                      <m:r>
-                        <a:rPr lang="en-US" altLang="ja-JP" sz="1200" b="0" i="0" smtClean="0">
-                          <a:latin typeface="Cambria Math" panose="02040503050406030204" pitchFamily="18" charset="0"/>
-                        </a:rPr>
-                        <m:t>+</m:t>
-                      </m:r>
-                      <m:r>
-                        <a:rPr lang="en-US" altLang="ja-JP" sz="1200" b="0" i="1" smtClean="0">
-                          <a:latin typeface="Cambria Math" panose="02040503050406030204" pitchFamily="18" charset="0"/>
-                        </a:rPr>
-                        <m:t>𝑗</m:t>
-                      </m:r>
-                      <m:sSub>
-                        <m:sSubPr>
-                          <m:ctrlPr>
-                            <a:rPr lang="en-US" altLang="ja-JP" sz="1200" b="0" i="1" smtClean="0">
-                              <a:latin typeface="Cambria Math" panose="02040503050406030204" pitchFamily="18" charset="0"/>
-                            </a:rPr>
-                          </m:ctrlPr>
-                        </m:sSubPr>
-                        <m:e>
-                          <m:r>
-                            <a:rPr lang="en-US" altLang="ja-JP" sz="1200" b="0" i="1" smtClean="0">
-                              <a:latin typeface="Cambria Math" panose="02040503050406030204" pitchFamily="18" charset="0"/>
-                            </a:rPr>
-                            <m:t>𝐶</m:t>
-                          </m:r>
-                        </m:e>
-                        <m:sub>
-                          <m:r>
-                            <a:rPr lang="en-US" altLang="ja-JP" sz="1200" b="0" i="1" smtClean="0">
-                              <a:latin typeface="Cambria Math" panose="02040503050406030204" pitchFamily="18" charset="0"/>
-                            </a:rPr>
-                            <m:t>1</m:t>
-                          </m:r>
-                        </m:sub>
-                      </m:sSub>
-                      <m:sSub>
-                        <m:sSubPr>
-                          <m:ctrlPr>
-                            <a:rPr lang="en-US" altLang="ja-JP" sz="1200" b="0" i="1" smtClean="0">
-                              <a:latin typeface="Cambria Math" panose="02040503050406030204" pitchFamily="18" charset="0"/>
-                            </a:rPr>
-                          </m:ctrlPr>
-                        </m:sSubPr>
-                        <m:e>
-                          <m:r>
-                            <a:rPr lang="en-US" altLang="ja-JP" sz="1200" b="0" i="1" smtClean="0">
-                              <a:latin typeface="Cambria Math" panose="02040503050406030204" pitchFamily="18" charset="0"/>
-                            </a:rPr>
-                            <m:t>𝐶</m:t>
-                          </m:r>
-                        </m:e>
-                        <m:sub>
-                          <m:r>
-                            <a:rPr lang="en-US" altLang="ja-JP" sz="1200" b="0" i="1" smtClean="0">
-                              <a:latin typeface="Cambria Math" panose="02040503050406030204" pitchFamily="18" charset="0"/>
-                            </a:rPr>
-                            <m:t>𝑗𝑐</m:t>
-                          </m:r>
-                          <m:r>
-                            <a:rPr lang="en-US" altLang="ja-JP" sz="1200" b="0" i="1" smtClean="0">
-                              <a:latin typeface="Cambria Math" panose="02040503050406030204" pitchFamily="18" charset="0"/>
-                            </a:rPr>
-                            <m:t>2</m:t>
-                          </m:r>
-                        </m:sub>
-                      </m:sSub>
-                      <m:sSub>
-                        <m:sSubPr>
-                          <m:ctrlPr>
-                            <a:rPr lang="en-US" altLang="ja-JP" sz="1200" b="0" i="1" smtClean="0">
-                              <a:latin typeface="Cambria Math" panose="02040503050406030204" pitchFamily="18" charset="0"/>
-                            </a:rPr>
-                          </m:ctrlPr>
-                        </m:sSubPr>
-                        <m:e>
-                          <m:r>
-                            <a:rPr lang="en-US" altLang="ja-JP" sz="1200" b="0" i="1" smtClean="0">
-                              <a:latin typeface="Cambria Math" panose="02040503050406030204" pitchFamily="18" charset="0"/>
-                            </a:rPr>
-                            <m:t>𝐺</m:t>
-                          </m:r>
-                        </m:e>
-                        <m:sub>
-                          <m:r>
-                            <a:rPr lang="en-US" altLang="ja-JP" sz="1200" b="0" i="1" smtClean="0">
-                              <a:latin typeface="Cambria Math" panose="02040503050406030204" pitchFamily="18" charset="0"/>
-                            </a:rPr>
-                            <m:t>1</m:t>
-                          </m:r>
-                        </m:sub>
-                      </m:sSub>
-                      <m:d>
-                        <m:dPr>
-                          <m:ctrlPr>
-                            <a:rPr lang="en-US" altLang="ja-JP" sz="1200" b="0" i="1" smtClean="0">
-                              <a:latin typeface="Cambria Math" panose="02040503050406030204" pitchFamily="18" charset="0"/>
-                            </a:rPr>
-                          </m:ctrlPr>
-                        </m:dPr>
-                        <m:e>
-                          <m:sSub>
-                            <m:sSubPr>
-                              <m:ctrlPr>
-                                <a:rPr lang="en-US" altLang="ja-JP" sz="1200" b="0" i="1" smtClean="0">
-                                  <a:latin typeface="Cambria Math" panose="02040503050406030204" pitchFamily="18" charset="0"/>
-                                </a:rPr>
-                              </m:ctrlPr>
-                            </m:sSubPr>
-                            <m:e>
-                              <m:r>
-                                <a:rPr lang="en-US" altLang="ja-JP" sz="1200" b="0" i="1" smtClean="0">
-                                  <a:latin typeface="Cambria Math" panose="02040503050406030204" pitchFamily="18" charset="0"/>
-                                </a:rPr>
-                                <m:t>𝐶</m:t>
-                              </m:r>
-                            </m:e>
-                            <m:sub>
-                              <m:r>
-                                <a:rPr lang="en-US" altLang="ja-JP" sz="1200" b="0" i="1" smtClean="0">
-                                  <a:latin typeface="Cambria Math" panose="02040503050406030204" pitchFamily="18" charset="0"/>
-                                </a:rPr>
-                                <m:t>𝑗𝑐</m:t>
-                              </m:r>
-                              <m:r>
-                                <a:rPr lang="en-US" altLang="ja-JP" sz="1200" b="0" i="1" smtClean="0">
-                                  <a:latin typeface="Cambria Math" panose="02040503050406030204" pitchFamily="18" charset="0"/>
-                                </a:rPr>
-                                <m:t>2</m:t>
-                              </m:r>
-                            </m:sub>
-                          </m:sSub>
-                          <m:r>
-                            <a:rPr lang="en-US" altLang="ja-JP" sz="1200" b="0" i="1" smtClean="0">
-                              <a:latin typeface="Cambria Math" panose="02040503050406030204" pitchFamily="18" charset="0"/>
-                            </a:rPr>
-                            <m:t>−</m:t>
-                          </m:r>
-                          <m:sSub>
-                            <m:sSubPr>
-                              <m:ctrlPr>
-                                <a:rPr lang="en-US" altLang="ja-JP" sz="1200" b="0" i="1" smtClean="0">
-                                  <a:latin typeface="Cambria Math" panose="02040503050406030204" pitchFamily="18" charset="0"/>
-                                </a:rPr>
-                              </m:ctrlPr>
-                            </m:sSubPr>
-                            <m:e>
-                              <m:r>
-                                <a:rPr lang="en-US" altLang="ja-JP" sz="1200" b="0" i="1" smtClean="0">
-                                  <a:latin typeface="Cambria Math" panose="02040503050406030204" pitchFamily="18" charset="0"/>
-                                </a:rPr>
-                                <m:t>𝐶</m:t>
-                              </m:r>
-                            </m:e>
-                            <m:sub>
-                              <m:r>
-                                <a:rPr lang="en-US" altLang="ja-JP" sz="1200" b="0" i="1" smtClean="0">
-                                  <a:latin typeface="Cambria Math" panose="02040503050406030204" pitchFamily="18" charset="0"/>
-                                </a:rPr>
-                                <m:t>2</m:t>
-                              </m:r>
-                            </m:sub>
-                          </m:sSub>
-                        </m:e>
-                      </m:d>
-                    </m:oMath>
-                  </m:oMathPara>
-                </a14:m>
-                <a:endParaRPr lang="en-US" altLang="ja-JP" sz="1200" b="0" i="1" dirty="0">
-                  <a:latin typeface="Cambria Math" panose="02040503050406030204" pitchFamily="18" charset="0"/>
-                </a:endParaRPr>
-              </a:p>
-              <a:p>
-                <a:pPr/>
-                <a14:m>
-                  <m:oMathPara xmlns:m="http://schemas.openxmlformats.org/officeDocument/2006/math">
-                    <m:oMathParaPr>
-                      <m:jc m:val="centerGroup"/>
-                    </m:oMathParaPr>
-                    <m:oMath xmlns:m="http://schemas.openxmlformats.org/officeDocument/2006/math">
-                      <m:r>
-                        <a:rPr lang="en-US" altLang="ja-JP" sz="1200" b="0" i="1" smtClean="0">
-                          <a:latin typeface="Cambria Math" panose="02040503050406030204" pitchFamily="18" charset="0"/>
-                        </a:rPr>
-                        <m:t>=</m:t>
-                      </m:r>
-                      <m:d>
-                        <m:dPr>
-                          <m:ctrlPr>
-                            <a:rPr lang="en-US" altLang="ja-JP" sz="1200" b="0" i="1" smtClean="0">
-                              <a:latin typeface="Cambria Math" panose="02040503050406030204" pitchFamily="18" charset="0"/>
-                            </a:rPr>
-                          </m:ctrlPr>
-                        </m:dPr>
-                        <m:e>
-                          <m:sSub>
-                            <m:sSubPr>
-                              <m:ctrlPr>
-                                <a:rPr lang="en-US" altLang="ja-JP" sz="1200" b="0" i="1" smtClean="0">
-                                  <a:latin typeface="Cambria Math" panose="02040503050406030204" pitchFamily="18" charset="0"/>
-                                </a:rPr>
-                              </m:ctrlPr>
-                            </m:sSubPr>
-                            <m:e>
-                              <m:r>
-                                <a:rPr lang="en-US" altLang="ja-JP" sz="1200" b="0" i="1" smtClean="0">
-                                  <a:latin typeface="Cambria Math" panose="02040503050406030204" pitchFamily="18" charset="0"/>
-                                </a:rPr>
-                                <m:t>𝐶</m:t>
-                              </m:r>
-                            </m:e>
-                            <m:sub>
-                              <m:r>
-                                <a:rPr lang="en-US" altLang="ja-JP" sz="1200" b="0" i="1" smtClean="0">
-                                  <a:latin typeface="Cambria Math" panose="02040503050406030204" pitchFamily="18" charset="0"/>
-                                </a:rPr>
-                                <m:t>𝑃𝐷</m:t>
-                              </m:r>
-                            </m:sub>
-                          </m:sSub>
-                          <m:r>
-                            <a:rPr lang="en-US" altLang="ja-JP" sz="1200" b="0" i="1" smtClean="0">
-                              <a:latin typeface="Cambria Math" panose="02040503050406030204" pitchFamily="18" charset="0"/>
-                            </a:rPr>
-                            <m:t>+</m:t>
-                          </m:r>
-                          <m:sSub>
-                            <m:sSubPr>
-                              <m:ctrlPr>
-                                <a:rPr lang="en-US" altLang="ja-JP" sz="1200" b="0" i="1" smtClean="0">
-                                  <a:latin typeface="Cambria Math" panose="02040503050406030204" pitchFamily="18" charset="0"/>
-                                </a:rPr>
-                              </m:ctrlPr>
-                            </m:sSubPr>
-                            <m:e>
-                              <m:r>
-                                <a:rPr lang="en-US" altLang="ja-JP" sz="1200" b="0" i="1" smtClean="0">
-                                  <a:latin typeface="Cambria Math" panose="02040503050406030204" pitchFamily="18" charset="0"/>
-                                </a:rPr>
-                                <m:t>𝐶</m:t>
-                              </m:r>
-                            </m:e>
-                            <m:sub>
-                              <m:r>
-                                <a:rPr lang="en-US" altLang="ja-JP" sz="1200" b="0" i="1" smtClean="0">
-                                  <a:latin typeface="Cambria Math" panose="02040503050406030204" pitchFamily="18" charset="0"/>
-                                </a:rPr>
-                                <m:t>𝑗𝑒</m:t>
-                              </m:r>
-                              <m:r>
-                                <a:rPr lang="en-US" altLang="ja-JP" sz="1200" b="0" i="1" smtClean="0">
-                                  <a:latin typeface="Cambria Math" panose="02040503050406030204" pitchFamily="18" charset="0"/>
-                                </a:rPr>
-                                <m:t>1</m:t>
-                              </m:r>
-                            </m:sub>
-                          </m:sSub>
-                        </m:e>
-                      </m:d>
-                      <m:d>
-                        <m:dPr>
-                          <m:begChr m:val=""/>
-                          <m:endChr m:val="]"/>
-                          <m:ctrlPr>
-                            <a:rPr lang="en-US" altLang="ja-JP" sz="1200" b="0" i="1" smtClean="0">
-                              <a:latin typeface="Cambria Math" panose="02040503050406030204" pitchFamily="18" charset="0"/>
-                            </a:rPr>
-                          </m:ctrlPr>
-                        </m:dPr>
-                        <m:e>
-                          <m:d>
-                            <m:dPr>
-                              <m:begChr m:val="["/>
-                              <m:endChr m:val=""/>
-                              <m:ctrlPr>
-                                <a:rPr lang="en-US" altLang="ja-JP" sz="1200" b="0" i="1" smtClean="0">
-                                  <a:latin typeface="Cambria Math" panose="02040503050406030204" pitchFamily="18" charset="0"/>
-                                </a:rPr>
-                              </m:ctrlPr>
-                            </m:dPr>
-                            <m:e>
-                              <m:d>
-                                <m:dPr>
-                                  <m:begChr m:val=""/>
-                                  <m:endChr m:val="}"/>
-                                  <m:ctrlPr>
-                                    <a:rPr lang="en-US" altLang="ja-JP" sz="1200" b="0" i="1" smtClean="0">
-                                      <a:latin typeface="Cambria Math" panose="02040503050406030204" pitchFamily="18" charset="0"/>
-                                    </a:rPr>
-                                  </m:ctrlPr>
-                                </m:dPr>
-                                <m:e>
-                                  <m:d>
-                                    <m:dPr>
-                                      <m:begChr m:val="{"/>
-                                      <m:endChr m:val=""/>
-                                      <m:ctrlPr>
-                                        <a:rPr lang="en-US" altLang="ja-JP" sz="1200" b="0" i="1" smtClean="0">
-                                          <a:latin typeface="Cambria Math" panose="02040503050406030204" pitchFamily="18" charset="0"/>
-                                        </a:rPr>
-                                      </m:ctrlPr>
-                                    </m:dPr>
-                                    <m:e>
-                                      <m:r>
-                                        <a:rPr lang="en-US" altLang="ja-JP" sz="1200" b="0" i="1" smtClean="0">
-                                          <a:latin typeface="Cambria Math" panose="02040503050406030204" pitchFamily="18" charset="0"/>
-                                        </a:rPr>
-                                        <m:t>(</m:t>
-                                      </m:r>
-                                      <m:sSub>
-                                        <m:sSubPr>
-                                          <m:ctrlPr>
-                                            <a:rPr lang="en-US" altLang="ja-JP" sz="1200" i="1">
-                                              <a:latin typeface="Cambria Math" panose="02040503050406030204" pitchFamily="18" charset="0"/>
-                                            </a:rPr>
-                                          </m:ctrlPr>
-                                        </m:sSubPr>
-                                        <m:e>
-                                          <m:r>
-                                            <a:rPr lang="en-US" altLang="ja-JP" sz="1200" i="1">
-                                              <a:latin typeface="Cambria Math" panose="02040503050406030204" pitchFamily="18" charset="0"/>
-                                            </a:rPr>
-                                            <m:t>𝐶</m:t>
-                                          </m:r>
-                                        </m:e>
-                                        <m:sub>
-                                          <m:r>
-                                            <a:rPr lang="en-US" altLang="ja-JP" sz="1200" i="1">
-                                              <a:latin typeface="Cambria Math" panose="02040503050406030204" pitchFamily="18" charset="0"/>
-                                            </a:rPr>
-                                            <m:t>𝑃𝐷</m:t>
-                                          </m:r>
-                                        </m:sub>
-                                      </m:sSub>
-                                      <m:r>
-                                        <a:rPr lang="en-US" altLang="ja-JP" sz="1200" i="1">
-                                          <a:latin typeface="Cambria Math" panose="02040503050406030204" pitchFamily="18" charset="0"/>
-                                        </a:rPr>
-                                        <m:t>+</m:t>
-                                      </m:r>
-                                      <m:sSub>
-                                        <m:sSubPr>
-                                          <m:ctrlPr>
-                                            <a:rPr lang="en-US" altLang="ja-JP" sz="1200" i="1">
-                                              <a:latin typeface="Cambria Math" panose="02040503050406030204" pitchFamily="18" charset="0"/>
-                                            </a:rPr>
-                                          </m:ctrlPr>
-                                        </m:sSubPr>
-                                        <m:e>
-                                          <m:r>
-                                            <a:rPr lang="en-US" altLang="ja-JP" sz="1200" i="1">
-                                              <a:latin typeface="Cambria Math" panose="02040503050406030204" pitchFamily="18" charset="0"/>
-                                            </a:rPr>
-                                            <m:t>𝐶</m:t>
-                                          </m:r>
-                                        </m:e>
-                                        <m:sub>
-                                          <m:r>
-                                            <a:rPr lang="en-US" altLang="ja-JP" sz="1200" i="1">
-                                              <a:latin typeface="Cambria Math" panose="02040503050406030204" pitchFamily="18" charset="0"/>
-                                            </a:rPr>
-                                            <m:t>𝑗𝑒</m:t>
-                                          </m:r>
-                                          <m:r>
-                                            <a:rPr lang="en-US" altLang="ja-JP" sz="1200" i="1">
-                                              <a:latin typeface="Cambria Math" panose="02040503050406030204" pitchFamily="18" charset="0"/>
-                                            </a:rPr>
-                                            <m:t>1</m:t>
-                                          </m:r>
-                                        </m:sub>
-                                      </m:sSub>
-                                      <m:r>
-                                        <a:rPr lang="en-US" altLang="ja-JP" sz="1200" b="0" i="1" smtClean="0">
-                                          <a:latin typeface="Cambria Math" panose="02040503050406030204" pitchFamily="18" charset="0"/>
-                                        </a:rPr>
-                                        <m:t>)(</m:t>
-                                      </m:r>
-                                      <m:sSub>
-                                        <m:sSubPr>
-                                          <m:ctrlPr>
-                                            <a:rPr lang="en-US" altLang="ja-JP" sz="1200" i="1">
-                                              <a:latin typeface="Cambria Math" panose="02040503050406030204" pitchFamily="18" charset="0"/>
-                                            </a:rPr>
-                                          </m:ctrlPr>
-                                        </m:sSubPr>
-                                        <m:e>
-                                          <m:r>
-                                            <a:rPr lang="en-US" altLang="ja-JP" sz="1200" i="1">
-                                              <a:latin typeface="Cambria Math" panose="02040503050406030204" pitchFamily="18" charset="0"/>
-                                            </a:rPr>
-                                            <m:t>𝐶</m:t>
-                                          </m:r>
-                                        </m:e>
-                                        <m:sub>
-                                          <m:r>
-                                            <a:rPr lang="en-US" altLang="ja-JP" sz="1200" i="1">
-                                              <a:latin typeface="Cambria Math" panose="02040503050406030204" pitchFamily="18" charset="0"/>
-                                            </a:rPr>
-                                            <m:t>𝑗𝑐</m:t>
-                                          </m:r>
-                                          <m:r>
-                                            <a:rPr lang="en-US" altLang="ja-JP" sz="1200" i="1">
-                                              <a:latin typeface="Cambria Math" panose="02040503050406030204" pitchFamily="18" charset="0"/>
-                                            </a:rPr>
-                                            <m:t>1</m:t>
-                                          </m:r>
-                                        </m:sub>
-                                      </m:sSub>
-                                      <m:r>
-                                        <a:rPr lang="en-US" altLang="ja-JP" sz="1200" i="1">
-                                          <a:latin typeface="Cambria Math" panose="02040503050406030204" pitchFamily="18" charset="0"/>
-                                        </a:rPr>
-                                        <m:t>+</m:t>
-                                      </m:r>
-                                      <m:sSub>
-                                        <m:sSubPr>
-                                          <m:ctrlPr>
-                                            <a:rPr lang="en-US" altLang="ja-JP" sz="1200" i="1">
-                                              <a:latin typeface="Cambria Math" panose="02040503050406030204" pitchFamily="18" charset="0"/>
-                                            </a:rPr>
-                                          </m:ctrlPr>
-                                        </m:sSubPr>
-                                        <m:e>
-                                          <m:r>
-                                            <a:rPr lang="en-US" altLang="ja-JP" sz="1200" i="1">
-                                              <a:latin typeface="Cambria Math" panose="02040503050406030204" pitchFamily="18" charset="0"/>
-                                            </a:rPr>
-                                            <m:t>𝐶</m:t>
-                                          </m:r>
-                                        </m:e>
-                                        <m:sub>
-                                          <m:r>
-                                            <a:rPr lang="en-US" altLang="ja-JP" sz="1200" i="1">
-                                              <a:latin typeface="Cambria Math" panose="02040503050406030204" pitchFamily="18" charset="0"/>
-                                            </a:rPr>
-                                            <m:t>𝑗𝑐</m:t>
-                                          </m:r>
-                                          <m:r>
-                                            <a:rPr lang="en-US" altLang="ja-JP" sz="1200" i="1">
-                                              <a:latin typeface="Cambria Math" panose="02040503050406030204" pitchFamily="18" charset="0"/>
-                                            </a:rPr>
-                                            <m:t>2</m:t>
-                                          </m:r>
-                                        </m:sub>
-                                      </m:sSub>
-                                      <m:r>
-                                        <a:rPr lang="en-US" altLang="ja-JP" sz="1200" i="1">
-                                          <a:latin typeface="Cambria Math" panose="02040503050406030204" pitchFamily="18" charset="0"/>
-                                        </a:rPr>
-                                        <m:t>+</m:t>
-                                      </m:r>
-                                      <m:sSub>
-                                        <m:sSubPr>
-                                          <m:ctrlPr>
-                                            <a:rPr lang="en-US" altLang="ja-JP" sz="1200" i="1">
-                                              <a:latin typeface="Cambria Math" panose="02040503050406030204" pitchFamily="18" charset="0"/>
-                                            </a:rPr>
-                                          </m:ctrlPr>
-                                        </m:sSubPr>
-                                        <m:e>
-                                          <m:r>
-                                            <a:rPr lang="en-US" altLang="ja-JP" sz="1200" i="1">
-                                              <a:latin typeface="Cambria Math" panose="02040503050406030204" pitchFamily="18" charset="0"/>
-                                            </a:rPr>
-                                            <m:t>𝐶</m:t>
-                                          </m:r>
-                                        </m:e>
-                                        <m:sub>
-                                          <m:r>
-                                            <a:rPr lang="en-US" altLang="ja-JP" sz="1200" i="1">
-                                              <a:latin typeface="Cambria Math" panose="02040503050406030204" pitchFamily="18" charset="0"/>
-                                            </a:rPr>
-                                            <m:t>𝑗𝑒</m:t>
-                                          </m:r>
-                                          <m:r>
-                                            <a:rPr lang="en-US" altLang="ja-JP" sz="1200" i="1">
-                                              <a:latin typeface="Cambria Math" panose="02040503050406030204" pitchFamily="18" charset="0"/>
-                                            </a:rPr>
-                                            <m:t>2</m:t>
-                                          </m:r>
-                                        </m:sub>
-                                      </m:sSub>
-                                      <m:r>
-                                        <a:rPr lang="en-US" altLang="ja-JP" sz="1200" b="0" i="1" smtClean="0">
-                                          <a:latin typeface="Cambria Math" panose="02040503050406030204" pitchFamily="18" charset="0"/>
-                                        </a:rPr>
-                                        <m:t>)</m:t>
-                                      </m:r>
-                                      <m:d>
-                                        <m:dPr>
-                                          <m:ctrlPr>
-                                            <a:rPr lang="en-US" altLang="ja-JP" sz="1200" i="1">
-                                              <a:latin typeface="Cambria Math" panose="02040503050406030204" pitchFamily="18" charset="0"/>
-                                            </a:rPr>
-                                          </m:ctrlPr>
-                                        </m:dPr>
-                                        <m:e>
-                                          <m:sSub>
-                                            <m:sSubPr>
-                                              <m:ctrlPr>
-                                                <a:rPr lang="en-US" altLang="ja-JP" sz="1200" i="1">
-                                                  <a:latin typeface="Cambria Math" panose="02040503050406030204" pitchFamily="18" charset="0"/>
-                                                </a:rPr>
-                                              </m:ctrlPr>
-                                            </m:sSubPr>
-                                            <m:e>
-                                              <m:r>
-                                                <a:rPr lang="en-US" altLang="ja-JP" sz="1200" i="1">
-                                                  <a:latin typeface="Cambria Math" panose="02040503050406030204" pitchFamily="18" charset="0"/>
-                                                </a:rPr>
-                                                <m:t>𝐺</m:t>
-                                              </m:r>
-                                            </m:e>
-                                            <m:sub>
-                                              <m:r>
-                                                <a:rPr lang="en-US" altLang="ja-JP" sz="1200" i="1">
-                                                  <a:latin typeface="Cambria Math" panose="02040503050406030204" pitchFamily="18" charset="0"/>
-                                                </a:rPr>
-                                                <m:t>𝑐</m:t>
-                                              </m:r>
-                                              <m:r>
-                                                <a:rPr lang="en-US" altLang="ja-JP" sz="1200" i="1">
-                                                  <a:latin typeface="Cambria Math" panose="02040503050406030204" pitchFamily="18" charset="0"/>
-                                                </a:rPr>
-                                                <m:t>2</m:t>
-                                              </m:r>
-                                            </m:sub>
-                                          </m:sSub>
-                                          <m:r>
-                                            <a:rPr lang="en-US" altLang="ja-JP" sz="1200" i="1">
-                                              <a:latin typeface="Cambria Math" panose="02040503050406030204" pitchFamily="18" charset="0"/>
-                                            </a:rPr>
-                                            <m:t>+</m:t>
-                                          </m:r>
-                                          <m:sSub>
-                                            <m:sSubPr>
-                                              <m:ctrlPr>
-                                                <a:rPr lang="en-US" altLang="ja-JP" sz="1200" i="1">
-                                                  <a:latin typeface="Cambria Math" panose="02040503050406030204" pitchFamily="18" charset="0"/>
-                                                </a:rPr>
-                                              </m:ctrlPr>
-                                            </m:sSubPr>
-                                            <m:e>
-                                              <m:r>
-                                                <a:rPr lang="en-US" altLang="ja-JP" sz="1200" i="1">
-                                                  <a:latin typeface="Cambria Math" panose="02040503050406030204" pitchFamily="18" charset="0"/>
-                                                </a:rPr>
-                                                <m:t>𝑔</m:t>
-                                              </m:r>
-                                            </m:e>
-                                            <m:sub>
-                                              <m:r>
-                                                <a:rPr lang="en-US" altLang="ja-JP" sz="1200" i="1">
-                                                  <a:latin typeface="Cambria Math" panose="02040503050406030204" pitchFamily="18" charset="0"/>
-                                                </a:rPr>
-                                                <m:t>𝑐𝑒</m:t>
-                                              </m:r>
-                                              <m:r>
-                                                <a:rPr lang="en-US" altLang="ja-JP" sz="1200" i="1">
-                                                  <a:latin typeface="Cambria Math" panose="02040503050406030204" pitchFamily="18" charset="0"/>
-                                                </a:rPr>
-                                                <m:t>2</m:t>
-                                              </m:r>
-                                            </m:sub>
-                                          </m:sSub>
-                                        </m:e>
-                                      </m:d>
-                                      <m:r>
-                                        <a:rPr lang="en-US" altLang="ja-JP" sz="1200" i="1">
-                                          <a:latin typeface="Cambria Math" panose="02040503050406030204" pitchFamily="18" charset="0"/>
-                                        </a:rPr>
-                                        <m:t>+</m:t>
-                                      </m:r>
-                                      <m:sSub>
-                                        <m:sSubPr>
-                                          <m:ctrlPr>
-                                            <a:rPr lang="en-US" altLang="ja-JP" sz="1200" i="1">
-                                              <a:latin typeface="Cambria Math" panose="02040503050406030204" pitchFamily="18" charset="0"/>
-                                            </a:rPr>
-                                          </m:ctrlPr>
-                                        </m:sSubPr>
-                                        <m:e>
-                                          <m:r>
-                                            <a:rPr lang="en-US" altLang="ja-JP" sz="1200" i="1">
-                                              <a:latin typeface="Cambria Math" panose="02040503050406030204" pitchFamily="18" charset="0"/>
-                                            </a:rPr>
-                                            <m:t>𝐶</m:t>
-                                          </m:r>
-                                        </m:e>
-                                        <m:sub>
-                                          <m:r>
-                                            <a:rPr lang="en-US" altLang="ja-JP" sz="1200" i="1">
-                                              <a:latin typeface="Cambria Math" panose="02040503050406030204" pitchFamily="18" charset="0"/>
-                                            </a:rPr>
-                                            <m:t>𝑗𝑐</m:t>
-                                          </m:r>
-                                          <m:r>
-                                            <a:rPr lang="en-US" altLang="ja-JP" sz="1200" i="1">
-                                              <a:latin typeface="Cambria Math" panose="02040503050406030204" pitchFamily="18" charset="0"/>
-                                            </a:rPr>
-                                            <m:t>2</m:t>
-                                          </m:r>
-                                        </m:sub>
-                                      </m:sSub>
-                                      <m:d>
-                                        <m:dPr>
-                                          <m:ctrlPr>
-                                            <a:rPr lang="en-US" altLang="ja-JP" sz="1200" i="1">
-                                              <a:latin typeface="Cambria Math" panose="02040503050406030204" pitchFamily="18" charset="0"/>
-                                            </a:rPr>
-                                          </m:ctrlPr>
-                                        </m:dPr>
-                                        <m:e>
-                                          <m:sSub>
-                                            <m:sSubPr>
-                                              <m:ctrlPr>
-                                                <a:rPr lang="en-US" altLang="ja-JP" sz="1200" i="1">
-                                                  <a:latin typeface="Cambria Math" panose="02040503050406030204" pitchFamily="18" charset="0"/>
-                                                </a:rPr>
-                                              </m:ctrlPr>
-                                            </m:sSubPr>
-                                            <m:e>
-                                              <m:r>
-                                                <a:rPr lang="en-US" altLang="ja-JP" sz="1200" i="1">
-                                                  <a:latin typeface="Cambria Math" panose="02040503050406030204" pitchFamily="18" charset="0"/>
-                                                </a:rPr>
-                                                <m:t>𝐶</m:t>
-                                              </m:r>
-                                            </m:e>
-                                            <m:sub>
-                                              <m:r>
-                                                <a:rPr lang="en-US" altLang="ja-JP" sz="1200" i="1">
-                                                  <a:latin typeface="Cambria Math" panose="02040503050406030204" pitchFamily="18" charset="0"/>
-                                                </a:rPr>
-                                                <m:t>1</m:t>
-                                              </m:r>
-                                            </m:sub>
-                                          </m:sSub>
-                                          <m:sSub>
-                                            <m:sSubPr>
-                                              <m:ctrlPr>
-                                                <a:rPr lang="en-US" altLang="ja-JP" sz="1200" i="1">
-                                                  <a:latin typeface="Cambria Math" panose="02040503050406030204" pitchFamily="18" charset="0"/>
-                                                </a:rPr>
-                                              </m:ctrlPr>
-                                            </m:sSubPr>
-                                            <m:e>
-                                              <m:r>
-                                                <a:rPr lang="en-US" altLang="ja-JP" sz="1200" i="1">
-                                                  <a:latin typeface="Cambria Math" panose="02040503050406030204" pitchFamily="18" charset="0"/>
-                                                </a:rPr>
-                                                <m:t>𝐺</m:t>
-                                              </m:r>
-                                            </m:e>
-                                            <m:sub>
-                                              <m:r>
-                                                <a:rPr lang="en-US" altLang="ja-JP" sz="1200" i="1">
-                                                  <a:latin typeface="Cambria Math" panose="02040503050406030204" pitchFamily="18" charset="0"/>
-                                                </a:rPr>
-                                                <m:t>2</m:t>
-                                              </m:r>
-                                            </m:sub>
-                                          </m:sSub>
-                                          <m:r>
-                                            <a:rPr lang="en-US" altLang="ja-JP" sz="1200" i="1">
-                                              <a:latin typeface="Cambria Math" panose="02040503050406030204" pitchFamily="18" charset="0"/>
-                                            </a:rPr>
-                                            <m:t>+</m:t>
-                                          </m:r>
-                                          <m:sSub>
-                                            <m:sSubPr>
-                                              <m:ctrlPr>
-                                                <a:rPr lang="en-US" altLang="ja-JP" sz="1200" i="1">
-                                                  <a:latin typeface="Cambria Math" panose="02040503050406030204" pitchFamily="18" charset="0"/>
-                                                </a:rPr>
-                                              </m:ctrlPr>
-                                            </m:sSubPr>
-                                            <m:e>
-                                              <m:r>
-                                                <a:rPr lang="en-US" altLang="ja-JP" sz="1200" i="1">
-                                                  <a:latin typeface="Cambria Math" panose="02040503050406030204" pitchFamily="18" charset="0"/>
-                                                </a:rPr>
-                                                <m:t>𝐶</m:t>
-                                              </m:r>
-                                            </m:e>
-                                            <m:sub>
-                                              <m:r>
-                                                <a:rPr lang="en-US" altLang="ja-JP" sz="1200" i="1">
-                                                  <a:latin typeface="Cambria Math" panose="02040503050406030204" pitchFamily="18" charset="0"/>
-                                                </a:rPr>
-                                                <m:t>2</m:t>
-                                              </m:r>
-                                            </m:sub>
-                                          </m:sSub>
-                                          <m:sSub>
-                                            <m:sSubPr>
-                                              <m:ctrlPr>
-                                                <a:rPr lang="en-US" altLang="ja-JP" sz="1200" i="1">
-                                                  <a:latin typeface="Cambria Math" panose="02040503050406030204" pitchFamily="18" charset="0"/>
-                                                </a:rPr>
-                                              </m:ctrlPr>
-                                            </m:sSubPr>
-                                            <m:e>
-                                              <m:r>
-                                                <a:rPr lang="en-US" altLang="ja-JP" sz="1200" i="1">
-                                                  <a:latin typeface="Cambria Math" panose="02040503050406030204" pitchFamily="18" charset="0"/>
-                                                </a:rPr>
-                                                <m:t>𝑔</m:t>
-                                              </m:r>
-                                            </m:e>
-                                            <m:sub>
-                                              <m:r>
-                                                <a:rPr lang="en-US" altLang="ja-JP" sz="1200" i="1">
-                                                  <a:latin typeface="Cambria Math" panose="02040503050406030204" pitchFamily="18" charset="0"/>
-                                                </a:rPr>
-                                                <m:t>𝑐𝑒</m:t>
-                                              </m:r>
-                                              <m:r>
-                                                <a:rPr lang="en-US" altLang="ja-JP" sz="1200" i="1">
-                                                  <a:latin typeface="Cambria Math" panose="02040503050406030204" pitchFamily="18" charset="0"/>
-                                                </a:rPr>
-                                                <m:t>1</m:t>
-                                              </m:r>
-                                            </m:sub>
-                                          </m:sSub>
-                                        </m:e>
-                                      </m:d>
-                                    </m:e>
-                                  </m:d>
-                                </m:e>
-                              </m:d>
-                              <m:r>
-                                <a:rPr lang="en-US" altLang="ja-JP" sz="1200" b="0" i="1" smtClean="0">
-                                  <a:latin typeface="Cambria Math" panose="02040503050406030204" pitchFamily="18" charset="0"/>
-                                </a:rPr>
-                                <m:t>+</m:t>
-                              </m:r>
-                              <m:sSub>
-                                <m:sSubPr>
-                                  <m:ctrlPr>
-                                    <a:rPr lang="en-US" altLang="ja-JP" sz="1200" b="0" i="1" smtClean="0">
-                                      <a:latin typeface="Cambria Math" panose="02040503050406030204" pitchFamily="18" charset="0"/>
-                                    </a:rPr>
-                                  </m:ctrlPr>
-                                </m:sSubPr>
-                                <m:e>
-                                  <m:r>
-                                    <a:rPr lang="en-US" altLang="ja-JP" sz="1200" b="0" i="1" smtClean="0">
-                                      <a:latin typeface="Cambria Math" panose="02040503050406030204" pitchFamily="18" charset="0"/>
-                                    </a:rPr>
-                                    <m:t>𝐶</m:t>
-                                  </m:r>
-                                </m:e>
-                                <m:sub>
-                                  <m:r>
-                                    <a:rPr lang="en-US" altLang="ja-JP" sz="1200" b="0" i="1" smtClean="0">
-                                      <a:latin typeface="Cambria Math" panose="02040503050406030204" pitchFamily="18" charset="0"/>
-                                    </a:rPr>
-                                    <m:t>𝑗𝑐</m:t>
-                                  </m:r>
-                                  <m:r>
-                                    <a:rPr lang="en-US" altLang="ja-JP" sz="1200" b="0" i="1" smtClean="0">
-                                      <a:latin typeface="Cambria Math" panose="02040503050406030204" pitchFamily="18" charset="0"/>
-                                    </a:rPr>
-                                    <m:t>2</m:t>
-                                  </m:r>
-                                </m:sub>
-                              </m:sSub>
-                              <m:d>
-                                <m:dPr>
-                                  <m:begChr m:val=""/>
-                                  <m:endChr m:val="}"/>
-                                  <m:ctrlPr>
-                                    <a:rPr lang="en-US" altLang="ja-JP" sz="1200" b="0" i="1" smtClean="0">
-                                      <a:latin typeface="Cambria Math" panose="02040503050406030204" pitchFamily="18" charset="0"/>
-                                    </a:rPr>
-                                  </m:ctrlPr>
-                                </m:dPr>
-                                <m:e>
-                                  <m:d>
-                                    <m:dPr>
-                                      <m:begChr m:val="{"/>
-                                      <m:endChr m:val=""/>
-                                      <m:ctrlPr>
-                                        <a:rPr lang="en-US" altLang="ja-JP" sz="1200" b="0" i="1" smtClean="0">
-                                          <a:latin typeface="Cambria Math" panose="02040503050406030204" pitchFamily="18" charset="0"/>
-                                        </a:rPr>
-                                      </m:ctrlPr>
-                                    </m:dPr>
-                                    <m:e>
-                                      <m:sSub>
-                                        <m:sSubPr>
-                                          <m:ctrlPr>
-                                            <a:rPr lang="en-US" altLang="ja-JP" sz="1200" b="0" i="1" smtClean="0">
-                                              <a:latin typeface="Cambria Math" panose="02040503050406030204" pitchFamily="18" charset="0"/>
-                                            </a:rPr>
-                                          </m:ctrlPr>
-                                        </m:sSubPr>
-                                        <m:e>
-                                          <m:r>
-                                            <a:rPr lang="en-US" altLang="ja-JP" sz="1200" b="0" i="1" smtClean="0">
-                                              <a:latin typeface="Cambria Math" panose="02040503050406030204" pitchFamily="18" charset="0"/>
-                                            </a:rPr>
-                                            <m:t>𝑔</m:t>
-                                          </m:r>
-                                        </m:e>
-                                        <m:sub>
-                                          <m:r>
-                                            <a:rPr lang="en-US" altLang="ja-JP" sz="1200" b="0" i="1" smtClean="0">
-                                              <a:latin typeface="Cambria Math" panose="02040503050406030204" pitchFamily="18" charset="0"/>
-                                            </a:rPr>
-                                            <m:t>𝑚</m:t>
-                                          </m:r>
-                                          <m:r>
-                                            <a:rPr lang="en-US" altLang="ja-JP" sz="1200" b="0" i="1" smtClean="0">
-                                              <a:latin typeface="Cambria Math" panose="02040503050406030204" pitchFamily="18" charset="0"/>
-                                            </a:rPr>
-                                            <m:t>2</m:t>
-                                          </m:r>
-                                        </m:sub>
-                                      </m:sSub>
-                                      <m:d>
-                                        <m:dPr>
-                                          <m:ctrlPr>
-                                            <a:rPr lang="en-US" altLang="ja-JP" sz="1200" b="0" i="1" smtClean="0">
-                                              <a:latin typeface="Cambria Math" panose="02040503050406030204" pitchFamily="18" charset="0"/>
-                                            </a:rPr>
-                                          </m:ctrlPr>
-                                        </m:dPr>
-                                        <m:e>
-                                          <m:sSub>
-                                            <m:sSubPr>
-                                              <m:ctrlPr>
-                                                <a:rPr lang="en-US" altLang="ja-JP" sz="1200" b="0" i="1" smtClean="0">
-                                                  <a:latin typeface="Cambria Math" panose="02040503050406030204" pitchFamily="18" charset="0"/>
-                                                </a:rPr>
-                                              </m:ctrlPr>
-                                            </m:sSubPr>
-                                            <m:e>
-                                              <m:r>
-                                                <a:rPr lang="en-US" altLang="ja-JP" sz="1200" b="0" i="1" smtClean="0">
-                                                  <a:latin typeface="Cambria Math" panose="02040503050406030204" pitchFamily="18" charset="0"/>
-                                                </a:rPr>
-                                                <m:t>𝐶</m:t>
-                                              </m:r>
-                                            </m:e>
-                                            <m:sub>
-                                              <m:r>
-                                                <a:rPr lang="en-US" altLang="ja-JP" sz="1200" b="0" i="1" smtClean="0">
-                                                  <a:latin typeface="Cambria Math" panose="02040503050406030204" pitchFamily="18" charset="0"/>
-                                                </a:rPr>
-                                                <m:t>𝑃𝐷</m:t>
-                                              </m:r>
-                                            </m:sub>
-                                          </m:sSub>
-                                          <m:r>
-                                            <a:rPr lang="en-US" altLang="ja-JP" sz="1200" b="0" i="1" smtClean="0">
-                                              <a:latin typeface="Cambria Math" panose="02040503050406030204" pitchFamily="18" charset="0"/>
-                                            </a:rPr>
-                                            <m:t>+</m:t>
-                                          </m:r>
-                                          <m:sSub>
-                                            <m:sSubPr>
-                                              <m:ctrlPr>
-                                                <a:rPr lang="en-US" altLang="ja-JP" sz="1200" b="0" i="1" smtClean="0">
-                                                  <a:latin typeface="Cambria Math" panose="02040503050406030204" pitchFamily="18" charset="0"/>
-                                                </a:rPr>
-                                              </m:ctrlPr>
-                                            </m:sSubPr>
-                                            <m:e>
-                                              <m:r>
-                                                <a:rPr lang="en-US" altLang="ja-JP" sz="1200" b="0" i="1" smtClean="0">
-                                                  <a:latin typeface="Cambria Math" panose="02040503050406030204" pitchFamily="18" charset="0"/>
-                                                </a:rPr>
-                                                <m:t>𝐶</m:t>
-                                              </m:r>
-                                            </m:e>
-                                            <m:sub>
-                                              <m:r>
-                                                <a:rPr lang="en-US" altLang="ja-JP" sz="1200" b="0" i="1" smtClean="0">
-                                                  <a:latin typeface="Cambria Math" panose="02040503050406030204" pitchFamily="18" charset="0"/>
-                                                </a:rPr>
-                                                <m:t>𝑗𝑒</m:t>
-                                              </m:r>
-                                              <m:r>
-                                                <a:rPr lang="en-US" altLang="ja-JP" sz="1200" b="0" i="1" smtClean="0">
-                                                  <a:latin typeface="Cambria Math" panose="02040503050406030204" pitchFamily="18" charset="0"/>
-                                                </a:rPr>
-                                                <m:t>1</m:t>
-                                              </m:r>
-                                            </m:sub>
-                                          </m:sSub>
-                                        </m:e>
-                                      </m:d>
-                                      <m:r>
-                                        <a:rPr lang="en-US" altLang="ja-JP" sz="1200" b="0" i="1" smtClean="0">
-                                          <a:latin typeface="Cambria Math" panose="02040503050406030204" pitchFamily="18" charset="0"/>
-                                        </a:rPr>
-                                        <m:t>−</m:t>
-                                      </m:r>
-                                      <m:d>
-                                        <m:dPr>
-                                          <m:ctrlPr>
-                                            <a:rPr lang="en-US" altLang="ja-JP" sz="1200" b="0" i="1" smtClean="0">
-                                              <a:latin typeface="Cambria Math" panose="02040503050406030204" pitchFamily="18" charset="0"/>
-                                            </a:rPr>
-                                          </m:ctrlPr>
-                                        </m:dPr>
-                                        <m:e>
-                                          <m:sSub>
-                                            <m:sSubPr>
-                                              <m:ctrlPr>
-                                                <a:rPr lang="en-US" altLang="ja-JP" sz="1200" i="1">
-                                                  <a:latin typeface="Cambria Math" panose="02040503050406030204" pitchFamily="18" charset="0"/>
-                                                </a:rPr>
-                                              </m:ctrlPr>
-                                            </m:sSubPr>
-                                            <m:e>
-                                              <m:r>
-                                                <a:rPr lang="en-US" altLang="ja-JP" sz="1200" i="1">
-                                                  <a:latin typeface="Cambria Math" panose="02040503050406030204" pitchFamily="18" charset="0"/>
-                                                </a:rPr>
-                                                <m:t>𝐺</m:t>
-                                              </m:r>
-                                            </m:e>
-                                            <m:sub>
-                                              <m:r>
-                                                <a:rPr lang="en-US" altLang="ja-JP" sz="1200" i="1">
-                                                  <a:latin typeface="Cambria Math" panose="02040503050406030204" pitchFamily="18" charset="0"/>
-                                                </a:rPr>
-                                                <m:t>𝐸</m:t>
-                                              </m:r>
-                                              <m:r>
-                                                <a:rPr lang="en-US" altLang="ja-JP" sz="1200" i="1">
-                                                  <a:latin typeface="Cambria Math" panose="02040503050406030204" pitchFamily="18" charset="0"/>
-                                                </a:rPr>
-                                                <m:t>1</m:t>
-                                              </m:r>
-                                            </m:sub>
-                                          </m:sSub>
-                                          <m:r>
-                                            <a:rPr lang="en-US" altLang="ja-JP" sz="1200" i="1">
-                                              <a:latin typeface="Cambria Math" panose="02040503050406030204" pitchFamily="18" charset="0"/>
-                                            </a:rPr>
-                                            <m:t>+</m:t>
-                                          </m:r>
-                                          <m:sSub>
-                                            <m:sSubPr>
-                                              <m:ctrlPr>
-                                                <a:rPr lang="en-US" altLang="ja-JP" sz="1200" i="1">
-                                                  <a:latin typeface="Cambria Math" panose="02040503050406030204" pitchFamily="18" charset="0"/>
-                                                </a:rPr>
-                                              </m:ctrlPr>
-                                            </m:sSubPr>
-                                            <m:e>
-                                              <m:r>
-                                                <a:rPr lang="en-US" altLang="ja-JP" sz="1200" i="1">
-                                                  <a:latin typeface="Cambria Math" panose="02040503050406030204" pitchFamily="18" charset="0"/>
-                                                </a:rPr>
-                                                <m:t>𝑔</m:t>
-                                              </m:r>
-                                            </m:e>
-                                            <m:sub>
-                                              <m:r>
-                                                <a:rPr lang="en-US" altLang="ja-JP" sz="1200" i="1">
-                                                  <a:latin typeface="Cambria Math" panose="02040503050406030204" pitchFamily="18" charset="0"/>
-                                                </a:rPr>
-                                                <m:t>𝑚</m:t>
-                                              </m:r>
-                                              <m:r>
-                                                <a:rPr lang="en-US" altLang="ja-JP" sz="1200" i="1">
-                                                  <a:latin typeface="Cambria Math" panose="02040503050406030204" pitchFamily="18" charset="0"/>
-                                                </a:rPr>
-                                                <m:t>1</m:t>
-                                              </m:r>
-                                            </m:sub>
-                                          </m:sSub>
-                                          <m:r>
-                                            <a:rPr lang="en-US" altLang="ja-JP" sz="1200" i="1">
-                                              <a:latin typeface="Cambria Math" panose="02040503050406030204" pitchFamily="18" charset="0"/>
-                                            </a:rPr>
-                                            <m:t>+</m:t>
-                                          </m:r>
-                                          <m:sSub>
-                                            <m:sSubPr>
-                                              <m:ctrlPr>
-                                                <a:rPr lang="en-US" altLang="ja-JP" sz="1200" i="1">
-                                                  <a:latin typeface="Cambria Math" panose="02040503050406030204" pitchFamily="18" charset="0"/>
-                                                </a:rPr>
-                                              </m:ctrlPr>
-                                            </m:sSubPr>
-                                            <m:e>
-                                              <m:r>
-                                                <a:rPr lang="en-US" altLang="ja-JP" sz="1200" i="1">
-                                                  <a:latin typeface="Cambria Math" panose="02040503050406030204" pitchFamily="18" charset="0"/>
-                                                </a:rPr>
-                                                <m:t>𝑔</m:t>
-                                              </m:r>
-                                            </m:e>
-                                            <m:sub>
-                                              <m:r>
-                                                <a:rPr lang="en-US" altLang="ja-JP" sz="1200" i="1">
-                                                  <a:latin typeface="Cambria Math" panose="02040503050406030204" pitchFamily="18" charset="0"/>
-                                                </a:rPr>
-                                                <m:t>𝑐</m:t>
-                                              </m:r>
-                                              <m:r>
-                                                <a:rPr lang="en-US" altLang="ja-JP" sz="1200" i="1">
-                                                  <a:latin typeface="Cambria Math" panose="02040503050406030204" pitchFamily="18" charset="0"/>
-                                                </a:rPr>
-                                                <m:t>1</m:t>
-                                              </m:r>
-                                            </m:sub>
-                                          </m:sSub>
-                                        </m:e>
-                                      </m:d>
-                                      <m:sSub>
-                                        <m:sSubPr>
-                                          <m:ctrlPr>
-                                            <a:rPr lang="en-US" altLang="ja-JP" sz="1200" b="0" i="1" smtClean="0">
-                                              <a:latin typeface="Cambria Math" panose="02040503050406030204" pitchFamily="18" charset="0"/>
-                                            </a:rPr>
-                                          </m:ctrlPr>
-                                        </m:sSubPr>
-                                        <m:e>
-                                          <m:r>
-                                            <a:rPr lang="en-US" altLang="ja-JP" sz="1200" b="0" i="1" smtClean="0">
-                                              <a:latin typeface="Cambria Math" panose="02040503050406030204" pitchFamily="18" charset="0"/>
-                                            </a:rPr>
-                                            <m:t>𝐶</m:t>
-                                          </m:r>
-                                        </m:e>
-                                        <m:sub>
-                                          <m:r>
-                                            <a:rPr lang="en-US" altLang="ja-JP" sz="1200" b="0" i="1" smtClean="0">
-                                              <a:latin typeface="Cambria Math" panose="02040503050406030204" pitchFamily="18" charset="0"/>
-                                            </a:rPr>
-                                            <m:t>𝑗𝑐</m:t>
-                                          </m:r>
-                                          <m:r>
-                                            <a:rPr lang="en-US" altLang="ja-JP" sz="1200" b="0" i="1" smtClean="0">
-                                              <a:latin typeface="Cambria Math" panose="02040503050406030204" pitchFamily="18" charset="0"/>
-                                            </a:rPr>
-                                            <m:t>2</m:t>
-                                          </m:r>
-                                        </m:sub>
-                                      </m:sSub>
-                                    </m:e>
-                                  </m:d>
-                                </m:e>
-                              </m:d>
-                            </m:e>
-                          </m:d>
-                        </m:e>
-                      </m:d>
-                    </m:oMath>
-                  </m:oMathPara>
-                </a14:m>
-                <a:endParaRPr lang="en-US" altLang="ja-JP" sz="1200" b="0" dirty="0">
-                  <a:latin typeface="Times Newer Roman" panose="00000500000000000000" pitchFamily="50" charset="0"/>
-                </a:endParaRPr>
-              </a:p>
-              <a:p>
-                <a:pPr/>
-                <a14:m>
-                  <m:oMathPara xmlns:m="http://schemas.openxmlformats.org/officeDocument/2006/math">
-                    <m:oMathParaPr>
-                      <m:jc m:val="centerGroup"/>
-                    </m:oMathParaPr>
-                    <m:oMath xmlns:m="http://schemas.openxmlformats.org/officeDocument/2006/math">
-                      <m:sSub>
-                        <m:sSubPr>
-                          <m:ctrlPr>
-                            <a:rPr lang="en-US" altLang="ja-JP" sz="1200" b="0" i="1" smtClean="0">
-                              <a:latin typeface="Cambria Math" panose="02040503050406030204" pitchFamily="18" charset="0"/>
-                            </a:rPr>
-                          </m:ctrlPr>
-                        </m:sSubPr>
-                        <m:e>
-                          <m:r>
-                            <a:rPr lang="en-US" altLang="ja-JP" sz="1200" b="0" i="1" smtClean="0">
-                              <a:latin typeface="Cambria Math" panose="02040503050406030204" pitchFamily="18" charset="0"/>
-                            </a:rPr>
-                            <m:t>𝐶</m:t>
-                          </m:r>
-                        </m:e>
-                        <m:sub>
-                          <m:r>
-                            <a:rPr lang="en-US" altLang="ja-JP" sz="1200" b="0" i="1" smtClean="0">
-                              <a:latin typeface="Cambria Math" panose="02040503050406030204" pitchFamily="18" charset="0"/>
-                            </a:rPr>
-                            <m:t>24</m:t>
-                          </m:r>
-                        </m:sub>
-                      </m:sSub>
-                      <m:r>
-                        <a:rPr lang="en-US" altLang="ja-JP" sz="1200" b="0" i="1" smtClean="0">
-                          <a:latin typeface="Cambria Math" panose="02040503050406030204" pitchFamily="18" charset="0"/>
-                        </a:rPr>
-                        <m:t>=</m:t>
-                      </m:r>
-                      <m:sSubSup>
-                        <m:sSubSupPr>
-                          <m:ctrlPr>
-                            <a:rPr lang="en-US" altLang="ja-JP" sz="1200" b="0" i="1" smtClean="0">
-                              <a:latin typeface="Cambria Math" panose="02040503050406030204" pitchFamily="18" charset="0"/>
-                            </a:rPr>
-                          </m:ctrlPr>
-                        </m:sSubSupPr>
-                        <m:e>
-                          <m:r>
-                            <a:rPr lang="en-US" altLang="ja-JP" sz="1200" b="0" i="1" smtClean="0">
-                              <a:latin typeface="Cambria Math" panose="02040503050406030204" pitchFamily="18" charset="0"/>
-                            </a:rPr>
-                            <m:t>𝐶</m:t>
-                          </m:r>
-                        </m:e>
-                        <m:sub>
-                          <m:r>
-                            <a:rPr lang="en-US" altLang="ja-JP" sz="1200" b="0" i="1" smtClean="0">
-                              <a:latin typeface="Cambria Math" panose="02040503050406030204" pitchFamily="18" charset="0"/>
-                            </a:rPr>
-                            <m:t>1</m:t>
-                          </m:r>
-                        </m:sub>
-                        <m:sup>
-                          <m:r>
-                            <a:rPr lang="en-US" altLang="ja-JP" sz="1200" b="0" i="1" smtClean="0">
-                              <a:latin typeface="Cambria Math" panose="02040503050406030204" pitchFamily="18" charset="0"/>
-                            </a:rPr>
-                            <m:t>2</m:t>
-                          </m:r>
-                        </m:sup>
-                      </m:sSubSup>
-                      <m:sSub>
-                        <m:sSubPr>
-                          <m:ctrlPr>
-                            <a:rPr lang="en-US" altLang="ja-JP" sz="1200" b="0" i="1" smtClean="0">
-                              <a:latin typeface="Cambria Math" panose="02040503050406030204" pitchFamily="18" charset="0"/>
-                            </a:rPr>
-                          </m:ctrlPr>
-                        </m:sSubPr>
-                        <m:e>
-                          <m:r>
-                            <a:rPr lang="en-US" altLang="ja-JP" sz="1200" b="0" i="1" smtClean="0">
-                              <a:latin typeface="Cambria Math" panose="02040503050406030204" pitchFamily="18" charset="0"/>
-                            </a:rPr>
-                            <m:t>𝐶</m:t>
-                          </m:r>
-                        </m:e>
-                        <m:sub>
-                          <m:r>
-                            <a:rPr lang="en-US" altLang="ja-JP" sz="1200" b="0" i="1" smtClean="0">
-                              <a:latin typeface="Cambria Math" panose="02040503050406030204" pitchFamily="18" charset="0"/>
-                            </a:rPr>
-                            <m:t>𝑗𝑐</m:t>
-                          </m:r>
-                          <m:r>
-                            <a:rPr lang="en-US" altLang="ja-JP" sz="1200" b="0" i="1" smtClean="0">
-                              <a:latin typeface="Cambria Math" panose="02040503050406030204" pitchFamily="18" charset="0"/>
-                            </a:rPr>
-                            <m:t>2</m:t>
-                          </m:r>
-                        </m:sub>
-                      </m:sSub>
-                      <m:d>
-                        <m:dPr>
-                          <m:ctrlPr>
-                            <a:rPr lang="en-US" altLang="ja-JP" sz="1200" b="0" i="1" smtClean="0">
-                              <a:latin typeface="Cambria Math" panose="02040503050406030204" pitchFamily="18" charset="0"/>
-                            </a:rPr>
-                          </m:ctrlPr>
-                        </m:dPr>
-                        <m:e>
-                          <m:sSub>
-                            <m:sSubPr>
-                              <m:ctrlPr>
-                                <a:rPr lang="en-US" altLang="ja-JP" sz="1200" b="0" i="1" smtClean="0">
-                                  <a:latin typeface="Cambria Math" panose="02040503050406030204" pitchFamily="18" charset="0"/>
-                                </a:rPr>
-                              </m:ctrlPr>
-                            </m:sSubPr>
-                            <m:e>
-                              <m:r>
-                                <a:rPr lang="en-US" altLang="ja-JP" sz="1200" b="0" i="1" smtClean="0">
-                                  <a:latin typeface="Cambria Math" panose="02040503050406030204" pitchFamily="18" charset="0"/>
-                                </a:rPr>
-                                <m:t>𝐶</m:t>
-                              </m:r>
-                            </m:e>
-                            <m:sub>
-                              <m:r>
-                                <a:rPr lang="en-US" altLang="ja-JP" sz="1200" b="0" i="1" smtClean="0">
-                                  <a:latin typeface="Cambria Math" panose="02040503050406030204" pitchFamily="18" charset="0"/>
-                                </a:rPr>
-                                <m:t>2</m:t>
-                              </m:r>
-                            </m:sub>
-                          </m:sSub>
-                          <m:r>
-                            <a:rPr lang="en-US" altLang="ja-JP" sz="1200" b="0" i="1" smtClean="0">
-                              <a:latin typeface="Cambria Math" panose="02040503050406030204" pitchFamily="18" charset="0"/>
-                            </a:rPr>
-                            <m:t>−</m:t>
-                          </m:r>
-                          <m:sSub>
-                            <m:sSubPr>
-                              <m:ctrlPr>
-                                <a:rPr lang="en-US" altLang="ja-JP" sz="1200" b="0" i="1" smtClean="0">
-                                  <a:latin typeface="Cambria Math" panose="02040503050406030204" pitchFamily="18" charset="0"/>
-                                </a:rPr>
-                              </m:ctrlPr>
-                            </m:sSubPr>
-                            <m:e>
-                              <m:r>
-                                <a:rPr lang="en-US" altLang="ja-JP" sz="1200" b="0" i="1" smtClean="0">
-                                  <a:latin typeface="Cambria Math" panose="02040503050406030204" pitchFamily="18" charset="0"/>
-                                </a:rPr>
-                                <m:t>𝐶</m:t>
-                              </m:r>
-                            </m:e>
-                            <m:sub>
-                              <m:r>
-                                <a:rPr lang="en-US" altLang="ja-JP" sz="1200" b="0" i="1" smtClean="0">
-                                  <a:latin typeface="Cambria Math" panose="02040503050406030204" pitchFamily="18" charset="0"/>
-                                </a:rPr>
-                                <m:t>𝑗𝑐</m:t>
-                              </m:r>
-                              <m:r>
-                                <a:rPr lang="en-US" altLang="ja-JP" sz="1200" b="0" i="1" smtClean="0">
-                                  <a:latin typeface="Cambria Math" panose="02040503050406030204" pitchFamily="18" charset="0"/>
-                                </a:rPr>
-                                <m:t>2</m:t>
-                              </m:r>
-                            </m:sub>
-                          </m:sSub>
-                        </m:e>
-                      </m:d>
-                      <m:r>
-                        <a:rPr lang="en-US" altLang="ja-JP" sz="1200" b="0" i="1" smtClean="0">
-                          <a:latin typeface="Cambria Math" panose="02040503050406030204" pitchFamily="18" charset="0"/>
-                        </a:rPr>
-                        <m:t>=</m:t>
-                      </m:r>
-                      <m:sSup>
-                        <m:sSupPr>
-                          <m:ctrlPr>
-                            <a:rPr lang="en-US" altLang="ja-JP" sz="1200" b="0" i="1" smtClean="0">
-                              <a:latin typeface="Cambria Math" panose="02040503050406030204" pitchFamily="18" charset="0"/>
-                            </a:rPr>
-                          </m:ctrlPr>
-                        </m:sSupPr>
-                        <m:e>
-                          <m:d>
-                            <m:dPr>
-                              <m:ctrlPr>
-                                <a:rPr lang="en-US" altLang="ja-JP" sz="1200" b="0" i="1" smtClean="0">
-                                  <a:latin typeface="Cambria Math" panose="02040503050406030204" pitchFamily="18" charset="0"/>
-                                </a:rPr>
-                              </m:ctrlPr>
-                            </m:dPr>
-                            <m:e>
-                              <m:sSub>
-                                <m:sSubPr>
-                                  <m:ctrlPr>
-                                    <a:rPr lang="en-US" altLang="ja-JP" sz="1200" b="0" i="1" smtClean="0">
-                                      <a:latin typeface="Cambria Math" panose="02040503050406030204" pitchFamily="18" charset="0"/>
-                                    </a:rPr>
-                                  </m:ctrlPr>
-                                </m:sSubPr>
-                                <m:e>
-                                  <m:r>
-                                    <a:rPr lang="en-US" altLang="ja-JP" sz="1200" b="0" i="1" smtClean="0">
-                                      <a:latin typeface="Cambria Math" panose="02040503050406030204" pitchFamily="18" charset="0"/>
-                                    </a:rPr>
-                                    <m:t>𝐶</m:t>
-                                  </m:r>
-                                </m:e>
-                                <m:sub>
-                                  <m:r>
-                                    <a:rPr lang="en-US" altLang="ja-JP" sz="1200" b="0" i="1" smtClean="0">
-                                      <a:latin typeface="Cambria Math" panose="02040503050406030204" pitchFamily="18" charset="0"/>
-                                    </a:rPr>
-                                    <m:t>𝑃𝐷</m:t>
-                                  </m:r>
-                                </m:sub>
-                              </m:sSub>
-                              <m:r>
-                                <a:rPr lang="en-US" altLang="ja-JP" sz="1200" b="0" i="1" smtClean="0">
-                                  <a:latin typeface="Cambria Math" panose="02040503050406030204" pitchFamily="18" charset="0"/>
-                                </a:rPr>
-                                <m:t>+</m:t>
-                              </m:r>
-                              <m:sSub>
-                                <m:sSubPr>
-                                  <m:ctrlPr>
-                                    <a:rPr lang="en-US" altLang="ja-JP" sz="1200" b="0" i="1" smtClean="0">
-                                      <a:latin typeface="Cambria Math" panose="02040503050406030204" pitchFamily="18" charset="0"/>
-                                    </a:rPr>
-                                  </m:ctrlPr>
-                                </m:sSubPr>
-                                <m:e>
-                                  <m:r>
-                                    <a:rPr lang="en-US" altLang="ja-JP" sz="1200" b="0" i="1" smtClean="0">
-                                      <a:latin typeface="Cambria Math" panose="02040503050406030204" pitchFamily="18" charset="0"/>
-                                    </a:rPr>
-                                    <m:t>𝐶</m:t>
-                                  </m:r>
-                                </m:e>
-                                <m:sub>
-                                  <m:r>
-                                    <a:rPr lang="en-US" altLang="ja-JP" sz="1200" b="0" i="1" smtClean="0">
-                                      <a:latin typeface="Cambria Math" panose="02040503050406030204" pitchFamily="18" charset="0"/>
-                                    </a:rPr>
-                                    <m:t>𝑗𝑒</m:t>
-                                  </m:r>
-                                  <m:r>
-                                    <a:rPr lang="en-US" altLang="ja-JP" sz="1200" b="0" i="1" smtClean="0">
-                                      <a:latin typeface="Cambria Math" panose="02040503050406030204" pitchFamily="18" charset="0"/>
-                                    </a:rPr>
-                                    <m:t>1</m:t>
-                                  </m:r>
-                                </m:sub>
-                              </m:sSub>
-                            </m:e>
-                          </m:d>
-                        </m:e>
-                        <m:sup>
-                          <m:r>
-                            <a:rPr lang="en-US" altLang="ja-JP" sz="1200" b="0" i="1" smtClean="0">
-                              <a:latin typeface="Cambria Math" panose="02040503050406030204" pitchFamily="18" charset="0"/>
-                            </a:rPr>
-                            <m:t>2</m:t>
-                          </m:r>
-                        </m:sup>
-                      </m:sSup>
-                      <m:sSub>
-                        <m:sSubPr>
-                          <m:ctrlPr>
-                            <a:rPr lang="en-US" altLang="ja-JP" sz="1200" b="0" i="1" smtClean="0">
-                              <a:latin typeface="Cambria Math" panose="02040503050406030204" pitchFamily="18" charset="0"/>
-                            </a:rPr>
-                          </m:ctrlPr>
-                        </m:sSubPr>
-                        <m:e>
-                          <m:r>
-                            <a:rPr lang="en-US" altLang="ja-JP" sz="1200" b="0" i="1" smtClean="0">
-                              <a:latin typeface="Cambria Math" panose="02040503050406030204" pitchFamily="18" charset="0"/>
-                            </a:rPr>
-                            <m:t>𝐶</m:t>
-                          </m:r>
-                        </m:e>
-                        <m:sub>
-                          <m:r>
-                            <a:rPr lang="en-US" altLang="ja-JP" sz="1200" b="0" i="1" smtClean="0">
-                              <a:latin typeface="Cambria Math" panose="02040503050406030204" pitchFamily="18" charset="0"/>
-                            </a:rPr>
-                            <m:t>𝑗𝑐</m:t>
-                          </m:r>
-                          <m:r>
-                            <a:rPr lang="en-US" altLang="ja-JP" sz="1200" b="0" i="1" smtClean="0">
-                              <a:latin typeface="Cambria Math" panose="02040503050406030204" pitchFamily="18" charset="0"/>
-                            </a:rPr>
-                            <m:t>2</m:t>
-                          </m:r>
-                        </m:sub>
-                      </m:sSub>
-                      <m:r>
-                        <a:rPr lang="en-US" altLang="ja-JP" sz="1200" b="0" i="1" smtClean="0">
-                          <a:latin typeface="Cambria Math" panose="02040503050406030204" pitchFamily="18" charset="0"/>
-                        </a:rPr>
-                        <m:t>(</m:t>
-                      </m:r>
-                      <m:sSub>
-                        <m:sSubPr>
-                          <m:ctrlPr>
-                            <a:rPr lang="en-US" altLang="ja-JP" sz="1200" b="0" i="1" smtClean="0">
-                              <a:latin typeface="Cambria Math" panose="02040503050406030204" pitchFamily="18" charset="0"/>
-                            </a:rPr>
-                          </m:ctrlPr>
-                        </m:sSubPr>
-                        <m:e>
-                          <m:r>
-                            <a:rPr lang="en-US" altLang="ja-JP" sz="1200" b="0" i="1" smtClean="0">
-                              <a:latin typeface="Cambria Math" panose="02040503050406030204" pitchFamily="18" charset="0"/>
-                            </a:rPr>
-                            <m:t>𝐶</m:t>
-                          </m:r>
-                        </m:e>
-                        <m:sub>
-                          <m:r>
-                            <a:rPr lang="en-US" altLang="ja-JP" sz="1200" b="0" i="1" smtClean="0">
-                              <a:latin typeface="Cambria Math" panose="02040503050406030204" pitchFamily="18" charset="0"/>
-                            </a:rPr>
-                            <m:t>𝑐𝑗</m:t>
-                          </m:r>
-                          <m:r>
-                            <a:rPr lang="en-US" altLang="ja-JP" sz="1200" b="0" i="1" smtClean="0">
-                              <a:latin typeface="Cambria Math" panose="02040503050406030204" pitchFamily="18" charset="0"/>
-                            </a:rPr>
-                            <m:t>1</m:t>
-                          </m:r>
-                        </m:sub>
-                      </m:sSub>
-                      <m:r>
-                        <a:rPr lang="en-US" altLang="ja-JP" sz="1200" b="0" i="1" smtClean="0">
-                          <a:latin typeface="Cambria Math" panose="02040503050406030204" pitchFamily="18" charset="0"/>
-                        </a:rPr>
-                        <m:t>+</m:t>
-                      </m:r>
-                      <m:sSub>
-                        <m:sSubPr>
-                          <m:ctrlPr>
-                            <a:rPr lang="en-US" altLang="ja-JP" sz="1200" b="0" i="1" smtClean="0">
-                              <a:latin typeface="Cambria Math" panose="02040503050406030204" pitchFamily="18" charset="0"/>
-                            </a:rPr>
-                          </m:ctrlPr>
-                        </m:sSubPr>
-                        <m:e>
-                          <m:r>
-                            <a:rPr lang="en-US" altLang="ja-JP" sz="1200" b="0" i="1" smtClean="0">
-                              <a:latin typeface="Cambria Math" panose="02040503050406030204" pitchFamily="18" charset="0"/>
-                            </a:rPr>
-                            <m:t>𝐶</m:t>
-                          </m:r>
-                        </m:e>
-                        <m:sub>
-                          <m:r>
-                            <a:rPr lang="en-US" altLang="ja-JP" sz="1200" b="0" i="1" smtClean="0">
-                              <a:latin typeface="Cambria Math" panose="02040503050406030204" pitchFamily="18" charset="0"/>
-                            </a:rPr>
-                            <m:t>𝑗𝑒</m:t>
-                          </m:r>
-                          <m:r>
-                            <a:rPr lang="en-US" altLang="ja-JP" sz="1200" b="0" i="1" smtClean="0">
-                              <a:latin typeface="Cambria Math" panose="02040503050406030204" pitchFamily="18" charset="0"/>
-                            </a:rPr>
-                            <m:t>2</m:t>
-                          </m:r>
-                        </m:sub>
-                      </m:sSub>
-                      <m:r>
-                        <a:rPr lang="en-US" altLang="ja-JP" sz="1200" b="0" i="1" smtClean="0">
-                          <a:latin typeface="Cambria Math" panose="02040503050406030204" pitchFamily="18" charset="0"/>
-                        </a:rPr>
-                        <m:t>)</m:t>
-                      </m:r>
-                    </m:oMath>
-                  </m:oMathPara>
-                </a14:m>
-                <a:endParaRPr lang="en-US" altLang="ja-JP" sz="1200" dirty="0">
-                  <a:latin typeface="Times Newer Roman" panose="00000500000000000000" pitchFamily="50" charset="0"/>
-                </a:endParaRPr>
-              </a:p>
-              <a:p>
-                <a:pPr/>
-                <a:endParaRPr kumimoji="1" lang="ja-JP" altLang="en-US" sz="1200" dirty="0">
                   <a:latin typeface="Times Newer Roman" panose="00000500000000000000" pitchFamily="50" charset="0"/>
                 </a:endParaRPr>
               </a:p>
@@ -21522,8 +17805,8 @@
             </p:nvSpPr>
             <p:spPr>
               <a:xfrm>
-                <a:off x="133350" y="1515470"/>
-                <a:ext cx="11925300" cy="5229830"/>
+                <a:off x="133350" y="2011859"/>
+                <a:ext cx="11925300" cy="3150927"/>
               </a:xfrm>
               <a:prstGeom prst="rect">
                 <a:avLst/>
@@ -21531,7 +17814,654 @@
               <a:blipFill>
                 <a:blip r:embed="rId2"/>
                 <a:stretch>
-                  <a:fillRect t="-5711" b="-6876"/>
+                  <a:fillRect l="-51" t="-9478" b="-6190"/>
+                </a:stretch>
+              </a:blipFill>
+            </p:spPr>
+            <p:txBody>
+              <a:bodyPr/>
+              <a:lstStyle/>
+              <a:p>
+                <a:r>
+                  <a:rPr lang="ja-JP" altLang="en-US">
+                    <a:noFill/>
+                  </a:rPr>
+                  <a:t> </a:t>
+                </a:r>
+              </a:p>
+            </p:txBody>
+          </p:sp>
+        </mc:Fallback>
+      </mc:AlternateContent>
+    </p:spTree>
+    <p:extLst>
+      <p:ext uri="{BB962C8B-B14F-4D97-AF65-F5344CB8AC3E}">
+        <p14:creationId xmlns:p14="http://schemas.microsoft.com/office/powerpoint/2010/main" val="1532611122"/>
+      </p:ext>
+    </p:extLst>
+  </p:cSld>
+  <p:clrMapOvr>
+    <a:masterClrMapping/>
+  </p:clrMapOvr>
+</p:sld>
+</file>
+
+<file path=ppt/slides/slide7.xml><?xml version="1.0" encoding="utf-8"?>
+<p:sld xmlns:a="http://schemas.openxmlformats.org/drawingml/2006/main" xmlns:r="http://schemas.openxmlformats.org/officeDocument/2006/relationships" xmlns:p="http://schemas.openxmlformats.org/presentationml/2006/main">
+  <p:cSld>
+    <p:spTree>
+      <p:nvGrpSpPr>
+        <p:cNvPr id="1" name=""/>
+        <p:cNvGrpSpPr/>
+        <p:nvPr/>
+      </p:nvGrpSpPr>
+      <p:grpSpPr>
+        <a:xfrm>
+          <a:off x="0" y="0"/>
+          <a:ext cx="0" cy="0"/>
+          <a:chOff x="0" y="0"/>
+          <a:chExt cx="0" cy="0"/>
+        </a:xfrm>
+      </p:grpSpPr>
+      <p:sp>
+        <p:nvSpPr>
+          <p:cNvPr id="2" name="タイトル 1">
+            <a:extLst>
+              <a:ext uri="{FF2B5EF4-FFF2-40B4-BE49-F238E27FC236}">
+                <a16:creationId xmlns:a16="http://schemas.microsoft.com/office/drawing/2014/main" id="{E6148D07-B132-5B51-C7F1-2B5B4F86CA7F}"/>
+              </a:ext>
+            </a:extLst>
+          </p:cNvPr>
+          <p:cNvSpPr>
+            <a:spLocks noGrp="1"/>
+          </p:cNvSpPr>
+          <p:nvPr>
+            <p:ph type="title"/>
+          </p:nvPr>
+        </p:nvSpPr>
+        <p:spPr/>
+        <p:txBody>
+          <a:bodyPr/>
+          <a:lstStyle/>
+          <a:p>
+            <a:r>
+              <a:rPr kumimoji="1" lang="ja-JP" altLang="en-US" dirty="0"/>
+              <a:t>小信号解析</a:t>
+            </a:r>
+          </a:p>
+        </p:txBody>
+      </p:sp>
+      <p:sp>
+        <p:nvSpPr>
+          <p:cNvPr id="3" name="日付プレースホルダー 2">
+            <a:extLst>
+              <a:ext uri="{FF2B5EF4-FFF2-40B4-BE49-F238E27FC236}">
+                <a16:creationId xmlns:a16="http://schemas.microsoft.com/office/drawing/2014/main" id="{4E6BB251-9E84-AE99-4CFF-D92DE6FFD08A}"/>
+              </a:ext>
+            </a:extLst>
+          </p:cNvPr>
+          <p:cNvSpPr>
+            <a:spLocks noGrp="1"/>
+          </p:cNvSpPr>
+          <p:nvPr>
+            <p:ph type="dt" sz="half" idx="10"/>
+          </p:nvPr>
+        </p:nvSpPr>
+        <p:spPr/>
+        <p:txBody>
+          <a:bodyPr/>
+          <a:lstStyle/>
+          <a:p>
+            <a:r>
+              <a:rPr lang="en-US" altLang="ja-JP"/>
+              <a:t>2024/5/24</a:t>
+            </a:r>
+            <a:endParaRPr lang="ja-JP" altLang="en-US"/>
+          </a:p>
+        </p:txBody>
+      </p:sp>
+      <p:sp>
+        <p:nvSpPr>
+          <p:cNvPr id="4" name="スライド番号プレースホルダー 3">
+            <a:extLst>
+              <a:ext uri="{FF2B5EF4-FFF2-40B4-BE49-F238E27FC236}">
+                <a16:creationId xmlns:a16="http://schemas.microsoft.com/office/drawing/2014/main" id="{1AB8DAE7-CC8D-5232-29C3-5BC14B48E681}"/>
+              </a:ext>
+            </a:extLst>
+          </p:cNvPr>
+          <p:cNvSpPr>
+            <a:spLocks noGrp="1"/>
+          </p:cNvSpPr>
+          <p:nvPr>
+            <p:ph type="sldNum" sz="quarter" idx="12"/>
+          </p:nvPr>
+        </p:nvSpPr>
+        <p:spPr/>
+        <p:txBody>
+          <a:bodyPr/>
+          <a:lstStyle/>
+          <a:p>
+            <a:fld id="{6294761A-CFE9-4878-87A7-90ECABD59CE5}" type="slidenum">
+              <a:rPr lang="ja-JP" altLang="en-US" smtClean="0"/>
+              <a:pPr/>
+              <a:t>7</a:t>
+            </a:fld>
+            <a:endParaRPr lang="ja-JP" altLang="en-US"/>
+          </a:p>
+        </p:txBody>
+      </p:sp>
+      <p:sp>
+        <p:nvSpPr>
+          <p:cNvPr id="5" name="フッター プレースホルダー 4">
+            <a:extLst>
+              <a:ext uri="{FF2B5EF4-FFF2-40B4-BE49-F238E27FC236}">
+                <a16:creationId xmlns:a16="http://schemas.microsoft.com/office/drawing/2014/main" id="{848AC3DF-9F4F-D204-D68D-FD44BE2B5712}"/>
+              </a:ext>
+            </a:extLst>
+          </p:cNvPr>
+          <p:cNvSpPr>
+            <a:spLocks noGrp="1"/>
+          </p:cNvSpPr>
+          <p:nvPr>
+            <p:ph type="ftr" sz="quarter" idx="3"/>
+          </p:nvPr>
+        </p:nvSpPr>
+        <p:spPr/>
+        <p:txBody>
+          <a:bodyPr/>
+          <a:lstStyle/>
+          <a:p>
+            <a:r>
+              <a:rPr lang="en-US" altLang="ja-JP"/>
+              <a:t>Wave Signal Processing Circuit Laboratory,  Meiji University</a:t>
+            </a:r>
+            <a:endParaRPr lang="en-US" altLang="ja-JP" dirty="0"/>
+          </a:p>
+        </p:txBody>
+      </p:sp>
+      <mc:AlternateContent xmlns:mc="http://schemas.openxmlformats.org/markup-compatibility/2006">
+        <mc:Choice xmlns:a14="http://schemas.microsoft.com/office/drawing/2010/main" Requires="a14">
+          <p:sp>
+            <p:nvSpPr>
+              <p:cNvPr id="6" name="テキスト ボックス 5">
+                <a:extLst>
+                  <a:ext uri="{FF2B5EF4-FFF2-40B4-BE49-F238E27FC236}">
+                    <a16:creationId xmlns:a16="http://schemas.microsoft.com/office/drawing/2014/main" id="{D93713E7-D5B9-7790-DE72-D3AA0CDAB4EE}"/>
+                  </a:ext>
+                </a:extLst>
+              </p:cNvPr>
+              <p:cNvSpPr txBox="1"/>
+              <p:nvPr/>
+            </p:nvSpPr>
+            <p:spPr>
+              <a:xfrm>
+                <a:off x="838200" y="1767840"/>
+                <a:ext cx="10515600" cy="1428468"/>
+              </a:xfrm>
+              <a:prstGeom prst="rect">
+                <a:avLst/>
+              </a:prstGeom>
+              <a:noFill/>
+            </p:spPr>
+            <p:txBody>
+              <a:bodyPr wrap="square" rtlCol="0">
+                <a:spAutoFit/>
+              </a:bodyPr>
+              <a:lstStyle/>
+              <a:p>
+                <a:pPr algn="l"/>
+                <a14:m>
+                  <m:oMath xmlns:m="http://schemas.openxmlformats.org/officeDocument/2006/math">
+                    <m:sSub>
+                      <m:sSubPr>
+                        <m:ctrlPr>
+                          <a:rPr kumimoji="1" lang="en-US" altLang="ja-JP" b="0" i="1" smtClean="0">
+                            <a:latin typeface="Cambria Math" panose="02040503050406030204" pitchFamily="18" charset="0"/>
+                          </a:rPr>
+                        </m:ctrlPr>
+                      </m:sSubPr>
+                      <m:e>
+                        <m:r>
+                          <a:rPr kumimoji="1" lang="en-US" altLang="ja-JP" b="0" i="1" smtClean="0">
+                            <a:latin typeface="Cambria Math" panose="02040503050406030204" pitchFamily="18" charset="0"/>
+                          </a:rPr>
+                          <m:t>𝑋</m:t>
+                        </m:r>
+                      </m:e>
+                      <m:sub>
+                        <m:r>
+                          <a:rPr kumimoji="1" lang="en-US" altLang="ja-JP" b="0" i="1" smtClean="0">
+                            <a:latin typeface="Cambria Math" panose="02040503050406030204" pitchFamily="18" charset="0"/>
+                          </a:rPr>
+                          <m:t>𝑡</m:t>
+                        </m:r>
+                      </m:sub>
+                    </m:sSub>
+                    <m:r>
+                      <a:rPr kumimoji="1" lang="en-US" altLang="ja-JP" b="0" i="1" smtClean="0">
+                        <a:latin typeface="Cambria Math" panose="02040503050406030204" pitchFamily="18" charset="0"/>
+                      </a:rPr>
+                      <m:t>=</m:t>
+                    </m:r>
+                    <m:f>
+                      <m:fPr>
+                        <m:ctrlPr>
+                          <a:rPr kumimoji="1" lang="en-US" altLang="ja-JP" b="0" i="1" smtClean="0">
+                            <a:latin typeface="Cambria Math" panose="02040503050406030204" pitchFamily="18" charset="0"/>
+                          </a:rPr>
+                        </m:ctrlPr>
+                      </m:fPr>
+                      <m:num>
+                        <m:sSubSup>
+                          <m:sSubSupPr>
+                            <m:ctrlPr>
+                              <a:rPr kumimoji="1" lang="en-US" altLang="ja-JP" b="0" i="1" smtClean="0">
+                                <a:latin typeface="Cambria Math" panose="02040503050406030204" pitchFamily="18" charset="0"/>
+                              </a:rPr>
+                            </m:ctrlPr>
+                          </m:sSubSupPr>
+                          <m:e>
+                            <m:r>
+                              <a:rPr kumimoji="1" lang="en-US" altLang="ja-JP" b="0" i="1" smtClean="0">
+                                <a:latin typeface="Cambria Math" panose="02040503050406030204" pitchFamily="18" charset="0"/>
+                              </a:rPr>
+                              <m:t>∑</m:t>
+                            </m:r>
+                          </m:e>
+                          <m:sub>
+                            <m:r>
+                              <a:rPr kumimoji="1" lang="en-US" altLang="ja-JP" b="0" i="1" smtClean="0">
+                                <a:latin typeface="Cambria Math" panose="02040503050406030204" pitchFamily="18" charset="0"/>
+                              </a:rPr>
+                              <m:t>𝑖</m:t>
+                            </m:r>
+                            <m:r>
+                              <a:rPr kumimoji="1" lang="en-US" altLang="ja-JP" b="0" i="1" smtClean="0">
+                                <a:latin typeface="Cambria Math" panose="02040503050406030204" pitchFamily="18" charset="0"/>
+                              </a:rPr>
+                              <m:t>=0</m:t>
+                            </m:r>
+                          </m:sub>
+                          <m:sup>
+                            <m:r>
+                              <a:rPr kumimoji="1" lang="en-US" altLang="ja-JP" b="0" i="1" smtClean="0">
+                                <a:latin typeface="Cambria Math" panose="02040503050406030204" pitchFamily="18" charset="0"/>
+                              </a:rPr>
+                              <m:t>2</m:t>
+                            </m:r>
+                          </m:sup>
+                        </m:sSubSup>
+                        <m:sSub>
+                          <m:sSubPr>
+                            <m:ctrlPr>
+                              <a:rPr kumimoji="1" lang="en-US" altLang="ja-JP" b="0" i="1" smtClean="0">
+                                <a:latin typeface="Cambria Math" panose="02040503050406030204" pitchFamily="18" charset="0"/>
+                              </a:rPr>
+                            </m:ctrlPr>
+                          </m:sSubPr>
+                          <m:e>
+                            <m:r>
+                              <a:rPr kumimoji="1" lang="en-US" altLang="ja-JP" b="0" i="1" smtClean="0">
+                                <a:latin typeface="Cambria Math" panose="02040503050406030204" pitchFamily="18" charset="0"/>
+                              </a:rPr>
+                              <m:t>𝐶</m:t>
+                            </m:r>
+                          </m:e>
+                          <m:sub>
+                            <m:r>
+                              <a:rPr kumimoji="1" lang="en-US" altLang="ja-JP" b="0" i="1" smtClean="0">
+                                <a:latin typeface="Cambria Math" panose="02040503050406030204" pitchFamily="18" charset="0"/>
+                              </a:rPr>
+                              <m:t>1</m:t>
+                            </m:r>
+                            <m:r>
+                              <a:rPr kumimoji="1" lang="en-US" altLang="ja-JP" b="0" i="1" smtClean="0">
+                                <a:latin typeface="Cambria Math" panose="02040503050406030204" pitchFamily="18" charset="0"/>
+                              </a:rPr>
+                              <m:t>𝑖</m:t>
+                            </m:r>
+                          </m:sub>
+                        </m:sSub>
+                        <m:sSup>
+                          <m:sSupPr>
+                            <m:ctrlPr>
+                              <a:rPr kumimoji="1" lang="en-US" altLang="ja-JP" b="0" i="1" smtClean="0">
+                                <a:latin typeface="Cambria Math" panose="02040503050406030204" pitchFamily="18" charset="0"/>
+                              </a:rPr>
+                            </m:ctrlPr>
+                          </m:sSupPr>
+                          <m:e>
+                            <m:r>
+                              <a:rPr kumimoji="1" lang="en-US" altLang="ja-JP" b="0" i="1" smtClean="0">
+                                <a:latin typeface="Cambria Math" panose="02040503050406030204" pitchFamily="18" charset="0"/>
+                              </a:rPr>
+                              <m:t>𝜔</m:t>
+                            </m:r>
+                          </m:e>
+                          <m:sup>
+                            <m:r>
+                              <a:rPr kumimoji="1" lang="en-US" altLang="ja-JP" b="0" i="1" smtClean="0">
+                                <a:latin typeface="Cambria Math" panose="02040503050406030204" pitchFamily="18" charset="0"/>
+                              </a:rPr>
+                              <m:t>𝑖</m:t>
+                            </m:r>
+                          </m:sup>
+                        </m:sSup>
+                      </m:num>
+                      <m:den>
+                        <m:sSubSup>
+                          <m:sSubSupPr>
+                            <m:ctrlPr>
+                              <a:rPr kumimoji="1" lang="en-US" altLang="ja-JP" b="0" i="1" smtClean="0">
+                                <a:latin typeface="Cambria Math" panose="02040503050406030204" pitchFamily="18" charset="0"/>
+                              </a:rPr>
+                            </m:ctrlPr>
+                          </m:sSubSupPr>
+                          <m:e>
+                            <m:r>
+                              <a:rPr kumimoji="1" lang="en-US" altLang="ja-JP" b="0" i="1" smtClean="0">
+                                <a:latin typeface="Cambria Math" panose="02040503050406030204" pitchFamily="18" charset="0"/>
+                              </a:rPr>
+                              <m:t>∑</m:t>
+                            </m:r>
+                          </m:e>
+                          <m:sub>
+                            <m:r>
+                              <a:rPr kumimoji="1" lang="en-US" altLang="ja-JP" b="0" i="1" smtClean="0">
+                                <a:latin typeface="Cambria Math" panose="02040503050406030204" pitchFamily="18" charset="0"/>
+                              </a:rPr>
+                              <m:t>𝑖</m:t>
+                            </m:r>
+                            <m:r>
+                              <a:rPr kumimoji="1" lang="en-US" altLang="ja-JP" b="0" i="1" smtClean="0">
+                                <a:latin typeface="Cambria Math" panose="02040503050406030204" pitchFamily="18" charset="0"/>
+                              </a:rPr>
+                              <m:t>=0</m:t>
+                            </m:r>
+                          </m:sub>
+                          <m:sup>
+                            <m:r>
+                              <a:rPr kumimoji="1" lang="en-US" altLang="ja-JP" b="0" i="1" smtClean="0">
+                                <a:latin typeface="Cambria Math" panose="02040503050406030204" pitchFamily="18" charset="0"/>
+                              </a:rPr>
+                              <m:t>4</m:t>
+                            </m:r>
+                          </m:sup>
+                        </m:sSubSup>
+                        <m:sSub>
+                          <m:sSubPr>
+                            <m:ctrlPr>
+                              <a:rPr kumimoji="1" lang="en-US" altLang="ja-JP" b="0" i="1" smtClean="0">
+                                <a:latin typeface="Cambria Math" panose="02040503050406030204" pitchFamily="18" charset="0"/>
+                              </a:rPr>
+                            </m:ctrlPr>
+                          </m:sSubPr>
+                          <m:e>
+                            <m:r>
+                              <a:rPr kumimoji="1" lang="en-US" altLang="ja-JP" b="0" i="1" smtClean="0">
+                                <a:latin typeface="Cambria Math" panose="02040503050406030204" pitchFamily="18" charset="0"/>
+                              </a:rPr>
+                              <m:t>𝐶</m:t>
+                            </m:r>
+                          </m:e>
+                          <m:sub>
+                            <m:r>
+                              <a:rPr kumimoji="1" lang="en-US" altLang="ja-JP" b="0" i="1" smtClean="0">
+                                <a:latin typeface="Cambria Math" panose="02040503050406030204" pitchFamily="18" charset="0"/>
+                              </a:rPr>
+                              <m:t>2</m:t>
+                            </m:r>
+                            <m:r>
+                              <a:rPr kumimoji="1" lang="en-US" altLang="ja-JP" b="0" i="1" smtClean="0">
+                                <a:latin typeface="Cambria Math" panose="02040503050406030204" pitchFamily="18" charset="0"/>
+                              </a:rPr>
+                              <m:t>𝑖</m:t>
+                            </m:r>
+                          </m:sub>
+                        </m:sSub>
+                        <m:sSup>
+                          <m:sSupPr>
+                            <m:ctrlPr>
+                              <a:rPr kumimoji="1" lang="en-US" altLang="ja-JP" b="0" i="1" smtClean="0">
+                                <a:latin typeface="Cambria Math" panose="02040503050406030204" pitchFamily="18" charset="0"/>
+                              </a:rPr>
+                            </m:ctrlPr>
+                          </m:sSupPr>
+                          <m:e>
+                            <m:r>
+                              <a:rPr kumimoji="1" lang="en-US" altLang="ja-JP" b="0" i="1" smtClean="0">
+                                <a:latin typeface="Cambria Math" panose="02040503050406030204" pitchFamily="18" charset="0"/>
+                              </a:rPr>
+                              <m:t>𝜔</m:t>
+                            </m:r>
+                          </m:e>
+                          <m:sup>
+                            <m:r>
+                              <a:rPr kumimoji="1" lang="en-US" altLang="ja-JP" b="0" i="1" smtClean="0">
+                                <a:latin typeface="Cambria Math" panose="02040503050406030204" pitchFamily="18" charset="0"/>
+                              </a:rPr>
+                              <m:t>𝑖</m:t>
+                            </m:r>
+                          </m:sup>
+                        </m:sSup>
+                      </m:den>
+                    </m:f>
+                  </m:oMath>
+                </a14:m>
+                <a:r>
+                  <a:rPr kumimoji="1" lang="ja-JP" altLang="en-US" dirty="0">
+                    <a:latin typeface="Times Newer Roman" panose="00000500000000000000" pitchFamily="50" charset="0"/>
+                  </a:rPr>
+                  <a:t>とおけば、周波数特性は</a:t>
+                </a:r>
+                <a14:m>
+                  <m:oMath xmlns:m="http://schemas.openxmlformats.org/officeDocument/2006/math">
+                    <m:r>
+                      <a:rPr kumimoji="1" lang="en-US" altLang="ja-JP" b="0" i="1" smtClean="0">
+                        <a:latin typeface="Cambria Math" panose="02040503050406030204" pitchFamily="18" charset="0"/>
+                      </a:rPr>
+                      <m:t>𝜔</m:t>
+                    </m:r>
+                  </m:oMath>
+                </a14:m>
+                <a:r>
+                  <a:rPr kumimoji="1" lang="ja-JP" altLang="en-US" dirty="0">
+                    <a:latin typeface="Times Newer Roman" panose="00000500000000000000" pitchFamily="50" charset="0"/>
+                  </a:rPr>
+                  <a:t>の次数が大きいほど影響が強くなる。</a:t>
+                </a:r>
+                <a:endParaRPr kumimoji="1" lang="en-US" altLang="ja-JP" dirty="0">
+                  <a:latin typeface="Times Newer Roman" panose="00000500000000000000" pitchFamily="50" charset="0"/>
+                </a:endParaRPr>
+              </a:p>
+              <a:p>
+                <a:pPr algn="l"/>
+                <a:r>
+                  <a:rPr lang="ja-JP" altLang="en-US" dirty="0">
+                    <a:latin typeface="Times Newer Roman" panose="00000500000000000000" pitchFamily="50" charset="0"/>
+                  </a:rPr>
+                  <a:t>⇒考慮すべき</a:t>
+                </a:r>
+                <a14:m>
+                  <m:oMath xmlns:m="http://schemas.openxmlformats.org/officeDocument/2006/math">
+                    <m:r>
+                      <a:rPr lang="en-US" altLang="ja-JP" b="0" i="1" smtClean="0">
+                        <a:latin typeface="Cambria Math" panose="02040503050406030204" pitchFamily="18" charset="0"/>
+                      </a:rPr>
+                      <m:t>𝜔</m:t>
+                    </m:r>
+                  </m:oMath>
+                </a14:m>
+                <a:r>
+                  <a:rPr kumimoji="1" lang="ja-JP" altLang="en-US" dirty="0">
+                    <a:latin typeface="Times Newer Roman" panose="00000500000000000000" pitchFamily="50" charset="0"/>
+                  </a:rPr>
+                  <a:t>の係数</a:t>
+                </a:r>
+                <a14:m>
+                  <m:oMath xmlns:m="http://schemas.openxmlformats.org/officeDocument/2006/math">
+                    <m:sSub>
+                      <m:sSubPr>
+                        <m:ctrlPr>
+                          <a:rPr kumimoji="1" lang="en-US" altLang="ja-JP" b="0" i="1" smtClean="0">
+                            <a:latin typeface="Cambria Math" panose="02040503050406030204" pitchFamily="18" charset="0"/>
+                          </a:rPr>
+                        </m:ctrlPr>
+                      </m:sSubPr>
+                      <m:e>
+                        <m:r>
+                          <a:rPr kumimoji="1" lang="en-US" altLang="ja-JP" b="0" i="1" smtClean="0">
+                            <a:latin typeface="Cambria Math" panose="02040503050406030204" pitchFamily="18" charset="0"/>
+                          </a:rPr>
+                          <m:t>𝐶</m:t>
+                        </m:r>
+                      </m:e>
+                      <m:sub>
+                        <m:r>
+                          <a:rPr kumimoji="1" lang="en-US" altLang="ja-JP" b="0" i="1" smtClean="0">
+                            <a:latin typeface="Cambria Math" panose="02040503050406030204" pitchFamily="18" charset="0"/>
+                          </a:rPr>
+                          <m:t>1</m:t>
+                        </m:r>
+                        <m:r>
+                          <a:rPr kumimoji="1" lang="en-US" altLang="ja-JP" b="0" i="1" smtClean="0">
+                            <a:latin typeface="Cambria Math" panose="02040503050406030204" pitchFamily="18" charset="0"/>
+                          </a:rPr>
+                          <m:t>𝑖</m:t>
+                        </m:r>
+                      </m:sub>
+                    </m:sSub>
+                    <m:r>
+                      <a:rPr kumimoji="1" lang="en-US" altLang="ja-JP" b="0" i="1" smtClean="0">
+                        <a:latin typeface="Cambria Math" panose="02040503050406030204" pitchFamily="18" charset="0"/>
+                      </a:rPr>
+                      <m:t>,</m:t>
+                    </m:r>
+                    <m:sSub>
+                      <m:sSubPr>
+                        <m:ctrlPr>
+                          <a:rPr kumimoji="1" lang="en-US" altLang="ja-JP" b="0" i="1" smtClean="0">
+                            <a:latin typeface="Cambria Math" panose="02040503050406030204" pitchFamily="18" charset="0"/>
+                          </a:rPr>
+                        </m:ctrlPr>
+                      </m:sSubPr>
+                      <m:e>
+                        <m:r>
+                          <a:rPr kumimoji="1" lang="en-US" altLang="ja-JP" b="0" i="1" smtClean="0">
+                            <a:latin typeface="Cambria Math" panose="02040503050406030204" pitchFamily="18" charset="0"/>
+                          </a:rPr>
+                          <m:t>𝐶</m:t>
+                        </m:r>
+                      </m:e>
+                      <m:sub>
+                        <m:r>
+                          <a:rPr kumimoji="1" lang="en-US" altLang="ja-JP" b="0" i="1" smtClean="0">
+                            <a:latin typeface="Cambria Math" panose="02040503050406030204" pitchFamily="18" charset="0"/>
+                          </a:rPr>
+                          <m:t>2</m:t>
+                        </m:r>
+                        <m:r>
+                          <a:rPr kumimoji="1" lang="en-US" altLang="ja-JP" b="0" i="1" smtClean="0">
+                            <a:latin typeface="Cambria Math" panose="02040503050406030204" pitchFamily="18" charset="0"/>
+                          </a:rPr>
+                          <m:t>𝑖</m:t>
+                        </m:r>
+                      </m:sub>
+                    </m:sSub>
+                  </m:oMath>
+                </a14:m>
+                <a:r>
+                  <a:rPr kumimoji="1" lang="ja-JP" altLang="en-US" dirty="0">
+                    <a:latin typeface="Times Newer Roman" panose="00000500000000000000" pitchFamily="50" charset="0"/>
+                  </a:rPr>
+                  <a:t>の優先順位が分かるのでこれ以上全体は計算しないでおく。</a:t>
+                </a:r>
+                <a:endParaRPr kumimoji="1" lang="en-US" altLang="ja-JP" dirty="0">
+                  <a:latin typeface="Times Newer Roman" panose="00000500000000000000" pitchFamily="50" charset="0"/>
+                </a:endParaRPr>
+              </a:p>
+              <a:p>
+                <a:pPr algn="l"/>
+                <a:endParaRPr lang="en-US" altLang="ja-JP" dirty="0">
+                  <a:latin typeface="Times Newer Roman" panose="00000500000000000000" pitchFamily="50" charset="0"/>
+                </a:endParaRPr>
+              </a:p>
+              <a:p>
+                <a:pPr algn="l"/>
+                <a14:m>
+                  <m:oMathPara xmlns:m="http://schemas.openxmlformats.org/officeDocument/2006/math">
+                    <m:oMathParaPr>
+                      <m:jc m:val="centerGroup"/>
+                    </m:oMathParaPr>
+                    <m:oMath xmlns:m="http://schemas.openxmlformats.org/officeDocument/2006/math">
+                      <m:sSub>
+                        <m:sSubPr>
+                          <m:ctrlPr>
+                            <a:rPr kumimoji="1" lang="en-US" altLang="ja-JP" b="0" i="1" smtClean="0">
+                              <a:latin typeface="Cambria Math" panose="02040503050406030204" pitchFamily="18" charset="0"/>
+                            </a:rPr>
+                          </m:ctrlPr>
+                        </m:sSubPr>
+                        <m:e>
+                          <m:r>
+                            <a:rPr kumimoji="1" lang="en-US" altLang="ja-JP" b="0" i="1" smtClean="0">
+                              <a:latin typeface="Cambria Math" panose="02040503050406030204" pitchFamily="18" charset="0"/>
+                            </a:rPr>
+                            <m:t>𝐶</m:t>
+                          </m:r>
+                        </m:e>
+                        <m:sub>
+                          <m:r>
+                            <a:rPr kumimoji="1" lang="en-US" altLang="ja-JP" b="0" i="1" smtClean="0">
+                              <a:latin typeface="Cambria Math" panose="02040503050406030204" pitchFamily="18" charset="0"/>
+                            </a:rPr>
+                            <m:t>24</m:t>
+                          </m:r>
+                        </m:sub>
+                      </m:sSub>
+                      <m:r>
+                        <a:rPr kumimoji="1" lang="en-US" altLang="ja-JP" b="0" i="1" smtClean="0">
+                          <a:latin typeface="Cambria Math" panose="02040503050406030204" pitchFamily="18" charset="0"/>
+                        </a:rPr>
+                        <m:t>=</m:t>
+                      </m:r>
+                    </m:oMath>
+                  </m:oMathPara>
+                </a14:m>
+                <a:endParaRPr kumimoji="1" lang="en-US" altLang="ja-JP" dirty="0">
+                  <a:latin typeface="Times Newer Roman" panose="00000500000000000000" pitchFamily="50" charset="0"/>
+                </a:endParaRPr>
+              </a:p>
+            </p:txBody>
+          </p:sp>
+        </mc:Choice>
+        <mc:Fallback>
+          <p:sp>
+            <p:nvSpPr>
+              <p:cNvPr id="6" name="テキスト ボックス 5">
+                <a:extLst>
+                  <a:ext uri="{FF2B5EF4-FFF2-40B4-BE49-F238E27FC236}">
+                    <a16:creationId xmlns:a16="http://schemas.microsoft.com/office/drawing/2014/main" id="{D93713E7-D5B9-7790-DE72-D3AA0CDAB4EE}"/>
+                  </a:ext>
+                </a:extLst>
+              </p:cNvPr>
+              <p:cNvSpPr txBox="1">
+                <a:spLocks noRot="1" noChangeAspect="1" noMove="1" noResize="1" noEditPoints="1" noAdjustHandles="1" noChangeArrowheads="1" noChangeShapeType="1" noTextEdit="1"/>
+              </p:cNvSpPr>
+              <p:nvPr/>
+            </p:nvSpPr>
+            <p:spPr>
+              <a:xfrm>
+                <a:off x="838200" y="1767840"/>
+                <a:ext cx="10515600" cy="1428468"/>
+              </a:xfrm>
+              <a:prstGeom prst="rect">
+                <a:avLst/>
+              </a:prstGeom>
+              <a:blipFill>
+                <a:blip r:embed="rId2"/>
+                <a:stretch>
+                  <a:fillRect l="-522"/>
                 </a:stretch>
               </a:blipFill>
             </p:spPr>
@@ -21557,7 +18487,7 @@
               <p:cNvPr id="8" name="テキスト ボックス 7">
                 <a:extLst>
                   <a:ext uri="{FF2B5EF4-FFF2-40B4-BE49-F238E27FC236}">
-                    <a16:creationId xmlns:a16="http://schemas.microsoft.com/office/drawing/2014/main" id="{1BC86E03-616A-00A0-9727-8D901798A7FD}"/>
+                    <a16:creationId xmlns:a16="http://schemas.microsoft.com/office/drawing/2014/main" id="{D02828D0-4202-0F11-5180-746948E7776E}"/>
                   </a:ext>
                 </a:extLst>
               </p:cNvPr>
@@ -21566,8 +18496,8 @@
             </p:nvSpPr>
             <p:spPr>
               <a:xfrm>
-                <a:off x="53340" y="1209183"/>
-                <a:ext cx="12138660" cy="391646"/>
+                <a:off x="0" y="4969109"/>
+                <a:ext cx="12192000" cy="619529"/>
               </a:xfrm>
               <a:prstGeom prst="rect">
                 <a:avLst/>
@@ -21580,545 +18510,1489 @@
               </a:bodyPr>
               <a:lstStyle/>
               <a:p>
+                <a:pPr/>
                 <a14:m>
-                  <m:oMath xmlns:m="http://schemas.openxmlformats.org/officeDocument/2006/math">
-                    <m:sSub>
-                      <m:sSubPr>
-                        <m:ctrlPr>
-                          <a:rPr lang="en-US" altLang="ja-JP" i="1" smtClean="0">
-                            <a:latin typeface="Cambria Math" panose="02040503050406030204" pitchFamily="18" charset="0"/>
-                          </a:rPr>
-                        </m:ctrlPr>
-                      </m:sSubPr>
-                      <m:e>
-                        <m:r>
-                          <a:rPr lang="en-US" altLang="ja-JP" i="1">
-                            <a:latin typeface="Cambria Math" panose="02040503050406030204" pitchFamily="18" charset="0"/>
-                          </a:rPr>
-                          <m:t>𝐺</m:t>
-                        </m:r>
-                      </m:e>
-                      <m:sub>
-                        <m:r>
-                          <a:rPr lang="en-US" altLang="ja-JP" i="1">
-                            <a:latin typeface="Cambria Math" panose="02040503050406030204" pitchFamily="18" charset="0"/>
-                          </a:rPr>
-                          <m:t>1</m:t>
-                        </m:r>
-                      </m:sub>
-                    </m:sSub>
-                    <m:r>
-                      <a:rPr lang="en-US" altLang="ja-JP" b="0" i="1" smtClean="0">
-                        <a:latin typeface="Cambria Math" panose="02040503050406030204" pitchFamily="18" charset="0"/>
-                      </a:rPr>
-                      <m:t>≔</m:t>
-                    </m:r>
-                    <m:sSub>
-                      <m:sSubPr>
-                        <m:ctrlPr>
-                          <a:rPr kumimoji="1" lang="en-US" altLang="ja-JP" b="0" i="1" smtClean="0">
-                            <a:latin typeface="Cambria Math" panose="02040503050406030204" pitchFamily="18" charset="0"/>
-                          </a:rPr>
-                        </m:ctrlPr>
-                      </m:sSubPr>
-                      <m:e>
-                        <m:r>
-                          <a:rPr kumimoji="1" lang="en-US" altLang="ja-JP" b="0" i="1" smtClean="0">
-                            <a:latin typeface="Cambria Math" panose="02040503050406030204" pitchFamily="18" charset="0"/>
-                          </a:rPr>
-                          <m:t>𝐺</m:t>
-                        </m:r>
-                      </m:e>
-                      <m:sub>
-                        <m:r>
-                          <a:rPr kumimoji="1" lang="en-US" altLang="ja-JP" b="0" i="1" smtClean="0">
-                            <a:latin typeface="Cambria Math" panose="02040503050406030204" pitchFamily="18" charset="0"/>
-                          </a:rPr>
-                          <m:t>𝐸</m:t>
-                        </m:r>
-                        <m:r>
-                          <a:rPr kumimoji="1" lang="en-US" altLang="ja-JP" b="0" i="1" smtClean="0">
-                            <a:latin typeface="Cambria Math" panose="02040503050406030204" pitchFamily="18" charset="0"/>
-                          </a:rPr>
-                          <m:t>1</m:t>
-                        </m:r>
-                      </m:sub>
-                    </m:sSub>
-                    <m:r>
-                      <a:rPr kumimoji="1" lang="en-US" altLang="ja-JP" b="0" i="1" smtClean="0">
-                        <a:latin typeface="Cambria Math" panose="02040503050406030204" pitchFamily="18" charset="0"/>
-                      </a:rPr>
-                      <m:t>+</m:t>
-                    </m:r>
-                    <m:sSub>
-                      <m:sSubPr>
-                        <m:ctrlPr>
-                          <a:rPr kumimoji="1" lang="en-US" altLang="ja-JP" b="0" i="1" smtClean="0">
-                            <a:latin typeface="Cambria Math" panose="02040503050406030204" pitchFamily="18" charset="0"/>
-                          </a:rPr>
-                        </m:ctrlPr>
-                      </m:sSubPr>
-                      <m:e>
-                        <m:r>
-                          <a:rPr kumimoji="1" lang="en-US" altLang="ja-JP" b="0" i="1" smtClean="0">
-                            <a:latin typeface="Cambria Math" panose="02040503050406030204" pitchFamily="18" charset="0"/>
-                          </a:rPr>
-                          <m:t>𝑔</m:t>
-                        </m:r>
-                      </m:e>
-                      <m:sub>
-                        <m:r>
-                          <a:rPr kumimoji="1" lang="en-US" altLang="ja-JP" b="0" i="1" smtClean="0">
-                            <a:latin typeface="Cambria Math" panose="02040503050406030204" pitchFamily="18" charset="0"/>
-                          </a:rPr>
-                          <m:t>𝑚</m:t>
-                        </m:r>
-                        <m:r>
-                          <a:rPr kumimoji="1" lang="en-US" altLang="ja-JP" b="0" i="1" smtClean="0">
-                            <a:latin typeface="Cambria Math" panose="02040503050406030204" pitchFamily="18" charset="0"/>
-                          </a:rPr>
-                          <m:t>1</m:t>
-                        </m:r>
-                      </m:sub>
-                    </m:sSub>
-                    <m:r>
-                      <a:rPr kumimoji="1" lang="en-US" altLang="ja-JP" b="0" i="1" smtClean="0">
-                        <a:latin typeface="Cambria Math" panose="02040503050406030204" pitchFamily="18" charset="0"/>
-                      </a:rPr>
-                      <m:t>+</m:t>
-                    </m:r>
-                    <m:sSub>
-                      <m:sSubPr>
-                        <m:ctrlPr>
-                          <a:rPr kumimoji="1" lang="en-US" altLang="ja-JP" b="0" i="1" smtClean="0">
-                            <a:latin typeface="Cambria Math" panose="02040503050406030204" pitchFamily="18" charset="0"/>
-                          </a:rPr>
-                        </m:ctrlPr>
-                      </m:sSubPr>
-                      <m:e>
-                        <m:r>
-                          <a:rPr kumimoji="1" lang="en-US" altLang="ja-JP" b="0" i="1" smtClean="0">
-                            <a:latin typeface="Cambria Math" panose="02040503050406030204" pitchFamily="18" charset="0"/>
-                          </a:rPr>
-                          <m:t>𝑔</m:t>
-                        </m:r>
-                      </m:e>
-                      <m:sub>
-                        <m:r>
-                          <a:rPr kumimoji="1" lang="en-US" altLang="ja-JP" b="0" i="1" smtClean="0">
-                            <a:latin typeface="Cambria Math" panose="02040503050406030204" pitchFamily="18" charset="0"/>
-                          </a:rPr>
-                          <m:t>𝑐</m:t>
-                        </m:r>
-                        <m:r>
-                          <a:rPr kumimoji="1" lang="en-US" altLang="ja-JP" b="0" i="1" smtClean="0">
-                            <a:latin typeface="Cambria Math" panose="02040503050406030204" pitchFamily="18" charset="0"/>
-                          </a:rPr>
-                          <m:t>1</m:t>
-                        </m:r>
-                      </m:sub>
-                    </m:sSub>
-                  </m:oMath>
+                  <m:oMathPara xmlns:m="http://schemas.openxmlformats.org/officeDocument/2006/math">
+                    <m:oMathParaPr>
+                      <m:jc m:val="centerGroup"/>
+                    </m:oMathParaPr>
+                    <m:oMath xmlns:m="http://schemas.openxmlformats.org/officeDocument/2006/math">
+                      <m:f>
+                        <m:fPr>
+                          <m:ctrlPr>
+                            <a:rPr lang="en-US" altLang="ja-JP" sz="1400" i="1" smtClean="0">
+                              <a:latin typeface="Cambria Math" panose="02040503050406030204" pitchFamily="18" charset="0"/>
+                            </a:rPr>
+                          </m:ctrlPr>
+                        </m:fPr>
+                        <m:num>
+                          <m:sSub>
+                            <m:sSubPr>
+                              <m:ctrlPr>
+                                <a:rPr lang="en-US" altLang="ja-JP" sz="1400" i="1">
+                                  <a:latin typeface="Cambria Math" panose="02040503050406030204" pitchFamily="18" charset="0"/>
+                                </a:rPr>
+                              </m:ctrlPr>
+                            </m:sSubPr>
+                            <m:e>
+                              <m:r>
+                                <a:rPr lang="en-US" altLang="ja-JP" sz="1400" i="1">
+                                  <a:latin typeface="Cambria Math" panose="02040503050406030204" pitchFamily="18" charset="0"/>
+                                </a:rPr>
+                                <m:t>𝑔</m:t>
+                              </m:r>
+                            </m:e>
+                            <m:sub>
+                              <m:r>
+                                <a:rPr lang="en-US" altLang="ja-JP" sz="1400" i="1">
+                                  <a:latin typeface="Cambria Math" panose="02040503050406030204" pitchFamily="18" charset="0"/>
+                                </a:rPr>
+                                <m:t>𝑚</m:t>
+                              </m:r>
+                              <m:r>
+                                <a:rPr lang="en-US" altLang="ja-JP" sz="1400" i="1">
+                                  <a:latin typeface="Cambria Math" panose="02040503050406030204" pitchFamily="18" charset="0"/>
+                                </a:rPr>
+                                <m:t>1</m:t>
+                              </m:r>
+                            </m:sub>
+                          </m:sSub>
+                          <m:r>
+                            <a:rPr lang="en-US" altLang="ja-JP" sz="1400" i="1">
+                              <a:latin typeface="Cambria Math" panose="02040503050406030204" pitchFamily="18" charset="0"/>
+                            </a:rPr>
+                            <m:t>+</m:t>
+                          </m:r>
+                          <m:sSub>
+                            <m:sSubPr>
+                              <m:ctrlPr>
+                                <a:rPr lang="en-US" altLang="ja-JP" sz="1400" i="1">
+                                  <a:latin typeface="Cambria Math" panose="02040503050406030204" pitchFamily="18" charset="0"/>
+                                </a:rPr>
+                              </m:ctrlPr>
+                            </m:sSubPr>
+                            <m:e>
+                              <m:r>
+                                <a:rPr lang="en-US" altLang="ja-JP" sz="1400" i="1">
+                                  <a:latin typeface="Cambria Math" panose="02040503050406030204" pitchFamily="18" charset="0"/>
+                                </a:rPr>
+                                <m:t>𝑔</m:t>
+                              </m:r>
+                            </m:e>
+                            <m:sub>
+                              <m:r>
+                                <a:rPr lang="en-US" altLang="ja-JP" sz="1400" i="1">
+                                  <a:latin typeface="Cambria Math" panose="02040503050406030204" pitchFamily="18" charset="0"/>
+                                </a:rPr>
+                                <m:t>𝑐𝑒</m:t>
+                              </m:r>
+                              <m:r>
+                                <a:rPr lang="en-US" altLang="ja-JP" sz="1400" i="1">
+                                  <a:latin typeface="Cambria Math" panose="02040503050406030204" pitchFamily="18" charset="0"/>
+                                </a:rPr>
+                                <m:t>1</m:t>
+                              </m:r>
+                            </m:sub>
+                          </m:sSub>
+                        </m:num>
+                        <m:den>
+                          <m:sSub>
+                            <m:sSubPr>
+                              <m:ctrlPr>
+                                <a:rPr lang="en-US" altLang="ja-JP" sz="1400" i="1">
+                                  <a:latin typeface="Cambria Math" panose="02040503050406030204" pitchFamily="18" charset="0"/>
+                                </a:rPr>
+                              </m:ctrlPr>
+                            </m:sSubPr>
+                            <m:e>
+                              <m:r>
+                                <a:rPr lang="en-US" altLang="ja-JP" sz="1400" i="1">
+                                  <a:latin typeface="Cambria Math" panose="02040503050406030204" pitchFamily="18" charset="0"/>
+                                </a:rPr>
+                                <m:t>𝐺</m:t>
+                              </m:r>
+                            </m:e>
+                            <m:sub>
+                              <m:r>
+                                <a:rPr lang="en-US" altLang="ja-JP" sz="1400" i="1">
+                                  <a:latin typeface="Cambria Math" panose="02040503050406030204" pitchFamily="18" charset="0"/>
+                                </a:rPr>
+                                <m:t>1</m:t>
+                              </m:r>
+                            </m:sub>
+                          </m:sSub>
+                          <m:r>
+                            <a:rPr lang="en-US" altLang="ja-JP" sz="1400" i="1">
+                              <a:latin typeface="Cambria Math" panose="02040503050406030204" pitchFamily="18" charset="0"/>
+                            </a:rPr>
+                            <m:t>+</m:t>
+                          </m:r>
+                          <m:r>
+                            <a:rPr lang="en-US" altLang="ja-JP" sz="1400" i="1">
+                              <a:latin typeface="Cambria Math" panose="02040503050406030204" pitchFamily="18" charset="0"/>
+                            </a:rPr>
+                            <m:t>𝑗</m:t>
+                          </m:r>
+                          <m:r>
+                            <a:rPr lang="en-US" altLang="ja-JP" sz="1400" i="1">
+                              <a:latin typeface="Cambria Math" panose="02040503050406030204" pitchFamily="18" charset="0"/>
+                            </a:rPr>
+                            <m:t>𝜔</m:t>
+                          </m:r>
+                          <m:sSub>
+                            <m:sSubPr>
+                              <m:ctrlPr>
+                                <a:rPr lang="en-US" altLang="ja-JP" sz="1400" i="1">
+                                  <a:latin typeface="Cambria Math" panose="02040503050406030204" pitchFamily="18" charset="0"/>
+                                </a:rPr>
+                              </m:ctrlPr>
+                            </m:sSubPr>
+                            <m:e>
+                              <m:r>
+                                <a:rPr lang="en-US" altLang="ja-JP" sz="1400" i="1">
+                                  <a:latin typeface="Cambria Math" panose="02040503050406030204" pitchFamily="18" charset="0"/>
+                                </a:rPr>
+                                <m:t>𝐶</m:t>
+                              </m:r>
+                            </m:e>
+                            <m:sub>
+                              <m:r>
+                                <a:rPr lang="en-US" altLang="ja-JP" sz="1400" i="1">
+                                  <a:latin typeface="Cambria Math" panose="02040503050406030204" pitchFamily="18" charset="0"/>
+                                </a:rPr>
+                                <m:t>1</m:t>
+                              </m:r>
+                            </m:sub>
+                          </m:sSub>
+                        </m:den>
+                      </m:f>
+                      <m:r>
+                        <a:rPr lang="en-US" altLang="ja-JP" sz="1400" b="0" i="1" smtClean="0">
+                          <a:latin typeface="Cambria Math" panose="02040503050406030204" pitchFamily="18" charset="0"/>
+                        </a:rPr>
+                        <m:t>⋅</m:t>
+                      </m:r>
+                      <m:f>
+                        <m:fPr>
+                          <m:ctrlPr>
+                            <a:rPr lang="en-US" altLang="ja-JP" sz="1400" b="0" i="1" smtClean="0">
+                              <a:latin typeface="Cambria Math" panose="02040503050406030204" pitchFamily="18" charset="0"/>
+                            </a:rPr>
+                          </m:ctrlPr>
+                        </m:fPr>
+                        <m:num>
+                          <m:r>
+                            <a:rPr lang="en-US" altLang="ja-JP" sz="1400" i="1">
+                              <a:latin typeface="Cambria Math" panose="02040503050406030204" pitchFamily="18" charset="0"/>
+                            </a:rPr>
+                            <m:t>−</m:t>
+                          </m:r>
+                          <m:sSub>
+                            <m:sSubPr>
+                              <m:ctrlPr>
+                                <a:rPr lang="en-US" altLang="ja-JP" sz="1400" i="1">
+                                  <a:latin typeface="Cambria Math" panose="02040503050406030204" pitchFamily="18" charset="0"/>
+                                </a:rPr>
+                              </m:ctrlPr>
+                            </m:sSubPr>
+                            <m:e>
+                              <m:r>
+                                <a:rPr lang="en-US" altLang="ja-JP" sz="1400" i="1">
+                                  <a:latin typeface="Cambria Math" panose="02040503050406030204" pitchFamily="18" charset="0"/>
+                                </a:rPr>
+                                <m:t>𝑔</m:t>
+                              </m:r>
+                            </m:e>
+                            <m:sub>
+                              <m:r>
+                                <a:rPr lang="en-US" altLang="ja-JP" sz="1400" i="1">
+                                  <a:latin typeface="Cambria Math" panose="02040503050406030204" pitchFamily="18" charset="0"/>
+                                </a:rPr>
+                                <m:t>𝑚</m:t>
+                              </m:r>
+                              <m:r>
+                                <a:rPr lang="en-US" altLang="ja-JP" sz="1400" i="1">
+                                  <a:latin typeface="Cambria Math" panose="02040503050406030204" pitchFamily="18" charset="0"/>
+                                </a:rPr>
+                                <m:t>2</m:t>
+                              </m:r>
+                            </m:sub>
+                          </m:sSub>
+                          <m:sSub>
+                            <m:sSubPr>
+                              <m:ctrlPr>
+                                <a:rPr lang="en-US" altLang="ja-JP" sz="1400" i="1">
+                                  <a:latin typeface="Cambria Math" panose="02040503050406030204" pitchFamily="18" charset="0"/>
+                                </a:rPr>
+                              </m:ctrlPr>
+                            </m:sSubPr>
+                            <m:e>
+                              <m:r>
+                                <a:rPr lang="en-US" altLang="ja-JP" sz="1400" i="1">
+                                  <a:latin typeface="Cambria Math" panose="02040503050406030204" pitchFamily="18" charset="0"/>
+                                </a:rPr>
+                                <m:t>𝐺</m:t>
+                              </m:r>
+                            </m:e>
+                            <m:sub>
+                              <m:r>
+                                <a:rPr lang="en-US" altLang="ja-JP" sz="1400" i="1">
+                                  <a:latin typeface="Cambria Math" panose="02040503050406030204" pitchFamily="18" charset="0"/>
+                                </a:rPr>
+                                <m:t>1</m:t>
+                              </m:r>
+                            </m:sub>
+                          </m:sSub>
+                          <m:r>
+                            <a:rPr lang="en-US" altLang="ja-JP" sz="1400" i="1">
+                              <a:latin typeface="Cambria Math" panose="02040503050406030204" pitchFamily="18" charset="0"/>
+                            </a:rPr>
+                            <m:t>+</m:t>
+                          </m:r>
+                          <m:r>
+                            <a:rPr lang="en-US" altLang="ja-JP" sz="1400" i="1">
+                              <a:latin typeface="Cambria Math" panose="02040503050406030204" pitchFamily="18" charset="0"/>
+                            </a:rPr>
+                            <m:t>𝑗</m:t>
+                          </m:r>
+                          <m:r>
+                            <a:rPr lang="en-US" altLang="ja-JP" sz="1400" i="1">
+                              <a:latin typeface="Cambria Math" panose="02040503050406030204" pitchFamily="18" charset="0"/>
+                            </a:rPr>
+                            <m:t>𝜔</m:t>
+                          </m:r>
+                          <m:d>
+                            <m:dPr>
+                              <m:ctrlPr>
+                                <a:rPr lang="en-US" altLang="ja-JP" sz="1400" i="1">
+                                  <a:latin typeface="Cambria Math" panose="02040503050406030204" pitchFamily="18" charset="0"/>
+                                </a:rPr>
+                              </m:ctrlPr>
+                            </m:dPr>
+                            <m:e>
+                              <m:sSub>
+                                <m:sSubPr>
+                                  <m:ctrlPr>
+                                    <a:rPr lang="en-US" altLang="ja-JP" sz="1400" i="1">
+                                      <a:latin typeface="Cambria Math" panose="02040503050406030204" pitchFamily="18" charset="0"/>
+                                    </a:rPr>
+                                  </m:ctrlPr>
+                                </m:sSubPr>
+                                <m:e>
+                                  <m:r>
+                                    <a:rPr lang="en-US" altLang="ja-JP" sz="1400" i="1">
+                                      <a:latin typeface="Cambria Math" panose="02040503050406030204" pitchFamily="18" charset="0"/>
+                                    </a:rPr>
+                                    <m:t>𝐺</m:t>
+                                  </m:r>
+                                </m:e>
+                                <m:sub>
+                                  <m:r>
+                                    <a:rPr lang="en-US" altLang="ja-JP" sz="1400" i="1">
+                                      <a:latin typeface="Cambria Math" panose="02040503050406030204" pitchFamily="18" charset="0"/>
+                                    </a:rPr>
+                                    <m:t>1</m:t>
+                                  </m:r>
+                                </m:sub>
+                              </m:sSub>
+                              <m:sSub>
+                                <m:sSubPr>
+                                  <m:ctrlPr>
+                                    <a:rPr lang="en-US" altLang="ja-JP" sz="1400" i="1">
+                                      <a:latin typeface="Cambria Math" panose="02040503050406030204" pitchFamily="18" charset="0"/>
+                                    </a:rPr>
+                                  </m:ctrlPr>
+                                </m:sSubPr>
+                                <m:e>
+                                  <m:r>
+                                    <a:rPr lang="en-US" altLang="ja-JP" sz="1400" i="1">
+                                      <a:latin typeface="Cambria Math" panose="02040503050406030204" pitchFamily="18" charset="0"/>
+                                    </a:rPr>
+                                    <m:t>𝐶</m:t>
+                                  </m:r>
+                                </m:e>
+                                <m:sub>
+                                  <m:r>
+                                    <a:rPr lang="en-US" altLang="ja-JP" sz="1400" i="1">
+                                      <a:latin typeface="Cambria Math" panose="02040503050406030204" pitchFamily="18" charset="0"/>
+                                    </a:rPr>
+                                    <m:t>𝑗𝑐</m:t>
+                                  </m:r>
+                                  <m:r>
+                                    <a:rPr lang="en-US" altLang="ja-JP" sz="1400" i="1">
+                                      <a:latin typeface="Cambria Math" panose="02040503050406030204" pitchFamily="18" charset="0"/>
+                                    </a:rPr>
+                                    <m:t>2</m:t>
+                                  </m:r>
+                                </m:sub>
+                              </m:sSub>
+                              <m:r>
+                                <a:rPr lang="en-US" altLang="ja-JP" sz="1400" i="1">
+                                  <a:latin typeface="Cambria Math" panose="02040503050406030204" pitchFamily="18" charset="0"/>
+                                </a:rPr>
+                                <m:t>−</m:t>
+                              </m:r>
+                              <m:sSub>
+                                <m:sSubPr>
+                                  <m:ctrlPr>
+                                    <a:rPr lang="en-US" altLang="ja-JP" sz="1400" i="1">
+                                      <a:latin typeface="Cambria Math" panose="02040503050406030204" pitchFamily="18" charset="0"/>
+                                    </a:rPr>
+                                  </m:ctrlPr>
+                                </m:sSubPr>
+                                <m:e>
+                                  <m:r>
+                                    <a:rPr lang="en-US" altLang="ja-JP" sz="1400" i="1">
+                                      <a:latin typeface="Cambria Math" panose="02040503050406030204" pitchFamily="18" charset="0"/>
+                                    </a:rPr>
+                                    <m:t>𝑔</m:t>
+                                  </m:r>
+                                </m:e>
+                                <m:sub>
+                                  <m:r>
+                                    <a:rPr lang="en-US" altLang="ja-JP" sz="1400" i="1">
+                                      <a:latin typeface="Cambria Math" panose="02040503050406030204" pitchFamily="18" charset="0"/>
+                                    </a:rPr>
+                                    <m:t>𝑚</m:t>
+                                  </m:r>
+                                  <m:r>
+                                    <a:rPr lang="en-US" altLang="ja-JP" sz="1400" i="1">
+                                      <a:latin typeface="Cambria Math" panose="02040503050406030204" pitchFamily="18" charset="0"/>
+                                    </a:rPr>
+                                    <m:t>2</m:t>
+                                  </m:r>
+                                </m:sub>
+                              </m:sSub>
+                              <m:sSub>
+                                <m:sSubPr>
+                                  <m:ctrlPr>
+                                    <a:rPr lang="en-US" altLang="ja-JP" sz="1400" i="1">
+                                      <a:latin typeface="Cambria Math" panose="02040503050406030204" pitchFamily="18" charset="0"/>
+                                    </a:rPr>
+                                  </m:ctrlPr>
+                                </m:sSubPr>
+                                <m:e>
+                                  <m:r>
+                                    <a:rPr lang="en-US" altLang="ja-JP" sz="1400" i="1">
+                                      <a:latin typeface="Cambria Math" panose="02040503050406030204" pitchFamily="18" charset="0"/>
+                                    </a:rPr>
+                                    <m:t>𝐶</m:t>
+                                  </m:r>
+                                </m:e>
+                                <m:sub>
+                                  <m:r>
+                                    <a:rPr lang="en-US" altLang="ja-JP" sz="1400" i="1">
+                                      <a:latin typeface="Cambria Math" panose="02040503050406030204" pitchFamily="18" charset="0"/>
+                                    </a:rPr>
+                                    <m:t>1</m:t>
+                                  </m:r>
+                                </m:sub>
+                              </m:sSub>
+                            </m:e>
+                          </m:d>
+                          <m:r>
+                            <a:rPr lang="en-US" altLang="ja-JP" sz="1400" i="1">
+                              <a:latin typeface="Cambria Math" panose="02040503050406030204" pitchFamily="18" charset="0"/>
+                            </a:rPr>
+                            <m:t>−</m:t>
+                          </m:r>
+                          <m:sSup>
+                            <m:sSupPr>
+                              <m:ctrlPr>
+                                <a:rPr lang="en-US" altLang="ja-JP" sz="1400" i="1">
+                                  <a:latin typeface="Cambria Math" panose="02040503050406030204" pitchFamily="18" charset="0"/>
+                                </a:rPr>
+                              </m:ctrlPr>
+                            </m:sSupPr>
+                            <m:e>
+                              <m:r>
+                                <a:rPr lang="en-US" altLang="ja-JP" sz="1400" i="1">
+                                  <a:latin typeface="Cambria Math" panose="02040503050406030204" pitchFamily="18" charset="0"/>
+                                </a:rPr>
+                                <m:t>𝜔</m:t>
+                              </m:r>
+                            </m:e>
+                            <m:sup>
+                              <m:r>
+                                <a:rPr lang="en-US" altLang="ja-JP" sz="1400" i="1">
+                                  <a:latin typeface="Cambria Math" panose="02040503050406030204" pitchFamily="18" charset="0"/>
+                                </a:rPr>
+                                <m:t>2</m:t>
+                              </m:r>
+                            </m:sup>
+                          </m:sSup>
+                          <m:sSub>
+                            <m:sSubPr>
+                              <m:ctrlPr>
+                                <a:rPr lang="en-US" altLang="ja-JP" sz="1400" i="1">
+                                  <a:latin typeface="Cambria Math" panose="02040503050406030204" pitchFamily="18" charset="0"/>
+                                </a:rPr>
+                              </m:ctrlPr>
+                            </m:sSubPr>
+                            <m:e>
+                              <m:r>
+                                <a:rPr lang="en-US" altLang="ja-JP" sz="1400" i="1">
+                                  <a:latin typeface="Cambria Math" panose="02040503050406030204" pitchFamily="18" charset="0"/>
+                                </a:rPr>
+                                <m:t>𝐶</m:t>
+                              </m:r>
+                            </m:e>
+                            <m:sub>
+                              <m:r>
+                                <a:rPr lang="en-US" altLang="ja-JP" sz="1400" i="1">
+                                  <a:latin typeface="Cambria Math" panose="02040503050406030204" pitchFamily="18" charset="0"/>
+                                </a:rPr>
+                                <m:t>1</m:t>
+                              </m:r>
+                            </m:sub>
+                          </m:sSub>
+                          <m:sSub>
+                            <m:sSubPr>
+                              <m:ctrlPr>
+                                <a:rPr lang="en-US" altLang="ja-JP" sz="1400" i="1">
+                                  <a:latin typeface="Cambria Math" panose="02040503050406030204" pitchFamily="18" charset="0"/>
+                                </a:rPr>
+                              </m:ctrlPr>
+                            </m:sSubPr>
+                            <m:e>
+                              <m:r>
+                                <a:rPr lang="en-US" altLang="ja-JP" sz="1400" i="1">
+                                  <a:latin typeface="Cambria Math" panose="02040503050406030204" pitchFamily="18" charset="0"/>
+                                </a:rPr>
+                                <m:t>𝐶</m:t>
+                              </m:r>
+                            </m:e>
+                            <m:sub>
+                              <m:r>
+                                <a:rPr lang="en-US" altLang="ja-JP" sz="1400" i="1">
+                                  <a:latin typeface="Cambria Math" panose="02040503050406030204" pitchFamily="18" charset="0"/>
+                                </a:rPr>
+                                <m:t>𝑗𝑐</m:t>
+                              </m:r>
+                              <m:r>
+                                <a:rPr lang="en-US" altLang="ja-JP" sz="1400" i="1">
+                                  <a:latin typeface="Cambria Math" panose="02040503050406030204" pitchFamily="18" charset="0"/>
+                                </a:rPr>
+                                <m:t>2</m:t>
+                              </m:r>
+                            </m:sub>
+                          </m:sSub>
+                        </m:num>
+                        <m:den>
+                          <m:sSub>
+                            <m:sSubPr>
+                              <m:ctrlPr>
+                                <a:rPr lang="en-US" altLang="ja-JP" sz="1400" i="1">
+                                  <a:latin typeface="Cambria Math" panose="02040503050406030204" pitchFamily="18" charset="0"/>
+                                </a:rPr>
+                              </m:ctrlPr>
+                            </m:sSubPr>
+                            <m:e>
+                              <m:r>
+                                <a:rPr lang="en-US" altLang="ja-JP" sz="1400" i="1">
+                                  <a:latin typeface="Cambria Math" panose="02040503050406030204" pitchFamily="18" charset="0"/>
+                                </a:rPr>
+                                <m:t>𝐺</m:t>
+                              </m:r>
+                            </m:e>
+                            <m:sub>
+                              <m:r>
+                                <a:rPr lang="en-US" altLang="ja-JP" sz="1400" i="1">
+                                  <a:latin typeface="Cambria Math" panose="02040503050406030204" pitchFamily="18" charset="0"/>
+                                </a:rPr>
+                                <m:t>3</m:t>
+                              </m:r>
+                            </m:sub>
+                          </m:sSub>
+                          <m:r>
+                            <a:rPr lang="en-US" altLang="ja-JP" sz="1400" b="0" i="1" smtClean="0">
+                              <a:latin typeface="Cambria Math" panose="02040503050406030204" pitchFamily="18" charset="0"/>
+                            </a:rPr>
+                            <m:t>+</m:t>
+                          </m:r>
+                          <m:r>
+                            <a:rPr lang="en-US" altLang="ja-JP" sz="1400" i="1">
+                              <a:latin typeface="Cambria Math" panose="02040503050406030204" pitchFamily="18" charset="0"/>
+                            </a:rPr>
+                            <m:t>𝑗</m:t>
+                          </m:r>
+                          <m:r>
+                            <a:rPr lang="en-US" altLang="ja-JP" sz="1400" i="1">
+                              <a:latin typeface="Cambria Math" panose="02040503050406030204" pitchFamily="18" charset="0"/>
+                            </a:rPr>
+                            <m:t>𝜔</m:t>
+                          </m:r>
+                          <m:d>
+                            <m:dPr>
+                              <m:begChr m:val=""/>
+                              <m:endChr m:val="]"/>
+                              <m:ctrlPr>
+                                <a:rPr lang="en-US" altLang="ja-JP" sz="1400" i="1">
+                                  <a:latin typeface="Cambria Math" panose="02040503050406030204" pitchFamily="18" charset="0"/>
+                                </a:rPr>
+                              </m:ctrlPr>
+                            </m:dPr>
+                            <m:e>
+                              <m:d>
+                                <m:dPr>
+                                  <m:begChr m:val="["/>
+                                  <m:endChr m:val=""/>
+                                  <m:ctrlPr>
+                                    <a:rPr lang="en-US" altLang="ja-JP" sz="1400" i="1">
+                                      <a:latin typeface="Cambria Math" panose="02040503050406030204" pitchFamily="18" charset="0"/>
+                                    </a:rPr>
+                                  </m:ctrlPr>
+                                </m:dPr>
+                                <m:e>
+                                  <m:sSub>
+                                    <m:sSubPr>
+                                      <m:ctrlPr>
+                                        <a:rPr lang="en-US" altLang="ja-JP" sz="1400" i="1">
+                                          <a:latin typeface="Cambria Math" panose="02040503050406030204" pitchFamily="18" charset="0"/>
+                                        </a:rPr>
+                                      </m:ctrlPr>
+                                    </m:sSubPr>
+                                    <m:e>
+                                      <m:r>
+                                        <a:rPr lang="en-US" altLang="ja-JP" sz="1400" i="1">
+                                          <a:latin typeface="Cambria Math" panose="02040503050406030204" pitchFamily="18" charset="0"/>
+                                        </a:rPr>
+                                        <m:t>𝐶</m:t>
+                                      </m:r>
+                                    </m:e>
+                                    <m:sub>
+                                      <m:r>
+                                        <a:rPr lang="en-US" altLang="ja-JP" sz="1400" i="1">
+                                          <a:latin typeface="Cambria Math" panose="02040503050406030204" pitchFamily="18" charset="0"/>
+                                        </a:rPr>
+                                        <m:t>𝑗𝑐</m:t>
+                                      </m:r>
+                                      <m:r>
+                                        <a:rPr lang="en-US" altLang="ja-JP" sz="1400" i="1">
+                                          <a:latin typeface="Cambria Math" panose="02040503050406030204" pitchFamily="18" charset="0"/>
+                                        </a:rPr>
+                                        <m:t>2</m:t>
+                                      </m:r>
+                                    </m:sub>
+                                  </m:sSub>
+                                  <m:sSub>
+                                    <m:sSubPr>
+                                      <m:ctrlPr>
+                                        <a:rPr lang="en-US" altLang="ja-JP" sz="1400" i="1">
+                                          <a:latin typeface="Cambria Math" panose="02040503050406030204" pitchFamily="18" charset="0"/>
+                                        </a:rPr>
+                                      </m:ctrlPr>
+                                    </m:sSubPr>
+                                    <m:e>
+                                      <m:r>
+                                        <a:rPr lang="en-US" altLang="ja-JP" sz="1400" i="1">
+                                          <a:latin typeface="Cambria Math" panose="02040503050406030204" pitchFamily="18" charset="0"/>
+                                        </a:rPr>
+                                        <m:t>𝑔</m:t>
+                                      </m:r>
+                                    </m:e>
+                                    <m:sub>
+                                      <m:r>
+                                        <a:rPr lang="en-US" altLang="ja-JP" sz="1400" i="1">
+                                          <a:latin typeface="Cambria Math" panose="02040503050406030204" pitchFamily="18" charset="0"/>
+                                        </a:rPr>
+                                        <m:t>𝑚</m:t>
+                                      </m:r>
+                                      <m:r>
+                                        <a:rPr lang="en-US" altLang="ja-JP" sz="1400" i="1">
+                                          <a:latin typeface="Cambria Math" panose="02040503050406030204" pitchFamily="18" charset="0"/>
+                                        </a:rPr>
+                                        <m:t>2</m:t>
+                                      </m:r>
+                                    </m:sub>
+                                  </m:sSub>
+                                  <m:sSub>
+                                    <m:sSubPr>
+                                      <m:ctrlPr>
+                                        <a:rPr lang="en-US" altLang="ja-JP" sz="1400" i="1">
+                                          <a:latin typeface="Cambria Math" panose="02040503050406030204" pitchFamily="18" charset="0"/>
+                                        </a:rPr>
+                                      </m:ctrlPr>
+                                    </m:sSubPr>
+                                    <m:e>
+                                      <m:r>
+                                        <a:rPr lang="en-US" altLang="ja-JP" sz="1400" i="1">
+                                          <a:latin typeface="Cambria Math" panose="02040503050406030204" pitchFamily="18" charset="0"/>
+                                        </a:rPr>
+                                        <m:t>𝐺</m:t>
+                                      </m:r>
+                                    </m:e>
+                                    <m:sub>
+                                      <m:r>
+                                        <a:rPr lang="en-US" altLang="ja-JP" sz="1400" i="1">
+                                          <a:latin typeface="Cambria Math" panose="02040503050406030204" pitchFamily="18" charset="0"/>
+                                        </a:rPr>
+                                        <m:t>1</m:t>
+                                      </m:r>
+                                    </m:sub>
+                                  </m:sSub>
+                                  <m:r>
+                                    <a:rPr lang="en-US" altLang="ja-JP" sz="1400" b="0" i="1" smtClean="0">
+                                      <a:latin typeface="Cambria Math" panose="02040503050406030204" pitchFamily="18" charset="0"/>
+                                    </a:rPr>
+                                    <m:t>−</m:t>
+                                  </m:r>
+                                  <m:d>
+                                    <m:dPr>
+                                      <m:ctrlPr>
+                                        <a:rPr lang="en-US" altLang="ja-JP" sz="1400" i="1">
+                                          <a:latin typeface="Cambria Math" panose="02040503050406030204" pitchFamily="18" charset="0"/>
+                                        </a:rPr>
+                                      </m:ctrlPr>
+                                    </m:dPr>
+                                    <m:e>
+                                      <m:sSub>
+                                        <m:sSubPr>
+                                          <m:ctrlPr>
+                                            <a:rPr lang="en-US" altLang="ja-JP" sz="1400" i="1">
+                                              <a:latin typeface="Cambria Math" panose="02040503050406030204" pitchFamily="18" charset="0"/>
+                                            </a:rPr>
+                                          </m:ctrlPr>
+                                        </m:sSubPr>
+                                        <m:e>
+                                          <m:r>
+                                            <a:rPr lang="en-US" altLang="ja-JP" sz="1400" i="1">
+                                              <a:latin typeface="Cambria Math" panose="02040503050406030204" pitchFamily="18" charset="0"/>
+                                            </a:rPr>
+                                            <m:t>𝐺</m:t>
+                                          </m:r>
+                                        </m:e>
+                                        <m:sub>
+                                          <m:r>
+                                            <a:rPr lang="en-US" altLang="ja-JP" sz="1400" i="1">
+                                              <a:latin typeface="Cambria Math" panose="02040503050406030204" pitchFamily="18" charset="0"/>
+                                            </a:rPr>
+                                            <m:t>𝑐</m:t>
+                                          </m:r>
+                                          <m:r>
+                                            <a:rPr lang="en-US" altLang="ja-JP" sz="1400" i="1">
+                                              <a:latin typeface="Cambria Math" panose="02040503050406030204" pitchFamily="18" charset="0"/>
+                                            </a:rPr>
+                                            <m:t>2</m:t>
+                                          </m:r>
+                                        </m:sub>
+                                      </m:sSub>
+                                      <m:r>
+                                        <a:rPr lang="en-US" altLang="ja-JP" sz="1400" i="1">
+                                          <a:latin typeface="Cambria Math" panose="02040503050406030204" pitchFamily="18" charset="0"/>
+                                        </a:rPr>
+                                        <m:t>+</m:t>
+                                      </m:r>
+                                      <m:sSub>
+                                        <m:sSubPr>
+                                          <m:ctrlPr>
+                                            <a:rPr lang="en-US" altLang="ja-JP" sz="1400" i="1">
+                                              <a:latin typeface="Cambria Math" panose="02040503050406030204" pitchFamily="18" charset="0"/>
+                                            </a:rPr>
+                                          </m:ctrlPr>
+                                        </m:sSubPr>
+                                        <m:e>
+                                          <m:r>
+                                            <a:rPr lang="en-US" altLang="ja-JP" sz="1400" i="1">
+                                              <a:latin typeface="Cambria Math" panose="02040503050406030204" pitchFamily="18" charset="0"/>
+                                            </a:rPr>
+                                            <m:t>𝑔</m:t>
+                                          </m:r>
+                                        </m:e>
+                                        <m:sub>
+                                          <m:r>
+                                            <a:rPr lang="en-US" altLang="ja-JP" sz="1400" i="1">
+                                              <a:latin typeface="Cambria Math" panose="02040503050406030204" pitchFamily="18" charset="0"/>
+                                            </a:rPr>
+                                            <m:t>𝑐𝑒</m:t>
+                                          </m:r>
+                                          <m:r>
+                                            <a:rPr lang="en-US" altLang="ja-JP" sz="1400" i="1">
+                                              <a:latin typeface="Cambria Math" panose="02040503050406030204" pitchFamily="18" charset="0"/>
+                                            </a:rPr>
+                                            <m:t>2</m:t>
+                                          </m:r>
+                                        </m:sub>
+                                      </m:sSub>
+                                    </m:e>
+                                  </m:d>
+                                  <m:d>
+                                    <m:dPr>
+                                      <m:ctrlPr>
+                                        <a:rPr lang="en-US" altLang="ja-JP" sz="1400" i="1">
+                                          <a:latin typeface="Cambria Math" panose="02040503050406030204" pitchFamily="18" charset="0"/>
+                                        </a:rPr>
+                                      </m:ctrlPr>
+                                    </m:dPr>
+                                    <m:e>
+                                      <m:sSub>
+                                        <m:sSubPr>
+                                          <m:ctrlPr>
+                                            <a:rPr lang="en-US" altLang="ja-JP" sz="1400" i="1">
+                                              <a:latin typeface="Cambria Math" panose="02040503050406030204" pitchFamily="18" charset="0"/>
+                                            </a:rPr>
+                                          </m:ctrlPr>
+                                        </m:sSubPr>
+                                        <m:e>
+                                          <m:r>
+                                            <a:rPr lang="en-US" altLang="ja-JP" sz="1400" i="1">
+                                              <a:latin typeface="Cambria Math" panose="02040503050406030204" pitchFamily="18" charset="0"/>
+                                            </a:rPr>
+                                            <m:t>𝐶</m:t>
+                                          </m:r>
+                                        </m:e>
+                                        <m:sub>
+                                          <m:r>
+                                            <a:rPr lang="en-US" altLang="ja-JP" sz="1400" i="1">
+                                              <a:latin typeface="Cambria Math" panose="02040503050406030204" pitchFamily="18" charset="0"/>
+                                            </a:rPr>
+                                            <m:t>1</m:t>
+                                          </m:r>
+                                        </m:sub>
+                                      </m:sSub>
+                                      <m:sSub>
+                                        <m:sSubPr>
+                                          <m:ctrlPr>
+                                            <a:rPr lang="en-US" altLang="ja-JP" sz="1400" i="1">
+                                              <a:latin typeface="Cambria Math" panose="02040503050406030204" pitchFamily="18" charset="0"/>
+                                            </a:rPr>
+                                          </m:ctrlPr>
+                                        </m:sSubPr>
+                                        <m:e>
+                                          <m:r>
+                                            <a:rPr lang="en-US" altLang="ja-JP" sz="1400" i="1">
+                                              <a:latin typeface="Cambria Math" panose="02040503050406030204" pitchFamily="18" charset="0"/>
+                                            </a:rPr>
+                                            <m:t>𝐺</m:t>
+                                          </m:r>
+                                        </m:e>
+                                        <m:sub>
+                                          <m:r>
+                                            <a:rPr lang="en-US" altLang="ja-JP" sz="1400" i="1">
+                                              <a:latin typeface="Cambria Math" panose="02040503050406030204" pitchFamily="18" charset="0"/>
+                                            </a:rPr>
+                                            <m:t>2</m:t>
+                                          </m:r>
+                                        </m:sub>
+                                      </m:sSub>
+                                      <m:r>
+                                        <a:rPr lang="en-US" altLang="ja-JP" sz="1400" i="1">
+                                          <a:latin typeface="Cambria Math" panose="02040503050406030204" pitchFamily="18" charset="0"/>
+                                        </a:rPr>
+                                        <m:t>+</m:t>
+                                      </m:r>
+                                      <m:sSub>
+                                        <m:sSubPr>
+                                          <m:ctrlPr>
+                                            <a:rPr lang="en-US" altLang="ja-JP" sz="1400" i="1">
+                                              <a:latin typeface="Cambria Math" panose="02040503050406030204" pitchFamily="18" charset="0"/>
+                                            </a:rPr>
+                                          </m:ctrlPr>
+                                        </m:sSubPr>
+                                        <m:e>
+                                          <m:r>
+                                            <a:rPr lang="en-US" altLang="ja-JP" sz="1400" i="1">
+                                              <a:latin typeface="Cambria Math" panose="02040503050406030204" pitchFamily="18" charset="0"/>
+                                            </a:rPr>
+                                            <m:t>𝐶</m:t>
+                                          </m:r>
+                                        </m:e>
+                                        <m:sub>
+                                          <m:r>
+                                            <a:rPr lang="en-US" altLang="ja-JP" sz="1400" i="1">
+                                              <a:latin typeface="Cambria Math" panose="02040503050406030204" pitchFamily="18" charset="0"/>
+                                            </a:rPr>
+                                            <m:t>2</m:t>
+                                          </m:r>
+                                        </m:sub>
+                                      </m:sSub>
+                                      <m:sSub>
+                                        <m:sSubPr>
+                                          <m:ctrlPr>
+                                            <a:rPr lang="en-US" altLang="ja-JP" sz="1400" i="1">
+                                              <a:latin typeface="Cambria Math" panose="02040503050406030204" pitchFamily="18" charset="0"/>
+                                            </a:rPr>
+                                          </m:ctrlPr>
+                                        </m:sSubPr>
+                                        <m:e>
+                                          <m:r>
+                                            <a:rPr lang="en-US" altLang="ja-JP" sz="1400" i="1">
+                                              <a:latin typeface="Cambria Math" panose="02040503050406030204" pitchFamily="18" charset="0"/>
+                                            </a:rPr>
+                                            <m:t>𝑔</m:t>
+                                          </m:r>
+                                        </m:e>
+                                        <m:sub>
+                                          <m:r>
+                                            <a:rPr lang="en-US" altLang="ja-JP" sz="1400" i="1">
+                                              <a:latin typeface="Cambria Math" panose="02040503050406030204" pitchFamily="18" charset="0"/>
+                                            </a:rPr>
+                                            <m:t>𝑐𝑒</m:t>
+                                          </m:r>
+                                          <m:r>
+                                            <a:rPr lang="en-US" altLang="ja-JP" sz="1400" i="1">
+                                              <a:latin typeface="Cambria Math" panose="02040503050406030204" pitchFamily="18" charset="0"/>
+                                            </a:rPr>
+                                            <m:t>1</m:t>
+                                          </m:r>
+                                        </m:sub>
+                                      </m:sSub>
+                                    </m:e>
+                                  </m:d>
+                                  <m:r>
+                                    <a:rPr lang="en-US" altLang="ja-JP" sz="1400" b="0" i="1" smtClean="0">
+                                      <a:latin typeface="Cambria Math" panose="02040503050406030204" pitchFamily="18" charset="0"/>
+                                    </a:rPr>
+                                    <m:t>−</m:t>
+                                  </m:r>
+                                  <m:sSub>
+                                    <m:sSubPr>
+                                      <m:ctrlPr>
+                                        <a:rPr lang="en-US" altLang="ja-JP" sz="1400" i="1">
+                                          <a:latin typeface="Cambria Math" panose="02040503050406030204" pitchFamily="18" charset="0"/>
+                                        </a:rPr>
+                                      </m:ctrlPr>
+                                    </m:sSubPr>
+                                    <m:e>
+                                      <m:r>
+                                        <a:rPr lang="en-US" altLang="ja-JP" sz="1400" i="1">
+                                          <a:latin typeface="Cambria Math" panose="02040503050406030204" pitchFamily="18" charset="0"/>
+                                        </a:rPr>
+                                        <m:t>𝐶</m:t>
+                                      </m:r>
+                                    </m:e>
+                                    <m:sub>
+                                      <m:r>
+                                        <a:rPr lang="en-US" altLang="ja-JP" sz="1400" i="1">
+                                          <a:latin typeface="Cambria Math" panose="02040503050406030204" pitchFamily="18" charset="0"/>
+                                        </a:rPr>
+                                        <m:t>𝑗𝑐</m:t>
+                                      </m:r>
+                                      <m:r>
+                                        <a:rPr lang="en-US" altLang="ja-JP" sz="1400" i="1">
+                                          <a:latin typeface="Cambria Math" panose="02040503050406030204" pitchFamily="18" charset="0"/>
+                                        </a:rPr>
+                                        <m:t>2</m:t>
+                                      </m:r>
+                                    </m:sub>
+                                  </m:sSub>
+                                  <m:d>
+                                    <m:dPr>
+                                      <m:begChr m:val=""/>
+                                      <m:endChr m:val="}"/>
+                                      <m:ctrlPr>
+                                        <a:rPr lang="en-US" altLang="ja-JP" sz="1400" i="1">
+                                          <a:latin typeface="Cambria Math" panose="02040503050406030204" pitchFamily="18" charset="0"/>
+                                        </a:rPr>
+                                      </m:ctrlPr>
+                                    </m:dPr>
+                                    <m:e>
+                                      <m:d>
+                                        <m:dPr>
+                                          <m:begChr m:val="{"/>
+                                          <m:endChr m:val=""/>
+                                          <m:ctrlPr>
+                                            <a:rPr lang="en-US" altLang="ja-JP" sz="1400" i="1">
+                                              <a:latin typeface="Cambria Math" panose="02040503050406030204" pitchFamily="18" charset="0"/>
+                                            </a:rPr>
+                                          </m:ctrlPr>
+                                        </m:dPr>
+                                        <m:e>
+                                          <m:sSub>
+                                            <m:sSubPr>
+                                              <m:ctrlPr>
+                                                <a:rPr lang="en-US" altLang="ja-JP" sz="1400" i="1">
+                                                  <a:latin typeface="Cambria Math" panose="02040503050406030204" pitchFamily="18" charset="0"/>
+                                                </a:rPr>
+                                              </m:ctrlPr>
+                                            </m:sSubPr>
+                                            <m:e>
+                                              <m:r>
+                                                <a:rPr lang="en-US" altLang="ja-JP" sz="1400" i="1">
+                                                  <a:latin typeface="Cambria Math" panose="02040503050406030204" pitchFamily="18" charset="0"/>
+                                                </a:rPr>
+                                                <m:t>𝑔</m:t>
+                                              </m:r>
+                                            </m:e>
+                                            <m:sub>
+                                              <m:r>
+                                                <a:rPr lang="en-US" altLang="ja-JP" sz="1400" i="1">
+                                                  <a:latin typeface="Cambria Math" panose="02040503050406030204" pitchFamily="18" charset="0"/>
+                                                </a:rPr>
+                                                <m:t>𝑐</m:t>
+                                              </m:r>
+                                              <m:r>
+                                                <a:rPr lang="en-US" altLang="ja-JP" sz="1400" i="1">
+                                                  <a:latin typeface="Cambria Math" panose="02040503050406030204" pitchFamily="18" charset="0"/>
+                                                </a:rPr>
+                                                <m:t>1</m:t>
+                                              </m:r>
+                                            </m:sub>
+                                          </m:sSub>
+                                          <m:d>
+                                            <m:dPr>
+                                              <m:ctrlPr>
+                                                <a:rPr lang="en-US" altLang="ja-JP" sz="1400" i="1">
+                                                  <a:latin typeface="Cambria Math" panose="02040503050406030204" pitchFamily="18" charset="0"/>
+                                                </a:rPr>
+                                              </m:ctrlPr>
+                                            </m:dPr>
+                                            <m:e>
+                                              <m:sSub>
+                                                <m:sSubPr>
+                                                  <m:ctrlPr>
+                                                    <a:rPr lang="en-US" altLang="ja-JP" sz="1400" i="1">
+                                                      <a:latin typeface="Cambria Math" panose="02040503050406030204" pitchFamily="18" charset="0"/>
+                                                    </a:rPr>
+                                                  </m:ctrlPr>
+                                                </m:sSubPr>
+                                                <m:e>
+                                                  <m:r>
+                                                    <a:rPr lang="en-US" altLang="ja-JP" sz="1400" i="1">
+                                                      <a:latin typeface="Cambria Math" panose="02040503050406030204" pitchFamily="18" charset="0"/>
+                                                    </a:rPr>
+                                                    <m:t>𝑔</m:t>
+                                                  </m:r>
+                                                </m:e>
+                                                <m:sub>
+                                                  <m:r>
+                                                    <a:rPr lang="en-US" altLang="ja-JP" sz="1400" i="1">
+                                                      <a:latin typeface="Cambria Math" panose="02040503050406030204" pitchFamily="18" charset="0"/>
+                                                    </a:rPr>
+                                                    <m:t>𝑚</m:t>
+                                                  </m:r>
+                                                  <m:r>
+                                                    <a:rPr lang="en-US" altLang="ja-JP" sz="1400" i="1">
+                                                      <a:latin typeface="Cambria Math" panose="02040503050406030204" pitchFamily="18" charset="0"/>
+                                                    </a:rPr>
+                                                    <m:t>1</m:t>
+                                                  </m:r>
+                                                </m:sub>
+                                              </m:sSub>
+                                              <m:r>
+                                                <a:rPr lang="en-US" altLang="ja-JP" sz="1400" i="1">
+                                                  <a:latin typeface="Cambria Math" panose="02040503050406030204" pitchFamily="18" charset="0"/>
+                                                </a:rPr>
+                                                <m:t>+</m:t>
+                                              </m:r>
+                                              <m:sSub>
+                                                <m:sSubPr>
+                                                  <m:ctrlPr>
+                                                    <a:rPr lang="en-US" altLang="ja-JP" sz="1400" i="1">
+                                                      <a:latin typeface="Cambria Math" panose="02040503050406030204" pitchFamily="18" charset="0"/>
+                                                    </a:rPr>
+                                                  </m:ctrlPr>
+                                                </m:sSubPr>
+                                                <m:e>
+                                                  <m:r>
+                                                    <a:rPr lang="en-US" altLang="ja-JP" sz="1400" i="1">
+                                                      <a:latin typeface="Cambria Math" panose="02040503050406030204" pitchFamily="18" charset="0"/>
+                                                    </a:rPr>
+                                                    <m:t>𝑔</m:t>
+                                                  </m:r>
+                                                </m:e>
+                                                <m:sub>
+                                                  <m:r>
+                                                    <a:rPr lang="en-US" altLang="ja-JP" sz="1400" i="1">
+                                                      <a:latin typeface="Cambria Math" panose="02040503050406030204" pitchFamily="18" charset="0"/>
+                                                    </a:rPr>
+                                                    <m:t>𝑐𝑒</m:t>
+                                                  </m:r>
+                                                  <m:r>
+                                                    <a:rPr lang="en-US" altLang="ja-JP" sz="1400" i="1">
+                                                      <a:latin typeface="Cambria Math" panose="02040503050406030204" pitchFamily="18" charset="0"/>
+                                                    </a:rPr>
+                                                    <m:t>1</m:t>
+                                                  </m:r>
+                                                </m:sub>
+                                              </m:sSub>
+                                            </m:e>
+                                          </m:d>
+                                          <m:r>
+                                            <a:rPr lang="en-US" altLang="ja-JP" sz="1400" b="0" i="1" smtClean="0">
+                                              <a:latin typeface="Cambria Math" panose="02040503050406030204" pitchFamily="18" charset="0"/>
+                                            </a:rPr>
+                                            <m:t>+</m:t>
+                                          </m:r>
+                                          <m:sSub>
+                                            <m:sSubPr>
+                                              <m:ctrlPr>
+                                                <a:rPr lang="en-US" altLang="ja-JP" sz="1400" i="1">
+                                                  <a:latin typeface="Cambria Math" panose="02040503050406030204" pitchFamily="18" charset="0"/>
+                                                </a:rPr>
+                                              </m:ctrlPr>
+                                            </m:sSubPr>
+                                            <m:e>
+                                              <m:r>
+                                                <a:rPr lang="en-US" altLang="ja-JP" sz="1400" i="1">
+                                                  <a:latin typeface="Cambria Math" panose="02040503050406030204" pitchFamily="18" charset="0"/>
+                                                </a:rPr>
+                                                <m:t>𝐺</m:t>
+                                              </m:r>
+                                            </m:e>
+                                            <m:sub>
+                                              <m:r>
+                                                <a:rPr lang="en-US" altLang="ja-JP" sz="1400" i="1">
+                                                  <a:latin typeface="Cambria Math" panose="02040503050406030204" pitchFamily="18" charset="0"/>
+                                                </a:rPr>
+                                                <m:t>1</m:t>
+                                              </m:r>
+                                            </m:sub>
+                                          </m:sSub>
+                                          <m:sSub>
+                                            <m:sSubPr>
+                                              <m:ctrlPr>
+                                                <a:rPr lang="en-US" altLang="ja-JP" sz="1400" i="1">
+                                                  <a:latin typeface="Cambria Math" panose="02040503050406030204" pitchFamily="18" charset="0"/>
+                                                </a:rPr>
+                                              </m:ctrlPr>
+                                            </m:sSubPr>
+                                            <m:e>
+                                              <m:r>
+                                                <a:rPr lang="en-US" altLang="ja-JP" sz="1400" i="1">
+                                                  <a:latin typeface="Cambria Math" panose="02040503050406030204" pitchFamily="18" charset="0"/>
+                                                </a:rPr>
+                                                <m:t>𝐺</m:t>
+                                              </m:r>
+                                            </m:e>
+                                            <m:sub>
+                                              <m:r>
+                                                <a:rPr lang="en-US" altLang="ja-JP" sz="1400" i="1">
+                                                  <a:latin typeface="Cambria Math" panose="02040503050406030204" pitchFamily="18" charset="0"/>
+                                                </a:rPr>
+                                                <m:t>2</m:t>
+                                              </m:r>
+                                            </m:sub>
+                                          </m:sSub>
+                                        </m:e>
+                                      </m:d>
+                                    </m:e>
+                                  </m:d>
+                                </m:e>
+                              </m:d>
+                            </m:e>
+                          </m:d>
+                          <m:r>
+                            <a:rPr lang="en-US" altLang="ja-JP" sz="1400" b="0" i="1" smtClean="0">
+                              <a:latin typeface="Cambria Math" panose="02040503050406030204" pitchFamily="18" charset="0"/>
+                            </a:rPr>
+                            <m:t>+</m:t>
+                          </m:r>
+                          <m:sSup>
+                            <m:sSupPr>
+                              <m:ctrlPr>
+                                <a:rPr lang="en-US" altLang="ja-JP" sz="1400" i="1">
+                                  <a:latin typeface="Cambria Math" panose="02040503050406030204" pitchFamily="18" charset="0"/>
+                                </a:rPr>
+                              </m:ctrlPr>
+                            </m:sSupPr>
+                            <m:e>
+                              <m:r>
+                                <a:rPr lang="en-US" altLang="ja-JP" sz="1400" i="1">
+                                  <a:latin typeface="Cambria Math" panose="02040503050406030204" pitchFamily="18" charset="0"/>
+                                </a:rPr>
+                                <m:t>𝜔</m:t>
+                              </m:r>
+                            </m:e>
+                            <m:sup>
+                              <m:r>
+                                <a:rPr lang="en-US" altLang="ja-JP" sz="1400" i="1">
+                                  <a:latin typeface="Cambria Math" panose="02040503050406030204" pitchFamily="18" charset="0"/>
+                                </a:rPr>
+                                <m:t>2</m:t>
+                              </m:r>
+                            </m:sup>
+                          </m:sSup>
+                          <m:d>
+                            <m:dPr>
+                              <m:begChr m:val=""/>
+                              <m:endChr m:val="}"/>
+                              <m:ctrlPr>
+                                <a:rPr lang="en-US" altLang="ja-JP" sz="1400" i="1">
+                                  <a:latin typeface="Cambria Math" panose="02040503050406030204" pitchFamily="18" charset="0"/>
+                                </a:rPr>
+                              </m:ctrlPr>
+                            </m:dPr>
+                            <m:e>
+                              <m:d>
+                                <m:dPr>
+                                  <m:begChr m:val="{"/>
+                                  <m:endChr m:val=""/>
+                                  <m:ctrlPr>
+                                    <a:rPr lang="en-US" altLang="ja-JP" sz="1400" i="1">
+                                      <a:latin typeface="Cambria Math" panose="02040503050406030204" pitchFamily="18" charset="0"/>
+                                    </a:rPr>
+                                  </m:ctrlPr>
+                                </m:dPr>
+                                <m:e>
+                                  <m:sSub>
+                                    <m:sSubPr>
+                                      <m:ctrlPr>
+                                        <a:rPr lang="en-US" altLang="ja-JP" sz="1400" i="1">
+                                          <a:latin typeface="Cambria Math" panose="02040503050406030204" pitchFamily="18" charset="0"/>
+                                        </a:rPr>
+                                      </m:ctrlPr>
+                                    </m:sSubPr>
+                                    <m:e>
+                                      <m:r>
+                                        <a:rPr lang="en-US" altLang="ja-JP" sz="1400" i="1">
+                                          <a:latin typeface="Cambria Math" panose="02040503050406030204" pitchFamily="18" charset="0"/>
+                                        </a:rPr>
+                                        <m:t>𝐺</m:t>
+                                      </m:r>
+                                    </m:e>
+                                    <m:sub>
+                                      <m:r>
+                                        <a:rPr lang="en-US" altLang="ja-JP" sz="1400" i="1">
+                                          <a:latin typeface="Cambria Math" panose="02040503050406030204" pitchFamily="18" charset="0"/>
+                                        </a:rPr>
+                                        <m:t>4</m:t>
+                                      </m:r>
+                                    </m:sub>
+                                  </m:sSub>
+                                  <m:r>
+                                    <a:rPr lang="en-US" altLang="ja-JP" sz="1400" i="1">
+                                      <a:latin typeface="Cambria Math" panose="02040503050406030204" pitchFamily="18" charset="0"/>
+                                    </a:rPr>
+                                    <m:t>+</m:t>
+                                  </m:r>
+                                  <m:sSub>
+                                    <m:sSubPr>
+                                      <m:ctrlPr>
+                                        <a:rPr lang="en-US" altLang="ja-JP" sz="1400" i="1">
+                                          <a:latin typeface="Cambria Math" panose="02040503050406030204" pitchFamily="18" charset="0"/>
+                                        </a:rPr>
+                                      </m:ctrlPr>
+                                    </m:sSubPr>
+                                    <m:e>
+                                      <m:r>
+                                        <a:rPr lang="en-US" altLang="ja-JP" sz="1400" i="1">
+                                          <a:latin typeface="Cambria Math" panose="02040503050406030204" pitchFamily="18" charset="0"/>
+                                        </a:rPr>
+                                        <m:t>𝐶</m:t>
+                                      </m:r>
+                                    </m:e>
+                                    <m:sub>
+                                      <m:r>
+                                        <a:rPr lang="en-US" altLang="ja-JP" sz="1400" i="1">
+                                          <a:latin typeface="Cambria Math" panose="02040503050406030204" pitchFamily="18" charset="0"/>
+                                        </a:rPr>
+                                        <m:t>𝑗𝑐</m:t>
+                                      </m:r>
+                                      <m:r>
+                                        <a:rPr lang="en-US" altLang="ja-JP" sz="1400" i="1">
+                                          <a:latin typeface="Cambria Math" panose="02040503050406030204" pitchFamily="18" charset="0"/>
+                                        </a:rPr>
+                                        <m:t>2</m:t>
+                                      </m:r>
+                                    </m:sub>
+                                  </m:sSub>
+                                  <m:d>
+                                    <m:dPr>
+                                      <m:ctrlPr>
+                                        <a:rPr lang="en-US" altLang="ja-JP" sz="1400" i="1">
+                                          <a:latin typeface="Cambria Math" panose="02040503050406030204" pitchFamily="18" charset="0"/>
+                                        </a:rPr>
+                                      </m:ctrlPr>
+                                    </m:dPr>
+                                    <m:e>
+                                      <m:sSub>
+                                        <m:sSubPr>
+                                          <m:ctrlPr>
+                                            <a:rPr lang="en-US" altLang="ja-JP" sz="1400" i="1">
+                                              <a:latin typeface="Cambria Math" panose="02040503050406030204" pitchFamily="18" charset="0"/>
+                                            </a:rPr>
+                                          </m:ctrlPr>
+                                        </m:sSubPr>
+                                        <m:e>
+                                          <m:r>
+                                            <a:rPr lang="en-US" altLang="ja-JP" sz="1400" i="1">
+                                              <a:latin typeface="Cambria Math" panose="02040503050406030204" pitchFamily="18" charset="0"/>
+                                            </a:rPr>
+                                            <m:t>𝑔</m:t>
+                                          </m:r>
+                                        </m:e>
+                                        <m:sub>
+                                          <m:r>
+                                            <a:rPr lang="en-US" altLang="ja-JP" sz="1400" i="1">
+                                              <a:latin typeface="Cambria Math" panose="02040503050406030204" pitchFamily="18" charset="0"/>
+                                            </a:rPr>
+                                            <m:t>𝑚</m:t>
+                                          </m:r>
+                                          <m:r>
+                                            <a:rPr lang="en-US" altLang="ja-JP" sz="1400" i="1">
+                                              <a:latin typeface="Cambria Math" panose="02040503050406030204" pitchFamily="18" charset="0"/>
+                                            </a:rPr>
+                                            <m:t>2</m:t>
+                                          </m:r>
+                                        </m:sub>
+                                      </m:sSub>
+                                      <m:sSub>
+                                        <m:sSubPr>
+                                          <m:ctrlPr>
+                                            <a:rPr lang="en-US" altLang="ja-JP" sz="1400" i="1">
+                                              <a:latin typeface="Cambria Math" panose="02040503050406030204" pitchFamily="18" charset="0"/>
+                                            </a:rPr>
+                                          </m:ctrlPr>
+                                        </m:sSubPr>
+                                        <m:e>
+                                          <m:r>
+                                            <a:rPr lang="en-US" altLang="ja-JP" sz="1400" i="1">
+                                              <a:latin typeface="Cambria Math" panose="02040503050406030204" pitchFamily="18" charset="0"/>
+                                            </a:rPr>
+                                            <m:t>𝐶</m:t>
+                                          </m:r>
+                                        </m:e>
+                                        <m:sub>
+                                          <m:r>
+                                            <a:rPr lang="en-US" altLang="ja-JP" sz="1400" i="1">
+                                              <a:latin typeface="Cambria Math" panose="02040503050406030204" pitchFamily="18" charset="0"/>
+                                            </a:rPr>
+                                            <m:t>1</m:t>
+                                          </m:r>
+                                        </m:sub>
+                                      </m:sSub>
+                                      <m:r>
+                                        <a:rPr lang="en-US" altLang="ja-JP" sz="1400" b="0" i="1" smtClean="0">
+                                          <a:latin typeface="Cambria Math" panose="02040503050406030204" pitchFamily="18" charset="0"/>
+                                        </a:rPr>
+                                        <m:t>−</m:t>
+                                      </m:r>
+                                      <m:sSub>
+                                        <m:sSubPr>
+                                          <m:ctrlPr>
+                                            <a:rPr lang="en-US" altLang="ja-JP" sz="1400" i="1">
+                                              <a:latin typeface="Cambria Math" panose="02040503050406030204" pitchFamily="18" charset="0"/>
+                                            </a:rPr>
+                                          </m:ctrlPr>
+                                        </m:sSubPr>
+                                        <m:e>
+                                          <m:r>
+                                            <a:rPr lang="en-US" altLang="ja-JP" sz="1400" i="1">
+                                              <a:latin typeface="Cambria Math" panose="02040503050406030204" pitchFamily="18" charset="0"/>
+                                            </a:rPr>
+                                            <m:t>𝐺</m:t>
+                                          </m:r>
+                                        </m:e>
+                                        <m:sub>
+                                          <m:r>
+                                            <a:rPr lang="en-US" altLang="ja-JP" sz="1400" i="1">
+                                              <a:latin typeface="Cambria Math" panose="02040503050406030204" pitchFamily="18" charset="0"/>
+                                            </a:rPr>
+                                            <m:t>1</m:t>
+                                          </m:r>
+                                        </m:sub>
+                                      </m:sSub>
+                                      <m:sSub>
+                                        <m:sSubPr>
+                                          <m:ctrlPr>
+                                            <a:rPr lang="en-US" altLang="ja-JP" sz="1400" i="1">
+                                              <a:latin typeface="Cambria Math" panose="02040503050406030204" pitchFamily="18" charset="0"/>
+                                            </a:rPr>
+                                          </m:ctrlPr>
+                                        </m:sSubPr>
+                                        <m:e>
+                                          <m:r>
+                                            <a:rPr lang="en-US" altLang="ja-JP" sz="1400" i="1">
+                                              <a:latin typeface="Cambria Math" panose="02040503050406030204" pitchFamily="18" charset="0"/>
+                                            </a:rPr>
+                                            <m:t>𝐶</m:t>
+                                          </m:r>
+                                        </m:e>
+                                        <m:sub>
+                                          <m:r>
+                                            <a:rPr lang="en-US" altLang="ja-JP" sz="1400" i="1">
+                                              <a:latin typeface="Cambria Math" panose="02040503050406030204" pitchFamily="18" charset="0"/>
+                                            </a:rPr>
+                                            <m:t>𝑗𝑐</m:t>
+                                          </m:r>
+                                          <m:r>
+                                            <a:rPr lang="en-US" altLang="ja-JP" sz="1400" i="1">
+                                              <a:latin typeface="Cambria Math" panose="02040503050406030204" pitchFamily="18" charset="0"/>
+                                            </a:rPr>
+                                            <m:t>2</m:t>
+                                          </m:r>
+                                        </m:sub>
+                                      </m:sSub>
+                                    </m:e>
+                                  </m:d>
+                                </m:e>
+                              </m:d>
+                            </m:e>
+                          </m:d>
+                          <m:r>
+                            <a:rPr lang="en-US" altLang="ja-JP" sz="1400" b="0" i="1" smtClean="0">
+                              <a:latin typeface="Cambria Math" panose="02040503050406030204" pitchFamily="18" charset="0"/>
+                            </a:rPr>
+                            <m:t>+</m:t>
+                          </m:r>
+                          <m:r>
+                            <a:rPr lang="en-US" altLang="ja-JP" sz="1400" i="1">
+                              <a:latin typeface="Cambria Math" panose="02040503050406030204" pitchFamily="18" charset="0"/>
+                            </a:rPr>
+                            <m:t>𝑗</m:t>
+                          </m:r>
+                          <m:sSup>
+                            <m:sSupPr>
+                              <m:ctrlPr>
+                                <a:rPr lang="en-US" altLang="ja-JP" sz="1400" i="1">
+                                  <a:latin typeface="Cambria Math" panose="02040503050406030204" pitchFamily="18" charset="0"/>
+                                </a:rPr>
+                              </m:ctrlPr>
+                            </m:sSupPr>
+                            <m:e>
+                              <m:r>
+                                <a:rPr lang="en-US" altLang="ja-JP" sz="1400" i="1">
+                                  <a:latin typeface="Cambria Math" panose="02040503050406030204" pitchFamily="18" charset="0"/>
+                                </a:rPr>
+                                <m:t>𝜔</m:t>
+                              </m:r>
+                            </m:e>
+                            <m:sup>
+                              <m:r>
+                                <a:rPr lang="en-US" altLang="ja-JP" sz="1400" i="1">
+                                  <a:latin typeface="Cambria Math" panose="02040503050406030204" pitchFamily="18" charset="0"/>
+                                </a:rPr>
+                                <m:t>3</m:t>
+                              </m:r>
+                            </m:sup>
+                          </m:sSup>
+                          <m:sSub>
+                            <m:sSubPr>
+                              <m:ctrlPr>
+                                <a:rPr lang="en-US" altLang="ja-JP" sz="1400" i="1">
+                                  <a:latin typeface="Cambria Math" panose="02040503050406030204" pitchFamily="18" charset="0"/>
+                                </a:rPr>
+                              </m:ctrlPr>
+                            </m:sSubPr>
+                            <m:e>
+                              <m:r>
+                                <a:rPr lang="en-US" altLang="ja-JP" sz="1400" i="1">
+                                  <a:latin typeface="Cambria Math" panose="02040503050406030204" pitchFamily="18" charset="0"/>
+                                </a:rPr>
+                                <m:t>𝐶</m:t>
+                              </m:r>
+                            </m:e>
+                            <m:sub>
+                              <m:r>
+                                <a:rPr lang="en-US" altLang="ja-JP" sz="1400" i="1">
+                                  <a:latin typeface="Cambria Math" panose="02040503050406030204" pitchFamily="18" charset="0"/>
+                                </a:rPr>
+                                <m:t>1</m:t>
+                              </m:r>
+                            </m:sub>
+                          </m:sSub>
+                          <m:sSub>
+                            <m:sSubPr>
+                              <m:ctrlPr>
+                                <a:rPr lang="en-US" altLang="ja-JP" sz="1400" i="1">
+                                  <a:latin typeface="Cambria Math" panose="02040503050406030204" pitchFamily="18" charset="0"/>
+                                </a:rPr>
+                              </m:ctrlPr>
+                            </m:sSubPr>
+                            <m:e>
+                              <m:r>
+                                <a:rPr lang="en-US" altLang="ja-JP" sz="1400" i="1">
+                                  <a:latin typeface="Cambria Math" panose="02040503050406030204" pitchFamily="18" charset="0"/>
+                                </a:rPr>
+                                <m:t>𝐶</m:t>
+                              </m:r>
+                            </m:e>
+                            <m:sub>
+                              <m:r>
+                                <a:rPr lang="en-US" altLang="ja-JP" sz="1400" i="1">
+                                  <a:latin typeface="Cambria Math" panose="02040503050406030204" pitchFamily="18" charset="0"/>
+                                </a:rPr>
+                                <m:t>𝑗𝑐</m:t>
+                              </m:r>
+                              <m:r>
+                                <a:rPr lang="en-US" altLang="ja-JP" sz="1400" i="1">
+                                  <a:latin typeface="Cambria Math" panose="02040503050406030204" pitchFamily="18" charset="0"/>
+                                </a:rPr>
+                                <m:t>2</m:t>
+                              </m:r>
+                            </m:sub>
+                          </m:sSub>
+                          <m:r>
+                            <a:rPr lang="en-US" altLang="ja-JP" sz="1400" i="1">
+                              <a:latin typeface="Cambria Math" panose="02040503050406030204" pitchFamily="18" charset="0"/>
+                            </a:rPr>
+                            <m:t>(</m:t>
+                          </m:r>
+                          <m:sSub>
+                            <m:sSubPr>
+                              <m:ctrlPr>
+                                <a:rPr lang="en-US" altLang="ja-JP" sz="1400" i="1">
+                                  <a:latin typeface="Cambria Math" panose="02040503050406030204" pitchFamily="18" charset="0"/>
+                                </a:rPr>
+                              </m:ctrlPr>
+                            </m:sSubPr>
+                            <m:e>
+                              <m:r>
+                                <a:rPr lang="en-US" altLang="ja-JP" sz="1400" i="1">
+                                  <a:latin typeface="Cambria Math" panose="02040503050406030204" pitchFamily="18" charset="0"/>
+                                </a:rPr>
+                                <m:t>𝐶</m:t>
+                              </m:r>
+                            </m:e>
+                            <m:sub>
+                              <m:r>
+                                <a:rPr lang="en-US" altLang="ja-JP" sz="1400" i="1">
+                                  <a:latin typeface="Cambria Math" panose="02040503050406030204" pitchFamily="18" charset="0"/>
+                                </a:rPr>
+                                <m:t>𝑗𝑐</m:t>
+                              </m:r>
+                              <m:r>
+                                <a:rPr lang="en-US" altLang="ja-JP" sz="1400" i="1">
+                                  <a:latin typeface="Cambria Math" panose="02040503050406030204" pitchFamily="18" charset="0"/>
+                                </a:rPr>
+                                <m:t>2</m:t>
+                              </m:r>
+                            </m:sub>
+                          </m:sSub>
+                          <m:r>
+                            <a:rPr lang="en-US" altLang="ja-JP" sz="1400" b="0" i="1" smtClean="0">
+                              <a:latin typeface="Cambria Math" panose="02040503050406030204" pitchFamily="18" charset="0"/>
+                            </a:rPr>
+                            <m:t>−</m:t>
+                          </m:r>
+                          <m:sSub>
+                            <m:sSubPr>
+                              <m:ctrlPr>
+                                <a:rPr lang="en-US" altLang="ja-JP" sz="1400" i="1">
+                                  <a:latin typeface="Cambria Math" panose="02040503050406030204" pitchFamily="18" charset="0"/>
+                                </a:rPr>
+                              </m:ctrlPr>
+                            </m:sSubPr>
+                            <m:e>
+                              <m:r>
+                                <a:rPr lang="en-US" altLang="ja-JP" sz="1400" i="1">
+                                  <a:latin typeface="Cambria Math" panose="02040503050406030204" pitchFamily="18" charset="0"/>
+                                </a:rPr>
+                                <m:t>𝐶</m:t>
+                              </m:r>
+                            </m:e>
+                            <m:sub>
+                              <m:r>
+                                <a:rPr lang="en-US" altLang="ja-JP" sz="1400" i="1">
+                                  <a:latin typeface="Cambria Math" panose="02040503050406030204" pitchFamily="18" charset="0"/>
+                                </a:rPr>
+                                <m:t>2</m:t>
+                              </m:r>
+                            </m:sub>
+                          </m:sSub>
+                          <m:r>
+                            <a:rPr lang="en-US" altLang="ja-JP" sz="1400" i="1">
+                              <a:latin typeface="Cambria Math" panose="02040503050406030204" pitchFamily="18" charset="0"/>
+                            </a:rPr>
+                            <m:t>)</m:t>
+                          </m:r>
+                        </m:den>
+                      </m:f>
+                    </m:oMath>
+                  </m:oMathPara>
                 </a14:m>
-                <a:r>
-                  <a:rPr kumimoji="1" lang="en-US" altLang="ja-JP" dirty="0">
-                    <a:latin typeface="Times Newer Roman" panose="00000500000000000000" pitchFamily="50" charset="0"/>
-                  </a:rPr>
-                  <a:t>	</a:t>
-                </a:r>
-                <a14:m>
-                  <m:oMath xmlns:m="http://schemas.openxmlformats.org/officeDocument/2006/math">
-                    <m:sSub>
-                      <m:sSubPr>
-                        <m:ctrlPr>
-                          <a:rPr lang="en-US" altLang="ja-JP" i="1">
-                            <a:latin typeface="Cambria Math" panose="02040503050406030204" pitchFamily="18" charset="0"/>
-                          </a:rPr>
-                        </m:ctrlPr>
-                      </m:sSubPr>
-                      <m:e>
-                        <m:r>
-                          <m:rPr>
-                            <m:sty m:val="p"/>
-                          </m:rPr>
-                          <a:rPr lang="en-US" altLang="ja-JP">
-                            <a:latin typeface="Cambria Math" panose="02040503050406030204" pitchFamily="18" charset="0"/>
-                          </a:rPr>
-                          <m:t>G</m:t>
-                        </m:r>
-                      </m:e>
-                      <m:sub>
-                        <m:r>
-                          <a:rPr lang="en-US" altLang="ja-JP">
-                            <a:latin typeface="Cambria Math" panose="02040503050406030204" pitchFamily="18" charset="0"/>
-                          </a:rPr>
-                          <m:t>2</m:t>
-                        </m:r>
-                      </m:sub>
-                    </m:sSub>
-                    <m:r>
-                      <a:rPr lang="en-US" altLang="ja-JP" b="0" i="1" smtClean="0">
-                        <a:latin typeface="Cambria Math" panose="02040503050406030204" pitchFamily="18" charset="0"/>
-                      </a:rPr>
-                      <m:t>≔</m:t>
-                    </m:r>
-                    <m:sSub>
-                      <m:sSubPr>
-                        <m:ctrlPr>
-                          <a:rPr lang="en-US" altLang="ja-JP" i="1">
-                            <a:latin typeface="Cambria Math" panose="02040503050406030204" pitchFamily="18" charset="0"/>
-                          </a:rPr>
-                        </m:ctrlPr>
-                      </m:sSubPr>
-                      <m:e>
-                        <m:r>
-                          <a:rPr lang="en-US" altLang="ja-JP" i="1">
-                            <a:latin typeface="Cambria Math" panose="02040503050406030204" pitchFamily="18" charset="0"/>
-                          </a:rPr>
-                          <m:t>𝐺</m:t>
-                        </m:r>
-                      </m:e>
-                      <m:sub>
-                        <m:r>
-                          <a:rPr lang="en-US" altLang="ja-JP" i="1">
-                            <a:latin typeface="Cambria Math" panose="02040503050406030204" pitchFamily="18" charset="0"/>
-                          </a:rPr>
-                          <m:t>𝐶</m:t>
-                        </m:r>
-                        <m:r>
-                          <a:rPr lang="en-US" altLang="ja-JP" i="1">
-                            <a:latin typeface="Cambria Math" panose="02040503050406030204" pitchFamily="18" charset="0"/>
-                          </a:rPr>
-                          <m:t>1</m:t>
-                        </m:r>
-                      </m:sub>
-                    </m:sSub>
-                    <m:r>
-                      <a:rPr lang="en-US" altLang="ja-JP" i="1">
-                        <a:latin typeface="Cambria Math" panose="02040503050406030204" pitchFamily="18" charset="0"/>
-                      </a:rPr>
-                      <m:t>+</m:t>
-                    </m:r>
-                    <m:sSub>
-                      <m:sSubPr>
-                        <m:ctrlPr>
-                          <a:rPr lang="en-US" altLang="ja-JP" i="1">
-                            <a:latin typeface="Cambria Math" panose="02040503050406030204" pitchFamily="18" charset="0"/>
-                          </a:rPr>
-                        </m:ctrlPr>
-                      </m:sSubPr>
-                      <m:e>
-                        <m:r>
-                          <a:rPr lang="en-US" altLang="ja-JP" i="1">
-                            <a:latin typeface="Cambria Math" panose="02040503050406030204" pitchFamily="18" charset="0"/>
-                          </a:rPr>
-                          <m:t>𝑔</m:t>
-                        </m:r>
-                      </m:e>
-                      <m:sub>
-                        <m:r>
-                          <a:rPr lang="en-US" altLang="ja-JP" i="1">
-                            <a:latin typeface="Cambria Math" panose="02040503050406030204" pitchFamily="18" charset="0"/>
-                          </a:rPr>
-                          <m:t>𝑐𝑒</m:t>
-                        </m:r>
-                        <m:r>
-                          <a:rPr lang="en-US" altLang="ja-JP" i="1">
-                            <a:latin typeface="Cambria Math" panose="02040503050406030204" pitchFamily="18" charset="0"/>
-                          </a:rPr>
-                          <m:t>1</m:t>
-                        </m:r>
-                      </m:sub>
-                    </m:sSub>
-                    <m:r>
-                      <a:rPr lang="en-US" altLang="ja-JP" i="1">
-                        <a:latin typeface="Cambria Math" panose="02040503050406030204" pitchFamily="18" charset="0"/>
-                      </a:rPr>
-                      <m:t>+</m:t>
-                    </m:r>
-                    <m:sSub>
-                      <m:sSubPr>
-                        <m:ctrlPr>
-                          <a:rPr lang="en-US" altLang="ja-JP" i="1">
-                            <a:latin typeface="Cambria Math" panose="02040503050406030204" pitchFamily="18" charset="0"/>
-                          </a:rPr>
-                        </m:ctrlPr>
-                      </m:sSubPr>
-                      <m:e>
-                        <m:r>
-                          <a:rPr lang="en-US" altLang="ja-JP" i="1">
-                            <a:latin typeface="Cambria Math" panose="02040503050406030204" pitchFamily="18" charset="0"/>
-                          </a:rPr>
-                          <m:t>𝑔</m:t>
-                        </m:r>
-                      </m:e>
-                      <m:sub>
-                        <m:r>
-                          <a:rPr lang="en-US" altLang="ja-JP" i="1">
-                            <a:latin typeface="Cambria Math" panose="02040503050406030204" pitchFamily="18" charset="0"/>
-                          </a:rPr>
-                          <m:t>𝑖𝑒</m:t>
-                        </m:r>
-                        <m:r>
-                          <a:rPr lang="en-US" altLang="ja-JP" i="1">
-                            <a:latin typeface="Cambria Math" panose="02040503050406030204" pitchFamily="18" charset="0"/>
-                          </a:rPr>
-                          <m:t>1</m:t>
-                        </m:r>
-                      </m:sub>
-                    </m:sSub>
-                  </m:oMath>
-                </a14:m>
-                <a:r>
-                  <a:rPr kumimoji="1" lang="en-US" altLang="ja-JP" dirty="0">
-                    <a:latin typeface="Times Newer Roman" panose="00000500000000000000" pitchFamily="50" charset="0"/>
-                  </a:rPr>
-                  <a:t>	</a:t>
-                </a:r>
-                <a14:m>
-                  <m:oMath xmlns:m="http://schemas.openxmlformats.org/officeDocument/2006/math">
-                    <m:sSub>
-                      <m:sSubPr>
-                        <m:ctrlPr>
-                          <a:rPr lang="en-US" altLang="ja-JP" i="1">
-                            <a:latin typeface="Cambria Math" panose="02040503050406030204" pitchFamily="18" charset="0"/>
-                          </a:rPr>
-                        </m:ctrlPr>
-                      </m:sSubPr>
-                      <m:e>
-                        <m:r>
-                          <a:rPr lang="en-US" altLang="ja-JP" i="1">
-                            <a:latin typeface="Cambria Math" panose="02040503050406030204" pitchFamily="18" charset="0"/>
-                          </a:rPr>
-                          <m:t>𝐶</m:t>
-                        </m:r>
-                      </m:e>
-                      <m:sub>
-                        <m:r>
-                          <a:rPr lang="en-US" altLang="ja-JP" i="1">
-                            <a:latin typeface="Cambria Math" panose="02040503050406030204" pitchFamily="18" charset="0"/>
-                          </a:rPr>
-                          <m:t>1</m:t>
-                        </m:r>
-                      </m:sub>
-                    </m:sSub>
-                    <m:r>
-                      <a:rPr lang="en-US" altLang="ja-JP" b="0" i="1" smtClean="0">
-                        <a:latin typeface="Cambria Math" panose="02040503050406030204" pitchFamily="18" charset="0"/>
-                      </a:rPr>
-                      <m:t>≔</m:t>
-                    </m:r>
-                    <m:sSub>
-                      <m:sSubPr>
-                        <m:ctrlPr>
-                          <a:rPr lang="en-US" altLang="ja-JP" i="1">
-                            <a:latin typeface="Cambria Math" panose="02040503050406030204" pitchFamily="18" charset="0"/>
-                          </a:rPr>
-                        </m:ctrlPr>
-                      </m:sSubPr>
-                      <m:e>
-                        <m:r>
-                          <a:rPr lang="en-US" altLang="ja-JP" i="1">
-                            <a:latin typeface="Cambria Math" panose="02040503050406030204" pitchFamily="18" charset="0"/>
-                          </a:rPr>
-                          <m:t>𝐶</m:t>
-                        </m:r>
-                      </m:e>
-                      <m:sub>
-                        <m:r>
-                          <a:rPr lang="en-US" altLang="ja-JP" i="1">
-                            <a:latin typeface="Cambria Math" panose="02040503050406030204" pitchFamily="18" charset="0"/>
-                          </a:rPr>
-                          <m:t>𝑃𝐷</m:t>
-                        </m:r>
-                      </m:sub>
-                    </m:sSub>
-                    <m:r>
-                      <a:rPr lang="en-US" altLang="ja-JP" i="1">
-                        <a:latin typeface="Cambria Math" panose="02040503050406030204" pitchFamily="18" charset="0"/>
-                      </a:rPr>
-                      <m:t>+</m:t>
-                    </m:r>
-                    <m:sSub>
-                      <m:sSubPr>
-                        <m:ctrlPr>
-                          <a:rPr lang="en-US" altLang="ja-JP" i="1">
-                            <a:latin typeface="Cambria Math" panose="02040503050406030204" pitchFamily="18" charset="0"/>
-                          </a:rPr>
-                        </m:ctrlPr>
-                      </m:sSubPr>
-                      <m:e>
-                        <m:r>
-                          <a:rPr lang="en-US" altLang="ja-JP" i="1">
-                            <a:latin typeface="Cambria Math" panose="02040503050406030204" pitchFamily="18" charset="0"/>
-                          </a:rPr>
-                          <m:t>𝐶</m:t>
-                        </m:r>
-                      </m:e>
-                      <m:sub>
-                        <m:r>
-                          <a:rPr lang="en-US" altLang="ja-JP" i="1">
-                            <a:latin typeface="Cambria Math" panose="02040503050406030204" pitchFamily="18" charset="0"/>
-                          </a:rPr>
-                          <m:t>𝑗𝑒</m:t>
-                        </m:r>
-                        <m:r>
-                          <a:rPr lang="en-US" altLang="ja-JP" i="1">
-                            <a:latin typeface="Cambria Math" panose="02040503050406030204" pitchFamily="18" charset="0"/>
-                          </a:rPr>
-                          <m:t>1</m:t>
-                        </m:r>
-                      </m:sub>
-                    </m:sSub>
-                  </m:oMath>
-                </a14:m>
-                <a:r>
-                  <a:rPr kumimoji="1" lang="en-US" altLang="ja-JP" dirty="0">
-                    <a:latin typeface="Times Newer Roman" panose="00000500000000000000" pitchFamily="50" charset="0"/>
-                  </a:rPr>
-                  <a:t>		</a:t>
-                </a:r>
-                <a14:m>
-                  <m:oMath xmlns:m="http://schemas.openxmlformats.org/officeDocument/2006/math">
-                    <m:sSub>
-                      <m:sSubPr>
-                        <m:ctrlPr>
-                          <a:rPr lang="en-US" altLang="ja-JP" i="1">
-                            <a:latin typeface="Cambria Math" panose="02040503050406030204" pitchFamily="18" charset="0"/>
-                          </a:rPr>
-                        </m:ctrlPr>
-                      </m:sSubPr>
-                      <m:e>
-                        <m:r>
-                          <a:rPr lang="en-US" altLang="ja-JP" i="1">
-                            <a:latin typeface="Cambria Math" panose="02040503050406030204" pitchFamily="18" charset="0"/>
-                          </a:rPr>
-                          <m:t>𝐶</m:t>
-                        </m:r>
-                      </m:e>
-                      <m:sub>
-                        <m:r>
-                          <a:rPr lang="en-US" altLang="ja-JP" i="1">
-                            <a:latin typeface="Cambria Math" panose="02040503050406030204" pitchFamily="18" charset="0"/>
-                          </a:rPr>
-                          <m:t>2</m:t>
-                        </m:r>
-                      </m:sub>
-                    </m:sSub>
-                    <m:r>
-                      <a:rPr lang="en-US" altLang="ja-JP" b="0" i="1" smtClean="0">
-                        <a:latin typeface="Cambria Math" panose="02040503050406030204" pitchFamily="18" charset="0"/>
-                      </a:rPr>
-                      <m:t>≔</m:t>
-                    </m:r>
-                    <m:sSub>
-                      <m:sSubPr>
-                        <m:ctrlPr>
-                          <a:rPr lang="en-US" altLang="ja-JP" i="1">
-                            <a:latin typeface="Cambria Math" panose="02040503050406030204" pitchFamily="18" charset="0"/>
-                          </a:rPr>
-                        </m:ctrlPr>
-                      </m:sSubPr>
-                      <m:e>
-                        <m:r>
-                          <a:rPr lang="en-US" altLang="ja-JP" i="1">
-                            <a:latin typeface="Cambria Math" panose="02040503050406030204" pitchFamily="18" charset="0"/>
-                          </a:rPr>
-                          <m:t>𝐶</m:t>
-                        </m:r>
-                      </m:e>
-                      <m:sub>
-                        <m:r>
-                          <a:rPr lang="en-US" altLang="ja-JP" i="1">
-                            <a:latin typeface="Cambria Math" panose="02040503050406030204" pitchFamily="18" charset="0"/>
-                          </a:rPr>
-                          <m:t>𝑗𝑐</m:t>
-                        </m:r>
-                        <m:r>
-                          <a:rPr lang="en-US" altLang="ja-JP" i="1">
-                            <a:latin typeface="Cambria Math" panose="02040503050406030204" pitchFamily="18" charset="0"/>
-                          </a:rPr>
-                          <m:t>1</m:t>
-                        </m:r>
-                      </m:sub>
-                    </m:sSub>
-                    <m:r>
-                      <a:rPr lang="en-US" altLang="ja-JP" i="1">
-                        <a:latin typeface="Cambria Math" panose="02040503050406030204" pitchFamily="18" charset="0"/>
-                      </a:rPr>
-                      <m:t>+</m:t>
-                    </m:r>
-                    <m:sSub>
-                      <m:sSubPr>
-                        <m:ctrlPr>
-                          <a:rPr lang="en-US" altLang="ja-JP" i="1">
-                            <a:latin typeface="Cambria Math" panose="02040503050406030204" pitchFamily="18" charset="0"/>
-                          </a:rPr>
-                        </m:ctrlPr>
-                      </m:sSubPr>
-                      <m:e>
-                        <m:r>
-                          <a:rPr lang="en-US" altLang="ja-JP" i="1">
-                            <a:latin typeface="Cambria Math" panose="02040503050406030204" pitchFamily="18" charset="0"/>
-                          </a:rPr>
-                          <m:t>𝐶</m:t>
-                        </m:r>
-                      </m:e>
-                      <m:sub>
-                        <m:r>
-                          <a:rPr lang="en-US" altLang="ja-JP" i="1">
-                            <a:latin typeface="Cambria Math" panose="02040503050406030204" pitchFamily="18" charset="0"/>
-                          </a:rPr>
-                          <m:t>𝑗𝑐</m:t>
-                        </m:r>
-                        <m:r>
-                          <a:rPr lang="en-US" altLang="ja-JP" i="1">
-                            <a:latin typeface="Cambria Math" panose="02040503050406030204" pitchFamily="18" charset="0"/>
-                          </a:rPr>
-                          <m:t>2</m:t>
-                        </m:r>
-                      </m:sub>
-                    </m:sSub>
-                    <m:r>
-                      <a:rPr lang="en-US" altLang="ja-JP" i="1">
-                        <a:latin typeface="Cambria Math" panose="02040503050406030204" pitchFamily="18" charset="0"/>
-                      </a:rPr>
-                      <m:t>+</m:t>
-                    </m:r>
-                    <m:sSub>
-                      <m:sSubPr>
-                        <m:ctrlPr>
-                          <a:rPr lang="en-US" altLang="ja-JP" i="1">
-                            <a:latin typeface="Cambria Math" panose="02040503050406030204" pitchFamily="18" charset="0"/>
-                          </a:rPr>
-                        </m:ctrlPr>
-                      </m:sSubPr>
-                      <m:e>
-                        <m:r>
-                          <a:rPr lang="en-US" altLang="ja-JP" i="1">
-                            <a:latin typeface="Cambria Math" panose="02040503050406030204" pitchFamily="18" charset="0"/>
-                          </a:rPr>
-                          <m:t>𝐶</m:t>
-                        </m:r>
-                      </m:e>
-                      <m:sub>
-                        <m:r>
-                          <a:rPr lang="en-US" altLang="ja-JP" i="1">
-                            <a:latin typeface="Cambria Math" panose="02040503050406030204" pitchFamily="18" charset="0"/>
-                          </a:rPr>
-                          <m:t>𝑗𝑒</m:t>
-                        </m:r>
-                        <m:r>
-                          <a:rPr lang="en-US" altLang="ja-JP" i="1">
-                            <a:latin typeface="Cambria Math" panose="02040503050406030204" pitchFamily="18" charset="0"/>
-                          </a:rPr>
-                          <m:t>2</m:t>
-                        </m:r>
-                      </m:sub>
-                    </m:sSub>
-                  </m:oMath>
-                </a14:m>
-                <a:endParaRPr lang="ja-JP" altLang="en-US" dirty="0"/>
+                <a:endParaRPr lang="ja-JP" altLang="en-US" sz="1400" dirty="0"/>
               </a:p>
             </p:txBody>
           </p:sp>
@@ -22129,7 +20003,7 @@
               <p:cNvPr id="8" name="テキスト ボックス 7">
                 <a:extLst>
                   <a:ext uri="{FF2B5EF4-FFF2-40B4-BE49-F238E27FC236}">
-                    <a16:creationId xmlns:a16="http://schemas.microsoft.com/office/drawing/2014/main" id="{1BC86E03-616A-00A0-9727-8D901798A7FD}"/>
+                    <a16:creationId xmlns:a16="http://schemas.microsoft.com/office/drawing/2014/main" id="{D02828D0-4202-0F11-5180-746948E7776E}"/>
                   </a:ext>
                 </a:extLst>
               </p:cNvPr>
@@ -22140,8 +20014,8 @@
             </p:nvSpPr>
             <p:spPr>
               <a:xfrm>
-                <a:off x="53340" y="1209183"/>
-                <a:ext cx="12138660" cy="391646"/>
+                <a:off x="0" y="4969109"/>
+                <a:ext cx="12192000" cy="619529"/>
               </a:xfrm>
               <a:prstGeom prst="rect">
                 <a:avLst/>
@@ -22149,7 +20023,7 @@
               <a:blipFill>
                 <a:blip r:embed="rId3"/>
                 <a:stretch>
-                  <a:fillRect b="-7692"/>
+                  <a:fillRect/>
                 </a:stretch>
               </a:blipFill>
             </p:spPr>
@@ -22171,7 +20045,7 @@
     </p:spTree>
     <p:extLst>
       <p:ext uri="{BB962C8B-B14F-4D97-AF65-F5344CB8AC3E}">
-        <p14:creationId xmlns:p14="http://schemas.microsoft.com/office/powerpoint/2010/main" val="1532611122"/>
+        <p14:creationId xmlns:p14="http://schemas.microsoft.com/office/powerpoint/2010/main" val="901916825"/>
       </p:ext>
     </p:extLst>
   </p:cSld>

--- a/IHP_2024/20240524/2段構成TIAの検討.pptx
+++ b/IHP_2024/20240524/2段構成TIAの検討.pptx
@@ -5,7 +5,7 @@
     <p:sldMasterId id="2147483648" r:id="rId1"/>
   </p:sldMasterIdLst>
   <p:notesMasterIdLst>
-    <p:notesMasterId r:id="rId9"/>
+    <p:notesMasterId r:id="rId11"/>
   </p:notesMasterIdLst>
   <p:sldIdLst>
     <p:sldId id="256" r:id="rId2"/>
@@ -15,6 +15,8 @@
     <p:sldId id="260" r:id="rId6"/>
     <p:sldId id="261" r:id="rId7"/>
     <p:sldId id="262" r:id="rId8"/>
+    <p:sldId id="264" r:id="rId9"/>
+    <p:sldId id="263" r:id="rId10"/>
   </p:sldIdLst>
   <p:sldSz cx="12192000" cy="6858000"/>
   <p:notesSz cx="6858000" cy="9144000"/>
@@ -203,7 +205,7 @@
           <a:p>
             <a:fld id="{F8456487-DC86-474A-B4EE-F658698A396D}" type="datetimeFigureOut">
               <a:rPr kumimoji="1" lang="ja-JP" altLang="en-US" smtClean="0"/>
-              <a:t>2024/5/22</a:t>
+              <a:t>2024/5/23</a:t>
             </a:fld>
             <a:endParaRPr kumimoji="1" lang="ja-JP" altLang="en-US"/>
           </a:p>
@@ -4777,6 +4779,14 @@
               <a:rPr kumimoji="1" lang="ja-JP" altLang="en-US" dirty="0"/>
               <a:t>の検討</a:t>
             </a:r>
+            <a:br>
+              <a:rPr kumimoji="1" lang="en-US" altLang="ja-JP" dirty="0"/>
+            </a:br>
+            <a:r>
+              <a:rPr kumimoji="1" lang="ja-JP" altLang="en-US" sz="2400" dirty="0"/>
+              <a:t>小信号解析による律速の原因探求</a:t>
+            </a:r>
+            <a:endParaRPr kumimoji="1" lang="ja-JP" altLang="en-US" dirty="0"/>
           </a:p>
         </p:txBody>
       </p:sp>
@@ -5589,8 +5599,8 @@
               <a:chExt cx="9018495" cy="1029769"/>
             </a:xfrm>
           </p:grpSpPr>
-          <mc:AlternateContent xmlns:mc="http://schemas.openxmlformats.org/markup-compatibility/2006" xmlns:a14="http://schemas.microsoft.com/office/drawing/2010/main">
-            <mc:Choice Requires="a14">
+          <mc:AlternateContent xmlns:mc="http://schemas.openxmlformats.org/markup-compatibility/2006">
+            <mc:Choice xmlns:a14="http://schemas.microsoft.com/office/drawing/2010/main" Requires="a14">
               <p:sp>
                 <p:nvSpPr>
                   <p:cNvPr id="7" name="テキスト ボックス 6">
@@ -6008,6 +6018,31 @@
                               </m:d>
                             </m:e>
                           </m:d>
+                          <m:sSub>
+                            <m:sSubPr>
+                              <m:ctrlPr>
+                                <a:rPr kumimoji="1" lang="en-US" altLang="ja-JP" b="0" i="1" smtClean="0">
+                                  <a:latin typeface="Cambria Math" panose="02040503050406030204" pitchFamily="18" charset="0"/>
+                                </a:rPr>
+                              </m:ctrlPr>
+                            </m:sSubPr>
+                            <m:e>
+                              <m:r>
+                                <a:rPr kumimoji="1" lang="en-US" altLang="ja-JP" b="0" i="1" smtClean="0">
+                                  <a:latin typeface="Cambria Math" panose="02040503050406030204" pitchFamily="18" charset="0"/>
+                                </a:rPr>
+                                <m:t>𝑣</m:t>
+                              </m:r>
+                            </m:e>
+                            <m:sub>
+                              <m:r>
+                                <a:rPr kumimoji="1" lang="en-US" altLang="ja-JP" b="0" i="1" smtClean="0">
+                                  <a:latin typeface="Cambria Math" panose="02040503050406030204" pitchFamily="18" charset="0"/>
+                                </a:rPr>
+                                <m:t>𝑒</m:t>
+                              </m:r>
+                            </m:sub>
+                          </m:sSub>
                         </m:oMath>
                       </m:oMathPara>
                     </a14:m>
@@ -6834,7 +6869,7 @@
                 </p:txBody>
               </p:sp>
             </mc:Choice>
-            <mc:Fallback xmlns="">
+            <mc:Fallback>
               <p:sp>
                 <p:nvSpPr>
                   <p:cNvPr id="7" name="テキスト ボックス 6">
@@ -7140,8 +7175,8 @@
             <a:chExt cx="9049870" cy="1029769"/>
           </a:xfrm>
         </p:grpSpPr>
-        <mc:AlternateContent xmlns:mc="http://schemas.openxmlformats.org/markup-compatibility/2006" xmlns:a14="http://schemas.microsoft.com/office/drawing/2010/main">
-          <mc:Choice Requires="a14">
+        <mc:AlternateContent xmlns:mc="http://schemas.openxmlformats.org/markup-compatibility/2006">
+          <mc:Choice xmlns:a14="http://schemas.microsoft.com/office/drawing/2010/main" Requires="a14">
             <p:sp>
               <p:nvSpPr>
                 <p:cNvPr id="6" name="テキスト ボックス 5">
@@ -7559,6 +7594,31 @@
                             </m:d>
                           </m:e>
                         </m:d>
+                        <m:sSub>
+                          <m:sSubPr>
+                            <m:ctrlPr>
+                              <a:rPr kumimoji="1" lang="en-US" altLang="ja-JP" b="0" i="1" smtClean="0">
+                                <a:latin typeface="Cambria Math" panose="02040503050406030204" pitchFamily="18" charset="0"/>
+                              </a:rPr>
+                            </m:ctrlPr>
+                          </m:sSubPr>
+                          <m:e>
+                            <m:r>
+                              <a:rPr kumimoji="1" lang="en-US" altLang="ja-JP" b="0" i="1" smtClean="0">
+                                <a:latin typeface="Cambria Math" panose="02040503050406030204" pitchFamily="18" charset="0"/>
+                              </a:rPr>
+                              <m:t>𝑣</m:t>
+                            </m:r>
+                          </m:e>
+                          <m:sub>
+                            <m:r>
+                              <a:rPr kumimoji="1" lang="en-US" altLang="ja-JP" b="0" i="1" smtClean="0">
+                                <a:latin typeface="Cambria Math" panose="02040503050406030204" pitchFamily="18" charset="0"/>
+                              </a:rPr>
+                              <m:t>𝑒</m:t>
+                            </m:r>
+                          </m:sub>
+                        </m:sSub>
                       </m:oMath>
                     </m:oMathPara>
                   </a14:m>
@@ -8385,7 +8445,7 @@
               </p:txBody>
             </p:sp>
           </mc:Choice>
-          <mc:Fallback xmlns="">
+          <mc:Fallback>
             <p:sp>
               <p:nvSpPr>
                 <p:cNvPr id="6" name="テキスト ボックス 5">
@@ -8409,7 +8469,7 @@
                   <a:avLst/>
                 </a:prstGeom>
                 <a:blipFill>
-                  <a:blip r:embed="rId3"/>
+                  <a:blip r:embed="rId2"/>
                   <a:stretch>
                     <a:fillRect t="-60947" b="-89349"/>
                   </a:stretch>
@@ -8480,8 +8540,8 @@
           </p:txBody>
         </p:sp>
       </p:grpSp>
-      <mc:AlternateContent xmlns:mc="http://schemas.openxmlformats.org/markup-compatibility/2006" xmlns:a14="http://schemas.microsoft.com/office/drawing/2010/main">
-        <mc:Choice Requires="a14">
+      <mc:AlternateContent xmlns:mc="http://schemas.openxmlformats.org/markup-compatibility/2006">
+        <mc:Choice xmlns:a14="http://schemas.microsoft.com/office/drawing/2010/main" Requires="a14">
           <p:sp>
             <p:nvSpPr>
               <p:cNvPr id="12" name="テキスト ボックス 11">
@@ -8584,6 +8644,12 @@
                                 <a:rPr kumimoji="1" lang="en-US" altLang="ja-JP" b="0" i="1" smtClean="0">
                                   <a:latin typeface="Cambria Math" panose="02040503050406030204" pitchFamily="18" charset="0"/>
                                 </a:rPr>
+                                <m:t>𝑒</m:t>
+                              </m:r>
+                              <m:r>
+                                <a:rPr kumimoji="1" lang="en-US" altLang="ja-JP" b="0" i="1" smtClean="0">
+                                  <a:latin typeface="Cambria Math" panose="02040503050406030204" pitchFamily="18" charset="0"/>
+                                </a:rPr>
                                 <m:t>1</m:t>
                               </m:r>
                             </m:sub>
@@ -8686,6 +8752,12 @@
                                   <a:latin typeface="Cambria Math" panose="02040503050406030204" pitchFamily="18" charset="0"/>
                                 </a:rPr>
                                 <m:t>𝑐</m:t>
+                              </m:r>
+                              <m:r>
+                                <a:rPr kumimoji="1" lang="en-US" altLang="ja-JP" b="0" i="1" smtClean="0">
+                                  <a:latin typeface="Cambria Math" panose="02040503050406030204" pitchFamily="18" charset="0"/>
+                                </a:rPr>
+                                <m:t>𝑒</m:t>
                               </m:r>
                               <m:r>
                                 <a:rPr kumimoji="1" lang="en-US" altLang="ja-JP" b="0" i="1" smtClean="0">
@@ -8951,6 +9023,12 @@
                                   <a:latin typeface="Cambria Math" panose="02040503050406030204" pitchFamily="18" charset="0"/>
                                 </a:rPr>
                                 <m:t>𝑐</m:t>
+                              </m:r>
+                              <m:r>
+                                <a:rPr kumimoji="1" lang="en-US" altLang="ja-JP" b="0" i="1" smtClean="0">
+                                  <a:latin typeface="Cambria Math" panose="02040503050406030204" pitchFamily="18" charset="0"/>
+                                </a:rPr>
+                                <m:t>𝑒</m:t>
                               </m:r>
                               <m:r>
                                 <a:rPr kumimoji="1" lang="en-US" altLang="ja-JP" b="0" i="1" smtClean="0">
@@ -9840,7 +9918,7 @@
             </p:txBody>
           </p:sp>
         </mc:Choice>
-        <mc:Fallback xmlns="">
+        <mc:Fallback>
           <p:sp>
             <p:nvSpPr>
               <p:cNvPr id="12" name="テキスト ボックス 11">
@@ -9864,7 +9942,7 @@
                 <a:avLst/>
               </a:prstGeom>
               <a:blipFill>
-                <a:blip r:embed="rId4"/>
+                <a:blip r:embed="rId3"/>
                 <a:stretch>
                   <a:fillRect b="-56343"/>
                 </a:stretch>
@@ -9934,8 +10012,8 @@
           </a:p>
         </p:txBody>
       </p:sp>
-      <mc:AlternateContent xmlns:mc="http://schemas.openxmlformats.org/markup-compatibility/2006" xmlns:a14="http://schemas.microsoft.com/office/drawing/2010/main">
-        <mc:Choice Requires="a14">
+      <mc:AlternateContent xmlns:mc="http://schemas.openxmlformats.org/markup-compatibility/2006">
+        <mc:Choice xmlns:a14="http://schemas.microsoft.com/office/drawing/2010/main" Requires="a14">
           <p:sp>
             <p:nvSpPr>
               <p:cNvPr id="7" name="テキスト ボックス 6">
@@ -10093,6 +10171,12 @@
                             <a:latin typeface="Cambria Math" panose="02040503050406030204" pitchFamily="18" charset="0"/>
                           </a:rPr>
                           <m:t>𝑐</m:t>
+                        </m:r>
+                        <m:r>
+                          <a:rPr kumimoji="1" lang="en-US" altLang="ja-JP" b="0" i="1" smtClean="0">
+                            <a:latin typeface="Cambria Math" panose="02040503050406030204" pitchFamily="18" charset="0"/>
+                          </a:rPr>
+                          <m:t>𝑒</m:t>
                         </m:r>
                         <m:r>
                           <a:rPr kumimoji="1" lang="en-US" altLang="ja-JP" b="0" i="1" smtClean="0">
@@ -10520,7 +10604,7 @@
             </p:txBody>
           </p:sp>
         </mc:Choice>
-        <mc:Fallback xmlns="">
+        <mc:Fallback>
           <p:sp>
             <p:nvSpPr>
               <p:cNvPr id="7" name="テキスト ボックス 6">
@@ -10544,7 +10628,7 @@
                 <a:avLst/>
               </a:prstGeom>
               <a:blipFill>
-                <a:blip r:embed="rId5"/>
+                <a:blip r:embed="rId4"/>
                 <a:stretch>
                   <a:fillRect l="-506" b="-12727"/>
                 </a:stretch>
@@ -10565,8 +10649,8 @@
           </p:sp>
         </mc:Fallback>
       </mc:AlternateContent>
-      <mc:AlternateContent xmlns:mc="http://schemas.openxmlformats.org/markup-compatibility/2006" xmlns:a14="http://schemas.microsoft.com/office/drawing/2010/main">
-        <mc:Choice Requires="a14">
+      <mc:AlternateContent xmlns:mc="http://schemas.openxmlformats.org/markup-compatibility/2006">
+        <mc:Choice xmlns:a14="http://schemas.microsoft.com/office/drawing/2010/main" Requires="a14">
           <p:sp>
             <p:nvSpPr>
               <p:cNvPr id="8" name="テキスト ボックス 7">
@@ -10669,6 +10753,12 @@
                                 <a:rPr kumimoji="1" lang="en-US" altLang="ja-JP" b="0" i="1" smtClean="0">
                                   <a:latin typeface="Cambria Math" panose="02040503050406030204" pitchFamily="18" charset="0"/>
                                 </a:rPr>
+                                <m:t>𝑒</m:t>
+                              </m:r>
+                              <m:r>
+                                <a:rPr kumimoji="1" lang="en-US" altLang="ja-JP" b="0" i="1" smtClean="0">
+                                  <a:latin typeface="Cambria Math" panose="02040503050406030204" pitchFamily="18" charset="0"/>
+                                </a:rPr>
                                 <m:t>1</m:t>
                               </m:r>
                             </m:sub>
@@ -11495,7 +11585,7 @@
             </p:txBody>
           </p:sp>
         </mc:Choice>
-        <mc:Fallback xmlns="">
+        <mc:Fallback>
           <p:sp>
             <p:nvSpPr>
               <p:cNvPr id="8" name="テキスト ボックス 7">
@@ -11519,7 +11609,7 @@
                 <a:avLst/>
               </a:prstGeom>
               <a:blipFill>
-                <a:blip r:embed="rId6"/>
+                <a:blip r:embed="rId5"/>
                 <a:stretch>
                   <a:fillRect b="-58301"/>
                 </a:stretch>
@@ -12366,6 +12456,12 @@
                                 <a:rPr kumimoji="1" lang="en-US" altLang="ja-JP" sz="1200" b="0" i="1" smtClean="0">
                                   <a:latin typeface="Cambria Math" panose="02040503050406030204" pitchFamily="18" charset="0"/>
                                 </a:rPr>
+                                <m:t>𝑒</m:t>
+                              </m:r>
+                              <m:r>
+                                <a:rPr kumimoji="1" lang="en-US" altLang="ja-JP" sz="1200" b="0" i="1" smtClean="0">
+                                  <a:latin typeface="Cambria Math" panose="02040503050406030204" pitchFamily="18" charset="0"/>
+                                </a:rPr>
                                 <m:t>1</m:t>
                               </m:r>
                             </m:sub>
@@ -13124,6 +13220,12 @@
                                   <a:latin typeface="Cambria Math" panose="02040503050406030204" pitchFamily="18" charset="0"/>
                                 </a:rPr>
                                 <m:t>𝑐</m:t>
+                              </m:r>
+                              <m:r>
+                                <a:rPr kumimoji="1" lang="en-US" altLang="ja-JP" sz="1200" b="0" i="1" smtClean="0">
+                                  <a:latin typeface="Cambria Math" panose="02040503050406030204" pitchFamily="18" charset="0"/>
+                                </a:rPr>
+                                <m:t>𝑒</m:t>
                               </m:r>
                               <m:r>
                                 <a:rPr kumimoji="1" lang="en-US" altLang="ja-JP" sz="1200" b="0" i="1" smtClean="0">
@@ -14136,6 +14238,12 @@
                               <a:latin typeface="Cambria Math" panose="02040503050406030204" pitchFamily="18" charset="0"/>
                             </a:rPr>
                             <m:t>𝑐</m:t>
+                          </m:r>
+                          <m:r>
+                            <a:rPr lang="en-US" altLang="ja-JP" sz="1200" b="0" i="1" smtClean="0">
+                              <a:latin typeface="Cambria Math" panose="02040503050406030204" pitchFamily="18" charset="0"/>
+                            </a:rPr>
+                            <m:t>𝑒</m:t>
                           </m:r>
                           <m:r>
                             <a:rPr lang="en-US" altLang="ja-JP" sz="1200" i="1">
@@ -14986,6 +15094,12 @@
                                                   <a:latin typeface="Cambria Math" panose="02040503050406030204" pitchFamily="18" charset="0"/>
                                                 </a:rPr>
                                                 <m:t>𝑐</m:t>
+                                              </m:r>
+                                              <m:r>
+                                                <a:rPr lang="en-US" altLang="ja-JP" sz="1200" b="0" i="1" smtClean="0">
+                                                  <a:latin typeface="Cambria Math" panose="02040503050406030204" pitchFamily="18" charset="0"/>
+                                                </a:rPr>
+                                                <m:t>𝑒</m:t>
                                               </m:r>
                                               <m:r>
                                                 <a:rPr lang="en-US" altLang="ja-JP" sz="1200" i="1">
@@ -17996,7 +18110,7 @@
             <p:spPr>
               <a:xfrm>
                 <a:off x="838200" y="1767840"/>
-                <a:ext cx="10515600" cy="1428468"/>
+                <a:ext cx="10515600" cy="2939651"/>
               </a:xfrm>
               <a:prstGeom prst="rect">
                 <a:avLst/>
@@ -18425,10 +18539,1580 @@
                         </a:rPr>
                         <m:t>=</m:t>
                       </m:r>
+                      <m:r>
+                        <a:rPr kumimoji="1" lang="en-US" altLang="ja-JP" b="0" i="1" smtClean="0">
+                          <a:latin typeface="Cambria Math" panose="02040503050406030204" pitchFamily="18" charset="0"/>
+                        </a:rPr>
+                        <m:t>𝑗</m:t>
+                      </m:r>
+                      <m:sSub>
+                        <m:sSubPr>
+                          <m:ctrlPr>
+                            <a:rPr kumimoji="1" lang="en-US" altLang="ja-JP" b="0" i="1" smtClean="0">
+                              <a:latin typeface="Cambria Math" panose="02040503050406030204" pitchFamily="18" charset="0"/>
+                            </a:rPr>
+                          </m:ctrlPr>
+                        </m:sSubPr>
+                        <m:e>
+                          <m:r>
+                            <a:rPr kumimoji="1" lang="en-US" altLang="ja-JP" b="0" i="1" smtClean="0">
+                              <a:latin typeface="Cambria Math" panose="02040503050406030204" pitchFamily="18" charset="0"/>
+                            </a:rPr>
+                            <m:t>𝐶</m:t>
+                          </m:r>
+                        </m:e>
+                        <m:sub>
+                          <m:r>
+                            <a:rPr kumimoji="1" lang="en-US" altLang="ja-JP" b="0" i="1" smtClean="0">
+                              <a:latin typeface="Cambria Math" panose="02040503050406030204" pitchFamily="18" charset="0"/>
+                            </a:rPr>
+                            <m:t>1</m:t>
+                          </m:r>
+                        </m:sub>
+                      </m:sSub>
+                      <m:r>
+                        <a:rPr kumimoji="1" lang="en-US" altLang="ja-JP" b="0" i="1" smtClean="0">
+                          <a:latin typeface="Cambria Math" panose="02040503050406030204" pitchFamily="18" charset="0"/>
+                        </a:rPr>
+                        <m:t>×</m:t>
+                      </m:r>
+                      <m:r>
+                        <a:rPr kumimoji="1" lang="en-US" altLang="ja-JP" b="0" i="1" smtClean="0">
+                          <a:latin typeface="Cambria Math" panose="02040503050406030204" pitchFamily="18" charset="0"/>
+                        </a:rPr>
+                        <m:t>𝑗</m:t>
+                      </m:r>
+                      <m:sSub>
+                        <m:sSubPr>
+                          <m:ctrlPr>
+                            <a:rPr kumimoji="1" lang="en-US" altLang="ja-JP" b="0" i="1" smtClean="0">
+                              <a:latin typeface="Cambria Math" panose="02040503050406030204" pitchFamily="18" charset="0"/>
+                            </a:rPr>
+                          </m:ctrlPr>
+                        </m:sSubPr>
+                        <m:e>
+                          <m:r>
+                            <a:rPr kumimoji="1" lang="en-US" altLang="ja-JP" b="0" i="1" smtClean="0">
+                              <a:latin typeface="Cambria Math" panose="02040503050406030204" pitchFamily="18" charset="0"/>
+                            </a:rPr>
+                            <m:t>𝐶</m:t>
+                          </m:r>
+                        </m:e>
+                        <m:sub>
+                          <m:r>
+                            <a:rPr kumimoji="1" lang="en-US" altLang="ja-JP" b="0" i="1" smtClean="0">
+                              <a:latin typeface="Cambria Math" panose="02040503050406030204" pitchFamily="18" charset="0"/>
+                            </a:rPr>
+                            <m:t>1</m:t>
+                          </m:r>
+                        </m:sub>
+                      </m:sSub>
+                      <m:sSub>
+                        <m:sSubPr>
+                          <m:ctrlPr>
+                            <a:rPr kumimoji="1" lang="en-US" altLang="ja-JP" b="0" i="1" smtClean="0">
+                              <a:latin typeface="Cambria Math" panose="02040503050406030204" pitchFamily="18" charset="0"/>
+                            </a:rPr>
+                          </m:ctrlPr>
+                        </m:sSubPr>
+                        <m:e>
+                          <m:r>
+                            <a:rPr kumimoji="1" lang="en-US" altLang="ja-JP" b="0" i="1" smtClean="0">
+                              <a:latin typeface="Cambria Math" panose="02040503050406030204" pitchFamily="18" charset="0"/>
+                            </a:rPr>
+                            <m:t>𝐶</m:t>
+                          </m:r>
+                        </m:e>
+                        <m:sub>
+                          <m:r>
+                            <a:rPr kumimoji="1" lang="en-US" altLang="ja-JP" b="0" i="1" smtClean="0">
+                              <a:latin typeface="Cambria Math" panose="02040503050406030204" pitchFamily="18" charset="0"/>
+                            </a:rPr>
+                            <m:t>𝑗𝑐</m:t>
+                          </m:r>
+                          <m:r>
+                            <a:rPr kumimoji="1" lang="en-US" altLang="ja-JP" b="0" i="1" smtClean="0">
+                              <a:latin typeface="Cambria Math" panose="02040503050406030204" pitchFamily="18" charset="0"/>
+                            </a:rPr>
+                            <m:t>2</m:t>
+                          </m:r>
+                        </m:sub>
+                      </m:sSub>
+                      <m:d>
+                        <m:dPr>
+                          <m:ctrlPr>
+                            <a:rPr kumimoji="1" lang="en-US" altLang="ja-JP" b="0" i="1" smtClean="0">
+                              <a:latin typeface="Cambria Math" panose="02040503050406030204" pitchFamily="18" charset="0"/>
+                            </a:rPr>
+                          </m:ctrlPr>
+                        </m:dPr>
+                        <m:e>
+                          <m:sSub>
+                            <m:sSubPr>
+                              <m:ctrlPr>
+                                <a:rPr kumimoji="1" lang="en-US" altLang="ja-JP" b="0" i="1" smtClean="0">
+                                  <a:latin typeface="Cambria Math" panose="02040503050406030204" pitchFamily="18" charset="0"/>
+                                </a:rPr>
+                              </m:ctrlPr>
+                            </m:sSubPr>
+                            <m:e>
+                              <m:r>
+                                <a:rPr kumimoji="1" lang="en-US" altLang="ja-JP" b="0" i="1" smtClean="0">
+                                  <a:latin typeface="Cambria Math" panose="02040503050406030204" pitchFamily="18" charset="0"/>
+                                </a:rPr>
+                                <m:t>𝐶</m:t>
+                              </m:r>
+                            </m:e>
+                            <m:sub>
+                              <m:r>
+                                <a:rPr kumimoji="1" lang="en-US" altLang="ja-JP" b="0" i="1" smtClean="0">
+                                  <a:latin typeface="Cambria Math" panose="02040503050406030204" pitchFamily="18" charset="0"/>
+                                </a:rPr>
+                                <m:t>𝑗𝑐</m:t>
+                              </m:r>
+                              <m:r>
+                                <a:rPr kumimoji="1" lang="en-US" altLang="ja-JP" b="0" i="1" smtClean="0">
+                                  <a:latin typeface="Cambria Math" panose="02040503050406030204" pitchFamily="18" charset="0"/>
+                                </a:rPr>
+                                <m:t>2</m:t>
+                              </m:r>
+                            </m:sub>
+                          </m:sSub>
+                          <m:r>
+                            <a:rPr kumimoji="1" lang="en-US" altLang="ja-JP" b="0" i="1" smtClean="0">
+                              <a:latin typeface="Cambria Math" panose="02040503050406030204" pitchFamily="18" charset="0"/>
+                            </a:rPr>
+                            <m:t>−</m:t>
+                          </m:r>
+                          <m:sSub>
+                            <m:sSubPr>
+                              <m:ctrlPr>
+                                <a:rPr kumimoji="1" lang="en-US" altLang="ja-JP" b="0" i="1" smtClean="0">
+                                  <a:latin typeface="Cambria Math" panose="02040503050406030204" pitchFamily="18" charset="0"/>
+                                </a:rPr>
+                              </m:ctrlPr>
+                            </m:sSubPr>
+                            <m:e>
+                              <m:r>
+                                <a:rPr kumimoji="1" lang="en-US" altLang="ja-JP" b="0" i="1" smtClean="0">
+                                  <a:latin typeface="Cambria Math" panose="02040503050406030204" pitchFamily="18" charset="0"/>
+                                </a:rPr>
+                                <m:t>𝐶</m:t>
+                              </m:r>
+                            </m:e>
+                            <m:sub>
+                              <m:r>
+                                <a:rPr kumimoji="1" lang="en-US" altLang="ja-JP" b="0" i="1" smtClean="0">
+                                  <a:latin typeface="Cambria Math" panose="02040503050406030204" pitchFamily="18" charset="0"/>
+                                </a:rPr>
+                                <m:t>2</m:t>
+                              </m:r>
+                            </m:sub>
+                          </m:sSub>
+                        </m:e>
+                      </m:d>
+                      <m:r>
+                        <a:rPr kumimoji="1" lang="en-US" altLang="ja-JP" b="0" i="1" smtClean="0">
+                          <a:latin typeface="Cambria Math" panose="02040503050406030204" pitchFamily="18" charset="0"/>
+                        </a:rPr>
+                        <m:t>=</m:t>
+                      </m:r>
+                      <m:sSubSup>
+                        <m:sSubSupPr>
+                          <m:ctrlPr>
+                            <a:rPr kumimoji="1" lang="en-US" altLang="ja-JP" b="0" i="1" smtClean="0">
+                              <a:latin typeface="Cambria Math" panose="02040503050406030204" pitchFamily="18" charset="0"/>
+                            </a:rPr>
+                          </m:ctrlPr>
+                        </m:sSubSupPr>
+                        <m:e>
+                          <m:r>
+                            <a:rPr kumimoji="1" lang="en-US" altLang="ja-JP" b="0" i="1" smtClean="0">
+                              <a:latin typeface="Cambria Math" panose="02040503050406030204" pitchFamily="18" charset="0"/>
+                            </a:rPr>
+                            <m:t>𝐶</m:t>
+                          </m:r>
+                        </m:e>
+                        <m:sub>
+                          <m:r>
+                            <a:rPr kumimoji="1" lang="en-US" altLang="ja-JP" b="0" i="1" smtClean="0">
+                              <a:latin typeface="Cambria Math" panose="02040503050406030204" pitchFamily="18" charset="0"/>
+                            </a:rPr>
+                            <m:t>1</m:t>
+                          </m:r>
+                        </m:sub>
+                        <m:sup>
+                          <m:r>
+                            <a:rPr kumimoji="1" lang="en-US" altLang="ja-JP" b="0" i="1" smtClean="0">
+                              <a:latin typeface="Cambria Math" panose="02040503050406030204" pitchFamily="18" charset="0"/>
+                            </a:rPr>
+                            <m:t>2</m:t>
+                          </m:r>
+                        </m:sup>
+                      </m:sSubSup>
+                      <m:sSub>
+                        <m:sSubPr>
+                          <m:ctrlPr>
+                            <a:rPr kumimoji="1" lang="en-US" altLang="ja-JP" b="0" i="1" smtClean="0">
+                              <a:latin typeface="Cambria Math" panose="02040503050406030204" pitchFamily="18" charset="0"/>
+                            </a:rPr>
+                          </m:ctrlPr>
+                        </m:sSubPr>
+                        <m:e>
+                          <m:r>
+                            <a:rPr kumimoji="1" lang="en-US" altLang="ja-JP" b="0" i="1" smtClean="0">
+                              <a:latin typeface="Cambria Math" panose="02040503050406030204" pitchFamily="18" charset="0"/>
+                            </a:rPr>
+                            <m:t>𝐶</m:t>
+                          </m:r>
+                        </m:e>
+                        <m:sub>
+                          <m:r>
+                            <a:rPr kumimoji="1" lang="en-US" altLang="ja-JP" b="0" i="1" smtClean="0">
+                              <a:latin typeface="Cambria Math" panose="02040503050406030204" pitchFamily="18" charset="0"/>
+                            </a:rPr>
+                            <m:t>𝑗𝑐</m:t>
+                          </m:r>
+                          <m:r>
+                            <a:rPr kumimoji="1" lang="en-US" altLang="ja-JP" b="0" i="1" smtClean="0">
+                              <a:latin typeface="Cambria Math" panose="02040503050406030204" pitchFamily="18" charset="0"/>
+                            </a:rPr>
+                            <m:t>2</m:t>
+                          </m:r>
+                        </m:sub>
+                      </m:sSub>
+                      <m:d>
+                        <m:dPr>
+                          <m:ctrlPr>
+                            <a:rPr kumimoji="1" lang="en-US" altLang="ja-JP" b="0" i="1" smtClean="0">
+                              <a:latin typeface="Cambria Math" panose="02040503050406030204" pitchFamily="18" charset="0"/>
+                            </a:rPr>
+                          </m:ctrlPr>
+                        </m:dPr>
+                        <m:e>
+                          <m:sSub>
+                            <m:sSubPr>
+                              <m:ctrlPr>
+                                <a:rPr kumimoji="1" lang="en-US" altLang="ja-JP" b="0" i="1" smtClean="0">
+                                  <a:latin typeface="Cambria Math" panose="02040503050406030204" pitchFamily="18" charset="0"/>
+                                </a:rPr>
+                              </m:ctrlPr>
+                            </m:sSubPr>
+                            <m:e>
+                              <m:r>
+                                <a:rPr kumimoji="1" lang="en-US" altLang="ja-JP" b="0" i="1" smtClean="0">
+                                  <a:latin typeface="Cambria Math" panose="02040503050406030204" pitchFamily="18" charset="0"/>
+                                </a:rPr>
+                                <m:t>𝐶</m:t>
+                              </m:r>
+                            </m:e>
+                            <m:sub>
+                              <m:r>
+                                <a:rPr kumimoji="1" lang="en-US" altLang="ja-JP" b="0" i="1" smtClean="0">
+                                  <a:latin typeface="Cambria Math" panose="02040503050406030204" pitchFamily="18" charset="0"/>
+                                </a:rPr>
+                                <m:t>𝑗𝑐</m:t>
+                              </m:r>
+                              <m:r>
+                                <a:rPr kumimoji="1" lang="en-US" altLang="ja-JP" b="0" i="1" smtClean="0">
+                                  <a:latin typeface="Cambria Math" panose="02040503050406030204" pitchFamily="18" charset="0"/>
+                                </a:rPr>
+                                <m:t>1</m:t>
+                              </m:r>
+                            </m:sub>
+                          </m:sSub>
+                          <m:r>
+                            <a:rPr kumimoji="1" lang="en-US" altLang="ja-JP" b="0" i="1" smtClean="0">
+                              <a:latin typeface="Cambria Math" panose="02040503050406030204" pitchFamily="18" charset="0"/>
+                            </a:rPr>
+                            <m:t>+</m:t>
+                          </m:r>
+                          <m:sSub>
+                            <m:sSubPr>
+                              <m:ctrlPr>
+                                <a:rPr kumimoji="1" lang="en-US" altLang="ja-JP" b="0" i="1" smtClean="0">
+                                  <a:latin typeface="Cambria Math" panose="02040503050406030204" pitchFamily="18" charset="0"/>
+                                </a:rPr>
+                              </m:ctrlPr>
+                            </m:sSubPr>
+                            <m:e>
+                              <m:r>
+                                <a:rPr kumimoji="1" lang="en-US" altLang="ja-JP" b="0" i="1" smtClean="0">
+                                  <a:latin typeface="Cambria Math" panose="02040503050406030204" pitchFamily="18" charset="0"/>
+                                </a:rPr>
+                                <m:t>𝐶</m:t>
+                              </m:r>
+                            </m:e>
+                            <m:sub>
+                              <m:r>
+                                <a:rPr kumimoji="1" lang="en-US" altLang="ja-JP" b="0" i="1" smtClean="0">
+                                  <a:latin typeface="Cambria Math" panose="02040503050406030204" pitchFamily="18" charset="0"/>
+                                </a:rPr>
+                                <m:t>𝑗𝑒</m:t>
+                              </m:r>
+                              <m:r>
+                                <a:rPr kumimoji="1" lang="en-US" altLang="ja-JP" b="0" i="1" smtClean="0">
+                                  <a:latin typeface="Cambria Math" panose="02040503050406030204" pitchFamily="18" charset="0"/>
+                                </a:rPr>
+                                <m:t>2</m:t>
+                              </m:r>
+                            </m:sub>
+                          </m:sSub>
+                        </m:e>
+                      </m:d>
                     </m:oMath>
                   </m:oMathPara>
                 </a14:m>
-                <a:endParaRPr kumimoji="1" lang="en-US" altLang="ja-JP" dirty="0">
+                <a:endParaRPr kumimoji="1" lang="en-US" altLang="ja-JP" b="0" dirty="0">
+                  <a:latin typeface="Times Newer Roman" panose="00000500000000000000" pitchFamily="50" charset="0"/>
+                </a:endParaRPr>
+              </a:p>
+              <a:p>
+                <a:pPr/>
+                <a14:m>
+                  <m:oMathPara xmlns:m="http://schemas.openxmlformats.org/officeDocument/2006/math">
+                    <m:oMathParaPr>
+                      <m:jc m:val="centerGroup"/>
+                    </m:oMathParaPr>
+                    <m:oMath xmlns:m="http://schemas.openxmlformats.org/officeDocument/2006/math">
+                      <m:sSub>
+                        <m:sSubPr>
+                          <m:ctrlPr>
+                            <a:rPr kumimoji="1" lang="en-US" altLang="ja-JP" b="0" i="1" smtClean="0">
+                              <a:latin typeface="Cambria Math" panose="02040503050406030204" pitchFamily="18" charset="0"/>
+                            </a:rPr>
+                          </m:ctrlPr>
+                        </m:sSubPr>
+                        <m:e>
+                          <m:r>
+                            <a:rPr kumimoji="1" lang="en-US" altLang="ja-JP" b="0" i="1" smtClean="0">
+                              <a:latin typeface="Cambria Math" panose="02040503050406030204" pitchFamily="18" charset="0"/>
+                            </a:rPr>
+                            <m:t>𝐶</m:t>
+                          </m:r>
+                        </m:e>
+                        <m:sub>
+                          <m:r>
+                            <a:rPr kumimoji="1" lang="en-US" altLang="ja-JP" b="0" i="1" smtClean="0">
+                              <a:latin typeface="Cambria Math" panose="02040503050406030204" pitchFamily="18" charset="0"/>
+                            </a:rPr>
+                            <m:t>23</m:t>
+                          </m:r>
+                        </m:sub>
+                      </m:sSub>
+                      <m:r>
+                        <a:rPr kumimoji="1" lang="en-US" altLang="ja-JP" b="0" i="1" smtClean="0">
+                          <a:latin typeface="Cambria Math" panose="02040503050406030204" pitchFamily="18" charset="0"/>
+                        </a:rPr>
+                        <m:t>=</m:t>
+                      </m:r>
+                      <m:sSub>
+                        <m:sSubPr>
+                          <m:ctrlPr>
+                            <a:rPr kumimoji="1" lang="en-US" altLang="ja-JP" b="0" i="1" smtClean="0">
+                              <a:latin typeface="Cambria Math" panose="02040503050406030204" pitchFamily="18" charset="0"/>
+                            </a:rPr>
+                          </m:ctrlPr>
+                        </m:sSubPr>
+                        <m:e>
+                          <m:r>
+                            <a:rPr kumimoji="1" lang="en-US" altLang="ja-JP" b="0" i="1" smtClean="0">
+                              <a:latin typeface="Cambria Math" panose="02040503050406030204" pitchFamily="18" charset="0"/>
+                            </a:rPr>
+                            <m:t>𝐺</m:t>
+                          </m:r>
+                        </m:e>
+                        <m:sub>
+                          <m:r>
+                            <a:rPr kumimoji="1" lang="en-US" altLang="ja-JP" b="0" i="1" smtClean="0">
+                              <a:latin typeface="Cambria Math" panose="02040503050406030204" pitchFamily="18" charset="0"/>
+                            </a:rPr>
+                            <m:t>1</m:t>
+                          </m:r>
+                        </m:sub>
+                      </m:sSub>
+                      <m:r>
+                        <a:rPr kumimoji="1" lang="en-US" altLang="ja-JP" b="0" i="1" smtClean="0">
+                          <a:latin typeface="Cambria Math" panose="02040503050406030204" pitchFamily="18" charset="0"/>
+                        </a:rPr>
+                        <m:t>×</m:t>
+                      </m:r>
+                      <m:r>
+                        <a:rPr lang="en-US" altLang="ja-JP" i="1">
+                          <a:latin typeface="Cambria Math" panose="02040503050406030204" pitchFamily="18" charset="0"/>
+                        </a:rPr>
+                        <m:t>𝑗</m:t>
+                      </m:r>
+                      <m:sSub>
+                        <m:sSubPr>
+                          <m:ctrlPr>
+                            <a:rPr lang="en-US" altLang="ja-JP" i="1">
+                              <a:latin typeface="Cambria Math" panose="02040503050406030204" pitchFamily="18" charset="0"/>
+                            </a:rPr>
+                          </m:ctrlPr>
+                        </m:sSubPr>
+                        <m:e>
+                          <m:r>
+                            <a:rPr lang="en-US" altLang="ja-JP" i="1">
+                              <a:latin typeface="Cambria Math" panose="02040503050406030204" pitchFamily="18" charset="0"/>
+                            </a:rPr>
+                            <m:t>𝐶</m:t>
+                          </m:r>
+                        </m:e>
+                        <m:sub>
+                          <m:r>
+                            <a:rPr lang="en-US" altLang="ja-JP" i="1">
+                              <a:latin typeface="Cambria Math" panose="02040503050406030204" pitchFamily="18" charset="0"/>
+                            </a:rPr>
+                            <m:t>1</m:t>
+                          </m:r>
+                        </m:sub>
+                      </m:sSub>
+                      <m:sSub>
+                        <m:sSubPr>
+                          <m:ctrlPr>
+                            <a:rPr lang="en-US" altLang="ja-JP" i="1">
+                              <a:latin typeface="Cambria Math" panose="02040503050406030204" pitchFamily="18" charset="0"/>
+                            </a:rPr>
+                          </m:ctrlPr>
+                        </m:sSubPr>
+                        <m:e>
+                          <m:r>
+                            <a:rPr lang="en-US" altLang="ja-JP" i="1">
+                              <a:latin typeface="Cambria Math" panose="02040503050406030204" pitchFamily="18" charset="0"/>
+                            </a:rPr>
+                            <m:t>𝐶</m:t>
+                          </m:r>
+                        </m:e>
+                        <m:sub>
+                          <m:r>
+                            <a:rPr lang="en-US" altLang="ja-JP" i="1">
+                              <a:latin typeface="Cambria Math" panose="02040503050406030204" pitchFamily="18" charset="0"/>
+                            </a:rPr>
+                            <m:t>𝑗𝑐</m:t>
+                          </m:r>
+                          <m:r>
+                            <a:rPr lang="en-US" altLang="ja-JP" i="1">
+                              <a:latin typeface="Cambria Math" panose="02040503050406030204" pitchFamily="18" charset="0"/>
+                            </a:rPr>
+                            <m:t>2</m:t>
+                          </m:r>
+                        </m:sub>
+                      </m:sSub>
+                      <m:d>
+                        <m:dPr>
+                          <m:ctrlPr>
+                            <a:rPr lang="en-US" altLang="ja-JP" b="0" i="1" smtClean="0">
+                              <a:latin typeface="Cambria Math" panose="02040503050406030204" pitchFamily="18" charset="0"/>
+                            </a:rPr>
+                          </m:ctrlPr>
+                        </m:dPr>
+                        <m:e>
+                          <m:sSub>
+                            <m:sSubPr>
+                              <m:ctrlPr>
+                                <a:rPr lang="en-US" altLang="ja-JP" i="1">
+                                  <a:latin typeface="Cambria Math" panose="02040503050406030204" pitchFamily="18" charset="0"/>
+                                </a:rPr>
+                              </m:ctrlPr>
+                            </m:sSubPr>
+                            <m:e>
+                              <m:r>
+                                <a:rPr lang="en-US" altLang="ja-JP" i="1">
+                                  <a:latin typeface="Cambria Math" panose="02040503050406030204" pitchFamily="18" charset="0"/>
+                                </a:rPr>
+                                <m:t>𝐶</m:t>
+                              </m:r>
+                            </m:e>
+                            <m:sub>
+                              <m:r>
+                                <a:rPr lang="en-US" altLang="ja-JP" i="1">
+                                  <a:latin typeface="Cambria Math" panose="02040503050406030204" pitchFamily="18" charset="0"/>
+                                </a:rPr>
+                                <m:t>𝑗𝑐</m:t>
+                              </m:r>
+                              <m:r>
+                                <a:rPr lang="en-US" altLang="ja-JP" i="1">
+                                  <a:latin typeface="Cambria Math" panose="02040503050406030204" pitchFamily="18" charset="0"/>
+                                </a:rPr>
+                                <m:t>2</m:t>
+                              </m:r>
+                            </m:sub>
+                          </m:sSub>
+                          <m:r>
+                            <a:rPr lang="en-US" altLang="ja-JP" i="1">
+                              <a:latin typeface="Cambria Math" panose="02040503050406030204" pitchFamily="18" charset="0"/>
+                            </a:rPr>
+                            <m:t>−</m:t>
+                          </m:r>
+                          <m:sSub>
+                            <m:sSubPr>
+                              <m:ctrlPr>
+                                <a:rPr lang="en-US" altLang="ja-JP" i="1">
+                                  <a:latin typeface="Cambria Math" panose="02040503050406030204" pitchFamily="18" charset="0"/>
+                                </a:rPr>
+                              </m:ctrlPr>
+                            </m:sSubPr>
+                            <m:e>
+                              <m:r>
+                                <a:rPr lang="en-US" altLang="ja-JP" i="1">
+                                  <a:latin typeface="Cambria Math" panose="02040503050406030204" pitchFamily="18" charset="0"/>
+                                </a:rPr>
+                                <m:t>𝐶</m:t>
+                              </m:r>
+                            </m:e>
+                            <m:sub>
+                              <m:r>
+                                <a:rPr lang="en-US" altLang="ja-JP" i="1">
+                                  <a:latin typeface="Cambria Math" panose="02040503050406030204" pitchFamily="18" charset="0"/>
+                                </a:rPr>
+                                <m:t>2</m:t>
+                              </m:r>
+                            </m:sub>
+                          </m:sSub>
+                        </m:e>
+                      </m:d>
+                      <m:r>
+                        <a:rPr lang="en-US" altLang="ja-JP" b="0" i="1" smtClean="0">
+                          <a:latin typeface="Cambria Math" panose="02040503050406030204" pitchFamily="18" charset="0"/>
+                        </a:rPr>
+                        <m:t>+</m:t>
+                      </m:r>
+                      <m:r>
+                        <a:rPr lang="en-US" altLang="ja-JP" b="0" i="1" smtClean="0">
+                          <a:latin typeface="Cambria Math" panose="02040503050406030204" pitchFamily="18" charset="0"/>
+                        </a:rPr>
+                        <m:t>𝑗</m:t>
+                      </m:r>
+                      <m:sSub>
+                        <m:sSubPr>
+                          <m:ctrlPr>
+                            <a:rPr lang="en-US" altLang="ja-JP" b="0" i="1" smtClean="0">
+                              <a:latin typeface="Cambria Math" panose="02040503050406030204" pitchFamily="18" charset="0"/>
+                            </a:rPr>
+                          </m:ctrlPr>
+                        </m:sSubPr>
+                        <m:e>
+                          <m:r>
+                            <a:rPr lang="en-US" altLang="ja-JP" b="0" i="1" smtClean="0">
+                              <a:latin typeface="Cambria Math" panose="02040503050406030204" pitchFamily="18" charset="0"/>
+                            </a:rPr>
+                            <m:t>𝐶</m:t>
+                          </m:r>
+                        </m:e>
+                        <m:sub>
+                          <m:r>
+                            <a:rPr lang="en-US" altLang="ja-JP" b="0" i="1" smtClean="0">
+                              <a:latin typeface="Cambria Math" panose="02040503050406030204" pitchFamily="18" charset="0"/>
+                            </a:rPr>
+                            <m:t>1</m:t>
+                          </m:r>
+                        </m:sub>
+                      </m:sSub>
+                      <m:r>
+                        <a:rPr lang="en-US" altLang="ja-JP" b="0" i="1" smtClean="0">
+                          <a:latin typeface="Cambria Math" panose="02040503050406030204" pitchFamily="18" charset="0"/>
+                        </a:rPr>
+                        <m:t>×</m:t>
+                      </m:r>
+                      <m:d>
+                        <m:dPr>
+                          <m:begChr m:val=""/>
+                          <m:endChr m:val="}"/>
+                          <m:ctrlPr>
+                            <a:rPr lang="en-US" altLang="ja-JP" i="1">
+                              <a:latin typeface="Cambria Math" panose="02040503050406030204" pitchFamily="18" charset="0"/>
+                            </a:rPr>
+                          </m:ctrlPr>
+                        </m:dPr>
+                        <m:e>
+                          <m:d>
+                            <m:dPr>
+                              <m:begChr m:val="{"/>
+                              <m:endChr m:val=""/>
+                              <m:ctrlPr>
+                                <a:rPr lang="en-US" altLang="ja-JP" i="1">
+                                  <a:latin typeface="Cambria Math" panose="02040503050406030204" pitchFamily="18" charset="0"/>
+                                </a:rPr>
+                              </m:ctrlPr>
+                            </m:dPr>
+                            <m:e>
+                              <m:sSub>
+                                <m:sSubPr>
+                                  <m:ctrlPr>
+                                    <a:rPr lang="en-US" altLang="ja-JP" i="1">
+                                      <a:latin typeface="Cambria Math" panose="02040503050406030204" pitchFamily="18" charset="0"/>
+                                    </a:rPr>
+                                  </m:ctrlPr>
+                                </m:sSubPr>
+                                <m:e>
+                                  <m:r>
+                                    <a:rPr lang="en-US" altLang="ja-JP" i="1">
+                                      <a:latin typeface="Cambria Math" panose="02040503050406030204" pitchFamily="18" charset="0"/>
+                                    </a:rPr>
+                                    <m:t>𝐺</m:t>
+                                  </m:r>
+                                </m:e>
+                                <m:sub>
+                                  <m:r>
+                                    <a:rPr lang="en-US" altLang="ja-JP" i="1">
+                                      <a:latin typeface="Cambria Math" panose="02040503050406030204" pitchFamily="18" charset="0"/>
+                                    </a:rPr>
+                                    <m:t>4</m:t>
+                                  </m:r>
+                                </m:sub>
+                              </m:sSub>
+                              <m:r>
+                                <a:rPr lang="en-US" altLang="ja-JP" i="1">
+                                  <a:latin typeface="Cambria Math" panose="02040503050406030204" pitchFamily="18" charset="0"/>
+                                </a:rPr>
+                                <m:t>+</m:t>
+                              </m:r>
+                              <m:sSub>
+                                <m:sSubPr>
+                                  <m:ctrlPr>
+                                    <a:rPr lang="en-US" altLang="ja-JP" i="1">
+                                      <a:latin typeface="Cambria Math" panose="02040503050406030204" pitchFamily="18" charset="0"/>
+                                    </a:rPr>
+                                  </m:ctrlPr>
+                                </m:sSubPr>
+                                <m:e>
+                                  <m:r>
+                                    <a:rPr lang="en-US" altLang="ja-JP" i="1">
+                                      <a:latin typeface="Cambria Math" panose="02040503050406030204" pitchFamily="18" charset="0"/>
+                                    </a:rPr>
+                                    <m:t>𝐶</m:t>
+                                  </m:r>
+                                </m:e>
+                                <m:sub>
+                                  <m:r>
+                                    <a:rPr lang="en-US" altLang="ja-JP" i="1">
+                                      <a:latin typeface="Cambria Math" panose="02040503050406030204" pitchFamily="18" charset="0"/>
+                                    </a:rPr>
+                                    <m:t>𝑗𝑐</m:t>
+                                  </m:r>
+                                  <m:r>
+                                    <a:rPr lang="en-US" altLang="ja-JP" i="1">
+                                      <a:latin typeface="Cambria Math" panose="02040503050406030204" pitchFamily="18" charset="0"/>
+                                    </a:rPr>
+                                    <m:t>2</m:t>
+                                  </m:r>
+                                </m:sub>
+                              </m:sSub>
+                              <m:d>
+                                <m:dPr>
+                                  <m:ctrlPr>
+                                    <a:rPr lang="en-US" altLang="ja-JP" i="1">
+                                      <a:latin typeface="Cambria Math" panose="02040503050406030204" pitchFamily="18" charset="0"/>
+                                    </a:rPr>
+                                  </m:ctrlPr>
+                                </m:dPr>
+                                <m:e>
+                                  <m:sSub>
+                                    <m:sSubPr>
+                                      <m:ctrlPr>
+                                        <a:rPr lang="en-US" altLang="ja-JP" i="1">
+                                          <a:latin typeface="Cambria Math" panose="02040503050406030204" pitchFamily="18" charset="0"/>
+                                        </a:rPr>
+                                      </m:ctrlPr>
+                                    </m:sSubPr>
+                                    <m:e>
+                                      <m:r>
+                                        <a:rPr lang="en-US" altLang="ja-JP" i="1">
+                                          <a:latin typeface="Cambria Math" panose="02040503050406030204" pitchFamily="18" charset="0"/>
+                                        </a:rPr>
+                                        <m:t>𝑔</m:t>
+                                      </m:r>
+                                    </m:e>
+                                    <m:sub>
+                                      <m:r>
+                                        <a:rPr lang="en-US" altLang="ja-JP" i="1">
+                                          <a:latin typeface="Cambria Math" panose="02040503050406030204" pitchFamily="18" charset="0"/>
+                                        </a:rPr>
+                                        <m:t>𝑚</m:t>
+                                      </m:r>
+                                      <m:r>
+                                        <a:rPr lang="en-US" altLang="ja-JP" i="1">
+                                          <a:latin typeface="Cambria Math" panose="02040503050406030204" pitchFamily="18" charset="0"/>
+                                        </a:rPr>
+                                        <m:t>2</m:t>
+                                      </m:r>
+                                    </m:sub>
+                                  </m:sSub>
+                                  <m:sSub>
+                                    <m:sSubPr>
+                                      <m:ctrlPr>
+                                        <a:rPr lang="en-US" altLang="ja-JP" i="1">
+                                          <a:latin typeface="Cambria Math" panose="02040503050406030204" pitchFamily="18" charset="0"/>
+                                        </a:rPr>
+                                      </m:ctrlPr>
+                                    </m:sSubPr>
+                                    <m:e>
+                                      <m:r>
+                                        <a:rPr lang="en-US" altLang="ja-JP" i="1">
+                                          <a:latin typeface="Cambria Math" panose="02040503050406030204" pitchFamily="18" charset="0"/>
+                                        </a:rPr>
+                                        <m:t>𝐶</m:t>
+                                      </m:r>
+                                    </m:e>
+                                    <m:sub>
+                                      <m:r>
+                                        <a:rPr lang="en-US" altLang="ja-JP" i="1">
+                                          <a:latin typeface="Cambria Math" panose="02040503050406030204" pitchFamily="18" charset="0"/>
+                                        </a:rPr>
+                                        <m:t>1</m:t>
+                                      </m:r>
+                                    </m:sub>
+                                  </m:sSub>
+                                  <m:r>
+                                    <a:rPr lang="en-US" altLang="ja-JP" i="1">
+                                      <a:latin typeface="Cambria Math" panose="02040503050406030204" pitchFamily="18" charset="0"/>
+                                    </a:rPr>
+                                    <m:t>−</m:t>
+                                  </m:r>
+                                  <m:sSub>
+                                    <m:sSubPr>
+                                      <m:ctrlPr>
+                                        <a:rPr lang="en-US" altLang="ja-JP" i="1">
+                                          <a:latin typeface="Cambria Math" panose="02040503050406030204" pitchFamily="18" charset="0"/>
+                                        </a:rPr>
+                                      </m:ctrlPr>
+                                    </m:sSubPr>
+                                    <m:e>
+                                      <m:r>
+                                        <a:rPr lang="en-US" altLang="ja-JP" i="1">
+                                          <a:latin typeface="Cambria Math" panose="02040503050406030204" pitchFamily="18" charset="0"/>
+                                        </a:rPr>
+                                        <m:t>𝐺</m:t>
+                                      </m:r>
+                                    </m:e>
+                                    <m:sub>
+                                      <m:r>
+                                        <a:rPr lang="en-US" altLang="ja-JP" i="1">
+                                          <a:latin typeface="Cambria Math" panose="02040503050406030204" pitchFamily="18" charset="0"/>
+                                        </a:rPr>
+                                        <m:t>1</m:t>
+                                      </m:r>
+                                    </m:sub>
+                                  </m:sSub>
+                                  <m:sSub>
+                                    <m:sSubPr>
+                                      <m:ctrlPr>
+                                        <a:rPr lang="en-US" altLang="ja-JP" i="1">
+                                          <a:latin typeface="Cambria Math" panose="02040503050406030204" pitchFamily="18" charset="0"/>
+                                        </a:rPr>
+                                      </m:ctrlPr>
+                                    </m:sSubPr>
+                                    <m:e>
+                                      <m:r>
+                                        <a:rPr lang="en-US" altLang="ja-JP" i="1">
+                                          <a:latin typeface="Cambria Math" panose="02040503050406030204" pitchFamily="18" charset="0"/>
+                                        </a:rPr>
+                                        <m:t>𝐶</m:t>
+                                      </m:r>
+                                    </m:e>
+                                    <m:sub>
+                                      <m:r>
+                                        <a:rPr lang="en-US" altLang="ja-JP" i="1">
+                                          <a:latin typeface="Cambria Math" panose="02040503050406030204" pitchFamily="18" charset="0"/>
+                                        </a:rPr>
+                                        <m:t>𝑗𝑐</m:t>
+                                      </m:r>
+                                      <m:r>
+                                        <a:rPr lang="en-US" altLang="ja-JP" i="1">
+                                          <a:latin typeface="Cambria Math" panose="02040503050406030204" pitchFamily="18" charset="0"/>
+                                        </a:rPr>
+                                        <m:t>2</m:t>
+                                      </m:r>
+                                    </m:sub>
+                                  </m:sSub>
+                                </m:e>
+                              </m:d>
+                            </m:e>
+                          </m:d>
+                        </m:e>
+                      </m:d>
+                    </m:oMath>
+                  </m:oMathPara>
+                </a14:m>
+                <a:endParaRPr kumimoji="1" lang="en-US" altLang="ja-JP" b="0" dirty="0">
+                  <a:latin typeface="Times Newer Roman" panose="00000500000000000000" pitchFamily="50" charset="0"/>
+                </a:endParaRPr>
+              </a:p>
+              <a:p>
+                <a:pPr/>
+                <a14:m>
+                  <m:oMathPara xmlns:m="http://schemas.openxmlformats.org/officeDocument/2006/math">
+                    <m:oMathParaPr>
+                      <m:jc m:val="centerGroup"/>
+                    </m:oMathParaPr>
+                    <m:oMath xmlns:m="http://schemas.openxmlformats.org/officeDocument/2006/math">
+                      <m:r>
+                        <a:rPr kumimoji="1" lang="en-US" altLang="ja-JP" b="0" i="1" smtClean="0">
+                          <a:latin typeface="Cambria Math" panose="02040503050406030204" pitchFamily="18" charset="0"/>
+                        </a:rPr>
+                        <m:t>=</m:t>
+                      </m:r>
+                      <m:r>
+                        <a:rPr kumimoji="1" lang="en-US" altLang="ja-JP" b="0" i="1" smtClean="0">
+                          <a:latin typeface="Cambria Math" panose="02040503050406030204" pitchFamily="18" charset="0"/>
+                        </a:rPr>
+                        <m:t>𝑗</m:t>
+                      </m:r>
+                      <m:d>
+                        <m:dPr>
+                          <m:begChr m:val=""/>
+                          <m:endChr m:val="}"/>
+                          <m:ctrlPr>
+                            <a:rPr kumimoji="1" lang="en-US" altLang="ja-JP" b="0" i="1" smtClean="0">
+                              <a:latin typeface="Cambria Math" panose="02040503050406030204" pitchFamily="18" charset="0"/>
+                            </a:rPr>
+                          </m:ctrlPr>
+                        </m:dPr>
+                        <m:e>
+                          <m:d>
+                            <m:dPr>
+                              <m:begChr m:val="{"/>
+                              <m:endChr m:val=""/>
+                              <m:ctrlPr>
+                                <a:rPr kumimoji="1" lang="en-US" altLang="ja-JP" b="0" i="1" smtClean="0">
+                                  <a:latin typeface="Cambria Math" panose="02040503050406030204" pitchFamily="18" charset="0"/>
+                                </a:rPr>
+                              </m:ctrlPr>
+                            </m:dPr>
+                            <m:e>
+                              <m:sSubSup>
+                                <m:sSubSupPr>
+                                  <m:ctrlPr>
+                                    <a:rPr lang="en-US" altLang="ja-JP" b="0" i="1" smtClean="0">
+                                      <a:latin typeface="Cambria Math" panose="02040503050406030204" pitchFamily="18" charset="0"/>
+                                    </a:rPr>
+                                  </m:ctrlPr>
+                                </m:sSubSupPr>
+                                <m:e>
+                                  <m:r>
+                                    <a:rPr lang="en-US" altLang="ja-JP" i="1">
+                                      <a:latin typeface="Cambria Math" panose="02040503050406030204" pitchFamily="18" charset="0"/>
+                                    </a:rPr>
+                                    <m:t>𝐶</m:t>
+                                  </m:r>
+                                </m:e>
+                                <m:sub>
+                                  <m:r>
+                                    <a:rPr lang="en-US" altLang="ja-JP" i="1">
+                                      <a:latin typeface="Cambria Math" panose="02040503050406030204" pitchFamily="18" charset="0"/>
+                                    </a:rPr>
+                                    <m:t>1</m:t>
+                                  </m:r>
+                                </m:sub>
+                                <m:sup>
+                                  <m:r>
+                                    <a:rPr lang="en-US" altLang="ja-JP" b="0" i="1" smtClean="0">
+                                      <a:latin typeface="Cambria Math" panose="02040503050406030204" pitchFamily="18" charset="0"/>
+                                    </a:rPr>
+                                    <m:t>2</m:t>
+                                  </m:r>
+                                </m:sup>
+                              </m:sSubSup>
+                              <m:sSub>
+                                <m:sSubPr>
+                                  <m:ctrlPr>
+                                    <a:rPr lang="en-US" altLang="ja-JP" i="1">
+                                      <a:latin typeface="Cambria Math" panose="02040503050406030204" pitchFamily="18" charset="0"/>
+                                    </a:rPr>
+                                  </m:ctrlPr>
+                                </m:sSubPr>
+                                <m:e>
+                                  <m:r>
+                                    <a:rPr lang="en-US" altLang="ja-JP" i="1">
+                                      <a:latin typeface="Cambria Math" panose="02040503050406030204" pitchFamily="18" charset="0"/>
+                                    </a:rPr>
+                                    <m:t>𝐶</m:t>
+                                  </m:r>
+                                </m:e>
+                                <m:sub>
+                                  <m:r>
+                                    <a:rPr lang="en-US" altLang="ja-JP" i="1">
+                                      <a:latin typeface="Cambria Math" panose="02040503050406030204" pitchFamily="18" charset="0"/>
+                                    </a:rPr>
+                                    <m:t>2</m:t>
+                                  </m:r>
+                                </m:sub>
+                              </m:sSub>
+                              <m:d>
+                                <m:dPr>
+                                  <m:ctrlPr>
+                                    <a:rPr lang="en-US" altLang="ja-JP" i="1">
+                                      <a:latin typeface="Cambria Math" panose="02040503050406030204" pitchFamily="18" charset="0"/>
+                                    </a:rPr>
+                                  </m:ctrlPr>
+                                </m:dPr>
+                                <m:e>
+                                  <m:sSub>
+                                    <m:sSubPr>
+                                      <m:ctrlPr>
+                                        <a:rPr lang="en-US" altLang="ja-JP" i="1">
+                                          <a:latin typeface="Cambria Math" panose="02040503050406030204" pitchFamily="18" charset="0"/>
+                                        </a:rPr>
+                                      </m:ctrlPr>
+                                    </m:sSubPr>
+                                    <m:e>
+                                      <m:r>
+                                        <a:rPr lang="en-US" altLang="ja-JP" i="1">
+                                          <a:latin typeface="Cambria Math" panose="02040503050406030204" pitchFamily="18" charset="0"/>
+                                        </a:rPr>
+                                        <m:t>𝐺</m:t>
+                                      </m:r>
+                                    </m:e>
+                                    <m:sub>
+                                      <m:r>
+                                        <a:rPr lang="en-US" altLang="ja-JP" i="1">
+                                          <a:latin typeface="Cambria Math" panose="02040503050406030204" pitchFamily="18" charset="0"/>
+                                        </a:rPr>
+                                        <m:t>𝑐</m:t>
+                                      </m:r>
+                                      <m:r>
+                                        <a:rPr lang="en-US" altLang="ja-JP" i="1">
+                                          <a:latin typeface="Cambria Math" panose="02040503050406030204" pitchFamily="18" charset="0"/>
+                                        </a:rPr>
+                                        <m:t>2</m:t>
+                                      </m:r>
+                                    </m:sub>
+                                  </m:sSub>
+                                  <m:r>
+                                    <a:rPr lang="en-US" altLang="ja-JP" i="1">
+                                      <a:latin typeface="Cambria Math" panose="02040503050406030204" pitchFamily="18" charset="0"/>
+                                    </a:rPr>
+                                    <m:t>+</m:t>
+                                  </m:r>
+                                  <m:sSub>
+                                    <m:sSubPr>
+                                      <m:ctrlPr>
+                                        <a:rPr lang="en-US" altLang="ja-JP" i="1">
+                                          <a:latin typeface="Cambria Math" panose="02040503050406030204" pitchFamily="18" charset="0"/>
+                                        </a:rPr>
+                                      </m:ctrlPr>
+                                    </m:sSubPr>
+                                    <m:e>
+                                      <m:r>
+                                        <a:rPr lang="en-US" altLang="ja-JP" i="1">
+                                          <a:latin typeface="Cambria Math" panose="02040503050406030204" pitchFamily="18" charset="0"/>
+                                        </a:rPr>
+                                        <m:t>𝑔</m:t>
+                                      </m:r>
+                                    </m:e>
+                                    <m:sub>
+                                      <m:r>
+                                        <a:rPr lang="en-US" altLang="ja-JP" i="1">
+                                          <a:latin typeface="Cambria Math" panose="02040503050406030204" pitchFamily="18" charset="0"/>
+                                        </a:rPr>
+                                        <m:t>𝑐𝑒</m:t>
+                                      </m:r>
+                                      <m:r>
+                                        <a:rPr lang="en-US" altLang="ja-JP" i="1">
+                                          <a:latin typeface="Cambria Math" panose="02040503050406030204" pitchFamily="18" charset="0"/>
+                                        </a:rPr>
+                                        <m:t>2</m:t>
+                                      </m:r>
+                                    </m:sub>
+                                  </m:sSub>
+                                </m:e>
+                              </m:d>
+                              <m:r>
+                                <a:rPr lang="en-US" altLang="ja-JP" i="1">
+                                  <a:latin typeface="Cambria Math" panose="02040503050406030204" pitchFamily="18" charset="0"/>
+                                </a:rPr>
+                                <m:t>+</m:t>
+                              </m:r>
+                              <m:sSub>
+                                <m:sSubPr>
+                                  <m:ctrlPr>
+                                    <a:rPr lang="en-US" altLang="ja-JP" i="1">
+                                      <a:latin typeface="Cambria Math" panose="02040503050406030204" pitchFamily="18" charset="0"/>
+                                    </a:rPr>
+                                  </m:ctrlPr>
+                                </m:sSubPr>
+                                <m:e>
+                                  <m:r>
+                                    <a:rPr lang="en-US" altLang="ja-JP" i="1">
+                                      <a:latin typeface="Cambria Math" panose="02040503050406030204" pitchFamily="18" charset="0"/>
+                                    </a:rPr>
+                                    <m:t>𝐶</m:t>
+                                  </m:r>
+                                </m:e>
+                                <m:sub>
+                                  <m:r>
+                                    <a:rPr lang="en-US" altLang="ja-JP" i="1">
+                                      <a:latin typeface="Cambria Math" panose="02040503050406030204" pitchFamily="18" charset="0"/>
+                                    </a:rPr>
+                                    <m:t>1</m:t>
+                                  </m:r>
+                                </m:sub>
+                              </m:sSub>
+                              <m:sSub>
+                                <m:sSubPr>
+                                  <m:ctrlPr>
+                                    <a:rPr lang="en-US" altLang="ja-JP" i="1">
+                                      <a:latin typeface="Cambria Math" panose="02040503050406030204" pitchFamily="18" charset="0"/>
+                                    </a:rPr>
+                                  </m:ctrlPr>
+                                </m:sSubPr>
+                                <m:e>
+                                  <m:r>
+                                    <a:rPr lang="en-US" altLang="ja-JP" i="1">
+                                      <a:latin typeface="Cambria Math" panose="02040503050406030204" pitchFamily="18" charset="0"/>
+                                    </a:rPr>
+                                    <m:t>𝐶</m:t>
+                                  </m:r>
+                                </m:e>
+                                <m:sub>
+                                  <m:r>
+                                    <a:rPr lang="en-US" altLang="ja-JP" i="1">
+                                      <a:latin typeface="Cambria Math" panose="02040503050406030204" pitchFamily="18" charset="0"/>
+                                    </a:rPr>
+                                    <m:t>𝑗𝑐</m:t>
+                                  </m:r>
+                                  <m:r>
+                                    <a:rPr lang="en-US" altLang="ja-JP" i="1">
+                                      <a:latin typeface="Cambria Math" panose="02040503050406030204" pitchFamily="18" charset="0"/>
+                                    </a:rPr>
+                                    <m:t>2</m:t>
+                                  </m:r>
+                                </m:sub>
+                              </m:sSub>
+                              <m:d>
+                                <m:dPr>
+                                  <m:ctrlPr>
+                                    <a:rPr lang="en-US" altLang="ja-JP" i="1">
+                                      <a:latin typeface="Cambria Math" panose="02040503050406030204" pitchFamily="18" charset="0"/>
+                                    </a:rPr>
+                                  </m:ctrlPr>
+                                </m:dPr>
+                                <m:e>
+                                  <m:sSub>
+                                    <m:sSubPr>
+                                      <m:ctrlPr>
+                                        <a:rPr lang="en-US" altLang="ja-JP" i="1">
+                                          <a:latin typeface="Cambria Math" panose="02040503050406030204" pitchFamily="18" charset="0"/>
+                                        </a:rPr>
+                                      </m:ctrlPr>
+                                    </m:sSubPr>
+                                    <m:e>
+                                      <m:r>
+                                        <a:rPr lang="en-US" altLang="ja-JP" i="1">
+                                          <a:latin typeface="Cambria Math" panose="02040503050406030204" pitchFamily="18" charset="0"/>
+                                        </a:rPr>
+                                        <m:t>𝐶</m:t>
+                                      </m:r>
+                                    </m:e>
+                                    <m:sub>
+                                      <m:r>
+                                        <a:rPr lang="en-US" altLang="ja-JP" i="1">
+                                          <a:latin typeface="Cambria Math" panose="02040503050406030204" pitchFamily="18" charset="0"/>
+                                        </a:rPr>
+                                        <m:t>1</m:t>
+                                      </m:r>
+                                    </m:sub>
+                                  </m:sSub>
+                                  <m:sSub>
+                                    <m:sSubPr>
+                                      <m:ctrlPr>
+                                        <a:rPr lang="en-US" altLang="ja-JP" i="1">
+                                          <a:latin typeface="Cambria Math" panose="02040503050406030204" pitchFamily="18" charset="0"/>
+                                        </a:rPr>
+                                      </m:ctrlPr>
+                                    </m:sSubPr>
+                                    <m:e>
+                                      <m:r>
+                                        <a:rPr lang="en-US" altLang="ja-JP" i="1">
+                                          <a:latin typeface="Cambria Math" panose="02040503050406030204" pitchFamily="18" charset="0"/>
+                                        </a:rPr>
+                                        <m:t>𝐺</m:t>
+                                      </m:r>
+                                    </m:e>
+                                    <m:sub>
+                                      <m:r>
+                                        <a:rPr lang="en-US" altLang="ja-JP" i="1">
+                                          <a:latin typeface="Cambria Math" panose="02040503050406030204" pitchFamily="18" charset="0"/>
+                                        </a:rPr>
+                                        <m:t>2</m:t>
+                                      </m:r>
+                                    </m:sub>
+                                  </m:sSub>
+                                  <m:r>
+                                    <a:rPr lang="en-US" altLang="ja-JP" i="1">
+                                      <a:latin typeface="Cambria Math" panose="02040503050406030204" pitchFamily="18" charset="0"/>
+                                    </a:rPr>
+                                    <m:t>+</m:t>
+                                  </m:r>
+                                  <m:sSub>
+                                    <m:sSubPr>
+                                      <m:ctrlPr>
+                                        <a:rPr lang="en-US" altLang="ja-JP" i="1">
+                                          <a:latin typeface="Cambria Math" panose="02040503050406030204" pitchFamily="18" charset="0"/>
+                                        </a:rPr>
+                                      </m:ctrlPr>
+                                    </m:sSubPr>
+                                    <m:e>
+                                      <m:r>
+                                        <a:rPr lang="en-US" altLang="ja-JP" i="1">
+                                          <a:latin typeface="Cambria Math" panose="02040503050406030204" pitchFamily="18" charset="0"/>
+                                        </a:rPr>
+                                        <m:t>𝐶</m:t>
+                                      </m:r>
+                                    </m:e>
+                                    <m:sub>
+                                      <m:r>
+                                        <a:rPr lang="en-US" altLang="ja-JP" i="1">
+                                          <a:latin typeface="Cambria Math" panose="02040503050406030204" pitchFamily="18" charset="0"/>
+                                        </a:rPr>
+                                        <m:t>2</m:t>
+                                      </m:r>
+                                    </m:sub>
+                                  </m:sSub>
+                                  <m:sSub>
+                                    <m:sSubPr>
+                                      <m:ctrlPr>
+                                        <a:rPr lang="en-US" altLang="ja-JP" i="1">
+                                          <a:latin typeface="Cambria Math" panose="02040503050406030204" pitchFamily="18" charset="0"/>
+                                        </a:rPr>
+                                      </m:ctrlPr>
+                                    </m:sSubPr>
+                                    <m:e>
+                                      <m:r>
+                                        <a:rPr lang="en-US" altLang="ja-JP" i="1">
+                                          <a:latin typeface="Cambria Math" panose="02040503050406030204" pitchFamily="18" charset="0"/>
+                                        </a:rPr>
+                                        <m:t>𝑔</m:t>
+                                      </m:r>
+                                    </m:e>
+                                    <m:sub>
+                                      <m:r>
+                                        <a:rPr lang="en-US" altLang="ja-JP" i="1">
+                                          <a:latin typeface="Cambria Math" panose="02040503050406030204" pitchFamily="18" charset="0"/>
+                                        </a:rPr>
+                                        <m:t>𝑐𝑒</m:t>
+                                      </m:r>
+                                      <m:r>
+                                        <a:rPr lang="en-US" altLang="ja-JP" i="1">
+                                          <a:latin typeface="Cambria Math" panose="02040503050406030204" pitchFamily="18" charset="0"/>
+                                        </a:rPr>
+                                        <m:t>1</m:t>
+                                      </m:r>
+                                    </m:sub>
+                                  </m:sSub>
+                                  <m:r>
+                                    <a:rPr lang="en-US" altLang="ja-JP" b="0" i="1" smtClean="0">
+                                      <a:latin typeface="Cambria Math" panose="02040503050406030204" pitchFamily="18" charset="0"/>
+                                    </a:rPr>
+                                    <m:t>+</m:t>
+                                  </m:r>
+                                  <m:sSub>
+                                    <m:sSubPr>
+                                      <m:ctrlPr>
+                                        <a:rPr lang="en-US" altLang="ja-JP" i="1">
+                                          <a:latin typeface="Cambria Math" panose="02040503050406030204" pitchFamily="18" charset="0"/>
+                                        </a:rPr>
+                                      </m:ctrlPr>
+                                    </m:sSubPr>
+                                    <m:e>
+                                      <m:r>
+                                        <a:rPr lang="en-US" altLang="ja-JP" i="1">
+                                          <a:latin typeface="Cambria Math" panose="02040503050406030204" pitchFamily="18" charset="0"/>
+                                        </a:rPr>
+                                        <m:t>𝑔</m:t>
+                                      </m:r>
+                                    </m:e>
+                                    <m:sub>
+                                      <m:r>
+                                        <a:rPr lang="en-US" altLang="ja-JP" i="1">
+                                          <a:latin typeface="Cambria Math" panose="02040503050406030204" pitchFamily="18" charset="0"/>
+                                        </a:rPr>
+                                        <m:t>𝑚</m:t>
+                                      </m:r>
+                                      <m:r>
+                                        <a:rPr lang="en-US" altLang="ja-JP" i="1">
+                                          <a:latin typeface="Cambria Math" panose="02040503050406030204" pitchFamily="18" charset="0"/>
+                                        </a:rPr>
+                                        <m:t>2</m:t>
+                                      </m:r>
+                                    </m:sub>
+                                  </m:sSub>
+                                  <m:sSub>
+                                    <m:sSubPr>
+                                      <m:ctrlPr>
+                                        <a:rPr lang="en-US" altLang="ja-JP" i="1">
+                                          <a:latin typeface="Cambria Math" panose="02040503050406030204" pitchFamily="18" charset="0"/>
+                                        </a:rPr>
+                                      </m:ctrlPr>
+                                    </m:sSubPr>
+                                    <m:e>
+                                      <m:r>
+                                        <a:rPr lang="en-US" altLang="ja-JP" i="1">
+                                          <a:latin typeface="Cambria Math" panose="02040503050406030204" pitchFamily="18" charset="0"/>
+                                        </a:rPr>
+                                        <m:t>𝐶</m:t>
+                                      </m:r>
+                                    </m:e>
+                                    <m:sub>
+                                      <m:r>
+                                        <a:rPr lang="en-US" altLang="ja-JP" i="1">
+                                          <a:latin typeface="Cambria Math" panose="02040503050406030204" pitchFamily="18" charset="0"/>
+                                        </a:rPr>
+                                        <m:t>1</m:t>
+                                      </m:r>
+                                    </m:sub>
+                                  </m:sSub>
+                                  <m:r>
+                                    <a:rPr lang="en-US" altLang="ja-JP" i="1">
+                                      <a:latin typeface="Cambria Math" panose="02040503050406030204" pitchFamily="18" charset="0"/>
+                                    </a:rPr>
+                                    <m:t>−</m:t>
+                                  </m:r>
+                                  <m:sSub>
+                                    <m:sSubPr>
+                                      <m:ctrlPr>
+                                        <a:rPr lang="en-US" altLang="ja-JP" i="1">
+                                          <a:latin typeface="Cambria Math" panose="02040503050406030204" pitchFamily="18" charset="0"/>
+                                        </a:rPr>
+                                      </m:ctrlPr>
+                                    </m:sSubPr>
+                                    <m:e>
+                                      <m:r>
+                                        <a:rPr lang="en-US" altLang="ja-JP" i="1">
+                                          <a:latin typeface="Cambria Math" panose="02040503050406030204" pitchFamily="18" charset="0"/>
+                                        </a:rPr>
+                                        <m:t>𝐺</m:t>
+                                      </m:r>
+                                    </m:e>
+                                    <m:sub>
+                                      <m:r>
+                                        <a:rPr lang="en-US" altLang="ja-JP" i="1">
+                                          <a:latin typeface="Cambria Math" panose="02040503050406030204" pitchFamily="18" charset="0"/>
+                                        </a:rPr>
+                                        <m:t>1</m:t>
+                                      </m:r>
+                                    </m:sub>
+                                  </m:sSub>
+                                  <m:sSub>
+                                    <m:sSubPr>
+                                      <m:ctrlPr>
+                                        <a:rPr lang="en-US" altLang="ja-JP" i="1">
+                                          <a:latin typeface="Cambria Math" panose="02040503050406030204" pitchFamily="18" charset="0"/>
+                                        </a:rPr>
+                                      </m:ctrlPr>
+                                    </m:sSubPr>
+                                    <m:e>
+                                      <m:r>
+                                        <a:rPr lang="en-US" altLang="ja-JP" i="1">
+                                          <a:latin typeface="Cambria Math" panose="02040503050406030204" pitchFamily="18" charset="0"/>
+                                        </a:rPr>
+                                        <m:t>𝐶</m:t>
+                                      </m:r>
+                                    </m:e>
+                                    <m:sub>
+                                      <m:r>
+                                        <a:rPr lang="en-US" altLang="ja-JP" i="1">
+                                          <a:latin typeface="Cambria Math" panose="02040503050406030204" pitchFamily="18" charset="0"/>
+                                        </a:rPr>
+                                        <m:t>𝑗𝑐</m:t>
+                                      </m:r>
+                                      <m:r>
+                                        <a:rPr lang="en-US" altLang="ja-JP" i="1">
+                                          <a:latin typeface="Cambria Math" panose="02040503050406030204" pitchFamily="18" charset="0"/>
+                                        </a:rPr>
+                                        <m:t>2</m:t>
+                                      </m:r>
+                                    </m:sub>
+                                  </m:sSub>
+                                </m:e>
+                              </m:d>
+                            </m:e>
+                          </m:d>
+                          <m:r>
+                            <a:rPr lang="en-US" altLang="ja-JP" b="0" i="1" smtClean="0">
+                              <a:latin typeface="Cambria Math" panose="02040503050406030204" pitchFamily="18" charset="0"/>
+                            </a:rPr>
+                            <m:t>−</m:t>
+                          </m:r>
+                          <m:sSub>
+                            <m:sSubPr>
+                              <m:ctrlPr>
+                                <a:rPr lang="en-US" altLang="ja-JP" i="1">
+                                  <a:latin typeface="Cambria Math" panose="02040503050406030204" pitchFamily="18" charset="0"/>
+                                </a:rPr>
+                              </m:ctrlPr>
+                            </m:sSubPr>
+                            <m:e>
+                              <m:r>
+                                <a:rPr lang="en-US" altLang="ja-JP" i="1">
+                                  <a:latin typeface="Cambria Math" panose="02040503050406030204" pitchFamily="18" charset="0"/>
+                                </a:rPr>
+                                <m:t>𝐺</m:t>
+                              </m:r>
+                            </m:e>
+                            <m:sub>
+                              <m:r>
+                                <a:rPr lang="en-US" altLang="ja-JP" i="1">
+                                  <a:latin typeface="Cambria Math" panose="02040503050406030204" pitchFamily="18" charset="0"/>
+                                </a:rPr>
+                                <m:t>1</m:t>
+                              </m:r>
+                            </m:sub>
+                          </m:sSub>
+                          <m:sSub>
+                            <m:sSubPr>
+                              <m:ctrlPr>
+                                <a:rPr lang="en-US" altLang="ja-JP" i="1">
+                                  <a:latin typeface="Cambria Math" panose="02040503050406030204" pitchFamily="18" charset="0"/>
+                                </a:rPr>
+                              </m:ctrlPr>
+                            </m:sSubPr>
+                            <m:e>
+                              <m:r>
+                                <a:rPr lang="en-US" altLang="ja-JP" i="1">
+                                  <a:latin typeface="Cambria Math" panose="02040503050406030204" pitchFamily="18" charset="0"/>
+                                </a:rPr>
+                                <m:t>𝐶</m:t>
+                              </m:r>
+                            </m:e>
+                            <m:sub>
+                              <m:r>
+                                <a:rPr lang="en-US" altLang="ja-JP" i="1">
+                                  <a:latin typeface="Cambria Math" panose="02040503050406030204" pitchFamily="18" charset="0"/>
+                                </a:rPr>
+                                <m:t>𝑗𝑐</m:t>
+                              </m:r>
+                              <m:r>
+                                <a:rPr lang="en-US" altLang="ja-JP" i="1">
+                                  <a:latin typeface="Cambria Math" panose="02040503050406030204" pitchFamily="18" charset="0"/>
+                                </a:rPr>
+                                <m:t>2</m:t>
+                              </m:r>
+                            </m:sub>
+                          </m:sSub>
+                          <m:d>
+                            <m:dPr>
+                              <m:ctrlPr>
+                                <a:rPr lang="en-US" altLang="ja-JP" i="1">
+                                  <a:latin typeface="Cambria Math" panose="02040503050406030204" pitchFamily="18" charset="0"/>
+                                </a:rPr>
+                              </m:ctrlPr>
+                            </m:dPr>
+                            <m:e>
+                              <m:sSub>
+                                <m:sSubPr>
+                                  <m:ctrlPr>
+                                    <a:rPr lang="en-US" altLang="ja-JP" i="1">
+                                      <a:latin typeface="Cambria Math" panose="02040503050406030204" pitchFamily="18" charset="0"/>
+                                    </a:rPr>
+                                  </m:ctrlPr>
+                                </m:sSubPr>
+                                <m:e>
+                                  <m:r>
+                                    <a:rPr lang="en-US" altLang="ja-JP" i="1">
+                                      <a:latin typeface="Cambria Math" panose="02040503050406030204" pitchFamily="18" charset="0"/>
+                                    </a:rPr>
+                                    <m:t>𝐶</m:t>
+                                  </m:r>
+                                </m:e>
+                                <m:sub>
+                                  <m:r>
+                                    <a:rPr lang="en-US" altLang="ja-JP" i="1">
+                                      <a:latin typeface="Cambria Math" panose="02040503050406030204" pitchFamily="18" charset="0"/>
+                                    </a:rPr>
+                                    <m:t>𝑗𝑐</m:t>
+                                  </m:r>
+                                  <m:r>
+                                    <a:rPr lang="en-US" altLang="ja-JP" i="1">
+                                      <a:latin typeface="Cambria Math" panose="02040503050406030204" pitchFamily="18" charset="0"/>
+                                    </a:rPr>
+                                    <m:t>1</m:t>
+                                  </m:r>
+                                </m:sub>
+                              </m:sSub>
+                              <m:r>
+                                <a:rPr lang="en-US" altLang="ja-JP" i="1">
+                                  <a:latin typeface="Cambria Math" panose="02040503050406030204" pitchFamily="18" charset="0"/>
+                                </a:rPr>
+                                <m:t>+</m:t>
+                              </m:r>
+                              <m:sSub>
+                                <m:sSubPr>
+                                  <m:ctrlPr>
+                                    <a:rPr lang="en-US" altLang="ja-JP" i="1">
+                                      <a:latin typeface="Cambria Math" panose="02040503050406030204" pitchFamily="18" charset="0"/>
+                                    </a:rPr>
+                                  </m:ctrlPr>
+                                </m:sSubPr>
+                                <m:e>
+                                  <m:r>
+                                    <a:rPr lang="en-US" altLang="ja-JP" i="1">
+                                      <a:latin typeface="Cambria Math" panose="02040503050406030204" pitchFamily="18" charset="0"/>
+                                    </a:rPr>
+                                    <m:t>𝐶</m:t>
+                                  </m:r>
+                                </m:e>
+                                <m:sub>
+                                  <m:r>
+                                    <a:rPr lang="en-US" altLang="ja-JP" i="1">
+                                      <a:latin typeface="Cambria Math" panose="02040503050406030204" pitchFamily="18" charset="0"/>
+                                    </a:rPr>
+                                    <m:t>𝑗𝑒</m:t>
+                                  </m:r>
+                                  <m:r>
+                                    <a:rPr lang="en-US" altLang="ja-JP" i="1">
+                                      <a:latin typeface="Cambria Math" panose="02040503050406030204" pitchFamily="18" charset="0"/>
+                                    </a:rPr>
+                                    <m:t>2</m:t>
+                                  </m:r>
+                                </m:sub>
+                              </m:sSub>
+                            </m:e>
+                          </m:d>
+                        </m:e>
+                      </m:d>
+                    </m:oMath>
+                  </m:oMathPara>
+                </a14:m>
+                <a:endParaRPr kumimoji="1" lang="en-US" altLang="ja-JP" b="0" dirty="0">
+                  <a:latin typeface="Times Newer Roman" panose="00000500000000000000" pitchFamily="50" charset="0"/>
+                </a:endParaRPr>
+              </a:p>
+              <a:p>
+                <a:pPr/>
+                <a:endParaRPr lang="en-US" altLang="ja-JP" dirty="0">
+                  <a:latin typeface="Times Newer Roman" panose="00000500000000000000" pitchFamily="50" charset="0"/>
+                </a:endParaRPr>
+              </a:p>
+              <a:p>
+                <a:pPr/>
+                <a:r>
+                  <a:rPr lang="ja-JP" altLang="en-US" dirty="0">
+                    <a:latin typeface="Times Newer Roman" panose="00000500000000000000" pitchFamily="50" charset="0"/>
+                  </a:rPr>
+                  <a:t>上の</a:t>
+                </a:r>
+                <a14:m>
+                  <m:oMath xmlns:m="http://schemas.openxmlformats.org/officeDocument/2006/math">
+                    <m:sSub>
+                      <m:sSubPr>
+                        <m:ctrlPr>
+                          <a:rPr lang="en-US" altLang="ja-JP" b="0" i="1" smtClean="0">
+                            <a:latin typeface="Cambria Math" panose="02040503050406030204" pitchFamily="18" charset="0"/>
+                          </a:rPr>
+                        </m:ctrlPr>
+                      </m:sSubPr>
+                      <m:e>
+                        <m:r>
+                          <a:rPr lang="en-US" altLang="ja-JP" b="0" i="1" smtClean="0">
+                            <a:latin typeface="Cambria Math" panose="02040503050406030204" pitchFamily="18" charset="0"/>
+                          </a:rPr>
+                          <m:t>𝐶</m:t>
+                        </m:r>
+                      </m:e>
+                      <m:sub>
+                        <m:r>
+                          <a:rPr lang="en-US" altLang="ja-JP" b="0" i="1" smtClean="0">
+                            <a:latin typeface="Cambria Math" panose="02040503050406030204" pitchFamily="18" charset="0"/>
+                          </a:rPr>
+                          <m:t>24</m:t>
+                        </m:r>
+                      </m:sub>
+                    </m:sSub>
+                    <m:r>
+                      <a:rPr lang="en-US" altLang="ja-JP" b="0" i="1" smtClean="0">
+                        <a:latin typeface="Cambria Math" panose="02040503050406030204" pitchFamily="18" charset="0"/>
+                      </a:rPr>
+                      <m:t>,</m:t>
+                    </m:r>
+                    <m:sSub>
+                      <m:sSubPr>
+                        <m:ctrlPr>
+                          <a:rPr lang="en-US" altLang="ja-JP" b="0" i="1" smtClean="0">
+                            <a:latin typeface="Cambria Math" panose="02040503050406030204" pitchFamily="18" charset="0"/>
+                          </a:rPr>
+                        </m:ctrlPr>
+                      </m:sSubPr>
+                      <m:e>
+                        <m:r>
+                          <a:rPr lang="en-US" altLang="ja-JP" b="0" i="1" smtClean="0">
+                            <a:latin typeface="Cambria Math" panose="02040503050406030204" pitchFamily="18" charset="0"/>
+                          </a:rPr>
+                          <m:t>𝐶</m:t>
+                        </m:r>
+                      </m:e>
+                      <m:sub>
+                        <m:r>
+                          <a:rPr lang="en-US" altLang="ja-JP" b="0" i="1" smtClean="0">
+                            <a:latin typeface="Cambria Math" panose="02040503050406030204" pitchFamily="18" charset="0"/>
+                          </a:rPr>
+                          <m:t>23</m:t>
+                        </m:r>
+                      </m:sub>
+                    </m:sSub>
+                  </m:oMath>
+                </a14:m>
+                <a:r>
+                  <a:rPr kumimoji="1" lang="ja-JP" altLang="en-US" b="0" dirty="0">
+                    <a:latin typeface="Times Newer Roman" panose="00000500000000000000" pitchFamily="50" charset="0"/>
+                  </a:rPr>
+                  <a:t>は分母にある、周波数による影響</a:t>
+                </a:r>
+                <a:r>
+                  <a:rPr lang="ja-JP" altLang="en-US" dirty="0">
+                    <a:latin typeface="Times Newer Roman" panose="00000500000000000000" pitchFamily="50" charset="0"/>
+                  </a:rPr>
+                  <a:t>が</a:t>
+                </a:r>
+                <a:r>
+                  <a:rPr kumimoji="1" lang="ja-JP" altLang="en-US" b="0" dirty="0">
+                    <a:latin typeface="Times Newer Roman" panose="00000500000000000000" pitchFamily="50" charset="0"/>
+                  </a:rPr>
+                  <a:t>大きいと思われる項である。</a:t>
+                </a:r>
+                <a:endParaRPr kumimoji="1" lang="en-US" altLang="ja-JP" b="0" dirty="0">
+                  <a:latin typeface="Times Newer Roman" panose="00000500000000000000" pitchFamily="50" charset="0"/>
+                </a:endParaRPr>
+              </a:p>
+              <a:p>
+                <a:pPr/>
+                <a14:m>
+                  <m:oMath xmlns:m="http://schemas.openxmlformats.org/officeDocument/2006/math">
+                    <m:sSub>
+                      <m:sSubPr>
+                        <m:ctrlPr>
+                          <a:rPr kumimoji="1" lang="en-US" altLang="ja-JP" b="0" i="1" smtClean="0">
+                            <a:latin typeface="Cambria Math" panose="02040503050406030204" pitchFamily="18" charset="0"/>
+                          </a:rPr>
+                        </m:ctrlPr>
+                      </m:sSubPr>
+                      <m:e>
+                        <m:r>
+                          <a:rPr kumimoji="1" lang="en-US" altLang="ja-JP" b="0" i="1" smtClean="0">
+                            <a:latin typeface="Cambria Math" panose="02040503050406030204" pitchFamily="18" charset="0"/>
+                          </a:rPr>
+                          <m:t>𝐶</m:t>
+                        </m:r>
+                      </m:e>
+                      <m:sub>
+                        <m:r>
+                          <a:rPr kumimoji="1" lang="en-US" altLang="ja-JP" b="0" i="1" smtClean="0">
+                            <a:latin typeface="Cambria Math" panose="02040503050406030204" pitchFamily="18" charset="0"/>
+                          </a:rPr>
+                          <m:t>24</m:t>
+                        </m:r>
+                      </m:sub>
+                    </m:sSub>
+                  </m:oMath>
+                </a14:m>
+                <a:r>
+                  <a:rPr kumimoji="1" lang="ja-JP" altLang="en-US" b="0" dirty="0">
+                    <a:latin typeface="Times Newer Roman" panose="00000500000000000000" pitchFamily="50" charset="0"/>
+                  </a:rPr>
+                  <a:t>はすべて容量であり、設計できる値ではない。現状の設計におけるパラメータは以下の通り。</a:t>
+                </a:r>
+                <a:endParaRPr kumimoji="1" lang="en-US" altLang="ja-JP" b="0" dirty="0">
                   <a:latin typeface="Times Newer Roman" panose="00000500000000000000" pitchFamily="50" charset="0"/>
                 </a:endParaRPr>
               </a:p>
@@ -18453,7 +20137,7 @@
             <p:spPr>
               <a:xfrm>
                 <a:off x="838200" y="1767840"/>
-                <a:ext cx="10515600" cy="1428468"/>
+                <a:ext cx="10515600" cy="2939651"/>
               </a:xfrm>
               <a:prstGeom prst="rect">
                 <a:avLst/>
@@ -18461,7 +20145,3113 @@
               <a:blipFill>
                 <a:blip r:embed="rId2"/>
                 <a:stretch>
-                  <a:fillRect l="-522"/>
+                  <a:fillRect l="-522" b="-2905"/>
+                </a:stretch>
+              </a:blipFill>
+            </p:spPr>
+            <p:txBody>
+              <a:bodyPr/>
+              <a:lstStyle/>
+              <a:p>
+                <a:r>
+                  <a:rPr lang="ja-JP" altLang="en-US">
+                    <a:noFill/>
+                  </a:rPr>
+                  <a:t> </a:t>
+                </a:r>
+              </a:p>
+            </p:txBody>
+          </p:sp>
+        </mc:Fallback>
+      </mc:AlternateContent>
+      <p:pic>
+        <p:nvPicPr>
+          <p:cNvPr id="7" name="図 6">
+            <a:extLst>
+              <a:ext uri="{FF2B5EF4-FFF2-40B4-BE49-F238E27FC236}">
+                <a16:creationId xmlns:a16="http://schemas.microsoft.com/office/drawing/2014/main" id="{123AFCC5-4A8D-0ACF-2F25-D98ABFE2A4AB}"/>
+              </a:ext>
+            </a:extLst>
+          </p:cNvPr>
+          <p:cNvPicPr>
+            <a:picLocks noChangeAspect="1"/>
+          </p:cNvPicPr>
+          <p:nvPr/>
+        </p:nvPicPr>
+        <p:blipFill>
+          <a:blip r:embed="rId3"/>
+          <a:stretch>
+            <a:fillRect/>
+          </a:stretch>
+        </p:blipFill>
+        <p:spPr>
+          <a:xfrm>
+            <a:off x="2509436" y="4742960"/>
+            <a:ext cx="7173128" cy="1670277"/>
+          </a:xfrm>
+          <a:prstGeom prst="rect">
+            <a:avLst/>
+          </a:prstGeom>
+        </p:spPr>
+      </p:pic>
+    </p:spTree>
+    <p:extLst>
+      <p:ext uri="{BB962C8B-B14F-4D97-AF65-F5344CB8AC3E}">
+        <p14:creationId xmlns:p14="http://schemas.microsoft.com/office/powerpoint/2010/main" val="901916825"/>
+      </p:ext>
+    </p:extLst>
+  </p:cSld>
+  <p:clrMapOvr>
+    <a:masterClrMapping/>
+  </p:clrMapOvr>
+</p:sld>
+</file>
+
+<file path=ppt/slides/slide8.xml><?xml version="1.0" encoding="utf-8"?>
+<p:sld xmlns:a="http://schemas.openxmlformats.org/drawingml/2006/main" xmlns:r="http://schemas.openxmlformats.org/officeDocument/2006/relationships" xmlns:p="http://schemas.openxmlformats.org/presentationml/2006/main">
+  <p:cSld>
+    <p:spTree>
+      <p:nvGrpSpPr>
+        <p:cNvPr id="1" name=""/>
+        <p:cNvGrpSpPr/>
+        <p:nvPr/>
+      </p:nvGrpSpPr>
+      <p:grpSpPr>
+        <a:xfrm>
+          <a:off x="0" y="0"/>
+          <a:ext cx="0" cy="0"/>
+          <a:chOff x="0" y="0"/>
+          <a:chExt cx="0" cy="0"/>
+        </a:xfrm>
+      </p:grpSpPr>
+      <p:sp>
+        <p:nvSpPr>
+          <p:cNvPr id="2" name="タイトル 1">
+            <a:extLst>
+              <a:ext uri="{FF2B5EF4-FFF2-40B4-BE49-F238E27FC236}">
+                <a16:creationId xmlns:a16="http://schemas.microsoft.com/office/drawing/2014/main" id="{692CE02B-1C96-5671-7178-B54E07C49AEC}"/>
+              </a:ext>
+            </a:extLst>
+          </p:cNvPr>
+          <p:cNvSpPr>
+            <a:spLocks noGrp="1"/>
+          </p:cNvSpPr>
+          <p:nvPr>
+            <p:ph type="title"/>
+          </p:nvPr>
+        </p:nvSpPr>
+        <p:spPr/>
+        <p:txBody>
+          <a:bodyPr/>
+          <a:lstStyle/>
+          <a:p>
+            <a:r>
+              <a:rPr kumimoji="1" lang="ja-JP" altLang="en-US" dirty="0"/>
+              <a:t>周波数による影響</a:t>
+            </a:r>
+          </a:p>
+        </p:txBody>
+      </p:sp>
+      <p:sp>
+        <p:nvSpPr>
+          <p:cNvPr id="3" name="日付プレースホルダー 2">
+            <a:extLst>
+              <a:ext uri="{FF2B5EF4-FFF2-40B4-BE49-F238E27FC236}">
+                <a16:creationId xmlns:a16="http://schemas.microsoft.com/office/drawing/2014/main" id="{7611E87E-3C14-AE58-9D7C-D07A840B57FB}"/>
+              </a:ext>
+            </a:extLst>
+          </p:cNvPr>
+          <p:cNvSpPr>
+            <a:spLocks noGrp="1"/>
+          </p:cNvSpPr>
+          <p:nvPr>
+            <p:ph type="dt" sz="half" idx="10"/>
+          </p:nvPr>
+        </p:nvSpPr>
+        <p:spPr/>
+        <p:txBody>
+          <a:bodyPr/>
+          <a:lstStyle/>
+          <a:p>
+            <a:r>
+              <a:rPr lang="en-US" altLang="ja-JP"/>
+              <a:t>2024/5/24</a:t>
+            </a:r>
+            <a:endParaRPr lang="ja-JP" altLang="en-US"/>
+          </a:p>
+        </p:txBody>
+      </p:sp>
+      <p:sp>
+        <p:nvSpPr>
+          <p:cNvPr id="4" name="スライド番号プレースホルダー 3">
+            <a:extLst>
+              <a:ext uri="{FF2B5EF4-FFF2-40B4-BE49-F238E27FC236}">
+                <a16:creationId xmlns:a16="http://schemas.microsoft.com/office/drawing/2014/main" id="{B14510E8-139C-5530-A4D8-9BA56C359B6D}"/>
+              </a:ext>
+            </a:extLst>
+          </p:cNvPr>
+          <p:cNvSpPr>
+            <a:spLocks noGrp="1"/>
+          </p:cNvSpPr>
+          <p:nvPr>
+            <p:ph type="sldNum" sz="quarter" idx="12"/>
+          </p:nvPr>
+        </p:nvSpPr>
+        <p:spPr/>
+        <p:txBody>
+          <a:bodyPr/>
+          <a:lstStyle/>
+          <a:p>
+            <a:fld id="{6294761A-CFE9-4878-87A7-90ECABD59CE5}" type="slidenum">
+              <a:rPr lang="ja-JP" altLang="en-US" smtClean="0"/>
+              <a:pPr/>
+              <a:t>8</a:t>
+            </a:fld>
+            <a:endParaRPr lang="ja-JP" altLang="en-US"/>
+          </a:p>
+        </p:txBody>
+      </p:sp>
+      <p:sp>
+        <p:nvSpPr>
+          <p:cNvPr id="5" name="フッター プレースホルダー 4">
+            <a:extLst>
+              <a:ext uri="{FF2B5EF4-FFF2-40B4-BE49-F238E27FC236}">
+                <a16:creationId xmlns:a16="http://schemas.microsoft.com/office/drawing/2014/main" id="{8601BEBA-32DA-D9A0-3F03-F5A05FDBF1C5}"/>
+              </a:ext>
+            </a:extLst>
+          </p:cNvPr>
+          <p:cNvSpPr>
+            <a:spLocks noGrp="1"/>
+          </p:cNvSpPr>
+          <p:nvPr>
+            <p:ph type="ftr" sz="quarter" idx="3"/>
+          </p:nvPr>
+        </p:nvSpPr>
+        <p:spPr/>
+        <p:txBody>
+          <a:bodyPr/>
+          <a:lstStyle/>
+          <a:p>
+            <a:r>
+              <a:rPr lang="en-US" altLang="ja-JP"/>
+              <a:t>Wave Signal Processing Circuit Laboratory,  Meiji University</a:t>
+            </a:r>
+            <a:endParaRPr lang="en-US" altLang="ja-JP" dirty="0"/>
+          </a:p>
+        </p:txBody>
+      </p:sp>
+      <mc:AlternateContent xmlns:mc="http://schemas.openxmlformats.org/markup-compatibility/2006">
+        <mc:Choice xmlns:a14="http://schemas.microsoft.com/office/drawing/2010/main" Requires="a14">
+          <p:sp>
+            <p:nvSpPr>
+              <p:cNvPr id="6" name="テキスト ボックス 5">
+                <a:extLst>
+                  <a:ext uri="{FF2B5EF4-FFF2-40B4-BE49-F238E27FC236}">
+                    <a16:creationId xmlns:a16="http://schemas.microsoft.com/office/drawing/2014/main" id="{1A54FCD8-6CC5-BE80-382B-790414F2C0AA}"/>
+                  </a:ext>
+                </a:extLst>
+              </p:cNvPr>
+              <p:cNvSpPr txBox="1"/>
+              <p:nvPr/>
+            </p:nvSpPr>
+            <p:spPr>
+              <a:xfrm>
+                <a:off x="657497" y="1579603"/>
+                <a:ext cx="10877005" cy="1778307"/>
+              </a:xfrm>
+              <a:prstGeom prst="rect">
+                <a:avLst/>
+              </a:prstGeom>
+              <a:noFill/>
+            </p:spPr>
+            <p:txBody>
+              <a:bodyPr wrap="square" rtlCol="0">
+                <a:spAutoFit/>
+              </a:bodyPr>
+              <a:lstStyle/>
+              <a:p>
+                <a:pPr algn="l"/>
+                <a:r>
+                  <a:rPr kumimoji="1" lang="ja-JP" altLang="en-US" b="0" dirty="0"/>
+                  <a:t>前ページより</a:t>
+                </a:r>
+                <a14:m>
+                  <m:oMath xmlns:m="http://schemas.openxmlformats.org/officeDocument/2006/math">
+                    <m:sSub>
+                      <m:sSubPr>
+                        <m:ctrlPr>
+                          <a:rPr kumimoji="1" lang="en-US" altLang="ja-JP" b="0" i="1" smtClean="0">
+                            <a:latin typeface="Cambria Math" panose="02040503050406030204" pitchFamily="18" charset="0"/>
+                          </a:rPr>
+                        </m:ctrlPr>
+                      </m:sSubPr>
+                      <m:e>
+                        <m:r>
+                          <a:rPr kumimoji="1" lang="en-US" altLang="ja-JP" b="0" i="1" smtClean="0">
+                            <a:latin typeface="Cambria Math" panose="02040503050406030204" pitchFamily="18" charset="0"/>
+                          </a:rPr>
+                          <m:t>𝐶</m:t>
+                        </m:r>
+                      </m:e>
+                      <m:sub>
+                        <m:r>
+                          <a:rPr kumimoji="1" lang="en-US" altLang="ja-JP" b="0" i="1" smtClean="0">
+                            <a:latin typeface="Cambria Math" panose="02040503050406030204" pitchFamily="18" charset="0"/>
+                          </a:rPr>
+                          <m:t>24</m:t>
+                        </m:r>
+                      </m:sub>
+                    </m:sSub>
+                    <m:r>
+                      <a:rPr kumimoji="1" lang="en-US" altLang="ja-JP" b="0" i="1" smtClean="0">
+                        <a:latin typeface="Cambria Math" panose="02040503050406030204" pitchFamily="18" charset="0"/>
+                      </a:rPr>
+                      <m:t>=7.20263⋯×</m:t>
+                    </m:r>
+                    <m:sSup>
+                      <m:sSupPr>
+                        <m:ctrlPr>
+                          <a:rPr kumimoji="1" lang="en-US" altLang="ja-JP" b="0" i="1" smtClean="0">
+                            <a:latin typeface="Cambria Math" panose="02040503050406030204" pitchFamily="18" charset="0"/>
+                          </a:rPr>
+                        </m:ctrlPr>
+                      </m:sSupPr>
+                      <m:e>
+                        <m:r>
+                          <a:rPr kumimoji="1" lang="en-US" altLang="ja-JP" b="0" i="1" smtClean="0">
+                            <a:latin typeface="Cambria Math" panose="02040503050406030204" pitchFamily="18" charset="0"/>
+                          </a:rPr>
+                          <m:t>10</m:t>
+                        </m:r>
+                      </m:e>
+                      <m:sup>
+                        <m:r>
+                          <a:rPr kumimoji="1" lang="en-US" altLang="ja-JP" b="0" i="1" smtClean="0">
+                            <a:latin typeface="Cambria Math" panose="02040503050406030204" pitchFamily="18" charset="0"/>
+                          </a:rPr>
+                          <m:t>−56</m:t>
+                        </m:r>
+                      </m:sup>
+                    </m:sSup>
+                    <m:r>
+                      <a:rPr kumimoji="1" lang="en-US" altLang="ja-JP" b="0" i="1" smtClean="0">
+                        <a:latin typeface="Cambria Math" panose="02040503050406030204" pitchFamily="18" charset="0"/>
+                      </a:rPr>
+                      <m:t>≈7.203×</m:t>
+                    </m:r>
+                    <m:sSup>
+                      <m:sSupPr>
+                        <m:ctrlPr>
+                          <a:rPr kumimoji="1" lang="en-US" altLang="ja-JP" b="0" i="1" smtClean="0">
+                            <a:latin typeface="Cambria Math" panose="02040503050406030204" pitchFamily="18" charset="0"/>
+                          </a:rPr>
+                        </m:ctrlPr>
+                      </m:sSupPr>
+                      <m:e>
+                        <m:r>
+                          <a:rPr kumimoji="1" lang="en-US" altLang="ja-JP" b="0" i="1" smtClean="0">
+                            <a:latin typeface="Cambria Math" panose="02040503050406030204" pitchFamily="18" charset="0"/>
+                          </a:rPr>
+                          <m:t>10</m:t>
+                        </m:r>
+                      </m:e>
+                      <m:sup>
+                        <m:r>
+                          <a:rPr kumimoji="1" lang="en-US" altLang="ja-JP" b="0" i="1" smtClean="0">
+                            <a:latin typeface="Cambria Math" panose="02040503050406030204" pitchFamily="18" charset="0"/>
+                          </a:rPr>
+                          <m:t>−56</m:t>
+                        </m:r>
+                      </m:sup>
+                    </m:sSup>
+                    <m:r>
+                      <a:rPr kumimoji="1" lang="en-US" altLang="ja-JP" b="0" i="1" smtClean="0">
+                        <a:latin typeface="Cambria Math" panose="02040503050406030204" pitchFamily="18" charset="0"/>
+                      </a:rPr>
+                      <m:t> </m:t>
+                    </m:r>
+                    <m:r>
+                      <a:rPr kumimoji="1" lang="en-US" altLang="ja-JP" b="0" i="0" smtClean="0">
+                        <a:latin typeface="Cambria Math" panose="02040503050406030204" pitchFamily="18" charset="0"/>
+                      </a:rPr>
+                      <m:t>[</m:t>
+                    </m:r>
+                    <m:sSup>
+                      <m:sSupPr>
+                        <m:ctrlPr>
+                          <a:rPr kumimoji="1" lang="en-US" altLang="ja-JP" b="0" smtClean="0">
+                            <a:latin typeface="Cambria Math" panose="02040503050406030204" pitchFamily="18" charset="0"/>
+                          </a:rPr>
+                        </m:ctrlPr>
+                      </m:sSupPr>
+                      <m:e>
+                        <m:r>
+                          <m:rPr>
+                            <m:sty m:val="p"/>
+                          </m:rPr>
+                          <a:rPr kumimoji="1" lang="en-US" altLang="ja-JP" b="0" i="0" smtClean="0">
+                            <a:latin typeface="Cambria Math" panose="02040503050406030204" pitchFamily="18" charset="0"/>
+                          </a:rPr>
+                          <m:t>F</m:t>
+                        </m:r>
+                      </m:e>
+                      <m:sup>
+                        <m:r>
+                          <a:rPr kumimoji="1" lang="en-US" altLang="ja-JP" b="0" i="0" smtClean="0">
+                            <a:latin typeface="Cambria Math" panose="02040503050406030204" pitchFamily="18" charset="0"/>
+                          </a:rPr>
+                          <m:t>4</m:t>
+                        </m:r>
+                      </m:sup>
+                    </m:sSup>
+                    <m:r>
+                      <a:rPr kumimoji="1" lang="en-US" altLang="ja-JP" b="0" i="0" smtClean="0">
+                        <a:latin typeface="Cambria Math" panose="02040503050406030204" pitchFamily="18" charset="0"/>
+                      </a:rPr>
+                      <m:t>]</m:t>
+                    </m:r>
+                  </m:oMath>
+                </a14:m>
+                <a:r>
+                  <a:rPr kumimoji="1" lang="ja-JP" altLang="en-US" dirty="0">
+                    <a:latin typeface="Times Newer Roman" panose="00000500000000000000" pitchFamily="50" charset="0"/>
+                  </a:rPr>
+                  <a:t>と求められた。</a:t>
+                </a:r>
+                <a:endParaRPr kumimoji="1" lang="en-US" altLang="ja-JP" dirty="0">
+                  <a:latin typeface="Times Newer Roman" panose="00000500000000000000" pitchFamily="50" charset="0"/>
+                </a:endParaRPr>
+              </a:p>
+              <a:p>
+                <a:pPr algn="l"/>
+                <a:r>
+                  <a:rPr lang="ja-JP" altLang="en-US" dirty="0">
+                    <a:latin typeface="Times Newer Roman" panose="00000500000000000000" pitchFamily="50" charset="0"/>
+                  </a:rPr>
+                  <a:t>直流では伝達インピーダンス</a:t>
+                </a:r>
+                <a14:m>
+                  <m:oMath xmlns:m="http://schemas.openxmlformats.org/officeDocument/2006/math">
+                    <m:sSub>
+                      <m:sSubPr>
+                        <m:ctrlPr>
+                          <a:rPr lang="en-US" altLang="ja-JP" b="0" i="1" smtClean="0">
+                            <a:latin typeface="Cambria Math" panose="02040503050406030204" pitchFamily="18" charset="0"/>
+                          </a:rPr>
+                        </m:ctrlPr>
+                      </m:sSubPr>
+                      <m:e>
+                        <m:r>
+                          <a:rPr lang="en-US" altLang="ja-JP" b="0" i="1" smtClean="0">
+                            <a:latin typeface="Cambria Math" panose="02040503050406030204" pitchFamily="18" charset="0"/>
+                          </a:rPr>
+                          <m:t>𝑋</m:t>
+                        </m:r>
+                      </m:e>
+                      <m:sub>
+                        <m:r>
+                          <a:rPr lang="en-US" altLang="ja-JP" b="0" i="1" smtClean="0">
+                            <a:latin typeface="Cambria Math" panose="02040503050406030204" pitchFamily="18" charset="0"/>
+                          </a:rPr>
+                          <m:t>𝑡</m:t>
+                        </m:r>
+                      </m:sub>
+                    </m:sSub>
+                  </m:oMath>
+                </a14:m>
+                <a:r>
+                  <a:rPr kumimoji="1" lang="ja-JP" altLang="en-US" dirty="0">
+                    <a:latin typeface="Times Newer Roman" panose="00000500000000000000" pitchFamily="50" charset="0"/>
+                  </a:rPr>
+                  <a:t>は</a:t>
+                </a:r>
+                <a14:m>
+                  <m:oMath xmlns:m="http://schemas.openxmlformats.org/officeDocument/2006/math">
+                    <m:r>
+                      <a:rPr kumimoji="1" lang="en-US" altLang="ja-JP" b="0" i="1" dirty="0" smtClean="0">
+                        <a:latin typeface="Cambria Math" panose="02040503050406030204" pitchFamily="18" charset="0"/>
+                      </a:rPr>
+                      <m:t>𝜔</m:t>
+                    </m:r>
+                    <m:r>
+                      <a:rPr kumimoji="1" lang="en-US" altLang="ja-JP" b="0" i="1" dirty="0" smtClean="0">
+                        <a:latin typeface="Cambria Math" panose="02040503050406030204" pitchFamily="18" charset="0"/>
+                      </a:rPr>
+                      <m:t>=0</m:t>
+                    </m:r>
+                  </m:oMath>
+                </a14:m>
+                <a:r>
+                  <a:rPr kumimoji="1" lang="ja-JP" altLang="en-US" dirty="0">
+                    <a:latin typeface="Times Newer Roman" panose="00000500000000000000" pitchFamily="50" charset="0"/>
+                  </a:rPr>
+                  <a:t>なので</a:t>
+                </a:r>
+                <a:endParaRPr kumimoji="1" lang="en-US" altLang="ja-JP" dirty="0">
+                  <a:latin typeface="Times Newer Roman" panose="00000500000000000000" pitchFamily="50" charset="0"/>
+                </a:endParaRPr>
+              </a:p>
+              <a:p>
+                <a14:m>
+                  <m:oMathPara xmlns:m="http://schemas.openxmlformats.org/officeDocument/2006/math">
+                    <m:oMathParaPr>
+                      <m:jc m:val="centerGroup"/>
+                    </m:oMathParaPr>
+                    <m:oMath xmlns:m="http://schemas.openxmlformats.org/officeDocument/2006/math">
+                      <m:sSub>
+                        <m:sSubPr>
+                          <m:ctrlPr>
+                            <a:rPr kumimoji="1" lang="en-US" altLang="ja-JP" b="0" i="1" smtClean="0">
+                              <a:latin typeface="Cambria Math" panose="02040503050406030204" pitchFamily="18" charset="0"/>
+                            </a:rPr>
+                          </m:ctrlPr>
+                        </m:sSubPr>
+                        <m:e>
+                          <m:r>
+                            <a:rPr kumimoji="1" lang="en-US" altLang="ja-JP" b="0" i="1" smtClean="0">
+                              <a:latin typeface="Cambria Math" panose="02040503050406030204" pitchFamily="18" charset="0"/>
+                            </a:rPr>
+                            <m:t>𝑋</m:t>
+                          </m:r>
+                        </m:e>
+                        <m:sub>
+                          <m:r>
+                            <a:rPr kumimoji="1" lang="en-US" altLang="ja-JP" b="0" i="1" smtClean="0">
+                              <a:latin typeface="Cambria Math" panose="02040503050406030204" pitchFamily="18" charset="0"/>
+                            </a:rPr>
+                            <m:t>𝑡</m:t>
+                          </m:r>
+                        </m:sub>
+                      </m:sSub>
+                      <m:r>
+                        <a:rPr kumimoji="1" lang="en-US" altLang="ja-JP" b="0" i="1" smtClean="0">
+                          <a:latin typeface="Cambria Math" panose="02040503050406030204" pitchFamily="18" charset="0"/>
+                        </a:rPr>
+                        <m:t>=</m:t>
+                      </m:r>
+                      <m:f>
+                        <m:fPr>
+                          <m:ctrlPr>
+                            <a:rPr kumimoji="1" lang="en-US" altLang="ja-JP" b="0" i="1" smtClean="0">
+                              <a:latin typeface="Cambria Math" panose="02040503050406030204" pitchFamily="18" charset="0"/>
+                            </a:rPr>
+                          </m:ctrlPr>
+                        </m:fPr>
+                        <m:num>
+                          <m:sSub>
+                            <m:sSubPr>
+                              <m:ctrlPr>
+                                <a:rPr kumimoji="1" lang="en-US" altLang="ja-JP" b="0" i="1" smtClean="0">
+                                  <a:latin typeface="Cambria Math" panose="02040503050406030204" pitchFamily="18" charset="0"/>
+                                </a:rPr>
+                              </m:ctrlPr>
+                            </m:sSubPr>
+                            <m:e>
+                              <m:r>
+                                <a:rPr kumimoji="1" lang="en-US" altLang="ja-JP" b="0" i="1" smtClean="0">
+                                  <a:latin typeface="Cambria Math" panose="02040503050406030204" pitchFamily="18" charset="0"/>
+                                </a:rPr>
+                                <m:t>𝐶</m:t>
+                              </m:r>
+                            </m:e>
+                            <m:sub>
+                              <m:r>
+                                <a:rPr kumimoji="1" lang="en-US" altLang="ja-JP" b="0" i="1" smtClean="0">
+                                  <a:latin typeface="Cambria Math" panose="02040503050406030204" pitchFamily="18" charset="0"/>
+                                </a:rPr>
+                                <m:t>10</m:t>
+                              </m:r>
+                            </m:sub>
+                          </m:sSub>
+                        </m:num>
+                        <m:den>
+                          <m:sSub>
+                            <m:sSubPr>
+                              <m:ctrlPr>
+                                <a:rPr kumimoji="1" lang="en-US" altLang="ja-JP" b="0" i="1" smtClean="0">
+                                  <a:latin typeface="Cambria Math" panose="02040503050406030204" pitchFamily="18" charset="0"/>
+                                </a:rPr>
+                              </m:ctrlPr>
+                            </m:sSubPr>
+                            <m:e>
+                              <m:r>
+                                <a:rPr kumimoji="1" lang="en-US" altLang="ja-JP" b="0" i="1" smtClean="0">
+                                  <a:latin typeface="Cambria Math" panose="02040503050406030204" pitchFamily="18" charset="0"/>
+                                </a:rPr>
+                                <m:t>𝐶</m:t>
+                              </m:r>
+                            </m:e>
+                            <m:sub>
+                              <m:r>
+                                <a:rPr kumimoji="1" lang="en-US" altLang="ja-JP" b="0" i="1" smtClean="0">
+                                  <a:latin typeface="Cambria Math" panose="02040503050406030204" pitchFamily="18" charset="0"/>
+                                </a:rPr>
+                                <m:t>20</m:t>
+                              </m:r>
+                            </m:sub>
+                          </m:sSub>
+                        </m:den>
+                      </m:f>
+                      <m:r>
+                        <a:rPr kumimoji="1" lang="en-US" altLang="ja-JP" b="0" i="1" smtClean="0">
+                          <a:latin typeface="Cambria Math" panose="02040503050406030204" pitchFamily="18" charset="0"/>
+                        </a:rPr>
+                        <m:t>=−</m:t>
+                      </m:r>
+                      <m:f>
+                        <m:fPr>
+                          <m:ctrlPr>
+                            <a:rPr kumimoji="1" lang="en-US" altLang="ja-JP" b="0" i="1" smtClean="0">
+                              <a:latin typeface="Cambria Math" panose="02040503050406030204" pitchFamily="18" charset="0"/>
+                            </a:rPr>
+                          </m:ctrlPr>
+                        </m:fPr>
+                        <m:num>
+                          <m:d>
+                            <m:dPr>
+                              <m:ctrlPr>
+                                <a:rPr kumimoji="1" lang="en-US" altLang="ja-JP" b="0" i="1" smtClean="0">
+                                  <a:latin typeface="Cambria Math" panose="02040503050406030204" pitchFamily="18" charset="0"/>
+                                </a:rPr>
+                              </m:ctrlPr>
+                            </m:dPr>
+                            <m:e>
+                              <m:sSub>
+                                <m:sSubPr>
+                                  <m:ctrlPr>
+                                    <a:rPr lang="en-US" altLang="ja-JP" i="1">
+                                      <a:latin typeface="Cambria Math" panose="02040503050406030204" pitchFamily="18" charset="0"/>
+                                    </a:rPr>
+                                  </m:ctrlPr>
+                                </m:sSubPr>
+                                <m:e>
+                                  <m:r>
+                                    <a:rPr lang="en-US" altLang="ja-JP" i="1">
+                                      <a:latin typeface="Cambria Math" panose="02040503050406030204" pitchFamily="18" charset="0"/>
+                                    </a:rPr>
+                                    <m:t>𝑔</m:t>
+                                  </m:r>
+                                </m:e>
+                                <m:sub>
+                                  <m:r>
+                                    <a:rPr lang="en-US" altLang="ja-JP" i="1">
+                                      <a:latin typeface="Cambria Math" panose="02040503050406030204" pitchFamily="18" charset="0"/>
+                                    </a:rPr>
+                                    <m:t>𝑚</m:t>
+                                  </m:r>
+                                  <m:r>
+                                    <a:rPr lang="en-US" altLang="ja-JP" i="1">
+                                      <a:latin typeface="Cambria Math" panose="02040503050406030204" pitchFamily="18" charset="0"/>
+                                    </a:rPr>
+                                    <m:t>1</m:t>
+                                  </m:r>
+                                </m:sub>
+                              </m:sSub>
+                              <m:r>
+                                <a:rPr lang="en-US" altLang="ja-JP" i="1">
+                                  <a:latin typeface="Cambria Math" panose="02040503050406030204" pitchFamily="18" charset="0"/>
+                                </a:rPr>
+                                <m:t>+</m:t>
+                              </m:r>
+                              <m:sSub>
+                                <m:sSubPr>
+                                  <m:ctrlPr>
+                                    <a:rPr lang="en-US" altLang="ja-JP" i="1">
+                                      <a:latin typeface="Cambria Math" panose="02040503050406030204" pitchFamily="18" charset="0"/>
+                                    </a:rPr>
+                                  </m:ctrlPr>
+                                </m:sSubPr>
+                                <m:e>
+                                  <m:r>
+                                    <a:rPr lang="en-US" altLang="ja-JP" i="1">
+                                      <a:latin typeface="Cambria Math" panose="02040503050406030204" pitchFamily="18" charset="0"/>
+                                    </a:rPr>
+                                    <m:t>𝑔</m:t>
+                                  </m:r>
+                                </m:e>
+                                <m:sub>
+                                  <m:r>
+                                    <a:rPr lang="en-US" altLang="ja-JP" i="1">
+                                      <a:latin typeface="Cambria Math" panose="02040503050406030204" pitchFamily="18" charset="0"/>
+                                    </a:rPr>
+                                    <m:t>𝑐𝑒</m:t>
+                                  </m:r>
+                                  <m:r>
+                                    <a:rPr lang="en-US" altLang="ja-JP" i="1">
+                                      <a:latin typeface="Cambria Math" panose="02040503050406030204" pitchFamily="18" charset="0"/>
+                                    </a:rPr>
+                                    <m:t>1</m:t>
+                                  </m:r>
+                                </m:sub>
+                              </m:sSub>
+                            </m:e>
+                          </m:d>
+                          <m:sSub>
+                            <m:sSubPr>
+                              <m:ctrlPr>
+                                <a:rPr lang="en-US" altLang="ja-JP" i="1">
+                                  <a:latin typeface="Cambria Math" panose="02040503050406030204" pitchFamily="18" charset="0"/>
+                                </a:rPr>
+                              </m:ctrlPr>
+                            </m:sSubPr>
+                            <m:e>
+                              <m:r>
+                                <a:rPr lang="en-US" altLang="ja-JP" i="1">
+                                  <a:latin typeface="Cambria Math" panose="02040503050406030204" pitchFamily="18" charset="0"/>
+                                </a:rPr>
+                                <m:t>𝑔</m:t>
+                              </m:r>
+                            </m:e>
+                            <m:sub>
+                              <m:r>
+                                <a:rPr lang="en-US" altLang="ja-JP" i="1">
+                                  <a:latin typeface="Cambria Math" panose="02040503050406030204" pitchFamily="18" charset="0"/>
+                                </a:rPr>
+                                <m:t>𝑚</m:t>
+                              </m:r>
+                              <m:r>
+                                <a:rPr lang="en-US" altLang="ja-JP" i="1">
+                                  <a:latin typeface="Cambria Math" panose="02040503050406030204" pitchFamily="18" charset="0"/>
+                                </a:rPr>
+                                <m:t>2</m:t>
+                              </m:r>
+                            </m:sub>
+                          </m:sSub>
+                          <m:sSub>
+                            <m:sSubPr>
+                              <m:ctrlPr>
+                                <a:rPr lang="en-US" altLang="ja-JP" i="1">
+                                  <a:latin typeface="Cambria Math" panose="02040503050406030204" pitchFamily="18" charset="0"/>
+                                </a:rPr>
+                              </m:ctrlPr>
+                            </m:sSubPr>
+                            <m:e>
+                              <m:r>
+                                <a:rPr lang="en-US" altLang="ja-JP" i="1">
+                                  <a:latin typeface="Cambria Math" panose="02040503050406030204" pitchFamily="18" charset="0"/>
+                                </a:rPr>
+                                <m:t>𝐺</m:t>
+                              </m:r>
+                            </m:e>
+                            <m:sub>
+                              <m:r>
+                                <a:rPr lang="en-US" altLang="ja-JP" i="1">
+                                  <a:latin typeface="Cambria Math" panose="02040503050406030204" pitchFamily="18" charset="0"/>
+                                </a:rPr>
+                                <m:t>1</m:t>
+                              </m:r>
+                            </m:sub>
+                          </m:sSub>
+                        </m:num>
+                        <m:den>
+                          <m:sSub>
+                            <m:sSubPr>
+                              <m:ctrlPr>
+                                <a:rPr kumimoji="1" lang="en-US" altLang="ja-JP" b="0" i="1" smtClean="0">
+                                  <a:latin typeface="Cambria Math" panose="02040503050406030204" pitchFamily="18" charset="0"/>
+                                </a:rPr>
+                              </m:ctrlPr>
+                            </m:sSubPr>
+                            <m:e>
+                              <m:r>
+                                <a:rPr kumimoji="1" lang="en-US" altLang="ja-JP" b="0" i="1" smtClean="0">
+                                  <a:latin typeface="Cambria Math" panose="02040503050406030204" pitchFamily="18" charset="0"/>
+                                </a:rPr>
+                                <m:t>𝐺</m:t>
+                              </m:r>
+                            </m:e>
+                            <m:sub>
+                              <m:r>
+                                <a:rPr kumimoji="1" lang="en-US" altLang="ja-JP" b="0" i="1" smtClean="0">
+                                  <a:latin typeface="Cambria Math" panose="02040503050406030204" pitchFamily="18" charset="0"/>
+                                </a:rPr>
+                                <m:t>1</m:t>
+                              </m:r>
+                            </m:sub>
+                          </m:sSub>
+                          <m:sSub>
+                            <m:sSubPr>
+                              <m:ctrlPr>
+                                <a:rPr kumimoji="1" lang="en-US" altLang="ja-JP" b="0" i="1" smtClean="0">
+                                  <a:latin typeface="Cambria Math" panose="02040503050406030204" pitchFamily="18" charset="0"/>
+                                </a:rPr>
+                              </m:ctrlPr>
+                            </m:sSubPr>
+                            <m:e>
+                              <m:r>
+                                <a:rPr kumimoji="1" lang="en-US" altLang="ja-JP" b="0" i="1" smtClean="0">
+                                  <a:latin typeface="Cambria Math" panose="02040503050406030204" pitchFamily="18" charset="0"/>
+                                </a:rPr>
+                                <m:t>𝐺</m:t>
+                              </m:r>
+                            </m:e>
+                            <m:sub>
+                              <m:r>
+                                <a:rPr kumimoji="1" lang="en-US" altLang="ja-JP" b="0" i="1" smtClean="0">
+                                  <a:latin typeface="Cambria Math" panose="02040503050406030204" pitchFamily="18" charset="0"/>
+                                </a:rPr>
+                                <m:t>3</m:t>
+                              </m:r>
+                            </m:sub>
+                          </m:sSub>
+                        </m:den>
+                      </m:f>
+                      <m:r>
+                        <a:rPr kumimoji="1" lang="en-US" altLang="ja-JP" b="0" i="1" smtClean="0">
+                          <a:latin typeface="Cambria Math" panose="02040503050406030204" pitchFamily="18" charset="0"/>
+                        </a:rPr>
+                        <m:t>=−</m:t>
+                      </m:r>
+                      <m:f>
+                        <m:fPr>
+                          <m:ctrlPr>
+                            <a:rPr kumimoji="1" lang="en-US" altLang="ja-JP" b="0" i="1" smtClean="0">
+                              <a:latin typeface="Cambria Math" panose="02040503050406030204" pitchFamily="18" charset="0"/>
+                            </a:rPr>
+                          </m:ctrlPr>
+                        </m:fPr>
+                        <m:num>
+                          <m:d>
+                            <m:dPr>
+                              <m:ctrlPr>
+                                <a:rPr lang="en-US" altLang="ja-JP" i="1">
+                                  <a:latin typeface="Cambria Math" panose="02040503050406030204" pitchFamily="18" charset="0"/>
+                                </a:rPr>
+                              </m:ctrlPr>
+                            </m:dPr>
+                            <m:e>
+                              <m:sSub>
+                                <m:sSubPr>
+                                  <m:ctrlPr>
+                                    <a:rPr lang="en-US" altLang="ja-JP" i="1">
+                                      <a:latin typeface="Cambria Math" panose="02040503050406030204" pitchFamily="18" charset="0"/>
+                                    </a:rPr>
+                                  </m:ctrlPr>
+                                </m:sSubPr>
+                                <m:e>
+                                  <m:r>
+                                    <a:rPr lang="en-US" altLang="ja-JP" i="1">
+                                      <a:latin typeface="Cambria Math" panose="02040503050406030204" pitchFamily="18" charset="0"/>
+                                    </a:rPr>
+                                    <m:t>𝑔</m:t>
+                                  </m:r>
+                                </m:e>
+                                <m:sub>
+                                  <m:r>
+                                    <a:rPr lang="en-US" altLang="ja-JP" i="1">
+                                      <a:latin typeface="Cambria Math" panose="02040503050406030204" pitchFamily="18" charset="0"/>
+                                    </a:rPr>
+                                    <m:t>𝑚</m:t>
+                                  </m:r>
+                                  <m:r>
+                                    <a:rPr lang="en-US" altLang="ja-JP" i="1">
+                                      <a:latin typeface="Cambria Math" panose="02040503050406030204" pitchFamily="18" charset="0"/>
+                                    </a:rPr>
+                                    <m:t>1</m:t>
+                                  </m:r>
+                                </m:sub>
+                              </m:sSub>
+                              <m:r>
+                                <a:rPr lang="en-US" altLang="ja-JP" i="1">
+                                  <a:latin typeface="Cambria Math" panose="02040503050406030204" pitchFamily="18" charset="0"/>
+                                </a:rPr>
+                                <m:t>+</m:t>
+                              </m:r>
+                              <m:sSub>
+                                <m:sSubPr>
+                                  <m:ctrlPr>
+                                    <a:rPr lang="en-US" altLang="ja-JP" i="1">
+                                      <a:latin typeface="Cambria Math" panose="02040503050406030204" pitchFamily="18" charset="0"/>
+                                    </a:rPr>
+                                  </m:ctrlPr>
+                                </m:sSubPr>
+                                <m:e>
+                                  <m:r>
+                                    <a:rPr lang="en-US" altLang="ja-JP" i="1">
+                                      <a:latin typeface="Cambria Math" panose="02040503050406030204" pitchFamily="18" charset="0"/>
+                                    </a:rPr>
+                                    <m:t>𝑔</m:t>
+                                  </m:r>
+                                </m:e>
+                                <m:sub>
+                                  <m:r>
+                                    <a:rPr lang="en-US" altLang="ja-JP" i="1">
+                                      <a:latin typeface="Cambria Math" panose="02040503050406030204" pitchFamily="18" charset="0"/>
+                                    </a:rPr>
+                                    <m:t>𝑐𝑒</m:t>
+                                  </m:r>
+                                  <m:r>
+                                    <a:rPr lang="en-US" altLang="ja-JP" i="1">
+                                      <a:latin typeface="Cambria Math" panose="02040503050406030204" pitchFamily="18" charset="0"/>
+                                    </a:rPr>
+                                    <m:t>1</m:t>
+                                  </m:r>
+                                </m:sub>
+                              </m:sSub>
+                            </m:e>
+                          </m:d>
+                          <m:sSub>
+                            <m:sSubPr>
+                              <m:ctrlPr>
+                                <a:rPr lang="en-US" altLang="ja-JP" i="1">
+                                  <a:latin typeface="Cambria Math" panose="02040503050406030204" pitchFamily="18" charset="0"/>
+                                </a:rPr>
+                              </m:ctrlPr>
+                            </m:sSubPr>
+                            <m:e>
+                              <m:r>
+                                <a:rPr lang="en-US" altLang="ja-JP" i="1">
+                                  <a:latin typeface="Cambria Math" panose="02040503050406030204" pitchFamily="18" charset="0"/>
+                                </a:rPr>
+                                <m:t>𝑔</m:t>
+                              </m:r>
+                            </m:e>
+                            <m:sub>
+                              <m:r>
+                                <a:rPr lang="en-US" altLang="ja-JP" i="1">
+                                  <a:latin typeface="Cambria Math" panose="02040503050406030204" pitchFamily="18" charset="0"/>
+                                </a:rPr>
+                                <m:t>𝑚</m:t>
+                              </m:r>
+                              <m:r>
+                                <a:rPr lang="en-US" altLang="ja-JP" i="1">
+                                  <a:latin typeface="Cambria Math" panose="02040503050406030204" pitchFamily="18" charset="0"/>
+                                </a:rPr>
+                                <m:t>2</m:t>
+                              </m:r>
+                            </m:sub>
+                          </m:sSub>
+                        </m:num>
+                        <m:den>
+                          <m:sSub>
+                            <m:sSubPr>
+                              <m:ctrlPr>
+                                <a:rPr lang="en-US" altLang="ja-JP" i="1">
+                                  <a:latin typeface="Cambria Math" panose="02040503050406030204" pitchFamily="18" charset="0"/>
+                                </a:rPr>
+                              </m:ctrlPr>
+                            </m:sSubPr>
+                            <m:e>
+                              <m:r>
+                                <a:rPr lang="en-US" altLang="ja-JP" i="1">
+                                  <a:latin typeface="Cambria Math" panose="02040503050406030204" pitchFamily="18" charset="0"/>
+                                </a:rPr>
+                                <m:t>𝑔</m:t>
+                              </m:r>
+                            </m:e>
+                            <m:sub>
+                              <m:r>
+                                <a:rPr lang="en-US" altLang="ja-JP" i="1">
+                                  <a:latin typeface="Cambria Math" panose="02040503050406030204" pitchFamily="18" charset="0"/>
+                                </a:rPr>
+                                <m:t>𝑐</m:t>
+                              </m:r>
+                              <m:r>
+                                <a:rPr lang="en-US" altLang="ja-JP" b="0" i="1" smtClean="0">
+                                  <a:latin typeface="Cambria Math" panose="02040503050406030204" pitchFamily="18" charset="0"/>
+                                </a:rPr>
+                                <m:t>𝑒</m:t>
+                              </m:r>
+                              <m:r>
+                                <a:rPr lang="en-US" altLang="ja-JP" i="1">
+                                  <a:latin typeface="Cambria Math" panose="02040503050406030204" pitchFamily="18" charset="0"/>
+                                </a:rPr>
+                                <m:t>1</m:t>
+                              </m:r>
+                            </m:sub>
+                          </m:sSub>
+                          <m:d>
+                            <m:dPr>
+                              <m:ctrlPr>
+                                <a:rPr lang="en-US" altLang="ja-JP" i="1">
+                                  <a:latin typeface="Cambria Math" panose="02040503050406030204" pitchFamily="18" charset="0"/>
+                                </a:rPr>
+                              </m:ctrlPr>
+                            </m:dPr>
+                            <m:e>
+                              <m:sSub>
+                                <m:sSubPr>
+                                  <m:ctrlPr>
+                                    <a:rPr lang="en-US" altLang="ja-JP" i="1">
+                                      <a:latin typeface="Cambria Math" panose="02040503050406030204" pitchFamily="18" charset="0"/>
+                                    </a:rPr>
+                                  </m:ctrlPr>
+                                </m:sSubPr>
+                                <m:e>
+                                  <m:r>
+                                    <a:rPr lang="en-US" altLang="ja-JP" i="1">
+                                      <a:latin typeface="Cambria Math" panose="02040503050406030204" pitchFamily="18" charset="0"/>
+                                    </a:rPr>
+                                    <m:t>𝑔</m:t>
+                                  </m:r>
+                                </m:e>
+                                <m:sub>
+                                  <m:r>
+                                    <a:rPr lang="en-US" altLang="ja-JP" i="1">
+                                      <a:latin typeface="Cambria Math" panose="02040503050406030204" pitchFamily="18" charset="0"/>
+                                    </a:rPr>
+                                    <m:t>𝑚</m:t>
+                                  </m:r>
+                                  <m:r>
+                                    <a:rPr lang="en-US" altLang="ja-JP" i="1">
+                                      <a:latin typeface="Cambria Math" panose="02040503050406030204" pitchFamily="18" charset="0"/>
+                                    </a:rPr>
+                                    <m:t>1</m:t>
+                                  </m:r>
+                                </m:sub>
+                              </m:sSub>
+                              <m:r>
+                                <a:rPr lang="en-US" altLang="ja-JP" i="1">
+                                  <a:latin typeface="Cambria Math" panose="02040503050406030204" pitchFamily="18" charset="0"/>
+                                </a:rPr>
+                                <m:t>+</m:t>
+                              </m:r>
+                              <m:sSub>
+                                <m:sSubPr>
+                                  <m:ctrlPr>
+                                    <a:rPr lang="en-US" altLang="ja-JP" i="1">
+                                      <a:latin typeface="Cambria Math" panose="02040503050406030204" pitchFamily="18" charset="0"/>
+                                    </a:rPr>
+                                  </m:ctrlPr>
+                                </m:sSubPr>
+                                <m:e>
+                                  <m:r>
+                                    <a:rPr lang="en-US" altLang="ja-JP" i="1">
+                                      <a:latin typeface="Cambria Math" panose="02040503050406030204" pitchFamily="18" charset="0"/>
+                                    </a:rPr>
+                                    <m:t>𝑔</m:t>
+                                  </m:r>
+                                </m:e>
+                                <m:sub>
+                                  <m:r>
+                                    <a:rPr lang="en-US" altLang="ja-JP" i="1">
+                                      <a:latin typeface="Cambria Math" panose="02040503050406030204" pitchFamily="18" charset="0"/>
+                                    </a:rPr>
+                                    <m:t>𝑐𝑒</m:t>
+                                  </m:r>
+                                  <m:r>
+                                    <a:rPr lang="en-US" altLang="ja-JP" i="1">
+                                      <a:latin typeface="Cambria Math" panose="02040503050406030204" pitchFamily="18" charset="0"/>
+                                    </a:rPr>
+                                    <m:t>1</m:t>
+                                  </m:r>
+                                </m:sub>
+                              </m:sSub>
+                            </m:e>
+                          </m:d>
+                          <m:r>
+                            <a:rPr lang="en-US" altLang="ja-JP" i="1">
+                              <a:latin typeface="Cambria Math" panose="02040503050406030204" pitchFamily="18" charset="0"/>
+                            </a:rPr>
+                            <m:t>−</m:t>
+                          </m:r>
+                          <m:d>
+                            <m:dPr>
+                              <m:ctrlPr>
+                                <a:rPr lang="en-US" altLang="ja-JP" b="0" i="1" smtClean="0">
+                                  <a:latin typeface="Cambria Math" panose="02040503050406030204" pitchFamily="18" charset="0"/>
+                                </a:rPr>
+                              </m:ctrlPr>
+                            </m:dPr>
+                            <m:e>
+                              <m:sSub>
+                                <m:sSubPr>
+                                  <m:ctrlPr>
+                                    <a:rPr lang="en-US" altLang="ja-JP" i="1">
+                                      <a:latin typeface="Cambria Math" panose="02040503050406030204" pitchFamily="18" charset="0"/>
+                                    </a:rPr>
+                                  </m:ctrlPr>
+                                </m:sSubPr>
+                                <m:e>
+                                  <m:r>
+                                    <a:rPr lang="en-US" altLang="ja-JP" i="1">
+                                      <a:latin typeface="Cambria Math" panose="02040503050406030204" pitchFamily="18" charset="0"/>
+                                    </a:rPr>
+                                    <m:t>𝐺</m:t>
+                                  </m:r>
+                                </m:e>
+                                <m:sub>
+                                  <m:r>
+                                    <a:rPr lang="en-US" altLang="ja-JP" i="1">
+                                      <a:latin typeface="Cambria Math" panose="02040503050406030204" pitchFamily="18" charset="0"/>
+                                    </a:rPr>
+                                    <m:t>𝐸</m:t>
+                                  </m:r>
+                                  <m:r>
+                                    <a:rPr lang="en-US" altLang="ja-JP" i="1">
+                                      <a:latin typeface="Cambria Math" panose="02040503050406030204" pitchFamily="18" charset="0"/>
+                                    </a:rPr>
+                                    <m:t>1</m:t>
+                                  </m:r>
+                                </m:sub>
+                              </m:sSub>
+                              <m:r>
+                                <a:rPr lang="en-US" altLang="ja-JP" i="1">
+                                  <a:latin typeface="Cambria Math" panose="02040503050406030204" pitchFamily="18" charset="0"/>
+                                </a:rPr>
+                                <m:t>+</m:t>
+                              </m:r>
+                              <m:sSub>
+                                <m:sSubPr>
+                                  <m:ctrlPr>
+                                    <a:rPr lang="en-US" altLang="ja-JP" i="1">
+                                      <a:latin typeface="Cambria Math" panose="02040503050406030204" pitchFamily="18" charset="0"/>
+                                    </a:rPr>
+                                  </m:ctrlPr>
+                                </m:sSubPr>
+                                <m:e>
+                                  <m:r>
+                                    <a:rPr lang="en-US" altLang="ja-JP" i="1">
+                                      <a:latin typeface="Cambria Math" panose="02040503050406030204" pitchFamily="18" charset="0"/>
+                                    </a:rPr>
+                                    <m:t>𝑔</m:t>
+                                  </m:r>
+                                </m:e>
+                                <m:sub>
+                                  <m:r>
+                                    <a:rPr lang="en-US" altLang="ja-JP" i="1">
+                                      <a:latin typeface="Cambria Math" panose="02040503050406030204" pitchFamily="18" charset="0"/>
+                                    </a:rPr>
+                                    <m:t>𝑚</m:t>
+                                  </m:r>
+                                  <m:r>
+                                    <a:rPr lang="en-US" altLang="ja-JP" i="1">
+                                      <a:latin typeface="Cambria Math" panose="02040503050406030204" pitchFamily="18" charset="0"/>
+                                    </a:rPr>
+                                    <m:t>1</m:t>
+                                  </m:r>
+                                </m:sub>
+                              </m:sSub>
+                              <m:r>
+                                <a:rPr lang="en-US" altLang="ja-JP" i="1">
+                                  <a:latin typeface="Cambria Math" panose="02040503050406030204" pitchFamily="18" charset="0"/>
+                                </a:rPr>
+                                <m:t>+</m:t>
+                              </m:r>
+                              <m:sSub>
+                                <m:sSubPr>
+                                  <m:ctrlPr>
+                                    <a:rPr lang="en-US" altLang="ja-JP" i="1">
+                                      <a:latin typeface="Cambria Math" panose="02040503050406030204" pitchFamily="18" charset="0"/>
+                                    </a:rPr>
+                                  </m:ctrlPr>
+                                </m:sSubPr>
+                                <m:e>
+                                  <m:r>
+                                    <a:rPr lang="en-US" altLang="ja-JP" i="1">
+                                      <a:latin typeface="Cambria Math" panose="02040503050406030204" pitchFamily="18" charset="0"/>
+                                    </a:rPr>
+                                    <m:t>𝑔</m:t>
+                                  </m:r>
+                                </m:e>
+                                <m:sub>
+                                  <m:r>
+                                    <a:rPr lang="en-US" altLang="ja-JP" i="1">
+                                      <a:latin typeface="Cambria Math" panose="02040503050406030204" pitchFamily="18" charset="0"/>
+                                    </a:rPr>
+                                    <m:t>𝑐</m:t>
+                                  </m:r>
+                                  <m:r>
+                                    <a:rPr lang="en-US" altLang="ja-JP" b="0" i="1" smtClean="0">
+                                      <a:latin typeface="Cambria Math" panose="02040503050406030204" pitchFamily="18" charset="0"/>
+                                    </a:rPr>
+                                    <m:t>𝑒</m:t>
+                                  </m:r>
+                                  <m:r>
+                                    <a:rPr lang="en-US" altLang="ja-JP" i="1">
+                                      <a:latin typeface="Cambria Math" panose="02040503050406030204" pitchFamily="18" charset="0"/>
+                                    </a:rPr>
+                                    <m:t>1</m:t>
+                                  </m:r>
+                                </m:sub>
+                              </m:sSub>
+                            </m:e>
+                          </m:d>
+                          <m:d>
+                            <m:dPr>
+                              <m:ctrlPr>
+                                <a:rPr lang="en-US" altLang="ja-JP" b="0" i="1" smtClean="0">
+                                  <a:latin typeface="Cambria Math" panose="02040503050406030204" pitchFamily="18" charset="0"/>
+                                </a:rPr>
+                              </m:ctrlPr>
+                            </m:dPr>
+                            <m:e>
+                              <m:sSub>
+                                <m:sSubPr>
+                                  <m:ctrlPr>
+                                    <a:rPr lang="en-US" altLang="ja-JP" i="1">
+                                      <a:latin typeface="Cambria Math" panose="02040503050406030204" pitchFamily="18" charset="0"/>
+                                    </a:rPr>
+                                  </m:ctrlPr>
+                                </m:sSubPr>
+                                <m:e>
+                                  <m:r>
+                                    <a:rPr lang="en-US" altLang="ja-JP" i="1">
+                                      <a:latin typeface="Cambria Math" panose="02040503050406030204" pitchFamily="18" charset="0"/>
+                                    </a:rPr>
+                                    <m:t>𝐺</m:t>
+                                  </m:r>
+                                </m:e>
+                                <m:sub>
+                                  <m:r>
+                                    <a:rPr lang="en-US" altLang="ja-JP" i="1">
+                                      <a:latin typeface="Cambria Math" panose="02040503050406030204" pitchFamily="18" charset="0"/>
+                                    </a:rPr>
+                                    <m:t>𝐶</m:t>
+                                  </m:r>
+                                  <m:r>
+                                    <a:rPr lang="en-US" altLang="ja-JP" i="1">
+                                      <a:latin typeface="Cambria Math" panose="02040503050406030204" pitchFamily="18" charset="0"/>
+                                    </a:rPr>
+                                    <m:t>1</m:t>
+                                  </m:r>
+                                </m:sub>
+                              </m:sSub>
+                              <m:r>
+                                <a:rPr lang="en-US" altLang="ja-JP" i="1">
+                                  <a:latin typeface="Cambria Math" panose="02040503050406030204" pitchFamily="18" charset="0"/>
+                                </a:rPr>
+                                <m:t>+</m:t>
+                              </m:r>
+                              <m:sSub>
+                                <m:sSubPr>
+                                  <m:ctrlPr>
+                                    <a:rPr lang="en-US" altLang="ja-JP" i="1">
+                                      <a:latin typeface="Cambria Math" panose="02040503050406030204" pitchFamily="18" charset="0"/>
+                                    </a:rPr>
+                                  </m:ctrlPr>
+                                </m:sSubPr>
+                                <m:e>
+                                  <m:r>
+                                    <a:rPr lang="en-US" altLang="ja-JP" i="1">
+                                      <a:latin typeface="Cambria Math" panose="02040503050406030204" pitchFamily="18" charset="0"/>
+                                    </a:rPr>
+                                    <m:t>𝑔</m:t>
+                                  </m:r>
+                                </m:e>
+                                <m:sub>
+                                  <m:r>
+                                    <a:rPr lang="en-US" altLang="ja-JP" i="1">
+                                      <a:latin typeface="Cambria Math" panose="02040503050406030204" pitchFamily="18" charset="0"/>
+                                    </a:rPr>
+                                    <m:t>𝑐𝑒</m:t>
+                                  </m:r>
+                                  <m:r>
+                                    <a:rPr lang="en-US" altLang="ja-JP" i="1">
+                                      <a:latin typeface="Cambria Math" panose="02040503050406030204" pitchFamily="18" charset="0"/>
+                                    </a:rPr>
+                                    <m:t>1</m:t>
+                                  </m:r>
+                                </m:sub>
+                              </m:sSub>
+                              <m:r>
+                                <a:rPr lang="en-US" altLang="ja-JP" i="1">
+                                  <a:latin typeface="Cambria Math" panose="02040503050406030204" pitchFamily="18" charset="0"/>
+                                </a:rPr>
+                                <m:t>+</m:t>
+                              </m:r>
+                              <m:sSub>
+                                <m:sSubPr>
+                                  <m:ctrlPr>
+                                    <a:rPr lang="en-US" altLang="ja-JP" i="1">
+                                      <a:latin typeface="Cambria Math" panose="02040503050406030204" pitchFamily="18" charset="0"/>
+                                    </a:rPr>
+                                  </m:ctrlPr>
+                                </m:sSubPr>
+                                <m:e>
+                                  <m:r>
+                                    <a:rPr lang="en-US" altLang="ja-JP" i="1">
+                                      <a:latin typeface="Cambria Math" panose="02040503050406030204" pitchFamily="18" charset="0"/>
+                                    </a:rPr>
+                                    <m:t>𝑔</m:t>
+                                  </m:r>
+                                </m:e>
+                                <m:sub>
+                                  <m:r>
+                                    <a:rPr lang="en-US" altLang="ja-JP" i="1">
+                                      <a:latin typeface="Cambria Math" panose="02040503050406030204" pitchFamily="18" charset="0"/>
+                                    </a:rPr>
+                                    <m:t>𝑖𝑒</m:t>
+                                  </m:r>
+                                  <m:r>
+                                    <a:rPr lang="en-US" altLang="ja-JP" i="1">
+                                      <a:latin typeface="Cambria Math" panose="02040503050406030204" pitchFamily="18" charset="0"/>
+                                    </a:rPr>
+                                    <m:t>1</m:t>
+                                  </m:r>
+                                </m:sub>
+                              </m:sSub>
+                            </m:e>
+                          </m:d>
+                        </m:den>
+                      </m:f>
+                    </m:oMath>
+                  </m:oMathPara>
+                </a14:m>
+                <a:endParaRPr kumimoji="1" lang="en-US" altLang="ja-JP" dirty="0">
+                  <a:latin typeface="Times Newer Roman" panose="00000500000000000000" pitchFamily="50" charset="0"/>
+                </a:endParaRPr>
+              </a:p>
+              <a:p>
+                <a14:m>
+                  <m:oMathPara xmlns:m="http://schemas.openxmlformats.org/officeDocument/2006/math">
+                    <m:oMathParaPr>
+                      <m:jc m:val="centerGroup"/>
+                    </m:oMathParaPr>
+                    <m:oMath xmlns:m="http://schemas.openxmlformats.org/officeDocument/2006/math">
+                      <m:f>
+                        <m:fPr>
+                          <m:ctrlPr>
+                            <a:rPr kumimoji="1" lang="en-US" altLang="ja-JP" b="0" i="1" smtClean="0">
+                              <a:latin typeface="Cambria Math" panose="02040503050406030204" pitchFamily="18" charset="0"/>
+                            </a:rPr>
+                          </m:ctrlPr>
+                        </m:fPr>
+                        <m:num>
+                          <m:r>
+                            <a:rPr kumimoji="1" lang="en-US" altLang="ja-JP" b="0" i="1" smtClean="0">
+                              <a:latin typeface="Cambria Math" panose="02040503050406030204" pitchFamily="18" charset="0"/>
+                            </a:rPr>
+                            <m:t>7.2037</m:t>
+                          </m:r>
+                          <m:r>
+                            <a:rPr kumimoji="1" lang="en-US" altLang="ja-JP" b="0" i="1" smtClean="0">
+                              <a:latin typeface="Cambria Math" panose="02040503050406030204" pitchFamily="18" charset="0"/>
+                            </a:rPr>
+                            <m:t>⋯×</m:t>
+                          </m:r>
+                          <m:sSup>
+                            <m:sSupPr>
+                              <m:ctrlPr>
+                                <a:rPr kumimoji="1" lang="en-US" altLang="ja-JP" b="0" i="1" smtClean="0">
+                                  <a:latin typeface="Cambria Math" panose="02040503050406030204" pitchFamily="18" charset="0"/>
+                                </a:rPr>
+                              </m:ctrlPr>
+                            </m:sSupPr>
+                            <m:e>
+                              <m:r>
+                                <a:rPr kumimoji="1" lang="en-US" altLang="ja-JP" b="0" i="1" smtClean="0">
+                                  <a:latin typeface="Cambria Math" panose="02040503050406030204" pitchFamily="18" charset="0"/>
+                                </a:rPr>
+                                <m:t>10</m:t>
+                              </m:r>
+                            </m:e>
+                            <m:sup>
+                              <m:r>
+                                <a:rPr kumimoji="1" lang="en-US" altLang="ja-JP" b="0" i="1" smtClean="0">
+                                  <a:latin typeface="Cambria Math" panose="02040503050406030204" pitchFamily="18" charset="0"/>
+                                </a:rPr>
+                                <m:t>−4</m:t>
+                              </m:r>
+                            </m:sup>
+                          </m:sSup>
+                        </m:num>
+                        <m:den>
+                          <m:r>
+                            <a:rPr kumimoji="1" lang="en-US" altLang="ja-JP" b="0" i="1" smtClean="0">
+                              <a:latin typeface="Cambria Math" panose="02040503050406030204" pitchFamily="18" charset="0"/>
+                            </a:rPr>
+                            <m:t>3.8247⋯×</m:t>
+                          </m:r>
+                          <m:sSup>
+                            <m:sSupPr>
+                              <m:ctrlPr>
+                                <a:rPr kumimoji="1" lang="en-US" altLang="ja-JP" b="0" i="1" smtClean="0">
+                                  <a:latin typeface="Cambria Math" panose="02040503050406030204" pitchFamily="18" charset="0"/>
+                                </a:rPr>
+                              </m:ctrlPr>
+                            </m:sSupPr>
+                            <m:e>
+                              <m:r>
+                                <a:rPr kumimoji="1" lang="en-US" altLang="ja-JP" b="0" i="1" smtClean="0">
+                                  <a:latin typeface="Cambria Math" panose="02040503050406030204" pitchFamily="18" charset="0"/>
+                                </a:rPr>
+                                <m:t>10</m:t>
+                              </m:r>
+                            </m:e>
+                            <m:sup>
+                              <m:r>
+                                <a:rPr kumimoji="1" lang="en-US" altLang="ja-JP" b="0" i="1" smtClean="0">
+                                  <a:latin typeface="Cambria Math" panose="02040503050406030204" pitchFamily="18" charset="0"/>
+                                </a:rPr>
+                                <m:t>−5</m:t>
+                              </m:r>
+                            </m:sup>
+                          </m:sSup>
+                        </m:den>
+                      </m:f>
+                    </m:oMath>
+                  </m:oMathPara>
+                </a14:m>
+                <a:endParaRPr kumimoji="1" lang="ja-JP" altLang="en-US" dirty="0">
+                  <a:latin typeface="Times Newer Roman" panose="00000500000000000000" pitchFamily="50" charset="0"/>
+                </a:endParaRPr>
+              </a:p>
+            </p:txBody>
+          </p:sp>
+        </mc:Choice>
+        <mc:Fallback>
+          <p:sp>
+            <p:nvSpPr>
+              <p:cNvPr id="6" name="テキスト ボックス 5">
+                <a:extLst>
+                  <a:ext uri="{FF2B5EF4-FFF2-40B4-BE49-F238E27FC236}">
+                    <a16:creationId xmlns:a16="http://schemas.microsoft.com/office/drawing/2014/main" id="{1A54FCD8-6CC5-BE80-382B-790414F2C0AA}"/>
+                  </a:ext>
+                </a:extLst>
+              </p:cNvPr>
+              <p:cNvSpPr txBox="1">
+                <a:spLocks noRot="1" noChangeAspect="1" noMove="1" noResize="1" noEditPoints="1" noAdjustHandles="1" noChangeArrowheads="1" noChangeShapeType="1" noTextEdit="1"/>
+              </p:cNvSpPr>
+              <p:nvPr/>
+            </p:nvSpPr>
+            <p:spPr>
+              <a:xfrm>
+                <a:off x="657497" y="1579603"/>
+                <a:ext cx="10877005" cy="1778307"/>
+              </a:xfrm>
+              <a:prstGeom prst="rect">
+                <a:avLst/>
+              </a:prstGeom>
+              <a:blipFill>
+                <a:blip r:embed="rId2"/>
+                <a:stretch>
+                  <a:fillRect l="-504" t="-1712"/>
+                </a:stretch>
+              </a:blipFill>
+            </p:spPr>
+            <p:txBody>
+              <a:bodyPr/>
+              <a:lstStyle/>
+              <a:p>
+                <a:r>
+                  <a:rPr lang="ja-JP" altLang="en-US">
+                    <a:noFill/>
+                  </a:rPr>
+                  <a:t> </a:t>
+                </a:r>
+              </a:p>
+            </p:txBody>
+          </p:sp>
+        </mc:Fallback>
+      </mc:AlternateContent>
+      <p:pic>
+        <p:nvPicPr>
+          <p:cNvPr id="10" name="図 9">
+            <a:extLst>
+              <a:ext uri="{FF2B5EF4-FFF2-40B4-BE49-F238E27FC236}">
+                <a16:creationId xmlns:a16="http://schemas.microsoft.com/office/drawing/2014/main" id="{CA130B1D-20E3-C31D-D61C-3593DDF2036C}"/>
+              </a:ext>
+            </a:extLst>
+          </p:cNvPr>
+          <p:cNvPicPr>
+            <a:picLocks noChangeAspect="1"/>
+          </p:cNvPicPr>
+          <p:nvPr/>
+        </p:nvPicPr>
+        <p:blipFill>
+          <a:blip r:embed="rId3"/>
+          <a:stretch>
+            <a:fillRect/>
+          </a:stretch>
+        </p:blipFill>
+        <p:spPr>
+          <a:xfrm>
+            <a:off x="2152385" y="3854686"/>
+            <a:ext cx="7173128" cy="1670277"/>
+          </a:xfrm>
+          <a:prstGeom prst="rect">
+            <a:avLst/>
+          </a:prstGeom>
+        </p:spPr>
+      </p:pic>
+    </p:spTree>
+    <p:extLst>
+      <p:ext uri="{BB962C8B-B14F-4D97-AF65-F5344CB8AC3E}">
+        <p14:creationId xmlns:p14="http://schemas.microsoft.com/office/powerpoint/2010/main" val="3502826521"/>
+      </p:ext>
+    </p:extLst>
+  </p:cSld>
+  <p:clrMapOvr>
+    <a:masterClrMapping/>
+  </p:clrMapOvr>
+</p:sld>
+</file>
+
+<file path=ppt/slides/slide9.xml><?xml version="1.0" encoding="utf-8"?>
+<p:sld xmlns:a="http://schemas.openxmlformats.org/drawingml/2006/main" xmlns:r="http://schemas.openxmlformats.org/officeDocument/2006/relationships" xmlns:p="http://schemas.openxmlformats.org/presentationml/2006/main">
+  <p:cSld>
+    <p:spTree>
+      <p:nvGrpSpPr>
+        <p:cNvPr id="1" name=""/>
+        <p:cNvGrpSpPr/>
+        <p:nvPr/>
+      </p:nvGrpSpPr>
+      <p:grpSpPr>
+        <a:xfrm>
+          <a:off x="0" y="0"/>
+          <a:ext cx="0" cy="0"/>
+          <a:chOff x="0" y="0"/>
+          <a:chExt cx="0" cy="0"/>
+        </a:xfrm>
+      </p:grpSpPr>
+      <p:sp>
+        <p:nvSpPr>
+          <p:cNvPr id="2" name="タイトル 1">
+            <a:extLst>
+              <a:ext uri="{FF2B5EF4-FFF2-40B4-BE49-F238E27FC236}">
+                <a16:creationId xmlns:a16="http://schemas.microsoft.com/office/drawing/2014/main" id="{99837C09-D887-2D48-9C1E-8A92B0E05D50}"/>
+              </a:ext>
+            </a:extLst>
+          </p:cNvPr>
+          <p:cNvSpPr>
+            <a:spLocks noGrp="1"/>
+          </p:cNvSpPr>
+          <p:nvPr>
+            <p:ph type="title"/>
+          </p:nvPr>
+        </p:nvSpPr>
+        <p:spPr/>
+        <p:txBody>
+          <a:bodyPr/>
+          <a:lstStyle/>
+          <a:p>
+            <a:endParaRPr kumimoji="1" lang="ja-JP" altLang="en-US"/>
+          </a:p>
+        </p:txBody>
+      </p:sp>
+      <p:sp>
+        <p:nvSpPr>
+          <p:cNvPr id="3" name="日付プレースホルダー 2">
+            <a:extLst>
+              <a:ext uri="{FF2B5EF4-FFF2-40B4-BE49-F238E27FC236}">
+                <a16:creationId xmlns:a16="http://schemas.microsoft.com/office/drawing/2014/main" id="{A496986C-DAB6-7A2E-0AB3-B17560A51636}"/>
+              </a:ext>
+            </a:extLst>
+          </p:cNvPr>
+          <p:cNvSpPr>
+            <a:spLocks noGrp="1"/>
+          </p:cNvSpPr>
+          <p:nvPr>
+            <p:ph type="dt" sz="half" idx="10"/>
+          </p:nvPr>
+        </p:nvSpPr>
+        <p:spPr/>
+        <p:txBody>
+          <a:bodyPr/>
+          <a:lstStyle/>
+          <a:p>
+            <a:r>
+              <a:rPr lang="en-US" altLang="ja-JP"/>
+              <a:t>2024/5/24</a:t>
+            </a:r>
+            <a:endParaRPr lang="ja-JP" altLang="en-US"/>
+          </a:p>
+        </p:txBody>
+      </p:sp>
+      <p:sp>
+        <p:nvSpPr>
+          <p:cNvPr id="4" name="スライド番号プレースホルダー 3">
+            <a:extLst>
+              <a:ext uri="{FF2B5EF4-FFF2-40B4-BE49-F238E27FC236}">
+                <a16:creationId xmlns:a16="http://schemas.microsoft.com/office/drawing/2014/main" id="{EF04CE7D-D5AB-D6EE-9582-E8981A17C1B1}"/>
+              </a:ext>
+            </a:extLst>
+          </p:cNvPr>
+          <p:cNvSpPr>
+            <a:spLocks noGrp="1"/>
+          </p:cNvSpPr>
+          <p:nvPr>
+            <p:ph type="sldNum" sz="quarter" idx="12"/>
+          </p:nvPr>
+        </p:nvSpPr>
+        <p:spPr/>
+        <p:txBody>
+          <a:bodyPr/>
+          <a:lstStyle/>
+          <a:p>
+            <a:fld id="{6294761A-CFE9-4878-87A7-90ECABD59CE5}" type="slidenum">
+              <a:rPr lang="ja-JP" altLang="en-US" smtClean="0"/>
+              <a:pPr/>
+              <a:t>9</a:t>
+            </a:fld>
+            <a:endParaRPr lang="ja-JP" altLang="en-US"/>
+          </a:p>
+        </p:txBody>
+      </p:sp>
+      <p:sp>
+        <p:nvSpPr>
+          <p:cNvPr id="5" name="フッター プレースホルダー 4">
+            <a:extLst>
+              <a:ext uri="{FF2B5EF4-FFF2-40B4-BE49-F238E27FC236}">
+                <a16:creationId xmlns:a16="http://schemas.microsoft.com/office/drawing/2014/main" id="{7F133D31-79BD-1AFB-0D7A-3FAA208C4F0E}"/>
+              </a:ext>
+            </a:extLst>
+          </p:cNvPr>
+          <p:cNvSpPr>
+            <a:spLocks noGrp="1"/>
+          </p:cNvSpPr>
+          <p:nvPr>
+            <p:ph type="ftr" sz="quarter" idx="3"/>
+          </p:nvPr>
+        </p:nvSpPr>
+        <p:spPr/>
+        <p:txBody>
+          <a:bodyPr/>
+          <a:lstStyle/>
+          <a:p>
+            <a:r>
+              <a:rPr lang="en-US" altLang="ja-JP"/>
+              <a:t>Wave Signal Processing Circuit Laboratory,  Meiji University</a:t>
+            </a:r>
+            <a:endParaRPr lang="en-US" altLang="ja-JP" dirty="0"/>
+          </a:p>
+        </p:txBody>
+      </p:sp>
+      <mc:AlternateContent xmlns:mc="http://schemas.openxmlformats.org/markup-compatibility/2006">
+        <mc:Choice xmlns:a14="http://schemas.microsoft.com/office/drawing/2010/main" Requires="a14">
+          <p:sp>
+            <p:nvSpPr>
+              <p:cNvPr id="8" name="テキスト ボックス 7">
+                <a:extLst>
+                  <a:ext uri="{FF2B5EF4-FFF2-40B4-BE49-F238E27FC236}">
+                    <a16:creationId xmlns:a16="http://schemas.microsoft.com/office/drawing/2014/main" id="{D02828D0-4202-0F11-5180-746948E7776E}"/>
+                  </a:ext>
+                </a:extLst>
+              </p:cNvPr>
+              <p:cNvSpPr txBox="1"/>
+              <p:nvPr/>
+            </p:nvSpPr>
+            <p:spPr>
+              <a:xfrm>
+                <a:off x="52039" y="4269960"/>
+                <a:ext cx="12192000" cy="544380"/>
+              </a:xfrm>
+              <a:prstGeom prst="rect">
+                <a:avLst/>
+              </a:prstGeom>
+              <a:noFill/>
+            </p:spPr>
+            <p:txBody>
+              <a:bodyPr wrap="square">
+                <a:spAutoFit/>
+              </a:bodyPr>
+              <a:lstStyle/>
+              <a:p>
+                <a:pPr/>
+                <a14:m>
+                  <m:oMathPara xmlns:m="http://schemas.openxmlformats.org/officeDocument/2006/math">
+                    <m:oMathParaPr>
+                      <m:jc m:val="centerGroup"/>
+                    </m:oMathParaPr>
+                    <m:oMath xmlns:m="http://schemas.openxmlformats.org/officeDocument/2006/math">
+                      <m:f>
+                        <m:fPr>
+                          <m:ctrlPr>
+                            <a:rPr lang="en-US" altLang="ja-JP" sz="1200" i="1" smtClean="0">
+                              <a:latin typeface="Cambria Math" panose="02040503050406030204" pitchFamily="18" charset="0"/>
+                            </a:rPr>
+                          </m:ctrlPr>
+                        </m:fPr>
+                        <m:num>
+                          <m:sSub>
+                            <m:sSubPr>
+                              <m:ctrlPr>
+                                <a:rPr lang="en-US" altLang="ja-JP" sz="1200" i="1">
+                                  <a:latin typeface="Cambria Math" panose="02040503050406030204" pitchFamily="18" charset="0"/>
+                                </a:rPr>
+                              </m:ctrlPr>
+                            </m:sSubPr>
+                            <m:e>
+                              <m:r>
+                                <a:rPr lang="en-US" altLang="ja-JP" sz="1200" i="1">
+                                  <a:latin typeface="Cambria Math" panose="02040503050406030204" pitchFamily="18" charset="0"/>
+                                </a:rPr>
+                                <m:t>𝑔</m:t>
+                              </m:r>
+                            </m:e>
+                            <m:sub>
+                              <m:r>
+                                <a:rPr lang="en-US" altLang="ja-JP" sz="1200" i="1">
+                                  <a:latin typeface="Cambria Math" panose="02040503050406030204" pitchFamily="18" charset="0"/>
+                                </a:rPr>
+                                <m:t>𝑚</m:t>
+                              </m:r>
+                              <m:r>
+                                <a:rPr lang="en-US" altLang="ja-JP" sz="1200" i="1">
+                                  <a:latin typeface="Cambria Math" panose="02040503050406030204" pitchFamily="18" charset="0"/>
+                                </a:rPr>
+                                <m:t>1</m:t>
+                              </m:r>
+                            </m:sub>
+                          </m:sSub>
+                          <m:r>
+                            <a:rPr lang="en-US" altLang="ja-JP" sz="1200" i="1">
+                              <a:latin typeface="Cambria Math" panose="02040503050406030204" pitchFamily="18" charset="0"/>
+                            </a:rPr>
+                            <m:t>+</m:t>
+                          </m:r>
+                          <m:sSub>
+                            <m:sSubPr>
+                              <m:ctrlPr>
+                                <a:rPr lang="en-US" altLang="ja-JP" sz="1200" i="1">
+                                  <a:latin typeface="Cambria Math" panose="02040503050406030204" pitchFamily="18" charset="0"/>
+                                </a:rPr>
+                              </m:ctrlPr>
+                            </m:sSubPr>
+                            <m:e>
+                              <m:r>
+                                <a:rPr lang="en-US" altLang="ja-JP" sz="1200" i="1">
+                                  <a:latin typeface="Cambria Math" panose="02040503050406030204" pitchFamily="18" charset="0"/>
+                                </a:rPr>
+                                <m:t>𝑔</m:t>
+                              </m:r>
+                            </m:e>
+                            <m:sub>
+                              <m:r>
+                                <a:rPr lang="en-US" altLang="ja-JP" sz="1200" i="1">
+                                  <a:latin typeface="Cambria Math" panose="02040503050406030204" pitchFamily="18" charset="0"/>
+                                </a:rPr>
+                                <m:t>𝑐𝑒</m:t>
+                              </m:r>
+                              <m:r>
+                                <a:rPr lang="en-US" altLang="ja-JP" sz="1200" i="1">
+                                  <a:latin typeface="Cambria Math" panose="02040503050406030204" pitchFamily="18" charset="0"/>
+                                </a:rPr>
+                                <m:t>1</m:t>
+                              </m:r>
+                            </m:sub>
+                          </m:sSub>
+                        </m:num>
+                        <m:den>
+                          <m:sSub>
+                            <m:sSubPr>
+                              <m:ctrlPr>
+                                <a:rPr lang="en-US" altLang="ja-JP" sz="1200" i="1">
+                                  <a:latin typeface="Cambria Math" panose="02040503050406030204" pitchFamily="18" charset="0"/>
+                                </a:rPr>
+                              </m:ctrlPr>
+                            </m:sSubPr>
+                            <m:e>
+                              <m:r>
+                                <a:rPr lang="en-US" altLang="ja-JP" sz="1200" i="1">
+                                  <a:latin typeface="Cambria Math" panose="02040503050406030204" pitchFamily="18" charset="0"/>
+                                </a:rPr>
+                                <m:t>𝐺</m:t>
+                              </m:r>
+                            </m:e>
+                            <m:sub>
+                              <m:r>
+                                <a:rPr lang="en-US" altLang="ja-JP" sz="1200" i="1">
+                                  <a:latin typeface="Cambria Math" panose="02040503050406030204" pitchFamily="18" charset="0"/>
+                                </a:rPr>
+                                <m:t>1</m:t>
+                              </m:r>
+                            </m:sub>
+                          </m:sSub>
+                          <m:r>
+                            <a:rPr lang="en-US" altLang="ja-JP" sz="1200" i="1">
+                              <a:latin typeface="Cambria Math" panose="02040503050406030204" pitchFamily="18" charset="0"/>
+                            </a:rPr>
+                            <m:t>+</m:t>
+                          </m:r>
+                          <m:r>
+                            <a:rPr lang="en-US" altLang="ja-JP" sz="1200" i="1">
+                              <a:latin typeface="Cambria Math" panose="02040503050406030204" pitchFamily="18" charset="0"/>
+                            </a:rPr>
+                            <m:t>𝑗</m:t>
+                          </m:r>
+                          <m:r>
+                            <a:rPr lang="en-US" altLang="ja-JP" sz="1200" i="1">
+                              <a:latin typeface="Cambria Math" panose="02040503050406030204" pitchFamily="18" charset="0"/>
+                            </a:rPr>
+                            <m:t>𝜔</m:t>
+                          </m:r>
+                          <m:sSub>
+                            <m:sSubPr>
+                              <m:ctrlPr>
+                                <a:rPr lang="en-US" altLang="ja-JP" sz="1200" i="1">
+                                  <a:latin typeface="Cambria Math" panose="02040503050406030204" pitchFamily="18" charset="0"/>
+                                </a:rPr>
+                              </m:ctrlPr>
+                            </m:sSubPr>
+                            <m:e>
+                              <m:r>
+                                <a:rPr lang="en-US" altLang="ja-JP" sz="1200" i="1">
+                                  <a:latin typeface="Cambria Math" panose="02040503050406030204" pitchFamily="18" charset="0"/>
+                                </a:rPr>
+                                <m:t>𝐶</m:t>
+                              </m:r>
+                            </m:e>
+                            <m:sub>
+                              <m:r>
+                                <a:rPr lang="en-US" altLang="ja-JP" sz="1200" i="1">
+                                  <a:latin typeface="Cambria Math" panose="02040503050406030204" pitchFamily="18" charset="0"/>
+                                </a:rPr>
+                                <m:t>1</m:t>
+                              </m:r>
+                            </m:sub>
+                          </m:sSub>
+                        </m:den>
+                      </m:f>
+                      <m:r>
+                        <a:rPr lang="en-US" altLang="ja-JP" sz="1200" b="0" i="1" smtClean="0">
+                          <a:latin typeface="Cambria Math" panose="02040503050406030204" pitchFamily="18" charset="0"/>
+                        </a:rPr>
+                        <m:t>⋅</m:t>
+                      </m:r>
+                      <m:f>
+                        <m:fPr>
+                          <m:ctrlPr>
+                            <a:rPr lang="en-US" altLang="ja-JP" sz="1200" b="0" i="1" smtClean="0">
+                              <a:latin typeface="Cambria Math" panose="02040503050406030204" pitchFamily="18" charset="0"/>
+                            </a:rPr>
+                          </m:ctrlPr>
+                        </m:fPr>
+                        <m:num>
+                          <m:r>
+                            <a:rPr lang="en-US" altLang="ja-JP" sz="1200" i="1">
+                              <a:latin typeface="Cambria Math" panose="02040503050406030204" pitchFamily="18" charset="0"/>
+                            </a:rPr>
+                            <m:t>−</m:t>
+                          </m:r>
+                          <m:sSub>
+                            <m:sSubPr>
+                              <m:ctrlPr>
+                                <a:rPr lang="en-US" altLang="ja-JP" sz="1200" i="1">
+                                  <a:latin typeface="Cambria Math" panose="02040503050406030204" pitchFamily="18" charset="0"/>
+                                </a:rPr>
+                              </m:ctrlPr>
+                            </m:sSubPr>
+                            <m:e>
+                              <m:r>
+                                <a:rPr lang="en-US" altLang="ja-JP" sz="1200" i="1">
+                                  <a:latin typeface="Cambria Math" panose="02040503050406030204" pitchFamily="18" charset="0"/>
+                                </a:rPr>
+                                <m:t>𝑔</m:t>
+                              </m:r>
+                            </m:e>
+                            <m:sub>
+                              <m:r>
+                                <a:rPr lang="en-US" altLang="ja-JP" sz="1200" i="1">
+                                  <a:latin typeface="Cambria Math" panose="02040503050406030204" pitchFamily="18" charset="0"/>
+                                </a:rPr>
+                                <m:t>𝑚</m:t>
+                              </m:r>
+                              <m:r>
+                                <a:rPr lang="en-US" altLang="ja-JP" sz="1200" i="1">
+                                  <a:latin typeface="Cambria Math" panose="02040503050406030204" pitchFamily="18" charset="0"/>
+                                </a:rPr>
+                                <m:t>2</m:t>
+                              </m:r>
+                            </m:sub>
+                          </m:sSub>
+                          <m:sSub>
+                            <m:sSubPr>
+                              <m:ctrlPr>
+                                <a:rPr lang="en-US" altLang="ja-JP" sz="1200" i="1">
+                                  <a:latin typeface="Cambria Math" panose="02040503050406030204" pitchFamily="18" charset="0"/>
+                                </a:rPr>
+                              </m:ctrlPr>
+                            </m:sSubPr>
+                            <m:e>
+                              <m:r>
+                                <a:rPr lang="en-US" altLang="ja-JP" sz="1200" i="1">
+                                  <a:latin typeface="Cambria Math" panose="02040503050406030204" pitchFamily="18" charset="0"/>
+                                </a:rPr>
+                                <m:t>𝐺</m:t>
+                              </m:r>
+                            </m:e>
+                            <m:sub>
+                              <m:r>
+                                <a:rPr lang="en-US" altLang="ja-JP" sz="1200" i="1">
+                                  <a:latin typeface="Cambria Math" panose="02040503050406030204" pitchFamily="18" charset="0"/>
+                                </a:rPr>
+                                <m:t>1</m:t>
+                              </m:r>
+                            </m:sub>
+                          </m:sSub>
+                          <m:r>
+                            <a:rPr lang="en-US" altLang="ja-JP" sz="1200" i="1">
+                              <a:latin typeface="Cambria Math" panose="02040503050406030204" pitchFamily="18" charset="0"/>
+                            </a:rPr>
+                            <m:t>+</m:t>
+                          </m:r>
+                          <m:r>
+                            <a:rPr lang="en-US" altLang="ja-JP" sz="1200" i="1">
+                              <a:latin typeface="Cambria Math" panose="02040503050406030204" pitchFamily="18" charset="0"/>
+                            </a:rPr>
+                            <m:t>𝑗</m:t>
+                          </m:r>
+                          <m:r>
+                            <a:rPr lang="en-US" altLang="ja-JP" sz="1200" i="1">
+                              <a:latin typeface="Cambria Math" panose="02040503050406030204" pitchFamily="18" charset="0"/>
+                            </a:rPr>
+                            <m:t>𝜔</m:t>
+                          </m:r>
+                          <m:d>
+                            <m:dPr>
+                              <m:ctrlPr>
+                                <a:rPr lang="en-US" altLang="ja-JP" sz="1200" i="1">
+                                  <a:latin typeface="Cambria Math" panose="02040503050406030204" pitchFamily="18" charset="0"/>
+                                </a:rPr>
+                              </m:ctrlPr>
+                            </m:dPr>
+                            <m:e>
+                              <m:sSub>
+                                <m:sSubPr>
+                                  <m:ctrlPr>
+                                    <a:rPr lang="en-US" altLang="ja-JP" sz="1200" i="1">
+                                      <a:latin typeface="Cambria Math" panose="02040503050406030204" pitchFamily="18" charset="0"/>
+                                    </a:rPr>
+                                  </m:ctrlPr>
+                                </m:sSubPr>
+                                <m:e>
+                                  <m:r>
+                                    <a:rPr lang="en-US" altLang="ja-JP" sz="1200" i="1">
+                                      <a:latin typeface="Cambria Math" panose="02040503050406030204" pitchFamily="18" charset="0"/>
+                                    </a:rPr>
+                                    <m:t>𝐺</m:t>
+                                  </m:r>
+                                </m:e>
+                                <m:sub>
+                                  <m:r>
+                                    <a:rPr lang="en-US" altLang="ja-JP" sz="1200" i="1">
+                                      <a:latin typeface="Cambria Math" panose="02040503050406030204" pitchFamily="18" charset="0"/>
+                                    </a:rPr>
+                                    <m:t>1</m:t>
+                                  </m:r>
+                                </m:sub>
+                              </m:sSub>
+                              <m:sSub>
+                                <m:sSubPr>
+                                  <m:ctrlPr>
+                                    <a:rPr lang="en-US" altLang="ja-JP" sz="1200" i="1">
+                                      <a:latin typeface="Cambria Math" panose="02040503050406030204" pitchFamily="18" charset="0"/>
+                                    </a:rPr>
+                                  </m:ctrlPr>
+                                </m:sSubPr>
+                                <m:e>
+                                  <m:r>
+                                    <a:rPr lang="en-US" altLang="ja-JP" sz="1200" i="1">
+                                      <a:latin typeface="Cambria Math" panose="02040503050406030204" pitchFamily="18" charset="0"/>
+                                    </a:rPr>
+                                    <m:t>𝐶</m:t>
+                                  </m:r>
+                                </m:e>
+                                <m:sub>
+                                  <m:r>
+                                    <a:rPr lang="en-US" altLang="ja-JP" sz="1200" i="1">
+                                      <a:latin typeface="Cambria Math" panose="02040503050406030204" pitchFamily="18" charset="0"/>
+                                    </a:rPr>
+                                    <m:t>𝑗𝑐</m:t>
+                                  </m:r>
+                                  <m:r>
+                                    <a:rPr lang="en-US" altLang="ja-JP" sz="1200" i="1">
+                                      <a:latin typeface="Cambria Math" panose="02040503050406030204" pitchFamily="18" charset="0"/>
+                                    </a:rPr>
+                                    <m:t>2</m:t>
+                                  </m:r>
+                                </m:sub>
+                              </m:sSub>
+                              <m:r>
+                                <a:rPr lang="en-US" altLang="ja-JP" sz="1200" i="1">
+                                  <a:latin typeface="Cambria Math" panose="02040503050406030204" pitchFamily="18" charset="0"/>
+                                </a:rPr>
+                                <m:t>−</m:t>
+                              </m:r>
+                              <m:sSub>
+                                <m:sSubPr>
+                                  <m:ctrlPr>
+                                    <a:rPr lang="en-US" altLang="ja-JP" sz="1200" i="1">
+                                      <a:latin typeface="Cambria Math" panose="02040503050406030204" pitchFamily="18" charset="0"/>
+                                    </a:rPr>
+                                  </m:ctrlPr>
+                                </m:sSubPr>
+                                <m:e>
+                                  <m:r>
+                                    <a:rPr lang="en-US" altLang="ja-JP" sz="1200" i="1">
+                                      <a:latin typeface="Cambria Math" panose="02040503050406030204" pitchFamily="18" charset="0"/>
+                                    </a:rPr>
+                                    <m:t>𝑔</m:t>
+                                  </m:r>
+                                </m:e>
+                                <m:sub>
+                                  <m:r>
+                                    <a:rPr lang="en-US" altLang="ja-JP" sz="1200" i="1">
+                                      <a:latin typeface="Cambria Math" panose="02040503050406030204" pitchFamily="18" charset="0"/>
+                                    </a:rPr>
+                                    <m:t>𝑚</m:t>
+                                  </m:r>
+                                  <m:r>
+                                    <a:rPr lang="en-US" altLang="ja-JP" sz="1200" i="1">
+                                      <a:latin typeface="Cambria Math" panose="02040503050406030204" pitchFamily="18" charset="0"/>
+                                    </a:rPr>
+                                    <m:t>2</m:t>
+                                  </m:r>
+                                </m:sub>
+                              </m:sSub>
+                              <m:sSub>
+                                <m:sSubPr>
+                                  <m:ctrlPr>
+                                    <a:rPr lang="en-US" altLang="ja-JP" sz="1200" i="1">
+                                      <a:latin typeface="Cambria Math" panose="02040503050406030204" pitchFamily="18" charset="0"/>
+                                    </a:rPr>
+                                  </m:ctrlPr>
+                                </m:sSubPr>
+                                <m:e>
+                                  <m:r>
+                                    <a:rPr lang="en-US" altLang="ja-JP" sz="1200" i="1">
+                                      <a:latin typeface="Cambria Math" panose="02040503050406030204" pitchFamily="18" charset="0"/>
+                                    </a:rPr>
+                                    <m:t>𝐶</m:t>
+                                  </m:r>
+                                </m:e>
+                                <m:sub>
+                                  <m:r>
+                                    <a:rPr lang="en-US" altLang="ja-JP" sz="1200" i="1">
+                                      <a:latin typeface="Cambria Math" panose="02040503050406030204" pitchFamily="18" charset="0"/>
+                                    </a:rPr>
+                                    <m:t>1</m:t>
+                                  </m:r>
+                                </m:sub>
+                              </m:sSub>
+                            </m:e>
+                          </m:d>
+                          <m:r>
+                            <a:rPr lang="en-US" altLang="ja-JP" sz="1200" i="1">
+                              <a:latin typeface="Cambria Math" panose="02040503050406030204" pitchFamily="18" charset="0"/>
+                            </a:rPr>
+                            <m:t>−</m:t>
+                          </m:r>
+                          <m:sSup>
+                            <m:sSupPr>
+                              <m:ctrlPr>
+                                <a:rPr lang="en-US" altLang="ja-JP" sz="1200" i="1">
+                                  <a:latin typeface="Cambria Math" panose="02040503050406030204" pitchFamily="18" charset="0"/>
+                                </a:rPr>
+                              </m:ctrlPr>
+                            </m:sSupPr>
+                            <m:e>
+                              <m:r>
+                                <a:rPr lang="en-US" altLang="ja-JP" sz="1200" i="1">
+                                  <a:latin typeface="Cambria Math" panose="02040503050406030204" pitchFamily="18" charset="0"/>
+                                </a:rPr>
+                                <m:t>𝜔</m:t>
+                              </m:r>
+                            </m:e>
+                            <m:sup>
+                              <m:r>
+                                <a:rPr lang="en-US" altLang="ja-JP" sz="1200" i="1">
+                                  <a:latin typeface="Cambria Math" panose="02040503050406030204" pitchFamily="18" charset="0"/>
+                                </a:rPr>
+                                <m:t>2</m:t>
+                              </m:r>
+                            </m:sup>
+                          </m:sSup>
+                          <m:sSub>
+                            <m:sSubPr>
+                              <m:ctrlPr>
+                                <a:rPr lang="en-US" altLang="ja-JP" sz="1200" i="1">
+                                  <a:latin typeface="Cambria Math" panose="02040503050406030204" pitchFamily="18" charset="0"/>
+                                </a:rPr>
+                              </m:ctrlPr>
+                            </m:sSubPr>
+                            <m:e>
+                              <m:r>
+                                <a:rPr lang="en-US" altLang="ja-JP" sz="1200" i="1">
+                                  <a:latin typeface="Cambria Math" panose="02040503050406030204" pitchFamily="18" charset="0"/>
+                                </a:rPr>
+                                <m:t>𝐶</m:t>
+                              </m:r>
+                            </m:e>
+                            <m:sub>
+                              <m:r>
+                                <a:rPr lang="en-US" altLang="ja-JP" sz="1200" i="1">
+                                  <a:latin typeface="Cambria Math" panose="02040503050406030204" pitchFamily="18" charset="0"/>
+                                </a:rPr>
+                                <m:t>1</m:t>
+                              </m:r>
+                            </m:sub>
+                          </m:sSub>
+                          <m:sSub>
+                            <m:sSubPr>
+                              <m:ctrlPr>
+                                <a:rPr lang="en-US" altLang="ja-JP" sz="1200" i="1">
+                                  <a:latin typeface="Cambria Math" panose="02040503050406030204" pitchFamily="18" charset="0"/>
+                                </a:rPr>
+                              </m:ctrlPr>
+                            </m:sSubPr>
+                            <m:e>
+                              <m:r>
+                                <a:rPr lang="en-US" altLang="ja-JP" sz="1200" i="1">
+                                  <a:latin typeface="Cambria Math" panose="02040503050406030204" pitchFamily="18" charset="0"/>
+                                </a:rPr>
+                                <m:t>𝐶</m:t>
+                              </m:r>
+                            </m:e>
+                            <m:sub>
+                              <m:r>
+                                <a:rPr lang="en-US" altLang="ja-JP" sz="1200" i="1">
+                                  <a:latin typeface="Cambria Math" panose="02040503050406030204" pitchFamily="18" charset="0"/>
+                                </a:rPr>
+                                <m:t>𝑗𝑐</m:t>
+                              </m:r>
+                              <m:r>
+                                <a:rPr lang="en-US" altLang="ja-JP" sz="1200" i="1">
+                                  <a:latin typeface="Cambria Math" panose="02040503050406030204" pitchFamily="18" charset="0"/>
+                                </a:rPr>
+                                <m:t>2</m:t>
+                              </m:r>
+                            </m:sub>
+                          </m:sSub>
+                        </m:num>
+                        <m:den>
+                          <m:sSub>
+                            <m:sSubPr>
+                              <m:ctrlPr>
+                                <a:rPr lang="en-US" altLang="ja-JP" sz="1200" i="1">
+                                  <a:latin typeface="Cambria Math" panose="02040503050406030204" pitchFamily="18" charset="0"/>
+                                </a:rPr>
+                              </m:ctrlPr>
+                            </m:sSubPr>
+                            <m:e>
+                              <m:r>
+                                <a:rPr lang="en-US" altLang="ja-JP" sz="1200" i="1">
+                                  <a:latin typeface="Cambria Math" panose="02040503050406030204" pitchFamily="18" charset="0"/>
+                                </a:rPr>
+                                <m:t>𝐺</m:t>
+                              </m:r>
+                            </m:e>
+                            <m:sub>
+                              <m:r>
+                                <a:rPr lang="en-US" altLang="ja-JP" sz="1200" i="1">
+                                  <a:latin typeface="Cambria Math" panose="02040503050406030204" pitchFamily="18" charset="0"/>
+                                </a:rPr>
+                                <m:t>3</m:t>
+                              </m:r>
+                            </m:sub>
+                          </m:sSub>
+                          <m:r>
+                            <a:rPr lang="en-US" altLang="ja-JP" sz="1200" b="0" i="1" smtClean="0">
+                              <a:latin typeface="Cambria Math" panose="02040503050406030204" pitchFamily="18" charset="0"/>
+                            </a:rPr>
+                            <m:t>+</m:t>
+                          </m:r>
+                          <m:r>
+                            <a:rPr lang="en-US" altLang="ja-JP" sz="1200" i="1">
+                              <a:latin typeface="Cambria Math" panose="02040503050406030204" pitchFamily="18" charset="0"/>
+                            </a:rPr>
+                            <m:t>𝑗</m:t>
+                          </m:r>
+                          <m:r>
+                            <a:rPr lang="en-US" altLang="ja-JP" sz="1200" i="1">
+                              <a:latin typeface="Cambria Math" panose="02040503050406030204" pitchFamily="18" charset="0"/>
+                            </a:rPr>
+                            <m:t>𝜔</m:t>
+                          </m:r>
+                          <m:d>
+                            <m:dPr>
+                              <m:begChr m:val=""/>
+                              <m:endChr m:val="]"/>
+                              <m:ctrlPr>
+                                <a:rPr lang="en-US" altLang="ja-JP" sz="1200" i="1">
+                                  <a:latin typeface="Cambria Math" panose="02040503050406030204" pitchFamily="18" charset="0"/>
+                                </a:rPr>
+                              </m:ctrlPr>
+                            </m:dPr>
+                            <m:e>
+                              <m:d>
+                                <m:dPr>
+                                  <m:begChr m:val="["/>
+                                  <m:endChr m:val=""/>
+                                  <m:ctrlPr>
+                                    <a:rPr lang="en-US" altLang="ja-JP" sz="1200" i="1">
+                                      <a:latin typeface="Cambria Math" panose="02040503050406030204" pitchFamily="18" charset="0"/>
+                                    </a:rPr>
+                                  </m:ctrlPr>
+                                </m:dPr>
+                                <m:e>
+                                  <m:sSub>
+                                    <m:sSubPr>
+                                      <m:ctrlPr>
+                                        <a:rPr lang="en-US" altLang="ja-JP" sz="1200" i="1">
+                                          <a:latin typeface="Cambria Math" panose="02040503050406030204" pitchFamily="18" charset="0"/>
+                                        </a:rPr>
+                                      </m:ctrlPr>
+                                    </m:sSubPr>
+                                    <m:e>
+                                      <m:r>
+                                        <a:rPr lang="en-US" altLang="ja-JP" sz="1200" i="1">
+                                          <a:latin typeface="Cambria Math" panose="02040503050406030204" pitchFamily="18" charset="0"/>
+                                        </a:rPr>
+                                        <m:t>𝐶</m:t>
+                                      </m:r>
+                                    </m:e>
+                                    <m:sub>
+                                      <m:r>
+                                        <a:rPr lang="en-US" altLang="ja-JP" sz="1200" i="1">
+                                          <a:latin typeface="Cambria Math" panose="02040503050406030204" pitchFamily="18" charset="0"/>
+                                        </a:rPr>
+                                        <m:t>𝑗𝑐</m:t>
+                                      </m:r>
+                                      <m:r>
+                                        <a:rPr lang="en-US" altLang="ja-JP" sz="1200" i="1">
+                                          <a:latin typeface="Cambria Math" panose="02040503050406030204" pitchFamily="18" charset="0"/>
+                                        </a:rPr>
+                                        <m:t>2</m:t>
+                                      </m:r>
+                                    </m:sub>
+                                  </m:sSub>
+                                  <m:sSub>
+                                    <m:sSubPr>
+                                      <m:ctrlPr>
+                                        <a:rPr lang="en-US" altLang="ja-JP" sz="1200" i="1">
+                                          <a:latin typeface="Cambria Math" panose="02040503050406030204" pitchFamily="18" charset="0"/>
+                                        </a:rPr>
+                                      </m:ctrlPr>
+                                    </m:sSubPr>
+                                    <m:e>
+                                      <m:r>
+                                        <a:rPr lang="en-US" altLang="ja-JP" sz="1200" i="1">
+                                          <a:latin typeface="Cambria Math" panose="02040503050406030204" pitchFamily="18" charset="0"/>
+                                        </a:rPr>
+                                        <m:t>𝑔</m:t>
+                                      </m:r>
+                                    </m:e>
+                                    <m:sub>
+                                      <m:r>
+                                        <a:rPr lang="en-US" altLang="ja-JP" sz="1200" i="1">
+                                          <a:latin typeface="Cambria Math" panose="02040503050406030204" pitchFamily="18" charset="0"/>
+                                        </a:rPr>
+                                        <m:t>𝑚</m:t>
+                                      </m:r>
+                                      <m:r>
+                                        <a:rPr lang="en-US" altLang="ja-JP" sz="1200" i="1">
+                                          <a:latin typeface="Cambria Math" panose="02040503050406030204" pitchFamily="18" charset="0"/>
+                                        </a:rPr>
+                                        <m:t>2</m:t>
+                                      </m:r>
+                                    </m:sub>
+                                  </m:sSub>
+                                  <m:sSub>
+                                    <m:sSubPr>
+                                      <m:ctrlPr>
+                                        <a:rPr lang="en-US" altLang="ja-JP" sz="1200" i="1">
+                                          <a:latin typeface="Cambria Math" panose="02040503050406030204" pitchFamily="18" charset="0"/>
+                                        </a:rPr>
+                                      </m:ctrlPr>
+                                    </m:sSubPr>
+                                    <m:e>
+                                      <m:r>
+                                        <a:rPr lang="en-US" altLang="ja-JP" sz="1200" i="1">
+                                          <a:latin typeface="Cambria Math" panose="02040503050406030204" pitchFamily="18" charset="0"/>
+                                        </a:rPr>
+                                        <m:t>𝐺</m:t>
+                                      </m:r>
+                                    </m:e>
+                                    <m:sub>
+                                      <m:r>
+                                        <a:rPr lang="en-US" altLang="ja-JP" sz="1200" i="1">
+                                          <a:latin typeface="Cambria Math" panose="02040503050406030204" pitchFamily="18" charset="0"/>
+                                        </a:rPr>
+                                        <m:t>1</m:t>
+                                      </m:r>
+                                    </m:sub>
+                                  </m:sSub>
+                                  <m:r>
+                                    <a:rPr lang="en-US" altLang="ja-JP" sz="1200" b="0" i="1" smtClean="0">
+                                      <a:latin typeface="Cambria Math" panose="02040503050406030204" pitchFamily="18" charset="0"/>
+                                    </a:rPr>
+                                    <m:t>−</m:t>
+                                  </m:r>
+                                  <m:d>
+                                    <m:dPr>
+                                      <m:ctrlPr>
+                                        <a:rPr lang="en-US" altLang="ja-JP" sz="1200" i="1">
+                                          <a:latin typeface="Cambria Math" panose="02040503050406030204" pitchFamily="18" charset="0"/>
+                                        </a:rPr>
+                                      </m:ctrlPr>
+                                    </m:dPr>
+                                    <m:e>
+                                      <m:sSub>
+                                        <m:sSubPr>
+                                          <m:ctrlPr>
+                                            <a:rPr lang="en-US" altLang="ja-JP" sz="1200" i="1">
+                                              <a:latin typeface="Cambria Math" panose="02040503050406030204" pitchFamily="18" charset="0"/>
+                                            </a:rPr>
+                                          </m:ctrlPr>
+                                        </m:sSubPr>
+                                        <m:e>
+                                          <m:r>
+                                            <a:rPr lang="en-US" altLang="ja-JP" sz="1200" i="1">
+                                              <a:latin typeface="Cambria Math" panose="02040503050406030204" pitchFamily="18" charset="0"/>
+                                            </a:rPr>
+                                            <m:t>𝐺</m:t>
+                                          </m:r>
+                                        </m:e>
+                                        <m:sub>
+                                          <m:r>
+                                            <a:rPr lang="en-US" altLang="ja-JP" sz="1200" i="1">
+                                              <a:latin typeface="Cambria Math" panose="02040503050406030204" pitchFamily="18" charset="0"/>
+                                            </a:rPr>
+                                            <m:t>𝑐</m:t>
+                                          </m:r>
+                                          <m:r>
+                                            <a:rPr lang="en-US" altLang="ja-JP" sz="1200" i="1">
+                                              <a:latin typeface="Cambria Math" panose="02040503050406030204" pitchFamily="18" charset="0"/>
+                                            </a:rPr>
+                                            <m:t>2</m:t>
+                                          </m:r>
+                                        </m:sub>
+                                      </m:sSub>
+                                      <m:r>
+                                        <a:rPr lang="en-US" altLang="ja-JP" sz="1200" i="1">
+                                          <a:latin typeface="Cambria Math" panose="02040503050406030204" pitchFamily="18" charset="0"/>
+                                        </a:rPr>
+                                        <m:t>+</m:t>
+                                      </m:r>
+                                      <m:sSub>
+                                        <m:sSubPr>
+                                          <m:ctrlPr>
+                                            <a:rPr lang="en-US" altLang="ja-JP" sz="1200" i="1">
+                                              <a:latin typeface="Cambria Math" panose="02040503050406030204" pitchFamily="18" charset="0"/>
+                                            </a:rPr>
+                                          </m:ctrlPr>
+                                        </m:sSubPr>
+                                        <m:e>
+                                          <m:r>
+                                            <a:rPr lang="en-US" altLang="ja-JP" sz="1200" i="1">
+                                              <a:latin typeface="Cambria Math" panose="02040503050406030204" pitchFamily="18" charset="0"/>
+                                            </a:rPr>
+                                            <m:t>𝑔</m:t>
+                                          </m:r>
+                                        </m:e>
+                                        <m:sub>
+                                          <m:r>
+                                            <a:rPr lang="en-US" altLang="ja-JP" sz="1200" i="1">
+                                              <a:latin typeface="Cambria Math" panose="02040503050406030204" pitchFamily="18" charset="0"/>
+                                            </a:rPr>
+                                            <m:t>𝑐𝑒</m:t>
+                                          </m:r>
+                                          <m:r>
+                                            <a:rPr lang="en-US" altLang="ja-JP" sz="1200" i="1">
+                                              <a:latin typeface="Cambria Math" panose="02040503050406030204" pitchFamily="18" charset="0"/>
+                                            </a:rPr>
+                                            <m:t>2</m:t>
+                                          </m:r>
+                                        </m:sub>
+                                      </m:sSub>
+                                    </m:e>
+                                  </m:d>
+                                  <m:d>
+                                    <m:dPr>
+                                      <m:ctrlPr>
+                                        <a:rPr lang="en-US" altLang="ja-JP" sz="1200" i="1">
+                                          <a:latin typeface="Cambria Math" panose="02040503050406030204" pitchFamily="18" charset="0"/>
+                                        </a:rPr>
+                                      </m:ctrlPr>
+                                    </m:dPr>
+                                    <m:e>
+                                      <m:sSub>
+                                        <m:sSubPr>
+                                          <m:ctrlPr>
+                                            <a:rPr lang="en-US" altLang="ja-JP" sz="1200" i="1">
+                                              <a:latin typeface="Cambria Math" panose="02040503050406030204" pitchFamily="18" charset="0"/>
+                                            </a:rPr>
+                                          </m:ctrlPr>
+                                        </m:sSubPr>
+                                        <m:e>
+                                          <m:r>
+                                            <a:rPr lang="en-US" altLang="ja-JP" sz="1200" i="1">
+                                              <a:latin typeface="Cambria Math" panose="02040503050406030204" pitchFamily="18" charset="0"/>
+                                            </a:rPr>
+                                            <m:t>𝐶</m:t>
+                                          </m:r>
+                                        </m:e>
+                                        <m:sub>
+                                          <m:r>
+                                            <a:rPr lang="en-US" altLang="ja-JP" sz="1200" i="1">
+                                              <a:latin typeface="Cambria Math" panose="02040503050406030204" pitchFamily="18" charset="0"/>
+                                            </a:rPr>
+                                            <m:t>1</m:t>
+                                          </m:r>
+                                        </m:sub>
+                                      </m:sSub>
+                                      <m:sSub>
+                                        <m:sSubPr>
+                                          <m:ctrlPr>
+                                            <a:rPr lang="en-US" altLang="ja-JP" sz="1200" i="1">
+                                              <a:latin typeface="Cambria Math" panose="02040503050406030204" pitchFamily="18" charset="0"/>
+                                            </a:rPr>
+                                          </m:ctrlPr>
+                                        </m:sSubPr>
+                                        <m:e>
+                                          <m:r>
+                                            <a:rPr lang="en-US" altLang="ja-JP" sz="1200" i="1">
+                                              <a:latin typeface="Cambria Math" panose="02040503050406030204" pitchFamily="18" charset="0"/>
+                                            </a:rPr>
+                                            <m:t>𝐺</m:t>
+                                          </m:r>
+                                        </m:e>
+                                        <m:sub>
+                                          <m:r>
+                                            <a:rPr lang="en-US" altLang="ja-JP" sz="1200" i="1">
+                                              <a:latin typeface="Cambria Math" panose="02040503050406030204" pitchFamily="18" charset="0"/>
+                                            </a:rPr>
+                                            <m:t>2</m:t>
+                                          </m:r>
+                                        </m:sub>
+                                      </m:sSub>
+                                      <m:r>
+                                        <a:rPr lang="en-US" altLang="ja-JP" sz="1200" i="1">
+                                          <a:latin typeface="Cambria Math" panose="02040503050406030204" pitchFamily="18" charset="0"/>
+                                        </a:rPr>
+                                        <m:t>+</m:t>
+                                      </m:r>
+                                      <m:sSub>
+                                        <m:sSubPr>
+                                          <m:ctrlPr>
+                                            <a:rPr lang="en-US" altLang="ja-JP" sz="1200" i="1">
+                                              <a:latin typeface="Cambria Math" panose="02040503050406030204" pitchFamily="18" charset="0"/>
+                                            </a:rPr>
+                                          </m:ctrlPr>
+                                        </m:sSubPr>
+                                        <m:e>
+                                          <m:r>
+                                            <a:rPr lang="en-US" altLang="ja-JP" sz="1200" i="1">
+                                              <a:latin typeface="Cambria Math" panose="02040503050406030204" pitchFamily="18" charset="0"/>
+                                            </a:rPr>
+                                            <m:t>𝐶</m:t>
+                                          </m:r>
+                                        </m:e>
+                                        <m:sub>
+                                          <m:r>
+                                            <a:rPr lang="en-US" altLang="ja-JP" sz="1200" i="1">
+                                              <a:latin typeface="Cambria Math" panose="02040503050406030204" pitchFamily="18" charset="0"/>
+                                            </a:rPr>
+                                            <m:t>2</m:t>
+                                          </m:r>
+                                        </m:sub>
+                                      </m:sSub>
+                                      <m:sSub>
+                                        <m:sSubPr>
+                                          <m:ctrlPr>
+                                            <a:rPr lang="en-US" altLang="ja-JP" sz="1200" i="1">
+                                              <a:latin typeface="Cambria Math" panose="02040503050406030204" pitchFamily="18" charset="0"/>
+                                            </a:rPr>
+                                          </m:ctrlPr>
+                                        </m:sSubPr>
+                                        <m:e>
+                                          <m:r>
+                                            <a:rPr lang="en-US" altLang="ja-JP" sz="1200" i="1">
+                                              <a:latin typeface="Cambria Math" panose="02040503050406030204" pitchFamily="18" charset="0"/>
+                                            </a:rPr>
+                                            <m:t>𝑔</m:t>
+                                          </m:r>
+                                        </m:e>
+                                        <m:sub>
+                                          <m:r>
+                                            <a:rPr lang="en-US" altLang="ja-JP" sz="1200" i="1">
+                                              <a:latin typeface="Cambria Math" panose="02040503050406030204" pitchFamily="18" charset="0"/>
+                                            </a:rPr>
+                                            <m:t>𝑐𝑒</m:t>
+                                          </m:r>
+                                          <m:r>
+                                            <a:rPr lang="en-US" altLang="ja-JP" sz="1200" i="1">
+                                              <a:latin typeface="Cambria Math" panose="02040503050406030204" pitchFamily="18" charset="0"/>
+                                            </a:rPr>
+                                            <m:t>1</m:t>
+                                          </m:r>
+                                        </m:sub>
+                                      </m:sSub>
+                                    </m:e>
+                                  </m:d>
+                                  <m:r>
+                                    <a:rPr lang="en-US" altLang="ja-JP" sz="1200" b="0" i="1" smtClean="0">
+                                      <a:latin typeface="Cambria Math" panose="02040503050406030204" pitchFamily="18" charset="0"/>
+                                    </a:rPr>
+                                    <m:t>−</m:t>
+                                  </m:r>
+                                  <m:sSub>
+                                    <m:sSubPr>
+                                      <m:ctrlPr>
+                                        <a:rPr lang="en-US" altLang="ja-JP" sz="1200" i="1">
+                                          <a:latin typeface="Cambria Math" panose="02040503050406030204" pitchFamily="18" charset="0"/>
+                                        </a:rPr>
+                                      </m:ctrlPr>
+                                    </m:sSubPr>
+                                    <m:e>
+                                      <m:r>
+                                        <a:rPr lang="en-US" altLang="ja-JP" sz="1200" i="1">
+                                          <a:latin typeface="Cambria Math" panose="02040503050406030204" pitchFamily="18" charset="0"/>
+                                        </a:rPr>
+                                        <m:t>𝐶</m:t>
+                                      </m:r>
+                                    </m:e>
+                                    <m:sub>
+                                      <m:r>
+                                        <a:rPr lang="en-US" altLang="ja-JP" sz="1200" i="1">
+                                          <a:latin typeface="Cambria Math" panose="02040503050406030204" pitchFamily="18" charset="0"/>
+                                        </a:rPr>
+                                        <m:t>𝑗𝑐</m:t>
+                                      </m:r>
+                                      <m:r>
+                                        <a:rPr lang="en-US" altLang="ja-JP" sz="1200" i="1">
+                                          <a:latin typeface="Cambria Math" panose="02040503050406030204" pitchFamily="18" charset="0"/>
+                                        </a:rPr>
+                                        <m:t>2</m:t>
+                                      </m:r>
+                                    </m:sub>
+                                  </m:sSub>
+                                  <m:d>
+                                    <m:dPr>
+                                      <m:begChr m:val=""/>
+                                      <m:endChr m:val="}"/>
+                                      <m:ctrlPr>
+                                        <a:rPr lang="en-US" altLang="ja-JP" sz="1200" i="1">
+                                          <a:latin typeface="Cambria Math" panose="02040503050406030204" pitchFamily="18" charset="0"/>
+                                        </a:rPr>
+                                      </m:ctrlPr>
+                                    </m:dPr>
+                                    <m:e>
+                                      <m:d>
+                                        <m:dPr>
+                                          <m:begChr m:val="{"/>
+                                          <m:endChr m:val=""/>
+                                          <m:ctrlPr>
+                                            <a:rPr lang="en-US" altLang="ja-JP" sz="1200" i="1">
+                                              <a:latin typeface="Cambria Math" panose="02040503050406030204" pitchFamily="18" charset="0"/>
+                                            </a:rPr>
+                                          </m:ctrlPr>
+                                        </m:dPr>
+                                        <m:e>
+                                          <m:sSub>
+                                            <m:sSubPr>
+                                              <m:ctrlPr>
+                                                <a:rPr lang="en-US" altLang="ja-JP" sz="1200" i="1">
+                                                  <a:latin typeface="Cambria Math" panose="02040503050406030204" pitchFamily="18" charset="0"/>
+                                                </a:rPr>
+                                              </m:ctrlPr>
+                                            </m:sSubPr>
+                                            <m:e>
+                                              <m:r>
+                                                <a:rPr lang="en-US" altLang="ja-JP" sz="1200" i="1">
+                                                  <a:latin typeface="Cambria Math" panose="02040503050406030204" pitchFamily="18" charset="0"/>
+                                                </a:rPr>
+                                                <m:t>𝑔</m:t>
+                                              </m:r>
+                                            </m:e>
+                                            <m:sub>
+                                              <m:r>
+                                                <a:rPr lang="en-US" altLang="ja-JP" sz="1200" i="1">
+                                                  <a:latin typeface="Cambria Math" panose="02040503050406030204" pitchFamily="18" charset="0"/>
+                                                </a:rPr>
+                                                <m:t>𝑐</m:t>
+                                              </m:r>
+                                              <m:r>
+                                                <a:rPr lang="en-US" altLang="ja-JP" sz="1200" i="1">
+                                                  <a:latin typeface="Cambria Math" panose="02040503050406030204" pitchFamily="18" charset="0"/>
+                                                </a:rPr>
+                                                <m:t>1</m:t>
+                                              </m:r>
+                                            </m:sub>
+                                          </m:sSub>
+                                          <m:d>
+                                            <m:dPr>
+                                              <m:ctrlPr>
+                                                <a:rPr lang="en-US" altLang="ja-JP" sz="1200" i="1">
+                                                  <a:latin typeface="Cambria Math" panose="02040503050406030204" pitchFamily="18" charset="0"/>
+                                                </a:rPr>
+                                              </m:ctrlPr>
+                                            </m:dPr>
+                                            <m:e>
+                                              <m:sSub>
+                                                <m:sSubPr>
+                                                  <m:ctrlPr>
+                                                    <a:rPr lang="en-US" altLang="ja-JP" sz="1200" i="1">
+                                                      <a:latin typeface="Cambria Math" panose="02040503050406030204" pitchFamily="18" charset="0"/>
+                                                    </a:rPr>
+                                                  </m:ctrlPr>
+                                                </m:sSubPr>
+                                                <m:e>
+                                                  <m:r>
+                                                    <a:rPr lang="en-US" altLang="ja-JP" sz="1200" i="1">
+                                                      <a:latin typeface="Cambria Math" panose="02040503050406030204" pitchFamily="18" charset="0"/>
+                                                    </a:rPr>
+                                                    <m:t>𝑔</m:t>
+                                                  </m:r>
+                                                </m:e>
+                                                <m:sub>
+                                                  <m:r>
+                                                    <a:rPr lang="en-US" altLang="ja-JP" sz="1200" i="1">
+                                                      <a:latin typeface="Cambria Math" panose="02040503050406030204" pitchFamily="18" charset="0"/>
+                                                    </a:rPr>
+                                                    <m:t>𝑚</m:t>
+                                                  </m:r>
+                                                  <m:r>
+                                                    <a:rPr lang="en-US" altLang="ja-JP" sz="1200" i="1">
+                                                      <a:latin typeface="Cambria Math" panose="02040503050406030204" pitchFamily="18" charset="0"/>
+                                                    </a:rPr>
+                                                    <m:t>1</m:t>
+                                                  </m:r>
+                                                </m:sub>
+                                              </m:sSub>
+                                              <m:r>
+                                                <a:rPr lang="en-US" altLang="ja-JP" sz="1200" i="1">
+                                                  <a:latin typeface="Cambria Math" panose="02040503050406030204" pitchFamily="18" charset="0"/>
+                                                </a:rPr>
+                                                <m:t>+</m:t>
+                                              </m:r>
+                                              <m:sSub>
+                                                <m:sSubPr>
+                                                  <m:ctrlPr>
+                                                    <a:rPr lang="en-US" altLang="ja-JP" sz="1200" i="1">
+                                                      <a:latin typeface="Cambria Math" panose="02040503050406030204" pitchFamily="18" charset="0"/>
+                                                    </a:rPr>
+                                                  </m:ctrlPr>
+                                                </m:sSubPr>
+                                                <m:e>
+                                                  <m:r>
+                                                    <a:rPr lang="en-US" altLang="ja-JP" sz="1200" i="1">
+                                                      <a:latin typeface="Cambria Math" panose="02040503050406030204" pitchFamily="18" charset="0"/>
+                                                    </a:rPr>
+                                                    <m:t>𝑔</m:t>
+                                                  </m:r>
+                                                </m:e>
+                                                <m:sub>
+                                                  <m:r>
+                                                    <a:rPr lang="en-US" altLang="ja-JP" sz="1200" i="1">
+                                                      <a:latin typeface="Cambria Math" panose="02040503050406030204" pitchFamily="18" charset="0"/>
+                                                    </a:rPr>
+                                                    <m:t>𝑐𝑒</m:t>
+                                                  </m:r>
+                                                  <m:r>
+                                                    <a:rPr lang="en-US" altLang="ja-JP" sz="1200" i="1">
+                                                      <a:latin typeface="Cambria Math" panose="02040503050406030204" pitchFamily="18" charset="0"/>
+                                                    </a:rPr>
+                                                    <m:t>1</m:t>
+                                                  </m:r>
+                                                </m:sub>
+                                              </m:sSub>
+                                            </m:e>
+                                          </m:d>
+                                          <m:r>
+                                            <a:rPr lang="en-US" altLang="ja-JP" sz="1200" b="0" i="1" smtClean="0">
+                                              <a:latin typeface="Cambria Math" panose="02040503050406030204" pitchFamily="18" charset="0"/>
+                                            </a:rPr>
+                                            <m:t>+</m:t>
+                                          </m:r>
+                                          <m:sSub>
+                                            <m:sSubPr>
+                                              <m:ctrlPr>
+                                                <a:rPr lang="en-US" altLang="ja-JP" sz="1200" i="1">
+                                                  <a:latin typeface="Cambria Math" panose="02040503050406030204" pitchFamily="18" charset="0"/>
+                                                </a:rPr>
+                                              </m:ctrlPr>
+                                            </m:sSubPr>
+                                            <m:e>
+                                              <m:r>
+                                                <a:rPr lang="en-US" altLang="ja-JP" sz="1200" i="1">
+                                                  <a:latin typeface="Cambria Math" panose="02040503050406030204" pitchFamily="18" charset="0"/>
+                                                </a:rPr>
+                                                <m:t>𝐺</m:t>
+                                              </m:r>
+                                            </m:e>
+                                            <m:sub>
+                                              <m:r>
+                                                <a:rPr lang="en-US" altLang="ja-JP" sz="1200" i="1">
+                                                  <a:latin typeface="Cambria Math" panose="02040503050406030204" pitchFamily="18" charset="0"/>
+                                                </a:rPr>
+                                                <m:t>1</m:t>
+                                              </m:r>
+                                            </m:sub>
+                                          </m:sSub>
+                                          <m:sSub>
+                                            <m:sSubPr>
+                                              <m:ctrlPr>
+                                                <a:rPr lang="en-US" altLang="ja-JP" sz="1200" i="1">
+                                                  <a:latin typeface="Cambria Math" panose="02040503050406030204" pitchFamily="18" charset="0"/>
+                                                </a:rPr>
+                                              </m:ctrlPr>
+                                            </m:sSubPr>
+                                            <m:e>
+                                              <m:r>
+                                                <a:rPr lang="en-US" altLang="ja-JP" sz="1200" i="1">
+                                                  <a:latin typeface="Cambria Math" panose="02040503050406030204" pitchFamily="18" charset="0"/>
+                                                </a:rPr>
+                                                <m:t>𝐺</m:t>
+                                              </m:r>
+                                            </m:e>
+                                            <m:sub>
+                                              <m:r>
+                                                <a:rPr lang="en-US" altLang="ja-JP" sz="1200" i="1">
+                                                  <a:latin typeface="Cambria Math" panose="02040503050406030204" pitchFamily="18" charset="0"/>
+                                                </a:rPr>
+                                                <m:t>2</m:t>
+                                              </m:r>
+                                            </m:sub>
+                                          </m:sSub>
+                                        </m:e>
+                                      </m:d>
+                                    </m:e>
+                                  </m:d>
+                                </m:e>
+                              </m:d>
+                            </m:e>
+                          </m:d>
+                          <m:r>
+                            <a:rPr lang="en-US" altLang="ja-JP" sz="1200" b="0" i="1" smtClean="0">
+                              <a:latin typeface="Cambria Math" panose="02040503050406030204" pitchFamily="18" charset="0"/>
+                            </a:rPr>
+                            <m:t>+</m:t>
+                          </m:r>
+                          <m:sSup>
+                            <m:sSupPr>
+                              <m:ctrlPr>
+                                <a:rPr lang="en-US" altLang="ja-JP" sz="1200" i="1">
+                                  <a:latin typeface="Cambria Math" panose="02040503050406030204" pitchFamily="18" charset="0"/>
+                                </a:rPr>
+                              </m:ctrlPr>
+                            </m:sSupPr>
+                            <m:e>
+                              <m:r>
+                                <a:rPr lang="en-US" altLang="ja-JP" sz="1200" i="1">
+                                  <a:latin typeface="Cambria Math" panose="02040503050406030204" pitchFamily="18" charset="0"/>
+                                </a:rPr>
+                                <m:t>𝜔</m:t>
+                              </m:r>
+                            </m:e>
+                            <m:sup>
+                              <m:r>
+                                <a:rPr lang="en-US" altLang="ja-JP" sz="1200" i="1">
+                                  <a:latin typeface="Cambria Math" panose="02040503050406030204" pitchFamily="18" charset="0"/>
+                                </a:rPr>
+                                <m:t>2</m:t>
+                              </m:r>
+                            </m:sup>
+                          </m:sSup>
+                          <m:d>
+                            <m:dPr>
+                              <m:begChr m:val=""/>
+                              <m:endChr m:val="}"/>
+                              <m:ctrlPr>
+                                <a:rPr lang="en-US" altLang="ja-JP" sz="1200" i="1">
+                                  <a:latin typeface="Cambria Math" panose="02040503050406030204" pitchFamily="18" charset="0"/>
+                                </a:rPr>
+                              </m:ctrlPr>
+                            </m:dPr>
+                            <m:e>
+                              <m:d>
+                                <m:dPr>
+                                  <m:begChr m:val="{"/>
+                                  <m:endChr m:val=""/>
+                                  <m:ctrlPr>
+                                    <a:rPr lang="en-US" altLang="ja-JP" sz="1200" i="1">
+                                      <a:latin typeface="Cambria Math" panose="02040503050406030204" pitchFamily="18" charset="0"/>
+                                    </a:rPr>
+                                  </m:ctrlPr>
+                                </m:dPr>
+                                <m:e>
+                                  <m:sSub>
+                                    <m:sSubPr>
+                                      <m:ctrlPr>
+                                        <a:rPr lang="en-US" altLang="ja-JP" sz="1200" i="1">
+                                          <a:latin typeface="Cambria Math" panose="02040503050406030204" pitchFamily="18" charset="0"/>
+                                        </a:rPr>
+                                      </m:ctrlPr>
+                                    </m:sSubPr>
+                                    <m:e>
+                                      <m:r>
+                                        <a:rPr lang="en-US" altLang="ja-JP" sz="1200" i="1">
+                                          <a:latin typeface="Cambria Math" panose="02040503050406030204" pitchFamily="18" charset="0"/>
+                                        </a:rPr>
+                                        <m:t>𝐺</m:t>
+                                      </m:r>
+                                    </m:e>
+                                    <m:sub>
+                                      <m:r>
+                                        <a:rPr lang="en-US" altLang="ja-JP" sz="1200" i="1">
+                                          <a:latin typeface="Cambria Math" panose="02040503050406030204" pitchFamily="18" charset="0"/>
+                                        </a:rPr>
+                                        <m:t>4</m:t>
+                                      </m:r>
+                                    </m:sub>
+                                  </m:sSub>
+                                  <m:r>
+                                    <a:rPr lang="en-US" altLang="ja-JP" sz="1200" i="1">
+                                      <a:latin typeface="Cambria Math" panose="02040503050406030204" pitchFamily="18" charset="0"/>
+                                    </a:rPr>
+                                    <m:t>+</m:t>
+                                  </m:r>
+                                  <m:sSub>
+                                    <m:sSubPr>
+                                      <m:ctrlPr>
+                                        <a:rPr lang="en-US" altLang="ja-JP" sz="1200" i="1">
+                                          <a:latin typeface="Cambria Math" panose="02040503050406030204" pitchFamily="18" charset="0"/>
+                                        </a:rPr>
+                                      </m:ctrlPr>
+                                    </m:sSubPr>
+                                    <m:e>
+                                      <m:r>
+                                        <a:rPr lang="en-US" altLang="ja-JP" sz="1200" i="1">
+                                          <a:latin typeface="Cambria Math" panose="02040503050406030204" pitchFamily="18" charset="0"/>
+                                        </a:rPr>
+                                        <m:t>𝐶</m:t>
+                                      </m:r>
+                                    </m:e>
+                                    <m:sub>
+                                      <m:r>
+                                        <a:rPr lang="en-US" altLang="ja-JP" sz="1200" i="1">
+                                          <a:latin typeface="Cambria Math" panose="02040503050406030204" pitchFamily="18" charset="0"/>
+                                        </a:rPr>
+                                        <m:t>𝑗𝑐</m:t>
+                                      </m:r>
+                                      <m:r>
+                                        <a:rPr lang="en-US" altLang="ja-JP" sz="1200" i="1">
+                                          <a:latin typeface="Cambria Math" panose="02040503050406030204" pitchFamily="18" charset="0"/>
+                                        </a:rPr>
+                                        <m:t>2</m:t>
+                                      </m:r>
+                                    </m:sub>
+                                  </m:sSub>
+                                  <m:d>
+                                    <m:dPr>
+                                      <m:ctrlPr>
+                                        <a:rPr lang="en-US" altLang="ja-JP" sz="1200" i="1">
+                                          <a:latin typeface="Cambria Math" panose="02040503050406030204" pitchFamily="18" charset="0"/>
+                                        </a:rPr>
+                                      </m:ctrlPr>
+                                    </m:dPr>
+                                    <m:e>
+                                      <m:sSub>
+                                        <m:sSubPr>
+                                          <m:ctrlPr>
+                                            <a:rPr lang="en-US" altLang="ja-JP" sz="1200" i="1">
+                                              <a:latin typeface="Cambria Math" panose="02040503050406030204" pitchFamily="18" charset="0"/>
+                                            </a:rPr>
+                                          </m:ctrlPr>
+                                        </m:sSubPr>
+                                        <m:e>
+                                          <m:r>
+                                            <a:rPr lang="en-US" altLang="ja-JP" sz="1200" i="1">
+                                              <a:latin typeface="Cambria Math" panose="02040503050406030204" pitchFamily="18" charset="0"/>
+                                            </a:rPr>
+                                            <m:t>𝑔</m:t>
+                                          </m:r>
+                                        </m:e>
+                                        <m:sub>
+                                          <m:r>
+                                            <a:rPr lang="en-US" altLang="ja-JP" sz="1200" i="1">
+                                              <a:latin typeface="Cambria Math" panose="02040503050406030204" pitchFamily="18" charset="0"/>
+                                            </a:rPr>
+                                            <m:t>𝑚</m:t>
+                                          </m:r>
+                                          <m:r>
+                                            <a:rPr lang="en-US" altLang="ja-JP" sz="1200" i="1">
+                                              <a:latin typeface="Cambria Math" panose="02040503050406030204" pitchFamily="18" charset="0"/>
+                                            </a:rPr>
+                                            <m:t>2</m:t>
+                                          </m:r>
+                                        </m:sub>
+                                      </m:sSub>
+                                      <m:sSub>
+                                        <m:sSubPr>
+                                          <m:ctrlPr>
+                                            <a:rPr lang="en-US" altLang="ja-JP" sz="1200" i="1">
+                                              <a:latin typeface="Cambria Math" panose="02040503050406030204" pitchFamily="18" charset="0"/>
+                                            </a:rPr>
+                                          </m:ctrlPr>
+                                        </m:sSubPr>
+                                        <m:e>
+                                          <m:r>
+                                            <a:rPr lang="en-US" altLang="ja-JP" sz="1200" i="1">
+                                              <a:latin typeface="Cambria Math" panose="02040503050406030204" pitchFamily="18" charset="0"/>
+                                            </a:rPr>
+                                            <m:t>𝐶</m:t>
+                                          </m:r>
+                                        </m:e>
+                                        <m:sub>
+                                          <m:r>
+                                            <a:rPr lang="en-US" altLang="ja-JP" sz="1200" i="1">
+                                              <a:latin typeface="Cambria Math" panose="02040503050406030204" pitchFamily="18" charset="0"/>
+                                            </a:rPr>
+                                            <m:t>1</m:t>
+                                          </m:r>
+                                        </m:sub>
+                                      </m:sSub>
+                                      <m:r>
+                                        <a:rPr lang="en-US" altLang="ja-JP" sz="1200" b="0" i="1" smtClean="0">
+                                          <a:latin typeface="Cambria Math" panose="02040503050406030204" pitchFamily="18" charset="0"/>
+                                        </a:rPr>
+                                        <m:t>−</m:t>
+                                      </m:r>
+                                      <m:sSub>
+                                        <m:sSubPr>
+                                          <m:ctrlPr>
+                                            <a:rPr lang="en-US" altLang="ja-JP" sz="1200" i="1">
+                                              <a:latin typeface="Cambria Math" panose="02040503050406030204" pitchFamily="18" charset="0"/>
+                                            </a:rPr>
+                                          </m:ctrlPr>
+                                        </m:sSubPr>
+                                        <m:e>
+                                          <m:r>
+                                            <a:rPr lang="en-US" altLang="ja-JP" sz="1200" i="1">
+                                              <a:latin typeface="Cambria Math" panose="02040503050406030204" pitchFamily="18" charset="0"/>
+                                            </a:rPr>
+                                            <m:t>𝐺</m:t>
+                                          </m:r>
+                                        </m:e>
+                                        <m:sub>
+                                          <m:r>
+                                            <a:rPr lang="en-US" altLang="ja-JP" sz="1200" i="1">
+                                              <a:latin typeface="Cambria Math" panose="02040503050406030204" pitchFamily="18" charset="0"/>
+                                            </a:rPr>
+                                            <m:t>1</m:t>
+                                          </m:r>
+                                        </m:sub>
+                                      </m:sSub>
+                                      <m:sSub>
+                                        <m:sSubPr>
+                                          <m:ctrlPr>
+                                            <a:rPr lang="en-US" altLang="ja-JP" sz="1200" i="1">
+                                              <a:latin typeface="Cambria Math" panose="02040503050406030204" pitchFamily="18" charset="0"/>
+                                            </a:rPr>
+                                          </m:ctrlPr>
+                                        </m:sSubPr>
+                                        <m:e>
+                                          <m:r>
+                                            <a:rPr lang="en-US" altLang="ja-JP" sz="1200" i="1">
+                                              <a:latin typeface="Cambria Math" panose="02040503050406030204" pitchFamily="18" charset="0"/>
+                                            </a:rPr>
+                                            <m:t>𝐶</m:t>
+                                          </m:r>
+                                        </m:e>
+                                        <m:sub>
+                                          <m:r>
+                                            <a:rPr lang="en-US" altLang="ja-JP" sz="1200" i="1">
+                                              <a:latin typeface="Cambria Math" panose="02040503050406030204" pitchFamily="18" charset="0"/>
+                                            </a:rPr>
+                                            <m:t>𝑗𝑐</m:t>
+                                          </m:r>
+                                          <m:r>
+                                            <a:rPr lang="en-US" altLang="ja-JP" sz="1200" i="1">
+                                              <a:latin typeface="Cambria Math" panose="02040503050406030204" pitchFamily="18" charset="0"/>
+                                            </a:rPr>
+                                            <m:t>2</m:t>
+                                          </m:r>
+                                        </m:sub>
+                                      </m:sSub>
+                                    </m:e>
+                                  </m:d>
+                                </m:e>
+                              </m:d>
+                            </m:e>
+                          </m:d>
+                          <m:r>
+                            <a:rPr lang="en-US" altLang="ja-JP" sz="1200" b="0" i="1" smtClean="0">
+                              <a:latin typeface="Cambria Math" panose="02040503050406030204" pitchFamily="18" charset="0"/>
+                            </a:rPr>
+                            <m:t>+</m:t>
+                          </m:r>
+                          <m:r>
+                            <a:rPr lang="en-US" altLang="ja-JP" sz="1200" i="1">
+                              <a:latin typeface="Cambria Math" panose="02040503050406030204" pitchFamily="18" charset="0"/>
+                            </a:rPr>
+                            <m:t>𝑗</m:t>
+                          </m:r>
+                          <m:sSup>
+                            <m:sSupPr>
+                              <m:ctrlPr>
+                                <a:rPr lang="en-US" altLang="ja-JP" sz="1200" i="1">
+                                  <a:latin typeface="Cambria Math" panose="02040503050406030204" pitchFamily="18" charset="0"/>
+                                </a:rPr>
+                              </m:ctrlPr>
+                            </m:sSupPr>
+                            <m:e>
+                              <m:r>
+                                <a:rPr lang="en-US" altLang="ja-JP" sz="1200" i="1">
+                                  <a:latin typeface="Cambria Math" panose="02040503050406030204" pitchFamily="18" charset="0"/>
+                                </a:rPr>
+                                <m:t>𝜔</m:t>
+                              </m:r>
+                            </m:e>
+                            <m:sup>
+                              <m:r>
+                                <a:rPr lang="en-US" altLang="ja-JP" sz="1200" i="1">
+                                  <a:latin typeface="Cambria Math" panose="02040503050406030204" pitchFamily="18" charset="0"/>
+                                </a:rPr>
+                                <m:t>3</m:t>
+                              </m:r>
+                            </m:sup>
+                          </m:sSup>
+                          <m:sSub>
+                            <m:sSubPr>
+                              <m:ctrlPr>
+                                <a:rPr lang="en-US" altLang="ja-JP" sz="1200" i="1">
+                                  <a:latin typeface="Cambria Math" panose="02040503050406030204" pitchFamily="18" charset="0"/>
+                                </a:rPr>
+                              </m:ctrlPr>
+                            </m:sSubPr>
+                            <m:e>
+                              <m:r>
+                                <a:rPr lang="en-US" altLang="ja-JP" sz="1200" i="1">
+                                  <a:latin typeface="Cambria Math" panose="02040503050406030204" pitchFamily="18" charset="0"/>
+                                </a:rPr>
+                                <m:t>𝐶</m:t>
+                              </m:r>
+                            </m:e>
+                            <m:sub>
+                              <m:r>
+                                <a:rPr lang="en-US" altLang="ja-JP" sz="1200" i="1">
+                                  <a:latin typeface="Cambria Math" panose="02040503050406030204" pitchFamily="18" charset="0"/>
+                                </a:rPr>
+                                <m:t>1</m:t>
+                              </m:r>
+                            </m:sub>
+                          </m:sSub>
+                          <m:sSub>
+                            <m:sSubPr>
+                              <m:ctrlPr>
+                                <a:rPr lang="en-US" altLang="ja-JP" sz="1200" i="1">
+                                  <a:latin typeface="Cambria Math" panose="02040503050406030204" pitchFamily="18" charset="0"/>
+                                </a:rPr>
+                              </m:ctrlPr>
+                            </m:sSubPr>
+                            <m:e>
+                              <m:r>
+                                <a:rPr lang="en-US" altLang="ja-JP" sz="1200" i="1">
+                                  <a:latin typeface="Cambria Math" panose="02040503050406030204" pitchFamily="18" charset="0"/>
+                                </a:rPr>
+                                <m:t>𝐶</m:t>
+                              </m:r>
+                            </m:e>
+                            <m:sub>
+                              <m:r>
+                                <a:rPr lang="en-US" altLang="ja-JP" sz="1200" i="1">
+                                  <a:latin typeface="Cambria Math" panose="02040503050406030204" pitchFamily="18" charset="0"/>
+                                </a:rPr>
+                                <m:t>𝑗𝑐</m:t>
+                              </m:r>
+                              <m:r>
+                                <a:rPr lang="en-US" altLang="ja-JP" sz="1200" i="1">
+                                  <a:latin typeface="Cambria Math" panose="02040503050406030204" pitchFamily="18" charset="0"/>
+                                </a:rPr>
+                                <m:t>2</m:t>
+                              </m:r>
+                            </m:sub>
+                          </m:sSub>
+                          <m:r>
+                            <a:rPr lang="en-US" altLang="ja-JP" sz="1200" i="1">
+                              <a:latin typeface="Cambria Math" panose="02040503050406030204" pitchFamily="18" charset="0"/>
+                            </a:rPr>
+                            <m:t>(</m:t>
+                          </m:r>
+                          <m:sSub>
+                            <m:sSubPr>
+                              <m:ctrlPr>
+                                <a:rPr lang="en-US" altLang="ja-JP" sz="1200" i="1">
+                                  <a:latin typeface="Cambria Math" panose="02040503050406030204" pitchFamily="18" charset="0"/>
+                                </a:rPr>
+                              </m:ctrlPr>
+                            </m:sSubPr>
+                            <m:e>
+                              <m:r>
+                                <a:rPr lang="en-US" altLang="ja-JP" sz="1200" i="1">
+                                  <a:latin typeface="Cambria Math" panose="02040503050406030204" pitchFamily="18" charset="0"/>
+                                </a:rPr>
+                                <m:t>𝐶</m:t>
+                              </m:r>
+                            </m:e>
+                            <m:sub>
+                              <m:r>
+                                <a:rPr lang="en-US" altLang="ja-JP" sz="1200" i="1">
+                                  <a:latin typeface="Cambria Math" panose="02040503050406030204" pitchFamily="18" charset="0"/>
+                                </a:rPr>
+                                <m:t>𝑗𝑐</m:t>
+                              </m:r>
+                              <m:r>
+                                <a:rPr lang="en-US" altLang="ja-JP" sz="1200" i="1">
+                                  <a:latin typeface="Cambria Math" panose="02040503050406030204" pitchFamily="18" charset="0"/>
+                                </a:rPr>
+                                <m:t>2</m:t>
+                              </m:r>
+                            </m:sub>
+                          </m:sSub>
+                          <m:r>
+                            <a:rPr lang="en-US" altLang="ja-JP" sz="1200" b="0" i="1" smtClean="0">
+                              <a:latin typeface="Cambria Math" panose="02040503050406030204" pitchFamily="18" charset="0"/>
+                            </a:rPr>
+                            <m:t>−</m:t>
+                          </m:r>
+                          <m:sSub>
+                            <m:sSubPr>
+                              <m:ctrlPr>
+                                <a:rPr lang="en-US" altLang="ja-JP" sz="1200" i="1">
+                                  <a:latin typeface="Cambria Math" panose="02040503050406030204" pitchFamily="18" charset="0"/>
+                                </a:rPr>
+                              </m:ctrlPr>
+                            </m:sSubPr>
+                            <m:e>
+                              <m:r>
+                                <a:rPr lang="en-US" altLang="ja-JP" sz="1200" i="1">
+                                  <a:latin typeface="Cambria Math" panose="02040503050406030204" pitchFamily="18" charset="0"/>
+                                </a:rPr>
+                                <m:t>𝐶</m:t>
+                              </m:r>
+                            </m:e>
+                            <m:sub>
+                              <m:r>
+                                <a:rPr lang="en-US" altLang="ja-JP" sz="1200" i="1">
+                                  <a:latin typeface="Cambria Math" panose="02040503050406030204" pitchFamily="18" charset="0"/>
+                                </a:rPr>
+                                <m:t>2</m:t>
+                              </m:r>
+                            </m:sub>
+                          </m:sSub>
+                          <m:r>
+                            <a:rPr lang="en-US" altLang="ja-JP" sz="1200" i="1">
+                              <a:latin typeface="Cambria Math" panose="02040503050406030204" pitchFamily="18" charset="0"/>
+                            </a:rPr>
+                            <m:t>)</m:t>
+                          </m:r>
+                        </m:den>
+                      </m:f>
+                    </m:oMath>
+                  </m:oMathPara>
+                </a14:m>
+                <a:endParaRPr lang="ja-JP" altLang="en-US" sz="1200" dirty="0"/>
+              </a:p>
+            </p:txBody>
+          </p:sp>
+        </mc:Choice>
+        <mc:Fallback>
+          <p:sp>
+            <p:nvSpPr>
+              <p:cNvPr id="8" name="テキスト ボックス 7">
+                <a:extLst>
+                  <a:ext uri="{FF2B5EF4-FFF2-40B4-BE49-F238E27FC236}">
+                    <a16:creationId xmlns:a16="http://schemas.microsoft.com/office/drawing/2014/main" id="{D02828D0-4202-0F11-5180-746948E7776E}"/>
+                  </a:ext>
+                </a:extLst>
+              </p:cNvPr>
+              <p:cNvSpPr txBox="1">
+                <a:spLocks noRot="1" noChangeAspect="1" noMove="1" noResize="1" noEditPoints="1" noAdjustHandles="1" noChangeArrowheads="1" noChangeShapeType="1" noTextEdit="1"/>
+              </p:cNvSpPr>
+              <p:nvPr/>
+            </p:nvSpPr>
+            <p:spPr>
+              <a:xfrm>
+                <a:off x="52039" y="4269960"/>
+                <a:ext cx="12192000" cy="544380"/>
+              </a:xfrm>
+              <a:prstGeom prst="rect">
+                <a:avLst/>
+              </a:prstGeom>
+              <a:blipFill>
+                <a:blip r:embed="rId2"/>
+                <a:stretch>
+                  <a:fillRect t="-27778" b="-106667"/>
                 </a:stretch>
               </a:blipFill>
             </p:spPr>
@@ -18484,10 +23274,10 @@
         <mc:Choice xmlns:a14="http://schemas.microsoft.com/office/drawing/2010/main" Requires="a14">
           <p:sp>
             <p:nvSpPr>
-              <p:cNvPr id="8" name="テキスト ボックス 7">
+              <p:cNvPr id="9" name="テキスト ボックス 8">
                 <a:extLst>
                   <a:ext uri="{FF2B5EF4-FFF2-40B4-BE49-F238E27FC236}">
-                    <a16:creationId xmlns:a16="http://schemas.microsoft.com/office/drawing/2014/main" id="{D02828D0-4202-0F11-5180-746948E7776E}"/>
+                    <a16:creationId xmlns:a16="http://schemas.microsoft.com/office/drawing/2014/main" id="{43ED8F16-22DA-4A65-AB56-F2AB4F8A9BE9}"/>
                   </a:ext>
                 </a:extLst>
               </p:cNvPr>
@@ -18496,8 +23286,8 @@
             </p:nvSpPr>
             <p:spPr>
               <a:xfrm>
-                <a:off x="0" y="4969109"/>
-                <a:ext cx="12192000" cy="619529"/>
+                <a:off x="545434" y="3778543"/>
+                <a:ext cx="11205210" cy="491417"/>
               </a:xfrm>
               <a:prstGeom prst="rect">
                 <a:avLst/>
@@ -18510,33 +23300,639 @@
               </a:bodyPr>
               <a:lstStyle/>
               <a:p>
-                <a:pPr/>
+                <a:pPr algn="ctr"/>
+                <a14:m>
+                  <m:oMath xmlns:m="http://schemas.openxmlformats.org/officeDocument/2006/math">
+                    <m:sSub>
+                      <m:sSubPr>
+                        <m:ctrlPr>
+                          <a:rPr lang="en-US" altLang="ja-JP" sz="1200" i="1" smtClean="0">
+                            <a:latin typeface="Cambria Math" panose="02040503050406030204" pitchFamily="18" charset="0"/>
+                          </a:rPr>
+                        </m:ctrlPr>
+                      </m:sSubPr>
+                      <m:e>
+                        <m:r>
+                          <a:rPr lang="en-US" altLang="ja-JP" sz="1200" i="1">
+                            <a:latin typeface="Cambria Math" panose="02040503050406030204" pitchFamily="18" charset="0"/>
+                          </a:rPr>
+                          <m:t>𝐺</m:t>
+                        </m:r>
+                      </m:e>
+                      <m:sub>
+                        <m:r>
+                          <a:rPr lang="en-US" altLang="ja-JP" sz="1200" i="1">
+                            <a:latin typeface="Cambria Math" panose="02040503050406030204" pitchFamily="18" charset="0"/>
+                          </a:rPr>
+                          <m:t>1</m:t>
+                        </m:r>
+                      </m:sub>
+                    </m:sSub>
+                    <m:r>
+                      <a:rPr lang="en-US" altLang="ja-JP" sz="1200" b="0" i="1" smtClean="0">
+                        <a:latin typeface="Cambria Math" panose="02040503050406030204" pitchFamily="18" charset="0"/>
+                      </a:rPr>
+                      <m:t>≔</m:t>
+                    </m:r>
+                    <m:sSub>
+                      <m:sSubPr>
+                        <m:ctrlPr>
+                          <a:rPr kumimoji="1" lang="en-US" altLang="ja-JP" sz="1200" b="0" i="1" smtClean="0">
+                            <a:latin typeface="Cambria Math" panose="02040503050406030204" pitchFamily="18" charset="0"/>
+                          </a:rPr>
+                        </m:ctrlPr>
+                      </m:sSubPr>
+                      <m:e>
+                        <m:r>
+                          <a:rPr kumimoji="1" lang="en-US" altLang="ja-JP" sz="1200" b="0" i="1" smtClean="0">
+                            <a:latin typeface="Cambria Math" panose="02040503050406030204" pitchFamily="18" charset="0"/>
+                          </a:rPr>
+                          <m:t>𝐺</m:t>
+                        </m:r>
+                      </m:e>
+                      <m:sub>
+                        <m:r>
+                          <a:rPr kumimoji="1" lang="en-US" altLang="ja-JP" sz="1200" b="0" i="1" smtClean="0">
+                            <a:latin typeface="Cambria Math" panose="02040503050406030204" pitchFamily="18" charset="0"/>
+                          </a:rPr>
+                          <m:t>𝐸</m:t>
+                        </m:r>
+                        <m:r>
+                          <a:rPr kumimoji="1" lang="en-US" altLang="ja-JP" sz="1200" b="0" i="1" smtClean="0">
+                            <a:latin typeface="Cambria Math" panose="02040503050406030204" pitchFamily="18" charset="0"/>
+                          </a:rPr>
+                          <m:t>1</m:t>
+                        </m:r>
+                      </m:sub>
+                    </m:sSub>
+                    <m:r>
+                      <a:rPr kumimoji="1" lang="en-US" altLang="ja-JP" sz="1200" b="0" i="1" smtClean="0">
+                        <a:latin typeface="Cambria Math" panose="02040503050406030204" pitchFamily="18" charset="0"/>
+                      </a:rPr>
+                      <m:t>+</m:t>
+                    </m:r>
+                    <m:sSub>
+                      <m:sSubPr>
+                        <m:ctrlPr>
+                          <a:rPr kumimoji="1" lang="en-US" altLang="ja-JP" sz="1200" b="0" i="1" smtClean="0">
+                            <a:latin typeface="Cambria Math" panose="02040503050406030204" pitchFamily="18" charset="0"/>
+                          </a:rPr>
+                        </m:ctrlPr>
+                      </m:sSubPr>
+                      <m:e>
+                        <m:r>
+                          <a:rPr kumimoji="1" lang="en-US" altLang="ja-JP" sz="1200" b="0" i="1" smtClean="0">
+                            <a:latin typeface="Cambria Math" panose="02040503050406030204" pitchFamily="18" charset="0"/>
+                          </a:rPr>
+                          <m:t>𝑔</m:t>
+                        </m:r>
+                      </m:e>
+                      <m:sub>
+                        <m:r>
+                          <a:rPr kumimoji="1" lang="en-US" altLang="ja-JP" sz="1200" b="0" i="1" smtClean="0">
+                            <a:latin typeface="Cambria Math" panose="02040503050406030204" pitchFamily="18" charset="0"/>
+                          </a:rPr>
+                          <m:t>𝑚</m:t>
+                        </m:r>
+                        <m:r>
+                          <a:rPr kumimoji="1" lang="en-US" altLang="ja-JP" sz="1200" b="0" i="1" smtClean="0">
+                            <a:latin typeface="Cambria Math" panose="02040503050406030204" pitchFamily="18" charset="0"/>
+                          </a:rPr>
+                          <m:t>1</m:t>
+                        </m:r>
+                      </m:sub>
+                    </m:sSub>
+                    <m:r>
+                      <a:rPr kumimoji="1" lang="en-US" altLang="ja-JP" sz="1200" b="0" i="1" smtClean="0">
+                        <a:latin typeface="Cambria Math" panose="02040503050406030204" pitchFamily="18" charset="0"/>
+                      </a:rPr>
+                      <m:t>+</m:t>
+                    </m:r>
+                    <m:sSub>
+                      <m:sSubPr>
+                        <m:ctrlPr>
+                          <a:rPr kumimoji="1" lang="en-US" altLang="ja-JP" sz="1200" b="0" i="1" smtClean="0">
+                            <a:latin typeface="Cambria Math" panose="02040503050406030204" pitchFamily="18" charset="0"/>
+                          </a:rPr>
+                        </m:ctrlPr>
+                      </m:sSubPr>
+                      <m:e>
+                        <m:r>
+                          <a:rPr kumimoji="1" lang="en-US" altLang="ja-JP" sz="1200" b="0" i="1" smtClean="0">
+                            <a:latin typeface="Cambria Math" panose="02040503050406030204" pitchFamily="18" charset="0"/>
+                          </a:rPr>
+                          <m:t>𝑔</m:t>
+                        </m:r>
+                      </m:e>
+                      <m:sub>
+                        <m:r>
+                          <a:rPr kumimoji="1" lang="en-US" altLang="ja-JP" sz="1200" b="0" i="1" smtClean="0">
+                            <a:latin typeface="Cambria Math" panose="02040503050406030204" pitchFamily="18" charset="0"/>
+                          </a:rPr>
+                          <m:t>𝑐</m:t>
+                        </m:r>
+                        <m:r>
+                          <a:rPr kumimoji="1" lang="en-US" altLang="ja-JP" sz="1200" b="0" i="1" smtClean="0">
+                            <a:latin typeface="Cambria Math" panose="02040503050406030204" pitchFamily="18" charset="0"/>
+                          </a:rPr>
+                          <m:t>1</m:t>
+                        </m:r>
+                      </m:sub>
+                    </m:sSub>
+                  </m:oMath>
+                </a14:m>
+                <a:r>
+                  <a:rPr kumimoji="1" lang="en-US" altLang="ja-JP" sz="1200" dirty="0">
+                    <a:latin typeface="Times Newer Roman" panose="00000500000000000000" pitchFamily="50" charset="0"/>
+                  </a:rPr>
+                  <a:t>	</a:t>
+                </a:r>
+                <a14:m>
+                  <m:oMath xmlns:m="http://schemas.openxmlformats.org/officeDocument/2006/math">
+                    <m:sSub>
+                      <m:sSubPr>
+                        <m:ctrlPr>
+                          <a:rPr lang="en-US" altLang="ja-JP" sz="1200" i="1">
+                            <a:latin typeface="Cambria Math" panose="02040503050406030204" pitchFamily="18" charset="0"/>
+                          </a:rPr>
+                        </m:ctrlPr>
+                      </m:sSubPr>
+                      <m:e>
+                        <m:r>
+                          <m:rPr>
+                            <m:sty m:val="p"/>
+                          </m:rPr>
+                          <a:rPr lang="en-US" altLang="ja-JP" sz="1200">
+                            <a:latin typeface="Cambria Math" panose="02040503050406030204" pitchFamily="18" charset="0"/>
+                          </a:rPr>
+                          <m:t>G</m:t>
+                        </m:r>
+                      </m:e>
+                      <m:sub>
+                        <m:r>
+                          <a:rPr lang="en-US" altLang="ja-JP" sz="1200">
+                            <a:latin typeface="Cambria Math" panose="02040503050406030204" pitchFamily="18" charset="0"/>
+                          </a:rPr>
+                          <m:t>2</m:t>
+                        </m:r>
+                      </m:sub>
+                    </m:sSub>
+                    <m:r>
+                      <a:rPr lang="en-US" altLang="ja-JP" sz="1200" b="0" i="1" smtClean="0">
+                        <a:latin typeface="Cambria Math" panose="02040503050406030204" pitchFamily="18" charset="0"/>
+                      </a:rPr>
+                      <m:t>≔</m:t>
+                    </m:r>
+                    <m:sSub>
+                      <m:sSubPr>
+                        <m:ctrlPr>
+                          <a:rPr lang="en-US" altLang="ja-JP" sz="1200" i="1">
+                            <a:latin typeface="Cambria Math" panose="02040503050406030204" pitchFamily="18" charset="0"/>
+                          </a:rPr>
+                        </m:ctrlPr>
+                      </m:sSubPr>
+                      <m:e>
+                        <m:r>
+                          <a:rPr lang="en-US" altLang="ja-JP" sz="1200" i="1">
+                            <a:latin typeface="Cambria Math" panose="02040503050406030204" pitchFamily="18" charset="0"/>
+                          </a:rPr>
+                          <m:t>𝐺</m:t>
+                        </m:r>
+                      </m:e>
+                      <m:sub>
+                        <m:r>
+                          <a:rPr lang="en-US" altLang="ja-JP" sz="1200" i="1">
+                            <a:latin typeface="Cambria Math" panose="02040503050406030204" pitchFamily="18" charset="0"/>
+                          </a:rPr>
+                          <m:t>𝐶</m:t>
+                        </m:r>
+                        <m:r>
+                          <a:rPr lang="en-US" altLang="ja-JP" sz="1200" i="1">
+                            <a:latin typeface="Cambria Math" panose="02040503050406030204" pitchFamily="18" charset="0"/>
+                          </a:rPr>
+                          <m:t>1</m:t>
+                        </m:r>
+                      </m:sub>
+                    </m:sSub>
+                    <m:r>
+                      <a:rPr lang="en-US" altLang="ja-JP" sz="1200" i="1">
+                        <a:latin typeface="Cambria Math" panose="02040503050406030204" pitchFamily="18" charset="0"/>
+                      </a:rPr>
+                      <m:t>+</m:t>
+                    </m:r>
+                    <m:sSub>
+                      <m:sSubPr>
+                        <m:ctrlPr>
+                          <a:rPr lang="en-US" altLang="ja-JP" sz="1200" i="1">
+                            <a:latin typeface="Cambria Math" panose="02040503050406030204" pitchFamily="18" charset="0"/>
+                          </a:rPr>
+                        </m:ctrlPr>
+                      </m:sSubPr>
+                      <m:e>
+                        <m:r>
+                          <a:rPr lang="en-US" altLang="ja-JP" sz="1200" i="1">
+                            <a:latin typeface="Cambria Math" panose="02040503050406030204" pitchFamily="18" charset="0"/>
+                          </a:rPr>
+                          <m:t>𝑔</m:t>
+                        </m:r>
+                      </m:e>
+                      <m:sub>
+                        <m:r>
+                          <a:rPr lang="en-US" altLang="ja-JP" sz="1200" i="1">
+                            <a:latin typeface="Cambria Math" panose="02040503050406030204" pitchFamily="18" charset="0"/>
+                          </a:rPr>
+                          <m:t>𝑐𝑒</m:t>
+                        </m:r>
+                        <m:r>
+                          <a:rPr lang="en-US" altLang="ja-JP" sz="1200" i="1">
+                            <a:latin typeface="Cambria Math" panose="02040503050406030204" pitchFamily="18" charset="0"/>
+                          </a:rPr>
+                          <m:t>1</m:t>
+                        </m:r>
+                      </m:sub>
+                    </m:sSub>
+                    <m:r>
+                      <a:rPr lang="en-US" altLang="ja-JP" sz="1200" i="1">
+                        <a:latin typeface="Cambria Math" panose="02040503050406030204" pitchFamily="18" charset="0"/>
+                      </a:rPr>
+                      <m:t>+</m:t>
+                    </m:r>
+                    <m:sSub>
+                      <m:sSubPr>
+                        <m:ctrlPr>
+                          <a:rPr lang="en-US" altLang="ja-JP" sz="1200" i="1">
+                            <a:latin typeface="Cambria Math" panose="02040503050406030204" pitchFamily="18" charset="0"/>
+                          </a:rPr>
+                        </m:ctrlPr>
+                      </m:sSubPr>
+                      <m:e>
+                        <m:r>
+                          <a:rPr lang="en-US" altLang="ja-JP" sz="1200" i="1">
+                            <a:latin typeface="Cambria Math" panose="02040503050406030204" pitchFamily="18" charset="0"/>
+                          </a:rPr>
+                          <m:t>𝑔</m:t>
+                        </m:r>
+                      </m:e>
+                      <m:sub>
+                        <m:r>
+                          <a:rPr lang="en-US" altLang="ja-JP" sz="1200" i="1">
+                            <a:latin typeface="Cambria Math" panose="02040503050406030204" pitchFamily="18" charset="0"/>
+                          </a:rPr>
+                          <m:t>𝑖𝑒</m:t>
+                        </m:r>
+                        <m:r>
+                          <a:rPr lang="en-US" altLang="ja-JP" sz="1200" i="1">
+                            <a:latin typeface="Cambria Math" panose="02040503050406030204" pitchFamily="18" charset="0"/>
+                          </a:rPr>
+                          <m:t>1</m:t>
+                        </m:r>
+                      </m:sub>
+                    </m:sSub>
+                  </m:oMath>
+                </a14:m>
+                <a:r>
+                  <a:rPr kumimoji="1" lang="en-US" altLang="ja-JP" sz="1200" dirty="0">
+                    <a:latin typeface="Times Newer Roman" panose="00000500000000000000" pitchFamily="50" charset="0"/>
+                  </a:rPr>
+                  <a:t>	</a:t>
+                </a:r>
+                <a14:m>
+                  <m:oMath xmlns:m="http://schemas.openxmlformats.org/officeDocument/2006/math">
+                    <m:sSub>
+                      <m:sSubPr>
+                        <m:ctrlPr>
+                          <a:rPr lang="en-US" altLang="ja-JP" sz="1200" i="1">
+                            <a:latin typeface="Cambria Math" panose="02040503050406030204" pitchFamily="18" charset="0"/>
+                          </a:rPr>
+                        </m:ctrlPr>
+                      </m:sSubPr>
+                      <m:e>
+                        <m:r>
+                          <a:rPr lang="en-US" altLang="ja-JP" sz="1200" i="1">
+                            <a:latin typeface="Cambria Math" panose="02040503050406030204" pitchFamily="18" charset="0"/>
+                          </a:rPr>
+                          <m:t>𝐶</m:t>
+                        </m:r>
+                      </m:e>
+                      <m:sub>
+                        <m:r>
+                          <a:rPr lang="en-US" altLang="ja-JP" sz="1200" i="1">
+                            <a:latin typeface="Cambria Math" panose="02040503050406030204" pitchFamily="18" charset="0"/>
+                          </a:rPr>
+                          <m:t>1</m:t>
+                        </m:r>
+                      </m:sub>
+                    </m:sSub>
+                    <m:r>
+                      <a:rPr lang="en-US" altLang="ja-JP" sz="1200" b="0" i="1" smtClean="0">
+                        <a:latin typeface="Cambria Math" panose="02040503050406030204" pitchFamily="18" charset="0"/>
+                      </a:rPr>
+                      <m:t>≔</m:t>
+                    </m:r>
+                    <m:sSub>
+                      <m:sSubPr>
+                        <m:ctrlPr>
+                          <a:rPr lang="en-US" altLang="ja-JP" sz="1200" i="1">
+                            <a:latin typeface="Cambria Math" panose="02040503050406030204" pitchFamily="18" charset="0"/>
+                          </a:rPr>
+                        </m:ctrlPr>
+                      </m:sSubPr>
+                      <m:e>
+                        <m:r>
+                          <a:rPr lang="en-US" altLang="ja-JP" sz="1200" i="1">
+                            <a:latin typeface="Cambria Math" panose="02040503050406030204" pitchFamily="18" charset="0"/>
+                          </a:rPr>
+                          <m:t>𝐶</m:t>
+                        </m:r>
+                      </m:e>
+                      <m:sub>
+                        <m:r>
+                          <a:rPr lang="en-US" altLang="ja-JP" sz="1200" i="1">
+                            <a:latin typeface="Cambria Math" panose="02040503050406030204" pitchFamily="18" charset="0"/>
+                          </a:rPr>
+                          <m:t>𝑃𝐷</m:t>
+                        </m:r>
+                      </m:sub>
+                    </m:sSub>
+                    <m:r>
+                      <a:rPr lang="en-US" altLang="ja-JP" sz="1200" i="1">
+                        <a:latin typeface="Cambria Math" panose="02040503050406030204" pitchFamily="18" charset="0"/>
+                      </a:rPr>
+                      <m:t>+</m:t>
+                    </m:r>
+                    <m:sSub>
+                      <m:sSubPr>
+                        <m:ctrlPr>
+                          <a:rPr lang="en-US" altLang="ja-JP" sz="1200" i="1">
+                            <a:latin typeface="Cambria Math" panose="02040503050406030204" pitchFamily="18" charset="0"/>
+                          </a:rPr>
+                        </m:ctrlPr>
+                      </m:sSubPr>
+                      <m:e>
+                        <m:r>
+                          <a:rPr lang="en-US" altLang="ja-JP" sz="1200" i="1">
+                            <a:latin typeface="Cambria Math" panose="02040503050406030204" pitchFamily="18" charset="0"/>
+                          </a:rPr>
+                          <m:t>𝐶</m:t>
+                        </m:r>
+                      </m:e>
+                      <m:sub>
+                        <m:r>
+                          <a:rPr lang="en-US" altLang="ja-JP" sz="1200" i="1">
+                            <a:latin typeface="Cambria Math" panose="02040503050406030204" pitchFamily="18" charset="0"/>
+                          </a:rPr>
+                          <m:t>𝑗𝑒</m:t>
+                        </m:r>
+                        <m:r>
+                          <a:rPr lang="en-US" altLang="ja-JP" sz="1200" i="1">
+                            <a:latin typeface="Cambria Math" panose="02040503050406030204" pitchFamily="18" charset="0"/>
+                          </a:rPr>
+                          <m:t>1</m:t>
+                        </m:r>
+                      </m:sub>
+                    </m:sSub>
+                  </m:oMath>
+                </a14:m>
+                <a:r>
+                  <a:rPr kumimoji="1" lang="en-US" altLang="ja-JP" sz="1200" dirty="0">
+                    <a:latin typeface="Times Newer Roman" panose="00000500000000000000" pitchFamily="50" charset="0"/>
+                  </a:rPr>
+                  <a:t>		</a:t>
+                </a:r>
+                <a14:m>
+                  <m:oMath xmlns:m="http://schemas.openxmlformats.org/officeDocument/2006/math">
+                    <m:sSub>
+                      <m:sSubPr>
+                        <m:ctrlPr>
+                          <a:rPr lang="en-US" altLang="ja-JP" sz="1200" i="1">
+                            <a:latin typeface="Cambria Math" panose="02040503050406030204" pitchFamily="18" charset="0"/>
+                          </a:rPr>
+                        </m:ctrlPr>
+                      </m:sSubPr>
+                      <m:e>
+                        <m:r>
+                          <a:rPr lang="en-US" altLang="ja-JP" sz="1200" i="1">
+                            <a:latin typeface="Cambria Math" panose="02040503050406030204" pitchFamily="18" charset="0"/>
+                          </a:rPr>
+                          <m:t>𝐶</m:t>
+                        </m:r>
+                      </m:e>
+                      <m:sub>
+                        <m:r>
+                          <a:rPr lang="en-US" altLang="ja-JP" sz="1200" i="1">
+                            <a:latin typeface="Cambria Math" panose="02040503050406030204" pitchFamily="18" charset="0"/>
+                          </a:rPr>
+                          <m:t>2</m:t>
+                        </m:r>
+                      </m:sub>
+                    </m:sSub>
+                    <m:r>
+                      <a:rPr lang="en-US" altLang="ja-JP" sz="1200" b="0" i="1" smtClean="0">
+                        <a:latin typeface="Cambria Math" panose="02040503050406030204" pitchFamily="18" charset="0"/>
+                      </a:rPr>
+                      <m:t>≔</m:t>
+                    </m:r>
+                    <m:sSub>
+                      <m:sSubPr>
+                        <m:ctrlPr>
+                          <a:rPr lang="en-US" altLang="ja-JP" sz="1200" i="1">
+                            <a:latin typeface="Cambria Math" panose="02040503050406030204" pitchFamily="18" charset="0"/>
+                          </a:rPr>
+                        </m:ctrlPr>
+                      </m:sSubPr>
+                      <m:e>
+                        <m:r>
+                          <a:rPr lang="en-US" altLang="ja-JP" sz="1200" i="1">
+                            <a:latin typeface="Cambria Math" panose="02040503050406030204" pitchFamily="18" charset="0"/>
+                          </a:rPr>
+                          <m:t>𝐶</m:t>
+                        </m:r>
+                      </m:e>
+                      <m:sub>
+                        <m:r>
+                          <a:rPr lang="en-US" altLang="ja-JP" sz="1200" i="1">
+                            <a:latin typeface="Cambria Math" panose="02040503050406030204" pitchFamily="18" charset="0"/>
+                          </a:rPr>
+                          <m:t>𝑗𝑐</m:t>
+                        </m:r>
+                        <m:r>
+                          <a:rPr lang="en-US" altLang="ja-JP" sz="1200" i="1">
+                            <a:latin typeface="Cambria Math" panose="02040503050406030204" pitchFamily="18" charset="0"/>
+                          </a:rPr>
+                          <m:t>1</m:t>
+                        </m:r>
+                      </m:sub>
+                    </m:sSub>
+                    <m:r>
+                      <a:rPr lang="en-US" altLang="ja-JP" sz="1200" i="1">
+                        <a:latin typeface="Cambria Math" panose="02040503050406030204" pitchFamily="18" charset="0"/>
+                      </a:rPr>
+                      <m:t>+</m:t>
+                    </m:r>
+                    <m:sSub>
+                      <m:sSubPr>
+                        <m:ctrlPr>
+                          <a:rPr lang="en-US" altLang="ja-JP" sz="1200" i="1">
+                            <a:latin typeface="Cambria Math" panose="02040503050406030204" pitchFamily="18" charset="0"/>
+                          </a:rPr>
+                        </m:ctrlPr>
+                      </m:sSubPr>
+                      <m:e>
+                        <m:r>
+                          <a:rPr lang="en-US" altLang="ja-JP" sz="1200" i="1">
+                            <a:latin typeface="Cambria Math" panose="02040503050406030204" pitchFamily="18" charset="0"/>
+                          </a:rPr>
+                          <m:t>𝐶</m:t>
+                        </m:r>
+                      </m:e>
+                      <m:sub>
+                        <m:r>
+                          <a:rPr lang="en-US" altLang="ja-JP" sz="1200" i="1">
+                            <a:latin typeface="Cambria Math" panose="02040503050406030204" pitchFamily="18" charset="0"/>
+                          </a:rPr>
+                          <m:t>𝑗𝑐</m:t>
+                        </m:r>
+                        <m:r>
+                          <a:rPr lang="en-US" altLang="ja-JP" sz="1200" i="1">
+                            <a:latin typeface="Cambria Math" panose="02040503050406030204" pitchFamily="18" charset="0"/>
+                          </a:rPr>
+                          <m:t>2</m:t>
+                        </m:r>
+                      </m:sub>
+                    </m:sSub>
+                    <m:r>
+                      <a:rPr lang="en-US" altLang="ja-JP" sz="1200" i="1">
+                        <a:latin typeface="Cambria Math" panose="02040503050406030204" pitchFamily="18" charset="0"/>
+                      </a:rPr>
+                      <m:t>+</m:t>
+                    </m:r>
+                    <m:sSub>
+                      <m:sSubPr>
+                        <m:ctrlPr>
+                          <a:rPr lang="en-US" altLang="ja-JP" sz="1200" i="1">
+                            <a:latin typeface="Cambria Math" panose="02040503050406030204" pitchFamily="18" charset="0"/>
+                          </a:rPr>
+                        </m:ctrlPr>
+                      </m:sSubPr>
+                      <m:e>
+                        <m:r>
+                          <a:rPr lang="en-US" altLang="ja-JP" sz="1200" i="1">
+                            <a:latin typeface="Cambria Math" panose="02040503050406030204" pitchFamily="18" charset="0"/>
+                          </a:rPr>
+                          <m:t>𝐶</m:t>
+                        </m:r>
+                      </m:e>
+                      <m:sub>
+                        <m:r>
+                          <a:rPr lang="en-US" altLang="ja-JP" sz="1200" i="1">
+                            <a:latin typeface="Cambria Math" panose="02040503050406030204" pitchFamily="18" charset="0"/>
+                          </a:rPr>
+                          <m:t>𝑗𝑒</m:t>
+                        </m:r>
+                        <m:r>
+                          <a:rPr lang="en-US" altLang="ja-JP" sz="1200" i="1">
+                            <a:latin typeface="Cambria Math" panose="02040503050406030204" pitchFamily="18" charset="0"/>
+                          </a:rPr>
+                          <m:t>2</m:t>
+                        </m:r>
+                      </m:sub>
+                    </m:sSub>
+                  </m:oMath>
+                </a14:m>
+                <a:endParaRPr kumimoji="1" lang="en-US" altLang="ja-JP" sz="1200" dirty="0">
+                  <a:latin typeface="Times Newer Roman" panose="00000500000000000000" pitchFamily="50" charset="0"/>
+                </a:endParaRPr>
+              </a:p>
+              <a:p>
+                <a:pPr algn="ctr"/>
                 <a14:m>
                   <m:oMathPara xmlns:m="http://schemas.openxmlformats.org/officeDocument/2006/math">
                     <m:oMathParaPr>
                       <m:jc m:val="centerGroup"/>
                     </m:oMathParaPr>
                     <m:oMath xmlns:m="http://schemas.openxmlformats.org/officeDocument/2006/math">
-                      <m:f>
-                        <m:fPr>
+                      <m:sSub>
+                        <m:sSubPr>
                           <m:ctrlPr>
-                            <a:rPr lang="en-US" altLang="ja-JP" sz="1400" i="1" smtClean="0">
+                            <a:rPr kumimoji="1" lang="en-US" altLang="ja-JP" sz="1200" b="0" i="1" smtClean="0">
                               <a:latin typeface="Cambria Math" panose="02040503050406030204" pitchFamily="18" charset="0"/>
                             </a:rPr>
                           </m:ctrlPr>
-                        </m:fPr>
-                        <m:num>
+                        </m:sSubPr>
+                        <m:e>
+                          <m:r>
+                            <a:rPr kumimoji="1" lang="en-US" altLang="ja-JP" sz="1200" b="0" i="1" smtClean="0">
+                              <a:latin typeface="Cambria Math" panose="02040503050406030204" pitchFamily="18" charset="0"/>
+                            </a:rPr>
+                            <m:t>𝐺</m:t>
+                          </m:r>
+                        </m:e>
+                        <m:sub>
+                          <m:r>
+                            <a:rPr kumimoji="1" lang="en-US" altLang="ja-JP" sz="1200" b="0" i="1" smtClean="0">
+                              <a:latin typeface="Cambria Math" panose="02040503050406030204" pitchFamily="18" charset="0"/>
+                            </a:rPr>
+                            <m:t>3</m:t>
+                          </m:r>
+                        </m:sub>
+                      </m:sSub>
+                      <m:r>
+                        <a:rPr kumimoji="1" lang="en-US" altLang="ja-JP" sz="1200" b="0" i="1" smtClean="0">
+                          <a:latin typeface="Cambria Math" panose="02040503050406030204" pitchFamily="18" charset="0"/>
+                        </a:rPr>
+                        <m:t>≔</m:t>
+                      </m:r>
+                      <m:sSub>
+                        <m:sSubPr>
+                          <m:ctrlPr>
+                            <a:rPr lang="en-US" altLang="ja-JP" sz="1200" i="1">
+                              <a:latin typeface="Cambria Math" panose="02040503050406030204" pitchFamily="18" charset="0"/>
+                            </a:rPr>
+                          </m:ctrlPr>
+                        </m:sSubPr>
+                        <m:e>
+                          <m:r>
+                            <a:rPr lang="en-US" altLang="ja-JP" sz="1200" i="1">
+                              <a:latin typeface="Cambria Math" panose="02040503050406030204" pitchFamily="18" charset="0"/>
+                            </a:rPr>
+                            <m:t>𝑔</m:t>
+                          </m:r>
+                        </m:e>
+                        <m:sub>
+                          <m:r>
+                            <a:rPr lang="en-US" altLang="ja-JP" sz="1200" i="1">
+                              <a:latin typeface="Cambria Math" panose="02040503050406030204" pitchFamily="18" charset="0"/>
+                            </a:rPr>
+                            <m:t>𝑐</m:t>
+                          </m:r>
+                          <m:r>
+                            <a:rPr lang="en-US" altLang="ja-JP" sz="1200" i="1">
+                              <a:latin typeface="Cambria Math" panose="02040503050406030204" pitchFamily="18" charset="0"/>
+                            </a:rPr>
+                            <m:t>1</m:t>
+                          </m:r>
+                        </m:sub>
+                      </m:sSub>
+                      <m:d>
+                        <m:dPr>
+                          <m:ctrlPr>
+                            <a:rPr lang="en-US" altLang="ja-JP" sz="1200" i="1">
+                              <a:latin typeface="Cambria Math" panose="02040503050406030204" pitchFamily="18" charset="0"/>
+                            </a:rPr>
+                          </m:ctrlPr>
+                        </m:dPr>
+                        <m:e>
                           <m:sSub>
                             <m:sSubPr>
                               <m:ctrlPr>
-                                <a:rPr lang="en-US" altLang="ja-JP" sz="1400" i="1">
+                                <a:rPr lang="en-US" altLang="ja-JP" sz="1200" i="1">
                                   <a:latin typeface="Cambria Math" panose="02040503050406030204" pitchFamily="18" charset="0"/>
                                 </a:rPr>
                               </m:ctrlPr>
                             </m:sSubPr>
                             <m:e>
                               <m:r>
-                                <a:rPr lang="en-US" altLang="ja-JP" sz="1400" i="1">
+                                <a:rPr lang="en-US" altLang="ja-JP" sz="1200" i="1">
                                   <a:latin typeface="Cambria Math" panose="02040503050406030204" pitchFamily="18" charset="0"/>
                                 </a:rPr>
                                 <m:t>𝑔</m:t>
@@ -18544,13 +23940,13 @@
                             </m:e>
                             <m:sub>
                               <m:r>
-                                <a:rPr lang="en-US" altLang="ja-JP" sz="1400" i="1">
+                                <a:rPr lang="en-US" altLang="ja-JP" sz="1200" i="1">
                                   <a:latin typeface="Cambria Math" panose="02040503050406030204" pitchFamily="18" charset="0"/>
                                 </a:rPr>
                                 <m:t>𝑚</m:t>
                               </m:r>
                               <m:r>
-                                <a:rPr lang="en-US" altLang="ja-JP" sz="1400" i="1">
+                                <a:rPr lang="en-US" altLang="ja-JP" sz="1200" i="1">
                                   <a:latin typeface="Cambria Math" panose="02040503050406030204" pitchFamily="18" charset="0"/>
                                 </a:rPr>
                                 <m:t>1</m:t>
@@ -18558,7 +23954,7 @@
                             </m:sub>
                           </m:sSub>
                           <m:r>
-                            <a:rPr lang="en-US" altLang="ja-JP" sz="1400" i="1">
+                            <a:rPr lang="en-US" altLang="ja-JP" sz="1200" i="1">
                               <a:latin typeface="Cambria Math" panose="02040503050406030204" pitchFamily="18" charset="0"/>
                             </a:rPr>
                             <m:t>+</m:t>
@@ -18566,14 +23962,14 @@
                           <m:sSub>
                             <m:sSubPr>
                               <m:ctrlPr>
-                                <a:rPr lang="en-US" altLang="ja-JP" sz="1400" i="1">
+                                <a:rPr lang="en-US" altLang="ja-JP" sz="1200" i="1">
                                   <a:latin typeface="Cambria Math" panose="02040503050406030204" pitchFamily="18" charset="0"/>
                                 </a:rPr>
                               </m:ctrlPr>
                             </m:sSubPr>
                             <m:e>
                               <m:r>
-                                <a:rPr lang="en-US" altLang="ja-JP" sz="1400" i="1">
+                                <a:rPr lang="en-US" altLang="ja-JP" sz="1200" i="1">
                                   <a:latin typeface="Cambria Math" panose="02040503050406030204" pitchFamily="18" charset="0"/>
                                 </a:rPr>
                                 <m:t>𝑔</m:t>
@@ -18581,32 +23977,187 @@
                             </m:e>
                             <m:sub>
                               <m:r>
-                                <a:rPr lang="en-US" altLang="ja-JP" sz="1400" i="1">
+                                <a:rPr lang="en-US" altLang="ja-JP" sz="1200" i="1">
                                   <a:latin typeface="Cambria Math" panose="02040503050406030204" pitchFamily="18" charset="0"/>
                                 </a:rPr>
                                 <m:t>𝑐𝑒</m:t>
                               </m:r>
                               <m:r>
-                                <a:rPr lang="en-US" altLang="ja-JP" sz="1400" i="1">
+                                <a:rPr lang="en-US" altLang="ja-JP" sz="1200" i="1">
                                   <a:latin typeface="Cambria Math" panose="02040503050406030204" pitchFamily="18" charset="0"/>
                                 </a:rPr>
                                 <m:t>1</m:t>
                               </m:r>
                             </m:sub>
                           </m:sSub>
-                        </m:num>
-                        <m:den>
+                        </m:e>
+                      </m:d>
+                      <m:r>
+                        <a:rPr lang="en-US" altLang="ja-JP" sz="1200" i="1">
+                          <a:latin typeface="Cambria Math" panose="02040503050406030204" pitchFamily="18" charset="0"/>
+                        </a:rPr>
+                        <m:t>−</m:t>
+                      </m:r>
+                      <m:sSub>
+                        <m:sSubPr>
+                          <m:ctrlPr>
+                            <a:rPr lang="en-US" altLang="ja-JP" sz="1200" i="1">
+                              <a:latin typeface="Cambria Math" panose="02040503050406030204" pitchFamily="18" charset="0"/>
+                            </a:rPr>
+                          </m:ctrlPr>
+                        </m:sSubPr>
+                        <m:e>
+                          <m:r>
+                            <a:rPr lang="en-US" altLang="ja-JP" sz="1200" i="1">
+                              <a:latin typeface="Cambria Math" panose="02040503050406030204" pitchFamily="18" charset="0"/>
+                            </a:rPr>
+                            <m:t>𝐺</m:t>
+                          </m:r>
+                        </m:e>
+                        <m:sub>
+                          <m:r>
+                            <a:rPr lang="en-US" altLang="ja-JP" sz="1200" i="1">
+                              <a:latin typeface="Cambria Math" panose="02040503050406030204" pitchFamily="18" charset="0"/>
+                            </a:rPr>
+                            <m:t>1</m:t>
+                          </m:r>
+                        </m:sub>
+                      </m:sSub>
+                      <m:sSub>
+                        <m:sSubPr>
+                          <m:ctrlPr>
+                            <a:rPr lang="en-US" altLang="ja-JP" sz="1200" i="1">
+                              <a:latin typeface="Cambria Math" panose="02040503050406030204" pitchFamily="18" charset="0"/>
+                            </a:rPr>
+                          </m:ctrlPr>
+                        </m:sSubPr>
+                        <m:e>
+                          <m:r>
+                            <a:rPr lang="en-US" altLang="ja-JP" sz="1200" i="1">
+                              <a:latin typeface="Cambria Math" panose="02040503050406030204" pitchFamily="18" charset="0"/>
+                            </a:rPr>
+                            <m:t>𝐺</m:t>
+                          </m:r>
+                        </m:e>
+                        <m:sub>
+                          <m:r>
+                            <a:rPr lang="en-US" altLang="ja-JP" sz="1200" i="1">
+                              <a:latin typeface="Cambria Math" panose="02040503050406030204" pitchFamily="18" charset="0"/>
+                            </a:rPr>
+                            <m:t>2</m:t>
+                          </m:r>
+                        </m:sub>
+                      </m:sSub>
+                      <m:r>
+                        <a:rPr kumimoji="1" lang="en-US" altLang="ja-JP" sz="1200" b="0" i="0" smtClean="0">
+                          <a:latin typeface="Cambria Math" panose="02040503050406030204" pitchFamily="18" charset="0"/>
+                        </a:rPr>
+                        <m:t>,  </m:t>
+                      </m:r>
+                      <m:sSub>
+                        <m:sSubPr>
+                          <m:ctrlPr>
+                            <a:rPr kumimoji="1" lang="en-US" altLang="ja-JP" sz="1200" b="0" i="1" smtClean="0">
+                              <a:latin typeface="Cambria Math" panose="02040503050406030204" pitchFamily="18" charset="0"/>
+                            </a:rPr>
+                          </m:ctrlPr>
+                        </m:sSubPr>
+                        <m:e>
+                          <m:r>
+                            <m:rPr>
+                              <m:sty m:val="p"/>
+                            </m:rPr>
+                            <a:rPr kumimoji="1" lang="en-US" altLang="ja-JP" sz="1200" b="0" i="0" smtClean="0">
+                              <a:latin typeface="Cambria Math" panose="02040503050406030204" pitchFamily="18" charset="0"/>
+                            </a:rPr>
+                            <m:t>G</m:t>
+                          </m:r>
+                        </m:e>
+                        <m:sub>
+                          <m:r>
+                            <a:rPr kumimoji="1" lang="en-US" altLang="ja-JP" sz="1200" b="0" i="0" smtClean="0">
+                              <a:latin typeface="Cambria Math" panose="02040503050406030204" pitchFamily="18" charset="0"/>
+                            </a:rPr>
+                            <m:t>4</m:t>
+                          </m:r>
+                        </m:sub>
+                      </m:sSub>
+                      <m:r>
+                        <a:rPr kumimoji="1" lang="en-US" altLang="ja-JP" sz="1200" b="0" i="0" smtClean="0">
+                          <a:latin typeface="Cambria Math" panose="02040503050406030204" pitchFamily="18" charset="0"/>
+                        </a:rPr>
+                        <m:t>≔</m:t>
+                      </m:r>
+                      <m:sSub>
+                        <m:sSubPr>
+                          <m:ctrlPr>
+                            <a:rPr lang="en-US" altLang="ja-JP" sz="1200" i="1">
+                              <a:latin typeface="Cambria Math" panose="02040503050406030204" pitchFamily="18" charset="0"/>
+                            </a:rPr>
+                          </m:ctrlPr>
+                        </m:sSubPr>
+                        <m:e>
+                          <m:r>
+                            <a:rPr lang="en-US" altLang="ja-JP" sz="1200" i="1">
+                              <a:latin typeface="Cambria Math" panose="02040503050406030204" pitchFamily="18" charset="0"/>
+                            </a:rPr>
+                            <m:t>𝐶</m:t>
+                          </m:r>
+                        </m:e>
+                        <m:sub>
+                          <m:r>
+                            <a:rPr lang="en-US" altLang="ja-JP" sz="1200" i="1">
+                              <a:latin typeface="Cambria Math" panose="02040503050406030204" pitchFamily="18" charset="0"/>
+                            </a:rPr>
+                            <m:t>1</m:t>
+                          </m:r>
+                        </m:sub>
+                      </m:sSub>
+                      <m:sSub>
+                        <m:sSubPr>
+                          <m:ctrlPr>
+                            <a:rPr lang="en-US" altLang="ja-JP" sz="1200" i="1">
+                              <a:latin typeface="Cambria Math" panose="02040503050406030204" pitchFamily="18" charset="0"/>
+                            </a:rPr>
+                          </m:ctrlPr>
+                        </m:sSubPr>
+                        <m:e>
+                          <m:r>
+                            <a:rPr lang="en-US" altLang="ja-JP" sz="1200" i="1">
+                              <a:latin typeface="Cambria Math" panose="02040503050406030204" pitchFamily="18" charset="0"/>
+                            </a:rPr>
+                            <m:t>𝐶</m:t>
+                          </m:r>
+                        </m:e>
+                        <m:sub>
+                          <m:r>
+                            <a:rPr lang="en-US" altLang="ja-JP" sz="1200" i="1">
+                              <a:latin typeface="Cambria Math" panose="02040503050406030204" pitchFamily="18" charset="0"/>
+                            </a:rPr>
+                            <m:t>2</m:t>
+                          </m:r>
+                        </m:sub>
+                      </m:sSub>
+                      <m:d>
+                        <m:dPr>
+                          <m:ctrlPr>
+                            <a:rPr kumimoji="1" lang="en-US" altLang="ja-JP" sz="1200" b="0" i="1" smtClean="0">
+                              <a:latin typeface="Cambria Math" panose="02040503050406030204" pitchFamily="18" charset="0"/>
+                            </a:rPr>
+                          </m:ctrlPr>
+                        </m:dPr>
+                        <m:e>
                           <m:sSub>
                             <m:sSubPr>
                               <m:ctrlPr>
-                                <a:rPr lang="en-US" altLang="ja-JP" sz="1400" i="1">
+                                <a:rPr kumimoji="1" lang="en-US" altLang="ja-JP" sz="1200" b="0" i="1" smtClean="0">
                                   <a:latin typeface="Cambria Math" panose="02040503050406030204" pitchFamily="18" charset="0"/>
                                 </a:rPr>
                               </m:ctrlPr>
                             </m:sSubPr>
                             <m:e>
                               <m:r>
-                                <a:rPr lang="en-US" altLang="ja-JP" sz="1400" i="1">
+                                <a:rPr kumimoji="1" lang="en-US" altLang="ja-JP" sz="1200" b="0" i="1" smtClean="0">
                                   <a:latin typeface="Cambria Math" panose="02040503050406030204" pitchFamily="18" charset="0"/>
                                 </a:rPr>
                                 <m:t>𝐺</m:t>
@@ -18614,121 +24165,140 @@
                             </m:e>
                             <m:sub>
                               <m:r>
-                                <a:rPr lang="en-US" altLang="ja-JP" sz="1400" i="1">
-                                  <a:latin typeface="Cambria Math" panose="02040503050406030204" pitchFamily="18" charset="0"/>
-                                </a:rPr>
-                                <m:t>1</m:t>
+                                <a:rPr kumimoji="1" lang="en-US" altLang="ja-JP" sz="1200" b="0" i="1" smtClean="0">
+                                  <a:latin typeface="Cambria Math" panose="02040503050406030204" pitchFamily="18" charset="0"/>
+                                </a:rPr>
+                                <m:t>𝑐</m:t>
+                              </m:r>
+                              <m:r>
+                                <a:rPr kumimoji="1" lang="en-US" altLang="ja-JP" sz="1200" b="0" i="1" smtClean="0">
+                                  <a:latin typeface="Cambria Math" panose="02040503050406030204" pitchFamily="18" charset="0"/>
+                                </a:rPr>
+                                <m:t>2</m:t>
                               </m:r>
                             </m:sub>
                           </m:sSub>
                           <m:r>
-                            <a:rPr lang="en-US" altLang="ja-JP" sz="1400" i="1">
+                            <a:rPr kumimoji="1" lang="en-US" altLang="ja-JP" sz="1200" b="0" i="1" smtClean="0">
                               <a:latin typeface="Cambria Math" panose="02040503050406030204" pitchFamily="18" charset="0"/>
                             </a:rPr>
                             <m:t>+</m:t>
-                          </m:r>
-                          <m:r>
-                            <a:rPr lang="en-US" altLang="ja-JP" sz="1400" i="1">
-                              <a:latin typeface="Cambria Math" panose="02040503050406030204" pitchFamily="18" charset="0"/>
-                            </a:rPr>
-                            <m:t>𝑗</m:t>
-                          </m:r>
-                          <m:r>
-                            <a:rPr lang="en-US" altLang="ja-JP" sz="1400" i="1">
-                              <a:latin typeface="Cambria Math" panose="02040503050406030204" pitchFamily="18" charset="0"/>
-                            </a:rPr>
-                            <m:t>𝜔</m:t>
                           </m:r>
                           <m:sSub>
                             <m:sSubPr>
                               <m:ctrlPr>
-                                <a:rPr lang="en-US" altLang="ja-JP" sz="1400" i="1">
+                                <a:rPr kumimoji="1" lang="en-US" altLang="ja-JP" sz="1200" b="0" i="1" smtClean="0">
                                   <a:latin typeface="Cambria Math" panose="02040503050406030204" pitchFamily="18" charset="0"/>
                                 </a:rPr>
                               </m:ctrlPr>
                             </m:sSubPr>
                             <m:e>
                               <m:r>
-                                <a:rPr lang="en-US" altLang="ja-JP" sz="1400" i="1">
-                                  <a:latin typeface="Cambria Math" panose="02040503050406030204" pitchFamily="18" charset="0"/>
-                                </a:rPr>
-                                <m:t>𝐶</m:t>
+                                <a:rPr kumimoji="1" lang="en-US" altLang="ja-JP" sz="1200" b="0" i="1" smtClean="0">
+                                  <a:latin typeface="Cambria Math" panose="02040503050406030204" pitchFamily="18" charset="0"/>
+                                </a:rPr>
+                                <m:t>𝑔</m:t>
                               </m:r>
                             </m:e>
                             <m:sub>
                               <m:r>
-                                <a:rPr lang="en-US" altLang="ja-JP" sz="1400" i="1">
-                                  <a:latin typeface="Cambria Math" panose="02040503050406030204" pitchFamily="18" charset="0"/>
-                                </a:rPr>
-                                <m:t>1</m:t>
+                                <a:rPr kumimoji="1" lang="en-US" altLang="ja-JP" sz="1200" b="0" i="1" smtClean="0">
+                                  <a:latin typeface="Cambria Math" panose="02040503050406030204" pitchFamily="18" charset="0"/>
+                                </a:rPr>
+                                <m:t>𝑐𝑒</m:t>
+                              </m:r>
+                              <m:r>
+                                <a:rPr kumimoji="1" lang="en-US" altLang="ja-JP" sz="1200" b="0" i="1" smtClean="0">
+                                  <a:latin typeface="Cambria Math" panose="02040503050406030204" pitchFamily="18" charset="0"/>
+                                </a:rPr>
+                                <m:t>2</m:t>
                               </m:r>
                             </m:sub>
                           </m:sSub>
-                        </m:den>
-                      </m:f>
+                        </m:e>
+                      </m:d>
                       <m:r>
-                        <a:rPr lang="en-US" altLang="ja-JP" sz="1400" b="0" i="1" smtClean="0">
+                        <a:rPr kumimoji="1" lang="en-US" altLang="ja-JP" sz="1200" b="0" i="1" smtClean="0">
                           <a:latin typeface="Cambria Math" panose="02040503050406030204" pitchFamily="18" charset="0"/>
                         </a:rPr>
-                        <m:t>⋅</m:t>
+                        <m:t>+</m:t>
                       </m:r>
-                      <m:f>
-                        <m:fPr>
+                      <m:sSub>
+                        <m:sSubPr>
                           <m:ctrlPr>
-                            <a:rPr lang="en-US" altLang="ja-JP" sz="1400" b="0" i="1" smtClean="0">
+                            <a:rPr kumimoji="1" lang="en-US" altLang="ja-JP" sz="1200" b="0" i="1" smtClean="0">
                               <a:latin typeface="Cambria Math" panose="02040503050406030204" pitchFamily="18" charset="0"/>
                             </a:rPr>
                           </m:ctrlPr>
-                        </m:fPr>
-                        <m:num>
-                          <m:r>
-                            <a:rPr lang="en-US" altLang="ja-JP" sz="1400" i="1">
-                              <a:latin typeface="Cambria Math" panose="02040503050406030204" pitchFamily="18" charset="0"/>
-                            </a:rPr>
-                            <m:t>−</m:t>
-                          </m:r>
+                        </m:sSubPr>
+                        <m:e>
+                          <m:r>
+                            <a:rPr kumimoji="1" lang="en-US" altLang="ja-JP" sz="1200" b="0" i="1" smtClean="0">
+                              <a:latin typeface="Cambria Math" panose="02040503050406030204" pitchFamily="18" charset="0"/>
+                            </a:rPr>
+                            <m:t>𝐶</m:t>
+                          </m:r>
+                        </m:e>
+                        <m:sub>
+                          <m:r>
+                            <a:rPr kumimoji="1" lang="en-US" altLang="ja-JP" sz="1200" b="0" i="1" smtClean="0">
+                              <a:latin typeface="Cambria Math" panose="02040503050406030204" pitchFamily="18" charset="0"/>
+                            </a:rPr>
+                            <m:t>𝑗𝑐</m:t>
+                          </m:r>
+                          <m:r>
+                            <a:rPr kumimoji="1" lang="en-US" altLang="ja-JP" sz="1200" b="0" i="1" smtClean="0">
+                              <a:latin typeface="Cambria Math" panose="02040503050406030204" pitchFamily="18" charset="0"/>
+                            </a:rPr>
+                            <m:t>2</m:t>
+                          </m:r>
+                        </m:sub>
+                      </m:sSub>
+                      <m:d>
+                        <m:dPr>
+                          <m:ctrlPr>
+                            <a:rPr kumimoji="1" lang="en-US" altLang="ja-JP" sz="1200" b="0" i="1" smtClean="0">
+                              <a:latin typeface="Cambria Math" panose="02040503050406030204" pitchFamily="18" charset="0"/>
+                            </a:rPr>
+                          </m:ctrlPr>
+                        </m:dPr>
+                        <m:e>
                           <m:sSub>
                             <m:sSubPr>
                               <m:ctrlPr>
-                                <a:rPr lang="en-US" altLang="ja-JP" sz="1400" i="1">
+                                <a:rPr kumimoji="1" lang="en-US" altLang="ja-JP" sz="1200" b="0" i="1" smtClean="0">
                                   <a:latin typeface="Cambria Math" panose="02040503050406030204" pitchFamily="18" charset="0"/>
                                 </a:rPr>
                               </m:ctrlPr>
                             </m:sSubPr>
                             <m:e>
                               <m:r>
-                                <a:rPr lang="en-US" altLang="ja-JP" sz="1400" i="1">
-                                  <a:latin typeface="Cambria Math" panose="02040503050406030204" pitchFamily="18" charset="0"/>
-                                </a:rPr>
-                                <m:t>𝑔</m:t>
+                                <a:rPr kumimoji="1" lang="en-US" altLang="ja-JP" sz="1200" b="0" i="1" smtClean="0">
+                                  <a:latin typeface="Cambria Math" panose="02040503050406030204" pitchFamily="18" charset="0"/>
+                                </a:rPr>
+                                <m:t>𝐶</m:t>
                               </m:r>
                             </m:e>
                             <m:sub>
                               <m:r>
-                                <a:rPr lang="en-US" altLang="ja-JP" sz="1400" i="1">
-                                  <a:latin typeface="Cambria Math" panose="02040503050406030204" pitchFamily="18" charset="0"/>
-                                </a:rPr>
-                                <m:t>𝑚</m:t>
-                              </m:r>
-                              <m:r>
-                                <a:rPr lang="en-US" altLang="ja-JP" sz="1400" i="1">
-                                  <a:latin typeface="Cambria Math" panose="02040503050406030204" pitchFamily="18" charset="0"/>
-                                </a:rPr>
-                                <m:t>2</m:t>
+                                <a:rPr kumimoji="1" lang="en-US" altLang="ja-JP" sz="1200" b="0" i="1" smtClean="0">
+                                  <a:latin typeface="Cambria Math" panose="02040503050406030204" pitchFamily="18" charset="0"/>
+                                </a:rPr>
+                                <m:t>1</m:t>
                               </m:r>
                             </m:sub>
                           </m:sSub>
                           <m:sSub>
                             <m:sSubPr>
                               <m:ctrlPr>
-                                <a:rPr lang="en-US" altLang="ja-JP" sz="1400" i="1">
+                                <a:rPr kumimoji="1" lang="en-US" altLang="ja-JP" sz="1200" b="0" i="1" smtClean="0">
                                   <a:latin typeface="Cambria Math" panose="02040503050406030204" pitchFamily="18" charset="0"/>
                                 </a:rPr>
                               </m:ctrlPr>
                             </m:sSubPr>
                             <m:e>
                               <m:r>
-                                <a:rPr lang="en-US" altLang="ja-JP" sz="1400" i="1">
+                                <a:rPr kumimoji="1" lang="en-US" altLang="ja-JP" sz="1200" b="0" i="1" smtClean="0">
                                   <a:latin typeface="Cambria Math" panose="02040503050406030204" pitchFamily="18" charset="0"/>
                                 </a:rPr>
                                 <m:t>𝐺</m:t>
@@ -18736,202 +24306,30 @@
                             </m:e>
                             <m:sub>
                               <m:r>
-                                <a:rPr lang="en-US" altLang="ja-JP" sz="1400" i="1">
-                                  <a:latin typeface="Cambria Math" panose="02040503050406030204" pitchFamily="18" charset="0"/>
-                                </a:rPr>
-                                <m:t>1</m:t>
+                                <a:rPr kumimoji="1" lang="en-US" altLang="ja-JP" sz="1200" b="0" i="1" smtClean="0">
+                                  <a:latin typeface="Cambria Math" panose="02040503050406030204" pitchFamily="18" charset="0"/>
+                                </a:rPr>
+                                <m:t>2</m:t>
                               </m:r>
                             </m:sub>
                           </m:sSub>
                           <m:r>
-                            <a:rPr lang="en-US" altLang="ja-JP" sz="1400" i="1">
+                            <a:rPr kumimoji="1" lang="en-US" altLang="ja-JP" sz="1200" b="0" i="1" smtClean="0">
                               <a:latin typeface="Cambria Math" panose="02040503050406030204" pitchFamily="18" charset="0"/>
                             </a:rPr>
                             <m:t>+</m:t>
                           </m:r>
-                          <m:r>
-                            <a:rPr lang="en-US" altLang="ja-JP" sz="1400" i="1">
-                              <a:latin typeface="Cambria Math" panose="02040503050406030204" pitchFamily="18" charset="0"/>
-                            </a:rPr>
-                            <m:t>𝑗</m:t>
-                          </m:r>
-                          <m:r>
-                            <a:rPr lang="en-US" altLang="ja-JP" sz="1400" i="1">
-                              <a:latin typeface="Cambria Math" panose="02040503050406030204" pitchFamily="18" charset="0"/>
-                            </a:rPr>
-                            <m:t>𝜔</m:t>
-                          </m:r>
-                          <m:d>
-                            <m:dPr>
-                              <m:ctrlPr>
-                                <a:rPr lang="en-US" altLang="ja-JP" sz="1400" i="1">
-                                  <a:latin typeface="Cambria Math" panose="02040503050406030204" pitchFamily="18" charset="0"/>
-                                </a:rPr>
-                              </m:ctrlPr>
-                            </m:dPr>
-                            <m:e>
-                              <m:sSub>
-                                <m:sSubPr>
-                                  <m:ctrlPr>
-                                    <a:rPr lang="en-US" altLang="ja-JP" sz="1400" i="1">
-                                      <a:latin typeface="Cambria Math" panose="02040503050406030204" pitchFamily="18" charset="0"/>
-                                    </a:rPr>
-                                  </m:ctrlPr>
-                                </m:sSubPr>
-                                <m:e>
-                                  <m:r>
-                                    <a:rPr lang="en-US" altLang="ja-JP" sz="1400" i="1">
-                                      <a:latin typeface="Cambria Math" panose="02040503050406030204" pitchFamily="18" charset="0"/>
-                                    </a:rPr>
-                                    <m:t>𝐺</m:t>
-                                  </m:r>
-                                </m:e>
-                                <m:sub>
-                                  <m:r>
-                                    <a:rPr lang="en-US" altLang="ja-JP" sz="1400" i="1">
-                                      <a:latin typeface="Cambria Math" panose="02040503050406030204" pitchFamily="18" charset="0"/>
-                                    </a:rPr>
-                                    <m:t>1</m:t>
-                                  </m:r>
-                                </m:sub>
-                              </m:sSub>
-                              <m:sSub>
-                                <m:sSubPr>
-                                  <m:ctrlPr>
-                                    <a:rPr lang="en-US" altLang="ja-JP" sz="1400" i="1">
-                                      <a:latin typeface="Cambria Math" panose="02040503050406030204" pitchFamily="18" charset="0"/>
-                                    </a:rPr>
-                                  </m:ctrlPr>
-                                </m:sSubPr>
-                                <m:e>
-                                  <m:r>
-                                    <a:rPr lang="en-US" altLang="ja-JP" sz="1400" i="1">
-                                      <a:latin typeface="Cambria Math" panose="02040503050406030204" pitchFamily="18" charset="0"/>
-                                    </a:rPr>
-                                    <m:t>𝐶</m:t>
-                                  </m:r>
-                                </m:e>
-                                <m:sub>
-                                  <m:r>
-                                    <a:rPr lang="en-US" altLang="ja-JP" sz="1400" i="1">
-                                      <a:latin typeface="Cambria Math" panose="02040503050406030204" pitchFamily="18" charset="0"/>
-                                    </a:rPr>
-                                    <m:t>𝑗𝑐</m:t>
-                                  </m:r>
-                                  <m:r>
-                                    <a:rPr lang="en-US" altLang="ja-JP" sz="1400" i="1">
-                                      <a:latin typeface="Cambria Math" panose="02040503050406030204" pitchFamily="18" charset="0"/>
-                                    </a:rPr>
-                                    <m:t>2</m:t>
-                                  </m:r>
-                                </m:sub>
-                              </m:sSub>
-                              <m:r>
-                                <a:rPr lang="en-US" altLang="ja-JP" sz="1400" i="1">
-                                  <a:latin typeface="Cambria Math" panose="02040503050406030204" pitchFamily="18" charset="0"/>
-                                </a:rPr>
-                                <m:t>−</m:t>
-                              </m:r>
-                              <m:sSub>
-                                <m:sSubPr>
-                                  <m:ctrlPr>
-                                    <a:rPr lang="en-US" altLang="ja-JP" sz="1400" i="1">
-                                      <a:latin typeface="Cambria Math" panose="02040503050406030204" pitchFamily="18" charset="0"/>
-                                    </a:rPr>
-                                  </m:ctrlPr>
-                                </m:sSubPr>
-                                <m:e>
-                                  <m:r>
-                                    <a:rPr lang="en-US" altLang="ja-JP" sz="1400" i="1">
-                                      <a:latin typeface="Cambria Math" panose="02040503050406030204" pitchFamily="18" charset="0"/>
-                                    </a:rPr>
-                                    <m:t>𝑔</m:t>
-                                  </m:r>
-                                </m:e>
-                                <m:sub>
-                                  <m:r>
-                                    <a:rPr lang="en-US" altLang="ja-JP" sz="1400" i="1">
-                                      <a:latin typeface="Cambria Math" panose="02040503050406030204" pitchFamily="18" charset="0"/>
-                                    </a:rPr>
-                                    <m:t>𝑚</m:t>
-                                  </m:r>
-                                  <m:r>
-                                    <a:rPr lang="en-US" altLang="ja-JP" sz="1400" i="1">
-                                      <a:latin typeface="Cambria Math" panose="02040503050406030204" pitchFamily="18" charset="0"/>
-                                    </a:rPr>
-                                    <m:t>2</m:t>
-                                  </m:r>
-                                </m:sub>
-                              </m:sSub>
-                              <m:sSub>
-                                <m:sSubPr>
-                                  <m:ctrlPr>
-                                    <a:rPr lang="en-US" altLang="ja-JP" sz="1400" i="1">
-                                      <a:latin typeface="Cambria Math" panose="02040503050406030204" pitchFamily="18" charset="0"/>
-                                    </a:rPr>
-                                  </m:ctrlPr>
-                                </m:sSubPr>
-                                <m:e>
-                                  <m:r>
-                                    <a:rPr lang="en-US" altLang="ja-JP" sz="1400" i="1">
-                                      <a:latin typeface="Cambria Math" panose="02040503050406030204" pitchFamily="18" charset="0"/>
-                                    </a:rPr>
-                                    <m:t>𝐶</m:t>
-                                  </m:r>
-                                </m:e>
-                                <m:sub>
-                                  <m:r>
-                                    <a:rPr lang="en-US" altLang="ja-JP" sz="1400" i="1">
-                                      <a:latin typeface="Cambria Math" panose="02040503050406030204" pitchFamily="18" charset="0"/>
-                                    </a:rPr>
-                                    <m:t>1</m:t>
-                                  </m:r>
-                                </m:sub>
-                              </m:sSub>
-                            </m:e>
-                          </m:d>
-                          <m:r>
-                            <a:rPr lang="en-US" altLang="ja-JP" sz="1400" i="1">
-                              <a:latin typeface="Cambria Math" panose="02040503050406030204" pitchFamily="18" charset="0"/>
-                            </a:rPr>
-                            <m:t>−</m:t>
-                          </m:r>
-                          <m:sSup>
-                            <m:sSupPr>
-                              <m:ctrlPr>
-                                <a:rPr lang="en-US" altLang="ja-JP" sz="1400" i="1">
-                                  <a:latin typeface="Cambria Math" panose="02040503050406030204" pitchFamily="18" charset="0"/>
-                                </a:rPr>
-                              </m:ctrlPr>
-                            </m:sSupPr>
-                            <m:e>
-                              <m:r>
-                                <a:rPr lang="en-US" altLang="ja-JP" sz="1400" i="1">
-                                  <a:latin typeface="Cambria Math" panose="02040503050406030204" pitchFamily="18" charset="0"/>
-                                </a:rPr>
-                                <m:t>𝜔</m:t>
-                              </m:r>
-                            </m:e>
-                            <m:sup>
-                              <m:r>
-                                <a:rPr lang="en-US" altLang="ja-JP" sz="1400" i="1">
-                                  <a:latin typeface="Cambria Math" panose="02040503050406030204" pitchFamily="18" charset="0"/>
-                                </a:rPr>
-                                <m:t>2</m:t>
-                              </m:r>
-                            </m:sup>
-                          </m:sSup>
                           <m:sSub>
                             <m:sSubPr>
                               <m:ctrlPr>
-                                <a:rPr lang="en-US" altLang="ja-JP" sz="1400" i="1">
+                                <a:rPr kumimoji="1" lang="en-US" altLang="ja-JP" sz="1200" b="0" i="1" smtClean="0">
                                   <a:latin typeface="Cambria Math" panose="02040503050406030204" pitchFamily="18" charset="0"/>
                                 </a:rPr>
                               </m:ctrlPr>
                             </m:sSubPr>
                             <m:e>
                               <m:r>
-                                <a:rPr lang="en-US" altLang="ja-JP" sz="1400" i="1">
+                                <a:rPr kumimoji="1" lang="en-US" altLang="ja-JP" sz="1200" b="0" i="1" smtClean="0">
                                   <a:latin typeface="Cambria Math" panose="02040503050406030204" pitchFamily="18" charset="0"/>
                                 </a:rPr>
                                 <m:t>𝐶</m:t>
@@ -18939,1060 +24337,52 @@
                             </m:e>
                             <m:sub>
                               <m:r>
-                                <a:rPr lang="en-US" altLang="ja-JP" sz="1400" i="1">
-                                  <a:latin typeface="Cambria Math" panose="02040503050406030204" pitchFamily="18" charset="0"/>
-                                </a:rPr>
-                                <m:t>1</m:t>
+                                <a:rPr kumimoji="1" lang="en-US" altLang="ja-JP" sz="1200" b="0" i="1" smtClean="0">
+                                  <a:latin typeface="Cambria Math" panose="02040503050406030204" pitchFamily="18" charset="0"/>
+                                </a:rPr>
+                                <m:t>2</m:t>
                               </m:r>
                             </m:sub>
                           </m:sSub>
                           <m:sSub>
                             <m:sSubPr>
                               <m:ctrlPr>
-                                <a:rPr lang="en-US" altLang="ja-JP" sz="1400" i="1">
+                                <a:rPr kumimoji="1" lang="en-US" altLang="ja-JP" sz="1200" b="0" i="1" smtClean="0">
                                   <a:latin typeface="Cambria Math" panose="02040503050406030204" pitchFamily="18" charset="0"/>
                                 </a:rPr>
                               </m:ctrlPr>
                             </m:sSubPr>
                             <m:e>
                               <m:r>
-                                <a:rPr lang="en-US" altLang="ja-JP" sz="1400" i="1">
-                                  <a:latin typeface="Cambria Math" panose="02040503050406030204" pitchFamily="18" charset="0"/>
-                                </a:rPr>
-                                <m:t>𝐶</m:t>
+                                <a:rPr kumimoji="1" lang="en-US" altLang="ja-JP" sz="1200" b="0" i="1" smtClean="0">
+                                  <a:latin typeface="Cambria Math" panose="02040503050406030204" pitchFamily="18" charset="0"/>
+                                </a:rPr>
+                                <m:t>𝑔</m:t>
                               </m:r>
                             </m:e>
                             <m:sub>
                               <m:r>
-                                <a:rPr lang="en-US" altLang="ja-JP" sz="1400" i="1">
-                                  <a:latin typeface="Cambria Math" panose="02040503050406030204" pitchFamily="18" charset="0"/>
-                                </a:rPr>
-                                <m:t>𝑗𝑐</m:t>
-                              </m:r>
-                              <m:r>
-                                <a:rPr lang="en-US" altLang="ja-JP" sz="1400" i="1">
-                                  <a:latin typeface="Cambria Math" panose="02040503050406030204" pitchFamily="18" charset="0"/>
-                                </a:rPr>
-                                <m:t>2</m:t>
+                                <a:rPr kumimoji="1" lang="en-US" altLang="ja-JP" sz="1200" b="0" i="1" smtClean="0">
+                                  <a:latin typeface="Cambria Math" panose="02040503050406030204" pitchFamily="18" charset="0"/>
+                                </a:rPr>
+                                <m:t>𝑐𝑒</m:t>
+                              </m:r>
+                              <m:r>
+                                <a:rPr kumimoji="1" lang="en-US" altLang="ja-JP" sz="1200" b="0" i="1" smtClean="0">
+                                  <a:latin typeface="Cambria Math" panose="02040503050406030204" pitchFamily="18" charset="0"/>
+                                </a:rPr>
+                                <m:t>1</m:t>
                               </m:r>
                             </m:sub>
                           </m:sSub>
-                        </m:num>
-                        <m:den>
-                          <m:sSub>
-                            <m:sSubPr>
-                              <m:ctrlPr>
-                                <a:rPr lang="en-US" altLang="ja-JP" sz="1400" i="1">
-                                  <a:latin typeface="Cambria Math" panose="02040503050406030204" pitchFamily="18" charset="0"/>
-                                </a:rPr>
-                              </m:ctrlPr>
-                            </m:sSubPr>
-                            <m:e>
-                              <m:r>
-                                <a:rPr lang="en-US" altLang="ja-JP" sz="1400" i="1">
-                                  <a:latin typeface="Cambria Math" panose="02040503050406030204" pitchFamily="18" charset="0"/>
-                                </a:rPr>
-                                <m:t>𝐺</m:t>
-                              </m:r>
-                            </m:e>
-                            <m:sub>
-                              <m:r>
-                                <a:rPr lang="en-US" altLang="ja-JP" sz="1400" i="1">
-                                  <a:latin typeface="Cambria Math" panose="02040503050406030204" pitchFamily="18" charset="0"/>
-                                </a:rPr>
-                                <m:t>3</m:t>
-                              </m:r>
-                            </m:sub>
-                          </m:sSub>
-                          <m:r>
-                            <a:rPr lang="en-US" altLang="ja-JP" sz="1400" b="0" i="1" smtClean="0">
-                              <a:latin typeface="Cambria Math" panose="02040503050406030204" pitchFamily="18" charset="0"/>
-                            </a:rPr>
-                            <m:t>+</m:t>
-                          </m:r>
-                          <m:r>
-                            <a:rPr lang="en-US" altLang="ja-JP" sz="1400" i="1">
-                              <a:latin typeface="Cambria Math" panose="02040503050406030204" pitchFamily="18" charset="0"/>
-                            </a:rPr>
-                            <m:t>𝑗</m:t>
-                          </m:r>
-                          <m:r>
-                            <a:rPr lang="en-US" altLang="ja-JP" sz="1400" i="1">
-                              <a:latin typeface="Cambria Math" panose="02040503050406030204" pitchFamily="18" charset="0"/>
-                            </a:rPr>
-                            <m:t>𝜔</m:t>
-                          </m:r>
-                          <m:d>
-                            <m:dPr>
-                              <m:begChr m:val=""/>
-                              <m:endChr m:val="]"/>
-                              <m:ctrlPr>
-                                <a:rPr lang="en-US" altLang="ja-JP" sz="1400" i="1">
-                                  <a:latin typeface="Cambria Math" panose="02040503050406030204" pitchFamily="18" charset="0"/>
-                                </a:rPr>
-                              </m:ctrlPr>
-                            </m:dPr>
-                            <m:e>
-                              <m:d>
-                                <m:dPr>
-                                  <m:begChr m:val="["/>
-                                  <m:endChr m:val=""/>
-                                  <m:ctrlPr>
-                                    <a:rPr lang="en-US" altLang="ja-JP" sz="1400" i="1">
-                                      <a:latin typeface="Cambria Math" panose="02040503050406030204" pitchFamily="18" charset="0"/>
-                                    </a:rPr>
-                                  </m:ctrlPr>
-                                </m:dPr>
-                                <m:e>
-                                  <m:sSub>
-                                    <m:sSubPr>
-                                      <m:ctrlPr>
-                                        <a:rPr lang="en-US" altLang="ja-JP" sz="1400" i="1">
-                                          <a:latin typeface="Cambria Math" panose="02040503050406030204" pitchFamily="18" charset="0"/>
-                                        </a:rPr>
-                                      </m:ctrlPr>
-                                    </m:sSubPr>
-                                    <m:e>
-                                      <m:r>
-                                        <a:rPr lang="en-US" altLang="ja-JP" sz="1400" i="1">
-                                          <a:latin typeface="Cambria Math" panose="02040503050406030204" pitchFamily="18" charset="0"/>
-                                        </a:rPr>
-                                        <m:t>𝐶</m:t>
-                                      </m:r>
-                                    </m:e>
-                                    <m:sub>
-                                      <m:r>
-                                        <a:rPr lang="en-US" altLang="ja-JP" sz="1400" i="1">
-                                          <a:latin typeface="Cambria Math" panose="02040503050406030204" pitchFamily="18" charset="0"/>
-                                        </a:rPr>
-                                        <m:t>𝑗𝑐</m:t>
-                                      </m:r>
-                                      <m:r>
-                                        <a:rPr lang="en-US" altLang="ja-JP" sz="1400" i="1">
-                                          <a:latin typeface="Cambria Math" panose="02040503050406030204" pitchFamily="18" charset="0"/>
-                                        </a:rPr>
-                                        <m:t>2</m:t>
-                                      </m:r>
-                                    </m:sub>
-                                  </m:sSub>
-                                  <m:sSub>
-                                    <m:sSubPr>
-                                      <m:ctrlPr>
-                                        <a:rPr lang="en-US" altLang="ja-JP" sz="1400" i="1">
-                                          <a:latin typeface="Cambria Math" panose="02040503050406030204" pitchFamily="18" charset="0"/>
-                                        </a:rPr>
-                                      </m:ctrlPr>
-                                    </m:sSubPr>
-                                    <m:e>
-                                      <m:r>
-                                        <a:rPr lang="en-US" altLang="ja-JP" sz="1400" i="1">
-                                          <a:latin typeface="Cambria Math" panose="02040503050406030204" pitchFamily="18" charset="0"/>
-                                        </a:rPr>
-                                        <m:t>𝑔</m:t>
-                                      </m:r>
-                                    </m:e>
-                                    <m:sub>
-                                      <m:r>
-                                        <a:rPr lang="en-US" altLang="ja-JP" sz="1400" i="1">
-                                          <a:latin typeface="Cambria Math" panose="02040503050406030204" pitchFamily="18" charset="0"/>
-                                        </a:rPr>
-                                        <m:t>𝑚</m:t>
-                                      </m:r>
-                                      <m:r>
-                                        <a:rPr lang="en-US" altLang="ja-JP" sz="1400" i="1">
-                                          <a:latin typeface="Cambria Math" panose="02040503050406030204" pitchFamily="18" charset="0"/>
-                                        </a:rPr>
-                                        <m:t>2</m:t>
-                                      </m:r>
-                                    </m:sub>
-                                  </m:sSub>
-                                  <m:sSub>
-                                    <m:sSubPr>
-                                      <m:ctrlPr>
-                                        <a:rPr lang="en-US" altLang="ja-JP" sz="1400" i="1">
-                                          <a:latin typeface="Cambria Math" panose="02040503050406030204" pitchFamily="18" charset="0"/>
-                                        </a:rPr>
-                                      </m:ctrlPr>
-                                    </m:sSubPr>
-                                    <m:e>
-                                      <m:r>
-                                        <a:rPr lang="en-US" altLang="ja-JP" sz="1400" i="1">
-                                          <a:latin typeface="Cambria Math" panose="02040503050406030204" pitchFamily="18" charset="0"/>
-                                        </a:rPr>
-                                        <m:t>𝐺</m:t>
-                                      </m:r>
-                                    </m:e>
-                                    <m:sub>
-                                      <m:r>
-                                        <a:rPr lang="en-US" altLang="ja-JP" sz="1400" i="1">
-                                          <a:latin typeface="Cambria Math" panose="02040503050406030204" pitchFamily="18" charset="0"/>
-                                        </a:rPr>
-                                        <m:t>1</m:t>
-                                      </m:r>
-                                    </m:sub>
-                                  </m:sSub>
-                                  <m:r>
-                                    <a:rPr lang="en-US" altLang="ja-JP" sz="1400" b="0" i="1" smtClean="0">
-                                      <a:latin typeface="Cambria Math" panose="02040503050406030204" pitchFamily="18" charset="0"/>
-                                    </a:rPr>
-                                    <m:t>−</m:t>
-                                  </m:r>
-                                  <m:d>
-                                    <m:dPr>
-                                      <m:ctrlPr>
-                                        <a:rPr lang="en-US" altLang="ja-JP" sz="1400" i="1">
-                                          <a:latin typeface="Cambria Math" panose="02040503050406030204" pitchFamily="18" charset="0"/>
-                                        </a:rPr>
-                                      </m:ctrlPr>
-                                    </m:dPr>
-                                    <m:e>
-                                      <m:sSub>
-                                        <m:sSubPr>
-                                          <m:ctrlPr>
-                                            <a:rPr lang="en-US" altLang="ja-JP" sz="1400" i="1">
-                                              <a:latin typeface="Cambria Math" panose="02040503050406030204" pitchFamily="18" charset="0"/>
-                                            </a:rPr>
-                                          </m:ctrlPr>
-                                        </m:sSubPr>
-                                        <m:e>
-                                          <m:r>
-                                            <a:rPr lang="en-US" altLang="ja-JP" sz="1400" i="1">
-                                              <a:latin typeface="Cambria Math" panose="02040503050406030204" pitchFamily="18" charset="0"/>
-                                            </a:rPr>
-                                            <m:t>𝐺</m:t>
-                                          </m:r>
-                                        </m:e>
-                                        <m:sub>
-                                          <m:r>
-                                            <a:rPr lang="en-US" altLang="ja-JP" sz="1400" i="1">
-                                              <a:latin typeface="Cambria Math" panose="02040503050406030204" pitchFamily="18" charset="0"/>
-                                            </a:rPr>
-                                            <m:t>𝑐</m:t>
-                                          </m:r>
-                                          <m:r>
-                                            <a:rPr lang="en-US" altLang="ja-JP" sz="1400" i="1">
-                                              <a:latin typeface="Cambria Math" panose="02040503050406030204" pitchFamily="18" charset="0"/>
-                                            </a:rPr>
-                                            <m:t>2</m:t>
-                                          </m:r>
-                                        </m:sub>
-                                      </m:sSub>
-                                      <m:r>
-                                        <a:rPr lang="en-US" altLang="ja-JP" sz="1400" i="1">
-                                          <a:latin typeface="Cambria Math" panose="02040503050406030204" pitchFamily="18" charset="0"/>
-                                        </a:rPr>
-                                        <m:t>+</m:t>
-                                      </m:r>
-                                      <m:sSub>
-                                        <m:sSubPr>
-                                          <m:ctrlPr>
-                                            <a:rPr lang="en-US" altLang="ja-JP" sz="1400" i="1">
-                                              <a:latin typeface="Cambria Math" panose="02040503050406030204" pitchFamily="18" charset="0"/>
-                                            </a:rPr>
-                                          </m:ctrlPr>
-                                        </m:sSubPr>
-                                        <m:e>
-                                          <m:r>
-                                            <a:rPr lang="en-US" altLang="ja-JP" sz="1400" i="1">
-                                              <a:latin typeface="Cambria Math" panose="02040503050406030204" pitchFamily="18" charset="0"/>
-                                            </a:rPr>
-                                            <m:t>𝑔</m:t>
-                                          </m:r>
-                                        </m:e>
-                                        <m:sub>
-                                          <m:r>
-                                            <a:rPr lang="en-US" altLang="ja-JP" sz="1400" i="1">
-                                              <a:latin typeface="Cambria Math" panose="02040503050406030204" pitchFamily="18" charset="0"/>
-                                            </a:rPr>
-                                            <m:t>𝑐𝑒</m:t>
-                                          </m:r>
-                                          <m:r>
-                                            <a:rPr lang="en-US" altLang="ja-JP" sz="1400" i="1">
-                                              <a:latin typeface="Cambria Math" panose="02040503050406030204" pitchFamily="18" charset="0"/>
-                                            </a:rPr>
-                                            <m:t>2</m:t>
-                                          </m:r>
-                                        </m:sub>
-                                      </m:sSub>
-                                    </m:e>
-                                  </m:d>
-                                  <m:d>
-                                    <m:dPr>
-                                      <m:ctrlPr>
-                                        <a:rPr lang="en-US" altLang="ja-JP" sz="1400" i="1">
-                                          <a:latin typeface="Cambria Math" panose="02040503050406030204" pitchFamily="18" charset="0"/>
-                                        </a:rPr>
-                                      </m:ctrlPr>
-                                    </m:dPr>
-                                    <m:e>
-                                      <m:sSub>
-                                        <m:sSubPr>
-                                          <m:ctrlPr>
-                                            <a:rPr lang="en-US" altLang="ja-JP" sz="1400" i="1">
-                                              <a:latin typeface="Cambria Math" panose="02040503050406030204" pitchFamily="18" charset="0"/>
-                                            </a:rPr>
-                                          </m:ctrlPr>
-                                        </m:sSubPr>
-                                        <m:e>
-                                          <m:r>
-                                            <a:rPr lang="en-US" altLang="ja-JP" sz="1400" i="1">
-                                              <a:latin typeface="Cambria Math" panose="02040503050406030204" pitchFamily="18" charset="0"/>
-                                            </a:rPr>
-                                            <m:t>𝐶</m:t>
-                                          </m:r>
-                                        </m:e>
-                                        <m:sub>
-                                          <m:r>
-                                            <a:rPr lang="en-US" altLang="ja-JP" sz="1400" i="1">
-                                              <a:latin typeface="Cambria Math" panose="02040503050406030204" pitchFamily="18" charset="0"/>
-                                            </a:rPr>
-                                            <m:t>1</m:t>
-                                          </m:r>
-                                        </m:sub>
-                                      </m:sSub>
-                                      <m:sSub>
-                                        <m:sSubPr>
-                                          <m:ctrlPr>
-                                            <a:rPr lang="en-US" altLang="ja-JP" sz="1400" i="1">
-                                              <a:latin typeface="Cambria Math" panose="02040503050406030204" pitchFamily="18" charset="0"/>
-                                            </a:rPr>
-                                          </m:ctrlPr>
-                                        </m:sSubPr>
-                                        <m:e>
-                                          <m:r>
-                                            <a:rPr lang="en-US" altLang="ja-JP" sz="1400" i="1">
-                                              <a:latin typeface="Cambria Math" panose="02040503050406030204" pitchFamily="18" charset="0"/>
-                                            </a:rPr>
-                                            <m:t>𝐺</m:t>
-                                          </m:r>
-                                        </m:e>
-                                        <m:sub>
-                                          <m:r>
-                                            <a:rPr lang="en-US" altLang="ja-JP" sz="1400" i="1">
-                                              <a:latin typeface="Cambria Math" panose="02040503050406030204" pitchFamily="18" charset="0"/>
-                                            </a:rPr>
-                                            <m:t>2</m:t>
-                                          </m:r>
-                                        </m:sub>
-                                      </m:sSub>
-                                      <m:r>
-                                        <a:rPr lang="en-US" altLang="ja-JP" sz="1400" i="1">
-                                          <a:latin typeface="Cambria Math" panose="02040503050406030204" pitchFamily="18" charset="0"/>
-                                        </a:rPr>
-                                        <m:t>+</m:t>
-                                      </m:r>
-                                      <m:sSub>
-                                        <m:sSubPr>
-                                          <m:ctrlPr>
-                                            <a:rPr lang="en-US" altLang="ja-JP" sz="1400" i="1">
-                                              <a:latin typeface="Cambria Math" panose="02040503050406030204" pitchFamily="18" charset="0"/>
-                                            </a:rPr>
-                                          </m:ctrlPr>
-                                        </m:sSubPr>
-                                        <m:e>
-                                          <m:r>
-                                            <a:rPr lang="en-US" altLang="ja-JP" sz="1400" i="1">
-                                              <a:latin typeface="Cambria Math" panose="02040503050406030204" pitchFamily="18" charset="0"/>
-                                            </a:rPr>
-                                            <m:t>𝐶</m:t>
-                                          </m:r>
-                                        </m:e>
-                                        <m:sub>
-                                          <m:r>
-                                            <a:rPr lang="en-US" altLang="ja-JP" sz="1400" i="1">
-                                              <a:latin typeface="Cambria Math" panose="02040503050406030204" pitchFamily="18" charset="0"/>
-                                            </a:rPr>
-                                            <m:t>2</m:t>
-                                          </m:r>
-                                        </m:sub>
-                                      </m:sSub>
-                                      <m:sSub>
-                                        <m:sSubPr>
-                                          <m:ctrlPr>
-                                            <a:rPr lang="en-US" altLang="ja-JP" sz="1400" i="1">
-                                              <a:latin typeface="Cambria Math" panose="02040503050406030204" pitchFamily="18" charset="0"/>
-                                            </a:rPr>
-                                          </m:ctrlPr>
-                                        </m:sSubPr>
-                                        <m:e>
-                                          <m:r>
-                                            <a:rPr lang="en-US" altLang="ja-JP" sz="1400" i="1">
-                                              <a:latin typeface="Cambria Math" panose="02040503050406030204" pitchFamily="18" charset="0"/>
-                                            </a:rPr>
-                                            <m:t>𝑔</m:t>
-                                          </m:r>
-                                        </m:e>
-                                        <m:sub>
-                                          <m:r>
-                                            <a:rPr lang="en-US" altLang="ja-JP" sz="1400" i="1">
-                                              <a:latin typeface="Cambria Math" panose="02040503050406030204" pitchFamily="18" charset="0"/>
-                                            </a:rPr>
-                                            <m:t>𝑐𝑒</m:t>
-                                          </m:r>
-                                          <m:r>
-                                            <a:rPr lang="en-US" altLang="ja-JP" sz="1400" i="1">
-                                              <a:latin typeface="Cambria Math" panose="02040503050406030204" pitchFamily="18" charset="0"/>
-                                            </a:rPr>
-                                            <m:t>1</m:t>
-                                          </m:r>
-                                        </m:sub>
-                                      </m:sSub>
-                                    </m:e>
-                                  </m:d>
-                                  <m:r>
-                                    <a:rPr lang="en-US" altLang="ja-JP" sz="1400" b="0" i="1" smtClean="0">
-                                      <a:latin typeface="Cambria Math" panose="02040503050406030204" pitchFamily="18" charset="0"/>
-                                    </a:rPr>
-                                    <m:t>−</m:t>
-                                  </m:r>
-                                  <m:sSub>
-                                    <m:sSubPr>
-                                      <m:ctrlPr>
-                                        <a:rPr lang="en-US" altLang="ja-JP" sz="1400" i="1">
-                                          <a:latin typeface="Cambria Math" panose="02040503050406030204" pitchFamily="18" charset="0"/>
-                                        </a:rPr>
-                                      </m:ctrlPr>
-                                    </m:sSubPr>
-                                    <m:e>
-                                      <m:r>
-                                        <a:rPr lang="en-US" altLang="ja-JP" sz="1400" i="1">
-                                          <a:latin typeface="Cambria Math" panose="02040503050406030204" pitchFamily="18" charset="0"/>
-                                        </a:rPr>
-                                        <m:t>𝐶</m:t>
-                                      </m:r>
-                                    </m:e>
-                                    <m:sub>
-                                      <m:r>
-                                        <a:rPr lang="en-US" altLang="ja-JP" sz="1400" i="1">
-                                          <a:latin typeface="Cambria Math" panose="02040503050406030204" pitchFamily="18" charset="0"/>
-                                        </a:rPr>
-                                        <m:t>𝑗𝑐</m:t>
-                                      </m:r>
-                                      <m:r>
-                                        <a:rPr lang="en-US" altLang="ja-JP" sz="1400" i="1">
-                                          <a:latin typeface="Cambria Math" panose="02040503050406030204" pitchFamily="18" charset="0"/>
-                                        </a:rPr>
-                                        <m:t>2</m:t>
-                                      </m:r>
-                                    </m:sub>
-                                  </m:sSub>
-                                  <m:d>
-                                    <m:dPr>
-                                      <m:begChr m:val=""/>
-                                      <m:endChr m:val="}"/>
-                                      <m:ctrlPr>
-                                        <a:rPr lang="en-US" altLang="ja-JP" sz="1400" i="1">
-                                          <a:latin typeface="Cambria Math" panose="02040503050406030204" pitchFamily="18" charset="0"/>
-                                        </a:rPr>
-                                      </m:ctrlPr>
-                                    </m:dPr>
-                                    <m:e>
-                                      <m:d>
-                                        <m:dPr>
-                                          <m:begChr m:val="{"/>
-                                          <m:endChr m:val=""/>
-                                          <m:ctrlPr>
-                                            <a:rPr lang="en-US" altLang="ja-JP" sz="1400" i="1">
-                                              <a:latin typeface="Cambria Math" panose="02040503050406030204" pitchFamily="18" charset="0"/>
-                                            </a:rPr>
-                                          </m:ctrlPr>
-                                        </m:dPr>
-                                        <m:e>
-                                          <m:sSub>
-                                            <m:sSubPr>
-                                              <m:ctrlPr>
-                                                <a:rPr lang="en-US" altLang="ja-JP" sz="1400" i="1">
-                                                  <a:latin typeface="Cambria Math" panose="02040503050406030204" pitchFamily="18" charset="0"/>
-                                                </a:rPr>
-                                              </m:ctrlPr>
-                                            </m:sSubPr>
-                                            <m:e>
-                                              <m:r>
-                                                <a:rPr lang="en-US" altLang="ja-JP" sz="1400" i="1">
-                                                  <a:latin typeface="Cambria Math" panose="02040503050406030204" pitchFamily="18" charset="0"/>
-                                                </a:rPr>
-                                                <m:t>𝑔</m:t>
-                                              </m:r>
-                                            </m:e>
-                                            <m:sub>
-                                              <m:r>
-                                                <a:rPr lang="en-US" altLang="ja-JP" sz="1400" i="1">
-                                                  <a:latin typeface="Cambria Math" panose="02040503050406030204" pitchFamily="18" charset="0"/>
-                                                </a:rPr>
-                                                <m:t>𝑐</m:t>
-                                              </m:r>
-                                              <m:r>
-                                                <a:rPr lang="en-US" altLang="ja-JP" sz="1400" i="1">
-                                                  <a:latin typeface="Cambria Math" panose="02040503050406030204" pitchFamily="18" charset="0"/>
-                                                </a:rPr>
-                                                <m:t>1</m:t>
-                                              </m:r>
-                                            </m:sub>
-                                          </m:sSub>
-                                          <m:d>
-                                            <m:dPr>
-                                              <m:ctrlPr>
-                                                <a:rPr lang="en-US" altLang="ja-JP" sz="1400" i="1">
-                                                  <a:latin typeface="Cambria Math" panose="02040503050406030204" pitchFamily="18" charset="0"/>
-                                                </a:rPr>
-                                              </m:ctrlPr>
-                                            </m:dPr>
-                                            <m:e>
-                                              <m:sSub>
-                                                <m:sSubPr>
-                                                  <m:ctrlPr>
-                                                    <a:rPr lang="en-US" altLang="ja-JP" sz="1400" i="1">
-                                                      <a:latin typeface="Cambria Math" panose="02040503050406030204" pitchFamily="18" charset="0"/>
-                                                    </a:rPr>
-                                                  </m:ctrlPr>
-                                                </m:sSubPr>
-                                                <m:e>
-                                                  <m:r>
-                                                    <a:rPr lang="en-US" altLang="ja-JP" sz="1400" i="1">
-                                                      <a:latin typeface="Cambria Math" panose="02040503050406030204" pitchFamily="18" charset="0"/>
-                                                    </a:rPr>
-                                                    <m:t>𝑔</m:t>
-                                                  </m:r>
-                                                </m:e>
-                                                <m:sub>
-                                                  <m:r>
-                                                    <a:rPr lang="en-US" altLang="ja-JP" sz="1400" i="1">
-                                                      <a:latin typeface="Cambria Math" panose="02040503050406030204" pitchFamily="18" charset="0"/>
-                                                    </a:rPr>
-                                                    <m:t>𝑚</m:t>
-                                                  </m:r>
-                                                  <m:r>
-                                                    <a:rPr lang="en-US" altLang="ja-JP" sz="1400" i="1">
-                                                      <a:latin typeface="Cambria Math" panose="02040503050406030204" pitchFamily="18" charset="0"/>
-                                                    </a:rPr>
-                                                    <m:t>1</m:t>
-                                                  </m:r>
-                                                </m:sub>
-                                              </m:sSub>
-                                              <m:r>
-                                                <a:rPr lang="en-US" altLang="ja-JP" sz="1400" i="1">
-                                                  <a:latin typeface="Cambria Math" panose="02040503050406030204" pitchFamily="18" charset="0"/>
-                                                </a:rPr>
-                                                <m:t>+</m:t>
-                                              </m:r>
-                                              <m:sSub>
-                                                <m:sSubPr>
-                                                  <m:ctrlPr>
-                                                    <a:rPr lang="en-US" altLang="ja-JP" sz="1400" i="1">
-                                                      <a:latin typeface="Cambria Math" panose="02040503050406030204" pitchFamily="18" charset="0"/>
-                                                    </a:rPr>
-                                                  </m:ctrlPr>
-                                                </m:sSubPr>
-                                                <m:e>
-                                                  <m:r>
-                                                    <a:rPr lang="en-US" altLang="ja-JP" sz="1400" i="1">
-                                                      <a:latin typeface="Cambria Math" panose="02040503050406030204" pitchFamily="18" charset="0"/>
-                                                    </a:rPr>
-                                                    <m:t>𝑔</m:t>
-                                                  </m:r>
-                                                </m:e>
-                                                <m:sub>
-                                                  <m:r>
-                                                    <a:rPr lang="en-US" altLang="ja-JP" sz="1400" i="1">
-                                                      <a:latin typeface="Cambria Math" panose="02040503050406030204" pitchFamily="18" charset="0"/>
-                                                    </a:rPr>
-                                                    <m:t>𝑐𝑒</m:t>
-                                                  </m:r>
-                                                  <m:r>
-                                                    <a:rPr lang="en-US" altLang="ja-JP" sz="1400" i="1">
-                                                      <a:latin typeface="Cambria Math" panose="02040503050406030204" pitchFamily="18" charset="0"/>
-                                                    </a:rPr>
-                                                    <m:t>1</m:t>
-                                                  </m:r>
-                                                </m:sub>
-                                              </m:sSub>
-                                            </m:e>
-                                          </m:d>
-                                          <m:r>
-                                            <a:rPr lang="en-US" altLang="ja-JP" sz="1400" b="0" i="1" smtClean="0">
-                                              <a:latin typeface="Cambria Math" panose="02040503050406030204" pitchFamily="18" charset="0"/>
-                                            </a:rPr>
-                                            <m:t>+</m:t>
-                                          </m:r>
-                                          <m:sSub>
-                                            <m:sSubPr>
-                                              <m:ctrlPr>
-                                                <a:rPr lang="en-US" altLang="ja-JP" sz="1400" i="1">
-                                                  <a:latin typeface="Cambria Math" panose="02040503050406030204" pitchFamily="18" charset="0"/>
-                                                </a:rPr>
-                                              </m:ctrlPr>
-                                            </m:sSubPr>
-                                            <m:e>
-                                              <m:r>
-                                                <a:rPr lang="en-US" altLang="ja-JP" sz="1400" i="1">
-                                                  <a:latin typeface="Cambria Math" panose="02040503050406030204" pitchFamily="18" charset="0"/>
-                                                </a:rPr>
-                                                <m:t>𝐺</m:t>
-                                              </m:r>
-                                            </m:e>
-                                            <m:sub>
-                                              <m:r>
-                                                <a:rPr lang="en-US" altLang="ja-JP" sz="1400" i="1">
-                                                  <a:latin typeface="Cambria Math" panose="02040503050406030204" pitchFamily="18" charset="0"/>
-                                                </a:rPr>
-                                                <m:t>1</m:t>
-                                              </m:r>
-                                            </m:sub>
-                                          </m:sSub>
-                                          <m:sSub>
-                                            <m:sSubPr>
-                                              <m:ctrlPr>
-                                                <a:rPr lang="en-US" altLang="ja-JP" sz="1400" i="1">
-                                                  <a:latin typeface="Cambria Math" panose="02040503050406030204" pitchFamily="18" charset="0"/>
-                                                </a:rPr>
-                                              </m:ctrlPr>
-                                            </m:sSubPr>
-                                            <m:e>
-                                              <m:r>
-                                                <a:rPr lang="en-US" altLang="ja-JP" sz="1400" i="1">
-                                                  <a:latin typeface="Cambria Math" panose="02040503050406030204" pitchFamily="18" charset="0"/>
-                                                </a:rPr>
-                                                <m:t>𝐺</m:t>
-                                              </m:r>
-                                            </m:e>
-                                            <m:sub>
-                                              <m:r>
-                                                <a:rPr lang="en-US" altLang="ja-JP" sz="1400" i="1">
-                                                  <a:latin typeface="Cambria Math" panose="02040503050406030204" pitchFamily="18" charset="0"/>
-                                                </a:rPr>
-                                                <m:t>2</m:t>
-                                              </m:r>
-                                            </m:sub>
-                                          </m:sSub>
-                                        </m:e>
-                                      </m:d>
-                                    </m:e>
-                                  </m:d>
-                                </m:e>
-                              </m:d>
-                            </m:e>
-                          </m:d>
-                          <m:r>
-                            <a:rPr lang="en-US" altLang="ja-JP" sz="1400" b="0" i="1" smtClean="0">
-                              <a:latin typeface="Cambria Math" panose="02040503050406030204" pitchFamily="18" charset="0"/>
-                            </a:rPr>
-                            <m:t>+</m:t>
-                          </m:r>
-                          <m:sSup>
-                            <m:sSupPr>
-                              <m:ctrlPr>
-                                <a:rPr lang="en-US" altLang="ja-JP" sz="1400" i="1">
-                                  <a:latin typeface="Cambria Math" panose="02040503050406030204" pitchFamily="18" charset="0"/>
-                                </a:rPr>
-                              </m:ctrlPr>
-                            </m:sSupPr>
-                            <m:e>
-                              <m:r>
-                                <a:rPr lang="en-US" altLang="ja-JP" sz="1400" i="1">
-                                  <a:latin typeface="Cambria Math" panose="02040503050406030204" pitchFamily="18" charset="0"/>
-                                </a:rPr>
-                                <m:t>𝜔</m:t>
-                              </m:r>
-                            </m:e>
-                            <m:sup>
-                              <m:r>
-                                <a:rPr lang="en-US" altLang="ja-JP" sz="1400" i="1">
-                                  <a:latin typeface="Cambria Math" panose="02040503050406030204" pitchFamily="18" charset="0"/>
-                                </a:rPr>
-                                <m:t>2</m:t>
-                              </m:r>
-                            </m:sup>
-                          </m:sSup>
-                          <m:d>
-                            <m:dPr>
-                              <m:begChr m:val=""/>
-                              <m:endChr m:val="}"/>
-                              <m:ctrlPr>
-                                <a:rPr lang="en-US" altLang="ja-JP" sz="1400" i="1">
-                                  <a:latin typeface="Cambria Math" panose="02040503050406030204" pitchFamily="18" charset="0"/>
-                                </a:rPr>
-                              </m:ctrlPr>
-                            </m:dPr>
-                            <m:e>
-                              <m:d>
-                                <m:dPr>
-                                  <m:begChr m:val="{"/>
-                                  <m:endChr m:val=""/>
-                                  <m:ctrlPr>
-                                    <a:rPr lang="en-US" altLang="ja-JP" sz="1400" i="1">
-                                      <a:latin typeface="Cambria Math" panose="02040503050406030204" pitchFamily="18" charset="0"/>
-                                    </a:rPr>
-                                  </m:ctrlPr>
-                                </m:dPr>
-                                <m:e>
-                                  <m:sSub>
-                                    <m:sSubPr>
-                                      <m:ctrlPr>
-                                        <a:rPr lang="en-US" altLang="ja-JP" sz="1400" i="1">
-                                          <a:latin typeface="Cambria Math" panose="02040503050406030204" pitchFamily="18" charset="0"/>
-                                        </a:rPr>
-                                      </m:ctrlPr>
-                                    </m:sSubPr>
-                                    <m:e>
-                                      <m:r>
-                                        <a:rPr lang="en-US" altLang="ja-JP" sz="1400" i="1">
-                                          <a:latin typeface="Cambria Math" panose="02040503050406030204" pitchFamily="18" charset="0"/>
-                                        </a:rPr>
-                                        <m:t>𝐺</m:t>
-                                      </m:r>
-                                    </m:e>
-                                    <m:sub>
-                                      <m:r>
-                                        <a:rPr lang="en-US" altLang="ja-JP" sz="1400" i="1">
-                                          <a:latin typeface="Cambria Math" panose="02040503050406030204" pitchFamily="18" charset="0"/>
-                                        </a:rPr>
-                                        <m:t>4</m:t>
-                                      </m:r>
-                                    </m:sub>
-                                  </m:sSub>
-                                  <m:r>
-                                    <a:rPr lang="en-US" altLang="ja-JP" sz="1400" i="1">
-                                      <a:latin typeface="Cambria Math" panose="02040503050406030204" pitchFamily="18" charset="0"/>
-                                    </a:rPr>
-                                    <m:t>+</m:t>
-                                  </m:r>
-                                  <m:sSub>
-                                    <m:sSubPr>
-                                      <m:ctrlPr>
-                                        <a:rPr lang="en-US" altLang="ja-JP" sz="1400" i="1">
-                                          <a:latin typeface="Cambria Math" panose="02040503050406030204" pitchFamily="18" charset="0"/>
-                                        </a:rPr>
-                                      </m:ctrlPr>
-                                    </m:sSubPr>
-                                    <m:e>
-                                      <m:r>
-                                        <a:rPr lang="en-US" altLang="ja-JP" sz="1400" i="1">
-                                          <a:latin typeface="Cambria Math" panose="02040503050406030204" pitchFamily="18" charset="0"/>
-                                        </a:rPr>
-                                        <m:t>𝐶</m:t>
-                                      </m:r>
-                                    </m:e>
-                                    <m:sub>
-                                      <m:r>
-                                        <a:rPr lang="en-US" altLang="ja-JP" sz="1400" i="1">
-                                          <a:latin typeface="Cambria Math" panose="02040503050406030204" pitchFamily="18" charset="0"/>
-                                        </a:rPr>
-                                        <m:t>𝑗𝑐</m:t>
-                                      </m:r>
-                                      <m:r>
-                                        <a:rPr lang="en-US" altLang="ja-JP" sz="1400" i="1">
-                                          <a:latin typeface="Cambria Math" panose="02040503050406030204" pitchFamily="18" charset="0"/>
-                                        </a:rPr>
-                                        <m:t>2</m:t>
-                                      </m:r>
-                                    </m:sub>
-                                  </m:sSub>
-                                  <m:d>
-                                    <m:dPr>
-                                      <m:ctrlPr>
-                                        <a:rPr lang="en-US" altLang="ja-JP" sz="1400" i="1">
-                                          <a:latin typeface="Cambria Math" panose="02040503050406030204" pitchFamily="18" charset="0"/>
-                                        </a:rPr>
-                                      </m:ctrlPr>
-                                    </m:dPr>
-                                    <m:e>
-                                      <m:sSub>
-                                        <m:sSubPr>
-                                          <m:ctrlPr>
-                                            <a:rPr lang="en-US" altLang="ja-JP" sz="1400" i="1">
-                                              <a:latin typeface="Cambria Math" panose="02040503050406030204" pitchFamily="18" charset="0"/>
-                                            </a:rPr>
-                                          </m:ctrlPr>
-                                        </m:sSubPr>
-                                        <m:e>
-                                          <m:r>
-                                            <a:rPr lang="en-US" altLang="ja-JP" sz="1400" i="1">
-                                              <a:latin typeface="Cambria Math" panose="02040503050406030204" pitchFamily="18" charset="0"/>
-                                            </a:rPr>
-                                            <m:t>𝑔</m:t>
-                                          </m:r>
-                                        </m:e>
-                                        <m:sub>
-                                          <m:r>
-                                            <a:rPr lang="en-US" altLang="ja-JP" sz="1400" i="1">
-                                              <a:latin typeface="Cambria Math" panose="02040503050406030204" pitchFamily="18" charset="0"/>
-                                            </a:rPr>
-                                            <m:t>𝑚</m:t>
-                                          </m:r>
-                                          <m:r>
-                                            <a:rPr lang="en-US" altLang="ja-JP" sz="1400" i="1">
-                                              <a:latin typeface="Cambria Math" panose="02040503050406030204" pitchFamily="18" charset="0"/>
-                                            </a:rPr>
-                                            <m:t>2</m:t>
-                                          </m:r>
-                                        </m:sub>
-                                      </m:sSub>
-                                      <m:sSub>
-                                        <m:sSubPr>
-                                          <m:ctrlPr>
-                                            <a:rPr lang="en-US" altLang="ja-JP" sz="1400" i="1">
-                                              <a:latin typeface="Cambria Math" panose="02040503050406030204" pitchFamily="18" charset="0"/>
-                                            </a:rPr>
-                                          </m:ctrlPr>
-                                        </m:sSubPr>
-                                        <m:e>
-                                          <m:r>
-                                            <a:rPr lang="en-US" altLang="ja-JP" sz="1400" i="1">
-                                              <a:latin typeface="Cambria Math" panose="02040503050406030204" pitchFamily="18" charset="0"/>
-                                            </a:rPr>
-                                            <m:t>𝐶</m:t>
-                                          </m:r>
-                                        </m:e>
-                                        <m:sub>
-                                          <m:r>
-                                            <a:rPr lang="en-US" altLang="ja-JP" sz="1400" i="1">
-                                              <a:latin typeface="Cambria Math" panose="02040503050406030204" pitchFamily="18" charset="0"/>
-                                            </a:rPr>
-                                            <m:t>1</m:t>
-                                          </m:r>
-                                        </m:sub>
-                                      </m:sSub>
-                                      <m:r>
-                                        <a:rPr lang="en-US" altLang="ja-JP" sz="1400" b="0" i="1" smtClean="0">
-                                          <a:latin typeface="Cambria Math" panose="02040503050406030204" pitchFamily="18" charset="0"/>
-                                        </a:rPr>
-                                        <m:t>−</m:t>
-                                      </m:r>
-                                      <m:sSub>
-                                        <m:sSubPr>
-                                          <m:ctrlPr>
-                                            <a:rPr lang="en-US" altLang="ja-JP" sz="1400" i="1">
-                                              <a:latin typeface="Cambria Math" panose="02040503050406030204" pitchFamily="18" charset="0"/>
-                                            </a:rPr>
-                                          </m:ctrlPr>
-                                        </m:sSubPr>
-                                        <m:e>
-                                          <m:r>
-                                            <a:rPr lang="en-US" altLang="ja-JP" sz="1400" i="1">
-                                              <a:latin typeface="Cambria Math" panose="02040503050406030204" pitchFamily="18" charset="0"/>
-                                            </a:rPr>
-                                            <m:t>𝐺</m:t>
-                                          </m:r>
-                                        </m:e>
-                                        <m:sub>
-                                          <m:r>
-                                            <a:rPr lang="en-US" altLang="ja-JP" sz="1400" i="1">
-                                              <a:latin typeface="Cambria Math" panose="02040503050406030204" pitchFamily="18" charset="0"/>
-                                            </a:rPr>
-                                            <m:t>1</m:t>
-                                          </m:r>
-                                        </m:sub>
-                                      </m:sSub>
-                                      <m:sSub>
-                                        <m:sSubPr>
-                                          <m:ctrlPr>
-                                            <a:rPr lang="en-US" altLang="ja-JP" sz="1400" i="1">
-                                              <a:latin typeface="Cambria Math" panose="02040503050406030204" pitchFamily="18" charset="0"/>
-                                            </a:rPr>
-                                          </m:ctrlPr>
-                                        </m:sSubPr>
-                                        <m:e>
-                                          <m:r>
-                                            <a:rPr lang="en-US" altLang="ja-JP" sz="1400" i="1">
-                                              <a:latin typeface="Cambria Math" panose="02040503050406030204" pitchFamily="18" charset="0"/>
-                                            </a:rPr>
-                                            <m:t>𝐶</m:t>
-                                          </m:r>
-                                        </m:e>
-                                        <m:sub>
-                                          <m:r>
-                                            <a:rPr lang="en-US" altLang="ja-JP" sz="1400" i="1">
-                                              <a:latin typeface="Cambria Math" panose="02040503050406030204" pitchFamily="18" charset="0"/>
-                                            </a:rPr>
-                                            <m:t>𝑗𝑐</m:t>
-                                          </m:r>
-                                          <m:r>
-                                            <a:rPr lang="en-US" altLang="ja-JP" sz="1400" i="1">
-                                              <a:latin typeface="Cambria Math" panose="02040503050406030204" pitchFamily="18" charset="0"/>
-                                            </a:rPr>
-                                            <m:t>2</m:t>
-                                          </m:r>
-                                        </m:sub>
-                                      </m:sSub>
-                                    </m:e>
-                                  </m:d>
-                                </m:e>
-                              </m:d>
-                            </m:e>
-                          </m:d>
-                          <m:r>
-                            <a:rPr lang="en-US" altLang="ja-JP" sz="1400" b="0" i="1" smtClean="0">
-                              <a:latin typeface="Cambria Math" panose="02040503050406030204" pitchFamily="18" charset="0"/>
-                            </a:rPr>
-                            <m:t>+</m:t>
-                          </m:r>
-                          <m:r>
-                            <a:rPr lang="en-US" altLang="ja-JP" sz="1400" i="1">
-                              <a:latin typeface="Cambria Math" panose="02040503050406030204" pitchFamily="18" charset="0"/>
-                            </a:rPr>
-                            <m:t>𝑗</m:t>
-                          </m:r>
-                          <m:sSup>
-                            <m:sSupPr>
-                              <m:ctrlPr>
-                                <a:rPr lang="en-US" altLang="ja-JP" sz="1400" i="1">
-                                  <a:latin typeface="Cambria Math" panose="02040503050406030204" pitchFamily="18" charset="0"/>
-                                </a:rPr>
-                              </m:ctrlPr>
-                            </m:sSupPr>
-                            <m:e>
-                              <m:r>
-                                <a:rPr lang="en-US" altLang="ja-JP" sz="1400" i="1">
-                                  <a:latin typeface="Cambria Math" panose="02040503050406030204" pitchFamily="18" charset="0"/>
-                                </a:rPr>
-                                <m:t>𝜔</m:t>
-                              </m:r>
-                            </m:e>
-                            <m:sup>
-                              <m:r>
-                                <a:rPr lang="en-US" altLang="ja-JP" sz="1400" i="1">
-                                  <a:latin typeface="Cambria Math" panose="02040503050406030204" pitchFamily="18" charset="0"/>
-                                </a:rPr>
-                                <m:t>3</m:t>
-                              </m:r>
-                            </m:sup>
-                          </m:sSup>
-                          <m:sSub>
-                            <m:sSubPr>
-                              <m:ctrlPr>
-                                <a:rPr lang="en-US" altLang="ja-JP" sz="1400" i="1">
-                                  <a:latin typeface="Cambria Math" panose="02040503050406030204" pitchFamily="18" charset="0"/>
-                                </a:rPr>
-                              </m:ctrlPr>
-                            </m:sSubPr>
-                            <m:e>
-                              <m:r>
-                                <a:rPr lang="en-US" altLang="ja-JP" sz="1400" i="1">
-                                  <a:latin typeface="Cambria Math" panose="02040503050406030204" pitchFamily="18" charset="0"/>
-                                </a:rPr>
-                                <m:t>𝐶</m:t>
-                              </m:r>
-                            </m:e>
-                            <m:sub>
-                              <m:r>
-                                <a:rPr lang="en-US" altLang="ja-JP" sz="1400" i="1">
-                                  <a:latin typeface="Cambria Math" panose="02040503050406030204" pitchFamily="18" charset="0"/>
-                                </a:rPr>
-                                <m:t>1</m:t>
-                              </m:r>
-                            </m:sub>
-                          </m:sSub>
-                          <m:sSub>
-                            <m:sSubPr>
-                              <m:ctrlPr>
-                                <a:rPr lang="en-US" altLang="ja-JP" sz="1400" i="1">
-                                  <a:latin typeface="Cambria Math" panose="02040503050406030204" pitchFamily="18" charset="0"/>
-                                </a:rPr>
-                              </m:ctrlPr>
-                            </m:sSubPr>
-                            <m:e>
-                              <m:r>
-                                <a:rPr lang="en-US" altLang="ja-JP" sz="1400" i="1">
-                                  <a:latin typeface="Cambria Math" panose="02040503050406030204" pitchFamily="18" charset="0"/>
-                                </a:rPr>
-                                <m:t>𝐶</m:t>
-                              </m:r>
-                            </m:e>
-                            <m:sub>
-                              <m:r>
-                                <a:rPr lang="en-US" altLang="ja-JP" sz="1400" i="1">
-                                  <a:latin typeface="Cambria Math" panose="02040503050406030204" pitchFamily="18" charset="0"/>
-                                </a:rPr>
-                                <m:t>𝑗𝑐</m:t>
-                              </m:r>
-                              <m:r>
-                                <a:rPr lang="en-US" altLang="ja-JP" sz="1400" i="1">
-                                  <a:latin typeface="Cambria Math" panose="02040503050406030204" pitchFamily="18" charset="0"/>
-                                </a:rPr>
-                                <m:t>2</m:t>
-                              </m:r>
-                            </m:sub>
-                          </m:sSub>
-                          <m:r>
-                            <a:rPr lang="en-US" altLang="ja-JP" sz="1400" i="1">
-                              <a:latin typeface="Cambria Math" panose="02040503050406030204" pitchFamily="18" charset="0"/>
-                            </a:rPr>
-                            <m:t>(</m:t>
-                          </m:r>
-                          <m:sSub>
-                            <m:sSubPr>
-                              <m:ctrlPr>
-                                <a:rPr lang="en-US" altLang="ja-JP" sz="1400" i="1">
-                                  <a:latin typeface="Cambria Math" panose="02040503050406030204" pitchFamily="18" charset="0"/>
-                                </a:rPr>
-                              </m:ctrlPr>
-                            </m:sSubPr>
-                            <m:e>
-                              <m:r>
-                                <a:rPr lang="en-US" altLang="ja-JP" sz="1400" i="1">
-                                  <a:latin typeface="Cambria Math" panose="02040503050406030204" pitchFamily="18" charset="0"/>
-                                </a:rPr>
-                                <m:t>𝐶</m:t>
-                              </m:r>
-                            </m:e>
-                            <m:sub>
-                              <m:r>
-                                <a:rPr lang="en-US" altLang="ja-JP" sz="1400" i="1">
-                                  <a:latin typeface="Cambria Math" panose="02040503050406030204" pitchFamily="18" charset="0"/>
-                                </a:rPr>
-                                <m:t>𝑗𝑐</m:t>
-                              </m:r>
-                              <m:r>
-                                <a:rPr lang="en-US" altLang="ja-JP" sz="1400" i="1">
-                                  <a:latin typeface="Cambria Math" panose="02040503050406030204" pitchFamily="18" charset="0"/>
-                                </a:rPr>
-                                <m:t>2</m:t>
-                              </m:r>
-                            </m:sub>
-                          </m:sSub>
-                          <m:r>
-                            <a:rPr lang="en-US" altLang="ja-JP" sz="1400" b="0" i="1" smtClean="0">
-                              <a:latin typeface="Cambria Math" panose="02040503050406030204" pitchFamily="18" charset="0"/>
-                            </a:rPr>
-                            <m:t>−</m:t>
-                          </m:r>
-                          <m:sSub>
-                            <m:sSubPr>
-                              <m:ctrlPr>
-                                <a:rPr lang="en-US" altLang="ja-JP" sz="1400" i="1">
-                                  <a:latin typeface="Cambria Math" panose="02040503050406030204" pitchFamily="18" charset="0"/>
-                                </a:rPr>
-                              </m:ctrlPr>
-                            </m:sSubPr>
-                            <m:e>
-                              <m:r>
-                                <a:rPr lang="en-US" altLang="ja-JP" sz="1400" i="1">
-                                  <a:latin typeface="Cambria Math" panose="02040503050406030204" pitchFamily="18" charset="0"/>
-                                </a:rPr>
-                                <m:t>𝐶</m:t>
-                              </m:r>
-                            </m:e>
-                            <m:sub>
-                              <m:r>
-                                <a:rPr lang="en-US" altLang="ja-JP" sz="1400" i="1">
-                                  <a:latin typeface="Cambria Math" panose="02040503050406030204" pitchFamily="18" charset="0"/>
-                                </a:rPr>
-                                <m:t>2</m:t>
-                              </m:r>
-                            </m:sub>
-                          </m:sSub>
-                          <m:r>
-                            <a:rPr lang="en-US" altLang="ja-JP" sz="1400" i="1">
-                              <a:latin typeface="Cambria Math" panose="02040503050406030204" pitchFamily="18" charset="0"/>
-                            </a:rPr>
-                            <m:t>)</m:t>
-                          </m:r>
-                        </m:den>
-                      </m:f>
+                        </m:e>
+                      </m:d>
                     </m:oMath>
                   </m:oMathPara>
                 </a14:m>
-                <a:endParaRPr lang="ja-JP" altLang="en-US" sz="1400" dirty="0"/>
+                <a:endParaRPr kumimoji="1" lang="en-US" altLang="ja-JP" sz="1200" dirty="0">
+                  <a:latin typeface="Times Newer Roman" panose="00000500000000000000" pitchFamily="50" charset="0"/>
+                </a:endParaRPr>
               </a:p>
             </p:txBody>
           </p:sp>
@@ -20000,10 +24390,10 @@
         <mc:Fallback>
           <p:sp>
             <p:nvSpPr>
-              <p:cNvPr id="8" name="テキスト ボックス 7">
+              <p:cNvPr id="9" name="テキスト ボックス 8">
                 <a:extLst>
                   <a:ext uri="{FF2B5EF4-FFF2-40B4-BE49-F238E27FC236}">
-                    <a16:creationId xmlns:a16="http://schemas.microsoft.com/office/drawing/2014/main" id="{D02828D0-4202-0F11-5180-746948E7776E}"/>
+                    <a16:creationId xmlns:a16="http://schemas.microsoft.com/office/drawing/2014/main" id="{43ED8F16-22DA-4A65-AB56-F2AB4F8A9BE9}"/>
                   </a:ext>
                 </a:extLst>
               </p:cNvPr>
@@ -20014,8 +24404,8 @@
             </p:nvSpPr>
             <p:spPr>
               <a:xfrm>
-                <a:off x="0" y="4969109"/>
-                <a:ext cx="12192000" cy="619529"/>
+                <a:off x="545434" y="3778543"/>
+                <a:ext cx="11205210" cy="491417"/>
               </a:xfrm>
               <a:prstGeom prst="rect">
                 <a:avLst/>
@@ -20023,7 +24413,7 @@
               <a:blipFill>
                 <a:blip r:embed="rId3"/>
                 <a:stretch>
-                  <a:fillRect/>
+                  <a:fillRect b="-1250"/>
                 </a:stretch>
               </a:blipFill>
             </p:spPr>
@@ -20045,7 +24435,7 @@
     </p:spTree>
     <p:extLst>
       <p:ext uri="{BB962C8B-B14F-4D97-AF65-F5344CB8AC3E}">
-        <p14:creationId xmlns:p14="http://schemas.microsoft.com/office/powerpoint/2010/main" val="901916825"/>
+        <p14:creationId xmlns:p14="http://schemas.microsoft.com/office/powerpoint/2010/main" val="3780339549"/>
       </p:ext>
     </p:extLst>
   </p:cSld>

--- a/IHP_2024/20240524/2段構成TIAの検討.pptx
+++ b/IHP_2024/20240524/2段構成TIAの検討.pptx
@@ -209,7 +209,7 @@
           <a:p>
             <a:fld id="{F8456487-DC86-474A-B4EE-F658698A396D}" type="datetimeFigureOut">
               <a:rPr kumimoji="1" lang="ja-JP" altLang="en-US" smtClean="0"/>
-              <a:t>2024/5/23</a:t>
+              <a:t>2024/6/3</a:t>
             </a:fld>
             <a:endParaRPr kumimoji="1" lang="ja-JP" altLang="en-US"/>
           </a:p>
@@ -7327,8 +7327,8 @@
           </a:p>
         </p:txBody>
       </p:sp>
-      <mc:AlternateContent xmlns:mc="http://schemas.openxmlformats.org/markup-compatibility/2006">
-        <mc:Choice xmlns:a14="http://schemas.microsoft.com/office/drawing/2010/main" Requires="a14">
+      <mc:AlternateContent xmlns:mc="http://schemas.openxmlformats.org/markup-compatibility/2006" xmlns:a14="http://schemas.microsoft.com/office/drawing/2010/main">
+        <mc:Choice Requires="a14">
           <p:sp>
             <p:nvSpPr>
               <p:cNvPr id="6" name="テキスト ボックス 5">
@@ -7393,19 +7393,7 @@
                       <a:rPr kumimoji="1" lang="en-US" altLang="ja-JP" b="0" i="1" smtClean="0">
                         <a:latin typeface="Cambria Math" panose="02040503050406030204" pitchFamily="18" charset="0"/>
                       </a:rPr>
-                      <m:t>=</m:t>
-                    </m:r>
-                    <m:r>
-                      <a:rPr kumimoji="1" lang="en-US" altLang="ja-JP" b="0" i="1" smtClean="0">
-                        <a:latin typeface="Cambria Math" panose="02040503050406030204" pitchFamily="18" charset="0"/>
-                      </a:rPr>
-                      <m:t>1.0254</m:t>
-                    </m:r>
-                    <m:r>
-                      <a:rPr kumimoji="1" lang="en-US" altLang="ja-JP" b="0" i="1" smtClean="0">
-                        <a:latin typeface="Cambria Math" panose="02040503050406030204" pitchFamily="18" charset="0"/>
-                      </a:rPr>
-                      <m:t>⋯×</m:t>
+                      <m:t>=1.0254⋯×</m:t>
                     </m:r>
                     <m:sSup>
                       <m:sSupPr>
@@ -7436,19 +7424,7 @@
                       <a:rPr kumimoji="1" lang="en-US" altLang="ja-JP" b="0" i="1" smtClean="0">
                         <a:latin typeface="Cambria Math" panose="02040503050406030204" pitchFamily="18" charset="0"/>
                       </a:rPr>
-                      <m:t>≈</m:t>
-                    </m:r>
-                    <m:r>
-                      <a:rPr kumimoji="1" lang="en-US" altLang="ja-JP" b="0" i="1" smtClean="0">
-                        <a:latin typeface="Cambria Math" panose="02040503050406030204" pitchFamily="18" charset="0"/>
-                      </a:rPr>
-                      <m:t>1.024</m:t>
-                    </m:r>
-                    <m:r>
-                      <a:rPr kumimoji="1" lang="en-US" altLang="ja-JP" b="0" i="1" smtClean="0">
-                        <a:latin typeface="Cambria Math" panose="02040503050406030204" pitchFamily="18" charset="0"/>
-                      </a:rPr>
-                      <m:t>×</m:t>
+                      <m:t>≈1.024×</m:t>
                     </m:r>
                     <m:sSup>
                       <m:sSupPr>
@@ -7656,7 +7632,9 @@
                             </m:dPr>
                             <m:e>
                               <m:r>
-                                <a:rPr lang="ja-JP" altLang="en-US"/>
+                                <a:rPr lang="ja-JP" altLang="en-US">
+                                  <a:latin typeface="Cambria Math" panose="02040503050406030204" pitchFamily="18" charset="0"/>
+                                </a:rPr>
                                 <m:t>​</m:t>
                               </m:r>
                             </m:e>
@@ -8766,13 +8744,7 @@
                             <a:rPr kumimoji="1" lang="en-US" altLang="ja-JP" b="0" i="1" smtClean="0">
                               <a:latin typeface="Cambria Math" panose="02040503050406030204" pitchFamily="18" charset="0"/>
                             </a:rPr>
-                            <m:t>1.1201</m:t>
-                          </m:r>
-                          <m:r>
-                            <a:rPr kumimoji="1" lang="en-US" altLang="ja-JP" b="0" i="1" smtClean="0">
-                              <a:latin typeface="Cambria Math" panose="02040503050406030204" pitchFamily="18" charset="0"/>
-                            </a:rPr>
-                            <m:t>⋯×</m:t>
+                            <m:t>1.1201⋯×</m:t>
                           </m:r>
                           <m:sSup>
                             <m:sSupPr>
@@ -8795,13 +8767,7 @@
                                 <a:rPr kumimoji="1" lang="en-US" altLang="ja-JP" b="0" i="1" smtClean="0">
                                   <a:latin typeface="Cambria Math" panose="02040503050406030204" pitchFamily="18" charset="0"/>
                                 </a:rPr>
-                                <m:t>−</m:t>
-                              </m:r>
-                              <m:r>
-                                <a:rPr kumimoji="1" lang="en-US" altLang="ja-JP" b="0" i="1" smtClean="0">
-                                  <a:latin typeface="Cambria Math" panose="02040503050406030204" pitchFamily="18" charset="0"/>
-                                </a:rPr>
-                                <m:t>6</m:t>
+                                <m:t>−6</m:t>
                               </m:r>
                             </m:sup>
                           </m:sSup>
@@ -8815,7 +8781,6 @@
                 </a:endParaRPr>
               </a:p>
               <a:p>
-                <a:pPr/>
                 <a:r>
                   <a:rPr kumimoji="1" lang="ja-JP" altLang="en-US" dirty="0">
                     <a:latin typeface="Times Newer Roman" panose="00000500000000000000" pitchFamily="50" charset="0"/>
@@ -8868,7 +8833,6 @@
                 </a:endParaRPr>
               </a:p>
               <a:p>
-                <a:pPr/>
                 <a:r>
                   <a:rPr kumimoji="1" lang="ja-JP" altLang="en-US" dirty="0">
                     <a:latin typeface="Times Newer Roman" panose="00000500000000000000" pitchFamily="50" charset="0"/>
@@ -9052,7 +9016,6 @@
                 </a:endParaRPr>
               </a:p>
               <a:p>
-                <a:pPr/>
                 <a:r>
                   <a:rPr kumimoji="1" lang="ja-JP" altLang="en-US" b="0" dirty="0">
                     <a:latin typeface="Times Newer Roman" panose="00000500000000000000" pitchFamily="50" charset="0"/>
@@ -9343,7 +9306,6 @@
                 </a:endParaRPr>
               </a:p>
               <a:p>
-                <a:pPr/>
                 <a:r>
                   <a:rPr lang="ja-JP" altLang="en-US" dirty="0">
                     <a:latin typeface="Times Newer Roman" panose="00000500000000000000" pitchFamily="50" charset="0"/>
@@ -9392,7 +9354,7 @@
             </p:txBody>
           </p:sp>
         </mc:Choice>
-        <mc:Fallback>
+        <mc:Fallback xmlns="">
           <p:sp>
             <p:nvSpPr>
               <p:cNvPr id="6" name="テキスト ボックス 5">
@@ -9583,8 +9545,8 @@
           </a:p>
         </p:txBody>
       </p:sp>
-      <mc:AlternateContent xmlns:mc="http://schemas.openxmlformats.org/markup-compatibility/2006">
-        <mc:Choice xmlns:a14="http://schemas.microsoft.com/office/drawing/2010/main" Requires="a14">
+      <mc:AlternateContent xmlns:mc="http://schemas.openxmlformats.org/markup-compatibility/2006" xmlns:a14="http://schemas.microsoft.com/office/drawing/2010/main">
+        <mc:Choice Requires="a14">
           <p:sp>
             <p:nvSpPr>
               <p:cNvPr id="6" name="テキスト ボックス 5">
@@ -9851,7 +9813,7 @@
                           <m:sSup>
                             <m:sSupPr>
                               <m:ctrlPr>
-                                <a:rPr kumimoji="1" lang="en-US" altLang="ja-JP" b="0" smtClean="0">
+                                <a:rPr kumimoji="1" lang="en-US" altLang="ja-JP" b="0" i="1" smtClean="0">
                                   <a:latin typeface="Cambria Math" panose="02040503050406030204" pitchFamily="18" charset="0"/>
                                 </a:rPr>
                               </m:ctrlPr>
@@ -10481,7 +10443,7 @@
             </p:txBody>
           </p:sp>
         </mc:Choice>
-        <mc:Fallback>
+        <mc:Fallback xmlns="">
           <p:sp>
             <p:nvSpPr>
               <p:cNvPr id="6" name="テキスト ボックス 5">
@@ -10672,8 +10634,8 @@
           </a:p>
         </p:txBody>
       </p:sp>
-      <mc:AlternateContent xmlns:mc="http://schemas.openxmlformats.org/markup-compatibility/2006">
-        <mc:Choice xmlns:a14="http://schemas.microsoft.com/office/drawing/2010/main" Requires="a14">
+      <mc:AlternateContent xmlns:mc="http://schemas.openxmlformats.org/markup-compatibility/2006" xmlns:a14="http://schemas.microsoft.com/office/drawing/2010/main">
+        <mc:Choice Requires="a14">
           <p:sp>
             <p:nvSpPr>
               <p:cNvPr id="6" name="テキスト ボックス 5">
@@ -10886,7 +10848,7 @@
             </p:txBody>
           </p:sp>
         </mc:Choice>
-        <mc:Fallback>
+        <mc:Fallback xmlns="">
           <p:sp>
             <p:nvSpPr>
               <p:cNvPr id="6" name="テキスト ボックス 5">
